--- a/02_day.pptx
+++ b/02_day.pptx
@@ -1,6 +1,6 @@
 
 <file path=ppt/presentation.xml><?xml version="1.0" encoding="utf-8"?>
-<p:presentation xmlns:a="http://schemas.openxmlformats.org/drawingml/2006/main" xmlns:r="http://schemas.openxmlformats.org/officeDocument/2006/relationships" xmlns:p="http://schemas.openxmlformats.org/presentationml/2006/main" saveSubsetFonts="1" bookmarkIdSeed="6">
+<p:presentation xmlns:a="http://schemas.openxmlformats.org/drawingml/2006/main" xmlns:r="http://schemas.openxmlformats.org/officeDocument/2006/relationships" xmlns:p="http://schemas.openxmlformats.org/presentationml/2006/main" saveSubsetFonts="1" bookmarkIdSeed="10">
   <p:sldMasterIdLst>
     <p:sldMasterId id="2147483648" r:id="rId1"/>
   </p:sldMasterIdLst>
@@ -21,6 +21,17 @@
     <p:sldId id="336" r:id="rId15"/>
     <p:sldId id="337" r:id="rId16"/>
     <p:sldId id="338" r:id="rId17"/>
+    <p:sldId id="339" r:id="rId18"/>
+    <p:sldId id="340" r:id="rId19"/>
+    <p:sldId id="341" r:id="rId20"/>
+    <p:sldId id="342" r:id="rId21"/>
+    <p:sldId id="343" r:id="rId22"/>
+    <p:sldId id="344" r:id="rId23"/>
+    <p:sldId id="345" r:id="rId24"/>
+    <p:sldId id="346" r:id="rId25"/>
+    <p:sldId id="347" r:id="rId26"/>
+    <p:sldId id="348" r:id="rId27"/>
+    <p:sldId id="349" r:id="rId28"/>
   </p:sldIdLst>
   <p:sldSz cx="9144000" cy="6858000" type="screen4x3"/>
   <p:notesSz cx="6858000" cy="9144000"/>
@@ -11464,6 +11475,2446 @@
 </p:sld>
 </file>
 
+<file path=ppt/slides/slide17.xml><?xml version="1.0" encoding="utf-8"?>
+<p:sld xmlns:a="http://schemas.openxmlformats.org/drawingml/2006/main" xmlns:r="http://schemas.openxmlformats.org/officeDocument/2006/relationships" xmlns:p="http://schemas.openxmlformats.org/presentationml/2006/main">
+  <p:cSld>
+    <p:spTree>
+      <p:nvGrpSpPr>
+        <p:cNvPr id="1" name=""/>
+        <p:cNvGrpSpPr/>
+        <p:nvPr/>
+      </p:nvGrpSpPr>
+      <p:grpSpPr>
+        <a:xfrm>
+          <a:off x="0" y="0"/>
+          <a:ext cx="0" cy="0"/>
+          <a:chOff x="0" y="0"/>
+          <a:chExt cx="0" cy="0"/>
+        </a:xfrm>
+      </p:grpSpPr>
+      <p:sp>
+        <p:nvSpPr>
+          <p:cNvPr id="4" name="TextBox 3">
+            <a:extLst>
+              <a:ext uri="{FF2B5EF4-FFF2-40B4-BE49-F238E27FC236}">
+                <a16:creationId xmlns:a16="http://schemas.microsoft.com/office/drawing/2014/main" id="{E6FAF5D6-2BC6-42EA-83CF-A2DFE1A00448}"/>
+              </a:ext>
+            </a:extLst>
+          </p:cNvPr>
+          <p:cNvSpPr txBox="1"/>
+          <p:nvPr/>
+        </p:nvSpPr>
+        <p:spPr>
+          <a:xfrm>
+            <a:off x="539552" y="404664"/>
+            <a:ext cx="3288080" cy="2246769"/>
+          </a:xfrm>
+          <a:prstGeom prst="rect">
+            <a:avLst/>
+          </a:prstGeom>
+          <a:noFill/>
+        </p:spPr>
+        <p:txBody>
+          <a:bodyPr wrap="none" rtlCol="0">
+            <a:spAutoFit/>
+          </a:bodyPr>
+          <a:lstStyle/>
+          <a:p>
+            <a:r>
+              <a:rPr lang="en-US" altLang="ko-KR" sz="2000">
+                <a:latin typeface="Consolas" pitchFamily="49" charset="0"/>
+                <a:cs typeface="Consolas" pitchFamily="49" charset="0"/>
+              </a:rPr>
+              <a:t>typedef struct _node</a:t>
+            </a:r>
+          </a:p>
+          <a:p>
+            <a:r>
+              <a:rPr lang="en-US" altLang="ko-KR" sz="2000">
+                <a:latin typeface="Consolas" pitchFamily="49" charset="0"/>
+                <a:cs typeface="Consolas" pitchFamily="49" charset="0"/>
+              </a:rPr>
+              <a:t>{</a:t>
+            </a:r>
+          </a:p>
+          <a:p>
+            <a:r>
+              <a:rPr lang="en-US" altLang="ko-KR" sz="2000">
+                <a:latin typeface="Consolas" pitchFamily="49" charset="0"/>
+                <a:cs typeface="Consolas" pitchFamily="49" charset="0"/>
+              </a:rPr>
+              <a:t>   int data;</a:t>
+            </a:r>
+          </a:p>
+          <a:p>
+            <a:r>
+              <a:rPr lang="en-US" altLang="ko-KR" sz="2000">
+                <a:latin typeface="Consolas" pitchFamily="49" charset="0"/>
+                <a:cs typeface="Consolas" pitchFamily="49" charset="0"/>
+              </a:rPr>
+              <a:t>   struct _node *next;</a:t>
+            </a:r>
+          </a:p>
+          <a:p>
+            <a:r>
+              <a:rPr lang="en-US" altLang="ko-KR" sz="2000">
+                <a:latin typeface="Consolas" pitchFamily="49" charset="0"/>
+                <a:cs typeface="Consolas" pitchFamily="49" charset="0"/>
+              </a:rPr>
+              <a:t>   struct _node *prev;</a:t>
+            </a:r>
+          </a:p>
+          <a:p>
+            <a:r>
+              <a:rPr lang="en-US" altLang="ko-KR" sz="2000">
+                <a:latin typeface="Consolas" pitchFamily="49" charset="0"/>
+                <a:cs typeface="Consolas" pitchFamily="49" charset="0"/>
+              </a:rPr>
+              <a:t>} NODE;</a:t>
+            </a:r>
+          </a:p>
+          <a:p>
+            <a:endParaRPr lang="en-US" altLang="ko-KR" sz="2000">
+              <a:latin typeface="Consolas" pitchFamily="49" charset="0"/>
+              <a:cs typeface="Consolas" pitchFamily="49" charset="0"/>
+            </a:endParaRPr>
+          </a:p>
+        </p:txBody>
+      </p:sp>
+      <p:sp>
+        <p:nvSpPr>
+          <p:cNvPr id="6" name="직사각형 5">
+            <a:extLst>
+              <a:ext uri="{FF2B5EF4-FFF2-40B4-BE49-F238E27FC236}">
+                <a16:creationId xmlns:a16="http://schemas.microsoft.com/office/drawing/2014/main" id="{014B8F61-B422-4159-9377-12C4F540A8CA}"/>
+              </a:ext>
+            </a:extLst>
+          </p:cNvPr>
+          <p:cNvSpPr/>
+          <p:nvPr/>
+        </p:nvSpPr>
+        <p:spPr>
+          <a:xfrm>
+            <a:off x="6228184" y="902652"/>
+            <a:ext cx="432048" cy="432048"/>
+          </a:xfrm>
+          <a:prstGeom prst="rect">
+            <a:avLst/>
+          </a:prstGeom>
+          <a:solidFill>
+            <a:srgbClr val="FFC000"/>
+          </a:solidFill>
+          <a:ln w="9525"/>
+        </p:spPr>
+        <p:style>
+          <a:lnRef idx="2">
+            <a:schemeClr val="accent1">
+              <a:shade val="50000"/>
+            </a:schemeClr>
+          </a:lnRef>
+          <a:fillRef idx="1">
+            <a:schemeClr val="accent1"/>
+          </a:fillRef>
+          <a:effectRef idx="0">
+            <a:schemeClr val="accent1"/>
+          </a:effectRef>
+          <a:fontRef idx="minor">
+            <a:schemeClr val="lt1"/>
+          </a:fontRef>
+        </p:style>
+        <p:txBody>
+          <a:bodyPr rot="0" spcFirstLastPara="0" vertOverflow="overflow" horzOverflow="overflow" vert="horz" wrap="square" lIns="91440" tIns="45720" rIns="91440" bIns="45720" numCol="1" spcCol="0" rtlCol="0" fromWordArt="0" anchor="ctr" anchorCtr="0" forceAA="0" compatLnSpc="1">
+            <a:prstTxWarp prst="textNoShape">
+              <a:avLst/>
+            </a:prstTxWarp>
+            <a:noAutofit/>
+          </a:bodyPr>
+          <a:lstStyle/>
+          <a:p>
+            <a:pPr algn="ctr"/>
+            <a:r>
+              <a:rPr lang="en-US" altLang="ko-KR" sz="2000">
+                <a:solidFill>
+                  <a:schemeClr val="tx1"/>
+                </a:solidFill>
+                <a:latin typeface="Consolas" pitchFamily="49" charset="0"/>
+                <a:cs typeface="Consolas" pitchFamily="49" charset="0"/>
+              </a:rPr>
+              <a:t>1</a:t>
+            </a:r>
+            <a:endParaRPr lang="ko-KR" altLang="en-US" sz="2000">
+              <a:solidFill>
+                <a:schemeClr val="tx1"/>
+              </a:solidFill>
+              <a:latin typeface="Consolas" pitchFamily="49" charset="0"/>
+              <a:cs typeface="Consolas" pitchFamily="49" charset="0"/>
+            </a:endParaRPr>
+          </a:p>
+        </p:txBody>
+      </p:sp>
+      <p:sp>
+        <p:nvSpPr>
+          <p:cNvPr id="7" name="직사각형 6">
+            <a:extLst>
+              <a:ext uri="{FF2B5EF4-FFF2-40B4-BE49-F238E27FC236}">
+                <a16:creationId xmlns:a16="http://schemas.microsoft.com/office/drawing/2014/main" id="{5555DD07-C2E3-4472-B9CD-4705707CEC0B}"/>
+              </a:ext>
+            </a:extLst>
+          </p:cNvPr>
+          <p:cNvSpPr/>
+          <p:nvPr/>
+        </p:nvSpPr>
+        <p:spPr>
+          <a:xfrm>
+            <a:off x="6660232" y="908720"/>
+            <a:ext cx="432048" cy="432048"/>
+          </a:xfrm>
+          <a:prstGeom prst="rect">
+            <a:avLst/>
+          </a:prstGeom>
+          <a:solidFill>
+            <a:srgbClr val="FFFF00"/>
+          </a:solidFill>
+          <a:ln w="9525"/>
+        </p:spPr>
+        <p:style>
+          <a:lnRef idx="2">
+            <a:schemeClr val="accent1">
+              <a:shade val="50000"/>
+            </a:schemeClr>
+          </a:lnRef>
+          <a:fillRef idx="1">
+            <a:schemeClr val="accent1"/>
+          </a:fillRef>
+          <a:effectRef idx="0">
+            <a:schemeClr val="accent1"/>
+          </a:effectRef>
+          <a:fontRef idx="minor">
+            <a:schemeClr val="lt1"/>
+          </a:fontRef>
+        </p:style>
+        <p:txBody>
+          <a:bodyPr rot="0" spcFirstLastPara="0" vertOverflow="overflow" horzOverflow="overflow" vert="horz" wrap="square" lIns="91440" tIns="45720" rIns="91440" bIns="45720" numCol="1" spcCol="0" rtlCol="0" fromWordArt="0" anchor="ctr" anchorCtr="0" forceAA="0" compatLnSpc="1">
+            <a:prstTxWarp prst="textNoShape">
+              <a:avLst/>
+            </a:prstTxWarp>
+            <a:noAutofit/>
+          </a:bodyPr>
+          <a:lstStyle/>
+          <a:p>
+            <a:pPr algn="ctr"/>
+            <a:endParaRPr lang="ko-KR" altLang="en-US" sz="2000">
+              <a:solidFill>
+                <a:schemeClr val="tx1"/>
+              </a:solidFill>
+              <a:latin typeface="Consolas" pitchFamily="49" charset="0"/>
+              <a:cs typeface="Consolas" pitchFamily="49" charset="0"/>
+            </a:endParaRPr>
+          </a:p>
+        </p:txBody>
+      </p:sp>
+      <p:sp>
+        <p:nvSpPr>
+          <p:cNvPr id="9" name="직사각형 8">
+            <a:extLst>
+              <a:ext uri="{FF2B5EF4-FFF2-40B4-BE49-F238E27FC236}">
+                <a16:creationId xmlns:a16="http://schemas.microsoft.com/office/drawing/2014/main" id="{1C228358-F8F5-4EA6-9C23-13373DCB14E9}"/>
+              </a:ext>
+            </a:extLst>
+          </p:cNvPr>
+          <p:cNvSpPr/>
+          <p:nvPr/>
+        </p:nvSpPr>
+        <p:spPr>
+          <a:xfrm>
+            <a:off x="5796136" y="905686"/>
+            <a:ext cx="432048" cy="432048"/>
+          </a:xfrm>
+          <a:prstGeom prst="rect">
+            <a:avLst/>
+          </a:prstGeom>
+          <a:solidFill>
+            <a:srgbClr val="FFFF00"/>
+          </a:solidFill>
+          <a:ln w="9525"/>
+        </p:spPr>
+        <p:style>
+          <a:lnRef idx="2">
+            <a:schemeClr val="accent1">
+              <a:shade val="50000"/>
+            </a:schemeClr>
+          </a:lnRef>
+          <a:fillRef idx="1">
+            <a:schemeClr val="accent1"/>
+          </a:fillRef>
+          <a:effectRef idx="0">
+            <a:schemeClr val="accent1"/>
+          </a:effectRef>
+          <a:fontRef idx="minor">
+            <a:schemeClr val="lt1"/>
+          </a:fontRef>
+        </p:style>
+        <p:txBody>
+          <a:bodyPr rot="0" spcFirstLastPara="0" vertOverflow="overflow" horzOverflow="overflow" vert="horz" wrap="square" lIns="91440" tIns="45720" rIns="91440" bIns="45720" numCol="1" spcCol="0" rtlCol="0" fromWordArt="0" anchor="ctr" anchorCtr="0" forceAA="0" compatLnSpc="1">
+            <a:prstTxWarp prst="textNoShape">
+              <a:avLst/>
+            </a:prstTxWarp>
+            <a:noAutofit/>
+          </a:bodyPr>
+          <a:lstStyle/>
+          <a:p>
+            <a:pPr algn="ctr"/>
+            <a:endParaRPr lang="ko-KR" altLang="en-US" sz="2000">
+              <a:solidFill>
+                <a:schemeClr val="tx1"/>
+              </a:solidFill>
+              <a:latin typeface="Consolas" pitchFamily="49" charset="0"/>
+              <a:cs typeface="Consolas" pitchFamily="49" charset="0"/>
+            </a:endParaRPr>
+          </a:p>
+        </p:txBody>
+      </p:sp>
+    </p:spTree>
+    <p:extLst>
+      <p:ext uri="{BB962C8B-B14F-4D97-AF65-F5344CB8AC3E}">
+        <p14:creationId xmlns:p14="http://schemas.microsoft.com/office/powerpoint/2010/main" val="1862836548"/>
+      </p:ext>
+    </p:extLst>
+  </p:cSld>
+  <p:clrMapOvr>
+    <a:masterClrMapping/>
+  </p:clrMapOvr>
+</p:sld>
+</file>
+
+<file path=ppt/slides/slide18.xml><?xml version="1.0" encoding="utf-8"?>
+<p:sld xmlns:a="http://schemas.openxmlformats.org/drawingml/2006/main" xmlns:r="http://schemas.openxmlformats.org/officeDocument/2006/relationships" xmlns:p="http://schemas.openxmlformats.org/presentationml/2006/main">
+  <p:cSld>
+    <p:spTree>
+      <p:nvGrpSpPr>
+        <p:cNvPr id="1" name=""/>
+        <p:cNvGrpSpPr/>
+        <p:nvPr/>
+      </p:nvGrpSpPr>
+      <p:grpSpPr>
+        <a:xfrm>
+          <a:off x="0" y="0"/>
+          <a:ext cx="0" cy="0"/>
+          <a:chOff x="0" y="0"/>
+          <a:chExt cx="0" cy="0"/>
+        </a:xfrm>
+      </p:grpSpPr>
+      <p:sp>
+        <p:nvSpPr>
+          <p:cNvPr id="4" name="TextBox 3">
+            <a:extLst>
+              <a:ext uri="{FF2B5EF4-FFF2-40B4-BE49-F238E27FC236}">
+                <a16:creationId xmlns:a16="http://schemas.microsoft.com/office/drawing/2014/main" id="{E6FAF5D6-2BC6-42EA-83CF-A2DFE1A00448}"/>
+              </a:ext>
+            </a:extLst>
+          </p:cNvPr>
+          <p:cNvSpPr txBox="1"/>
+          <p:nvPr/>
+        </p:nvSpPr>
+        <p:spPr>
+          <a:xfrm>
+            <a:off x="539552" y="404664"/>
+            <a:ext cx="6109365" cy="2554545"/>
+          </a:xfrm>
+          <a:prstGeom prst="rect">
+            <a:avLst/>
+          </a:prstGeom>
+          <a:noFill/>
+        </p:spPr>
+        <p:txBody>
+          <a:bodyPr wrap="none" rtlCol="0">
+            <a:spAutoFit/>
+          </a:bodyPr>
+          <a:lstStyle/>
+          <a:p>
+            <a:r>
+              <a:rPr lang="en-US" altLang="ko-KR" sz="2000">
+                <a:latin typeface="Consolas" pitchFamily="49" charset="0"/>
+                <a:cs typeface="Consolas" pitchFamily="49" charset="0"/>
+              </a:rPr>
+              <a:t>void insert_data( NODE *temp, NODE *head )</a:t>
+            </a:r>
+          </a:p>
+          <a:p>
+            <a:r>
+              <a:rPr lang="en-US" altLang="ko-KR" sz="2000">
+                <a:latin typeface="Consolas" pitchFamily="49" charset="0"/>
+                <a:cs typeface="Consolas" pitchFamily="49" charset="0"/>
+              </a:rPr>
+              <a:t>{</a:t>
+            </a:r>
+          </a:p>
+          <a:p>
+            <a:r>
+              <a:rPr lang="en-US" altLang="ko-KR" sz="2000">
+                <a:latin typeface="Consolas" pitchFamily="49" charset="0"/>
+                <a:cs typeface="Consolas" pitchFamily="49" charset="0"/>
+              </a:rPr>
+              <a:t>   temp-&gt;next = head-&gt;next;</a:t>
+            </a:r>
+          </a:p>
+          <a:p>
+            <a:r>
+              <a:rPr lang="en-US" altLang="ko-KR" sz="2000">
+                <a:latin typeface="Consolas" pitchFamily="49" charset="0"/>
+                <a:cs typeface="Consolas" pitchFamily="49" charset="0"/>
+              </a:rPr>
+              <a:t>   head-&gt;next = temp;</a:t>
+            </a:r>
+          </a:p>
+          <a:p>
+            <a:r>
+              <a:rPr lang="en-US" altLang="ko-KR" sz="2000">
+                <a:latin typeface="Consolas" pitchFamily="49" charset="0"/>
+                <a:cs typeface="Consolas" pitchFamily="49" charset="0"/>
+              </a:rPr>
+              <a:t>   temp-&gt;prev = head;</a:t>
+            </a:r>
+          </a:p>
+          <a:p>
+            <a:r>
+              <a:rPr lang="en-US" altLang="ko-KR" sz="2000">
+                <a:latin typeface="Consolas" pitchFamily="49" charset="0"/>
+                <a:cs typeface="Consolas" pitchFamily="49" charset="0"/>
+              </a:rPr>
+              <a:t>   temp-&gt;next-&gt;prev = temp;</a:t>
+            </a:r>
+          </a:p>
+          <a:p>
+            <a:r>
+              <a:rPr lang="en-US" altLang="ko-KR" sz="2000">
+                <a:latin typeface="Consolas" pitchFamily="49" charset="0"/>
+                <a:cs typeface="Consolas" pitchFamily="49" charset="0"/>
+              </a:rPr>
+              <a:t>}</a:t>
+            </a:r>
+          </a:p>
+          <a:p>
+            <a:endParaRPr lang="en-US" altLang="ko-KR" sz="2000">
+              <a:latin typeface="Consolas" pitchFamily="49" charset="0"/>
+              <a:cs typeface="Consolas" pitchFamily="49" charset="0"/>
+            </a:endParaRPr>
+          </a:p>
+        </p:txBody>
+      </p:sp>
+      <p:sp>
+        <p:nvSpPr>
+          <p:cNvPr id="6" name="직사각형 5">
+            <a:extLst>
+              <a:ext uri="{FF2B5EF4-FFF2-40B4-BE49-F238E27FC236}">
+                <a16:creationId xmlns:a16="http://schemas.microsoft.com/office/drawing/2014/main" id="{014B8F61-B422-4159-9377-12C4F540A8CA}"/>
+              </a:ext>
+            </a:extLst>
+          </p:cNvPr>
+          <p:cNvSpPr/>
+          <p:nvPr/>
+        </p:nvSpPr>
+        <p:spPr>
+          <a:xfrm>
+            <a:off x="1907704" y="4071004"/>
+            <a:ext cx="432048" cy="432048"/>
+          </a:xfrm>
+          <a:prstGeom prst="rect">
+            <a:avLst/>
+          </a:prstGeom>
+          <a:solidFill>
+            <a:srgbClr val="FFC000"/>
+          </a:solidFill>
+          <a:ln w="9525"/>
+        </p:spPr>
+        <p:style>
+          <a:lnRef idx="2">
+            <a:schemeClr val="accent1">
+              <a:shade val="50000"/>
+            </a:schemeClr>
+          </a:lnRef>
+          <a:fillRef idx="1">
+            <a:schemeClr val="accent1"/>
+          </a:fillRef>
+          <a:effectRef idx="0">
+            <a:schemeClr val="accent1"/>
+          </a:effectRef>
+          <a:fontRef idx="minor">
+            <a:schemeClr val="lt1"/>
+          </a:fontRef>
+        </p:style>
+        <p:txBody>
+          <a:bodyPr rot="0" spcFirstLastPara="0" vertOverflow="overflow" horzOverflow="overflow" vert="horz" wrap="square" lIns="91440" tIns="45720" rIns="91440" bIns="45720" numCol="1" spcCol="0" rtlCol="0" fromWordArt="0" anchor="ctr" anchorCtr="0" forceAA="0" compatLnSpc="1">
+            <a:prstTxWarp prst="textNoShape">
+              <a:avLst/>
+            </a:prstTxWarp>
+            <a:noAutofit/>
+          </a:bodyPr>
+          <a:lstStyle/>
+          <a:p>
+            <a:pPr algn="ctr"/>
+            <a:endParaRPr lang="ko-KR" altLang="en-US" sz="2000">
+              <a:solidFill>
+                <a:schemeClr val="tx1"/>
+              </a:solidFill>
+              <a:latin typeface="Consolas" pitchFamily="49" charset="0"/>
+              <a:cs typeface="Consolas" pitchFamily="49" charset="0"/>
+            </a:endParaRPr>
+          </a:p>
+        </p:txBody>
+      </p:sp>
+      <p:sp>
+        <p:nvSpPr>
+          <p:cNvPr id="7" name="직사각형 6">
+            <a:extLst>
+              <a:ext uri="{FF2B5EF4-FFF2-40B4-BE49-F238E27FC236}">
+                <a16:creationId xmlns:a16="http://schemas.microsoft.com/office/drawing/2014/main" id="{5555DD07-C2E3-4472-B9CD-4705707CEC0B}"/>
+              </a:ext>
+            </a:extLst>
+          </p:cNvPr>
+          <p:cNvSpPr/>
+          <p:nvPr/>
+        </p:nvSpPr>
+        <p:spPr>
+          <a:xfrm>
+            <a:off x="2339752" y="4077072"/>
+            <a:ext cx="432048" cy="432048"/>
+          </a:xfrm>
+          <a:prstGeom prst="rect">
+            <a:avLst/>
+          </a:prstGeom>
+          <a:solidFill>
+            <a:srgbClr val="FFFF00"/>
+          </a:solidFill>
+          <a:ln w="9525"/>
+        </p:spPr>
+        <p:style>
+          <a:lnRef idx="2">
+            <a:schemeClr val="accent1">
+              <a:shade val="50000"/>
+            </a:schemeClr>
+          </a:lnRef>
+          <a:fillRef idx="1">
+            <a:schemeClr val="accent1"/>
+          </a:fillRef>
+          <a:effectRef idx="0">
+            <a:schemeClr val="accent1"/>
+          </a:effectRef>
+          <a:fontRef idx="minor">
+            <a:schemeClr val="lt1"/>
+          </a:fontRef>
+        </p:style>
+        <p:txBody>
+          <a:bodyPr rot="0" spcFirstLastPara="0" vertOverflow="overflow" horzOverflow="overflow" vert="horz" wrap="square" lIns="91440" tIns="45720" rIns="91440" bIns="45720" numCol="1" spcCol="0" rtlCol="0" fromWordArt="0" anchor="ctr" anchorCtr="0" forceAA="0" compatLnSpc="1">
+            <a:prstTxWarp prst="textNoShape">
+              <a:avLst/>
+            </a:prstTxWarp>
+            <a:noAutofit/>
+          </a:bodyPr>
+          <a:lstStyle/>
+          <a:p>
+            <a:pPr algn="ctr"/>
+            <a:endParaRPr lang="ko-KR" altLang="en-US" sz="2000">
+              <a:solidFill>
+                <a:schemeClr val="tx1"/>
+              </a:solidFill>
+              <a:latin typeface="Consolas" pitchFamily="49" charset="0"/>
+              <a:cs typeface="Consolas" pitchFamily="49" charset="0"/>
+            </a:endParaRPr>
+          </a:p>
+        </p:txBody>
+      </p:sp>
+      <p:sp>
+        <p:nvSpPr>
+          <p:cNvPr id="9" name="직사각형 8">
+            <a:extLst>
+              <a:ext uri="{FF2B5EF4-FFF2-40B4-BE49-F238E27FC236}">
+                <a16:creationId xmlns:a16="http://schemas.microsoft.com/office/drawing/2014/main" id="{1C228358-F8F5-4EA6-9C23-13373DCB14E9}"/>
+              </a:ext>
+            </a:extLst>
+          </p:cNvPr>
+          <p:cNvSpPr/>
+          <p:nvPr/>
+        </p:nvSpPr>
+        <p:spPr>
+          <a:xfrm>
+            <a:off x="1475656" y="4074038"/>
+            <a:ext cx="432048" cy="432048"/>
+          </a:xfrm>
+          <a:prstGeom prst="rect">
+            <a:avLst/>
+          </a:prstGeom>
+          <a:solidFill>
+            <a:srgbClr val="FFFF00"/>
+          </a:solidFill>
+          <a:ln w="9525"/>
+        </p:spPr>
+        <p:style>
+          <a:lnRef idx="2">
+            <a:schemeClr val="accent1">
+              <a:shade val="50000"/>
+            </a:schemeClr>
+          </a:lnRef>
+          <a:fillRef idx="1">
+            <a:schemeClr val="accent1"/>
+          </a:fillRef>
+          <a:effectRef idx="0">
+            <a:schemeClr val="accent1"/>
+          </a:effectRef>
+          <a:fontRef idx="minor">
+            <a:schemeClr val="lt1"/>
+          </a:fontRef>
+        </p:style>
+        <p:txBody>
+          <a:bodyPr rot="0" spcFirstLastPara="0" vertOverflow="overflow" horzOverflow="overflow" vert="horz" wrap="square" lIns="91440" tIns="45720" rIns="91440" bIns="45720" numCol="1" spcCol="0" rtlCol="0" fromWordArt="0" anchor="ctr" anchorCtr="0" forceAA="0" compatLnSpc="1">
+            <a:prstTxWarp prst="textNoShape">
+              <a:avLst/>
+            </a:prstTxWarp>
+            <a:noAutofit/>
+          </a:bodyPr>
+          <a:lstStyle/>
+          <a:p>
+            <a:pPr algn="ctr"/>
+            <a:endParaRPr lang="ko-KR" altLang="en-US" sz="2000">
+              <a:solidFill>
+                <a:schemeClr val="tx1"/>
+              </a:solidFill>
+              <a:latin typeface="Consolas" pitchFamily="49" charset="0"/>
+              <a:cs typeface="Consolas" pitchFamily="49" charset="0"/>
+            </a:endParaRPr>
+          </a:p>
+        </p:txBody>
+      </p:sp>
+      <p:sp>
+        <p:nvSpPr>
+          <p:cNvPr id="8" name="직사각형 7">
+            <a:extLst>
+              <a:ext uri="{FF2B5EF4-FFF2-40B4-BE49-F238E27FC236}">
+                <a16:creationId xmlns:a16="http://schemas.microsoft.com/office/drawing/2014/main" id="{E994D97C-498C-4C94-89D6-E257D7B9FA60}"/>
+              </a:ext>
+            </a:extLst>
+          </p:cNvPr>
+          <p:cNvSpPr/>
+          <p:nvPr/>
+        </p:nvSpPr>
+        <p:spPr>
+          <a:xfrm>
+            <a:off x="5508104" y="4067970"/>
+            <a:ext cx="432048" cy="432048"/>
+          </a:xfrm>
+          <a:prstGeom prst="rect">
+            <a:avLst/>
+          </a:prstGeom>
+          <a:solidFill>
+            <a:srgbClr val="FFC000"/>
+          </a:solidFill>
+          <a:ln w="9525"/>
+        </p:spPr>
+        <p:style>
+          <a:lnRef idx="2">
+            <a:schemeClr val="accent1">
+              <a:shade val="50000"/>
+            </a:schemeClr>
+          </a:lnRef>
+          <a:fillRef idx="1">
+            <a:schemeClr val="accent1"/>
+          </a:fillRef>
+          <a:effectRef idx="0">
+            <a:schemeClr val="accent1"/>
+          </a:effectRef>
+          <a:fontRef idx="minor">
+            <a:schemeClr val="lt1"/>
+          </a:fontRef>
+        </p:style>
+        <p:txBody>
+          <a:bodyPr rot="0" spcFirstLastPara="0" vertOverflow="overflow" horzOverflow="overflow" vert="horz" wrap="square" lIns="91440" tIns="45720" rIns="91440" bIns="45720" numCol="1" spcCol="0" rtlCol="0" fromWordArt="0" anchor="ctr" anchorCtr="0" forceAA="0" compatLnSpc="1">
+            <a:prstTxWarp prst="textNoShape">
+              <a:avLst/>
+            </a:prstTxWarp>
+            <a:noAutofit/>
+          </a:bodyPr>
+          <a:lstStyle/>
+          <a:p>
+            <a:pPr algn="ctr"/>
+            <a:r>
+              <a:rPr lang="en-US" altLang="ko-KR" sz="2000">
+                <a:solidFill>
+                  <a:schemeClr val="tx1"/>
+                </a:solidFill>
+                <a:latin typeface="Consolas" pitchFamily="49" charset="0"/>
+                <a:cs typeface="Consolas" pitchFamily="49" charset="0"/>
+              </a:rPr>
+              <a:t>1</a:t>
+            </a:r>
+            <a:endParaRPr lang="ko-KR" altLang="en-US" sz="2000">
+              <a:solidFill>
+                <a:schemeClr val="tx1"/>
+              </a:solidFill>
+              <a:latin typeface="Consolas" pitchFamily="49" charset="0"/>
+              <a:cs typeface="Consolas" pitchFamily="49" charset="0"/>
+            </a:endParaRPr>
+          </a:p>
+        </p:txBody>
+      </p:sp>
+      <p:sp>
+        <p:nvSpPr>
+          <p:cNvPr id="10" name="직사각형 9">
+            <a:extLst>
+              <a:ext uri="{FF2B5EF4-FFF2-40B4-BE49-F238E27FC236}">
+                <a16:creationId xmlns:a16="http://schemas.microsoft.com/office/drawing/2014/main" id="{A752E4AF-7200-428C-9B46-6F301190666D}"/>
+              </a:ext>
+            </a:extLst>
+          </p:cNvPr>
+          <p:cNvSpPr/>
+          <p:nvPr/>
+        </p:nvSpPr>
+        <p:spPr>
+          <a:xfrm>
+            <a:off x="5940152" y="4074038"/>
+            <a:ext cx="432048" cy="432048"/>
+          </a:xfrm>
+          <a:prstGeom prst="rect">
+            <a:avLst/>
+          </a:prstGeom>
+          <a:solidFill>
+            <a:srgbClr val="FFFF00"/>
+          </a:solidFill>
+          <a:ln w="9525"/>
+        </p:spPr>
+        <p:style>
+          <a:lnRef idx="2">
+            <a:schemeClr val="accent1">
+              <a:shade val="50000"/>
+            </a:schemeClr>
+          </a:lnRef>
+          <a:fillRef idx="1">
+            <a:schemeClr val="accent1"/>
+          </a:fillRef>
+          <a:effectRef idx="0">
+            <a:schemeClr val="accent1"/>
+          </a:effectRef>
+          <a:fontRef idx="minor">
+            <a:schemeClr val="lt1"/>
+          </a:fontRef>
+        </p:style>
+        <p:txBody>
+          <a:bodyPr rot="0" spcFirstLastPara="0" vertOverflow="overflow" horzOverflow="overflow" vert="horz" wrap="square" lIns="91440" tIns="45720" rIns="91440" bIns="45720" numCol="1" spcCol="0" rtlCol="0" fromWordArt="0" anchor="ctr" anchorCtr="0" forceAA="0" compatLnSpc="1">
+            <a:prstTxWarp prst="textNoShape">
+              <a:avLst/>
+            </a:prstTxWarp>
+            <a:noAutofit/>
+          </a:bodyPr>
+          <a:lstStyle/>
+          <a:p>
+            <a:pPr algn="ctr"/>
+            <a:endParaRPr lang="ko-KR" altLang="en-US" sz="2000">
+              <a:solidFill>
+                <a:schemeClr val="tx1"/>
+              </a:solidFill>
+              <a:latin typeface="Consolas" pitchFamily="49" charset="0"/>
+              <a:cs typeface="Consolas" pitchFamily="49" charset="0"/>
+            </a:endParaRPr>
+          </a:p>
+        </p:txBody>
+      </p:sp>
+      <p:sp>
+        <p:nvSpPr>
+          <p:cNvPr id="11" name="직사각형 10">
+            <a:extLst>
+              <a:ext uri="{FF2B5EF4-FFF2-40B4-BE49-F238E27FC236}">
+                <a16:creationId xmlns:a16="http://schemas.microsoft.com/office/drawing/2014/main" id="{6240F660-BBA3-4E2D-A71E-3ADACE5060C6}"/>
+              </a:ext>
+            </a:extLst>
+          </p:cNvPr>
+          <p:cNvSpPr/>
+          <p:nvPr/>
+        </p:nvSpPr>
+        <p:spPr>
+          <a:xfrm>
+            <a:off x="5076056" y="4071004"/>
+            <a:ext cx="432048" cy="432048"/>
+          </a:xfrm>
+          <a:prstGeom prst="rect">
+            <a:avLst/>
+          </a:prstGeom>
+          <a:solidFill>
+            <a:srgbClr val="FFFF00"/>
+          </a:solidFill>
+          <a:ln w="9525"/>
+        </p:spPr>
+        <p:style>
+          <a:lnRef idx="2">
+            <a:schemeClr val="accent1">
+              <a:shade val="50000"/>
+            </a:schemeClr>
+          </a:lnRef>
+          <a:fillRef idx="1">
+            <a:schemeClr val="accent1"/>
+          </a:fillRef>
+          <a:effectRef idx="0">
+            <a:schemeClr val="accent1"/>
+          </a:effectRef>
+          <a:fontRef idx="minor">
+            <a:schemeClr val="lt1"/>
+          </a:fontRef>
+        </p:style>
+        <p:txBody>
+          <a:bodyPr rot="0" spcFirstLastPara="0" vertOverflow="overflow" horzOverflow="overflow" vert="horz" wrap="square" lIns="91440" tIns="45720" rIns="91440" bIns="45720" numCol="1" spcCol="0" rtlCol="0" fromWordArt="0" anchor="ctr" anchorCtr="0" forceAA="0" compatLnSpc="1">
+            <a:prstTxWarp prst="textNoShape">
+              <a:avLst/>
+            </a:prstTxWarp>
+            <a:noAutofit/>
+          </a:bodyPr>
+          <a:lstStyle/>
+          <a:p>
+            <a:pPr algn="ctr"/>
+            <a:endParaRPr lang="ko-KR" altLang="en-US" sz="2000">
+              <a:solidFill>
+                <a:schemeClr val="tx1"/>
+              </a:solidFill>
+              <a:latin typeface="Consolas" pitchFamily="49" charset="0"/>
+              <a:cs typeface="Consolas" pitchFamily="49" charset="0"/>
+            </a:endParaRPr>
+          </a:p>
+        </p:txBody>
+      </p:sp>
+      <p:sp>
+        <p:nvSpPr>
+          <p:cNvPr id="12" name="직사각형 11">
+            <a:extLst>
+              <a:ext uri="{FF2B5EF4-FFF2-40B4-BE49-F238E27FC236}">
+                <a16:creationId xmlns:a16="http://schemas.microsoft.com/office/drawing/2014/main" id="{67167900-CE7B-4FAA-81D0-D63C949BD49D}"/>
+              </a:ext>
+            </a:extLst>
+          </p:cNvPr>
+          <p:cNvSpPr/>
+          <p:nvPr/>
+        </p:nvSpPr>
+        <p:spPr>
+          <a:xfrm>
+            <a:off x="3635896" y="4071004"/>
+            <a:ext cx="432048" cy="432048"/>
+          </a:xfrm>
+          <a:prstGeom prst="rect">
+            <a:avLst/>
+          </a:prstGeom>
+          <a:solidFill>
+            <a:srgbClr val="FFC000"/>
+          </a:solidFill>
+          <a:ln w="9525"/>
+        </p:spPr>
+        <p:style>
+          <a:lnRef idx="2">
+            <a:schemeClr val="accent1">
+              <a:shade val="50000"/>
+            </a:schemeClr>
+          </a:lnRef>
+          <a:fillRef idx="1">
+            <a:schemeClr val="accent1"/>
+          </a:fillRef>
+          <a:effectRef idx="0">
+            <a:schemeClr val="accent1"/>
+          </a:effectRef>
+          <a:fontRef idx="minor">
+            <a:schemeClr val="lt1"/>
+          </a:fontRef>
+        </p:style>
+        <p:txBody>
+          <a:bodyPr rot="0" spcFirstLastPara="0" vertOverflow="overflow" horzOverflow="overflow" vert="horz" wrap="square" lIns="91440" tIns="45720" rIns="91440" bIns="45720" numCol="1" spcCol="0" rtlCol="0" fromWordArt="0" anchor="ctr" anchorCtr="0" forceAA="0" compatLnSpc="1">
+            <a:prstTxWarp prst="textNoShape">
+              <a:avLst/>
+            </a:prstTxWarp>
+            <a:noAutofit/>
+          </a:bodyPr>
+          <a:lstStyle/>
+          <a:p>
+            <a:pPr algn="ctr"/>
+            <a:r>
+              <a:rPr lang="en-US" altLang="ko-KR" sz="2000">
+                <a:solidFill>
+                  <a:schemeClr val="tx1"/>
+                </a:solidFill>
+                <a:latin typeface="Consolas" pitchFamily="49" charset="0"/>
+                <a:cs typeface="Consolas" pitchFamily="49" charset="0"/>
+              </a:rPr>
+              <a:t>2</a:t>
+            </a:r>
+            <a:endParaRPr lang="ko-KR" altLang="en-US" sz="2000">
+              <a:solidFill>
+                <a:schemeClr val="tx1"/>
+              </a:solidFill>
+              <a:latin typeface="Consolas" pitchFamily="49" charset="0"/>
+              <a:cs typeface="Consolas" pitchFamily="49" charset="0"/>
+            </a:endParaRPr>
+          </a:p>
+        </p:txBody>
+      </p:sp>
+      <p:sp>
+        <p:nvSpPr>
+          <p:cNvPr id="13" name="직사각형 12">
+            <a:extLst>
+              <a:ext uri="{FF2B5EF4-FFF2-40B4-BE49-F238E27FC236}">
+                <a16:creationId xmlns:a16="http://schemas.microsoft.com/office/drawing/2014/main" id="{399A45A1-B0A6-4FBF-9A3D-D310D7234005}"/>
+              </a:ext>
+            </a:extLst>
+          </p:cNvPr>
+          <p:cNvSpPr/>
+          <p:nvPr/>
+        </p:nvSpPr>
+        <p:spPr>
+          <a:xfrm>
+            <a:off x="4067944" y="4077072"/>
+            <a:ext cx="432048" cy="432048"/>
+          </a:xfrm>
+          <a:prstGeom prst="rect">
+            <a:avLst/>
+          </a:prstGeom>
+          <a:solidFill>
+            <a:srgbClr val="FFFF00"/>
+          </a:solidFill>
+          <a:ln w="9525"/>
+        </p:spPr>
+        <p:style>
+          <a:lnRef idx="2">
+            <a:schemeClr val="accent1">
+              <a:shade val="50000"/>
+            </a:schemeClr>
+          </a:lnRef>
+          <a:fillRef idx="1">
+            <a:schemeClr val="accent1"/>
+          </a:fillRef>
+          <a:effectRef idx="0">
+            <a:schemeClr val="accent1"/>
+          </a:effectRef>
+          <a:fontRef idx="minor">
+            <a:schemeClr val="lt1"/>
+          </a:fontRef>
+        </p:style>
+        <p:txBody>
+          <a:bodyPr rot="0" spcFirstLastPara="0" vertOverflow="overflow" horzOverflow="overflow" vert="horz" wrap="square" lIns="91440" tIns="45720" rIns="91440" bIns="45720" numCol="1" spcCol="0" rtlCol="0" fromWordArt="0" anchor="ctr" anchorCtr="0" forceAA="0" compatLnSpc="1">
+            <a:prstTxWarp prst="textNoShape">
+              <a:avLst/>
+            </a:prstTxWarp>
+            <a:noAutofit/>
+          </a:bodyPr>
+          <a:lstStyle/>
+          <a:p>
+            <a:pPr algn="ctr"/>
+            <a:endParaRPr lang="ko-KR" altLang="en-US" sz="2000">
+              <a:solidFill>
+                <a:schemeClr val="tx1"/>
+              </a:solidFill>
+              <a:latin typeface="Consolas" pitchFamily="49" charset="0"/>
+              <a:cs typeface="Consolas" pitchFamily="49" charset="0"/>
+            </a:endParaRPr>
+          </a:p>
+        </p:txBody>
+      </p:sp>
+      <p:sp>
+        <p:nvSpPr>
+          <p:cNvPr id="14" name="직사각형 13">
+            <a:extLst>
+              <a:ext uri="{FF2B5EF4-FFF2-40B4-BE49-F238E27FC236}">
+                <a16:creationId xmlns:a16="http://schemas.microsoft.com/office/drawing/2014/main" id="{D523EF21-42A0-48CB-AA54-10FAE1BB8A84}"/>
+              </a:ext>
+            </a:extLst>
+          </p:cNvPr>
+          <p:cNvSpPr/>
+          <p:nvPr/>
+        </p:nvSpPr>
+        <p:spPr>
+          <a:xfrm>
+            <a:off x="3203848" y="4074038"/>
+            <a:ext cx="432048" cy="432048"/>
+          </a:xfrm>
+          <a:prstGeom prst="rect">
+            <a:avLst/>
+          </a:prstGeom>
+          <a:solidFill>
+            <a:srgbClr val="FFFF00"/>
+          </a:solidFill>
+          <a:ln w="9525"/>
+        </p:spPr>
+        <p:style>
+          <a:lnRef idx="2">
+            <a:schemeClr val="accent1">
+              <a:shade val="50000"/>
+            </a:schemeClr>
+          </a:lnRef>
+          <a:fillRef idx="1">
+            <a:schemeClr val="accent1"/>
+          </a:fillRef>
+          <a:effectRef idx="0">
+            <a:schemeClr val="accent1"/>
+          </a:effectRef>
+          <a:fontRef idx="minor">
+            <a:schemeClr val="lt1"/>
+          </a:fontRef>
+        </p:style>
+        <p:txBody>
+          <a:bodyPr rot="0" spcFirstLastPara="0" vertOverflow="overflow" horzOverflow="overflow" vert="horz" wrap="square" lIns="91440" tIns="45720" rIns="91440" bIns="45720" numCol="1" spcCol="0" rtlCol="0" fromWordArt="0" anchor="ctr" anchorCtr="0" forceAA="0" compatLnSpc="1">
+            <a:prstTxWarp prst="textNoShape">
+              <a:avLst/>
+            </a:prstTxWarp>
+            <a:noAutofit/>
+          </a:bodyPr>
+          <a:lstStyle/>
+          <a:p>
+            <a:pPr algn="ctr"/>
+            <a:endParaRPr lang="ko-KR" altLang="en-US" sz="2000">
+              <a:solidFill>
+                <a:schemeClr val="tx1"/>
+              </a:solidFill>
+              <a:latin typeface="Consolas" pitchFamily="49" charset="0"/>
+              <a:cs typeface="Consolas" pitchFamily="49" charset="0"/>
+            </a:endParaRPr>
+          </a:p>
+        </p:txBody>
+      </p:sp>
+      <p:sp>
+        <p:nvSpPr>
+          <p:cNvPr id="2" name="TextBox 1">
+            <a:extLst>
+              <a:ext uri="{FF2B5EF4-FFF2-40B4-BE49-F238E27FC236}">
+                <a16:creationId xmlns:a16="http://schemas.microsoft.com/office/drawing/2014/main" id="{816E1712-2D5E-40E0-98BF-CB55E9F6564E}"/>
+              </a:ext>
+            </a:extLst>
+          </p:cNvPr>
+          <p:cNvSpPr txBox="1"/>
+          <p:nvPr/>
+        </p:nvSpPr>
+        <p:spPr>
+          <a:xfrm>
+            <a:off x="1761315" y="3680969"/>
+            <a:ext cx="864096" cy="400110"/>
+          </a:xfrm>
+          <a:prstGeom prst="rect">
+            <a:avLst/>
+          </a:prstGeom>
+          <a:noFill/>
+        </p:spPr>
+        <p:txBody>
+          <a:bodyPr wrap="square" rtlCol="0">
+            <a:spAutoFit/>
+          </a:bodyPr>
+          <a:lstStyle/>
+          <a:p>
+            <a:r>
+              <a:rPr lang="en-US" altLang="ko-KR" sz="2000">
+                <a:latin typeface="Consolas" pitchFamily="49" charset="0"/>
+                <a:cs typeface="Consolas" pitchFamily="49" charset="0"/>
+              </a:rPr>
+              <a:t>head</a:t>
+            </a:r>
+            <a:endParaRPr lang="ko-KR" altLang="en-US" sz="2000">
+              <a:latin typeface="Consolas" pitchFamily="49" charset="0"/>
+              <a:cs typeface="Consolas" pitchFamily="49" charset="0"/>
+            </a:endParaRPr>
+          </a:p>
+        </p:txBody>
+      </p:sp>
+      <p:cxnSp>
+        <p:nvCxnSpPr>
+          <p:cNvPr id="15" name="연결선: 구부러짐 14">
+            <a:extLst>
+              <a:ext uri="{FF2B5EF4-FFF2-40B4-BE49-F238E27FC236}">
+                <a16:creationId xmlns:a16="http://schemas.microsoft.com/office/drawing/2014/main" id="{A99B85BC-FDF5-4F6B-BBB4-CD6546B98CC5}"/>
+              </a:ext>
+            </a:extLst>
+          </p:cNvPr>
+          <p:cNvCxnSpPr>
+            <a:cxnSpLocks/>
+            <a:stCxn id="7" idx="0"/>
+            <a:endCxn id="14" idx="1"/>
+          </p:cNvCxnSpPr>
+          <p:nvPr/>
+        </p:nvCxnSpPr>
+        <p:spPr>
+          <a:xfrm rot="16200000" flipH="1">
+            <a:off x="2773317" y="3859531"/>
+            <a:ext cx="212990" cy="648072"/>
+          </a:xfrm>
+          <a:prstGeom prst="curvedConnector4">
+            <a:avLst>
+              <a:gd name="adj1" fmla="val -107329"/>
+              <a:gd name="adj2" fmla="val 66667"/>
+            </a:avLst>
+          </a:prstGeom>
+          <a:ln w="19050">
+            <a:solidFill>
+              <a:schemeClr val="tx1"/>
+            </a:solidFill>
+            <a:tailEnd type="triangle"/>
+          </a:ln>
+        </p:spPr>
+        <p:style>
+          <a:lnRef idx="1">
+            <a:schemeClr val="accent1"/>
+          </a:lnRef>
+          <a:fillRef idx="0">
+            <a:schemeClr val="accent1"/>
+          </a:fillRef>
+          <a:effectRef idx="0">
+            <a:schemeClr val="accent1"/>
+          </a:effectRef>
+          <a:fontRef idx="minor">
+            <a:schemeClr val="tx1"/>
+          </a:fontRef>
+        </p:style>
+      </p:cxnSp>
+      <p:cxnSp>
+        <p:nvCxnSpPr>
+          <p:cNvPr id="16" name="연결선: 구부러짐 15">
+            <a:extLst>
+              <a:ext uri="{FF2B5EF4-FFF2-40B4-BE49-F238E27FC236}">
+                <a16:creationId xmlns:a16="http://schemas.microsoft.com/office/drawing/2014/main" id="{C6D7F1D9-42C7-4626-9870-7E8F989F6714}"/>
+              </a:ext>
+            </a:extLst>
+          </p:cNvPr>
+          <p:cNvCxnSpPr>
+            <a:cxnSpLocks/>
+            <a:stCxn id="11" idx="2"/>
+            <a:endCxn id="13" idx="3"/>
+          </p:cNvCxnSpPr>
+          <p:nvPr/>
+        </p:nvCxnSpPr>
+        <p:spPr>
+          <a:xfrm rot="5400000" flipH="1">
+            <a:off x="4791058" y="4002030"/>
+            <a:ext cx="209956" cy="792088"/>
+          </a:xfrm>
+          <a:prstGeom prst="curvedConnector4">
+            <a:avLst>
+              <a:gd name="adj1" fmla="val -108880"/>
+              <a:gd name="adj2" fmla="val 63636"/>
+            </a:avLst>
+          </a:prstGeom>
+          <a:ln w="19050">
+            <a:solidFill>
+              <a:schemeClr val="tx1"/>
+            </a:solidFill>
+            <a:tailEnd type="triangle"/>
+          </a:ln>
+        </p:spPr>
+        <p:style>
+          <a:lnRef idx="1">
+            <a:schemeClr val="accent1"/>
+          </a:lnRef>
+          <a:fillRef idx="0">
+            <a:schemeClr val="accent1"/>
+          </a:fillRef>
+          <a:effectRef idx="0">
+            <a:schemeClr val="accent1"/>
+          </a:effectRef>
+          <a:fontRef idx="minor">
+            <a:schemeClr val="tx1"/>
+          </a:fontRef>
+        </p:style>
+      </p:cxnSp>
+      <p:sp>
+        <p:nvSpPr>
+          <p:cNvPr id="19" name="TextBox 18">
+            <a:extLst>
+              <a:ext uri="{FF2B5EF4-FFF2-40B4-BE49-F238E27FC236}">
+                <a16:creationId xmlns:a16="http://schemas.microsoft.com/office/drawing/2014/main" id="{06A4D49E-E1A2-4548-A246-76224AC57543}"/>
+              </a:ext>
+            </a:extLst>
+          </p:cNvPr>
+          <p:cNvSpPr txBox="1"/>
+          <p:nvPr/>
+        </p:nvSpPr>
+        <p:spPr>
+          <a:xfrm>
+            <a:off x="3311860" y="3641303"/>
+            <a:ext cx="864096" cy="400110"/>
+          </a:xfrm>
+          <a:prstGeom prst="rect">
+            <a:avLst/>
+          </a:prstGeom>
+          <a:noFill/>
+        </p:spPr>
+        <p:txBody>
+          <a:bodyPr wrap="square" rtlCol="0">
+            <a:spAutoFit/>
+          </a:bodyPr>
+          <a:lstStyle/>
+          <a:p>
+            <a:r>
+              <a:rPr lang="en-US" altLang="ko-KR" sz="2000">
+                <a:latin typeface="Consolas" pitchFamily="49" charset="0"/>
+                <a:cs typeface="Consolas" pitchFamily="49" charset="0"/>
+              </a:rPr>
+              <a:t>temp</a:t>
+            </a:r>
+            <a:endParaRPr lang="ko-KR" altLang="en-US" sz="2000">
+              <a:latin typeface="Consolas" pitchFamily="49" charset="0"/>
+              <a:cs typeface="Consolas" pitchFamily="49" charset="0"/>
+            </a:endParaRPr>
+          </a:p>
+        </p:txBody>
+      </p:sp>
+      <p:cxnSp>
+        <p:nvCxnSpPr>
+          <p:cNvPr id="20" name="연결선: 구부러짐 19">
+            <a:extLst>
+              <a:ext uri="{FF2B5EF4-FFF2-40B4-BE49-F238E27FC236}">
+                <a16:creationId xmlns:a16="http://schemas.microsoft.com/office/drawing/2014/main" id="{629A0AC0-CCBA-44C1-B165-48A452F724DB}"/>
+              </a:ext>
+            </a:extLst>
+          </p:cNvPr>
+          <p:cNvCxnSpPr>
+            <a:cxnSpLocks/>
+            <a:stCxn id="13" idx="0"/>
+            <a:endCxn id="11" idx="1"/>
+          </p:cNvCxnSpPr>
+          <p:nvPr/>
+        </p:nvCxnSpPr>
+        <p:spPr>
+          <a:xfrm rot="16200000" flipH="1">
+            <a:off x="4575034" y="3786006"/>
+            <a:ext cx="209956" cy="792088"/>
+          </a:xfrm>
+          <a:prstGeom prst="curvedConnector4">
+            <a:avLst>
+              <a:gd name="adj1" fmla="val -108880"/>
+              <a:gd name="adj2" fmla="val 63636"/>
+            </a:avLst>
+          </a:prstGeom>
+          <a:ln w="19050">
+            <a:solidFill>
+              <a:schemeClr val="tx1"/>
+            </a:solidFill>
+            <a:tailEnd type="triangle"/>
+          </a:ln>
+        </p:spPr>
+        <p:style>
+          <a:lnRef idx="1">
+            <a:schemeClr val="accent1"/>
+          </a:lnRef>
+          <a:fillRef idx="0">
+            <a:schemeClr val="accent1"/>
+          </a:fillRef>
+          <a:effectRef idx="0">
+            <a:schemeClr val="accent1"/>
+          </a:effectRef>
+          <a:fontRef idx="minor">
+            <a:schemeClr val="tx1"/>
+          </a:fontRef>
+        </p:style>
+      </p:cxnSp>
+      <p:cxnSp>
+        <p:nvCxnSpPr>
+          <p:cNvPr id="25" name="연결선: 구부러짐 24">
+            <a:extLst>
+              <a:ext uri="{FF2B5EF4-FFF2-40B4-BE49-F238E27FC236}">
+                <a16:creationId xmlns:a16="http://schemas.microsoft.com/office/drawing/2014/main" id="{C9E1BCC4-7F3B-432C-B059-96819D35DEB6}"/>
+              </a:ext>
+            </a:extLst>
+          </p:cNvPr>
+          <p:cNvCxnSpPr>
+            <a:cxnSpLocks/>
+            <a:stCxn id="14" idx="2"/>
+            <a:endCxn id="7" idx="3"/>
+          </p:cNvCxnSpPr>
+          <p:nvPr/>
+        </p:nvCxnSpPr>
+        <p:spPr>
+          <a:xfrm rot="5400000" flipH="1">
+            <a:off x="2989341" y="4075555"/>
+            <a:ext cx="212990" cy="648072"/>
+          </a:xfrm>
+          <a:prstGeom prst="curvedConnector4">
+            <a:avLst>
+              <a:gd name="adj1" fmla="val -107329"/>
+              <a:gd name="adj2" fmla="val 66667"/>
+            </a:avLst>
+          </a:prstGeom>
+          <a:ln w="19050">
+            <a:solidFill>
+              <a:schemeClr val="tx1"/>
+            </a:solidFill>
+            <a:tailEnd type="triangle"/>
+          </a:ln>
+        </p:spPr>
+        <p:style>
+          <a:lnRef idx="1">
+            <a:schemeClr val="accent1"/>
+          </a:lnRef>
+          <a:fillRef idx="0">
+            <a:schemeClr val="accent1"/>
+          </a:fillRef>
+          <a:effectRef idx="0">
+            <a:schemeClr val="accent1"/>
+          </a:effectRef>
+          <a:fontRef idx="minor">
+            <a:schemeClr val="tx1"/>
+          </a:fontRef>
+        </p:style>
+      </p:cxnSp>
+    </p:spTree>
+    <p:extLst>
+      <p:ext uri="{BB962C8B-B14F-4D97-AF65-F5344CB8AC3E}">
+        <p14:creationId xmlns:p14="http://schemas.microsoft.com/office/powerpoint/2010/main" val="3164046698"/>
+      </p:ext>
+    </p:extLst>
+  </p:cSld>
+  <p:clrMapOvr>
+    <a:masterClrMapping/>
+  </p:clrMapOvr>
+</p:sld>
+</file>
+
+<file path=ppt/slides/slide19.xml><?xml version="1.0" encoding="utf-8"?>
+<p:sld xmlns:a="http://schemas.openxmlformats.org/drawingml/2006/main" xmlns:r="http://schemas.openxmlformats.org/officeDocument/2006/relationships" xmlns:p="http://schemas.openxmlformats.org/presentationml/2006/main">
+  <p:cSld>
+    <p:spTree>
+      <p:nvGrpSpPr>
+        <p:cNvPr id="1" name=""/>
+        <p:cNvGrpSpPr/>
+        <p:nvPr/>
+      </p:nvGrpSpPr>
+      <p:grpSpPr>
+        <a:xfrm>
+          <a:off x="0" y="0"/>
+          <a:ext cx="0" cy="0"/>
+          <a:chOff x="0" y="0"/>
+          <a:chExt cx="0" cy="0"/>
+        </a:xfrm>
+      </p:grpSpPr>
+      <p:sp>
+        <p:nvSpPr>
+          <p:cNvPr id="4" name="TextBox 3">
+            <a:extLst>
+              <a:ext uri="{FF2B5EF4-FFF2-40B4-BE49-F238E27FC236}">
+                <a16:creationId xmlns:a16="http://schemas.microsoft.com/office/drawing/2014/main" id="{E6FAF5D6-2BC6-42EA-83CF-A2DFE1A00448}"/>
+              </a:ext>
+            </a:extLst>
+          </p:cNvPr>
+          <p:cNvSpPr txBox="1"/>
+          <p:nvPr/>
+        </p:nvSpPr>
+        <p:spPr>
+          <a:xfrm>
+            <a:off x="-82200" y="-99392"/>
+            <a:ext cx="8084264" cy="4401205"/>
+          </a:xfrm>
+          <a:prstGeom prst="rect">
+            <a:avLst/>
+          </a:prstGeom>
+          <a:noFill/>
+        </p:spPr>
+        <p:txBody>
+          <a:bodyPr wrap="none" rtlCol="0">
+            <a:spAutoFit/>
+          </a:bodyPr>
+          <a:lstStyle/>
+          <a:p>
+            <a:r>
+              <a:rPr lang="en-US" altLang="ko-KR" sz="2000">
+                <a:latin typeface="Consolas" pitchFamily="49" charset="0"/>
+                <a:cs typeface="Consolas" pitchFamily="49" charset="0"/>
+              </a:rPr>
+              <a:t>void __insert_data( NODE *temp, NODE *prev, NODE *next )</a:t>
+            </a:r>
+          </a:p>
+          <a:p>
+            <a:r>
+              <a:rPr lang="en-US" altLang="ko-KR" sz="2000">
+                <a:latin typeface="Consolas" pitchFamily="49" charset="0"/>
+                <a:cs typeface="Consolas" pitchFamily="49" charset="0"/>
+              </a:rPr>
+              <a:t>{</a:t>
+            </a:r>
+          </a:p>
+          <a:p>
+            <a:r>
+              <a:rPr lang="en-US" altLang="ko-KR" sz="2000">
+                <a:latin typeface="Consolas" pitchFamily="49" charset="0"/>
+                <a:cs typeface="Consolas" pitchFamily="49" charset="0"/>
+              </a:rPr>
+              <a:t>   temp-&gt;next = next;</a:t>
+            </a:r>
+          </a:p>
+          <a:p>
+            <a:r>
+              <a:rPr lang="en-US" altLang="ko-KR" sz="2000">
+                <a:latin typeface="Consolas" pitchFamily="49" charset="0"/>
+                <a:cs typeface="Consolas" pitchFamily="49" charset="0"/>
+              </a:rPr>
+              <a:t>   prev-&gt;next = temp;</a:t>
+            </a:r>
+          </a:p>
+          <a:p>
+            <a:r>
+              <a:rPr lang="en-US" altLang="ko-KR" sz="2000">
+                <a:latin typeface="Consolas" pitchFamily="49" charset="0"/>
+                <a:cs typeface="Consolas" pitchFamily="49" charset="0"/>
+              </a:rPr>
+              <a:t>   temp-&gt;prev = prev;</a:t>
+            </a:r>
+          </a:p>
+          <a:p>
+            <a:r>
+              <a:rPr lang="en-US" altLang="ko-KR" sz="2000">
+                <a:latin typeface="Consolas" pitchFamily="49" charset="0"/>
+                <a:cs typeface="Consolas" pitchFamily="49" charset="0"/>
+              </a:rPr>
+              <a:t>   next-&gt;prev = temp;</a:t>
+            </a:r>
+          </a:p>
+          <a:p>
+            <a:r>
+              <a:rPr lang="en-US" altLang="ko-KR" sz="2000">
+                <a:latin typeface="Consolas" pitchFamily="49" charset="0"/>
+                <a:cs typeface="Consolas" pitchFamily="49" charset="0"/>
+              </a:rPr>
+              <a:t>}</a:t>
+            </a:r>
+          </a:p>
+          <a:p>
+            <a:endParaRPr lang="en-US" altLang="ko-KR" sz="2000">
+              <a:latin typeface="Consolas" pitchFamily="49" charset="0"/>
+              <a:cs typeface="Consolas" pitchFamily="49" charset="0"/>
+            </a:endParaRPr>
+          </a:p>
+          <a:p>
+            <a:r>
+              <a:rPr lang="en-US" altLang="ko-KR" sz="2000">
+                <a:latin typeface="Consolas" pitchFamily="49" charset="0"/>
+                <a:cs typeface="Consolas" pitchFamily="49" charset="0"/>
+              </a:rPr>
+              <a:t>void insert_front( NODE *temp, NODE *head )</a:t>
+            </a:r>
+          </a:p>
+          <a:p>
+            <a:r>
+              <a:rPr lang="en-US" altLang="ko-KR" sz="2000">
+                <a:latin typeface="Consolas" pitchFamily="49" charset="0"/>
+                <a:cs typeface="Consolas" pitchFamily="49" charset="0"/>
+              </a:rPr>
+              <a:t>{</a:t>
+            </a:r>
+          </a:p>
+          <a:p>
+            <a:r>
+              <a:rPr lang="en-US" altLang="ko-KR" sz="2000">
+                <a:latin typeface="Consolas" pitchFamily="49" charset="0"/>
+                <a:cs typeface="Consolas" pitchFamily="49" charset="0"/>
+              </a:rPr>
+              <a:t>   __insert_data( temp, head, head-&gt;next );</a:t>
+            </a:r>
+          </a:p>
+          <a:p>
+            <a:r>
+              <a:rPr lang="en-US" altLang="ko-KR" sz="2000">
+                <a:latin typeface="Consolas" pitchFamily="49" charset="0"/>
+                <a:cs typeface="Consolas" pitchFamily="49" charset="0"/>
+              </a:rPr>
+              <a:t>}</a:t>
+            </a:r>
+          </a:p>
+          <a:p>
+            <a:endParaRPr lang="en-US" altLang="ko-KR" sz="2000">
+              <a:latin typeface="Consolas" pitchFamily="49" charset="0"/>
+              <a:cs typeface="Consolas" pitchFamily="49" charset="0"/>
+            </a:endParaRPr>
+          </a:p>
+          <a:p>
+            <a:endParaRPr lang="en-US" altLang="ko-KR" sz="2000">
+              <a:latin typeface="Consolas" pitchFamily="49" charset="0"/>
+              <a:cs typeface="Consolas" pitchFamily="49" charset="0"/>
+            </a:endParaRPr>
+          </a:p>
+        </p:txBody>
+      </p:sp>
+      <p:sp>
+        <p:nvSpPr>
+          <p:cNvPr id="6" name="직사각형 5">
+            <a:extLst>
+              <a:ext uri="{FF2B5EF4-FFF2-40B4-BE49-F238E27FC236}">
+                <a16:creationId xmlns:a16="http://schemas.microsoft.com/office/drawing/2014/main" id="{014B8F61-B422-4159-9377-12C4F540A8CA}"/>
+              </a:ext>
+            </a:extLst>
+          </p:cNvPr>
+          <p:cNvSpPr/>
+          <p:nvPr/>
+        </p:nvSpPr>
+        <p:spPr>
+          <a:xfrm>
+            <a:off x="1691680" y="5007108"/>
+            <a:ext cx="432048" cy="432048"/>
+          </a:xfrm>
+          <a:prstGeom prst="rect">
+            <a:avLst/>
+          </a:prstGeom>
+          <a:solidFill>
+            <a:srgbClr val="FFC000"/>
+          </a:solidFill>
+          <a:ln w="9525"/>
+        </p:spPr>
+        <p:style>
+          <a:lnRef idx="2">
+            <a:schemeClr val="accent1">
+              <a:shade val="50000"/>
+            </a:schemeClr>
+          </a:lnRef>
+          <a:fillRef idx="1">
+            <a:schemeClr val="accent1"/>
+          </a:fillRef>
+          <a:effectRef idx="0">
+            <a:schemeClr val="accent1"/>
+          </a:effectRef>
+          <a:fontRef idx="minor">
+            <a:schemeClr val="lt1"/>
+          </a:fontRef>
+        </p:style>
+        <p:txBody>
+          <a:bodyPr rot="0" spcFirstLastPara="0" vertOverflow="overflow" horzOverflow="overflow" vert="horz" wrap="square" lIns="91440" tIns="45720" rIns="91440" bIns="45720" numCol="1" spcCol="0" rtlCol="0" fromWordArt="0" anchor="ctr" anchorCtr="0" forceAA="0" compatLnSpc="1">
+            <a:prstTxWarp prst="textNoShape">
+              <a:avLst/>
+            </a:prstTxWarp>
+            <a:noAutofit/>
+          </a:bodyPr>
+          <a:lstStyle/>
+          <a:p>
+            <a:pPr algn="ctr"/>
+            <a:endParaRPr lang="ko-KR" altLang="en-US" sz="2000">
+              <a:solidFill>
+                <a:schemeClr val="tx1"/>
+              </a:solidFill>
+              <a:latin typeface="Consolas" pitchFamily="49" charset="0"/>
+              <a:cs typeface="Consolas" pitchFamily="49" charset="0"/>
+            </a:endParaRPr>
+          </a:p>
+        </p:txBody>
+      </p:sp>
+      <p:sp>
+        <p:nvSpPr>
+          <p:cNvPr id="7" name="직사각형 6">
+            <a:extLst>
+              <a:ext uri="{FF2B5EF4-FFF2-40B4-BE49-F238E27FC236}">
+                <a16:creationId xmlns:a16="http://schemas.microsoft.com/office/drawing/2014/main" id="{5555DD07-C2E3-4472-B9CD-4705707CEC0B}"/>
+              </a:ext>
+            </a:extLst>
+          </p:cNvPr>
+          <p:cNvSpPr/>
+          <p:nvPr/>
+        </p:nvSpPr>
+        <p:spPr>
+          <a:xfrm>
+            <a:off x="2123728" y="5013176"/>
+            <a:ext cx="432048" cy="432048"/>
+          </a:xfrm>
+          <a:prstGeom prst="rect">
+            <a:avLst/>
+          </a:prstGeom>
+          <a:solidFill>
+            <a:srgbClr val="FFFF00"/>
+          </a:solidFill>
+          <a:ln w="9525"/>
+        </p:spPr>
+        <p:style>
+          <a:lnRef idx="2">
+            <a:schemeClr val="accent1">
+              <a:shade val="50000"/>
+            </a:schemeClr>
+          </a:lnRef>
+          <a:fillRef idx="1">
+            <a:schemeClr val="accent1"/>
+          </a:fillRef>
+          <a:effectRef idx="0">
+            <a:schemeClr val="accent1"/>
+          </a:effectRef>
+          <a:fontRef idx="minor">
+            <a:schemeClr val="lt1"/>
+          </a:fontRef>
+        </p:style>
+        <p:txBody>
+          <a:bodyPr rot="0" spcFirstLastPara="0" vertOverflow="overflow" horzOverflow="overflow" vert="horz" wrap="square" lIns="91440" tIns="45720" rIns="91440" bIns="45720" numCol="1" spcCol="0" rtlCol="0" fromWordArt="0" anchor="ctr" anchorCtr="0" forceAA="0" compatLnSpc="1">
+            <a:prstTxWarp prst="textNoShape">
+              <a:avLst/>
+            </a:prstTxWarp>
+            <a:noAutofit/>
+          </a:bodyPr>
+          <a:lstStyle/>
+          <a:p>
+            <a:pPr algn="ctr"/>
+            <a:endParaRPr lang="ko-KR" altLang="en-US" sz="2000">
+              <a:solidFill>
+                <a:schemeClr val="tx1"/>
+              </a:solidFill>
+              <a:latin typeface="Consolas" pitchFamily="49" charset="0"/>
+              <a:cs typeface="Consolas" pitchFamily="49" charset="0"/>
+            </a:endParaRPr>
+          </a:p>
+        </p:txBody>
+      </p:sp>
+      <p:sp>
+        <p:nvSpPr>
+          <p:cNvPr id="9" name="직사각형 8">
+            <a:extLst>
+              <a:ext uri="{FF2B5EF4-FFF2-40B4-BE49-F238E27FC236}">
+                <a16:creationId xmlns:a16="http://schemas.microsoft.com/office/drawing/2014/main" id="{1C228358-F8F5-4EA6-9C23-13373DCB14E9}"/>
+              </a:ext>
+            </a:extLst>
+          </p:cNvPr>
+          <p:cNvSpPr/>
+          <p:nvPr/>
+        </p:nvSpPr>
+        <p:spPr>
+          <a:xfrm>
+            <a:off x="1259632" y="5010142"/>
+            <a:ext cx="432048" cy="432048"/>
+          </a:xfrm>
+          <a:prstGeom prst="rect">
+            <a:avLst/>
+          </a:prstGeom>
+          <a:solidFill>
+            <a:srgbClr val="FFFF00"/>
+          </a:solidFill>
+          <a:ln w="9525"/>
+        </p:spPr>
+        <p:style>
+          <a:lnRef idx="2">
+            <a:schemeClr val="accent1">
+              <a:shade val="50000"/>
+            </a:schemeClr>
+          </a:lnRef>
+          <a:fillRef idx="1">
+            <a:schemeClr val="accent1"/>
+          </a:fillRef>
+          <a:effectRef idx="0">
+            <a:schemeClr val="accent1"/>
+          </a:effectRef>
+          <a:fontRef idx="minor">
+            <a:schemeClr val="lt1"/>
+          </a:fontRef>
+        </p:style>
+        <p:txBody>
+          <a:bodyPr rot="0" spcFirstLastPara="0" vertOverflow="overflow" horzOverflow="overflow" vert="horz" wrap="square" lIns="91440" tIns="45720" rIns="91440" bIns="45720" numCol="1" spcCol="0" rtlCol="0" fromWordArt="0" anchor="ctr" anchorCtr="0" forceAA="0" compatLnSpc="1">
+            <a:prstTxWarp prst="textNoShape">
+              <a:avLst/>
+            </a:prstTxWarp>
+            <a:noAutofit/>
+          </a:bodyPr>
+          <a:lstStyle/>
+          <a:p>
+            <a:pPr algn="ctr"/>
+            <a:endParaRPr lang="ko-KR" altLang="en-US" sz="2000">
+              <a:solidFill>
+                <a:schemeClr val="tx1"/>
+              </a:solidFill>
+              <a:latin typeface="Consolas" pitchFamily="49" charset="0"/>
+              <a:cs typeface="Consolas" pitchFamily="49" charset="0"/>
+            </a:endParaRPr>
+          </a:p>
+        </p:txBody>
+      </p:sp>
+      <p:sp>
+        <p:nvSpPr>
+          <p:cNvPr id="8" name="직사각형 7">
+            <a:extLst>
+              <a:ext uri="{FF2B5EF4-FFF2-40B4-BE49-F238E27FC236}">
+                <a16:creationId xmlns:a16="http://schemas.microsoft.com/office/drawing/2014/main" id="{E994D97C-498C-4C94-89D6-E257D7B9FA60}"/>
+              </a:ext>
+            </a:extLst>
+          </p:cNvPr>
+          <p:cNvSpPr/>
+          <p:nvPr/>
+        </p:nvSpPr>
+        <p:spPr>
+          <a:xfrm>
+            <a:off x="5292080" y="5004074"/>
+            <a:ext cx="432048" cy="432048"/>
+          </a:xfrm>
+          <a:prstGeom prst="rect">
+            <a:avLst/>
+          </a:prstGeom>
+          <a:solidFill>
+            <a:srgbClr val="FFC000"/>
+          </a:solidFill>
+          <a:ln w="9525"/>
+        </p:spPr>
+        <p:style>
+          <a:lnRef idx="2">
+            <a:schemeClr val="accent1">
+              <a:shade val="50000"/>
+            </a:schemeClr>
+          </a:lnRef>
+          <a:fillRef idx="1">
+            <a:schemeClr val="accent1"/>
+          </a:fillRef>
+          <a:effectRef idx="0">
+            <a:schemeClr val="accent1"/>
+          </a:effectRef>
+          <a:fontRef idx="minor">
+            <a:schemeClr val="lt1"/>
+          </a:fontRef>
+        </p:style>
+        <p:txBody>
+          <a:bodyPr rot="0" spcFirstLastPara="0" vertOverflow="overflow" horzOverflow="overflow" vert="horz" wrap="square" lIns="91440" tIns="45720" rIns="91440" bIns="45720" numCol="1" spcCol="0" rtlCol="0" fromWordArt="0" anchor="ctr" anchorCtr="0" forceAA="0" compatLnSpc="1">
+            <a:prstTxWarp prst="textNoShape">
+              <a:avLst/>
+            </a:prstTxWarp>
+            <a:noAutofit/>
+          </a:bodyPr>
+          <a:lstStyle/>
+          <a:p>
+            <a:pPr algn="ctr"/>
+            <a:r>
+              <a:rPr lang="en-US" altLang="ko-KR" sz="2000">
+                <a:solidFill>
+                  <a:schemeClr val="tx1"/>
+                </a:solidFill>
+                <a:latin typeface="Consolas" pitchFamily="49" charset="0"/>
+                <a:cs typeface="Consolas" pitchFamily="49" charset="0"/>
+              </a:rPr>
+              <a:t>1</a:t>
+            </a:r>
+            <a:endParaRPr lang="ko-KR" altLang="en-US" sz="2000">
+              <a:solidFill>
+                <a:schemeClr val="tx1"/>
+              </a:solidFill>
+              <a:latin typeface="Consolas" pitchFamily="49" charset="0"/>
+              <a:cs typeface="Consolas" pitchFamily="49" charset="0"/>
+            </a:endParaRPr>
+          </a:p>
+        </p:txBody>
+      </p:sp>
+      <p:sp>
+        <p:nvSpPr>
+          <p:cNvPr id="10" name="직사각형 9">
+            <a:extLst>
+              <a:ext uri="{FF2B5EF4-FFF2-40B4-BE49-F238E27FC236}">
+                <a16:creationId xmlns:a16="http://schemas.microsoft.com/office/drawing/2014/main" id="{A752E4AF-7200-428C-9B46-6F301190666D}"/>
+              </a:ext>
+            </a:extLst>
+          </p:cNvPr>
+          <p:cNvSpPr/>
+          <p:nvPr/>
+        </p:nvSpPr>
+        <p:spPr>
+          <a:xfrm>
+            <a:off x="5724128" y="5010142"/>
+            <a:ext cx="432048" cy="432048"/>
+          </a:xfrm>
+          <a:prstGeom prst="rect">
+            <a:avLst/>
+          </a:prstGeom>
+          <a:solidFill>
+            <a:srgbClr val="FFFF00"/>
+          </a:solidFill>
+          <a:ln w="9525"/>
+        </p:spPr>
+        <p:style>
+          <a:lnRef idx="2">
+            <a:schemeClr val="accent1">
+              <a:shade val="50000"/>
+            </a:schemeClr>
+          </a:lnRef>
+          <a:fillRef idx="1">
+            <a:schemeClr val="accent1"/>
+          </a:fillRef>
+          <a:effectRef idx="0">
+            <a:schemeClr val="accent1"/>
+          </a:effectRef>
+          <a:fontRef idx="minor">
+            <a:schemeClr val="lt1"/>
+          </a:fontRef>
+        </p:style>
+        <p:txBody>
+          <a:bodyPr rot="0" spcFirstLastPara="0" vertOverflow="overflow" horzOverflow="overflow" vert="horz" wrap="square" lIns="91440" tIns="45720" rIns="91440" bIns="45720" numCol="1" spcCol="0" rtlCol="0" fromWordArt="0" anchor="ctr" anchorCtr="0" forceAA="0" compatLnSpc="1">
+            <a:prstTxWarp prst="textNoShape">
+              <a:avLst/>
+            </a:prstTxWarp>
+            <a:noAutofit/>
+          </a:bodyPr>
+          <a:lstStyle/>
+          <a:p>
+            <a:pPr algn="ctr"/>
+            <a:endParaRPr lang="ko-KR" altLang="en-US" sz="2000">
+              <a:solidFill>
+                <a:schemeClr val="tx1"/>
+              </a:solidFill>
+              <a:latin typeface="Consolas" pitchFamily="49" charset="0"/>
+              <a:cs typeface="Consolas" pitchFamily="49" charset="0"/>
+            </a:endParaRPr>
+          </a:p>
+        </p:txBody>
+      </p:sp>
+      <p:sp>
+        <p:nvSpPr>
+          <p:cNvPr id="11" name="직사각형 10">
+            <a:extLst>
+              <a:ext uri="{FF2B5EF4-FFF2-40B4-BE49-F238E27FC236}">
+                <a16:creationId xmlns:a16="http://schemas.microsoft.com/office/drawing/2014/main" id="{6240F660-BBA3-4E2D-A71E-3ADACE5060C6}"/>
+              </a:ext>
+            </a:extLst>
+          </p:cNvPr>
+          <p:cNvSpPr/>
+          <p:nvPr/>
+        </p:nvSpPr>
+        <p:spPr>
+          <a:xfrm>
+            <a:off x="4860032" y="5007108"/>
+            <a:ext cx="432048" cy="432048"/>
+          </a:xfrm>
+          <a:prstGeom prst="rect">
+            <a:avLst/>
+          </a:prstGeom>
+          <a:solidFill>
+            <a:srgbClr val="FFFF00"/>
+          </a:solidFill>
+          <a:ln w="9525"/>
+        </p:spPr>
+        <p:style>
+          <a:lnRef idx="2">
+            <a:schemeClr val="accent1">
+              <a:shade val="50000"/>
+            </a:schemeClr>
+          </a:lnRef>
+          <a:fillRef idx="1">
+            <a:schemeClr val="accent1"/>
+          </a:fillRef>
+          <a:effectRef idx="0">
+            <a:schemeClr val="accent1"/>
+          </a:effectRef>
+          <a:fontRef idx="minor">
+            <a:schemeClr val="lt1"/>
+          </a:fontRef>
+        </p:style>
+        <p:txBody>
+          <a:bodyPr rot="0" spcFirstLastPara="0" vertOverflow="overflow" horzOverflow="overflow" vert="horz" wrap="square" lIns="91440" tIns="45720" rIns="91440" bIns="45720" numCol="1" spcCol="0" rtlCol="0" fromWordArt="0" anchor="ctr" anchorCtr="0" forceAA="0" compatLnSpc="1">
+            <a:prstTxWarp prst="textNoShape">
+              <a:avLst/>
+            </a:prstTxWarp>
+            <a:noAutofit/>
+          </a:bodyPr>
+          <a:lstStyle/>
+          <a:p>
+            <a:pPr algn="ctr"/>
+            <a:endParaRPr lang="ko-KR" altLang="en-US" sz="2000">
+              <a:solidFill>
+                <a:schemeClr val="tx1"/>
+              </a:solidFill>
+              <a:latin typeface="Consolas" pitchFamily="49" charset="0"/>
+              <a:cs typeface="Consolas" pitchFamily="49" charset="0"/>
+            </a:endParaRPr>
+          </a:p>
+        </p:txBody>
+      </p:sp>
+      <p:sp>
+        <p:nvSpPr>
+          <p:cNvPr id="12" name="직사각형 11">
+            <a:extLst>
+              <a:ext uri="{FF2B5EF4-FFF2-40B4-BE49-F238E27FC236}">
+                <a16:creationId xmlns:a16="http://schemas.microsoft.com/office/drawing/2014/main" id="{67167900-CE7B-4FAA-81D0-D63C949BD49D}"/>
+              </a:ext>
+            </a:extLst>
+          </p:cNvPr>
+          <p:cNvSpPr/>
+          <p:nvPr/>
+        </p:nvSpPr>
+        <p:spPr>
+          <a:xfrm>
+            <a:off x="3419872" y="5007108"/>
+            <a:ext cx="432048" cy="432048"/>
+          </a:xfrm>
+          <a:prstGeom prst="rect">
+            <a:avLst/>
+          </a:prstGeom>
+          <a:solidFill>
+            <a:srgbClr val="FFC000"/>
+          </a:solidFill>
+          <a:ln w="9525"/>
+        </p:spPr>
+        <p:style>
+          <a:lnRef idx="2">
+            <a:schemeClr val="accent1">
+              <a:shade val="50000"/>
+            </a:schemeClr>
+          </a:lnRef>
+          <a:fillRef idx="1">
+            <a:schemeClr val="accent1"/>
+          </a:fillRef>
+          <a:effectRef idx="0">
+            <a:schemeClr val="accent1"/>
+          </a:effectRef>
+          <a:fontRef idx="minor">
+            <a:schemeClr val="lt1"/>
+          </a:fontRef>
+        </p:style>
+        <p:txBody>
+          <a:bodyPr rot="0" spcFirstLastPara="0" vertOverflow="overflow" horzOverflow="overflow" vert="horz" wrap="square" lIns="91440" tIns="45720" rIns="91440" bIns="45720" numCol="1" spcCol="0" rtlCol="0" fromWordArt="0" anchor="ctr" anchorCtr="0" forceAA="0" compatLnSpc="1">
+            <a:prstTxWarp prst="textNoShape">
+              <a:avLst/>
+            </a:prstTxWarp>
+            <a:noAutofit/>
+          </a:bodyPr>
+          <a:lstStyle/>
+          <a:p>
+            <a:pPr algn="ctr"/>
+            <a:r>
+              <a:rPr lang="en-US" altLang="ko-KR" sz="2000">
+                <a:solidFill>
+                  <a:schemeClr val="tx1"/>
+                </a:solidFill>
+                <a:latin typeface="Consolas" pitchFamily="49" charset="0"/>
+                <a:cs typeface="Consolas" pitchFamily="49" charset="0"/>
+              </a:rPr>
+              <a:t>2</a:t>
+            </a:r>
+            <a:endParaRPr lang="ko-KR" altLang="en-US" sz="2000">
+              <a:solidFill>
+                <a:schemeClr val="tx1"/>
+              </a:solidFill>
+              <a:latin typeface="Consolas" pitchFamily="49" charset="0"/>
+              <a:cs typeface="Consolas" pitchFamily="49" charset="0"/>
+            </a:endParaRPr>
+          </a:p>
+        </p:txBody>
+      </p:sp>
+      <p:sp>
+        <p:nvSpPr>
+          <p:cNvPr id="13" name="직사각형 12">
+            <a:extLst>
+              <a:ext uri="{FF2B5EF4-FFF2-40B4-BE49-F238E27FC236}">
+                <a16:creationId xmlns:a16="http://schemas.microsoft.com/office/drawing/2014/main" id="{399A45A1-B0A6-4FBF-9A3D-D310D7234005}"/>
+              </a:ext>
+            </a:extLst>
+          </p:cNvPr>
+          <p:cNvSpPr/>
+          <p:nvPr/>
+        </p:nvSpPr>
+        <p:spPr>
+          <a:xfrm>
+            <a:off x="3851920" y="5013176"/>
+            <a:ext cx="432048" cy="432048"/>
+          </a:xfrm>
+          <a:prstGeom prst="rect">
+            <a:avLst/>
+          </a:prstGeom>
+          <a:solidFill>
+            <a:srgbClr val="FFFF00"/>
+          </a:solidFill>
+          <a:ln w="9525"/>
+        </p:spPr>
+        <p:style>
+          <a:lnRef idx="2">
+            <a:schemeClr val="accent1">
+              <a:shade val="50000"/>
+            </a:schemeClr>
+          </a:lnRef>
+          <a:fillRef idx="1">
+            <a:schemeClr val="accent1"/>
+          </a:fillRef>
+          <a:effectRef idx="0">
+            <a:schemeClr val="accent1"/>
+          </a:effectRef>
+          <a:fontRef idx="minor">
+            <a:schemeClr val="lt1"/>
+          </a:fontRef>
+        </p:style>
+        <p:txBody>
+          <a:bodyPr rot="0" spcFirstLastPara="0" vertOverflow="overflow" horzOverflow="overflow" vert="horz" wrap="square" lIns="91440" tIns="45720" rIns="91440" bIns="45720" numCol="1" spcCol="0" rtlCol="0" fromWordArt="0" anchor="ctr" anchorCtr="0" forceAA="0" compatLnSpc="1">
+            <a:prstTxWarp prst="textNoShape">
+              <a:avLst/>
+            </a:prstTxWarp>
+            <a:noAutofit/>
+          </a:bodyPr>
+          <a:lstStyle/>
+          <a:p>
+            <a:pPr algn="ctr"/>
+            <a:endParaRPr lang="ko-KR" altLang="en-US" sz="2000">
+              <a:solidFill>
+                <a:schemeClr val="tx1"/>
+              </a:solidFill>
+              <a:latin typeface="Consolas" pitchFamily="49" charset="0"/>
+              <a:cs typeface="Consolas" pitchFamily="49" charset="0"/>
+            </a:endParaRPr>
+          </a:p>
+        </p:txBody>
+      </p:sp>
+      <p:sp>
+        <p:nvSpPr>
+          <p:cNvPr id="14" name="직사각형 13">
+            <a:extLst>
+              <a:ext uri="{FF2B5EF4-FFF2-40B4-BE49-F238E27FC236}">
+                <a16:creationId xmlns:a16="http://schemas.microsoft.com/office/drawing/2014/main" id="{D523EF21-42A0-48CB-AA54-10FAE1BB8A84}"/>
+              </a:ext>
+            </a:extLst>
+          </p:cNvPr>
+          <p:cNvSpPr/>
+          <p:nvPr/>
+        </p:nvSpPr>
+        <p:spPr>
+          <a:xfrm>
+            <a:off x="2987824" y="5010142"/>
+            <a:ext cx="432048" cy="432048"/>
+          </a:xfrm>
+          <a:prstGeom prst="rect">
+            <a:avLst/>
+          </a:prstGeom>
+          <a:solidFill>
+            <a:srgbClr val="FFFF00"/>
+          </a:solidFill>
+          <a:ln w="9525"/>
+        </p:spPr>
+        <p:style>
+          <a:lnRef idx="2">
+            <a:schemeClr val="accent1">
+              <a:shade val="50000"/>
+            </a:schemeClr>
+          </a:lnRef>
+          <a:fillRef idx="1">
+            <a:schemeClr val="accent1"/>
+          </a:fillRef>
+          <a:effectRef idx="0">
+            <a:schemeClr val="accent1"/>
+          </a:effectRef>
+          <a:fontRef idx="minor">
+            <a:schemeClr val="lt1"/>
+          </a:fontRef>
+        </p:style>
+        <p:txBody>
+          <a:bodyPr rot="0" spcFirstLastPara="0" vertOverflow="overflow" horzOverflow="overflow" vert="horz" wrap="square" lIns="91440" tIns="45720" rIns="91440" bIns="45720" numCol="1" spcCol="0" rtlCol="0" fromWordArt="0" anchor="ctr" anchorCtr="0" forceAA="0" compatLnSpc="1">
+            <a:prstTxWarp prst="textNoShape">
+              <a:avLst/>
+            </a:prstTxWarp>
+            <a:noAutofit/>
+          </a:bodyPr>
+          <a:lstStyle/>
+          <a:p>
+            <a:pPr algn="ctr"/>
+            <a:endParaRPr lang="ko-KR" altLang="en-US" sz="2000">
+              <a:solidFill>
+                <a:schemeClr val="tx1"/>
+              </a:solidFill>
+              <a:latin typeface="Consolas" pitchFamily="49" charset="0"/>
+              <a:cs typeface="Consolas" pitchFamily="49" charset="0"/>
+            </a:endParaRPr>
+          </a:p>
+        </p:txBody>
+      </p:sp>
+      <p:sp>
+        <p:nvSpPr>
+          <p:cNvPr id="2" name="TextBox 1">
+            <a:extLst>
+              <a:ext uri="{FF2B5EF4-FFF2-40B4-BE49-F238E27FC236}">
+                <a16:creationId xmlns:a16="http://schemas.microsoft.com/office/drawing/2014/main" id="{816E1712-2D5E-40E0-98BF-CB55E9F6564E}"/>
+              </a:ext>
+            </a:extLst>
+          </p:cNvPr>
+          <p:cNvSpPr txBox="1"/>
+          <p:nvPr/>
+        </p:nvSpPr>
+        <p:spPr>
+          <a:xfrm>
+            <a:off x="1545291" y="4617073"/>
+            <a:ext cx="864096" cy="400110"/>
+          </a:xfrm>
+          <a:prstGeom prst="rect">
+            <a:avLst/>
+          </a:prstGeom>
+          <a:noFill/>
+        </p:spPr>
+        <p:txBody>
+          <a:bodyPr wrap="square" rtlCol="0">
+            <a:spAutoFit/>
+          </a:bodyPr>
+          <a:lstStyle/>
+          <a:p>
+            <a:r>
+              <a:rPr lang="en-US" altLang="ko-KR" sz="2000">
+                <a:latin typeface="Consolas" pitchFamily="49" charset="0"/>
+                <a:cs typeface="Consolas" pitchFamily="49" charset="0"/>
+              </a:rPr>
+              <a:t>prev</a:t>
+            </a:r>
+            <a:endParaRPr lang="ko-KR" altLang="en-US" sz="2000">
+              <a:latin typeface="Consolas" pitchFamily="49" charset="0"/>
+              <a:cs typeface="Consolas" pitchFamily="49" charset="0"/>
+            </a:endParaRPr>
+          </a:p>
+        </p:txBody>
+      </p:sp>
+      <p:cxnSp>
+        <p:nvCxnSpPr>
+          <p:cNvPr id="15" name="연결선: 구부러짐 14">
+            <a:extLst>
+              <a:ext uri="{FF2B5EF4-FFF2-40B4-BE49-F238E27FC236}">
+                <a16:creationId xmlns:a16="http://schemas.microsoft.com/office/drawing/2014/main" id="{A99B85BC-FDF5-4F6B-BBB4-CD6546B98CC5}"/>
+              </a:ext>
+            </a:extLst>
+          </p:cNvPr>
+          <p:cNvCxnSpPr>
+            <a:cxnSpLocks/>
+            <a:stCxn id="7" idx="0"/>
+            <a:endCxn id="14" idx="1"/>
+          </p:cNvCxnSpPr>
+          <p:nvPr/>
+        </p:nvCxnSpPr>
+        <p:spPr>
+          <a:xfrm rot="16200000" flipH="1">
+            <a:off x="2557293" y="4795635"/>
+            <a:ext cx="212990" cy="648072"/>
+          </a:xfrm>
+          <a:prstGeom prst="curvedConnector4">
+            <a:avLst>
+              <a:gd name="adj1" fmla="val -107329"/>
+              <a:gd name="adj2" fmla="val 66667"/>
+            </a:avLst>
+          </a:prstGeom>
+          <a:ln w="19050">
+            <a:solidFill>
+              <a:schemeClr val="tx1"/>
+            </a:solidFill>
+            <a:tailEnd type="triangle"/>
+          </a:ln>
+        </p:spPr>
+        <p:style>
+          <a:lnRef idx="1">
+            <a:schemeClr val="accent1"/>
+          </a:lnRef>
+          <a:fillRef idx="0">
+            <a:schemeClr val="accent1"/>
+          </a:fillRef>
+          <a:effectRef idx="0">
+            <a:schemeClr val="accent1"/>
+          </a:effectRef>
+          <a:fontRef idx="minor">
+            <a:schemeClr val="tx1"/>
+          </a:fontRef>
+        </p:style>
+      </p:cxnSp>
+      <p:cxnSp>
+        <p:nvCxnSpPr>
+          <p:cNvPr id="16" name="연결선: 구부러짐 15">
+            <a:extLst>
+              <a:ext uri="{FF2B5EF4-FFF2-40B4-BE49-F238E27FC236}">
+                <a16:creationId xmlns:a16="http://schemas.microsoft.com/office/drawing/2014/main" id="{C6D7F1D9-42C7-4626-9870-7E8F989F6714}"/>
+              </a:ext>
+            </a:extLst>
+          </p:cNvPr>
+          <p:cNvCxnSpPr>
+            <a:cxnSpLocks/>
+            <a:stCxn id="11" idx="2"/>
+            <a:endCxn id="13" idx="3"/>
+          </p:cNvCxnSpPr>
+          <p:nvPr/>
+        </p:nvCxnSpPr>
+        <p:spPr>
+          <a:xfrm rot="5400000" flipH="1">
+            <a:off x="4575034" y="4938134"/>
+            <a:ext cx="209956" cy="792088"/>
+          </a:xfrm>
+          <a:prstGeom prst="curvedConnector4">
+            <a:avLst>
+              <a:gd name="adj1" fmla="val -108880"/>
+              <a:gd name="adj2" fmla="val 63636"/>
+            </a:avLst>
+          </a:prstGeom>
+          <a:ln w="19050">
+            <a:solidFill>
+              <a:schemeClr val="tx1"/>
+            </a:solidFill>
+            <a:tailEnd type="triangle"/>
+          </a:ln>
+        </p:spPr>
+        <p:style>
+          <a:lnRef idx="1">
+            <a:schemeClr val="accent1"/>
+          </a:lnRef>
+          <a:fillRef idx="0">
+            <a:schemeClr val="accent1"/>
+          </a:fillRef>
+          <a:effectRef idx="0">
+            <a:schemeClr val="accent1"/>
+          </a:effectRef>
+          <a:fontRef idx="minor">
+            <a:schemeClr val="tx1"/>
+          </a:fontRef>
+        </p:style>
+      </p:cxnSp>
+      <p:sp>
+        <p:nvSpPr>
+          <p:cNvPr id="19" name="TextBox 18">
+            <a:extLst>
+              <a:ext uri="{FF2B5EF4-FFF2-40B4-BE49-F238E27FC236}">
+                <a16:creationId xmlns:a16="http://schemas.microsoft.com/office/drawing/2014/main" id="{06A4D49E-E1A2-4548-A246-76224AC57543}"/>
+              </a:ext>
+            </a:extLst>
+          </p:cNvPr>
+          <p:cNvSpPr txBox="1"/>
+          <p:nvPr/>
+        </p:nvSpPr>
+        <p:spPr>
+          <a:xfrm>
+            <a:off x="3095836" y="4577407"/>
+            <a:ext cx="864096" cy="400110"/>
+          </a:xfrm>
+          <a:prstGeom prst="rect">
+            <a:avLst/>
+          </a:prstGeom>
+          <a:noFill/>
+        </p:spPr>
+        <p:txBody>
+          <a:bodyPr wrap="square" rtlCol="0">
+            <a:spAutoFit/>
+          </a:bodyPr>
+          <a:lstStyle/>
+          <a:p>
+            <a:r>
+              <a:rPr lang="en-US" altLang="ko-KR" sz="2000">
+                <a:latin typeface="Consolas" pitchFamily="49" charset="0"/>
+                <a:cs typeface="Consolas" pitchFamily="49" charset="0"/>
+              </a:rPr>
+              <a:t>temp</a:t>
+            </a:r>
+            <a:endParaRPr lang="ko-KR" altLang="en-US" sz="2000">
+              <a:latin typeface="Consolas" pitchFamily="49" charset="0"/>
+              <a:cs typeface="Consolas" pitchFamily="49" charset="0"/>
+            </a:endParaRPr>
+          </a:p>
+        </p:txBody>
+      </p:sp>
+      <p:cxnSp>
+        <p:nvCxnSpPr>
+          <p:cNvPr id="20" name="연결선: 구부러짐 19">
+            <a:extLst>
+              <a:ext uri="{FF2B5EF4-FFF2-40B4-BE49-F238E27FC236}">
+                <a16:creationId xmlns:a16="http://schemas.microsoft.com/office/drawing/2014/main" id="{629A0AC0-CCBA-44C1-B165-48A452F724DB}"/>
+              </a:ext>
+            </a:extLst>
+          </p:cNvPr>
+          <p:cNvCxnSpPr>
+            <a:cxnSpLocks/>
+            <a:stCxn id="13" idx="0"/>
+            <a:endCxn id="11" idx="1"/>
+          </p:cNvCxnSpPr>
+          <p:nvPr/>
+        </p:nvCxnSpPr>
+        <p:spPr>
+          <a:xfrm rot="16200000" flipH="1">
+            <a:off x="4359010" y="4722110"/>
+            <a:ext cx="209956" cy="792088"/>
+          </a:xfrm>
+          <a:prstGeom prst="curvedConnector4">
+            <a:avLst>
+              <a:gd name="adj1" fmla="val -108880"/>
+              <a:gd name="adj2" fmla="val 63636"/>
+            </a:avLst>
+          </a:prstGeom>
+          <a:ln w="19050">
+            <a:solidFill>
+              <a:schemeClr val="tx1"/>
+            </a:solidFill>
+            <a:tailEnd type="triangle"/>
+          </a:ln>
+        </p:spPr>
+        <p:style>
+          <a:lnRef idx="1">
+            <a:schemeClr val="accent1"/>
+          </a:lnRef>
+          <a:fillRef idx="0">
+            <a:schemeClr val="accent1"/>
+          </a:fillRef>
+          <a:effectRef idx="0">
+            <a:schemeClr val="accent1"/>
+          </a:effectRef>
+          <a:fontRef idx="minor">
+            <a:schemeClr val="tx1"/>
+          </a:fontRef>
+        </p:style>
+      </p:cxnSp>
+      <p:cxnSp>
+        <p:nvCxnSpPr>
+          <p:cNvPr id="25" name="연결선: 구부러짐 24">
+            <a:extLst>
+              <a:ext uri="{FF2B5EF4-FFF2-40B4-BE49-F238E27FC236}">
+                <a16:creationId xmlns:a16="http://schemas.microsoft.com/office/drawing/2014/main" id="{C9E1BCC4-7F3B-432C-B059-96819D35DEB6}"/>
+              </a:ext>
+            </a:extLst>
+          </p:cNvPr>
+          <p:cNvCxnSpPr>
+            <a:cxnSpLocks/>
+            <a:stCxn id="14" idx="2"/>
+            <a:endCxn id="7" idx="3"/>
+          </p:cNvCxnSpPr>
+          <p:nvPr/>
+        </p:nvCxnSpPr>
+        <p:spPr>
+          <a:xfrm rot="5400000" flipH="1">
+            <a:off x="2773317" y="5011659"/>
+            <a:ext cx="212990" cy="648072"/>
+          </a:xfrm>
+          <a:prstGeom prst="curvedConnector4">
+            <a:avLst>
+              <a:gd name="adj1" fmla="val -107329"/>
+              <a:gd name="adj2" fmla="val 66667"/>
+            </a:avLst>
+          </a:prstGeom>
+          <a:ln w="19050">
+            <a:solidFill>
+              <a:schemeClr val="tx1"/>
+            </a:solidFill>
+            <a:tailEnd type="triangle"/>
+          </a:ln>
+        </p:spPr>
+        <p:style>
+          <a:lnRef idx="1">
+            <a:schemeClr val="accent1"/>
+          </a:lnRef>
+          <a:fillRef idx="0">
+            <a:schemeClr val="accent1"/>
+          </a:fillRef>
+          <a:effectRef idx="0">
+            <a:schemeClr val="accent1"/>
+          </a:effectRef>
+          <a:fontRef idx="minor">
+            <a:schemeClr val="tx1"/>
+          </a:fontRef>
+        </p:style>
+      </p:cxnSp>
+      <p:sp>
+        <p:nvSpPr>
+          <p:cNvPr id="18" name="TextBox 17">
+            <a:extLst>
+              <a:ext uri="{FF2B5EF4-FFF2-40B4-BE49-F238E27FC236}">
+                <a16:creationId xmlns:a16="http://schemas.microsoft.com/office/drawing/2014/main" id="{99109E7F-206F-4CFE-9BBB-D0745D88D7A5}"/>
+              </a:ext>
+            </a:extLst>
+          </p:cNvPr>
+          <p:cNvSpPr txBox="1"/>
+          <p:nvPr/>
+        </p:nvSpPr>
+        <p:spPr>
+          <a:xfrm>
+            <a:off x="5042711" y="4626001"/>
+            <a:ext cx="864096" cy="400110"/>
+          </a:xfrm>
+          <a:prstGeom prst="rect">
+            <a:avLst/>
+          </a:prstGeom>
+          <a:noFill/>
+        </p:spPr>
+        <p:txBody>
+          <a:bodyPr wrap="square" rtlCol="0">
+            <a:spAutoFit/>
+          </a:bodyPr>
+          <a:lstStyle/>
+          <a:p>
+            <a:r>
+              <a:rPr lang="en-US" altLang="ko-KR" sz="2000">
+                <a:latin typeface="Consolas" pitchFamily="49" charset="0"/>
+                <a:cs typeface="Consolas" pitchFamily="49" charset="0"/>
+              </a:rPr>
+              <a:t>next</a:t>
+            </a:r>
+            <a:endParaRPr lang="ko-KR" altLang="en-US" sz="2000">
+              <a:latin typeface="Consolas" pitchFamily="49" charset="0"/>
+              <a:cs typeface="Consolas" pitchFamily="49" charset="0"/>
+            </a:endParaRPr>
+          </a:p>
+        </p:txBody>
+      </p:sp>
+      <p:sp>
+        <p:nvSpPr>
+          <p:cNvPr id="21" name="TextBox 20">
+            <a:extLst>
+              <a:ext uri="{FF2B5EF4-FFF2-40B4-BE49-F238E27FC236}">
+                <a16:creationId xmlns:a16="http://schemas.microsoft.com/office/drawing/2014/main" id="{E640B876-D32D-462B-B71C-F72B15BA539B}"/>
+              </a:ext>
+            </a:extLst>
+          </p:cNvPr>
+          <p:cNvSpPr txBox="1"/>
+          <p:nvPr/>
+        </p:nvSpPr>
+        <p:spPr>
+          <a:xfrm>
+            <a:off x="1619672" y="5597561"/>
+            <a:ext cx="864096" cy="400110"/>
+          </a:xfrm>
+          <a:prstGeom prst="rect">
+            <a:avLst/>
+          </a:prstGeom>
+          <a:noFill/>
+        </p:spPr>
+        <p:txBody>
+          <a:bodyPr wrap="square" rtlCol="0">
+            <a:spAutoFit/>
+          </a:bodyPr>
+          <a:lstStyle/>
+          <a:p>
+            <a:r>
+              <a:rPr lang="en-US" altLang="ko-KR" sz="2000">
+                <a:latin typeface="Consolas" pitchFamily="49" charset="0"/>
+                <a:cs typeface="Consolas" pitchFamily="49" charset="0"/>
+              </a:rPr>
+              <a:t>head</a:t>
+            </a:r>
+            <a:endParaRPr lang="ko-KR" altLang="en-US" sz="2000">
+              <a:latin typeface="Consolas" pitchFamily="49" charset="0"/>
+              <a:cs typeface="Consolas" pitchFamily="49" charset="0"/>
+            </a:endParaRPr>
+          </a:p>
+        </p:txBody>
+      </p:sp>
+      <p:sp>
+        <p:nvSpPr>
+          <p:cNvPr id="22" name="TextBox 21">
+            <a:extLst>
+              <a:ext uri="{FF2B5EF4-FFF2-40B4-BE49-F238E27FC236}">
+                <a16:creationId xmlns:a16="http://schemas.microsoft.com/office/drawing/2014/main" id="{2FB9D25A-A67E-4F8B-A99F-2D55AB2545FF}"/>
+              </a:ext>
+            </a:extLst>
+          </p:cNvPr>
+          <p:cNvSpPr txBox="1"/>
+          <p:nvPr/>
+        </p:nvSpPr>
+        <p:spPr>
+          <a:xfrm>
+            <a:off x="5148064" y="5597561"/>
+            <a:ext cx="1800200" cy="400110"/>
+          </a:xfrm>
+          <a:prstGeom prst="rect">
+            <a:avLst/>
+          </a:prstGeom>
+          <a:noFill/>
+        </p:spPr>
+        <p:txBody>
+          <a:bodyPr wrap="square" rtlCol="0">
+            <a:spAutoFit/>
+          </a:bodyPr>
+          <a:lstStyle/>
+          <a:p>
+            <a:r>
+              <a:rPr lang="en-US" altLang="ko-KR" sz="2000">
+                <a:latin typeface="Consolas" pitchFamily="49" charset="0"/>
+                <a:cs typeface="Consolas" pitchFamily="49" charset="0"/>
+              </a:rPr>
+              <a:t>head-&gt;next</a:t>
+            </a:r>
+            <a:endParaRPr lang="ko-KR" altLang="en-US" sz="2000">
+              <a:latin typeface="Consolas" pitchFamily="49" charset="0"/>
+              <a:cs typeface="Consolas" pitchFamily="49" charset="0"/>
+            </a:endParaRPr>
+          </a:p>
+        </p:txBody>
+      </p:sp>
+    </p:spTree>
+    <p:extLst>
+      <p:ext uri="{BB962C8B-B14F-4D97-AF65-F5344CB8AC3E}">
+        <p14:creationId xmlns:p14="http://schemas.microsoft.com/office/powerpoint/2010/main" val="2206869953"/>
+      </p:ext>
+    </p:extLst>
+  </p:cSld>
+  <p:clrMapOvr>
+    <a:masterClrMapping/>
+  </p:clrMapOvr>
+</p:sld>
+</file>
+
 <file path=ppt/slides/slide2.xml><?xml version="1.0" encoding="utf-8"?>
 <p:sld xmlns:a="http://schemas.openxmlformats.org/drawingml/2006/main" xmlns:r="http://schemas.openxmlformats.org/officeDocument/2006/relationships" xmlns:p="http://schemas.openxmlformats.org/presentationml/2006/main">
   <p:cSld>
@@ -11582,34 +14033,42 @@
           </a:p>
           <a:p>
             <a:r>
-              <a:rPr lang="en-US" altLang="ko-KR" sz="2000" b="1"/>
-              <a:t>- </a:t>
-            </a:r>
-            <a:r>
               <a:rPr lang="en-US" altLang="ko-KR" sz="2000" b="1">
                 <a:solidFill>
                   <a:srgbClr val="FF0000"/>
                 </a:solidFill>
               </a:rPr>
-              <a:t>Ge</a:t>
-            </a:r>
-            <a:r>
-              <a:rPr lang="en-US" altLang="ko-KR" sz="2000" b="1"/>
-              <a:t>neric linked</a:t>
-            </a:r>
-            <a:r>
-              <a:rPr lang="ko-KR" altLang="en-US" sz="2000" b="1"/>
+              <a:t>- Generic linked</a:t>
+            </a:r>
+            <a:r>
+              <a:rPr lang="ko-KR" altLang="en-US" sz="2000" b="1">
+                <a:solidFill>
+                  <a:srgbClr val="FF0000"/>
+                </a:solidFill>
+              </a:rPr>
               <a:t> </a:t>
             </a:r>
             <a:r>
-              <a:rPr lang="en-US" altLang="ko-KR" sz="2000" b="1"/>
+              <a:rPr lang="en-US" altLang="ko-KR" sz="2000" b="1">
+                <a:solidFill>
+                  <a:srgbClr val="FF0000"/>
+                </a:solidFill>
+              </a:rPr>
               <a:t>list</a:t>
             </a:r>
             <a:r>
-              <a:rPr lang="ko-KR" altLang="en-US" sz="2000" b="1"/>
+              <a:rPr lang="ko-KR" altLang="en-US" sz="2000" b="1">
+                <a:solidFill>
+                  <a:srgbClr val="FF0000"/>
+                </a:solidFill>
+              </a:rPr>
               <a:t> </a:t>
             </a:r>
-            <a:endParaRPr lang="en-US" altLang="ko-KR" sz="2000" b="1"/>
+            <a:endParaRPr lang="en-US" altLang="ko-KR" sz="2000" b="1">
+              <a:solidFill>
+                <a:srgbClr val="FF0000"/>
+              </a:solidFill>
+            </a:endParaRPr>
           </a:p>
           <a:p>
             <a:r>
@@ -11853,6 +14312,7220 @@
     <p:extLst>
       <p:ext uri="{BB962C8B-B14F-4D97-AF65-F5344CB8AC3E}">
         <p14:creationId xmlns:p14="http://schemas.microsoft.com/office/powerpoint/2010/main" val="1529001108"/>
+      </p:ext>
+    </p:extLst>
+  </p:cSld>
+  <p:clrMapOvr>
+    <a:masterClrMapping/>
+  </p:clrMapOvr>
+</p:sld>
+</file>
+
+<file path=ppt/slides/slide20.xml><?xml version="1.0" encoding="utf-8"?>
+<p:sld xmlns:a="http://schemas.openxmlformats.org/drawingml/2006/main" xmlns:r="http://schemas.openxmlformats.org/officeDocument/2006/relationships" xmlns:p="http://schemas.openxmlformats.org/presentationml/2006/main">
+  <p:cSld>
+    <p:spTree>
+      <p:nvGrpSpPr>
+        <p:cNvPr id="1" name=""/>
+        <p:cNvGrpSpPr/>
+        <p:nvPr/>
+      </p:nvGrpSpPr>
+      <p:grpSpPr>
+        <a:xfrm>
+          <a:off x="0" y="0"/>
+          <a:ext cx="0" cy="0"/>
+          <a:chOff x="0" y="0"/>
+          <a:chExt cx="0" cy="0"/>
+        </a:xfrm>
+      </p:grpSpPr>
+      <p:sp>
+        <p:nvSpPr>
+          <p:cNvPr id="4" name="TextBox 3">
+            <a:extLst>
+              <a:ext uri="{FF2B5EF4-FFF2-40B4-BE49-F238E27FC236}">
+                <a16:creationId xmlns:a16="http://schemas.microsoft.com/office/drawing/2014/main" id="{E6FAF5D6-2BC6-42EA-83CF-A2DFE1A00448}"/>
+              </a:ext>
+            </a:extLst>
+          </p:cNvPr>
+          <p:cNvSpPr txBox="1"/>
+          <p:nvPr/>
+        </p:nvSpPr>
+        <p:spPr>
+          <a:xfrm>
+            <a:off x="-82200" y="-99392"/>
+            <a:ext cx="8084264" cy="4401205"/>
+          </a:xfrm>
+          <a:prstGeom prst="rect">
+            <a:avLst/>
+          </a:prstGeom>
+          <a:noFill/>
+        </p:spPr>
+        <p:txBody>
+          <a:bodyPr wrap="none" rtlCol="0">
+            <a:spAutoFit/>
+          </a:bodyPr>
+          <a:lstStyle/>
+          <a:p>
+            <a:r>
+              <a:rPr lang="en-US" altLang="ko-KR" sz="2000">
+                <a:latin typeface="Consolas" pitchFamily="49" charset="0"/>
+                <a:cs typeface="Consolas" pitchFamily="49" charset="0"/>
+              </a:rPr>
+              <a:t>void __insert_data( NODE *temp, NODE *prev, NODE *next )</a:t>
+            </a:r>
+          </a:p>
+          <a:p>
+            <a:r>
+              <a:rPr lang="en-US" altLang="ko-KR" sz="2000">
+                <a:latin typeface="Consolas" pitchFamily="49" charset="0"/>
+                <a:cs typeface="Consolas" pitchFamily="49" charset="0"/>
+              </a:rPr>
+              <a:t>{</a:t>
+            </a:r>
+          </a:p>
+          <a:p>
+            <a:r>
+              <a:rPr lang="en-US" altLang="ko-KR" sz="2000">
+                <a:latin typeface="Consolas" pitchFamily="49" charset="0"/>
+                <a:cs typeface="Consolas" pitchFamily="49" charset="0"/>
+              </a:rPr>
+              <a:t>   temp-&gt;next = next;</a:t>
+            </a:r>
+          </a:p>
+          <a:p>
+            <a:r>
+              <a:rPr lang="en-US" altLang="ko-KR" sz="2000">
+                <a:latin typeface="Consolas" pitchFamily="49" charset="0"/>
+                <a:cs typeface="Consolas" pitchFamily="49" charset="0"/>
+              </a:rPr>
+              <a:t>   prev-&gt;next = temp;</a:t>
+            </a:r>
+          </a:p>
+          <a:p>
+            <a:r>
+              <a:rPr lang="en-US" altLang="ko-KR" sz="2000">
+                <a:latin typeface="Consolas" pitchFamily="49" charset="0"/>
+                <a:cs typeface="Consolas" pitchFamily="49" charset="0"/>
+              </a:rPr>
+              <a:t>   temp-&gt;prev = prev;</a:t>
+            </a:r>
+          </a:p>
+          <a:p>
+            <a:r>
+              <a:rPr lang="en-US" altLang="ko-KR" sz="2000">
+                <a:latin typeface="Consolas" pitchFamily="49" charset="0"/>
+                <a:cs typeface="Consolas" pitchFamily="49" charset="0"/>
+              </a:rPr>
+              <a:t>   next-&gt;prev = temp;</a:t>
+            </a:r>
+          </a:p>
+          <a:p>
+            <a:r>
+              <a:rPr lang="en-US" altLang="ko-KR" sz="2000">
+                <a:latin typeface="Consolas" pitchFamily="49" charset="0"/>
+                <a:cs typeface="Consolas" pitchFamily="49" charset="0"/>
+              </a:rPr>
+              <a:t>}</a:t>
+            </a:r>
+          </a:p>
+          <a:p>
+            <a:endParaRPr lang="en-US" altLang="ko-KR" sz="2000">
+              <a:latin typeface="Consolas" pitchFamily="49" charset="0"/>
+              <a:cs typeface="Consolas" pitchFamily="49" charset="0"/>
+            </a:endParaRPr>
+          </a:p>
+          <a:p>
+            <a:r>
+              <a:rPr lang="en-US" altLang="ko-KR" sz="2000">
+                <a:latin typeface="Consolas" pitchFamily="49" charset="0"/>
+                <a:cs typeface="Consolas" pitchFamily="49" charset="0"/>
+              </a:rPr>
+              <a:t>void insert_back( NODE *temp, NODE *head )</a:t>
+            </a:r>
+          </a:p>
+          <a:p>
+            <a:r>
+              <a:rPr lang="en-US" altLang="ko-KR" sz="2000">
+                <a:latin typeface="Consolas" pitchFamily="49" charset="0"/>
+                <a:cs typeface="Consolas" pitchFamily="49" charset="0"/>
+              </a:rPr>
+              <a:t>{</a:t>
+            </a:r>
+          </a:p>
+          <a:p>
+            <a:r>
+              <a:rPr lang="en-US" altLang="ko-KR" sz="2000">
+                <a:latin typeface="Consolas" pitchFamily="49" charset="0"/>
+                <a:cs typeface="Consolas" pitchFamily="49" charset="0"/>
+              </a:rPr>
+              <a:t>   __insert_data( temp, head-&gt;prev, head );</a:t>
+            </a:r>
+          </a:p>
+          <a:p>
+            <a:r>
+              <a:rPr lang="en-US" altLang="ko-KR" sz="2000">
+                <a:latin typeface="Consolas" pitchFamily="49" charset="0"/>
+                <a:cs typeface="Consolas" pitchFamily="49" charset="0"/>
+              </a:rPr>
+              <a:t>}</a:t>
+            </a:r>
+          </a:p>
+          <a:p>
+            <a:endParaRPr lang="en-US" altLang="ko-KR" sz="2000">
+              <a:latin typeface="Consolas" pitchFamily="49" charset="0"/>
+              <a:cs typeface="Consolas" pitchFamily="49" charset="0"/>
+            </a:endParaRPr>
+          </a:p>
+          <a:p>
+            <a:endParaRPr lang="en-US" altLang="ko-KR" sz="2000">
+              <a:latin typeface="Consolas" pitchFamily="49" charset="0"/>
+              <a:cs typeface="Consolas" pitchFamily="49" charset="0"/>
+            </a:endParaRPr>
+          </a:p>
+        </p:txBody>
+      </p:sp>
+      <p:sp>
+        <p:nvSpPr>
+          <p:cNvPr id="6" name="직사각형 5">
+            <a:extLst>
+              <a:ext uri="{FF2B5EF4-FFF2-40B4-BE49-F238E27FC236}">
+                <a16:creationId xmlns:a16="http://schemas.microsoft.com/office/drawing/2014/main" id="{014B8F61-B422-4159-9377-12C4F540A8CA}"/>
+              </a:ext>
+            </a:extLst>
+          </p:cNvPr>
+          <p:cNvSpPr/>
+          <p:nvPr/>
+        </p:nvSpPr>
+        <p:spPr>
+          <a:xfrm>
+            <a:off x="1691680" y="5007108"/>
+            <a:ext cx="432048" cy="432048"/>
+          </a:xfrm>
+          <a:prstGeom prst="rect">
+            <a:avLst/>
+          </a:prstGeom>
+          <a:solidFill>
+            <a:srgbClr val="FFC000"/>
+          </a:solidFill>
+          <a:ln w="9525"/>
+        </p:spPr>
+        <p:style>
+          <a:lnRef idx="2">
+            <a:schemeClr val="accent1">
+              <a:shade val="50000"/>
+            </a:schemeClr>
+          </a:lnRef>
+          <a:fillRef idx="1">
+            <a:schemeClr val="accent1"/>
+          </a:fillRef>
+          <a:effectRef idx="0">
+            <a:schemeClr val="accent1"/>
+          </a:effectRef>
+          <a:fontRef idx="minor">
+            <a:schemeClr val="lt1"/>
+          </a:fontRef>
+        </p:style>
+        <p:txBody>
+          <a:bodyPr rot="0" spcFirstLastPara="0" vertOverflow="overflow" horzOverflow="overflow" vert="horz" wrap="square" lIns="91440" tIns="45720" rIns="91440" bIns="45720" numCol="1" spcCol="0" rtlCol="0" fromWordArt="0" anchor="ctr" anchorCtr="0" forceAA="0" compatLnSpc="1">
+            <a:prstTxWarp prst="textNoShape">
+              <a:avLst/>
+            </a:prstTxWarp>
+            <a:noAutofit/>
+          </a:bodyPr>
+          <a:lstStyle/>
+          <a:p>
+            <a:pPr algn="ctr"/>
+            <a:endParaRPr lang="ko-KR" altLang="en-US" sz="2000">
+              <a:solidFill>
+                <a:schemeClr val="tx1"/>
+              </a:solidFill>
+              <a:latin typeface="Consolas" pitchFamily="49" charset="0"/>
+              <a:cs typeface="Consolas" pitchFamily="49" charset="0"/>
+            </a:endParaRPr>
+          </a:p>
+        </p:txBody>
+      </p:sp>
+      <p:sp>
+        <p:nvSpPr>
+          <p:cNvPr id="7" name="직사각형 6">
+            <a:extLst>
+              <a:ext uri="{FF2B5EF4-FFF2-40B4-BE49-F238E27FC236}">
+                <a16:creationId xmlns:a16="http://schemas.microsoft.com/office/drawing/2014/main" id="{5555DD07-C2E3-4472-B9CD-4705707CEC0B}"/>
+              </a:ext>
+            </a:extLst>
+          </p:cNvPr>
+          <p:cNvSpPr/>
+          <p:nvPr/>
+        </p:nvSpPr>
+        <p:spPr>
+          <a:xfrm>
+            <a:off x="2123728" y="5013176"/>
+            <a:ext cx="432048" cy="432048"/>
+          </a:xfrm>
+          <a:prstGeom prst="rect">
+            <a:avLst/>
+          </a:prstGeom>
+          <a:solidFill>
+            <a:srgbClr val="FFFF00"/>
+          </a:solidFill>
+          <a:ln w="9525"/>
+        </p:spPr>
+        <p:style>
+          <a:lnRef idx="2">
+            <a:schemeClr val="accent1">
+              <a:shade val="50000"/>
+            </a:schemeClr>
+          </a:lnRef>
+          <a:fillRef idx="1">
+            <a:schemeClr val="accent1"/>
+          </a:fillRef>
+          <a:effectRef idx="0">
+            <a:schemeClr val="accent1"/>
+          </a:effectRef>
+          <a:fontRef idx="minor">
+            <a:schemeClr val="lt1"/>
+          </a:fontRef>
+        </p:style>
+        <p:txBody>
+          <a:bodyPr rot="0" spcFirstLastPara="0" vertOverflow="overflow" horzOverflow="overflow" vert="horz" wrap="square" lIns="91440" tIns="45720" rIns="91440" bIns="45720" numCol="1" spcCol="0" rtlCol="0" fromWordArt="0" anchor="ctr" anchorCtr="0" forceAA="0" compatLnSpc="1">
+            <a:prstTxWarp prst="textNoShape">
+              <a:avLst/>
+            </a:prstTxWarp>
+            <a:noAutofit/>
+          </a:bodyPr>
+          <a:lstStyle/>
+          <a:p>
+            <a:pPr algn="ctr"/>
+            <a:endParaRPr lang="ko-KR" altLang="en-US" sz="2000">
+              <a:solidFill>
+                <a:schemeClr val="tx1"/>
+              </a:solidFill>
+              <a:latin typeface="Consolas" pitchFamily="49" charset="0"/>
+              <a:cs typeface="Consolas" pitchFamily="49" charset="0"/>
+            </a:endParaRPr>
+          </a:p>
+        </p:txBody>
+      </p:sp>
+      <p:sp>
+        <p:nvSpPr>
+          <p:cNvPr id="9" name="직사각형 8">
+            <a:extLst>
+              <a:ext uri="{FF2B5EF4-FFF2-40B4-BE49-F238E27FC236}">
+                <a16:creationId xmlns:a16="http://schemas.microsoft.com/office/drawing/2014/main" id="{1C228358-F8F5-4EA6-9C23-13373DCB14E9}"/>
+              </a:ext>
+            </a:extLst>
+          </p:cNvPr>
+          <p:cNvSpPr/>
+          <p:nvPr/>
+        </p:nvSpPr>
+        <p:spPr>
+          <a:xfrm>
+            <a:off x="1259632" y="5010142"/>
+            <a:ext cx="432048" cy="432048"/>
+          </a:xfrm>
+          <a:prstGeom prst="rect">
+            <a:avLst/>
+          </a:prstGeom>
+          <a:solidFill>
+            <a:srgbClr val="FFFF00"/>
+          </a:solidFill>
+          <a:ln w="9525"/>
+        </p:spPr>
+        <p:style>
+          <a:lnRef idx="2">
+            <a:schemeClr val="accent1">
+              <a:shade val="50000"/>
+            </a:schemeClr>
+          </a:lnRef>
+          <a:fillRef idx="1">
+            <a:schemeClr val="accent1"/>
+          </a:fillRef>
+          <a:effectRef idx="0">
+            <a:schemeClr val="accent1"/>
+          </a:effectRef>
+          <a:fontRef idx="minor">
+            <a:schemeClr val="lt1"/>
+          </a:fontRef>
+        </p:style>
+        <p:txBody>
+          <a:bodyPr rot="0" spcFirstLastPara="0" vertOverflow="overflow" horzOverflow="overflow" vert="horz" wrap="square" lIns="91440" tIns="45720" rIns="91440" bIns="45720" numCol="1" spcCol="0" rtlCol="0" fromWordArt="0" anchor="ctr" anchorCtr="0" forceAA="0" compatLnSpc="1">
+            <a:prstTxWarp prst="textNoShape">
+              <a:avLst/>
+            </a:prstTxWarp>
+            <a:noAutofit/>
+          </a:bodyPr>
+          <a:lstStyle/>
+          <a:p>
+            <a:pPr algn="ctr"/>
+            <a:endParaRPr lang="ko-KR" altLang="en-US" sz="2000">
+              <a:solidFill>
+                <a:schemeClr val="tx1"/>
+              </a:solidFill>
+              <a:latin typeface="Consolas" pitchFamily="49" charset="0"/>
+              <a:cs typeface="Consolas" pitchFamily="49" charset="0"/>
+            </a:endParaRPr>
+          </a:p>
+        </p:txBody>
+      </p:sp>
+      <p:sp>
+        <p:nvSpPr>
+          <p:cNvPr id="8" name="직사각형 7">
+            <a:extLst>
+              <a:ext uri="{FF2B5EF4-FFF2-40B4-BE49-F238E27FC236}">
+                <a16:creationId xmlns:a16="http://schemas.microsoft.com/office/drawing/2014/main" id="{E994D97C-498C-4C94-89D6-E257D7B9FA60}"/>
+              </a:ext>
+            </a:extLst>
+          </p:cNvPr>
+          <p:cNvSpPr/>
+          <p:nvPr/>
+        </p:nvSpPr>
+        <p:spPr>
+          <a:xfrm>
+            <a:off x="5292080" y="5004074"/>
+            <a:ext cx="432048" cy="432048"/>
+          </a:xfrm>
+          <a:prstGeom prst="rect">
+            <a:avLst/>
+          </a:prstGeom>
+          <a:solidFill>
+            <a:srgbClr val="FFC000"/>
+          </a:solidFill>
+          <a:ln w="9525"/>
+        </p:spPr>
+        <p:style>
+          <a:lnRef idx="2">
+            <a:schemeClr val="accent1">
+              <a:shade val="50000"/>
+            </a:schemeClr>
+          </a:lnRef>
+          <a:fillRef idx="1">
+            <a:schemeClr val="accent1"/>
+          </a:fillRef>
+          <a:effectRef idx="0">
+            <a:schemeClr val="accent1"/>
+          </a:effectRef>
+          <a:fontRef idx="minor">
+            <a:schemeClr val="lt1"/>
+          </a:fontRef>
+        </p:style>
+        <p:txBody>
+          <a:bodyPr rot="0" spcFirstLastPara="0" vertOverflow="overflow" horzOverflow="overflow" vert="horz" wrap="square" lIns="91440" tIns="45720" rIns="91440" bIns="45720" numCol="1" spcCol="0" rtlCol="0" fromWordArt="0" anchor="ctr" anchorCtr="0" forceAA="0" compatLnSpc="1">
+            <a:prstTxWarp prst="textNoShape">
+              <a:avLst/>
+            </a:prstTxWarp>
+            <a:noAutofit/>
+          </a:bodyPr>
+          <a:lstStyle/>
+          <a:p>
+            <a:pPr algn="ctr"/>
+            <a:r>
+              <a:rPr lang="en-US" altLang="ko-KR" sz="2000">
+                <a:solidFill>
+                  <a:schemeClr val="tx1"/>
+                </a:solidFill>
+                <a:latin typeface="Consolas" pitchFamily="49" charset="0"/>
+                <a:cs typeface="Consolas" pitchFamily="49" charset="0"/>
+              </a:rPr>
+              <a:t>1</a:t>
+            </a:r>
+            <a:endParaRPr lang="ko-KR" altLang="en-US" sz="2000">
+              <a:solidFill>
+                <a:schemeClr val="tx1"/>
+              </a:solidFill>
+              <a:latin typeface="Consolas" pitchFamily="49" charset="0"/>
+              <a:cs typeface="Consolas" pitchFamily="49" charset="0"/>
+            </a:endParaRPr>
+          </a:p>
+        </p:txBody>
+      </p:sp>
+      <p:sp>
+        <p:nvSpPr>
+          <p:cNvPr id="10" name="직사각형 9">
+            <a:extLst>
+              <a:ext uri="{FF2B5EF4-FFF2-40B4-BE49-F238E27FC236}">
+                <a16:creationId xmlns:a16="http://schemas.microsoft.com/office/drawing/2014/main" id="{A752E4AF-7200-428C-9B46-6F301190666D}"/>
+              </a:ext>
+            </a:extLst>
+          </p:cNvPr>
+          <p:cNvSpPr/>
+          <p:nvPr/>
+        </p:nvSpPr>
+        <p:spPr>
+          <a:xfrm>
+            <a:off x="5724128" y="5010142"/>
+            <a:ext cx="432048" cy="432048"/>
+          </a:xfrm>
+          <a:prstGeom prst="rect">
+            <a:avLst/>
+          </a:prstGeom>
+          <a:solidFill>
+            <a:srgbClr val="FFFF00"/>
+          </a:solidFill>
+          <a:ln w="9525"/>
+        </p:spPr>
+        <p:style>
+          <a:lnRef idx="2">
+            <a:schemeClr val="accent1">
+              <a:shade val="50000"/>
+            </a:schemeClr>
+          </a:lnRef>
+          <a:fillRef idx="1">
+            <a:schemeClr val="accent1"/>
+          </a:fillRef>
+          <a:effectRef idx="0">
+            <a:schemeClr val="accent1"/>
+          </a:effectRef>
+          <a:fontRef idx="minor">
+            <a:schemeClr val="lt1"/>
+          </a:fontRef>
+        </p:style>
+        <p:txBody>
+          <a:bodyPr rot="0" spcFirstLastPara="0" vertOverflow="overflow" horzOverflow="overflow" vert="horz" wrap="square" lIns="91440" tIns="45720" rIns="91440" bIns="45720" numCol="1" spcCol="0" rtlCol="0" fromWordArt="0" anchor="ctr" anchorCtr="0" forceAA="0" compatLnSpc="1">
+            <a:prstTxWarp prst="textNoShape">
+              <a:avLst/>
+            </a:prstTxWarp>
+            <a:noAutofit/>
+          </a:bodyPr>
+          <a:lstStyle/>
+          <a:p>
+            <a:pPr algn="ctr"/>
+            <a:endParaRPr lang="ko-KR" altLang="en-US" sz="2000">
+              <a:solidFill>
+                <a:schemeClr val="tx1"/>
+              </a:solidFill>
+              <a:latin typeface="Consolas" pitchFamily="49" charset="0"/>
+              <a:cs typeface="Consolas" pitchFamily="49" charset="0"/>
+            </a:endParaRPr>
+          </a:p>
+        </p:txBody>
+      </p:sp>
+      <p:sp>
+        <p:nvSpPr>
+          <p:cNvPr id="11" name="직사각형 10">
+            <a:extLst>
+              <a:ext uri="{FF2B5EF4-FFF2-40B4-BE49-F238E27FC236}">
+                <a16:creationId xmlns:a16="http://schemas.microsoft.com/office/drawing/2014/main" id="{6240F660-BBA3-4E2D-A71E-3ADACE5060C6}"/>
+              </a:ext>
+            </a:extLst>
+          </p:cNvPr>
+          <p:cNvSpPr/>
+          <p:nvPr/>
+        </p:nvSpPr>
+        <p:spPr>
+          <a:xfrm>
+            <a:off x="4860032" y="5007108"/>
+            <a:ext cx="432048" cy="432048"/>
+          </a:xfrm>
+          <a:prstGeom prst="rect">
+            <a:avLst/>
+          </a:prstGeom>
+          <a:solidFill>
+            <a:srgbClr val="FFFF00"/>
+          </a:solidFill>
+          <a:ln w="9525"/>
+        </p:spPr>
+        <p:style>
+          <a:lnRef idx="2">
+            <a:schemeClr val="accent1">
+              <a:shade val="50000"/>
+            </a:schemeClr>
+          </a:lnRef>
+          <a:fillRef idx="1">
+            <a:schemeClr val="accent1"/>
+          </a:fillRef>
+          <a:effectRef idx="0">
+            <a:schemeClr val="accent1"/>
+          </a:effectRef>
+          <a:fontRef idx="minor">
+            <a:schemeClr val="lt1"/>
+          </a:fontRef>
+        </p:style>
+        <p:txBody>
+          <a:bodyPr rot="0" spcFirstLastPara="0" vertOverflow="overflow" horzOverflow="overflow" vert="horz" wrap="square" lIns="91440" tIns="45720" rIns="91440" bIns="45720" numCol="1" spcCol="0" rtlCol="0" fromWordArt="0" anchor="ctr" anchorCtr="0" forceAA="0" compatLnSpc="1">
+            <a:prstTxWarp prst="textNoShape">
+              <a:avLst/>
+            </a:prstTxWarp>
+            <a:noAutofit/>
+          </a:bodyPr>
+          <a:lstStyle/>
+          <a:p>
+            <a:pPr algn="ctr"/>
+            <a:endParaRPr lang="ko-KR" altLang="en-US" sz="2000">
+              <a:solidFill>
+                <a:schemeClr val="tx1"/>
+              </a:solidFill>
+              <a:latin typeface="Consolas" pitchFamily="49" charset="0"/>
+              <a:cs typeface="Consolas" pitchFamily="49" charset="0"/>
+            </a:endParaRPr>
+          </a:p>
+        </p:txBody>
+      </p:sp>
+      <p:sp>
+        <p:nvSpPr>
+          <p:cNvPr id="12" name="직사각형 11">
+            <a:extLst>
+              <a:ext uri="{FF2B5EF4-FFF2-40B4-BE49-F238E27FC236}">
+                <a16:creationId xmlns:a16="http://schemas.microsoft.com/office/drawing/2014/main" id="{67167900-CE7B-4FAA-81D0-D63C949BD49D}"/>
+              </a:ext>
+            </a:extLst>
+          </p:cNvPr>
+          <p:cNvSpPr/>
+          <p:nvPr/>
+        </p:nvSpPr>
+        <p:spPr>
+          <a:xfrm>
+            <a:off x="3419872" y="5007108"/>
+            <a:ext cx="432048" cy="432048"/>
+          </a:xfrm>
+          <a:prstGeom prst="rect">
+            <a:avLst/>
+          </a:prstGeom>
+          <a:solidFill>
+            <a:srgbClr val="FFC000"/>
+          </a:solidFill>
+          <a:ln w="9525"/>
+        </p:spPr>
+        <p:style>
+          <a:lnRef idx="2">
+            <a:schemeClr val="accent1">
+              <a:shade val="50000"/>
+            </a:schemeClr>
+          </a:lnRef>
+          <a:fillRef idx="1">
+            <a:schemeClr val="accent1"/>
+          </a:fillRef>
+          <a:effectRef idx="0">
+            <a:schemeClr val="accent1"/>
+          </a:effectRef>
+          <a:fontRef idx="minor">
+            <a:schemeClr val="lt1"/>
+          </a:fontRef>
+        </p:style>
+        <p:txBody>
+          <a:bodyPr rot="0" spcFirstLastPara="0" vertOverflow="overflow" horzOverflow="overflow" vert="horz" wrap="square" lIns="91440" tIns="45720" rIns="91440" bIns="45720" numCol="1" spcCol="0" rtlCol="0" fromWordArt="0" anchor="ctr" anchorCtr="0" forceAA="0" compatLnSpc="1">
+            <a:prstTxWarp prst="textNoShape">
+              <a:avLst/>
+            </a:prstTxWarp>
+            <a:noAutofit/>
+          </a:bodyPr>
+          <a:lstStyle/>
+          <a:p>
+            <a:pPr algn="ctr"/>
+            <a:r>
+              <a:rPr lang="en-US" altLang="ko-KR" sz="2000">
+                <a:solidFill>
+                  <a:schemeClr val="tx1"/>
+                </a:solidFill>
+                <a:latin typeface="Consolas" pitchFamily="49" charset="0"/>
+                <a:cs typeface="Consolas" pitchFamily="49" charset="0"/>
+              </a:rPr>
+              <a:t>2</a:t>
+            </a:r>
+            <a:endParaRPr lang="ko-KR" altLang="en-US" sz="2000">
+              <a:solidFill>
+                <a:schemeClr val="tx1"/>
+              </a:solidFill>
+              <a:latin typeface="Consolas" pitchFamily="49" charset="0"/>
+              <a:cs typeface="Consolas" pitchFamily="49" charset="0"/>
+            </a:endParaRPr>
+          </a:p>
+        </p:txBody>
+      </p:sp>
+      <p:sp>
+        <p:nvSpPr>
+          <p:cNvPr id="13" name="직사각형 12">
+            <a:extLst>
+              <a:ext uri="{FF2B5EF4-FFF2-40B4-BE49-F238E27FC236}">
+                <a16:creationId xmlns:a16="http://schemas.microsoft.com/office/drawing/2014/main" id="{399A45A1-B0A6-4FBF-9A3D-D310D7234005}"/>
+              </a:ext>
+            </a:extLst>
+          </p:cNvPr>
+          <p:cNvSpPr/>
+          <p:nvPr/>
+        </p:nvSpPr>
+        <p:spPr>
+          <a:xfrm>
+            <a:off x="3851920" y="5013176"/>
+            <a:ext cx="432048" cy="432048"/>
+          </a:xfrm>
+          <a:prstGeom prst="rect">
+            <a:avLst/>
+          </a:prstGeom>
+          <a:solidFill>
+            <a:srgbClr val="FFFF00"/>
+          </a:solidFill>
+          <a:ln w="9525"/>
+        </p:spPr>
+        <p:style>
+          <a:lnRef idx="2">
+            <a:schemeClr val="accent1">
+              <a:shade val="50000"/>
+            </a:schemeClr>
+          </a:lnRef>
+          <a:fillRef idx="1">
+            <a:schemeClr val="accent1"/>
+          </a:fillRef>
+          <a:effectRef idx="0">
+            <a:schemeClr val="accent1"/>
+          </a:effectRef>
+          <a:fontRef idx="minor">
+            <a:schemeClr val="lt1"/>
+          </a:fontRef>
+        </p:style>
+        <p:txBody>
+          <a:bodyPr rot="0" spcFirstLastPara="0" vertOverflow="overflow" horzOverflow="overflow" vert="horz" wrap="square" lIns="91440" tIns="45720" rIns="91440" bIns="45720" numCol="1" spcCol="0" rtlCol="0" fromWordArt="0" anchor="ctr" anchorCtr="0" forceAA="0" compatLnSpc="1">
+            <a:prstTxWarp prst="textNoShape">
+              <a:avLst/>
+            </a:prstTxWarp>
+            <a:noAutofit/>
+          </a:bodyPr>
+          <a:lstStyle/>
+          <a:p>
+            <a:pPr algn="ctr"/>
+            <a:endParaRPr lang="ko-KR" altLang="en-US" sz="2000">
+              <a:solidFill>
+                <a:schemeClr val="tx1"/>
+              </a:solidFill>
+              <a:latin typeface="Consolas" pitchFamily="49" charset="0"/>
+              <a:cs typeface="Consolas" pitchFamily="49" charset="0"/>
+            </a:endParaRPr>
+          </a:p>
+        </p:txBody>
+      </p:sp>
+      <p:sp>
+        <p:nvSpPr>
+          <p:cNvPr id="14" name="직사각형 13">
+            <a:extLst>
+              <a:ext uri="{FF2B5EF4-FFF2-40B4-BE49-F238E27FC236}">
+                <a16:creationId xmlns:a16="http://schemas.microsoft.com/office/drawing/2014/main" id="{D523EF21-42A0-48CB-AA54-10FAE1BB8A84}"/>
+              </a:ext>
+            </a:extLst>
+          </p:cNvPr>
+          <p:cNvSpPr/>
+          <p:nvPr/>
+        </p:nvSpPr>
+        <p:spPr>
+          <a:xfrm>
+            <a:off x="2987824" y="5010142"/>
+            <a:ext cx="432048" cy="432048"/>
+          </a:xfrm>
+          <a:prstGeom prst="rect">
+            <a:avLst/>
+          </a:prstGeom>
+          <a:solidFill>
+            <a:srgbClr val="FFFF00"/>
+          </a:solidFill>
+          <a:ln w="9525"/>
+        </p:spPr>
+        <p:style>
+          <a:lnRef idx="2">
+            <a:schemeClr val="accent1">
+              <a:shade val="50000"/>
+            </a:schemeClr>
+          </a:lnRef>
+          <a:fillRef idx="1">
+            <a:schemeClr val="accent1"/>
+          </a:fillRef>
+          <a:effectRef idx="0">
+            <a:schemeClr val="accent1"/>
+          </a:effectRef>
+          <a:fontRef idx="minor">
+            <a:schemeClr val="lt1"/>
+          </a:fontRef>
+        </p:style>
+        <p:txBody>
+          <a:bodyPr rot="0" spcFirstLastPara="0" vertOverflow="overflow" horzOverflow="overflow" vert="horz" wrap="square" lIns="91440" tIns="45720" rIns="91440" bIns="45720" numCol="1" spcCol="0" rtlCol="0" fromWordArt="0" anchor="ctr" anchorCtr="0" forceAA="0" compatLnSpc="1">
+            <a:prstTxWarp prst="textNoShape">
+              <a:avLst/>
+            </a:prstTxWarp>
+            <a:noAutofit/>
+          </a:bodyPr>
+          <a:lstStyle/>
+          <a:p>
+            <a:pPr algn="ctr"/>
+            <a:endParaRPr lang="ko-KR" altLang="en-US" sz="2000">
+              <a:solidFill>
+                <a:schemeClr val="tx1"/>
+              </a:solidFill>
+              <a:latin typeface="Consolas" pitchFamily="49" charset="0"/>
+              <a:cs typeface="Consolas" pitchFamily="49" charset="0"/>
+            </a:endParaRPr>
+          </a:p>
+        </p:txBody>
+      </p:sp>
+      <p:sp>
+        <p:nvSpPr>
+          <p:cNvPr id="2" name="TextBox 1">
+            <a:extLst>
+              <a:ext uri="{FF2B5EF4-FFF2-40B4-BE49-F238E27FC236}">
+                <a16:creationId xmlns:a16="http://schemas.microsoft.com/office/drawing/2014/main" id="{816E1712-2D5E-40E0-98BF-CB55E9F6564E}"/>
+              </a:ext>
+            </a:extLst>
+          </p:cNvPr>
+          <p:cNvSpPr txBox="1"/>
+          <p:nvPr/>
+        </p:nvSpPr>
+        <p:spPr>
+          <a:xfrm>
+            <a:off x="5076056" y="4492918"/>
+            <a:ext cx="864096" cy="400110"/>
+          </a:xfrm>
+          <a:prstGeom prst="rect">
+            <a:avLst/>
+          </a:prstGeom>
+          <a:noFill/>
+        </p:spPr>
+        <p:txBody>
+          <a:bodyPr wrap="square" rtlCol="0">
+            <a:spAutoFit/>
+          </a:bodyPr>
+          <a:lstStyle/>
+          <a:p>
+            <a:r>
+              <a:rPr lang="en-US" altLang="ko-KR" sz="2000">
+                <a:latin typeface="Consolas" pitchFamily="49" charset="0"/>
+                <a:cs typeface="Consolas" pitchFamily="49" charset="0"/>
+              </a:rPr>
+              <a:t>prev</a:t>
+            </a:r>
+            <a:endParaRPr lang="ko-KR" altLang="en-US" sz="2000">
+              <a:latin typeface="Consolas" pitchFamily="49" charset="0"/>
+              <a:cs typeface="Consolas" pitchFamily="49" charset="0"/>
+            </a:endParaRPr>
+          </a:p>
+        </p:txBody>
+      </p:sp>
+      <p:cxnSp>
+        <p:nvCxnSpPr>
+          <p:cNvPr id="15" name="연결선: 구부러짐 14">
+            <a:extLst>
+              <a:ext uri="{FF2B5EF4-FFF2-40B4-BE49-F238E27FC236}">
+                <a16:creationId xmlns:a16="http://schemas.microsoft.com/office/drawing/2014/main" id="{A99B85BC-FDF5-4F6B-BBB4-CD6546B98CC5}"/>
+              </a:ext>
+            </a:extLst>
+          </p:cNvPr>
+          <p:cNvCxnSpPr>
+            <a:cxnSpLocks/>
+            <a:stCxn id="7" idx="0"/>
+            <a:endCxn id="14" idx="1"/>
+          </p:cNvCxnSpPr>
+          <p:nvPr/>
+        </p:nvCxnSpPr>
+        <p:spPr>
+          <a:xfrm rot="16200000" flipH="1">
+            <a:off x="2557293" y="4795635"/>
+            <a:ext cx="212990" cy="648072"/>
+          </a:xfrm>
+          <a:prstGeom prst="curvedConnector4">
+            <a:avLst>
+              <a:gd name="adj1" fmla="val -107329"/>
+              <a:gd name="adj2" fmla="val 66667"/>
+            </a:avLst>
+          </a:prstGeom>
+          <a:ln w="19050">
+            <a:solidFill>
+              <a:schemeClr val="tx1"/>
+            </a:solidFill>
+            <a:tailEnd type="triangle"/>
+          </a:ln>
+        </p:spPr>
+        <p:style>
+          <a:lnRef idx="1">
+            <a:schemeClr val="accent1"/>
+          </a:lnRef>
+          <a:fillRef idx="0">
+            <a:schemeClr val="accent1"/>
+          </a:fillRef>
+          <a:effectRef idx="0">
+            <a:schemeClr val="accent1"/>
+          </a:effectRef>
+          <a:fontRef idx="minor">
+            <a:schemeClr val="tx1"/>
+          </a:fontRef>
+        </p:style>
+      </p:cxnSp>
+      <p:cxnSp>
+        <p:nvCxnSpPr>
+          <p:cNvPr id="16" name="연결선: 구부러짐 15">
+            <a:extLst>
+              <a:ext uri="{FF2B5EF4-FFF2-40B4-BE49-F238E27FC236}">
+                <a16:creationId xmlns:a16="http://schemas.microsoft.com/office/drawing/2014/main" id="{C6D7F1D9-42C7-4626-9870-7E8F989F6714}"/>
+              </a:ext>
+            </a:extLst>
+          </p:cNvPr>
+          <p:cNvCxnSpPr>
+            <a:cxnSpLocks/>
+            <a:stCxn id="11" idx="2"/>
+            <a:endCxn id="13" idx="3"/>
+          </p:cNvCxnSpPr>
+          <p:nvPr/>
+        </p:nvCxnSpPr>
+        <p:spPr>
+          <a:xfrm rot="5400000" flipH="1">
+            <a:off x="4575034" y="4938134"/>
+            <a:ext cx="209956" cy="792088"/>
+          </a:xfrm>
+          <a:prstGeom prst="curvedConnector4">
+            <a:avLst>
+              <a:gd name="adj1" fmla="val -108880"/>
+              <a:gd name="adj2" fmla="val 63636"/>
+            </a:avLst>
+          </a:prstGeom>
+          <a:ln w="19050">
+            <a:solidFill>
+              <a:schemeClr val="tx1"/>
+            </a:solidFill>
+            <a:tailEnd type="triangle"/>
+          </a:ln>
+        </p:spPr>
+        <p:style>
+          <a:lnRef idx="1">
+            <a:schemeClr val="accent1"/>
+          </a:lnRef>
+          <a:fillRef idx="0">
+            <a:schemeClr val="accent1"/>
+          </a:fillRef>
+          <a:effectRef idx="0">
+            <a:schemeClr val="accent1"/>
+          </a:effectRef>
+          <a:fontRef idx="minor">
+            <a:schemeClr val="tx1"/>
+          </a:fontRef>
+        </p:style>
+      </p:cxnSp>
+      <p:sp>
+        <p:nvSpPr>
+          <p:cNvPr id="19" name="TextBox 18">
+            <a:extLst>
+              <a:ext uri="{FF2B5EF4-FFF2-40B4-BE49-F238E27FC236}">
+                <a16:creationId xmlns:a16="http://schemas.microsoft.com/office/drawing/2014/main" id="{06A4D49E-E1A2-4548-A246-76224AC57543}"/>
+              </a:ext>
+            </a:extLst>
+          </p:cNvPr>
+          <p:cNvSpPr txBox="1"/>
+          <p:nvPr/>
+        </p:nvSpPr>
+        <p:spPr>
+          <a:xfrm>
+            <a:off x="6918620" y="4492918"/>
+            <a:ext cx="864096" cy="400110"/>
+          </a:xfrm>
+          <a:prstGeom prst="rect">
+            <a:avLst/>
+          </a:prstGeom>
+          <a:noFill/>
+        </p:spPr>
+        <p:txBody>
+          <a:bodyPr wrap="square" rtlCol="0">
+            <a:spAutoFit/>
+          </a:bodyPr>
+          <a:lstStyle/>
+          <a:p>
+            <a:r>
+              <a:rPr lang="en-US" altLang="ko-KR" sz="2000">
+                <a:latin typeface="Consolas" pitchFamily="49" charset="0"/>
+                <a:cs typeface="Consolas" pitchFamily="49" charset="0"/>
+              </a:rPr>
+              <a:t>temp</a:t>
+            </a:r>
+            <a:endParaRPr lang="ko-KR" altLang="en-US" sz="2000">
+              <a:latin typeface="Consolas" pitchFamily="49" charset="0"/>
+              <a:cs typeface="Consolas" pitchFamily="49" charset="0"/>
+            </a:endParaRPr>
+          </a:p>
+        </p:txBody>
+      </p:sp>
+      <p:cxnSp>
+        <p:nvCxnSpPr>
+          <p:cNvPr id="20" name="연결선: 구부러짐 19">
+            <a:extLst>
+              <a:ext uri="{FF2B5EF4-FFF2-40B4-BE49-F238E27FC236}">
+                <a16:creationId xmlns:a16="http://schemas.microsoft.com/office/drawing/2014/main" id="{629A0AC0-CCBA-44C1-B165-48A452F724DB}"/>
+              </a:ext>
+            </a:extLst>
+          </p:cNvPr>
+          <p:cNvCxnSpPr>
+            <a:cxnSpLocks/>
+            <a:stCxn id="13" idx="0"/>
+            <a:endCxn id="11" idx="1"/>
+          </p:cNvCxnSpPr>
+          <p:nvPr/>
+        </p:nvCxnSpPr>
+        <p:spPr>
+          <a:xfrm rot="16200000" flipH="1">
+            <a:off x="4359010" y="4722110"/>
+            <a:ext cx="209956" cy="792088"/>
+          </a:xfrm>
+          <a:prstGeom prst="curvedConnector4">
+            <a:avLst>
+              <a:gd name="adj1" fmla="val -108880"/>
+              <a:gd name="adj2" fmla="val 63636"/>
+            </a:avLst>
+          </a:prstGeom>
+          <a:ln w="19050">
+            <a:solidFill>
+              <a:schemeClr val="tx1"/>
+            </a:solidFill>
+            <a:tailEnd type="triangle"/>
+          </a:ln>
+        </p:spPr>
+        <p:style>
+          <a:lnRef idx="1">
+            <a:schemeClr val="accent1"/>
+          </a:lnRef>
+          <a:fillRef idx="0">
+            <a:schemeClr val="accent1"/>
+          </a:fillRef>
+          <a:effectRef idx="0">
+            <a:schemeClr val="accent1"/>
+          </a:effectRef>
+          <a:fontRef idx="minor">
+            <a:schemeClr val="tx1"/>
+          </a:fontRef>
+        </p:style>
+      </p:cxnSp>
+      <p:cxnSp>
+        <p:nvCxnSpPr>
+          <p:cNvPr id="25" name="연결선: 구부러짐 24">
+            <a:extLst>
+              <a:ext uri="{FF2B5EF4-FFF2-40B4-BE49-F238E27FC236}">
+                <a16:creationId xmlns:a16="http://schemas.microsoft.com/office/drawing/2014/main" id="{C9E1BCC4-7F3B-432C-B059-96819D35DEB6}"/>
+              </a:ext>
+            </a:extLst>
+          </p:cNvPr>
+          <p:cNvCxnSpPr>
+            <a:cxnSpLocks/>
+            <a:stCxn id="14" idx="2"/>
+            <a:endCxn id="7" idx="3"/>
+          </p:cNvCxnSpPr>
+          <p:nvPr/>
+        </p:nvCxnSpPr>
+        <p:spPr>
+          <a:xfrm rot="5400000" flipH="1">
+            <a:off x="2773317" y="5011659"/>
+            <a:ext cx="212990" cy="648072"/>
+          </a:xfrm>
+          <a:prstGeom prst="curvedConnector4">
+            <a:avLst>
+              <a:gd name="adj1" fmla="val -107329"/>
+              <a:gd name="adj2" fmla="val 66667"/>
+            </a:avLst>
+          </a:prstGeom>
+          <a:ln w="19050">
+            <a:solidFill>
+              <a:schemeClr val="tx1"/>
+            </a:solidFill>
+            <a:tailEnd type="triangle"/>
+          </a:ln>
+        </p:spPr>
+        <p:style>
+          <a:lnRef idx="1">
+            <a:schemeClr val="accent1"/>
+          </a:lnRef>
+          <a:fillRef idx="0">
+            <a:schemeClr val="accent1"/>
+          </a:fillRef>
+          <a:effectRef idx="0">
+            <a:schemeClr val="accent1"/>
+          </a:effectRef>
+          <a:fontRef idx="minor">
+            <a:schemeClr val="tx1"/>
+          </a:fontRef>
+        </p:style>
+      </p:cxnSp>
+      <p:sp>
+        <p:nvSpPr>
+          <p:cNvPr id="18" name="TextBox 17">
+            <a:extLst>
+              <a:ext uri="{FF2B5EF4-FFF2-40B4-BE49-F238E27FC236}">
+                <a16:creationId xmlns:a16="http://schemas.microsoft.com/office/drawing/2014/main" id="{99109E7F-206F-4CFE-9BBB-D0745D88D7A5}"/>
+              </a:ext>
+            </a:extLst>
+          </p:cNvPr>
+          <p:cNvSpPr txBox="1"/>
+          <p:nvPr/>
+        </p:nvSpPr>
+        <p:spPr>
+          <a:xfrm>
+            <a:off x="1547664" y="4535381"/>
+            <a:ext cx="864096" cy="400110"/>
+          </a:xfrm>
+          <a:prstGeom prst="rect">
+            <a:avLst/>
+          </a:prstGeom>
+          <a:noFill/>
+        </p:spPr>
+        <p:txBody>
+          <a:bodyPr wrap="square" rtlCol="0">
+            <a:spAutoFit/>
+          </a:bodyPr>
+          <a:lstStyle/>
+          <a:p>
+            <a:r>
+              <a:rPr lang="en-US" altLang="ko-KR" sz="2000">
+                <a:latin typeface="Consolas" pitchFamily="49" charset="0"/>
+                <a:cs typeface="Consolas" pitchFamily="49" charset="0"/>
+              </a:rPr>
+              <a:t>next</a:t>
+            </a:r>
+            <a:endParaRPr lang="ko-KR" altLang="en-US" sz="2000">
+              <a:latin typeface="Consolas" pitchFamily="49" charset="0"/>
+              <a:cs typeface="Consolas" pitchFamily="49" charset="0"/>
+            </a:endParaRPr>
+          </a:p>
+        </p:txBody>
+      </p:sp>
+      <p:sp>
+        <p:nvSpPr>
+          <p:cNvPr id="21" name="TextBox 20">
+            <a:extLst>
+              <a:ext uri="{FF2B5EF4-FFF2-40B4-BE49-F238E27FC236}">
+                <a16:creationId xmlns:a16="http://schemas.microsoft.com/office/drawing/2014/main" id="{E640B876-D32D-462B-B71C-F72B15BA539B}"/>
+              </a:ext>
+            </a:extLst>
+          </p:cNvPr>
+          <p:cNvSpPr txBox="1"/>
+          <p:nvPr/>
+        </p:nvSpPr>
+        <p:spPr>
+          <a:xfrm>
+            <a:off x="1619672" y="5597561"/>
+            <a:ext cx="864096" cy="400110"/>
+          </a:xfrm>
+          <a:prstGeom prst="rect">
+            <a:avLst/>
+          </a:prstGeom>
+          <a:noFill/>
+        </p:spPr>
+        <p:txBody>
+          <a:bodyPr wrap="square" rtlCol="0">
+            <a:spAutoFit/>
+          </a:bodyPr>
+          <a:lstStyle/>
+          <a:p>
+            <a:r>
+              <a:rPr lang="en-US" altLang="ko-KR" sz="2000">
+                <a:latin typeface="Consolas" pitchFamily="49" charset="0"/>
+                <a:cs typeface="Consolas" pitchFamily="49" charset="0"/>
+              </a:rPr>
+              <a:t>head</a:t>
+            </a:r>
+            <a:endParaRPr lang="ko-KR" altLang="en-US" sz="2000">
+              <a:latin typeface="Consolas" pitchFamily="49" charset="0"/>
+              <a:cs typeface="Consolas" pitchFamily="49" charset="0"/>
+            </a:endParaRPr>
+          </a:p>
+        </p:txBody>
+      </p:sp>
+      <p:sp>
+        <p:nvSpPr>
+          <p:cNvPr id="22" name="TextBox 21">
+            <a:extLst>
+              <a:ext uri="{FF2B5EF4-FFF2-40B4-BE49-F238E27FC236}">
+                <a16:creationId xmlns:a16="http://schemas.microsoft.com/office/drawing/2014/main" id="{2FB9D25A-A67E-4F8B-A99F-2D55AB2545FF}"/>
+              </a:ext>
+            </a:extLst>
+          </p:cNvPr>
+          <p:cNvSpPr txBox="1"/>
+          <p:nvPr/>
+        </p:nvSpPr>
+        <p:spPr>
+          <a:xfrm>
+            <a:off x="5148064" y="5597561"/>
+            <a:ext cx="1800200" cy="400110"/>
+          </a:xfrm>
+          <a:prstGeom prst="rect">
+            <a:avLst/>
+          </a:prstGeom>
+          <a:noFill/>
+        </p:spPr>
+        <p:txBody>
+          <a:bodyPr wrap="square" rtlCol="0">
+            <a:spAutoFit/>
+          </a:bodyPr>
+          <a:lstStyle/>
+          <a:p>
+            <a:r>
+              <a:rPr lang="en-US" altLang="ko-KR" sz="2000">
+                <a:latin typeface="Consolas" pitchFamily="49" charset="0"/>
+                <a:cs typeface="Consolas" pitchFamily="49" charset="0"/>
+              </a:rPr>
+              <a:t>head-&gt;prev</a:t>
+            </a:r>
+            <a:endParaRPr lang="ko-KR" altLang="en-US" sz="2000">
+              <a:latin typeface="Consolas" pitchFamily="49" charset="0"/>
+              <a:cs typeface="Consolas" pitchFamily="49" charset="0"/>
+            </a:endParaRPr>
+          </a:p>
+        </p:txBody>
+      </p:sp>
+      <p:sp>
+        <p:nvSpPr>
+          <p:cNvPr id="23" name="직사각형 22">
+            <a:extLst>
+              <a:ext uri="{FF2B5EF4-FFF2-40B4-BE49-F238E27FC236}">
+                <a16:creationId xmlns:a16="http://schemas.microsoft.com/office/drawing/2014/main" id="{4513AC75-8887-4831-A41B-C122115F044E}"/>
+              </a:ext>
+            </a:extLst>
+          </p:cNvPr>
+          <p:cNvSpPr/>
+          <p:nvPr/>
+        </p:nvSpPr>
+        <p:spPr>
+          <a:xfrm>
+            <a:off x="7116371" y="5004074"/>
+            <a:ext cx="432048" cy="432048"/>
+          </a:xfrm>
+          <a:prstGeom prst="rect">
+            <a:avLst/>
+          </a:prstGeom>
+          <a:solidFill>
+            <a:srgbClr val="FFC000"/>
+          </a:solidFill>
+          <a:ln w="9525"/>
+        </p:spPr>
+        <p:style>
+          <a:lnRef idx="2">
+            <a:schemeClr val="accent1">
+              <a:shade val="50000"/>
+            </a:schemeClr>
+          </a:lnRef>
+          <a:fillRef idx="1">
+            <a:schemeClr val="accent1"/>
+          </a:fillRef>
+          <a:effectRef idx="0">
+            <a:schemeClr val="accent1"/>
+          </a:effectRef>
+          <a:fontRef idx="minor">
+            <a:schemeClr val="lt1"/>
+          </a:fontRef>
+        </p:style>
+        <p:txBody>
+          <a:bodyPr rot="0" spcFirstLastPara="0" vertOverflow="overflow" horzOverflow="overflow" vert="horz" wrap="square" lIns="91440" tIns="45720" rIns="91440" bIns="45720" numCol="1" spcCol="0" rtlCol="0" fromWordArt="0" anchor="ctr" anchorCtr="0" forceAA="0" compatLnSpc="1">
+            <a:prstTxWarp prst="textNoShape">
+              <a:avLst/>
+            </a:prstTxWarp>
+            <a:noAutofit/>
+          </a:bodyPr>
+          <a:lstStyle/>
+          <a:p>
+            <a:pPr algn="ctr"/>
+            <a:r>
+              <a:rPr lang="en-US" altLang="ko-KR" sz="2000">
+                <a:solidFill>
+                  <a:schemeClr val="tx1"/>
+                </a:solidFill>
+                <a:latin typeface="Consolas" pitchFamily="49" charset="0"/>
+                <a:cs typeface="Consolas" pitchFamily="49" charset="0"/>
+              </a:rPr>
+              <a:t>3</a:t>
+            </a:r>
+            <a:endParaRPr lang="ko-KR" altLang="en-US" sz="2000">
+              <a:solidFill>
+                <a:schemeClr val="tx1"/>
+              </a:solidFill>
+              <a:latin typeface="Consolas" pitchFamily="49" charset="0"/>
+              <a:cs typeface="Consolas" pitchFamily="49" charset="0"/>
+            </a:endParaRPr>
+          </a:p>
+        </p:txBody>
+      </p:sp>
+      <p:sp>
+        <p:nvSpPr>
+          <p:cNvPr id="24" name="직사각형 23">
+            <a:extLst>
+              <a:ext uri="{FF2B5EF4-FFF2-40B4-BE49-F238E27FC236}">
+                <a16:creationId xmlns:a16="http://schemas.microsoft.com/office/drawing/2014/main" id="{011C5600-17A3-45ED-AD18-C6C97C0EA541}"/>
+              </a:ext>
+            </a:extLst>
+          </p:cNvPr>
+          <p:cNvSpPr/>
+          <p:nvPr/>
+        </p:nvSpPr>
+        <p:spPr>
+          <a:xfrm>
+            <a:off x="7548419" y="5010142"/>
+            <a:ext cx="432048" cy="432048"/>
+          </a:xfrm>
+          <a:prstGeom prst="rect">
+            <a:avLst/>
+          </a:prstGeom>
+          <a:solidFill>
+            <a:srgbClr val="FFFF00"/>
+          </a:solidFill>
+          <a:ln w="9525"/>
+        </p:spPr>
+        <p:style>
+          <a:lnRef idx="2">
+            <a:schemeClr val="accent1">
+              <a:shade val="50000"/>
+            </a:schemeClr>
+          </a:lnRef>
+          <a:fillRef idx="1">
+            <a:schemeClr val="accent1"/>
+          </a:fillRef>
+          <a:effectRef idx="0">
+            <a:schemeClr val="accent1"/>
+          </a:effectRef>
+          <a:fontRef idx="minor">
+            <a:schemeClr val="lt1"/>
+          </a:fontRef>
+        </p:style>
+        <p:txBody>
+          <a:bodyPr rot="0" spcFirstLastPara="0" vertOverflow="overflow" horzOverflow="overflow" vert="horz" wrap="square" lIns="91440" tIns="45720" rIns="91440" bIns="45720" numCol="1" spcCol="0" rtlCol="0" fromWordArt="0" anchor="ctr" anchorCtr="0" forceAA="0" compatLnSpc="1">
+            <a:prstTxWarp prst="textNoShape">
+              <a:avLst/>
+            </a:prstTxWarp>
+            <a:noAutofit/>
+          </a:bodyPr>
+          <a:lstStyle/>
+          <a:p>
+            <a:pPr algn="ctr"/>
+            <a:endParaRPr lang="ko-KR" altLang="en-US" sz="2000">
+              <a:solidFill>
+                <a:schemeClr val="tx1"/>
+              </a:solidFill>
+              <a:latin typeface="Consolas" pitchFamily="49" charset="0"/>
+              <a:cs typeface="Consolas" pitchFamily="49" charset="0"/>
+            </a:endParaRPr>
+          </a:p>
+        </p:txBody>
+      </p:sp>
+      <p:sp>
+        <p:nvSpPr>
+          <p:cNvPr id="26" name="직사각형 25">
+            <a:extLst>
+              <a:ext uri="{FF2B5EF4-FFF2-40B4-BE49-F238E27FC236}">
+                <a16:creationId xmlns:a16="http://schemas.microsoft.com/office/drawing/2014/main" id="{9D9D70A7-B0F3-4056-8E86-E363CC770E99}"/>
+              </a:ext>
+            </a:extLst>
+          </p:cNvPr>
+          <p:cNvSpPr/>
+          <p:nvPr/>
+        </p:nvSpPr>
+        <p:spPr>
+          <a:xfrm>
+            <a:off x="6684323" y="5007108"/>
+            <a:ext cx="432048" cy="432048"/>
+          </a:xfrm>
+          <a:prstGeom prst="rect">
+            <a:avLst/>
+          </a:prstGeom>
+          <a:solidFill>
+            <a:srgbClr val="FFFF00"/>
+          </a:solidFill>
+          <a:ln w="9525"/>
+        </p:spPr>
+        <p:style>
+          <a:lnRef idx="2">
+            <a:schemeClr val="accent1">
+              <a:shade val="50000"/>
+            </a:schemeClr>
+          </a:lnRef>
+          <a:fillRef idx="1">
+            <a:schemeClr val="accent1"/>
+          </a:fillRef>
+          <a:effectRef idx="0">
+            <a:schemeClr val="accent1"/>
+          </a:effectRef>
+          <a:fontRef idx="minor">
+            <a:schemeClr val="lt1"/>
+          </a:fontRef>
+        </p:style>
+        <p:txBody>
+          <a:bodyPr rot="0" spcFirstLastPara="0" vertOverflow="overflow" horzOverflow="overflow" vert="horz" wrap="square" lIns="91440" tIns="45720" rIns="91440" bIns="45720" numCol="1" spcCol="0" rtlCol="0" fromWordArt="0" anchor="ctr" anchorCtr="0" forceAA="0" compatLnSpc="1">
+            <a:prstTxWarp prst="textNoShape">
+              <a:avLst/>
+            </a:prstTxWarp>
+            <a:noAutofit/>
+          </a:bodyPr>
+          <a:lstStyle/>
+          <a:p>
+            <a:pPr algn="ctr"/>
+            <a:endParaRPr lang="ko-KR" altLang="en-US" sz="2000">
+              <a:solidFill>
+                <a:schemeClr val="tx1"/>
+              </a:solidFill>
+              <a:latin typeface="Consolas" pitchFamily="49" charset="0"/>
+              <a:cs typeface="Consolas" pitchFamily="49" charset="0"/>
+            </a:endParaRPr>
+          </a:p>
+        </p:txBody>
+      </p:sp>
+    </p:spTree>
+    <p:extLst>
+      <p:ext uri="{BB962C8B-B14F-4D97-AF65-F5344CB8AC3E}">
+        <p14:creationId xmlns:p14="http://schemas.microsoft.com/office/powerpoint/2010/main" val="1694167592"/>
+      </p:ext>
+    </p:extLst>
+  </p:cSld>
+  <p:clrMapOvr>
+    <a:masterClrMapping/>
+  </p:clrMapOvr>
+</p:sld>
+</file>
+
+<file path=ppt/slides/slide21.xml><?xml version="1.0" encoding="utf-8"?>
+<p:sld xmlns:a="http://schemas.openxmlformats.org/drawingml/2006/main" xmlns:r="http://schemas.openxmlformats.org/officeDocument/2006/relationships" xmlns:p="http://schemas.openxmlformats.org/presentationml/2006/main">
+  <p:cSld>
+    <p:spTree>
+      <p:nvGrpSpPr>
+        <p:cNvPr id="1" name=""/>
+        <p:cNvGrpSpPr/>
+        <p:nvPr/>
+      </p:nvGrpSpPr>
+      <p:grpSpPr>
+        <a:xfrm>
+          <a:off x="0" y="0"/>
+          <a:ext cx="0" cy="0"/>
+          <a:chOff x="0" y="0"/>
+          <a:chExt cx="0" cy="0"/>
+        </a:xfrm>
+      </p:grpSpPr>
+      <p:sp>
+        <p:nvSpPr>
+          <p:cNvPr id="4" name="TextBox 3">
+            <a:extLst>
+              <a:ext uri="{FF2B5EF4-FFF2-40B4-BE49-F238E27FC236}">
+                <a16:creationId xmlns:a16="http://schemas.microsoft.com/office/drawing/2014/main" id="{E6FAF5D6-2BC6-42EA-83CF-A2DFE1A00448}"/>
+              </a:ext>
+            </a:extLst>
+          </p:cNvPr>
+          <p:cNvSpPr txBox="1"/>
+          <p:nvPr/>
+        </p:nvSpPr>
+        <p:spPr>
+          <a:xfrm>
+            <a:off x="-82200" y="-99392"/>
+            <a:ext cx="11469807" cy="5632311"/>
+          </a:xfrm>
+          <a:prstGeom prst="rect">
+            <a:avLst/>
+          </a:prstGeom>
+          <a:noFill/>
+        </p:spPr>
+        <p:txBody>
+          <a:bodyPr wrap="none" rtlCol="0">
+            <a:spAutoFit/>
+          </a:bodyPr>
+          <a:lstStyle/>
+          <a:p>
+            <a:r>
+              <a:rPr lang="en-US" altLang="ko-KR" sz="2000">
+                <a:latin typeface="Consolas" pitchFamily="49" charset="0"/>
+                <a:cs typeface="Consolas" pitchFamily="49" charset="0"/>
+              </a:rPr>
+              <a:t>static inline void __list_add(struct list_head *_new,</a:t>
+            </a:r>
+          </a:p>
+          <a:p>
+            <a:r>
+              <a:rPr lang="en-US" altLang="ko-KR" sz="2000">
+                <a:latin typeface="Consolas" pitchFamily="49" charset="0"/>
+                <a:cs typeface="Consolas" pitchFamily="49" charset="0"/>
+              </a:rPr>
+              <a:t>			      struct list_head *prev,</a:t>
+            </a:r>
+          </a:p>
+          <a:p>
+            <a:r>
+              <a:rPr lang="en-US" altLang="ko-KR" sz="2000">
+                <a:latin typeface="Consolas" pitchFamily="49" charset="0"/>
+                <a:cs typeface="Consolas" pitchFamily="49" charset="0"/>
+              </a:rPr>
+              <a:t>			      struct list_head *next)</a:t>
+            </a:r>
+          </a:p>
+          <a:p>
+            <a:r>
+              <a:rPr lang="en-US" altLang="ko-KR" sz="2000">
+                <a:latin typeface="Consolas" pitchFamily="49" charset="0"/>
+                <a:cs typeface="Consolas" pitchFamily="49" charset="0"/>
+              </a:rPr>
+              <a:t>{</a:t>
+            </a:r>
+          </a:p>
+          <a:p>
+            <a:r>
+              <a:rPr lang="en-US" altLang="ko-KR" sz="2000">
+                <a:latin typeface="Consolas" pitchFamily="49" charset="0"/>
+                <a:cs typeface="Consolas" pitchFamily="49" charset="0"/>
+              </a:rPr>
+              <a:t>	next-&gt;prev = _new;</a:t>
+            </a:r>
+          </a:p>
+          <a:p>
+            <a:r>
+              <a:rPr lang="en-US" altLang="ko-KR" sz="2000">
+                <a:latin typeface="Consolas" pitchFamily="49" charset="0"/>
+                <a:cs typeface="Consolas" pitchFamily="49" charset="0"/>
+              </a:rPr>
+              <a:t>	_new-&gt;next = next;</a:t>
+            </a:r>
+          </a:p>
+          <a:p>
+            <a:r>
+              <a:rPr lang="en-US" altLang="ko-KR" sz="2000">
+                <a:latin typeface="Consolas" pitchFamily="49" charset="0"/>
+                <a:cs typeface="Consolas" pitchFamily="49" charset="0"/>
+              </a:rPr>
+              <a:t>	_new-&gt;prev = prev;</a:t>
+            </a:r>
+          </a:p>
+          <a:p>
+            <a:r>
+              <a:rPr lang="en-US" altLang="ko-KR" sz="2000">
+                <a:latin typeface="Consolas" pitchFamily="49" charset="0"/>
+                <a:cs typeface="Consolas" pitchFamily="49" charset="0"/>
+              </a:rPr>
+              <a:t>	prev-&gt;next = _new;</a:t>
+            </a:r>
+          </a:p>
+          <a:p>
+            <a:r>
+              <a:rPr lang="en-US" altLang="ko-KR" sz="2000">
+                <a:latin typeface="Consolas" pitchFamily="49" charset="0"/>
+                <a:cs typeface="Consolas" pitchFamily="49" charset="0"/>
+              </a:rPr>
+              <a:t>}</a:t>
+            </a:r>
+          </a:p>
+          <a:p>
+            <a:r>
+              <a:rPr lang="en-US" altLang="ko-KR" sz="2000">
+                <a:latin typeface="Consolas" pitchFamily="49" charset="0"/>
+                <a:cs typeface="Consolas" pitchFamily="49" charset="0"/>
+              </a:rPr>
+              <a:t>static inline void list_add_tail(struct list_head *_new, struct list_head *head)</a:t>
+            </a:r>
+          </a:p>
+          <a:p>
+            <a:r>
+              <a:rPr lang="en-US" altLang="ko-KR" sz="2000">
+                <a:latin typeface="Consolas" pitchFamily="49" charset="0"/>
+                <a:cs typeface="Consolas" pitchFamily="49" charset="0"/>
+              </a:rPr>
+              <a:t>{</a:t>
+            </a:r>
+          </a:p>
+          <a:p>
+            <a:r>
+              <a:rPr lang="en-US" altLang="ko-KR" sz="2000">
+                <a:latin typeface="Consolas" pitchFamily="49" charset="0"/>
+                <a:cs typeface="Consolas" pitchFamily="49" charset="0"/>
+              </a:rPr>
+              <a:t>	__list_add(_new, head-&gt;prev, head);</a:t>
+            </a:r>
+          </a:p>
+          <a:p>
+            <a:r>
+              <a:rPr lang="en-US" altLang="ko-KR" sz="2000">
+                <a:latin typeface="Consolas" pitchFamily="49" charset="0"/>
+                <a:cs typeface="Consolas" pitchFamily="49" charset="0"/>
+              </a:rPr>
+              <a:t>}</a:t>
+            </a:r>
+          </a:p>
+          <a:p>
+            <a:endParaRPr lang="en-US" altLang="ko-KR" sz="2000">
+              <a:latin typeface="Consolas" pitchFamily="49" charset="0"/>
+              <a:cs typeface="Consolas" pitchFamily="49" charset="0"/>
+            </a:endParaRPr>
+          </a:p>
+          <a:p>
+            <a:r>
+              <a:rPr lang="en-US" altLang="ko-KR" sz="2000">
+                <a:latin typeface="Consolas" pitchFamily="49" charset="0"/>
+                <a:cs typeface="Consolas" pitchFamily="49" charset="0"/>
+              </a:rPr>
+              <a:t>static inline void list_add(struct list_head *new, struct list_head *head)</a:t>
+            </a:r>
+          </a:p>
+          <a:p>
+            <a:r>
+              <a:rPr lang="en-US" altLang="ko-KR" sz="2000">
+                <a:latin typeface="Consolas" pitchFamily="49" charset="0"/>
+                <a:cs typeface="Consolas" pitchFamily="49" charset="0"/>
+              </a:rPr>
+              <a:t>{</a:t>
+            </a:r>
+          </a:p>
+          <a:p>
+            <a:r>
+              <a:rPr lang="en-US" altLang="ko-KR" sz="2000">
+                <a:latin typeface="Consolas" pitchFamily="49" charset="0"/>
+                <a:cs typeface="Consolas" pitchFamily="49" charset="0"/>
+              </a:rPr>
+              <a:t>	__list_add(new, head, head-&gt;next);</a:t>
+            </a:r>
+          </a:p>
+          <a:p>
+            <a:r>
+              <a:rPr lang="en-US" altLang="ko-KR" sz="2000">
+                <a:latin typeface="Consolas" pitchFamily="49" charset="0"/>
+                <a:cs typeface="Consolas" pitchFamily="49" charset="0"/>
+              </a:rPr>
+              <a:t>}</a:t>
+            </a:r>
+          </a:p>
+        </p:txBody>
+      </p:sp>
+    </p:spTree>
+    <p:extLst>
+      <p:ext uri="{BB962C8B-B14F-4D97-AF65-F5344CB8AC3E}">
+        <p14:creationId xmlns:p14="http://schemas.microsoft.com/office/powerpoint/2010/main" val="1511388668"/>
+      </p:ext>
+    </p:extLst>
+  </p:cSld>
+  <p:clrMapOvr>
+    <a:masterClrMapping/>
+  </p:clrMapOvr>
+</p:sld>
+</file>
+
+<file path=ppt/slides/slide22.xml><?xml version="1.0" encoding="utf-8"?>
+<p:sld xmlns:a="http://schemas.openxmlformats.org/drawingml/2006/main" xmlns:r="http://schemas.openxmlformats.org/officeDocument/2006/relationships" xmlns:p="http://schemas.openxmlformats.org/presentationml/2006/main">
+  <p:cSld>
+    <p:spTree>
+      <p:nvGrpSpPr>
+        <p:cNvPr id="1" name=""/>
+        <p:cNvGrpSpPr/>
+        <p:nvPr/>
+      </p:nvGrpSpPr>
+      <p:grpSpPr>
+        <a:xfrm>
+          <a:off x="0" y="0"/>
+          <a:ext cx="0" cy="0"/>
+          <a:chOff x="0" y="0"/>
+          <a:chExt cx="0" cy="0"/>
+        </a:xfrm>
+      </p:grpSpPr>
+      <p:sp>
+        <p:nvSpPr>
+          <p:cNvPr id="4" name="TextBox 3">
+            <a:extLst>
+              <a:ext uri="{FF2B5EF4-FFF2-40B4-BE49-F238E27FC236}">
+                <a16:creationId xmlns:a16="http://schemas.microsoft.com/office/drawing/2014/main" id="{E6FAF5D6-2BC6-42EA-83CF-A2DFE1A00448}"/>
+              </a:ext>
+            </a:extLst>
+          </p:cNvPr>
+          <p:cNvSpPr txBox="1"/>
+          <p:nvPr/>
+        </p:nvSpPr>
+        <p:spPr>
+          <a:xfrm>
+            <a:off x="323528" y="116632"/>
+            <a:ext cx="3288080" cy="2554545"/>
+          </a:xfrm>
+          <a:prstGeom prst="rect">
+            <a:avLst/>
+          </a:prstGeom>
+          <a:noFill/>
+        </p:spPr>
+        <p:txBody>
+          <a:bodyPr wrap="none" rtlCol="0">
+            <a:spAutoFit/>
+          </a:bodyPr>
+          <a:lstStyle/>
+          <a:p>
+            <a:r>
+              <a:rPr lang="en-US" altLang="ko-KR" sz="2000">
+                <a:latin typeface="Consolas" pitchFamily="49" charset="0"/>
+                <a:cs typeface="Consolas" pitchFamily="49" charset="0"/>
+              </a:rPr>
+              <a:t>typedef struct _node</a:t>
+            </a:r>
+          </a:p>
+          <a:p>
+            <a:r>
+              <a:rPr lang="en-US" altLang="ko-KR" sz="2000">
+                <a:latin typeface="Consolas" pitchFamily="49" charset="0"/>
+                <a:cs typeface="Consolas" pitchFamily="49" charset="0"/>
+              </a:rPr>
+              <a:t>{</a:t>
+            </a:r>
+          </a:p>
+          <a:p>
+            <a:r>
+              <a:rPr lang="en-US" altLang="ko-KR" sz="2000">
+                <a:latin typeface="Consolas" pitchFamily="49" charset="0"/>
+                <a:cs typeface="Consolas" pitchFamily="49" charset="0"/>
+              </a:rPr>
+              <a:t>   void</a:t>
+            </a:r>
+            <a:r>
+              <a:rPr lang="ko-KR" altLang="en-US" sz="2000">
+                <a:latin typeface="Consolas" pitchFamily="49" charset="0"/>
+                <a:cs typeface="Consolas" pitchFamily="49" charset="0"/>
+              </a:rPr>
+              <a:t> </a:t>
+            </a:r>
+            <a:r>
+              <a:rPr lang="en-US" altLang="ko-KR" sz="2000">
+                <a:latin typeface="Consolas" pitchFamily="49" charset="0"/>
+                <a:cs typeface="Consolas" pitchFamily="49" charset="0"/>
+              </a:rPr>
+              <a:t>*data;</a:t>
+            </a:r>
+          </a:p>
+          <a:p>
+            <a:r>
+              <a:rPr lang="en-US" altLang="ko-KR" sz="2000">
+                <a:latin typeface="Consolas" pitchFamily="49" charset="0"/>
+                <a:cs typeface="Consolas" pitchFamily="49" charset="0"/>
+              </a:rPr>
+              <a:t>   struct _node *next;</a:t>
+            </a:r>
+          </a:p>
+          <a:p>
+            <a:r>
+              <a:rPr lang="en-US" altLang="ko-KR" sz="2000">
+                <a:latin typeface="Consolas" pitchFamily="49" charset="0"/>
+                <a:cs typeface="Consolas" pitchFamily="49" charset="0"/>
+              </a:rPr>
+              <a:t>   struct _node *prev;</a:t>
+            </a:r>
+          </a:p>
+          <a:p>
+            <a:r>
+              <a:rPr lang="en-US" altLang="ko-KR" sz="2000">
+                <a:latin typeface="Consolas" pitchFamily="49" charset="0"/>
+                <a:cs typeface="Consolas" pitchFamily="49" charset="0"/>
+              </a:rPr>
+              <a:t>} NODE;</a:t>
+            </a:r>
+          </a:p>
+          <a:p>
+            <a:endParaRPr lang="en-US" altLang="ko-KR" sz="2000">
+              <a:latin typeface="Consolas" pitchFamily="49" charset="0"/>
+              <a:cs typeface="Consolas" pitchFamily="49" charset="0"/>
+            </a:endParaRPr>
+          </a:p>
+          <a:p>
+            <a:endParaRPr lang="en-US" altLang="ko-KR" sz="2000">
+              <a:latin typeface="Consolas" pitchFamily="49" charset="0"/>
+              <a:cs typeface="Consolas" pitchFamily="49" charset="0"/>
+            </a:endParaRPr>
+          </a:p>
+        </p:txBody>
+      </p:sp>
+      <p:sp>
+        <p:nvSpPr>
+          <p:cNvPr id="6" name="직사각형 5">
+            <a:extLst>
+              <a:ext uri="{FF2B5EF4-FFF2-40B4-BE49-F238E27FC236}">
+                <a16:creationId xmlns:a16="http://schemas.microsoft.com/office/drawing/2014/main" id="{014B8F61-B422-4159-9377-12C4F540A8CA}"/>
+              </a:ext>
+            </a:extLst>
+          </p:cNvPr>
+          <p:cNvSpPr/>
+          <p:nvPr/>
+        </p:nvSpPr>
+        <p:spPr>
+          <a:xfrm>
+            <a:off x="1115616" y="2708920"/>
+            <a:ext cx="432048" cy="432048"/>
+          </a:xfrm>
+          <a:prstGeom prst="rect">
+            <a:avLst/>
+          </a:prstGeom>
+          <a:solidFill>
+            <a:srgbClr val="FFC000"/>
+          </a:solidFill>
+          <a:ln w="9525"/>
+        </p:spPr>
+        <p:style>
+          <a:lnRef idx="2">
+            <a:schemeClr val="accent1">
+              <a:shade val="50000"/>
+            </a:schemeClr>
+          </a:lnRef>
+          <a:fillRef idx="1">
+            <a:schemeClr val="accent1"/>
+          </a:fillRef>
+          <a:effectRef idx="0">
+            <a:schemeClr val="accent1"/>
+          </a:effectRef>
+          <a:fontRef idx="minor">
+            <a:schemeClr val="lt1"/>
+          </a:fontRef>
+        </p:style>
+        <p:txBody>
+          <a:bodyPr rot="0" spcFirstLastPara="0" vertOverflow="overflow" horzOverflow="overflow" vert="horz" wrap="square" lIns="91440" tIns="45720" rIns="91440" bIns="45720" numCol="1" spcCol="0" rtlCol="0" fromWordArt="0" anchor="ctr" anchorCtr="0" forceAA="0" compatLnSpc="1">
+            <a:prstTxWarp prst="textNoShape">
+              <a:avLst/>
+            </a:prstTxWarp>
+            <a:noAutofit/>
+          </a:bodyPr>
+          <a:lstStyle/>
+          <a:p>
+            <a:pPr algn="ctr"/>
+            <a:endParaRPr lang="ko-KR" altLang="en-US" sz="2000">
+              <a:solidFill>
+                <a:schemeClr val="tx1"/>
+              </a:solidFill>
+              <a:latin typeface="Consolas" pitchFamily="49" charset="0"/>
+              <a:cs typeface="Consolas" pitchFamily="49" charset="0"/>
+            </a:endParaRPr>
+          </a:p>
+        </p:txBody>
+      </p:sp>
+      <p:sp>
+        <p:nvSpPr>
+          <p:cNvPr id="7" name="직사각형 6">
+            <a:extLst>
+              <a:ext uri="{FF2B5EF4-FFF2-40B4-BE49-F238E27FC236}">
+                <a16:creationId xmlns:a16="http://schemas.microsoft.com/office/drawing/2014/main" id="{5555DD07-C2E3-4472-B9CD-4705707CEC0B}"/>
+              </a:ext>
+            </a:extLst>
+          </p:cNvPr>
+          <p:cNvSpPr/>
+          <p:nvPr/>
+        </p:nvSpPr>
+        <p:spPr>
+          <a:xfrm>
+            <a:off x="1547664" y="2714988"/>
+            <a:ext cx="432048" cy="432048"/>
+          </a:xfrm>
+          <a:prstGeom prst="rect">
+            <a:avLst/>
+          </a:prstGeom>
+          <a:solidFill>
+            <a:srgbClr val="FFFF00"/>
+          </a:solidFill>
+          <a:ln w="9525"/>
+        </p:spPr>
+        <p:style>
+          <a:lnRef idx="2">
+            <a:schemeClr val="accent1">
+              <a:shade val="50000"/>
+            </a:schemeClr>
+          </a:lnRef>
+          <a:fillRef idx="1">
+            <a:schemeClr val="accent1"/>
+          </a:fillRef>
+          <a:effectRef idx="0">
+            <a:schemeClr val="accent1"/>
+          </a:effectRef>
+          <a:fontRef idx="minor">
+            <a:schemeClr val="lt1"/>
+          </a:fontRef>
+        </p:style>
+        <p:txBody>
+          <a:bodyPr rot="0" spcFirstLastPara="0" vertOverflow="overflow" horzOverflow="overflow" vert="horz" wrap="square" lIns="91440" tIns="45720" rIns="91440" bIns="45720" numCol="1" spcCol="0" rtlCol="0" fromWordArt="0" anchor="ctr" anchorCtr="0" forceAA="0" compatLnSpc="1">
+            <a:prstTxWarp prst="textNoShape">
+              <a:avLst/>
+            </a:prstTxWarp>
+            <a:noAutofit/>
+          </a:bodyPr>
+          <a:lstStyle/>
+          <a:p>
+            <a:pPr algn="ctr"/>
+            <a:endParaRPr lang="ko-KR" altLang="en-US" sz="2000">
+              <a:solidFill>
+                <a:schemeClr val="tx1"/>
+              </a:solidFill>
+              <a:latin typeface="Consolas" pitchFamily="49" charset="0"/>
+              <a:cs typeface="Consolas" pitchFamily="49" charset="0"/>
+            </a:endParaRPr>
+          </a:p>
+        </p:txBody>
+      </p:sp>
+      <p:sp>
+        <p:nvSpPr>
+          <p:cNvPr id="9" name="직사각형 8">
+            <a:extLst>
+              <a:ext uri="{FF2B5EF4-FFF2-40B4-BE49-F238E27FC236}">
+                <a16:creationId xmlns:a16="http://schemas.microsoft.com/office/drawing/2014/main" id="{1C228358-F8F5-4EA6-9C23-13373DCB14E9}"/>
+              </a:ext>
+            </a:extLst>
+          </p:cNvPr>
+          <p:cNvSpPr/>
+          <p:nvPr/>
+        </p:nvSpPr>
+        <p:spPr>
+          <a:xfrm>
+            <a:off x="683568" y="2711954"/>
+            <a:ext cx="432048" cy="432048"/>
+          </a:xfrm>
+          <a:prstGeom prst="rect">
+            <a:avLst/>
+          </a:prstGeom>
+          <a:solidFill>
+            <a:srgbClr val="FFFF00"/>
+          </a:solidFill>
+          <a:ln w="9525"/>
+        </p:spPr>
+        <p:style>
+          <a:lnRef idx="2">
+            <a:schemeClr val="accent1">
+              <a:shade val="50000"/>
+            </a:schemeClr>
+          </a:lnRef>
+          <a:fillRef idx="1">
+            <a:schemeClr val="accent1"/>
+          </a:fillRef>
+          <a:effectRef idx="0">
+            <a:schemeClr val="accent1"/>
+          </a:effectRef>
+          <a:fontRef idx="minor">
+            <a:schemeClr val="lt1"/>
+          </a:fontRef>
+        </p:style>
+        <p:txBody>
+          <a:bodyPr rot="0" spcFirstLastPara="0" vertOverflow="overflow" horzOverflow="overflow" vert="horz" wrap="square" lIns="91440" tIns="45720" rIns="91440" bIns="45720" numCol="1" spcCol="0" rtlCol="0" fromWordArt="0" anchor="ctr" anchorCtr="0" forceAA="0" compatLnSpc="1">
+            <a:prstTxWarp prst="textNoShape">
+              <a:avLst/>
+            </a:prstTxWarp>
+            <a:noAutofit/>
+          </a:bodyPr>
+          <a:lstStyle/>
+          <a:p>
+            <a:pPr algn="ctr"/>
+            <a:endParaRPr lang="ko-KR" altLang="en-US" sz="2000">
+              <a:solidFill>
+                <a:schemeClr val="tx1"/>
+              </a:solidFill>
+              <a:latin typeface="Consolas" pitchFamily="49" charset="0"/>
+              <a:cs typeface="Consolas" pitchFamily="49" charset="0"/>
+            </a:endParaRPr>
+          </a:p>
+        </p:txBody>
+      </p:sp>
+      <p:sp>
+        <p:nvSpPr>
+          <p:cNvPr id="8" name="직사각형 7">
+            <a:extLst>
+              <a:ext uri="{FF2B5EF4-FFF2-40B4-BE49-F238E27FC236}">
+                <a16:creationId xmlns:a16="http://schemas.microsoft.com/office/drawing/2014/main" id="{E994D97C-498C-4C94-89D6-E257D7B9FA60}"/>
+              </a:ext>
+            </a:extLst>
+          </p:cNvPr>
+          <p:cNvSpPr/>
+          <p:nvPr/>
+        </p:nvSpPr>
+        <p:spPr>
+          <a:xfrm>
+            <a:off x="4716016" y="2705886"/>
+            <a:ext cx="432048" cy="432048"/>
+          </a:xfrm>
+          <a:prstGeom prst="rect">
+            <a:avLst/>
+          </a:prstGeom>
+          <a:solidFill>
+            <a:srgbClr val="FFC000"/>
+          </a:solidFill>
+          <a:ln w="9525"/>
+        </p:spPr>
+        <p:style>
+          <a:lnRef idx="2">
+            <a:schemeClr val="accent1">
+              <a:shade val="50000"/>
+            </a:schemeClr>
+          </a:lnRef>
+          <a:fillRef idx="1">
+            <a:schemeClr val="accent1"/>
+          </a:fillRef>
+          <a:effectRef idx="0">
+            <a:schemeClr val="accent1"/>
+          </a:effectRef>
+          <a:fontRef idx="minor">
+            <a:schemeClr val="lt1"/>
+          </a:fontRef>
+        </p:style>
+        <p:txBody>
+          <a:bodyPr rot="0" spcFirstLastPara="0" vertOverflow="overflow" horzOverflow="overflow" vert="horz" wrap="square" lIns="91440" tIns="45720" rIns="91440" bIns="45720" numCol="1" spcCol="0" rtlCol="0" fromWordArt="0" anchor="ctr" anchorCtr="0" forceAA="0" compatLnSpc="1">
+            <a:prstTxWarp prst="textNoShape">
+              <a:avLst/>
+            </a:prstTxWarp>
+            <a:noAutofit/>
+          </a:bodyPr>
+          <a:lstStyle/>
+          <a:p>
+            <a:pPr algn="ctr"/>
+            <a:r>
+              <a:rPr lang="en-US" altLang="ko-KR" sz="2000">
+                <a:solidFill>
+                  <a:schemeClr val="tx1"/>
+                </a:solidFill>
+                <a:latin typeface="Consolas" pitchFamily="49" charset="0"/>
+                <a:cs typeface="Consolas" pitchFamily="49" charset="0"/>
+              </a:rPr>
+              <a:t>*</a:t>
+            </a:r>
+            <a:endParaRPr lang="ko-KR" altLang="en-US" sz="2000">
+              <a:solidFill>
+                <a:schemeClr val="tx1"/>
+              </a:solidFill>
+              <a:latin typeface="Consolas" pitchFamily="49" charset="0"/>
+              <a:cs typeface="Consolas" pitchFamily="49" charset="0"/>
+            </a:endParaRPr>
+          </a:p>
+        </p:txBody>
+      </p:sp>
+      <p:sp>
+        <p:nvSpPr>
+          <p:cNvPr id="10" name="직사각형 9">
+            <a:extLst>
+              <a:ext uri="{FF2B5EF4-FFF2-40B4-BE49-F238E27FC236}">
+                <a16:creationId xmlns:a16="http://schemas.microsoft.com/office/drawing/2014/main" id="{A752E4AF-7200-428C-9B46-6F301190666D}"/>
+              </a:ext>
+            </a:extLst>
+          </p:cNvPr>
+          <p:cNvSpPr/>
+          <p:nvPr/>
+        </p:nvSpPr>
+        <p:spPr>
+          <a:xfrm>
+            <a:off x="5148064" y="2711954"/>
+            <a:ext cx="432048" cy="432048"/>
+          </a:xfrm>
+          <a:prstGeom prst="rect">
+            <a:avLst/>
+          </a:prstGeom>
+          <a:solidFill>
+            <a:srgbClr val="FFFF00"/>
+          </a:solidFill>
+          <a:ln w="9525"/>
+        </p:spPr>
+        <p:style>
+          <a:lnRef idx="2">
+            <a:schemeClr val="accent1">
+              <a:shade val="50000"/>
+            </a:schemeClr>
+          </a:lnRef>
+          <a:fillRef idx="1">
+            <a:schemeClr val="accent1"/>
+          </a:fillRef>
+          <a:effectRef idx="0">
+            <a:schemeClr val="accent1"/>
+          </a:effectRef>
+          <a:fontRef idx="minor">
+            <a:schemeClr val="lt1"/>
+          </a:fontRef>
+        </p:style>
+        <p:txBody>
+          <a:bodyPr rot="0" spcFirstLastPara="0" vertOverflow="overflow" horzOverflow="overflow" vert="horz" wrap="square" lIns="91440" tIns="45720" rIns="91440" bIns="45720" numCol="1" spcCol="0" rtlCol="0" fromWordArt="0" anchor="ctr" anchorCtr="0" forceAA="0" compatLnSpc="1">
+            <a:prstTxWarp prst="textNoShape">
+              <a:avLst/>
+            </a:prstTxWarp>
+            <a:noAutofit/>
+          </a:bodyPr>
+          <a:lstStyle/>
+          <a:p>
+            <a:pPr algn="ctr"/>
+            <a:endParaRPr lang="ko-KR" altLang="en-US" sz="2000">
+              <a:solidFill>
+                <a:schemeClr val="tx1"/>
+              </a:solidFill>
+              <a:latin typeface="Consolas" pitchFamily="49" charset="0"/>
+              <a:cs typeface="Consolas" pitchFamily="49" charset="0"/>
+            </a:endParaRPr>
+          </a:p>
+        </p:txBody>
+      </p:sp>
+      <p:sp>
+        <p:nvSpPr>
+          <p:cNvPr id="11" name="직사각형 10">
+            <a:extLst>
+              <a:ext uri="{FF2B5EF4-FFF2-40B4-BE49-F238E27FC236}">
+                <a16:creationId xmlns:a16="http://schemas.microsoft.com/office/drawing/2014/main" id="{6240F660-BBA3-4E2D-A71E-3ADACE5060C6}"/>
+              </a:ext>
+            </a:extLst>
+          </p:cNvPr>
+          <p:cNvSpPr/>
+          <p:nvPr/>
+        </p:nvSpPr>
+        <p:spPr>
+          <a:xfrm>
+            <a:off x="4283968" y="2708920"/>
+            <a:ext cx="432048" cy="432048"/>
+          </a:xfrm>
+          <a:prstGeom prst="rect">
+            <a:avLst/>
+          </a:prstGeom>
+          <a:solidFill>
+            <a:srgbClr val="FFFF00"/>
+          </a:solidFill>
+          <a:ln w="9525"/>
+        </p:spPr>
+        <p:style>
+          <a:lnRef idx="2">
+            <a:schemeClr val="accent1">
+              <a:shade val="50000"/>
+            </a:schemeClr>
+          </a:lnRef>
+          <a:fillRef idx="1">
+            <a:schemeClr val="accent1"/>
+          </a:fillRef>
+          <a:effectRef idx="0">
+            <a:schemeClr val="accent1"/>
+          </a:effectRef>
+          <a:fontRef idx="minor">
+            <a:schemeClr val="lt1"/>
+          </a:fontRef>
+        </p:style>
+        <p:txBody>
+          <a:bodyPr rot="0" spcFirstLastPara="0" vertOverflow="overflow" horzOverflow="overflow" vert="horz" wrap="square" lIns="91440" tIns="45720" rIns="91440" bIns="45720" numCol="1" spcCol="0" rtlCol="0" fromWordArt="0" anchor="ctr" anchorCtr="0" forceAA="0" compatLnSpc="1">
+            <a:prstTxWarp prst="textNoShape">
+              <a:avLst/>
+            </a:prstTxWarp>
+            <a:noAutofit/>
+          </a:bodyPr>
+          <a:lstStyle/>
+          <a:p>
+            <a:pPr algn="ctr"/>
+            <a:endParaRPr lang="ko-KR" altLang="en-US" sz="2000">
+              <a:solidFill>
+                <a:schemeClr val="tx1"/>
+              </a:solidFill>
+              <a:latin typeface="Consolas" pitchFamily="49" charset="0"/>
+              <a:cs typeface="Consolas" pitchFamily="49" charset="0"/>
+            </a:endParaRPr>
+          </a:p>
+        </p:txBody>
+      </p:sp>
+      <p:sp>
+        <p:nvSpPr>
+          <p:cNvPr id="12" name="직사각형 11">
+            <a:extLst>
+              <a:ext uri="{FF2B5EF4-FFF2-40B4-BE49-F238E27FC236}">
+                <a16:creationId xmlns:a16="http://schemas.microsoft.com/office/drawing/2014/main" id="{67167900-CE7B-4FAA-81D0-D63C949BD49D}"/>
+              </a:ext>
+            </a:extLst>
+          </p:cNvPr>
+          <p:cNvSpPr/>
+          <p:nvPr/>
+        </p:nvSpPr>
+        <p:spPr>
+          <a:xfrm>
+            <a:off x="2843808" y="2708920"/>
+            <a:ext cx="432048" cy="432048"/>
+          </a:xfrm>
+          <a:prstGeom prst="rect">
+            <a:avLst/>
+          </a:prstGeom>
+          <a:solidFill>
+            <a:srgbClr val="FFC000"/>
+          </a:solidFill>
+          <a:ln w="9525"/>
+        </p:spPr>
+        <p:style>
+          <a:lnRef idx="2">
+            <a:schemeClr val="accent1">
+              <a:shade val="50000"/>
+            </a:schemeClr>
+          </a:lnRef>
+          <a:fillRef idx="1">
+            <a:schemeClr val="accent1"/>
+          </a:fillRef>
+          <a:effectRef idx="0">
+            <a:schemeClr val="accent1"/>
+          </a:effectRef>
+          <a:fontRef idx="minor">
+            <a:schemeClr val="lt1"/>
+          </a:fontRef>
+        </p:style>
+        <p:txBody>
+          <a:bodyPr rot="0" spcFirstLastPara="0" vertOverflow="overflow" horzOverflow="overflow" vert="horz" wrap="square" lIns="91440" tIns="45720" rIns="91440" bIns="45720" numCol="1" spcCol="0" rtlCol="0" fromWordArt="0" anchor="ctr" anchorCtr="0" forceAA="0" compatLnSpc="1">
+            <a:prstTxWarp prst="textNoShape">
+              <a:avLst/>
+            </a:prstTxWarp>
+            <a:noAutofit/>
+          </a:bodyPr>
+          <a:lstStyle/>
+          <a:p>
+            <a:pPr algn="ctr"/>
+            <a:r>
+              <a:rPr lang="en-US" altLang="ko-KR" sz="2000">
+                <a:solidFill>
+                  <a:schemeClr val="tx1"/>
+                </a:solidFill>
+                <a:latin typeface="Consolas" pitchFamily="49" charset="0"/>
+                <a:cs typeface="Consolas" pitchFamily="49" charset="0"/>
+              </a:rPr>
+              <a:t>*</a:t>
+            </a:r>
+            <a:endParaRPr lang="ko-KR" altLang="en-US" sz="2000">
+              <a:solidFill>
+                <a:schemeClr val="tx1"/>
+              </a:solidFill>
+              <a:latin typeface="Consolas" pitchFamily="49" charset="0"/>
+              <a:cs typeface="Consolas" pitchFamily="49" charset="0"/>
+            </a:endParaRPr>
+          </a:p>
+        </p:txBody>
+      </p:sp>
+      <p:sp>
+        <p:nvSpPr>
+          <p:cNvPr id="13" name="직사각형 12">
+            <a:extLst>
+              <a:ext uri="{FF2B5EF4-FFF2-40B4-BE49-F238E27FC236}">
+                <a16:creationId xmlns:a16="http://schemas.microsoft.com/office/drawing/2014/main" id="{399A45A1-B0A6-4FBF-9A3D-D310D7234005}"/>
+              </a:ext>
+            </a:extLst>
+          </p:cNvPr>
+          <p:cNvSpPr/>
+          <p:nvPr/>
+        </p:nvSpPr>
+        <p:spPr>
+          <a:xfrm>
+            <a:off x="3275856" y="2714988"/>
+            <a:ext cx="432048" cy="432048"/>
+          </a:xfrm>
+          <a:prstGeom prst="rect">
+            <a:avLst/>
+          </a:prstGeom>
+          <a:solidFill>
+            <a:srgbClr val="FFFF00"/>
+          </a:solidFill>
+          <a:ln w="9525"/>
+        </p:spPr>
+        <p:style>
+          <a:lnRef idx="2">
+            <a:schemeClr val="accent1">
+              <a:shade val="50000"/>
+            </a:schemeClr>
+          </a:lnRef>
+          <a:fillRef idx="1">
+            <a:schemeClr val="accent1"/>
+          </a:fillRef>
+          <a:effectRef idx="0">
+            <a:schemeClr val="accent1"/>
+          </a:effectRef>
+          <a:fontRef idx="minor">
+            <a:schemeClr val="lt1"/>
+          </a:fontRef>
+        </p:style>
+        <p:txBody>
+          <a:bodyPr rot="0" spcFirstLastPara="0" vertOverflow="overflow" horzOverflow="overflow" vert="horz" wrap="square" lIns="91440" tIns="45720" rIns="91440" bIns="45720" numCol="1" spcCol="0" rtlCol="0" fromWordArt="0" anchor="ctr" anchorCtr="0" forceAA="0" compatLnSpc="1">
+            <a:prstTxWarp prst="textNoShape">
+              <a:avLst/>
+            </a:prstTxWarp>
+            <a:noAutofit/>
+          </a:bodyPr>
+          <a:lstStyle/>
+          <a:p>
+            <a:pPr algn="ctr"/>
+            <a:endParaRPr lang="ko-KR" altLang="en-US" sz="2000">
+              <a:solidFill>
+                <a:schemeClr val="tx1"/>
+              </a:solidFill>
+              <a:latin typeface="Consolas" pitchFamily="49" charset="0"/>
+              <a:cs typeface="Consolas" pitchFamily="49" charset="0"/>
+            </a:endParaRPr>
+          </a:p>
+        </p:txBody>
+      </p:sp>
+      <p:sp>
+        <p:nvSpPr>
+          <p:cNvPr id="14" name="직사각형 13">
+            <a:extLst>
+              <a:ext uri="{FF2B5EF4-FFF2-40B4-BE49-F238E27FC236}">
+                <a16:creationId xmlns:a16="http://schemas.microsoft.com/office/drawing/2014/main" id="{D523EF21-42A0-48CB-AA54-10FAE1BB8A84}"/>
+              </a:ext>
+            </a:extLst>
+          </p:cNvPr>
+          <p:cNvSpPr/>
+          <p:nvPr/>
+        </p:nvSpPr>
+        <p:spPr>
+          <a:xfrm>
+            <a:off x="2411760" y="2711954"/>
+            <a:ext cx="432048" cy="432048"/>
+          </a:xfrm>
+          <a:prstGeom prst="rect">
+            <a:avLst/>
+          </a:prstGeom>
+          <a:solidFill>
+            <a:srgbClr val="FFFF00"/>
+          </a:solidFill>
+          <a:ln w="9525"/>
+        </p:spPr>
+        <p:style>
+          <a:lnRef idx="2">
+            <a:schemeClr val="accent1">
+              <a:shade val="50000"/>
+            </a:schemeClr>
+          </a:lnRef>
+          <a:fillRef idx="1">
+            <a:schemeClr val="accent1"/>
+          </a:fillRef>
+          <a:effectRef idx="0">
+            <a:schemeClr val="accent1"/>
+          </a:effectRef>
+          <a:fontRef idx="minor">
+            <a:schemeClr val="lt1"/>
+          </a:fontRef>
+        </p:style>
+        <p:txBody>
+          <a:bodyPr rot="0" spcFirstLastPara="0" vertOverflow="overflow" horzOverflow="overflow" vert="horz" wrap="square" lIns="91440" tIns="45720" rIns="91440" bIns="45720" numCol="1" spcCol="0" rtlCol="0" fromWordArt="0" anchor="ctr" anchorCtr="0" forceAA="0" compatLnSpc="1">
+            <a:prstTxWarp prst="textNoShape">
+              <a:avLst/>
+            </a:prstTxWarp>
+            <a:noAutofit/>
+          </a:bodyPr>
+          <a:lstStyle/>
+          <a:p>
+            <a:pPr algn="ctr"/>
+            <a:endParaRPr lang="ko-KR" altLang="en-US" sz="2000">
+              <a:solidFill>
+                <a:schemeClr val="tx1"/>
+              </a:solidFill>
+              <a:latin typeface="Consolas" pitchFamily="49" charset="0"/>
+              <a:cs typeface="Consolas" pitchFamily="49" charset="0"/>
+            </a:endParaRPr>
+          </a:p>
+        </p:txBody>
+      </p:sp>
+      <p:cxnSp>
+        <p:nvCxnSpPr>
+          <p:cNvPr id="15" name="연결선: 구부러짐 14">
+            <a:extLst>
+              <a:ext uri="{FF2B5EF4-FFF2-40B4-BE49-F238E27FC236}">
+                <a16:creationId xmlns:a16="http://schemas.microsoft.com/office/drawing/2014/main" id="{A99B85BC-FDF5-4F6B-BBB4-CD6546B98CC5}"/>
+              </a:ext>
+            </a:extLst>
+          </p:cNvPr>
+          <p:cNvCxnSpPr>
+            <a:cxnSpLocks/>
+            <a:stCxn id="7" idx="0"/>
+            <a:endCxn id="14" idx="1"/>
+          </p:cNvCxnSpPr>
+          <p:nvPr/>
+        </p:nvCxnSpPr>
+        <p:spPr>
+          <a:xfrm rot="16200000" flipH="1">
+            <a:off x="1981229" y="2497447"/>
+            <a:ext cx="212990" cy="648072"/>
+          </a:xfrm>
+          <a:prstGeom prst="curvedConnector4">
+            <a:avLst>
+              <a:gd name="adj1" fmla="val -107329"/>
+              <a:gd name="adj2" fmla="val 66667"/>
+            </a:avLst>
+          </a:prstGeom>
+          <a:ln w="19050">
+            <a:solidFill>
+              <a:schemeClr val="tx1"/>
+            </a:solidFill>
+            <a:tailEnd type="triangle"/>
+          </a:ln>
+        </p:spPr>
+        <p:style>
+          <a:lnRef idx="1">
+            <a:schemeClr val="accent1"/>
+          </a:lnRef>
+          <a:fillRef idx="0">
+            <a:schemeClr val="accent1"/>
+          </a:fillRef>
+          <a:effectRef idx="0">
+            <a:schemeClr val="accent1"/>
+          </a:effectRef>
+          <a:fontRef idx="minor">
+            <a:schemeClr val="tx1"/>
+          </a:fontRef>
+        </p:style>
+      </p:cxnSp>
+      <p:cxnSp>
+        <p:nvCxnSpPr>
+          <p:cNvPr id="16" name="연결선: 구부러짐 15">
+            <a:extLst>
+              <a:ext uri="{FF2B5EF4-FFF2-40B4-BE49-F238E27FC236}">
+                <a16:creationId xmlns:a16="http://schemas.microsoft.com/office/drawing/2014/main" id="{C6D7F1D9-42C7-4626-9870-7E8F989F6714}"/>
+              </a:ext>
+            </a:extLst>
+          </p:cNvPr>
+          <p:cNvCxnSpPr>
+            <a:cxnSpLocks/>
+            <a:stCxn id="11" idx="2"/>
+            <a:endCxn id="13" idx="3"/>
+          </p:cNvCxnSpPr>
+          <p:nvPr/>
+        </p:nvCxnSpPr>
+        <p:spPr>
+          <a:xfrm rot="5400000" flipH="1">
+            <a:off x="3998970" y="2639946"/>
+            <a:ext cx="209956" cy="792088"/>
+          </a:xfrm>
+          <a:prstGeom prst="curvedConnector4">
+            <a:avLst>
+              <a:gd name="adj1" fmla="val -108880"/>
+              <a:gd name="adj2" fmla="val 63636"/>
+            </a:avLst>
+          </a:prstGeom>
+          <a:ln w="19050">
+            <a:solidFill>
+              <a:schemeClr val="tx1"/>
+            </a:solidFill>
+            <a:tailEnd type="triangle"/>
+          </a:ln>
+        </p:spPr>
+        <p:style>
+          <a:lnRef idx="1">
+            <a:schemeClr val="accent1"/>
+          </a:lnRef>
+          <a:fillRef idx="0">
+            <a:schemeClr val="accent1"/>
+          </a:fillRef>
+          <a:effectRef idx="0">
+            <a:schemeClr val="accent1"/>
+          </a:effectRef>
+          <a:fontRef idx="minor">
+            <a:schemeClr val="tx1"/>
+          </a:fontRef>
+        </p:style>
+      </p:cxnSp>
+      <p:cxnSp>
+        <p:nvCxnSpPr>
+          <p:cNvPr id="20" name="연결선: 구부러짐 19">
+            <a:extLst>
+              <a:ext uri="{FF2B5EF4-FFF2-40B4-BE49-F238E27FC236}">
+                <a16:creationId xmlns:a16="http://schemas.microsoft.com/office/drawing/2014/main" id="{629A0AC0-CCBA-44C1-B165-48A452F724DB}"/>
+              </a:ext>
+            </a:extLst>
+          </p:cNvPr>
+          <p:cNvCxnSpPr>
+            <a:cxnSpLocks/>
+            <a:stCxn id="13" idx="0"/>
+            <a:endCxn id="11" idx="1"/>
+          </p:cNvCxnSpPr>
+          <p:nvPr/>
+        </p:nvCxnSpPr>
+        <p:spPr>
+          <a:xfrm rot="16200000" flipH="1">
+            <a:off x="3782946" y="2423922"/>
+            <a:ext cx="209956" cy="792088"/>
+          </a:xfrm>
+          <a:prstGeom prst="curvedConnector4">
+            <a:avLst>
+              <a:gd name="adj1" fmla="val -108880"/>
+              <a:gd name="adj2" fmla="val 63636"/>
+            </a:avLst>
+          </a:prstGeom>
+          <a:ln w="19050">
+            <a:solidFill>
+              <a:schemeClr val="tx1"/>
+            </a:solidFill>
+            <a:tailEnd type="triangle"/>
+          </a:ln>
+        </p:spPr>
+        <p:style>
+          <a:lnRef idx="1">
+            <a:schemeClr val="accent1"/>
+          </a:lnRef>
+          <a:fillRef idx="0">
+            <a:schemeClr val="accent1"/>
+          </a:fillRef>
+          <a:effectRef idx="0">
+            <a:schemeClr val="accent1"/>
+          </a:effectRef>
+          <a:fontRef idx="minor">
+            <a:schemeClr val="tx1"/>
+          </a:fontRef>
+        </p:style>
+      </p:cxnSp>
+      <p:cxnSp>
+        <p:nvCxnSpPr>
+          <p:cNvPr id="25" name="연결선: 구부러짐 24">
+            <a:extLst>
+              <a:ext uri="{FF2B5EF4-FFF2-40B4-BE49-F238E27FC236}">
+                <a16:creationId xmlns:a16="http://schemas.microsoft.com/office/drawing/2014/main" id="{C9E1BCC4-7F3B-432C-B059-96819D35DEB6}"/>
+              </a:ext>
+            </a:extLst>
+          </p:cNvPr>
+          <p:cNvCxnSpPr>
+            <a:cxnSpLocks/>
+            <a:stCxn id="14" idx="2"/>
+            <a:endCxn id="7" idx="3"/>
+          </p:cNvCxnSpPr>
+          <p:nvPr/>
+        </p:nvCxnSpPr>
+        <p:spPr>
+          <a:xfrm rot="5400000" flipH="1">
+            <a:off x="2197253" y="2713471"/>
+            <a:ext cx="212990" cy="648072"/>
+          </a:xfrm>
+          <a:prstGeom prst="curvedConnector4">
+            <a:avLst>
+              <a:gd name="adj1" fmla="val -107329"/>
+              <a:gd name="adj2" fmla="val 66667"/>
+            </a:avLst>
+          </a:prstGeom>
+          <a:ln w="19050">
+            <a:solidFill>
+              <a:schemeClr val="tx1"/>
+            </a:solidFill>
+            <a:tailEnd type="triangle"/>
+          </a:ln>
+        </p:spPr>
+        <p:style>
+          <a:lnRef idx="1">
+            <a:schemeClr val="accent1"/>
+          </a:lnRef>
+          <a:fillRef idx="0">
+            <a:schemeClr val="accent1"/>
+          </a:fillRef>
+          <a:effectRef idx="0">
+            <a:schemeClr val="accent1"/>
+          </a:effectRef>
+          <a:fontRef idx="minor">
+            <a:schemeClr val="tx1"/>
+          </a:fontRef>
+        </p:style>
+      </p:cxnSp>
+      <p:sp>
+        <p:nvSpPr>
+          <p:cNvPr id="21" name="TextBox 20">
+            <a:extLst>
+              <a:ext uri="{FF2B5EF4-FFF2-40B4-BE49-F238E27FC236}">
+                <a16:creationId xmlns:a16="http://schemas.microsoft.com/office/drawing/2014/main" id="{E640B876-D32D-462B-B71C-F72B15BA539B}"/>
+              </a:ext>
+            </a:extLst>
+          </p:cNvPr>
+          <p:cNvSpPr txBox="1"/>
+          <p:nvPr/>
+        </p:nvSpPr>
+        <p:spPr>
+          <a:xfrm>
+            <a:off x="950700" y="2323180"/>
+            <a:ext cx="864096" cy="400110"/>
+          </a:xfrm>
+          <a:prstGeom prst="rect">
+            <a:avLst/>
+          </a:prstGeom>
+          <a:noFill/>
+        </p:spPr>
+        <p:txBody>
+          <a:bodyPr wrap="square" rtlCol="0">
+            <a:spAutoFit/>
+          </a:bodyPr>
+          <a:lstStyle/>
+          <a:p>
+            <a:r>
+              <a:rPr lang="en-US" altLang="ko-KR" sz="2000">
+                <a:latin typeface="Consolas" pitchFamily="49" charset="0"/>
+                <a:cs typeface="Consolas" pitchFamily="49" charset="0"/>
+              </a:rPr>
+              <a:t>head</a:t>
+            </a:r>
+            <a:endParaRPr lang="ko-KR" altLang="en-US" sz="2000">
+              <a:latin typeface="Consolas" pitchFamily="49" charset="0"/>
+              <a:cs typeface="Consolas" pitchFamily="49" charset="0"/>
+            </a:endParaRPr>
+          </a:p>
+        </p:txBody>
+      </p:sp>
+      <p:sp>
+        <p:nvSpPr>
+          <p:cNvPr id="27" name="TextBox 26">
+            <a:extLst>
+              <a:ext uri="{FF2B5EF4-FFF2-40B4-BE49-F238E27FC236}">
+                <a16:creationId xmlns:a16="http://schemas.microsoft.com/office/drawing/2014/main" id="{BA344485-E692-4D3D-993B-E9499A07ADDE}"/>
+              </a:ext>
+            </a:extLst>
+          </p:cNvPr>
+          <p:cNvSpPr txBox="1"/>
+          <p:nvPr/>
+        </p:nvSpPr>
+        <p:spPr>
+          <a:xfrm>
+            <a:off x="6694105" y="908720"/>
+            <a:ext cx="3888432" cy="1938992"/>
+          </a:xfrm>
+          <a:prstGeom prst="rect">
+            <a:avLst/>
+          </a:prstGeom>
+          <a:noFill/>
+        </p:spPr>
+        <p:txBody>
+          <a:bodyPr wrap="square" rtlCol="0">
+            <a:spAutoFit/>
+          </a:bodyPr>
+          <a:lstStyle/>
+          <a:p>
+            <a:r>
+              <a:rPr lang="ko-KR" altLang="en-US" sz="2000">
+                <a:latin typeface="Consolas" pitchFamily="49" charset="0"/>
+                <a:cs typeface="Consolas" pitchFamily="49" charset="0"/>
+              </a:rPr>
+              <a:t>문제점 </a:t>
+            </a:r>
+            <a:r>
+              <a:rPr lang="en-US" altLang="ko-KR" sz="2000">
+                <a:latin typeface="Consolas" pitchFamily="49" charset="0"/>
+                <a:cs typeface="Consolas" pitchFamily="49" charset="0"/>
+              </a:rPr>
+              <a:t>: </a:t>
+            </a:r>
+          </a:p>
+          <a:p>
+            <a:r>
+              <a:rPr lang="en-US" altLang="ko-KR" sz="2000">
+                <a:latin typeface="Consolas" pitchFamily="49" charset="0"/>
+                <a:cs typeface="Consolas" pitchFamily="49" charset="0"/>
+              </a:rPr>
+              <a:t>  list</a:t>
+            </a:r>
+            <a:r>
+              <a:rPr lang="ko-KR" altLang="en-US" sz="2000">
+                <a:latin typeface="Consolas" pitchFamily="49" charset="0"/>
+                <a:cs typeface="Consolas" pitchFamily="49" charset="0"/>
+              </a:rPr>
+              <a:t>는 </a:t>
+            </a:r>
+            <a:r>
+              <a:rPr lang="en-US" altLang="ko-KR" sz="2000">
+                <a:latin typeface="Consolas" pitchFamily="49" charset="0"/>
+                <a:cs typeface="Consolas" pitchFamily="49" charset="0"/>
+              </a:rPr>
+              <a:t>data</a:t>
+            </a:r>
+            <a:r>
+              <a:rPr lang="ko-KR" altLang="en-US" sz="2000">
+                <a:latin typeface="Consolas" pitchFamily="49" charset="0"/>
+                <a:cs typeface="Consolas" pitchFamily="49" charset="0"/>
+              </a:rPr>
+              <a:t>의 </a:t>
+            </a:r>
+            <a:r>
+              <a:rPr lang="en-US" altLang="ko-KR" sz="2000">
+                <a:latin typeface="Consolas" pitchFamily="49" charset="0"/>
+                <a:cs typeface="Consolas" pitchFamily="49" charset="0"/>
+              </a:rPr>
+              <a:t>type</a:t>
+            </a:r>
+            <a:r>
+              <a:rPr lang="ko-KR" altLang="en-US" sz="2000">
+                <a:latin typeface="Consolas" pitchFamily="49" charset="0"/>
+                <a:cs typeface="Consolas" pitchFamily="49" charset="0"/>
+              </a:rPr>
+              <a:t>에 의존적이다</a:t>
+            </a:r>
+            <a:r>
+              <a:rPr lang="en-US" altLang="ko-KR" sz="2000">
+                <a:latin typeface="Consolas" pitchFamily="49" charset="0"/>
+                <a:cs typeface="Consolas" pitchFamily="49" charset="0"/>
+              </a:rPr>
+              <a:t>.</a:t>
+            </a:r>
+          </a:p>
+          <a:p>
+            <a:endParaRPr lang="en-US" altLang="ko-KR" sz="2000">
+              <a:latin typeface="Consolas" pitchFamily="49" charset="0"/>
+              <a:cs typeface="Consolas" pitchFamily="49" charset="0"/>
+            </a:endParaRPr>
+          </a:p>
+          <a:p>
+            <a:r>
+              <a:rPr lang="ko-KR" altLang="en-US" sz="2000">
+                <a:latin typeface="Consolas" pitchFamily="49" charset="0"/>
+                <a:cs typeface="Consolas" pitchFamily="49" charset="0"/>
+              </a:rPr>
+              <a:t>해결책 </a:t>
+            </a:r>
+            <a:r>
+              <a:rPr lang="en-US" altLang="ko-KR" sz="2000">
+                <a:latin typeface="Consolas" pitchFamily="49" charset="0"/>
+                <a:cs typeface="Consolas" pitchFamily="49" charset="0"/>
+              </a:rPr>
+              <a:t>: </a:t>
+            </a:r>
+          </a:p>
+          <a:p>
+            <a:r>
+              <a:rPr lang="en-US" altLang="ko-KR" sz="2000">
+                <a:latin typeface="Consolas" pitchFamily="49" charset="0"/>
+                <a:cs typeface="Consolas" pitchFamily="49" charset="0"/>
+              </a:rPr>
+              <a:t>  void</a:t>
+            </a:r>
+            <a:r>
+              <a:rPr lang="ko-KR" altLang="en-US" sz="2000">
+                <a:latin typeface="Consolas" pitchFamily="49" charset="0"/>
+                <a:cs typeface="Consolas" pitchFamily="49" charset="0"/>
+              </a:rPr>
+              <a:t> </a:t>
+            </a:r>
+            <a:r>
+              <a:rPr lang="en-US" altLang="ko-KR" sz="2000">
+                <a:latin typeface="Consolas" pitchFamily="49" charset="0"/>
+                <a:cs typeface="Consolas" pitchFamily="49" charset="0"/>
+              </a:rPr>
+              <a:t>*</a:t>
+            </a:r>
+            <a:r>
+              <a:rPr lang="ko-KR" altLang="en-US" sz="2000">
+                <a:latin typeface="Consolas" pitchFamily="49" charset="0"/>
+                <a:cs typeface="Consolas" pitchFamily="49" charset="0"/>
+              </a:rPr>
+              <a:t>를 도입하자</a:t>
+            </a:r>
+            <a:r>
+              <a:rPr lang="en-US" altLang="ko-KR" sz="2000">
+                <a:latin typeface="Consolas" pitchFamily="49" charset="0"/>
+                <a:cs typeface="Consolas" pitchFamily="49" charset="0"/>
+              </a:rPr>
+              <a:t>.  </a:t>
+            </a:r>
+            <a:endParaRPr lang="ko-KR" altLang="en-US" sz="2000">
+              <a:latin typeface="Consolas" pitchFamily="49" charset="0"/>
+              <a:cs typeface="Consolas" pitchFamily="49" charset="0"/>
+            </a:endParaRPr>
+          </a:p>
+        </p:txBody>
+      </p:sp>
+      <p:sp>
+        <p:nvSpPr>
+          <p:cNvPr id="28" name="직사각형 27">
+            <a:extLst>
+              <a:ext uri="{FF2B5EF4-FFF2-40B4-BE49-F238E27FC236}">
+                <a16:creationId xmlns:a16="http://schemas.microsoft.com/office/drawing/2014/main" id="{B4B3A847-1508-4D05-B05E-6D27047FC01D}"/>
+              </a:ext>
+            </a:extLst>
+          </p:cNvPr>
+          <p:cNvSpPr/>
+          <p:nvPr/>
+        </p:nvSpPr>
+        <p:spPr>
+          <a:xfrm>
+            <a:off x="2699792" y="4005064"/>
+            <a:ext cx="1368152" cy="432048"/>
+          </a:xfrm>
+          <a:prstGeom prst="rect">
+            <a:avLst/>
+          </a:prstGeom>
+          <a:solidFill>
+            <a:srgbClr val="FFC000"/>
+          </a:solidFill>
+          <a:ln w="9525"/>
+        </p:spPr>
+        <p:style>
+          <a:lnRef idx="2">
+            <a:schemeClr val="accent1">
+              <a:shade val="50000"/>
+            </a:schemeClr>
+          </a:lnRef>
+          <a:fillRef idx="1">
+            <a:schemeClr val="accent1"/>
+          </a:fillRef>
+          <a:effectRef idx="0">
+            <a:schemeClr val="accent1"/>
+          </a:effectRef>
+          <a:fontRef idx="minor">
+            <a:schemeClr val="lt1"/>
+          </a:fontRef>
+        </p:style>
+        <p:txBody>
+          <a:bodyPr rot="0" spcFirstLastPara="0" vertOverflow="overflow" horzOverflow="overflow" vert="horz" wrap="square" lIns="91440" tIns="45720" rIns="91440" bIns="45720" numCol="1" spcCol="0" rtlCol="0" fromWordArt="0" anchor="ctr" anchorCtr="0" forceAA="0" compatLnSpc="1">
+            <a:prstTxWarp prst="textNoShape">
+              <a:avLst/>
+            </a:prstTxWarp>
+            <a:noAutofit/>
+          </a:bodyPr>
+          <a:lstStyle/>
+          <a:p>
+            <a:pPr algn="ctr"/>
+            <a:r>
+              <a:rPr lang="en-US" altLang="ko-KR" sz="2000">
+                <a:solidFill>
+                  <a:schemeClr val="tx1"/>
+                </a:solidFill>
+                <a:latin typeface="Consolas" pitchFamily="49" charset="0"/>
+                <a:cs typeface="Consolas" pitchFamily="49" charset="0"/>
+              </a:rPr>
+              <a:t>"</a:t>
+            </a:r>
+            <a:r>
+              <a:rPr lang="ko-KR" altLang="en-US" sz="2000">
+                <a:solidFill>
+                  <a:schemeClr val="tx1"/>
+                </a:solidFill>
+                <a:latin typeface="Consolas" pitchFamily="49" charset="0"/>
+                <a:cs typeface="Consolas" pitchFamily="49" charset="0"/>
+              </a:rPr>
+              <a:t>홍길동</a:t>
+            </a:r>
+            <a:r>
+              <a:rPr lang="en-US" altLang="ko-KR" sz="2000">
+                <a:solidFill>
+                  <a:schemeClr val="tx1"/>
+                </a:solidFill>
+                <a:latin typeface="Consolas" pitchFamily="49" charset="0"/>
+                <a:cs typeface="Consolas" pitchFamily="49" charset="0"/>
+              </a:rPr>
+              <a:t>"</a:t>
+            </a:r>
+            <a:endParaRPr lang="ko-KR" altLang="en-US" sz="2000">
+              <a:solidFill>
+                <a:schemeClr val="tx1"/>
+              </a:solidFill>
+              <a:latin typeface="Consolas" pitchFamily="49" charset="0"/>
+              <a:cs typeface="Consolas" pitchFamily="49" charset="0"/>
+            </a:endParaRPr>
+          </a:p>
+        </p:txBody>
+      </p:sp>
+      <p:sp>
+        <p:nvSpPr>
+          <p:cNvPr id="29" name="직사각형 28">
+            <a:extLst>
+              <a:ext uri="{FF2B5EF4-FFF2-40B4-BE49-F238E27FC236}">
+                <a16:creationId xmlns:a16="http://schemas.microsoft.com/office/drawing/2014/main" id="{776AAC90-3C51-40BC-BF57-654E538F9E6C}"/>
+              </a:ext>
+            </a:extLst>
+          </p:cNvPr>
+          <p:cNvSpPr/>
+          <p:nvPr/>
+        </p:nvSpPr>
+        <p:spPr>
+          <a:xfrm>
+            <a:off x="4788024" y="4005064"/>
+            <a:ext cx="1368152" cy="432048"/>
+          </a:xfrm>
+          <a:prstGeom prst="rect">
+            <a:avLst/>
+          </a:prstGeom>
+          <a:solidFill>
+            <a:srgbClr val="FFC000"/>
+          </a:solidFill>
+          <a:ln w="9525"/>
+        </p:spPr>
+        <p:style>
+          <a:lnRef idx="2">
+            <a:schemeClr val="accent1">
+              <a:shade val="50000"/>
+            </a:schemeClr>
+          </a:lnRef>
+          <a:fillRef idx="1">
+            <a:schemeClr val="accent1"/>
+          </a:fillRef>
+          <a:effectRef idx="0">
+            <a:schemeClr val="accent1"/>
+          </a:effectRef>
+          <a:fontRef idx="minor">
+            <a:schemeClr val="lt1"/>
+          </a:fontRef>
+        </p:style>
+        <p:txBody>
+          <a:bodyPr rot="0" spcFirstLastPara="0" vertOverflow="overflow" horzOverflow="overflow" vert="horz" wrap="square" lIns="91440" tIns="45720" rIns="91440" bIns="45720" numCol="1" spcCol="0" rtlCol="0" fromWordArt="0" anchor="ctr" anchorCtr="0" forceAA="0" compatLnSpc="1">
+            <a:prstTxWarp prst="textNoShape">
+              <a:avLst/>
+            </a:prstTxWarp>
+            <a:noAutofit/>
+          </a:bodyPr>
+          <a:lstStyle/>
+          <a:p>
+            <a:pPr algn="ctr"/>
+            <a:r>
+              <a:rPr lang="en-US" altLang="ko-KR" sz="2000">
+                <a:solidFill>
+                  <a:schemeClr val="tx1"/>
+                </a:solidFill>
+                <a:latin typeface="Consolas" pitchFamily="49" charset="0"/>
+                <a:cs typeface="Consolas" pitchFamily="49" charset="0"/>
+              </a:rPr>
+              <a:t>"</a:t>
+            </a:r>
+            <a:r>
+              <a:rPr lang="ko-KR" altLang="en-US" sz="2000">
+                <a:solidFill>
+                  <a:schemeClr val="tx1"/>
+                </a:solidFill>
+                <a:latin typeface="Consolas" pitchFamily="49" charset="0"/>
+                <a:cs typeface="Consolas" pitchFamily="49" charset="0"/>
+              </a:rPr>
+              <a:t>임꺽정</a:t>
+            </a:r>
+            <a:r>
+              <a:rPr lang="en-US" altLang="ko-KR" sz="2000">
+                <a:solidFill>
+                  <a:schemeClr val="tx1"/>
+                </a:solidFill>
+                <a:latin typeface="Consolas" pitchFamily="49" charset="0"/>
+                <a:cs typeface="Consolas" pitchFamily="49" charset="0"/>
+              </a:rPr>
+              <a:t>"</a:t>
+            </a:r>
+            <a:endParaRPr lang="ko-KR" altLang="en-US" sz="2000">
+              <a:solidFill>
+                <a:schemeClr val="tx1"/>
+              </a:solidFill>
+              <a:latin typeface="Consolas" pitchFamily="49" charset="0"/>
+              <a:cs typeface="Consolas" pitchFamily="49" charset="0"/>
+            </a:endParaRPr>
+          </a:p>
+        </p:txBody>
+      </p:sp>
+      <p:cxnSp>
+        <p:nvCxnSpPr>
+          <p:cNvPr id="30" name="연결선: 구부러짐 29">
+            <a:extLst>
+              <a:ext uri="{FF2B5EF4-FFF2-40B4-BE49-F238E27FC236}">
+                <a16:creationId xmlns:a16="http://schemas.microsoft.com/office/drawing/2014/main" id="{CB4EE8B2-67F8-4180-B6D9-65ED59B885F2}"/>
+              </a:ext>
+            </a:extLst>
+          </p:cNvPr>
+          <p:cNvCxnSpPr>
+            <a:cxnSpLocks/>
+            <a:stCxn id="12" idx="2"/>
+            <a:endCxn id="28" idx="0"/>
+          </p:cNvCxnSpPr>
+          <p:nvPr/>
+        </p:nvCxnSpPr>
+        <p:spPr>
+          <a:xfrm rot="16200000" flipH="1">
+            <a:off x="2789802" y="3410998"/>
+            <a:ext cx="864096" cy="324036"/>
+          </a:xfrm>
+          <a:prstGeom prst="curvedConnector3">
+            <a:avLst>
+              <a:gd name="adj1" fmla="val 50000"/>
+            </a:avLst>
+          </a:prstGeom>
+          <a:ln w="19050">
+            <a:solidFill>
+              <a:schemeClr val="tx1"/>
+            </a:solidFill>
+            <a:tailEnd type="triangle"/>
+          </a:ln>
+        </p:spPr>
+        <p:style>
+          <a:lnRef idx="1">
+            <a:schemeClr val="accent1"/>
+          </a:lnRef>
+          <a:fillRef idx="0">
+            <a:schemeClr val="accent1"/>
+          </a:fillRef>
+          <a:effectRef idx="0">
+            <a:schemeClr val="accent1"/>
+          </a:effectRef>
+          <a:fontRef idx="minor">
+            <a:schemeClr val="tx1"/>
+          </a:fontRef>
+        </p:style>
+      </p:cxnSp>
+      <p:cxnSp>
+        <p:nvCxnSpPr>
+          <p:cNvPr id="31" name="연결선: 구부러짐 30">
+            <a:extLst>
+              <a:ext uri="{FF2B5EF4-FFF2-40B4-BE49-F238E27FC236}">
+                <a16:creationId xmlns:a16="http://schemas.microsoft.com/office/drawing/2014/main" id="{73A346EF-83CE-41B5-ABA8-06045678AD09}"/>
+              </a:ext>
+            </a:extLst>
+          </p:cNvPr>
+          <p:cNvCxnSpPr>
+            <a:cxnSpLocks/>
+            <a:stCxn id="8" idx="2"/>
+            <a:endCxn id="29" idx="0"/>
+          </p:cNvCxnSpPr>
+          <p:nvPr/>
+        </p:nvCxnSpPr>
+        <p:spPr>
+          <a:xfrm rot="16200000" flipH="1">
+            <a:off x="4768505" y="3301469"/>
+            <a:ext cx="867130" cy="540060"/>
+          </a:xfrm>
+          <a:prstGeom prst="curvedConnector3">
+            <a:avLst>
+              <a:gd name="adj1" fmla="val 50000"/>
+            </a:avLst>
+          </a:prstGeom>
+          <a:ln w="19050">
+            <a:solidFill>
+              <a:schemeClr val="tx1"/>
+            </a:solidFill>
+            <a:tailEnd type="triangle"/>
+          </a:ln>
+        </p:spPr>
+        <p:style>
+          <a:lnRef idx="1">
+            <a:schemeClr val="accent1"/>
+          </a:lnRef>
+          <a:fillRef idx="0">
+            <a:schemeClr val="accent1"/>
+          </a:fillRef>
+          <a:effectRef idx="0">
+            <a:schemeClr val="accent1"/>
+          </a:effectRef>
+          <a:fontRef idx="minor">
+            <a:schemeClr val="tx1"/>
+          </a:fontRef>
+        </p:style>
+      </p:cxnSp>
+    </p:spTree>
+    <p:extLst>
+      <p:ext uri="{BB962C8B-B14F-4D97-AF65-F5344CB8AC3E}">
+        <p14:creationId xmlns:p14="http://schemas.microsoft.com/office/powerpoint/2010/main" val="4116806391"/>
+      </p:ext>
+    </p:extLst>
+  </p:cSld>
+  <p:clrMapOvr>
+    <a:masterClrMapping/>
+  </p:clrMapOvr>
+</p:sld>
+</file>
+
+<file path=ppt/slides/slide23.xml><?xml version="1.0" encoding="utf-8"?>
+<p:sld xmlns:a="http://schemas.openxmlformats.org/drawingml/2006/main" xmlns:r="http://schemas.openxmlformats.org/officeDocument/2006/relationships" xmlns:p="http://schemas.openxmlformats.org/presentationml/2006/main">
+  <p:cSld>
+    <p:spTree>
+      <p:nvGrpSpPr>
+        <p:cNvPr id="1" name=""/>
+        <p:cNvGrpSpPr/>
+        <p:nvPr/>
+      </p:nvGrpSpPr>
+      <p:grpSpPr>
+        <a:xfrm>
+          <a:off x="0" y="0"/>
+          <a:ext cx="0" cy="0"/>
+          <a:chOff x="0" y="0"/>
+          <a:chExt cx="0" cy="0"/>
+        </a:xfrm>
+      </p:grpSpPr>
+      <p:sp>
+        <p:nvSpPr>
+          <p:cNvPr id="4" name="TextBox 3">
+            <a:extLst>
+              <a:ext uri="{FF2B5EF4-FFF2-40B4-BE49-F238E27FC236}">
+                <a16:creationId xmlns:a16="http://schemas.microsoft.com/office/drawing/2014/main" id="{E6FAF5D6-2BC6-42EA-83CF-A2DFE1A00448}"/>
+              </a:ext>
+            </a:extLst>
+          </p:cNvPr>
+          <p:cNvSpPr txBox="1"/>
+          <p:nvPr/>
+        </p:nvSpPr>
+        <p:spPr>
+          <a:xfrm>
+            <a:off x="323528" y="116632"/>
+            <a:ext cx="3288080" cy="2554545"/>
+          </a:xfrm>
+          <a:prstGeom prst="rect">
+            <a:avLst/>
+          </a:prstGeom>
+          <a:noFill/>
+        </p:spPr>
+        <p:txBody>
+          <a:bodyPr wrap="none" rtlCol="0">
+            <a:spAutoFit/>
+          </a:bodyPr>
+          <a:lstStyle/>
+          <a:p>
+            <a:r>
+              <a:rPr lang="en-US" altLang="ko-KR" sz="2000">
+                <a:latin typeface="Consolas" pitchFamily="49" charset="0"/>
+                <a:cs typeface="Consolas" pitchFamily="49" charset="0"/>
+              </a:rPr>
+              <a:t>typedef struct _node</a:t>
+            </a:r>
+          </a:p>
+          <a:p>
+            <a:r>
+              <a:rPr lang="en-US" altLang="ko-KR" sz="2000">
+                <a:latin typeface="Consolas" pitchFamily="49" charset="0"/>
+                <a:cs typeface="Consolas" pitchFamily="49" charset="0"/>
+              </a:rPr>
+              <a:t>{</a:t>
+            </a:r>
+          </a:p>
+          <a:p>
+            <a:r>
+              <a:rPr lang="en-US" altLang="ko-KR" sz="2000">
+                <a:latin typeface="Consolas" pitchFamily="49" charset="0"/>
+                <a:cs typeface="Consolas" pitchFamily="49" charset="0"/>
+              </a:rPr>
+              <a:t>   void</a:t>
+            </a:r>
+            <a:r>
+              <a:rPr lang="ko-KR" altLang="en-US" sz="2000">
+                <a:latin typeface="Consolas" pitchFamily="49" charset="0"/>
+                <a:cs typeface="Consolas" pitchFamily="49" charset="0"/>
+              </a:rPr>
+              <a:t> </a:t>
+            </a:r>
+            <a:r>
+              <a:rPr lang="en-US" altLang="ko-KR" sz="2000">
+                <a:latin typeface="Consolas" pitchFamily="49" charset="0"/>
+                <a:cs typeface="Consolas" pitchFamily="49" charset="0"/>
+              </a:rPr>
+              <a:t>*data;</a:t>
+            </a:r>
+          </a:p>
+          <a:p>
+            <a:r>
+              <a:rPr lang="en-US" altLang="ko-KR" sz="2000">
+                <a:latin typeface="Consolas" pitchFamily="49" charset="0"/>
+                <a:cs typeface="Consolas" pitchFamily="49" charset="0"/>
+              </a:rPr>
+              <a:t>   struct _node *next;</a:t>
+            </a:r>
+          </a:p>
+          <a:p>
+            <a:r>
+              <a:rPr lang="en-US" altLang="ko-KR" sz="2000">
+                <a:latin typeface="Consolas" pitchFamily="49" charset="0"/>
+                <a:cs typeface="Consolas" pitchFamily="49" charset="0"/>
+              </a:rPr>
+              <a:t>   struct _node *prev;</a:t>
+            </a:r>
+          </a:p>
+          <a:p>
+            <a:r>
+              <a:rPr lang="en-US" altLang="ko-KR" sz="2000">
+                <a:latin typeface="Consolas" pitchFamily="49" charset="0"/>
+                <a:cs typeface="Consolas" pitchFamily="49" charset="0"/>
+              </a:rPr>
+              <a:t>} NODE;</a:t>
+            </a:r>
+          </a:p>
+          <a:p>
+            <a:endParaRPr lang="en-US" altLang="ko-KR" sz="2000">
+              <a:latin typeface="Consolas" pitchFamily="49" charset="0"/>
+              <a:cs typeface="Consolas" pitchFamily="49" charset="0"/>
+            </a:endParaRPr>
+          </a:p>
+          <a:p>
+            <a:endParaRPr lang="en-US" altLang="ko-KR" sz="2000">
+              <a:latin typeface="Consolas" pitchFamily="49" charset="0"/>
+              <a:cs typeface="Consolas" pitchFamily="49" charset="0"/>
+            </a:endParaRPr>
+          </a:p>
+        </p:txBody>
+      </p:sp>
+      <p:sp>
+        <p:nvSpPr>
+          <p:cNvPr id="6" name="직사각형 5">
+            <a:extLst>
+              <a:ext uri="{FF2B5EF4-FFF2-40B4-BE49-F238E27FC236}">
+                <a16:creationId xmlns:a16="http://schemas.microsoft.com/office/drawing/2014/main" id="{014B8F61-B422-4159-9377-12C4F540A8CA}"/>
+              </a:ext>
+            </a:extLst>
+          </p:cNvPr>
+          <p:cNvSpPr/>
+          <p:nvPr/>
+        </p:nvSpPr>
+        <p:spPr>
+          <a:xfrm>
+            <a:off x="1115616" y="2705886"/>
+            <a:ext cx="432048" cy="432048"/>
+          </a:xfrm>
+          <a:prstGeom prst="rect">
+            <a:avLst/>
+          </a:prstGeom>
+          <a:solidFill>
+            <a:srgbClr val="FFC000"/>
+          </a:solidFill>
+          <a:ln w="9525"/>
+        </p:spPr>
+        <p:style>
+          <a:lnRef idx="2">
+            <a:schemeClr val="accent1">
+              <a:shade val="50000"/>
+            </a:schemeClr>
+          </a:lnRef>
+          <a:fillRef idx="1">
+            <a:schemeClr val="accent1"/>
+          </a:fillRef>
+          <a:effectRef idx="0">
+            <a:schemeClr val="accent1"/>
+          </a:effectRef>
+          <a:fontRef idx="minor">
+            <a:schemeClr val="lt1"/>
+          </a:fontRef>
+        </p:style>
+        <p:txBody>
+          <a:bodyPr rot="0" spcFirstLastPara="0" vertOverflow="overflow" horzOverflow="overflow" vert="horz" wrap="square" lIns="91440" tIns="45720" rIns="91440" bIns="45720" numCol="1" spcCol="0" rtlCol="0" fromWordArt="0" anchor="ctr" anchorCtr="0" forceAA="0" compatLnSpc="1">
+            <a:prstTxWarp prst="textNoShape">
+              <a:avLst/>
+            </a:prstTxWarp>
+            <a:noAutofit/>
+          </a:bodyPr>
+          <a:lstStyle/>
+          <a:p>
+            <a:pPr algn="ctr"/>
+            <a:endParaRPr lang="ko-KR" altLang="en-US" sz="2000">
+              <a:solidFill>
+                <a:schemeClr val="tx1"/>
+              </a:solidFill>
+              <a:latin typeface="Consolas" pitchFamily="49" charset="0"/>
+              <a:cs typeface="Consolas" pitchFamily="49" charset="0"/>
+            </a:endParaRPr>
+          </a:p>
+        </p:txBody>
+      </p:sp>
+      <p:sp>
+        <p:nvSpPr>
+          <p:cNvPr id="7" name="직사각형 6">
+            <a:extLst>
+              <a:ext uri="{FF2B5EF4-FFF2-40B4-BE49-F238E27FC236}">
+                <a16:creationId xmlns:a16="http://schemas.microsoft.com/office/drawing/2014/main" id="{5555DD07-C2E3-4472-B9CD-4705707CEC0B}"/>
+              </a:ext>
+            </a:extLst>
+          </p:cNvPr>
+          <p:cNvSpPr/>
+          <p:nvPr/>
+        </p:nvSpPr>
+        <p:spPr>
+          <a:xfrm>
+            <a:off x="1547664" y="2705886"/>
+            <a:ext cx="432048" cy="432048"/>
+          </a:xfrm>
+          <a:prstGeom prst="rect">
+            <a:avLst/>
+          </a:prstGeom>
+          <a:solidFill>
+            <a:srgbClr val="FFFF00"/>
+          </a:solidFill>
+          <a:ln w="9525"/>
+        </p:spPr>
+        <p:style>
+          <a:lnRef idx="2">
+            <a:schemeClr val="accent1">
+              <a:shade val="50000"/>
+            </a:schemeClr>
+          </a:lnRef>
+          <a:fillRef idx="1">
+            <a:schemeClr val="accent1"/>
+          </a:fillRef>
+          <a:effectRef idx="0">
+            <a:schemeClr val="accent1"/>
+          </a:effectRef>
+          <a:fontRef idx="minor">
+            <a:schemeClr val="lt1"/>
+          </a:fontRef>
+        </p:style>
+        <p:txBody>
+          <a:bodyPr rot="0" spcFirstLastPara="0" vertOverflow="overflow" horzOverflow="overflow" vert="horz" wrap="square" lIns="91440" tIns="45720" rIns="91440" bIns="45720" numCol="1" spcCol="0" rtlCol="0" fromWordArt="0" anchor="ctr" anchorCtr="0" forceAA="0" compatLnSpc="1">
+            <a:prstTxWarp prst="textNoShape">
+              <a:avLst/>
+            </a:prstTxWarp>
+            <a:noAutofit/>
+          </a:bodyPr>
+          <a:lstStyle/>
+          <a:p>
+            <a:pPr algn="ctr"/>
+            <a:endParaRPr lang="ko-KR" altLang="en-US" sz="2000">
+              <a:solidFill>
+                <a:schemeClr val="tx1"/>
+              </a:solidFill>
+              <a:latin typeface="Consolas" pitchFamily="49" charset="0"/>
+              <a:cs typeface="Consolas" pitchFamily="49" charset="0"/>
+            </a:endParaRPr>
+          </a:p>
+        </p:txBody>
+      </p:sp>
+      <p:sp>
+        <p:nvSpPr>
+          <p:cNvPr id="9" name="직사각형 8">
+            <a:extLst>
+              <a:ext uri="{FF2B5EF4-FFF2-40B4-BE49-F238E27FC236}">
+                <a16:creationId xmlns:a16="http://schemas.microsoft.com/office/drawing/2014/main" id="{1C228358-F8F5-4EA6-9C23-13373DCB14E9}"/>
+              </a:ext>
+            </a:extLst>
+          </p:cNvPr>
+          <p:cNvSpPr/>
+          <p:nvPr/>
+        </p:nvSpPr>
+        <p:spPr>
+          <a:xfrm>
+            <a:off x="683568" y="2705886"/>
+            <a:ext cx="432048" cy="432048"/>
+          </a:xfrm>
+          <a:prstGeom prst="rect">
+            <a:avLst/>
+          </a:prstGeom>
+          <a:solidFill>
+            <a:srgbClr val="FFFF00"/>
+          </a:solidFill>
+          <a:ln w="9525"/>
+        </p:spPr>
+        <p:style>
+          <a:lnRef idx="2">
+            <a:schemeClr val="accent1">
+              <a:shade val="50000"/>
+            </a:schemeClr>
+          </a:lnRef>
+          <a:fillRef idx="1">
+            <a:schemeClr val="accent1"/>
+          </a:fillRef>
+          <a:effectRef idx="0">
+            <a:schemeClr val="accent1"/>
+          </a:effectRef>
+          <a:fontRef idx="minor">
+            <a:schemeClr val="lt1"/>
+          </a:fontRef>
+        </p:style>
+        <p:txBody>
+          <a:bodyPr rot="0" spcFirstLastPara="0" vertOverflow="overflow" horzOverflow="overflow" vert="horz" wrap="square" lIns="91440" tIns="45720" rIns="91440" bIns="45720" numCol="1" spcCol="0" rtlCol="0" fromWordArt="0" anchor="ctr" anchorCtr="0" forceAA="0" compatLnSpc="1">
+            <a:prstTxWarp prst="textNoShape">
+              <a:avLst/>
+            </a:prstTxWarp>
+            <a:noAutofit/>
+          </a:bodyPr>
+          <a:lstStyle/>
+          <a:p>
+            <a:pPr algn="ctr"/>
+            <a:endParaRPr lang="ko-KR" altLang="en-US" sz="2000">
+              <a:solidFill>
+                <a:schemeClr val="tx1"/>
+              </a:solidFill>
+              <a:latin typeface="Consolas" pitchFamily="49" charset="0"/>
+              <a:cs typeface="Consolas" pitchFamily="49" charset="0"/>
+            </a:endParaRPr>
+          </a:p>
+        </p:txBody>
+      </p:sp>
+      <p:sp>
+        <p:nvSpPr>
+          <p:cNvPr id="8" name="직사각형 7">
+            <a:extLst>
+              <a:ext uri="{FF2B5EF4-FFF2-40B4-BE49-F238E27FC236}">
+                <a16:creationId xmlns:a16="http://schemas.microsoft.com/office/drawing/2014/main" id="{E994D97C-498C-4C94-89D6-E257D7B9FA60}"/>
+              </a:ext>
+            </a:extLst>
+          </p:cNvPr>
+          <p:cNvSpPr/>
+          <p:nvPr/>
+        </p:nvSpPr>
+        <p:spPr>
+          <a:xfrm>
+            <a:off x="4716016" y="2705886"/>
+            <a:ext cx="432048" cy="432048"/>
+          </a:xfrm>
+          <a:prstGeom prst="rect">
+            <a:avLst/>
+          </a:prstGeom>
+          <a:solidFill>
+            <a:srgbClr val="FFC000"/>
+          </a:solidFill>
+          <a:ln w="9525"/>
+        </p:spPr>
+        <p:style>
+          <a:lnRef idx="2">
+            <a:schemeClr val="accent1">
+              <a:shade val="50000"/>
+            </a:schemeClr>
+          </a:lnRef>
+          <a:fillRef idx="1">
+            <a:schemeClr val="accent1"/>
+          </a:fillRef>
+          <a:effectRef idx="0">
+            <a:schemeClr val="accent1"/>
+          </a:effectRef>
+          <a:fontRef idx="minor">
+            <a:schemeClr val="lt1"/>
+          </a:fontRef>
+        </p:style>
+        <p:txBody>
+          <a:bodyPr rot="0" spcFirstLastPara="0" vertOverflow="overflow" horzOverflow="overflow" vert="horz" wrap="square" lIns="91440" tIns="45720" rIns="91440" bIns="45720" numCol="1" spcCol="0" rtlCol="0" fromWordArt="0" anchor="ctr" anchorCtr="0" forceAA="0" compatLnSpc="1">
+            <a:prstTxWarp prst="textNoShape">
+              <a:avLst/>
+            </a:prstTxWarp>
+            <a:noAutofit/>
+          </a:bodyPr>
+          <a:lstStyle/>
+          <a:p>
+            <a:pPr algn="ctr"/>
+            <a:r>
+              <a:rPr lang="en-US" altLang="ko-KR" sz="2000">
+                <a:solidFill>
+                  <a:schemeClr val="tx1"/>
+                </a:solidFill>
+                <a:latin typeface="Consolas" pitchFamily="49" charset="0"/>
+                <a:cs typeface="Consolas" pitchFamily="49" charset="0"/>
+              </a:rPr>
+              <a:t>*</a:t>
+            </a:r>
+            <a:endParaRPr lang="ko-KR" altLang="en-US" sz="2000">
+              <a:solidFill>
+                <a:schemeClr val="tx1"/>
+              </a:solidFill>
+              <a:latin typeface="Consolas" pitchFamily="49" charset="0"/>
+              <a:cs typeface="Consolas" pitchFamily="49" charset="0"/>
+            </a:endParaRPr>
+          </a:p>
+        </p:txBody>
+      </p:sp>
+      <p:sp>
+        <p:nvSpPr>
+          <p:cNvPr id="10" name="직사각형 9">
+            <a:extLst>
+              <a:ext uri="{FF2B5EF4-FFF2-40B4-BE49-F238E27FC236}">
+                <a16:creationId xmlns:a16="http://schemas.microsoft.com/office/drawing/2014/main" id="{A752E4AF-7200-428C-9B46-6F301190666D}"/>
+              </a:ext>
+            </a:extLst>
+          </p:cNvPr>
+          <p:cNvSpPr/>
+          <p:nvPr/>
+        </p:nvSpPr>
+        <p:spPr>
+          <a:xfrm>
+            <a:off x="5148064" y="2705886"/>
+            <a:ext cx="432048" cy="432048"/>
+          </a:xfrm>
+          <a:prstGeom prst="rect">
+            <a:avLst/>
+          </a:prstGeom>
+          <a:solidFill>
+            <a:srgbClr val="FFFF00"/>
+          </a:solidFill>
+          <a:ln w="9525"/>
+        </p:spPr>
+        <p:style>
+          <a:lnRef idx="2">
+            <a:schemeClr val="accent1">
+              <a:shade val="50000"/>
+            </a:schemeClr>
+          </a:lnRef>
+          <a:fillRef idx="1">
+            <a:schemeClr val="accent1"/>
+          </a:fillRef>
+          <a:effectRef idx="0">
+            <a:schemeClr val="accent1"/>
+          </a:effectRef>
+          <a:fontRef idx="minor">
+            <a:schemeClr val="lt1"/>
+          </a:fontRef>
+        </p:style>
+        <p:txBody>
+          <a:bodyPr rot="0" spcFirstLastPara="0" vertOverflow="overflow" horzOverflow="overflow" vert="horz" wrap="square" lIns="91440" tIns="45720" rIns="91440" bIns="45720" numCol="1" spcCol="0" rtlCol="0" fromWordArt="0" anchor="ctr" anchorCtr="0" forceAA="0" compatLnSpc="1">
+            <a:prstTxWarp prst="textNoShape">
+              <a:avLst/>
+            </a:prstTxWarp>
+            <a:noAutofit/>
+          </a:bodyPr>
+          <a:lstStyle/>
+          <a:p>
+            <a:pPr algn="ctr"/>
+            <a:endParaRPr lang="ko-KR" altLang="en-US" sz="2000">
+              <a:solidFill>
+                <a:schemeClr val="tx1"/>
+              </a:solidFill>
+              <a:latin typeface="Consolas" pitchFamily="49" charset="0"/>
+              <a:cs typeface="Consolas" pitchFamily="49" charset="0"/>
+            </a:endParaRPr>
+          </a:p>
+        </p:txBody>
+      </p:sp>
+      <p:sp>
+        <p:nvSpPr>
+          <p:cNvPr id="11" name="직사각형 10">
+            <a:extLst>
+              <a:ext uri="{FF2B5EF4-FFF2-40B4-BE49-F238E27FC236}">
+                <a16:creationId xmlns:a16="http://schemas.microsoft.com/office/drawing/2014/main" id="{6240F660-BBA3-4E2D-A71E-3ADACE5060C6}"/>
+              </a:ext>
+            </a:extLst>
+          </p:cNvPr>
+          <p:cNvSpPr/>
+          <p:nvPr/>
+        </p:nvSpPr>
+        <p:spPr>
+          <a:xfrm>
+            <a:off x="4283968" y="2705886"/>
+            <a:ext cx="432048" cy="432048"/>
+          </a:xfrm>
+          <a:prstGeom prst="rect">
+            <a:avLst/>
+          </a:prstGeom>
+          <a:solidFill>
+            <a:srgbClr val="FFFF00"/>
+          </a:solidFill>
+          <a:ln w="9525"/>
+        </p:spPr>
+        <p:style>
+          <a:lnRef idx="2">
+            <a:schemeClr val="accent1">
+              <a:shade val="50000"/>
+            </a:schemeClr>
+          </a:lnRef>
+          <a:fillRef idx="1">
+            <a:schemeClr val="accent1"/>
+          </a:fillRef>
+          <a:effectRef idx="0">
+            <a:schemeClr val="accent1"/>
+          </a:effectRef>
+          <a:fontRef idx="minor">
+            <a:schemeClr val="lt1"/>
+          </a:fontRef>
+        </p:style>
+        <p:txBody>
+          <a:bodyPr rot="0" spcFirstLastPara="0" vertOverflow="overflow" horzOverflow="overflow" vert="horz" wrap="square" lIns="91440" tIns="45720" rIns="91440" bIns="45720" numCol="1" spcCol="0" rtlCol="0" fromWordArt="0" anchor="ctr" anchorCtr="0" forceAA="0" compatLnSpc="1">
+            <a:prstTxWarp prst="textNoShape">
+              <a:avLst/>
+            </a:prstTxWarp>
+            <a:noAutofit/>
+          </a:bodyPr>
+          <a:lstStyle/>
+          <a:p>
+            <a:pPr algn="ctr"/>
+            <a:endParaRPr lang="ko-KR" altLang="en-US" sz="2000">
+              <a:solidFill>
+                <a:schemeClr val="tx1"/>
+              </a:solidFill>
+              <a:latin typeface="Consolas" pitchFamily="49" charset="0"/>
+              <a:cs typeface="Consolas" pitchFamily="49" charset="0"/>
+            </a:endParaRPr>
+          </a:p>
+        </p:txBody>
+      </p:sp>
+      <p:sp>
+        <p:nvSpPr>
+          <p:cNvPr id="12" name="직사각형 11">
+            <a:extLst>
+              <a:ext uri="{FF2B5EF4-FFF2-40B4-BE49-F238E27FC236}">
+                <a16:creationId xmlns:a16="http://schemas.microsoft.com/office/drawing/2014/main" id="{67167900-CE7B-4FAA-81D0-D63C949BD49D}"/>
+              </a:ext>
+            </a:extLst>
+          </p:cNvPr>
+          <p:cNvSpPr/>
+          <p:nvPr/>
+        </p:nvSpPr>
+        <p:spPr>
+          <a:xfrm>
+            <a:off x="2843808" y="2705886"/>
+            <a:ext cx="432048" cy="432048"/>
+          </a:xfrm>
+          <a:prstGeom prst="rect">
+            <a:avLst/>
+          </a:prstGeom>
+          <a:solidFill>
+            <a:srgbClr val="FFC000"/>
+          </a:solidFill>
+          <a:ln w="9525"/>
+        </p:spPr>
+        <p:style>
+          <a:lnRef idx="2">
+            <a:schemeClr val="accent1">
+              <a:shade val="50000"/>
+            </a:schemeClr>
+          </a:lnRef>
+          <a:fillRef idx="1">
+            <a:schemeClr val="accent1"/>
+          </a:fillRef>
+          <a:effectRef idx="0">
+            <a:schemeClr val="accent1"/>
+          </a:effectRef>
+          <a:fontRef idx="minor">
+            <a:schemeClr val="lt1"/>
+          </a:fontRef>
+        </p:style>
+        <p:txBody>
+          <a:bodyPr rot="0" spcFirstLastPara="0" vertOverflow="overflow" horzOverflow="overflow" vert="horz" wrap="square" lIns="91440" tIns="45720" rIns="91440" bIns="45720" numCol="1" spcCol="0" rtlCol="0" fromWordArt="0" anchor="ctr" anchorCtr="0" forceAA="0" compatLnSpc="1">
+            <a:prstTxWarp prst="textNoShape">
+              <a:avLst/>
+            </a:prstTxWarp>
+            <a:noAutofit/>
+          </a:bodyPr>
+          <a:lstStyle/>
+          <a:p>
+            <a:pPr algn="ctr"/>
+            <a:r>
+              <a:rPr lang="en-US" altLang="ko-KR" sz="2000">
+                <a:solidFill>
+                  <a:schemeClr val="tx1"/>
+                </a:solidFill>
+                <a:latin typeface="Consolas" pitchFamily="49" charset="0"/>
+                <a:cs typeface="Consolas" pitchFamily="49" charset="0"/>
+              </a:rPr>
+              <a:t>*</a:t>
+            </a:r>
+            <a:endParaRPr lang="ko-KR" altLang="en-US" sz="2000">
+              <a:solidFill>
+                <a:schemeClr val="tx1"/>
+              </a:solidFill>
+              <a:latin typeface="Consolas" pitchFamily="49" charset="0"/>
+              <a:cs typeface="Consolas" pitchFamily="49" charset="0"/>
+            </a:endParaRPr>
+          </a:p>
+        </p:txBody>
+      </p:sp>
+      <p:sp>
+        <p:nvSpPr>
+          <p:cNvPr id="13" name="직사각형 12">
+            <a:extLst>
+              <a:ext uri="{FF2B5EF4-FFF2-40B4-BE49-F238E27FC236}">
+                <a16:creationId xmlns:a16="http://schemas.microsoft.com/office/drawing/2014/main" id="{399A45A1-B0A6-4FBF-9A3D-D310D7234005}"/>
+              </a:ext>
+            </a:extLst>
+          </p:cNvPr>
+          <p:cNvSpPr/>
+          <p:nvPr/>
+        </p:nvSpPr>
+        <p:spPr>
+          <a:xfrm>
+            <a:off x="3275856" y="2705886"/>
+            <a:ext cx="432048" cy="432048"/>
+          </a:xfrm>
+          <a:prstGeom prst="rect">
+            <a:avLst/>
+          </a:prstGeom>
+          <a:solidFill>
+            <a:srgbClr val="FFFF00"/>
+          </a:solidFill>
+          <a:ln w="9525"/>
+        </p:spPr>
+        <p:style>
+          <a:lnRef idx="2">
+            <a:schemeClr val="accent1">
+              <a:shade val="50000"/>
+            </a:schemeClr>
+          </a:lnRef>
+          <a:fillRef idx="1">
+            <a:schemeClr val="accent1"/>
+          </a:fillRef>
+          <a:effectRef idx="0">
+            <a:schemeClr val="accent1"/>
+          </a:effectRef>
+          <a:fontRef idx="minor">
+            <a:schemeClr val="lt1"/>
+          </a:fontRef>
+        </p:style>
+        <p:txBody>
+          <a:bodyPr rot="0" spcFirstLastPara="0" vertOverflow="overflow" horzOverflow="overflow" vert="horz" wrap="square" lIns="91440" tIns="45720" rIns="91440" bIns="45720" numCol="1" spcCol="0" rtlCol="0" fromWordArt="0" anchor="ctr" anchorCtr="0" forceAA="0" compatLnSpc="1">
+            <a:prstTxWarp prst="textNoShape">
+              <a:avLst/>
+            </a:prstTxWarp>
+            <a:noAutofit/>
+          </a:bodyPr>
+          <a:lstStyle/>
+          <a:p>
+            <a:pPr algn="ctr"/>
+            <a:endParaRPr lang="ko-KR" altLang="en-US" sz="2000">
+              <a:solidFill>
+                <a:schemeClr val="tx1"/>
+              </a:solidFill>
+              <a:latin typeface="Consolas" pitchFamily="49" charset="0"/>
+              <a:cs typeface="Consolas" pitchFamily="49" charset="0"/>
+            </a:endParaRPr>
+          </a:p>
+        </p:txBody>
+      </p:sp>
+      <p:sp>
+        <p:nvSpPr>
+          <p:cNvPr id="14" name="직사각형 13">
+            <a:extLst>
+              <a:ext uri="{FF2B5EF4-FFF2-40B4-BE49-F238E27FC236}">
+                <a16:creationId xmlns:a16="http://schemas.microsoft.com/office/drawing/2014/main" id="{D523EF21-42A0-48CB-AA54-10FAE1BB8A84}"/>
+              </a:ext>
+            </a:extLst>
+          </p:cNvPr>
+          <p:cNvSpPr/>
+          <p:nvPr/>
+        </p:nvSpPr>
+        <p:spPr>
+          <a:xfrm>
+            <a:off x="2411760" y="2705886"/>
+            <a:ext cx="432048" cy="432048"/>
+          </a:xfrm>
+          <a:prstGeom prst="rect">
+            <a:avLst/>
+          </a:prstGeom>
+          <a:solidFill>
+            <a:srgbClr val="FFFF00"/>
+          </a:solidFill>
+          <a:ln w="9525"/>
+        </p:spPr>
+        <p:style>
+          <a:lnRef idx="2">
+            <a:schemeClr val="accent1">
+              <a:shade val="50000"/>
+            </a:schemeClr>
+          </a:lnRef>
+          <a:fillRef idx="1">
+            <a:schemeClr val="accent1"/>
+          </a:fillRef>
+          <a:effectRef idx="0">
+            <a:schemeClr val="accent1"/>
+          </a:effectRef>
+          <a:fontRef idx="minor">
+            <a:schemeClr val="lt1"/>
+          </a:fontRef>
+        </p:style>
+        <p:txBody>
+          <a:bodyPr rot="0" spcFirstLastPara="0" vertOverflow="overflow" horzOverflow="overflow" vert="horz" wrap="square" lIns="91440" tIns="45720" rIns="91440" bIns="45720" numCol="1" spcCol="0" rtlCol="0" fromWordArt="0" anchor="ctr" anchorCtr="0" forceAA="0" compatLnSpc="1">
+            <a:prstTxWarp prst="textNoShape">
+              <a:avLst/>
+            </a:prstTxWarp>
+            <a:noAutofit/>
+          </a:bodyPr>
+          <a:lstStyle/>
+          <a:p>
+            <a:pPr algn="ctr"/>
+            <a:endParaRPr lang="ko-KR" altLang="en-US" sz="2000">
+              <a:solidFill>
+                <a:schemeClr val="tx1"/>
+              </a:solidFill>
+              <a:latin typeface="Consolas" pitchFamily="49" charset="0"/>
+              <a:cs typeface="Consolas" pitchFamily="49" charset="0"/>
+            </a:endParaRPr>
+          </a:p>
+        </p:txBody>
+      </p:sp>
+      <p:cxnSp>
+        <p:nvCxnSpPr>
+          <p:cNvPr id="15" name="연결선: 구부러짐 14">
+            <a:extLst>
+              <a:ext uri="{FF2B5EF4-FFF2-40B4-BE49-F238E27FC236}">
+                <a16:creationId xmlns:a16="http://schemas.microsoft.com/office/drawing/2014/main" id="{A99B85BC-FDF5-4F6B-BBB4-CD6546B98CC5}"/>
+              </a:ext>
+            </a:extLst>
+          </p:cNvPr>
+          <p:cNvCxnSpPr>
+            <a:cxnSpLocks/>
+          </p:cNvCxnSpPr>
+          <p:nvPr/>
+        </p:nvCxnSpPr>
+        <p:spPr>
+          <a:xfrm rot="16200000" flipH="1">
+            <a:off x="1979712" y="2489863"/>
+            <a:ext cx="216024" cy="648072"/>
+          </a:xfrm>
+          <a:prstGeom prst="curvedConnector4">
+            <a:avLst>
+              <a:gd name="adj1" fmla="val -105822"/>
+              <a:gd name="adj2" fmla="val 66667"/>
+            </a:avLst>
+          </a:prstGeom>
+          <a:ln w="19050">
+            <a:solidFill>
+              <a:schemeClr val="tx1"/>
+            </a:solidFill>
+            <a:tailEnd type="triangle"/>
+          </a:ln>
+        </p:spPr>
+        <p:style>
+          <a:lnRef idx="1">
+            <a:schemeClr val="accent1"/>
+          </a:lnRef>
+          <a:fillRef idx="0">
+            <a:schemeClr val="accent1"/>
+          </a:fillRef>
+          <a:effectRef idx="0">
+            <a:schemeClr val="accent1"/>
+          </a:effectRef>
+          <a:fontRef idx="minor">
+            <a:schemeClr val="tx1"/>
+          </a:fontRef>
+        </p:style>
+      </p:cxnSp>
+      <p:cxnSp>
+        <p:nvCxnSpPr>
+          <p:cNvPr id="16" name="연결선: 구부러짐 15">
+            <a:extLst>
+              <a:ext uri="{FF2B5EF4-FFF2-40B4-BE49-F238E27FC236}">
+                <a16:creationId xmlns:a16="http://schemas.microsoft.com/office/drawing/2014/main" id="{C6D7F1D9-42C7-4626-9870-7E8F989F6714}"/>
+              </a:ext>
+            </a:extLst>
+          </p:cNvPr>
+          <p:cNvCxnSpPr>
+            <a:cxnSpLocks/>
+            <a:stCxn id="11" idx="2"/>
+            <a:endCxn id="13" idx="3"/>
+          </p:cNvCxnSpPr>
+          <p:nvPr/>
+        </p:nvCxnSpPr>
+        <p:spPr>
+          <a:xfrm rot="5400000" flipH="1">
+            <a:off x="3995936" y="2633878"/>
+            <a:ext cx="216024" cy="792088"/>
+          </a:xfrm>
+          <a:prstGeom prst="curvedConnector4">
+            <a:avLst>
+              <a:gd name="adj1" fmla="val -105822"/>
+              <a:gd name="adj2" fmla="val 63636"/>
+            </a:avLst>
+          </a:prstGeom>
+          <a:ln w="19050">
+            <a:solidFill>
+              <a:schemeClr val="tx1"/>
+            </a:solidFill>
+            <a:tailEnd type="triangle"/>
+          </a:ln>
+        </p:spPr>
+        <p:style>
+          <a:lnRef idx="1">
+            <a:schemeClr val="accent1"/>
+          </a:lnRef>
+          <a:fillRef idx="0">
+            <a:schemeClr val="accent1"/>
+          </a:fillRef>
+          <a:effectRef idx="0">
+            <a:schemeClr val="accent1"/>
+          </a:effectRef>
+          <a:fontRef idx="minor">
+            <a:schemeClr val="tx1"/>
+          </a:fontRef>
+        </p:style>
+      </p:cxnSp>
+      <p:cxnSp>
+        <p:nvCxnSpPr>
+          <p:cNvPr id="20" name="연결선: 구부러짐 19">
+            <a:extLst>
+              <a:ext uri="{FF2B5EF4-FFF2-40B4-BE49-F238E27FC236}">
+                <a16:creationId xmlns:a16="http://schemas.microsoft.com/office/drawing/2014/main" id="{629A0AC0-CCBA-44C1-B165-48A452F724DB}"/>
+              </a:ext>
+            </a:extLst>
+          </p:cNvPr>
+          <p:cNvCxnSpPr>
+            <a:cxnSpLocks/>
+          </p:cNvCxnSpPr>
+          <p:nvPr/>
+        </p:nvCxnSpPr>
+        <p:spPr>
+          <a:xfrm rot="16200000" flipH="1">
+            <a:off x="3779912" y="2417855"/>
+            <a:ext cx="216024" cy="792088"/>
+          </a:xfrm>
+          <a:prstGeom prst="curvedConnector4">
+            <a:avLst>
+              <a:gd name="adj1" fmla="val -105822"/>
+              <a:gd name="adj2" fmla="val 63636"/>
+            </a:avLst>
+          </a:prstGeom>
+          <a:ln w="19050">
+            <a:solidFill>
+              <a:schemeClr val="tx1"/>
+            </a:solidFill>
+            <a:tailEnd type="triangle"/>
+          </a:ln>
+        </p:spPr>
+        <p:style>
+          <a:lnRef idx="1">
+            <a:schemeClr val="accent1"/>
+          </a:lnRef>
+          <a:fillRef idx="0">
+            <a:schemeClr val="accent1"/>
+          </a:fillRef>
+          <a:effectRef idx="0">
+            <a:schemeClr val="accent1"/>
+          </a:effectRef>
+          <a:fontRef idx="minor">
+            <a:schemeClr val="tx1"/>
+          </a:fontRef>
+        </p:style>
+      </p:cxnSp>
+      <p:cxnSp>
+        <p:nvCxnSpPr>
+          <p:cNvPr id="25" name="연결선: 구부러짐 24">
+            <a:extLst>
+              <a:ext uri="{FF2B5EF4-FFF2-40B4-BE49-F238E27FC236}">
+                <a16:creationId xmlns:a16="http://schemas.microsoft.com/office/drawing/2014/main" id="{C9E1BCC4-7F3B-432C-B059-96819D35DEB6}"/>
+              </a:ext>
+            </a:extLst>
+          </p:cNvPr>
+          <p:cNvCxnSpPr>
+            <a:cxnSpLocks/>
+            <a:stCxn id="14" idx="2"/>
+            <a:endCxn id="7" idx="3"/>
+          </p:cNvCxnSpPr>
+          <p:nvPr/>
+        </p:nvCxnSpPr>
+        <p:spPr>
+          <a:xfrm rot="5400000" flipH="1">
+            <a:off x="2195736" y="2705886"/>
+            <a:ext cx="216024" cy="648072"/>
+          </a:xfrm>
+          <a:prstGeom prst="curvedConnector4">
+            <a:avLst>
+              <a:gd name="adj1" fmla="val -105822"/>
+              <a:gd name="adj2" fmla="val 66667"/>
+            </a:avLst>
+          </a:prstGeom>
+          <a:ln w="19050">
+            <a:solidFill>
+              <a:schemeClr val="tx1"/>
+            </a:solidFill>
+            <a:tailEnd type="triangle"/>
+          </a:ln>
+        </p:spPr>
+        <p:style>
+          <a:lnRef idx="1">
+            <a:schemeClr val="accent1"/>
+          </a:lnRef>
+          <a:fillRef idx="0">
+            <a:schemeClr val="accent1"/>
+          </a:fillRef>
+          <a:effectRef idx="0">
+            <a:schemeClr val="accent1"/>
+          </a:effectRef>
+          <a:fontRef idx="minor">
+            <a:schemeClr val="tx1"/>
+          </a:fontRef>
+        </p:style>
+      </p:cxnSp>
+      <p:sp>
+        <p:nvSpPr>
+          <p:cNvPr id="21" name="TextBox 20">
+            <a:extLst>
+              <a:ext uri="{FF2B5EF4-FFF2-40B4-BE49-F238E27FC236}">
+                <a16:creationId xmlns:a16="http://schemas.microsoft.com/office/drawing/2014/main" id="{E640B876-D32D-462B-B71C-F72B15BA539B}"/>
+              </a:ext>
+            </a:extLst>
+          </p:cNvPr>
+          <p:cNvSpPr txBox="1"/>
+          <p:nvPr/>
+        </p:nvSpPr>
+        <p:spPr>
+          <a:xfrm>
+            <a:off x="950700" y="2323180"/>
+            <a:ext cx="864096" cy="400110"/>
+          </a:xfrm>
+          <a:prstGeom prst="rect">
+            <a:avLst/>
+          </a:prstGeom>
+          <a:noFill/>
+        </p:spPr>
+        <p:txBody>
+          <a:bodyPr wrap="square" rtlCol="0">
+            <a:spAutoFit/>
+          </a:bodyPr>
+          <a:lstStyle/>
+          <a:p>
+            <a:r>
+              <a:rPr lang="en-US" altLang="ko-KR" sz="2000">
+                <a:latin typeface="Consolas" pitchFamily="49" charset="0"/>
+                <a:cs typeface="Consolas" pitchFamily="49" charset="0"/>
+              </a:rPr>
+              <a:t>head</a:t>
+            </a:r>
+            <a:endParaRPr lang="ko-KR" altLang="en-US" sz="2000">
+              <a:latin typeface="Consolas" pitchFamily="49" charset="0"/>
+              <a:cs typeface="Consolas" pitchFamily="49" charset="0"/>
+            </a:endParaRPr>
+          </a:p>
+        </p:txBody>
+      </p:sp>
+      <p:sp>
+        <p:nvSpPr>
+          <p:cNvPr id="27" name="TextBox 26">
+            <a:extLst>
+              <a:ext uri="{FF2B5EF4-FFF2-40B4-BE49-F238E27FC236}">
+                <a16:creationId xmlns:a16="http://schemas.microsoft.com/office/drawing/2014/main" id="{BA344485-E692-4D3D-993B-E9499A07ADDE}"/>
+              </a:ext>
+            </a:extLst>
+          </p:cNvPr>
+          <p:cNvSpPr txBox="1"/>
+          <p:nvPr/>
+        </p:nvSpPr>
+        <p:spPr>
+          <a:xfrm>
+            <a:off x="5292080" y="116632"/>
+            <a:ext cx="4536504" cy="1323439"/>
+          </a:xfrm>
+          <a:prstGeom prst="rect">
+            <a:avLst/>
+          </a:prstGeom>
+          <a:noFill/>
+        </p:spPr>
+        <p:txBody>
+          <a:bodyPr wrap="square" rtlCol="0">
+            <a:spAutoFit/>
+          </a:bodyPr>
+          <a:lstStyle/>
+          <a:p>
+            <a:r>
+              <a:rPr lang="ko-KR" altLang="en-US" sz="2000">
+                <a:latin typeface="Consolas" pitchFamily="49" charset="0"/>
+                <a:cs typeface="Consolas" pitchFamily="49" charset="0"/>
+              </a:rPr>
+              <a:t>문제점 </a:t>
+            </a:r>
+            <a:r>
+              <a:rPr lang="en-US" altLang="ko-KR" sz="2000">
+                <a:latin typeface="Consolas" pitchFamily="49" charset="0"/>
+                <a:cs typeface="Consolas" pitchFamily="49" charset="0"/>
+              </a:rPr>
+              <a:t>: </a:t>
+            </a:r>
+          </a:p>
+          <a:p>
+            <a:r>
+              <a:rPr lang="en-US" altLang="ko-KR" sz="2000">
+                <a:latin typeface="Consolas" pitchFamily="49" charset="0"/>
+                <a:cs typeface="Consolas" pitchFamily="49" charset="0"/>
+              </a:rPr>
+              <a:t>  loose coupling</a:t>
+            </a:r>
+            <a:r>
+              <a:rPr lang="ko-KR" altLang="en-US" sz="2000">
+                <a:latin typeface="Consolas" pitchFamily="49" charset="0"/>
+                <a:cs typeface="Consolas" pitchFamily="49" charset="0"/>
+              </a:rPr>
+              <a:t>의 문제가 있다</a:t>
+            </a:r>
+            <a:r>
+              <a:rPr lang="en-US" altLang="ko-KR" sz="2000">
+                <a:latin typeface="Consolas" pitchFamily="49" charset="0"/>
+                <a:cs typeface="Consolas" pitchFamily="49" charset="0"/>
+              </a:rPr>
+              <a:t>.</a:t>
+            </a:r>
+          </a:p>
+          <a:p>
+            <a:r>
+              <a:rPr lang="en-US" altLang="ko-KR" sz="2000">
+                <a:latin typeface="Consolas" pitchFamily="49" charset="0"/>
+                <a:cs typeface="Consolas" pitchFamily="49" charset="0"/>
+              </a:rPr>
+              <a:t>  : </a:t>
+            </a:r>
+            <a:r>
+              <a:rPr lang="ko-KR" altLang="en-US" sz="2000">
+                <a:latin typeface="Consolas" pitchFamily="49" charset="0"/>
+                <a:cs typeface="Consolas" pitchFamily="49" charset="0"/>
+              </a:rPr>
+              <a:t>동기화의 문제가 있다</a:t>
+            </a:r>
+            <a:r>
+              <a:rPr lang="en-US" altLang="ko-KR" sz="2000">
+                <a:latin typeface="Consolas" pitchFamily="49" charset="0"/>
+                <a:cs typeface="Consolas" pitchFamily="49" charset="0"/>
+              </a:rPr>
+              <a:t>.  </a:t>
+            </a:r>
+          </a:p>
+          <a:p>
+            <a:endParaRPr lang="en-US" altLang="ko-KR" sz="2000">
+              <a:latin typeface="Consolas" pitchFamily="49" charset="0"/>
+              <a:cs typeface="Consolas" pitchFamily="49" charset="0"/>
+            </a:endParaRPr>
+          </a:p>
+        </p:txBody>
+      </p:sp>
+      <p:sp>
+        <p:nvSpPr>
+          <p:cNvPr id="28" name="직사각형 27">
+            <a:extLst>
+              <a:ext uri="{FF2B5EF4-FFF2-40B4-BE49-F238E27FC236}">
+                <a16:creationId xmlns:a16="http://schemas.microsoft.com/office/drawing/2014/main" id="{B4B3A847-1508-4D05-B05E-6D27047FC01D}"/>
+              </a:ext>
+            </a:extLst>
+          </p:cNvPr>
+          <p:cNvSpPr/>
+          <p:nvPr/>
+        </p:nvSpPr>
+        <p:spPr>
+          <a:xfrm>
+            <a:off x="2627784" y="4005064"/>
+            <a:ext cx="1368152" cy="432048"/>
+          </a:xfrm>
+          <a:prstGeom prst="rect">
+            <a:avLst/>
+          </a:prstGeom>
+          <a:solidFill>
+            <a:srgbClr val="FFC000"/>
+          </a:solidFill>
+          <a:ln w="9525"/>
+        </p:spPr>
+        <p:style>
+          <a:lnRef idx="2">
+            <a:schemeClr val="accent1">
+              <a:shade val="50000"/>
+            </a:schemeClr>
+          </a:lnRef>
+          <a:fillRef idx="1">
+            <a:schemeClr val="accent1"/>
+          </a:fillRef>
+          <a:effectRef idx="0">
+            <a:schemeClr val="accent1"/>
+          </a:effectRef>
+          <a:fontRef idx="minor">
+            <a:schemeClr val="lt1"/>
+          </a:fontRef>
+        </p:style>
+        <p:txBody>
+          <a:bodyPr rot="0" spcFirstLastPara="0" vertOverflow="overflow" horzOverflow="overflow" vert="horz" wrap="square" lIns="91440" tIns="45720" rIns="91440" bIns="45720" numCol="1" spcCol="0" rtlCol="0" fromWordArt="0" anchor="ctr" anchorCtr="0" forceAA="0" compatLnSpc="1">
+            <a:prstTxWarp prst="textNoShape">
+              <a:avLst/>
+            </a:prstTxWarp>
+            <a:noAutofit/>
+          </a:bodyPr>
+          <a:lstStyle/>
+          <a:p>
+            <a:pPr algn="ctr"/>
+            <a:r>
+              <a:rPr lang="en-US" altLang="ko-KR" sz="2000">
+                <a:solidFill>
+                  <a:schemeClr val="tx1"/>
+                </a:solidFill>
+                <a:latin typeface="Consolas" pitchFamily="49" charset="0"/>
+                <a:cs typeface="Consolas" pitchFamily="49" charset="0"/>
+              </a:rPr>
+              <a:t>"</a:t>
+            </a:r>
+            <a:r>
+              <a:rPr lang="ko-KR" altLang="en-US" sz="2000">
+                <a:solidFill>
+                  <a:schemeClr val="tx1"/>
+                </a:solidFill>
+                <a:latin typeface="Consolas" pitchFamily="49" charset="0"/>
+                <a:cs typeface="Consolas" pitchFamily="49" charset="0"/>
+              </a:rPr>
+              <a:t>홍길동</a:t>
+            </a:r>
+            <a:r>
+              <a:rPr lang="en-US" altLang="ko-KR" sz="2000">
+                <a:solidFill>
+                  <a:schemeClr val="tx1"/>
+                </a:solidFill>
+                <a:latin typeface="Consolas" pitchFamily="49" charset="0"/>
+                <a:cs typeface="Consolas" pitchFamily="49" charset="0"/>
+              </a:rPr>
+              <a:t>"</a:t>
+            </a:r>
+            <a:endParaRPr lang="ko-KR" altLang="en-US" sz="2000">
+              <a:solidFill>
+                <a:schemeClr val="tx1"/>
+              </a:solidFill>
+              <a:latin typeface="Consolas" pitchFamily="49" charset="0"/>
+              <a:cs typeface="Consolas" pitchFamily="49" charset="0"/>
+            </a:endParaRPr>
+          </a:p>
+        </p:txBody>
+      </p:sp>
+      <p:sp>
+        <p:nvSpPr>
+          <p:cNvPr id="29" name="직사각형 28">
+            <a:extLst>
+              <a:ext uri="{FF2B5EF4-FFF2-40B4-BE49-F238E27FC236}">
+                <a16:creationId xmlns:a16="http://schemas.microsoft.com/office/drawing/2014/main" id="{776AAC90-3C51-40BC-BF57-654E538F9E6C}"/>
+              </a:ext>
+            </a:extLst>
+          </p:cNvPr>
+          <p:cNvSpPr/>
+          <p:nvPr/>
+        </p:nvSpPr>
+        <p:spPr>
+          <a:xfrm>
+            <a:off x="4788024" y="4005064"/>
+            <a:ext cx="1368152" cy="432048"/>
+          </a:xfrm>
+          <a:prstGeom prst="rect">
+            <a:avLst/>
+          </a:prstGeom>
+          <a:solidFill>
+            <a:srgbClr val="FFC000"/>
+          </a:solidFill>
+          <a:ln w="9525"/>
+        </p:spPr>
+        <p:style>
+          <a:lnRef idx="2">
+            <a:schemeClr val="accent1">
+              <a:shade val="50000"/>
+            </a:schemeClr>
+          </a:lnRef>
+          <a:fillRef idx="1">
+            <a:schemeClr val="accent1"/>
+          </a:fillRef>
+          <a:effectRef idx="0">
+            <a:schemeClr val="accent1"/>
+          </a:effectRef>
+          <a:fontRef idx="minor">
+            <a:schemeClr val="lt1"/>
+          </a:fontRef>
+        </p:style>
+        <p:txBody>
+          <a:bodyPr rot="0" spcFirstLastPara="0" vertOverflow="overflow" horzOverflow="overflow" vert="horz" wrap="square" lIns="91440" tIns="45720" rIns="91440" bIns="45720" numCol="1" spcCol="0" rtlCol="0" fromWordArt="0" anchor="ctr" anchorCtr="0" forceAA="0" compatLnSpc="1">
+            <a:prstTxWarp prst="textNoShape">
+              <a:avLst/>
+            </a:prstTxWarp>
+            <a:noAutofit/>
+          </a:bodyPr>
+          <a:lstStyle/>
+          <a:p>
+            <a:pPr algn="ctr"/>
+            <a:r>
+              <a:rPr lang="en-US" altLang="ko-KR" sz="2000">
+                <a:solidFill>
+                  <a:schemeClr val="tx1"/>
+                </a:solidFill>
+                <a:latin typeface="Consolas" pitchFamily="49" charset="0"/>
+                <a:cs typeface="Consolas" pitchFamily="49" charset="0"/>
+              </a:rPr>
+              <a:t>"</a:t>
+            </a:r>
+            <a:r>
+              <a:rPr lang="ko-KR" altLang="en-US" sz="2000">
+                <a:solidFill>
+                  <a:schemeClr val="tx1"/>
+                </a:solidFill>
+                <a:latin typeface="Consolas" pitchFamily="49" charset="0"/>
+                <a:cs typeface="Consolas" pitchFamily="49" charset="0"/>
+              </a:rPr>
+              <a:t>임꺽정</a:t>
+            </a:r>
+            <a:r>
+              <a:rPr lang="en-US" altLang="ko-KR" sz="2000">
+                <a:solidFill>
+                  <a:schemeClr val="tx1"/>
+                </a:solidFill>
+                <a:latin typeface="Consolas" pitchFamily="49" charset="0"/>
+                <a:cs typeface="Consolas" pitchFamily="49" charset="0"/>
+              </a:rPr>
+              <a:t>"</a:t>
+            </a:r>
+            <a:endParaRPr lang="ko-KR" altLang="en-US" sz="2000">
+              <a:solidFill>
+                <a:schemeClr val="tx1"/>
+              </a:solidFill>
+              <a:latin typeface="Consolas" pitchFamily="49" charset="0"/>
+              <a:cs typeface="Consolas" pitchFamily="49" charset="0"/>
+            </a:endParaRPr>
+          </a:p>
+        </p:txBody>
+      </p:sp>
+      <p:cxnSp>
+        <p:nvCxnSpPr>
+          <p:cNvPr id="30" name="연결선: 구부러짐 29">
+            <a:extLst>
+              <a:ext uri="{FF2B5EF4-FFF2-40B4-BE49-F238E27FC236}">
+                <a16:creationId xmlns:a16="http://schemas.microsoft.com/office/drawing/2014/main" id="{CB4EE8B2-67F8-4180-B6D9-65ED59B885F2}"/>
+              </a:ext>
+            </a:extLst>
+          </p:cNvPr>
+          <p:cNvCxnSpPr>
+            <a:cxnSpLocks/>
+            <a:stCxn id="12" idx="2"/>
+            <a:endCxn id="28" idx="0"/>
+          </p:cNvCxnSpPr>
+          <p:nvPr/>
+        </p:nvCxnSpPr>
+        <p:spPr>
+          <a:xfrm rot="16200000" flipH="1">
+            <a:off x="2752281" y="3445485"/>
+            <a:ext cx="867130" cy="252028"/>
+          </a:xfrm>
+          <a:prstGeom prst="curvedConnector3">
+            <a:avLst>
+              <a:gd name="adj1" fmla="val 50000"/>
+            </a:avLst>
+          </a:prstGeom>
+          <a:ln w="19050">
+            <a:solidFill>
+              <a:schemeClr val="tx1"/>
+            </a:solidFill>
+            <a:tailEnd type="triangle"/>
+          </a:ln>
+        </p:spPr>
+        <p:style>
+          <a:lnRef idx="1">
+            <a:schemeClr val="accent1"/>
+          </a:lnRef>
+          <a:fillRef idx="0">
+            <a:schemeClr val="accent1"/>
+          </a:fillRef>
+          <a:effectRef idx="0">
+            <a:schemeClr val="accent1"/>
+          </a:effectRef>
+          <a:fontRef idx="minor">
+            <a:schemeClr val="tx1"/>
+          </a:fontRef>
+        </p:style>
+      </p:cxnSp>
+      <p:cxnSp>
+        <p:nvCxnSpPr>
+          <p:cNvPr id="31" name="연결선: 구부러짐 30">
+            <a:extLst>
+              <a:ext uri="{FF2B5EF4-FFF2-40B4-BE49-F238E27FC236}">
+                <a16:creationId xmlns:a16="http://schemas.microsoft.com/office/drawing/2014/main" id="{73A346EF-83CE-41B5-ABA8-06045678AD09}"/>
+              </a:ext>
+            </a:extLst>
+          </p:cNvPr>
+          <p:cNvCxnSpPr>
+            <a:cxnSpLocks/>
+            <a:stCxn id="8" idx="2"/>
+            <a:endCxn id="29" idx="0"/>
+          </p:cNvCxnSpPr>
+          <p:nvPr/>
+        </p:nvCxnSpPr>
+        <p:spPr>
+          <a:xfrm rot="16200000" flipH="1">
+            <a:off x="4768505" y="3301469"/>
+            <a:ext cx="867130" cy="540060"/>
+          </a:xfrm>
+          <a:prstGeom prst="curvedConnector3">
+            <a:avLst>
+              <a:gd name="adj1" fmla="val 50000"/>
+            </a:avLst>
+          </a:prstGeom>
+          <a:ln w="19050">
+            <a:solidFill>
+              <a:schemeClr val="tx1"/>
+            </a:solidFill>
+            <a:tailEnd type="triangle"/>
+          </a:ln>
+        </p:spPr>
+        <p:style>
+          <a:lnRef idx="1">
+            <a:schemeClr val="accent1"/>
+          </a:lnRef>
+          <a:fillRef idx="0">
+            <a:schemeClr val="accent1"/>
+          </a:fillRef>
+          <a:effectRef idx="0">
+            <a:schemeClr val="accent1"/>
+          </a:effectRef>
+          <a:fontRef idx="minor">
+            <a:schemeClr val="tx1"/>
+          </a:fontRef>
+        </p:style>
+      </p:cxnSp>
+    </p:spTree>
+    <p:extLst>
+      <p:ext uri="{BB962C8B-B14F-4D97-AF65-F5344CB8AC3E}">
+        <p14:creationId xmlns:p14="http://schemas.microsoft.com/office/powerpoint/2010/main" val="3013077735"/>
+      </p:ext>
+    </p:extLst>
+  </p:cSld>
+  <p:clrMapOvr>
+    <a:masterClrMapping/>
+  </p:clrMapOvr>
+</p:sld>
+</file>
+
+<file path=ppt/slides/slide24.xml><?xml version="1.0" encoding="utf-8"?>
+<p:sld xmlns:a="http://schemas.openxmlformats.org/drawingml/2006/main" xmlns:r="http://schemas.openxmlformats.org/officeDocument/2006/relationships" xmlns:p="http://schemas.openxmlformats.org/presentationml/2006/main">
+  <p:cSld>
+    <p:spTree>
+      <p:nvGrpSpPr>
+        <p:cNvPr id="1" name=""/>
+        <p:cNvGrpSpPr/>
+        <p:nvPr/>
+      </p:nvGrpSpPr>
+      <p:grpSpPr>
+        <a:xfrm>
+          <a:off x="0" y="0"/>
+          <a:ext cx="0" cy="0"/>
+          <a:chOff x="0" y="0"/>
+          <a:chExt cx="0" cy="0"/>
+        </a:xfrm>
+      </p:grpSpPr>
+      <p:sp>
+        <p:nvSpPr>
+          <p:cNvPr id="4" name="TextBox 3">
+            <a:extLst>
+              <a:ext uri="{FF2B5EF4-FFF2-40B4-BE49-F238E27FC236}">
+                <a16:creationId xmlns:a16="http://schemas.microsoft.com/office/drawing/2014/main" id="{E6FAF5D6-2BC6-42EA-83CF-A2DFE1A00448}"/>
+              </a:ext>
+            </a:extLst>
+          </p:cNvPr>
+          <p:cNvSpPr txBox="1"/>
+          <p:nvPr/>
+        </p:nvSpPr>
+        <p:spPr>
+          <a:xfrm>
+            <a:off x="323528" y="116632"/>
+            <a:ext cx="3288080" cy="3477875"/>
+          </a:xfrm>
+          <a:prstGeom prst="rect">
+            <a:avLst/>
+          </a:prstGeom>
+          <a:noFill/>
+        </p:spPr>
+        <p:txBody>
+          <a:bodyPr wrap="none" rtlCol="0">
+            <a:spAutoFit/>
+          </a:bodyPr>
+          <a:lstStyle/>
+          <a:p>
+            <a:r>
+              <a:rPr lang="en-US" altLang="ko-KR" sz="2000">
+                <a:latin typeface="Consolas" pitchFamily="49" charset="0"/>
+                <a:cs typeface="Consolas" pitchFamily="49" charset="0"/>
+              </a:rPr>
+              <a:t>typedef struct _node</a:t>
+            </a:r>
+          </a:p>
+          <a:p>
+            <a:r>
+              <a:rPr lang="en-US" altLang="ko-KR" sz="2000">
+                <a:latin typeface="Consolas" pitchFamily="49" charset="0"/>
+                <a:cs typeface="Consolas" pitchFamily="49" charset="0"/>
+              </a:rPr>
+              <a:t>{</a:t>
+            </a:r>
+          </a:p>
+          <a:p>
+            <a:r>
+              <a:rPr lang="en-US" altLang="ko-KR" sz="2000">
+                <a:latin typeface="Consolas" pitchFamily="49" charset="0"/>
+                <a:cs typeface="Consolas" pitchFamily="49" charset="0"/>
+              </a:rPr>
+              <a:t>   struct _node *next;</a:t>
+            </a:r>
+          </a:p>
+          <a:p>
+            <a:r>
+              <a:rPr lang="en-US" altLang="ko-KR" sz="2000">
+                <a:latin typeface="Consolas" pitchFamily="49" charset="0"/>
+                <a:cs typeface="Consolas" pitchFamily="49" charset="0"/>
+              </a:rPr>
+              <a:t>   struct _node *prev;</a:t>
+            </a:r>
+          </a:p>
+          <a:p>
+            <a:r>
+              <a:rPr lang="en-US" altLang="ko-KR" sz="2000">
+                <a:latin typeface="Consolas" pitchFamily="49" charset="0"/>
+                <a:cs typeface="Consolas" pitchFamily="49" charset="0"/>
+              </a:rPr>
+              <a:t>} NODE;</a:t>
+            </a:r>
+          </a:p>
+          <a:p>
+            <a:endParaRPr lang="en-US" altLang="ko-KR" sz="2000">
+              <a:latin typeface="Consolas" pitchFamily="49" charset="0"/>
+              <a:cs typeface="Consolas" pitchFamily="49" charset="0"/>
+            </a:endParaRPr>
+          </a:p>
+          <a:p>
+            <a:r>
+              <a:rPr lang="en-US" altLang="ko-KR" sz="2000">
+                <a:latin typeface="Consolas" pitchFamily="49" charset="0"/>
+                <a:cs typeface="Consolas" pitchFamily="49" charset="0"/>
+              </a:rPr>
+              <a:t>typedef</a:t>
+            </a:r>
+            <a:r>
+              <a:rPr lang="ko-KR" altLang="en-US" sz="2000">
+                <a:latin typeface="Consolas" pitchFamily="49" charset="0"/>
+                <a:cs typeface="Consolas" pitchFamily="49" charset="0"/>
+              </a:rPr>
+              <a:t> </a:t>
+            </a:r>
+            <a:r>
+              <a:rPr lang="en-US" altLang="ko-KR" sz="2000">
+                <a:latin typeface="Consolas" pitchFamily="49" charset="0"/>
+                <a:cs typeface="Consolas" pitchFamily="49" charset="0"/>
+              </a:rPr>
+              <a:t>struct</a:t>
+            </a:r>
+            <a:r>
+              <a:rPr lang="ko-KR" altLang="en-US" sz="2000">
+                <a:latin typeface="Consolas" pitchFamily="49" charset="0"/>
+                <a:cs typeface="Consolas" pitchFamily="49" charset="0"/>
+              </a:rPr>
+              <a:t> </a:t>
+            </a:r>
+            <a:endParaRPr lang="en-US" altLang="ko-KR" sz="2000">
+              <a:latin typeface="Consolas" pitchFamily="49" charset="0"/>
+              <a:cs typeface="Consolas" pitchFamily="49" charset="0"/>
+            </a:endParaRPr>
+          </a:p>
+          <a:p>
+            <a:r>
+              <a:rPr lang="en-US" altLang="ko-KR" sz="2000">
+                <a:latin typeface="Consolas" pitchFamily="49" charset="0"/>
+                <a:cs typeface="Consolas" pitchFamily="49" charset="0"/>
+              </a:rPr>
+              <a:t>{</a:t>
+            </a:r>
+          </a:p>
+          <a:p>
+            <a:r>
+              <a:rPr lang="en-US" altLang="ko-KR" sz="2000">
+                <a:latin typeface="Consolas" pitchFamily="49" charset="0"/>
+                <a:cs typeface="Consolas" pitchFamily="49" charset="0"/>
+              </a:rPr>
+              <a:t>    char name[20];</a:t>
+            </a:r>
+          </a:p>
+          <a:p>
+            <a:r>
+              <a:rPr lang="en-US" altLang="ko-KR" sz="2000">
+                <a:latin typeface="Consolas" pitchFamily="49" charset="0"/>
+                <a:cs typeface="Consolas" pitchFamily="49" charset="0"/>
+              </a:rPr>
+              <a:t>    NODE list;</a:t>
+            </a:r>
+          </a:p>
+          <a:p>
+            <a:r>
+              <a:rPr lang="en-US" altLang="ko-KR" sz="2000">
+                <a:latin typeface="Consolas" pitchFamily="49" charset="0"/>
+                <a:cs typeface="Consolas" pitchFamily="49" charset="0"/>
+              </a:rPr>
+              <a:t>} SAWON;</a:t>
+            </a:r>
+          </a:p>
+        </p:txBody>
+      </p:sp>
+      <p:sp>
+        <p:nvSpPr>
+          <p:cNvPr id="27" name="TextBox 26">
+            <a:extLst>
+              <a:ext uri="{FF2B5EF4-FFF2-40B4-BE49-F238E27FC236}">
+                <a16:creationId xmlns:a16="http://schemas.microsoft.com/office/drawing/2014/main" id="{BA344485-E692-4D3D-993B-E9499A07ADDE}"/>
+              </a:ext>
+            </a:extLst>
+          </p:cNvPr>
+          <p:cNvSpPr txBox="1"/>
+          <p:nvPr/>
+        </p:nvSpPr>
+        <p:spPr>
+          <a:xfrm>
+            <a:off x="4644008" y="398440"/>
+            <a:ext cx="4536504" cy="2246769"/>
+          </a:xfrm>
+          <a:prstGeom prst="rect">
+            <a:avLst/>
+          </a:prstGeom>
+          <a:noFill/>
+        </p:spPr>
+        <p:txBody>
+          <a:bodyPr wrap="square" rtlCol="0">
+            <a:spAutoFit/>
+          </a:bodyPr>
+          <a:lstStyle/>
+          <a:p>
+            <a:r>
+              <a:rPr lang="ko-KR" altLang="en-US" sz="2000">
+                <a:latin typeface="Consolas" pitchFamily="49" charset="0"/>
+                <a:cs typeface="Consolas" pitchFamily="49" charset="0"/>
+              </a:rPr>
+              <a:t>문제점 </a:t>
+            </a:r>
+            <a:r>
+              <a:rPr lang="en-US" altLang="ko-KR" sz="2000">
+                <a:latin typeface="Consolas" pitchFamily="49" charset="0"/>
+                <a:cs typeface="Consolas" pitchFamily="49" charset="0"/>
+              </a:rPr>
+              <a:t>: </a:t>
+            </a:r>
+          </a:p>
+          <a:p>
+            <a:r>
+              <a:rPr lang="en-US" altLang="ko-KR" sz="2000">
+                <a:latin typeface="Consolas" pitchFamily="49" charset="0"/>
+                <a:cs typeface="Consolas" pitchFamily="49" charset="0"/>
+              </a:rPr>
+              <a:t>  loose coupling</a:t>
+            </a:r>
+            <a:r>
+              <a:rPr lang="ko-KR" altLang="en-US" sz="2000">
+                <a:latin typeface="Consolas" pitchFamily="49" charset="0"/>
+                <a:cs typeface="Consolas" pitchFamily="49" charset="0"/>
+              </a:rPr>
+              <a:t>의 문제가 있다</a:t>
+            </a:r>
+            <a:r>
+              <a:rPr lang="en-US" altLang="ko-KR" sz="2000">
+                <a:latin typeface="Consolas" pitchFamily="49" charset="0"/>
+                <a:cs typeface="Consolas" pitchFamily="49" charset="0"/>
+              </a:rPr>
+              <a:t>.</a:t>
+            </a:r>
+          </a:p>
+          <a:p>
+            <a:r>
+              <a:rPr lang="en-US" altLang="ko-KR" sz="2000">
+                <a:latin typeface="Consolas" pitchFamily="49" charset="0"/>
+                <a:cs typeface="Consolas" pitchFamily="49" charset="0"/>
+              </a:rPr>
+              <a:t>  : </a:t>
+            </a:r>
+            <a:r>
+              <a:rPr lang="ko-KR" altLang="en-US" sz="2000">
+                <a:latin typeface="Consolas" pitchFamily="49" charset="0"/>
+                <a:cs typeface="Consolas" pitchFamily="49" charset="0"/>
+              </a:rPr>
+              <a:t>동기화의 문제가 있다</a:t>
+            </a:r>
+            <a:r>
+              <a:rPr lang="en-US" altLang="ko-KR" sz="2000">
+                <a:latin typeface="Consolas" pitchFamily="49" charset="0"/>
+                <a:cs typeface="Consolas" pitchFamily="49" charset="0"/>
+              </a:rPr>
+              <a:t>.  </a:t>
+            </a:r>
+          </a:p>
+          <a:p>
+            <a:endParaRPr lang="en-US" altLang="ko-KR" sz="2000">
+              <a:latin typeface="Consolas" pitchFamily="49" charset="0"/>
+              <a:cs typeface="Consolas" pitchFamily="49" charset="0"/>
+            </a:endParaRPr>
+          </a:p>
+          <a:p>
+            <a:r>
+              <a:rPr lang="ko-KR" altLang="en-US" sz="2000">
+                <a:latin typeface="Consolas" pitchFamily="49" charset="0"/>
+                <a:cs typeface="Consolas" pitchFamily="49" charset="0"/>
+              </a:rPr>
+              <a:t>해결책 </a:t>
+            </a:r>
+            <a:r>
+              <a:rPr lang="en-US" altLang="ko-KR" sz="2000">
+                <a:latin typeface="Consolas" pitchFamily="49" charset="0"/>
+                <a:cs typeface="Consolas" pitchFamily="49" charset="0"/>
+              </a:rPr>
+              <a:t>: </a:t>
+            </a:r>
+          </a:p>
+          <a:p>
+            <a:r>
+              <a:rPr lang="en-US" altLang="ko-KR" sz="2000">
+                <a:latin typeface="Consolas" pitchFamily="49" charset="0"/>
+                <a:cs typeface="Consolas" pitchFamily="49" charset="0"/>
+              </a:rPr>
+              <a:t>  data</a:t>
+            </a:r>
+            <a:r>
+              <a:rPr lang="ko-KR" altLang="en-US" sz="2000">
+                <a:latin typeface="Consolas" pitchFamily="49" charset="0"/>
+                <a:cs typeface="Consolas" pitchFamily="49" charset="0"/>
+              </a:rPr>
+              <a:t>를 </a:t>
+            </a:r>
+            <a:r>
+              <a:rPr lang="en-US" altLang="ko-KR" sz="2000">
+                <a:latin typeface="Consolas" pitchFamily="49" charset="0"/>
+                <a:cs typeface="Consolas" pitchFamily="49" charset="0"/>
+              </a:rPr>
+              <a:t>list</a:t>
+            </a:r>
+            <a:r>
+              <a:rPr lang="ko-KR" altLang="en-US" sz="2000">
+                <a:latin typeface="Consolas" pitchFamily="49" charset="0"/>
+                <a:cs typeface="Consolas" pitchFamily="49" charset="0"/>
+              </a:rPr>
+              <a:t>에 넣지말고</a:t>
+            </a:r>
+            <a:endParaRPr lang="en-US" altLang="ko-KR" sz="2000">
+              <a:latin typeface="Consolas" pitchFamily="49" charset="0"/>
+              <a:cs typeface="Consolas" pitchFamily="49" charset="0"/>
+            </a:endParaRPr>
+          </a:p>
+          <a:p>
+            <a:r>
+              <a:rPr lang="en-US" altLang="ko-KR" sz="2000">
+                <a:latin typeface="Consolas" pitchFamily="49" charset="0"/>
+                <a:cs typeface="Consolas" pitchFamily="49" charset="0"/>
+              </a:rPr>
+              <a:t>  list</a:t>
+            </a:r>
+            <a:r>
+              <a:rPr lang="ko-KR" altLang="en-US" sz="2000">
+                <a:latin typeface="Consolas" pitchFamily="49" charset="0"/>
+                <a:cs typeface="Consolas" pitchFamily="49" charset="0"/>
+              </a:rPr>
+              <a:t>를 </a:t>
+            </a:r>
+            <a:r>
+              <a:rPr lang="en-US" altLang="ko-KR" sz="2000">
+                <a:latin typeface="Consolas" pitchFamily="49" charset="0"/>
+                <a:cs typeface="Consolas" pitchFamily="49" charset="0"/>
+              </a:rPr>
+              <a:t>data</a:t>
+            </a:r>
+            <a:r>
+              <a:rPr lang="ko-KR" altLang="en-US" sz="2000">
+                <a:latin typeface="Consolas" pitchFamily="49" charset="0"/>
+                <a:cs typeface="Consolas" pitchFamily="49" charset="0"/>
+              </a:rPr>
+              <a:t>에 넣어라</a:t>
+            </a:r>
+            <a:r>
+              <a:rPr lang="en-US" altLang="ko-KR" sz="2000">
+                <a:latin typeface="Consolas" pitchFamily="49" charset="0"/>
+                <a:cs typeface="Consolas" pitchFamily="49" charset="0"/>
+              </a:rPr>
+              <a:t>.</a:t>
+            </a:r>
+            <a:endParaRPr lang="ko-KR" altLang="en-US" sz="2000">
+              <a:latin typeface="Consolas" pitchFamily="49" charset="0"/>
+              <a:cs typeface="Consolas" pitchFamily="49" charset="0"/>
+            </a:endParaRPr>
+          </a:p>
+        </p:txBody>
+      </p:sp>
+      <p:sp>
+        <p:nvSpPr>
+          <p:cNvPr id="34" name="직사각형 33">
+            <a:extLst>
+              <a:ext uri="{FF2B5EF4-FFF2-40B4-BE49-F238E27FC236}">
+                <a16:creationId xmlns:a16="http://schemas.microsoft.com/office/drawing/2014/main" id="{8FC1D7BA-7740-40AB-B70D-0BBF77E1D269}"/>
+              </a:ext>
+            </a:extLst>
+          </p:cNvPr>
+          <p:cNvSpPr/>
+          <p:nvPr/>
+        </p:nvSpPr>
+        <p:spPr>
+          <a:xfrm>
+            <a:off x="1043608" y="4005064"/>
+            <a:ext cx="1368152" cy="360040"/>
+          </a:xfrm>
+          <a:prstGeom prst="rect">
+            <a:avLst/>
+          </a:prstGeom>
+          <a:solidFill>
+            <a:srgbClr val="FFC000"/>
+          </a:solidFill>
+          <a:ln w="9525"/>
+        </p:spPr>
+        <p:style>
+          <a:lnRef idx="2">
+            <a:schemeClr val="accent1">
+              <a:shade val="50000"/>
+            </a:schemeClr>
+          </a:lnRef>
+          <a:fillRef idx="1">
+            <a:schemeClr val="accent1"/>
+          </a:fillRef>
+          <a:effectRef idx="0">
+            <a:schemeClr val="accent1"/>
+          </a:effectRef>
+          <a:fontRef idx="minor">
+            <a:schemeClr val="lt1"/>
+          </a:fontRef>
+        </p:style>
+        <p:txBody>
+          <a:bodyPr rot="0" spcFirstLastPara="0" vertOverflow="overflow" horzOverflow="overflow" vert="horz" wrap="square" lIns="91440" tIns="45720" rIns="91440" bIns="45720" numCol="1" spcCol="0" rtlCol="0" fromWordArt="0" anchor="ctr" anchorCtr="0" forceAA="0" compatLnSpc="1">
+            <a:prstTxWarp prst="textNoShape">
+              <a:avLst/>
+            </a:prstTxWarp>
+            <a:noAutofit/>
+          </a:bodyPr>
+          <a:lstStyle/>
+          <a:p>
+            <a:pPr algn="ctr"/>
+            <a:r>
+              <a:rPr lang="en-US" altLang="ko-KR" sz="2000">
+                <a:solidFill>
+                  <a:schemeClr val="tx1"/>
+                </a:solidFill>
+                <a:latin typeface="Consolas" pitchFamily="49" charset="0"/>
+                <a:cs typeface="Consolas" pitchFamily="49" charset="0"/>
+              </a:rPr>
+              <a:t>"</a:t>
+            </a:r>
+            <a:r>
+              <a:rPr lang="ko-KR" altLang="en-US" sz="2000">
+                <a:solidFill>
+                  <a:schemeClr val="tx1"/>
+                </a:solidFill>
+                <a:latin typeface="Consolas" pitchFamily="49" charset="0"/>
+                <a:cs typeface="Consolas" pitchFamily="49" charset="0"/>
+              </a:rPr>
+              <a:t>홍길동</a:t>
+            </a:r>
+            <a:r>
+              <a:rPr lang="en-US" altLang="ko-KR" sz="2000">
+                <a:solidFill>
+                  <a:schemeClr val="tx1"/>
+                </a:solidFill>
+                <a:latin typeface="Consolas" pitchFamily="49" charset="0"/>
+                <a:cs typeface="Consolas" pitchFamily="49" charset="0"/>
+              </a:rPr>
+              <a:t>"</a:t>
+            </a:r>
+            <a:endParaRPr lang="ko-KR" altLang="en-US" sz="2000">
+              <a:solidFill>
+                <a:schemeClr val="tx1"/>
+              </a:solidFill>
+              <a:latin typeface="Consolas" pitchFamily="49" charset="0"/>
+              <a:cs typeface="Consolas" pitchFamily="49" charset="0"/>
+            </a:endParaRPr>
+          </a:p>
+        </p:txBody>
+      </p:sp>
+      <p:sp>
+        <p:nvSpPr>
+          <p:cNvPr id="35" name="직사각형 34">
+            <a:extLst>
+              <a:ext uri="{FF2B5EF4-FFF2-40B4-BE49-F238E27FC236}">
+                <a16:creationId xmlns:a16="http://schemas.microsoft.com/office/drawing/2014/main" id="{3E5BFD16-C41B-4BFA-8206-DDB2ACD19425}"/>
+              </a:ext>
+            </a:extLst>
+          </p:cNvPr>
+          <p:cNvSpPr/>
+          <p:nvPr/>
+        </p:nvSpPr>
+        <p:spPr>
+          <a:xfrm>
+            <a:off x="1043608" y="4365104"/>
+            <a:ext cx="1368152" cy="360040"/>
+          </a:xfrm>
+          <a:prstGeom prst="rect">
+            <a:avLst/>
+          </a:prstGeom>
+          <a:solidFill>
+            <a:srgbClr val="FFFF00"/>
+          </a:solidFill>
+          <a:ln w="9525"/>
+        </p:spPr>
+        <p:style>
+          <a:lnRef idx="2">
+            <a:schemeClr val="accent1">
+              <a:shade val="50000"/>
+            </a:schemeClr>
+          </a:lnRef>
+          <a:fillRef idx="1">
+            <a:schemeClr val="accent1"/>
+          </a:fillRef>
+          <a:effectRef idx="0">
+            <a:schemeClr val="accent1"/>
+          </a:effectRef>
+          <a:fontRef idx="minor">
+            <a:schemeClr val="lt1"/>
+          </a:fontRef>
+        </p:style>
+        <p:txBody>
+          <a:bodyPr rot="0" spcFirstLastPara="0" vertOverflow="overflow" horzOverflow="overflow" vert="horz" wrap="square" lIns="91440" tIns="45720" rIns="91440" bIns="45720" numCol="1" spcCol="0" rtlCol="0" fromWordArt="0" anchor="ctr" anchorCtr="0" forceAA="0" compatLnSpc="1">
+            <a:prstTxWarp prst="textNoShape">
+              <a:avLst/>
+            </a:prstTxWarp>
+            <a:noAutofit/>
+          </a:bodyPr>
+          <a:lstStyle/>
+          <a:p>
+            <a:pPr algn="ctr"/>
+            <a:endParaRPr lang="ko-KR" altLang="en-US" sz="2000">
+              <a:solidFill>
+                <a:schemeClr val="tx1"/>
+              </a:solidFill>
+              <a:latin typeface="Consolas" pitchFamily="49" charset="0"/>
+              <a:cs typeface="Consolas" pitchFamily="49" charset="0"/>
+            </a:endParaRPr>
+          </a:p>
+        </p:txBody>
+      </p:sp>
+      <p:sp>
+        <p:nvSpPr>
+          <p:cNvPr id="36" name="직사각형 35">
+            <a:extLst>
+              <a:ext uri="{FF2B5EF4-FFF2-40B4-BE49-F238E27FC236}">
+                <a16:creationId xmlns:a16="http://schemas.microsoft.com/office/drawing/2014/main" id="{8E8D11EF-D2A6-49BA-B95C-42C20B7531A9}"/>
+              </a:ext>
+            </a:extLst>
+          </p:cNvPr>
+          <p:cNvSpPr/>
+          <p:nvPr/>
+        </p:nvSpPr>
+        <p:spPr>
+          <a:xfrm>
+            <a:off x="1043608" y="4725144"/>
+            <a:ext cx="1368152" cy="360040"/>
+          </a:xfrm>
+          <a:prstGeom prst="rect">
+            <a:avLst/>
+          </a:prstGeom>
+          <a:solidFill>
+            <a:srgbClr val="FFFF00"/>
+          </a:solidFill>
+          <a:ln w="9525"/>
+        </p:spPr>
+        <p:style>
+          <a:lnRef idx="2">
+            <a:schemeClr val="accent1">
+              <a:shade val="50000"/>
+            </a:schemeClr>
+          </a:lnRef>
+          <a:fillRef idx="1">
+            <a:schemeClr val="accent1"/>
+          </a:fillRef>
+          <a:effectRef idx="0">
+            <a:schemeClr val="accent1"/>
+          </a:effectRef>
+          <a:fontRef idx="minor">
+            <a:schemeClr val="lt1"/>
+          </a:fontRef>
+        </p:style>
+        <p:txBody>
+          <a:bodyPr rot="0" spcFirstLastPara="0" vertOverflow="overflow" horzOverflow="overflow" vert="horz" wrap="square" lIns="91440" tIns="45720" rIns="91440" bIns="45720" numCol="1" spcCol="0" rtlCol="0" fromWordArt="0" anchor="ctr" anchorCtr="0" forceAA="0" compatLnSpc="1">
+            <a:prstTxWarp prst="textNoShape">
+              <a:avLst/>
+            </a:prstTxWarp>
+            <a:noAutofit/>
+          </a:bodyPr>
+          <a:lstStyle/>
+          <a:p>
+            <a:pPr algn="ctr"/>
+            <a:endParaRPr lang="ko-KR" altLang="en-US" sz="2000">
+              <a:solidFill>
+                <a:schemeClr val="tx1"/>
+              </a:solidFill>
+              <a:latin typeface="Consolas" pitchFamily="49" charset="0"/>
+              <a:cs typeface="Consolas" pitchFamily="49" charset="0"/>
+            </a:endParaRPr>
+          </a:p>
+        </p:txBody>
+      </p:sp>
+      <p:sp>
+        <p:nvSpPr>
+          <p:cNvPr id="37" name="TextBox 36">
+            <a:extLst>
+              <a:ext uri="{FF2B5EF4-FFF2-40B4-BE49-F238E27FC236}">
+                <a16:creationId xmlns:a16="http://schemas.microsoft.com/office/drawing/2014/main" id="{CCE8C149-88E7-468A-9324-277197CE1AC2}"/>
+              </a:ext>
+            </a:extLst>
+          </p:cNvPr>
+          <p:cNvSpPr txBox="1"/>
+          <p:nvPr/>
+        </p:nvSpPr>
+        <p:spPr>
+          <a:xfrm>
+            <a:off x="236761" y="3972894"/>
+            <a:ext cx="748923" cy="400110"/>
+          </a:xfrm>
+          <a:prstGeom prst="rect">
+            <a:avLst/>
+          </a:prstGeom>
+          <a:noFill/>
+        </p:spPr>
+        <p:txBody>
+          <a:bodyPr wrap="none" rtlCol="0">
+            <a:spAutoFit/>
+          </a:bodyPr>
+          <a:lstStyle/>
+          <a:p>
+            <a:r>
+              <a:rPr lang="en-US" altLang="ko-KR" sz="2000">
+                <a:latin typeface="Consolas" pitchFamily="49" charset="0"/>
+                <a:cs typeface="Consolas" pitchFamily="49" charset="0"/>
+              </a:rPr>
+              <a:t>name</a:t>
+            </a:r>
+            <a:endParaRPr lang="ko-KR" altLang="en-US" sz="2000">
+              <a:latin typeface="Consolas" pitchFamily="49" charset="0"/>
+              <a:cs typeface="Consolas" pitchFamily="49" charset="0"/>
+            </a:endParaRPr>
+          </a:p>
+        </p:txBody>
+      </p:sp>
+      <p:sp>
+        <p:nvSpPr>
+          <p:cNvPr id="38" name="TextBox 37">
+            <a:extLst>
+              <a:ext uri="{FF2B5EF4-FFF2-40B4-BE49-F238E27FC236}">
+                <a16:creationId xmlns:a16="http://schemas.microsoft.com/office/drawing/2014/main" id="{DBE69287-8AAA-4379-B325-139C12B738D5}"/>
+              </a:ext>
+            </a:extLst>
+          </p:cNvPr>
+          <p:cNvSpPr txBox="1"/>
+          <p:nvPr/>
+        </p:nvSpPr>
+        <p:spPr>
+          <a:xfrm>
+            <a:off x="-468560" y="4327809"/>
+            <a:ext cx="1454244" cy="400110"/>
+          </a:xfrm>
+          <a:prstGeom prst="rect">
+            <a:avLst/>
+          </a:prstGeom>
+          <a:noFill/>
+        </p:spPr>
+        <p:txBody>
+          <a:bodyPr wrap="none" rtlCol="0">
+            <a:spAutoFit/>
+          </a:bodyPr>
+          <a:lstStyle/>
+          <a:p>
+            <a:r>
+              <a:rPr lang="en-US" altLang="ko-KR" sz="2000">
+                <a:latin typeface="Consolas" pitchFamily="49" charset="0"/>
+                <a:cs typeface="Consolas" pitchFamily="49" charset="0"/>
+              </a:rPr>
+              <a:t>list.next</a:t>
+            </a:r>
+            <a:endParaRPr lang="ko-KR" altLang="en-US" sz="2000">
+              <a:latin typeface="Consolas" pitchFamily="49" charset="0"/>
+              <a:cs typeface="Consolas" pitchFamily="49" charset="0"/>
+            </a:endParaRPr>
+          </a:p>
+        </p:txBody>
+      </p:sp>
+      <p:sp>
+        <p:nvSpPr>
+          <p:cNvPr id="39" name="TextBox 38">
+            <a:extLst>
+              <a:ext uri="{FF2B5EF4-FFF2-40B4-BE49-F238E27FC236}">
+                <a16:creationId xmlns:a16="http://schemas.microsoft.com/office/drawing/2014/main" id="{24448B2B-6CB1-4C64-8CF1-CEFF0D89F752}"/>
+              </a:ext>
+            </a:extLst>
+          </p:cNvPr>
+          <p:cNvSpPr txBox="1"/>
+          <p:nvPr/>
+        </p:nvSpPr>
+        <p:spPr>
+          <a:xfrm>
+            <a:off x="-468560" y="4691301"/>
+            <a:ext cx="1454244" cy="400110"/>
+          </a:xfrm>
+          <a:prstGeom prst="rect">
+            <a:avLst/>
+          </a:prstGeom>
+          <a:noFill/>
+        </p:spPr>
+        <p:txBody>
+          <a:bodyPr wrap="none" rtlCol="0">
+            <a:spAutoFit/>
+          </a:bodyPr>
+          <a:lstStyle/>
+          <a:p>
+            <a:r>
+              <a:rPr lang="en-US" altLang="ko-KR" sz="2000">
+                <a:latin typeface="Consolas" pitchFamily="49" charset="0"/>
+                <a:cs typeface="Consolas" pitchFamily="49" charset="0"/>
+              </a:rPr>
+              <a:t>list.prev</a:t>
+            </a:r>
+            <a:endParaRPr lang="ko-KR" altLang="en-US" sz="2000">
+              <a:latin typeface="Consolas" pitchFamily="49" charset="0"/>
+              <a:cs typeface="Consolas" pitchFamily="49" charset="0"/>
+            </a:endParaRPr>
+          </a:p>
+        </p:txBody>
+      </p:sp>
+      <p:sp>
+        <p:nvSpPr>
+          <p:cNvPr id="40" name="직사각형 39">
+            <a:extLst>
+              <a:ext uri="{FF2B5EF4-FFF2-40B4-BE49-F238E27FC236}">
+                <a16:creationId xmlns:a16="http://schemas.microsoft.com/office/drawing/2014/main" id="{13FFE26A-6DD2-46AE-A359-6DC992E1BF74}"/>
+              </a:ext>
+            </a:extLst>
+          </p:cNvPr>
+          <p:cNvSpPr/>
+          <p:nvPr/>
+        </p:nvSpPr>
+        <p:spPr>
+          <a:xfrm>
+            <a:off x="3491880" y="4028753"/>
+            <a:ext cx="1368152" cy="360040"/>
+          </a:xfrm>
+          <a:prstGeom prst="rect">
+            <a:avLst/>
+          </a:prstGeom>
+          <a:solidFill>
+            <a:srgbClr val="FFC000"/>
+          </a:solidFill>
+          <a:ln w="9525"/>
+        </p:spPr>
+        <p:style>
+          <a:lnRef idx="2">
+            <a:schemeClr val="accent1">
+              <a:shade val="50000"/>
+            </a:schemeClr>
+          </a:lnRef>
+          <a:fillRef idx="1">
+            <a:schemeClr val="accent1"/>
+          </a:fillRef>
+          <a:effectRef idx="0">
+            <a:schemeClr val="accent1"/>
+          </a:effectRef>
+          <a:fontRef idx="minor">
+            <a:schemeClr val="lt1"/>
+          </a:fontRef>
+        </p:style>
+        <p:txBody>
+          <a:bodyPr rot="0" spcFirstLastPara="0" vertOverflow="overflow" horzOverflow="overflow" vert="horz" wrap="square" lIns="91440" tIns="45720" rIns="91440" bIns="45720" numCol="1" spcCol="0" rtlCol="0" fromWordArt="0" anchor="ctr" anchorCtr="0" forceAA="0" compatLnSpc="1">
+            <a:prstTxWarp prst="textNoShape">
+              <a:avLst/>
+            </a:prstTxWarp>
+            <a:noAutofit/>
+          </a:bodyPr>
+          <a:lstStyle/>
+          <a:p>
+            <a:pPr algn="ctr"/>
+            <a:r>
+              <a:rPr lang="en-US" altLang="ko-KR" sz="2000">
+                <a:solidFill>
+                  <a:schemeClr val="tx1"/>
+                </a:solidFill>
+                <a:latin typeface="Consolas" pitchFamily="49" charset="0"/>
+                <a:cs typeface="Consolas" pitchFamily="49" charset="0"/>
+              </a:rPr>
+              <a:t>"</a:t>
+            </a:r>
+            <a:r>
+              <a:rPr lang="ko-KR" altLang="en-US" sz="2000">
+                <a:solidFill>
+                  <a:schemeClr val="tx1"/>
+                </a:solidFill>
+                <a:latin typeface="Consolas" pitchFamily="49" charset="0"/>
+                <a:cs typeface="Consolas" pitchFamily="49" charset="0"/>
+              </a:rPr>
+              <a:t>임꺽정</a:t>
+            </a:r>
+            <a:r>
+              <a:rPr lang="en-US" altLang="ko-KR" sz="2000">
+                <a:solidFill>
+                  <a:schemeClr val="tx1"/>
+                </a:solidFill>
+                <a:latin typeface="Consolas" pitchFamily="49" charset="0"/>
+                <a:cs typeface="Consolas" pitchFamily="49" charset="0"/>
+              </a:rPr>
+              <a:t>"</a:t>
+            </a:r>
+            <a:endParaRPr lang="ko-KR" altLang="en-US" sz="2000">
+              <a:solidFill>
+                <a:schemeClr val="tx1"/>
+              </a:solidFill>
+              <a:latin typeface="Consolas" pitchFamily="49" charset="0"/>
+              <a:cs typeface="Consolas" pitchFamily="49" charset="0"/>
+            </a:endParaRPr>
+          </a:p>
+        </p:txBody>
+      </p:sp>
+      <p:sp>
+        <p:nvSpPr>
+          <p:cNvPr id="41" name="직사각형 40">
+            <a:extLst>
+              <a:ext uri="{FF2B5EF4-FFF2-40B4-BE49-F238E27FC236}">
+                <a16:creationId xmlns:a16="http://schemas.microsoft.com/office/drawing/2014/main" id="{17D90E41-4CA0-4698-8ABA-CB0641C64377}"/>
+              </a:ext>
+            </a:extLst>
+          </p:cNvPr>
+          <p:cNvSpPr/>
+          <p:nvPr/>
+        </p:nvSpPr>
+        <p:spPr>
+          <a:xfrm>
+            <a:off x="3491880" y="4388793"/>
+            <a:ext cx="1368152" cy="360040"/>
+          </a:xfrm>
+          <a:prstGeom prst="rect">
+            <a:avLst/>
+          </a:prstGeom>
+          <a:solidFill>
+            <a:srgbClr val="FFFF00"/>
+          </a:solidFill>
+          <a:ln w="9525"/>
+        </p:spPr>
+        <p:style>
+          <a:lnRef idx="2">
+            <a:schemeClr val="accent1">
+              <a:shade val="50000"/>
+            </a:schemeClr>
+          </a:lnRef>
+          <a:fillRef idx="1">
+            <a:schemeClr val="accent1"/>
+          </a:fillRef>
+          <a:effectRef idx="0">
+            <a:schemeClr val="accent1"/>
+          </a:effectRef>
+          <a:fontRef idx="minor">
+            <a:schemeClr val="lt1"/>
+          </a:fontRef>
+        </p:style>
+        <p:txBody>
+          <a:bodyPr rot="0" spcFirstLastPara="0" vertOverflow="overflow" horzOverflow="overflow" vert="horz" wrap="square" lIns="91440" tIns="45720" rIns="91440" bIns="45720" numCol="1" spcCol="0" rtlCol="0" fromWordArt="0" anchor="ctr" anchorCtr="0" forceAA="0" compatLnSpc="1">
+            <a:prstTxWarp prst="textNoShape">
+              <a:avLst/>
+            </a:prstTxWarp>
+            <a:noAutofit/>
+          </a:bodyPr>
+          <a:lstStyle/>
+          <a:p>
+            <a:pPr algn="ctr"/>
+            <a:endParaRPr lang="ko-KR" altLang="en-US" sz="2000">
+              <a:solidFill>
+                <a:schemeClr val="tx1"/>
+              </a:solidFill>
+              <a:latin typeface="Consolas" pitchFamily="49" charset="0"/>
+              <a:cs typeface="Consolas" pitchFamily="49" charset="0"/>
+            </a:endParaRPr>
+          </a:p>
+        </p:txBody>
+      </p:sp>
+      <p:sp>
+        <p:nvSpPr>
+          <p:cNvPr id="42" name="직사각형 41">
+            <a:extLst>
+              <a:ext uri="{FF2B5EF4-FFF2-40B4-BE49-F238E27FC236}">
+                <a16:creationId xmlns:a16="http://schemas.microsoft.com/office/drawing/2014/main" id="{FAD63F95-4328-47EC-ACB2-6E85007EB85B}"/>
+              </a:ext>
+            </a:extLst>
+          </p:cNvPr>
+          <p:cNvSpPr/>
+          <p:nvPr/>
+        </p:nvSpPr>
+        <p:spPr>
+          <a:xfrm>
+            <a:off x="3491880" y="4748833"/>
+            <a:ext cx="1368152" cy="360040"/>
+          </a:xfrm>
+          <a:prstGeom prst="rect">
+            <a:avLst/>
+          </a:prstGeom>
+          <a:solidFill>
+            <a:srgbClr val="FFFF00"/>
+          </a:solidFill>
+          <a:ln w="9525"/>
+        </p:spPr>
+        <p:style>
+          <a:lnRef idx="2">
+            <a:schemeClr val="accent1">
+              <a:shade val="50000"/>
+            </a:schemeClr>
+          </a:lnRef>
+          <a:fillRef idx="1">
+            <a:schemeClr val="accent1"/>
+          </a:fillRef>
+          <a:effectRef idx="0">
+            <a:schemeClr val="accent1"/>
+          </a:effectRef>
+          <a:fontRef idx="minor">
+            <a:schemeClr val="lt1"/>
+          </a:fontRef>
+        </p:style>
+        <p:txBody>
+          <a:bodyPr rot="0" spcFirstLastPara="0" vertOverflow="overflow" horzOverflow="overflow" vert="horz" wrap="square" lIns="91440" tIns="45720" rIns="91440" bIns="45720" numCol="1" spcCol="0" rtlCol="0" fromWordArt="0" anchor="ctr" anchorCtr="0" forceAA="0" compatLnSpc="1">
+            <a:prstTxWarp prst="textNoShape">
+              <a:avLst/>
+            </a:prstTxWarp>
+            <a:noAutofit/>
+          </a:bodyPr>
+          <a:lstStyle/>
+          <a:p>
+            <a:pPr algn="ctr"/>
+            <a:endParaRPr lang="ko-KR" altLang="en-US" sz="2000">
+              <a:solidFill>
+                <a:schemeClr val="tx1"/>
+              </a:solidFill>
+              <a:latin typeface="Consolas" pitchFamily="49" charset="0"/>
+              <a:cs typeface="Consolas" pitchFamily="49" charset="0"/>
+            </a:endParaRPr>
+          </a:p>
+        </p:txBody>
+      </p:sp>
+      <p:cxnSp>
+        <p:nvCxnSpPr>
+          <p:cNvPr id="44" name="직선 화살표 연결선 43">
+            <a:extLst>
+              <a:ext uri="{FF2B5EF4-FFF2-40B4-BE49-F238E27FC236}">
+                <a16:creationId xmlns:a16="http://schemas.microsoft.com/office/drawing/2014/main" id="{3011A445-2331-4055-A9E4-DEB0B1CED2D2}"/>
+              </a:ext>
+            </a:extLst>
+          </p:cNvPr>
+          <p:cNvCxnSpPr>
+            <a:cxnSpLocks/>
+            <a:stCxn id="35" idx="3"/>
+          </p:cNvCxnSpPr>
+          <p:nvPr/>
+        </p:nvCxnSpPr>
+        <p:spPr>
+          <a:xfrm flipV="1">
+            <a:off x="2411760" y="4388794"/>
+            <a:ext cx="1080120" cy="156330"/>
+          </a:xfrm>
+          <a:prstGeom prst="straightConnector1">
+            <a:avLst/>
+          </a:prstGeom>
+          <a:ln w="28575">
+            <a:solidFill>
+              <a:schemeClr val="tx1"/>
+            </a:solidFill>
+            <a:tailEnd type="triangle"/>
+          </a:ln>
+        </p:spPr>
+        <p:style>
+          <a:lnRef idx="1">
+            <a:schemeClr val="accent1"/>
+          </a:lnRef>
+          <a:fillRef idx="0">
+            <a:schemeClr val="accent1"/>
+          </a:fillRef>
+          <a:effectRef idx="0">
+            <a:schemeClr val="accent1"/>
+          </a:effectRef>
+          <a:fontRef idx="minor">
+            <a:schemeClr val="tx1"/>
+          </a:fontRef>
+        </p:style>
+      </p:cxnSp>
+      <p:cxnSp>
+        <p:nvCxnSpPr>
+          <p:cNvPr id="47" name="직선 화살표 연결선 46">
+            <a:extLst>
+              <a:ext uri="{FF2B5EF4-FFF2-40B4-BE49-F238E27FC236}">
+                <a16:creationId xmlns:a16="http://schemas.microsoft.com/office/drawing/2014/main" id="{474859AD-B554-4771-BBC7-BE1100A66E23}"/>
+              </a:ext>
+            </a:extLst>
+          </p:cNvPr>
+          <p:cNvCxnSpPr>
+            <a:cxnSpLocks/>
+            <a:stCxn id="42" idx="1"/>
+          </p:cNvCxnSpPr>
+          <p:nvPr/>
+        </p:nvCxnSpPr>
+        <p:spPr>
+          <a:xfrm flipH="1" flipV="1">
+            <a:off x="2411760" y="4372914"/>
+            <a:ext cx="1080120" cy="555939"/>
+          </a:xfrm>
+          <a:prstGeom prst="straightConnector1">
+            <a:avLst/>
+          </a:prstGeom>
+          <a:ln w="28575">
+            <a:solidFill>
+              <a:schemeClr val="tx1"/>
+            </a:solidFill>
+            <a:tailEnd type="triangle"/>
+          </a:ln>
+        </p:spPr>
+        <p:style>
+          <a:lnRef idx="1">
+            <a:schemeClr val="accent1"/>
+          </a:lnRef>
+          <a:fillRef idx="0">
+            <a:schemeClr val="accent1"/>
+          </a:fillRef>
+          <a:effectRef idx="0">
+            <a:schemeClr val="accent1"/>
+          </a:effectRef>
+          <a:fontRef idx="minor">
+            <a:schemeClr val="tx1"/>
+          </a:fontRef>
+        </p:style>
+      </p:cxnSp>
+      <p:cxnSp>
+        <p:nvCxnSpPr>
+          <p:cNvPr id="50" name="직선 화살표 연결선 49">
+            <a:extLst>
+              <a:ext uri="{FF2B5EF4-FFF2-40B4-BE49-F238E27FC236}">
+                <a16:creationId xmlns:a16="http://schemas.microsoft.com/office/drawing/2014/main" id="{4C1D0355-F0D9-4FED-83EC-2B5C6DF3B6B5}"/>
+              </a:ext>
+            </a:extLst>
+          </p:cNvPr>
+          <p:cNvCxnSpPr>
+            <a:cxnSpLocks/>
+          </p:cNvCxnSpPr>
+          <p:nvPr/>
+        </p:nvCxnSpPr>
+        <p:spPr>
+          <a:xfrm flipH="1">
+            <a:off x="4860032" y="4394941"/>
+            <a:ext cx="1008112" cy="0"/>
+          </a:xfrm>
+          <a:prstGeom prst="straightConnector1">
+            <a:avLst/>
+          </a:prstGeom>
+          <a:ln w="28575">
+            <a:solidFill>
+              <a:schemeClr val="tx1"/>
+            </a:solidFill>
+            <a:tailEnd type="triangle"/>
+          </a:ln>
+        </p:spPr>
+        <p:style>
+          <a:lnRef idx="1">
+            <a:schemeClr val="accent1"/>
+          </a:lnRef>
+          <a:fillRef idx="0">
+            <a:schemeClr val="accent1"/>
+          </a:fillRef>
+          <a:effectRef idx="0">
+            <a:schemeClr val="accent1"/>
+          </a:effectRef>
+          <a:fontRef idx="minor">
+            <a:schemeClr val="tx1"/>
+          </a:fontRef>
+        </p:style>
+      </p:cxnSp>
+      <p:cxnSp>
+        <p:nvCxnSpPr>
+          <p:cNvPr id="52" name="직선 화살표 연결선 51">
+            <a:extLst>
+              <a:ext uri="{FF2B5EF4-FFF2-40B4-BE49-F238E27FC236}">
+                <a16:creationId xmlns:a16="http://schemas.microsoft.com/office/drawing/2014/main" id="{BB2C3BC7-B021-4610-A1B7-04FD1EEEFC19}"/>
+              </a:ext>
+            </a:extLst>
+          </p:cNvPr>
+          <p:cNvCxnSpPr>
+            <a:cxnSpLocks/>
+          </p:cNvCxnSpPr>
+          <p:nvPr/>
+        </p:nvCxnSpPr>
+        <p:spPr>
+          <a:xfrm flipH="1">
+            <a:off x="4860032" y="4028753"/>
+            <a:ext cx="1008112" cy="0"/>
+          </a:xfrm>
+          <a:prstGeom prst="straightConnector1">
+            <a:avLst/>
+          </a:prstGeom>
+          <a:ln w="28575">
+            <a:solidFill>
+              <a:schemeClr val="tx1"/>
+            </a:solidFill>
+            <a:tailEnd type="triangle"/>
+          </a:ln>
+        </p:spPr>
+        <p:style>
+          <a:lnRef idx="1">
+            <a:schemeClr val="accent1"/>
+          </a:lnRef>
+          <a:fillRef idx="0">
+            <a:schemeClr val="accent1"/>
+          </a:fillRef>
+          <a:effectRef idx="0">
+            <a:schemeClr val="accent1"/>
+          </a:effectRef>
+          <a:fontRef idx="minor">
+            <a:schemeClr val="tx1"/>
+          </a:fontRef>
+        </p:style>
+      </p:cxnSp>
+      <p:cxnSp>
+        <p:nvCxnSpPr>
+          <p:cNvPr id="54" name="직선 화살표 연결선 53">
+            <a:extLst>
+              <a:ext uri="{FF2B5EF4-FFF2-40B4-BE49-F238E27FC236}">
+                <a16:creationId xmlns:a16="http://schemas.microsoft.com/office/drawing/2014/main" id="{D4E92BF8-CD9F-4904-A041-E6DB1DF8FD8A}"/>
+              </a:ext>
+            </a:extLst>
+          </p:cNvPr>
+          <p:cNvCxnSpPr/>
+          <p:nvPr/>
+        </p:nvCxnSpPr>
+        <p:spPr>
+          <a:xfrm flipV="1">
+            <a:off x="5220072" y="4044634"/>
+            <a:ext cx="0" cy="356003"/>
+          </a:xfrm>
+          <a:prstGeom prst="straightConnector1">
+            <a:avLst/>
+          </a:prstGeom>
+          <a:ln>
+            <a:solidFill>
+              <a:srgbClr val="FF0000"/>
+            </a:solidFill>
+            <a:tailEnd type="triangle"/>
+          </a:ln>
+        </p:spPr>
+        <p:style>
+          <a:lnRef idx="1">
+            <a:schemeClr val="accent1"/>
+          </a:lnRef>
+          <a:fillRef idx="0">
+            <a:schemeClr val="accent1"/>
+          </a:fillRef>
+          <a:effectRef idx="0">
+            <a:schemeClr val="accent1"/>
+          </a:effectRef>
+          <a:fontRef idx="minor">
+            <a:schemeClr val="tx1"/>
+          </a:fontRef>
+        </p:style>
+      </p:cxnSp>
+      <p:sp>
+        <p:nvSpPr>
+          <p:cNvPr id="55" name="TextBox 54">
+            <a:extLst>
+              <a:ext uri="{FF2B5EF4-FFF2-40B4-BE49-F238E27FC236}">
+                <a16:creationId xmlns:a16="http://schemas.microsoft.com/office/drawing/2014/main" id="{68D0D4C5-CAA9-43BF-A137-F5F6F4419C46}"/>
+              </a:ext>
+            </a:extLst>
+          </p:cNvPr>
+          <p:cNvSpPr txBox="1"/>
+          <p:nvPr/>
+        </p:nvSpPr>
+        <p:spPr>
+          <a:xfrm>
+            <a:off x="5227504" y="3988683"/>
+            <a:ext cx="466794" cy="400110"/>
+          </a:xfrm>
+          <a:prstGeom prst="rect">
+            <a:avLst/>
+          </a:prstGeom>
+          <a:noFill/>
+        </p:spPr>
+        <p:txBody>
+          <a:bodyPr wrap="none" rtlCol="0">
+            <a:spAutoFit/>
+          </a:bodyPr>
+          <a:lstStyle/>
+          <a:p>
+            <a:r>
+              <a:rPr lang="en-US" altLang="ko-KR" sz="2000">
+                <a:latin typeface="Consolas" pitchFamily="49" charset="0"/>
+                <a:cs typeface="Consolas" pitchFamily="49" charset="0"/>
+              </a:rPr>
+              <a:t>20</a:t>
+            </a:r>
+            <a:endParaRPr lang="ko-KR" altLang="en-US" sz="2000">
+              <a:latin typeface="Consolas" pitchFamily="49" charset="0"/>
+              <a:cs typeface="Consolas" pitchFamily="49" charset="0"/>
+            </a:endParaRPr>
+          </a:p>
+        </p:txBody>
+      </p:sp>
+      <p:sp>
+        <p:nvSpPr>
+          <p:cNvPr id="56" name="TextBox 55">
+            <a:extLst>
+              <a:ext uri="{FF2B5EF4-FFF2-40B4-BE49-F238E27FC236}">
+                <a16:creationId xmlns:a16="http://schemas.microsoft.com/office/drawing/2014/main" id="{5257FDFF-DD4D-4202-B30F-479DBC95452A}"/>
+              </a:ext>
+            </a:extLst>
+          </p:cNvPr>
+          <p:cNvSpPr txBox="1"/>
+          <p:nvPr/>
+        </p:nvSpPr>
+        <p:spPr>
+          <a:xfrm>
+            <a:off x="5933162" y="4185084"/>
+            <a:ext cx="748923" cy="400110"/>
+          </a:xfrm>
+          <a:prstGeom prst="rect">
+            <a:avLst/>
+          </a:prstGeom>
+          <a:noFill/>
+        </p:spPr>
+        <p:txBody>
+          <a:bodyPr wrap="none" rtlCol="0">
+            <a:spAutoFit/>
+          </a:bodyPr>
+          <a:lstStyle/>
+          <a:p>
+            <a:r>
+              <a:rPr lang="en-US" altLang="ko-KR" sz="2000">
+                <a:latin typeface="Consolas" pitchFamily="49" charset="0"/>
+                <a:cs typeface="Consolas" pitchFamily="49" charset="0"/>
+              </a:rPr>
+              <a:t>temp</a:t>
+            </a:r>
+            <a:endParaRPr lang="ko-KR" altLang="en-US" sz="2000">
+              <a:latin typeface="Consolas" pitchFamily="49" charset="0"/>
+              <a:cs typeface="Consolas" pitchFamily="49" charset="0"/>
+            </a:endParaRPr>
+          </a:p>
+        </p:txBody>
+      </p:sp>
+      <p:sp>
+        <p:nvSpPr>
+          <p:cNvPr id="57" name="TextBox 56">
+            <a:extLst>
+              <a:ext uri="{FF2B5EF4-FFF2-40B4-BE49-F238E27FC236}">
+                <a16:creationId xmlns:a16="http://schemas.microsoft.com/office/drawing/2014/main" id="{4FF6E40D-E1EC-452D-9670-E84A855A1724}"/>
+              </a:ext>
+            </a:extLst>
+          </p:cNvPr>
+          <p:cNvSpPr txBox="1"/>
+          <p:nvPr/>
+        </p:nvSpPr>
+        <p:spPr>
+          <a:xfrm>
+            <a:off x="5968785" y="3828698"/>
+            <a:ext cx="325730" cy="400110"/>
+          </a:xfrm>
+          <a:prstGeom prst="rect">
+            <a:avLst/>
+          </a:prstGeom>
+          <a:noFill/>
+        </p:spPr>
+        <p:txBody>
+          <a:bodyPr wrap="none" rtlCol="0">
+            <a:spAutoFit/>
+          </a:bodyPr>
+          <a:lstStyle/>
+          <a:p>
+            <a:r>
+              <a:rPr lang="en-US" altLang="ko-KR" sz="2000">
+                <a:latin typeface="Consolas" pitchFamily="49" charset="0"/>
+                <a:cs typeface="Consolas" pitchFamily="49" charset="0"/>
+              </a:rPr>
+              <a:t>s</a:t>
+            </a:r>
+            <a:endParaRPr lang="ko-KR" altLang="en-US" sz="2000">
+              <a:latin typeface="Consolas" pitchFamily="49" charset="0"/>
+              <a:cs typeface="Consolas" pitchFamily="49" charset="0"/>
+            </a:endParaRPr>
+          </a:p>
+        </p:txBody>
+      </p:sp>
+      <p:sp>
+        <p:nvSpPr>
+          <p:cNvPr id="58" name="TextBox 57">
+            <a:extLst>
+              <a:ext uri="{FF2B5EF4-FFF2-40B4-BE49-F238E27FC236}">
+                <a16:creationId xmlns:a16="http://schemas.microsoft.com/office/drawing/2014/main" id="{D378E441-4DED-4E93-9194-F09AA45F1B6E}"/>
+              </a:ext>
+            </a:extLst>
+          </p:cNvPr>
+          <p:cNvSpPr txBox="1"/>
+          <p:nvPr/>
+        </p:nvSpPr>
+        <p:spPr>
+          <a:xfrm>
+            <a:off x="976179" y="5301208"/>
+            <a:ext cx="4557658" cy="400110"/>
+          </a:xfrm>
+          <a:prstGeom prst="rect">
+            <a:avLst/>
+          </a:prstGeom>
+          <a:noFill/>
+        </p:spPr>
+        <p:txBody>
+          <a:bodyPr wrap="none" rtlCol="0">
+            <a:spAutoFit/>
+          </a:bodyPr>
+          <a:lstStyle/>
+          <a:p>
+            <a:r>
+              <a:rPr lang="en-US" altLang="ko-KR" sz="2000">
+                <a:latin typeface="Consolas" pitchFamily="49" charset="0"/>
+                <a:cs typeface="Consolas" pitchFamily="49" charset="0"/>
+              </a:rPr>
+              <a:t>s = (SAWON*)((char*)temp - 20);</a:t>
+            </a:r>
+            <a:endParaRPr lang="ko-KR" altLang="en-US" sz="2000">
+              <a:latin typeface="Consolas" pitchFamily="49" charset="0"/>
+              <a:cs typeface="Consolas" pitchFamily="49" charset="0"/>
+            </a:endParaRPr>
+          </a:p>
+        </p:txBody>
+      </p:sp>
+      <p:sp>
+        <p:nvSpPr>
+          <p:cNvPr id="59" name="TextBox 58">
+            <a:extLst>
+              <a:ext uri="{FF2B5EF4-FFF2-40B4-BE49-F238E27FC236}">
+                <a16:creationId xmlns:a16="http://schemas.microsoft.com/office/drawing/2014/main" id="{F57AA911-C9A7-4E89-B64E-15056E2DA74C}"/>
+              </a:ext>
+            </a:extLst>
+          </p:cNvPr>
+          <p:cNvSpPr txBox="1"/>
+          <p:nvPr/>
+        </p:nvSpPr>
+        <p:spPr>
+          <a:xfrm>
+            <a:off x="6800529" y="3788628"/>
+            <a:ext cx="748923" cy="400110"/>
+          </a:xfrm>
+          <a:prstGeom prst="rect">
+            <a:avLst/>
+          </a:prstGeom>
+          <a:noFill/>
+        </p:spPr>
+        <p:txBody>
+          <a:bodyPr wrap="none" rtlCol="0">
+            <a:spAutoFit/>
+          </a:bodyPr>
+          <a:lstStyle/>
+          <a:p>
+            <a:r>
+              <a:rPr lang="en-US" altLang="ko-KR" sz="2000">
+                <a:latin typeface="Consolas" pitchFamily="49" charset="0"/>
+                <a:cs typeface="Consolas" pitchFamily="49" charset="0"/>
+              </a:rPr>
+              <a:t>1000</a:t>
+            </a:r>
+            <a:endParaRPr lang="ko-KR" altLang="en-US" sz="2000">
+              <a:latin typeface="Consolas" pitchFamily="49" charset="0"/>
+              <a:cs typeface="Consolas" pitchFamily="49" charset="0"/>
+            </a:endParaRPr>
+          </a:p>
+        </p:txBody>
+      </p:sp>
+      <p:sp>
+        <p:nvSpPr>
+          <p:cNvPr id="60" name="TextBox 59">
+            <a:extLst>
+              <a:ext uri="{FF2B5EF4-FFF2-40B4-BE49-F238E27FC236}">
+                <a16:creationId xmlns:a16="http://schemas.microsoft.com/office/drawing/2014/main" id="{04DA1F03-8626-4A4A-AB97-FADF32A7C0B2}"/>
+              </a:ext>
+            </a:extLst>
+          </p:cNvPr>
+          <p:cNvSpPr txBox="1"/>
+          <p:nvPr/>
+        </p:nvSpPr>
+        <p:spPr>
+          <a:xfrm>
+            <a:off x="6800529" y="4202856"/>
+            <a:ext cx="748923" cy="400110"/>
+          </a:xfrm>
+          <a:prstGeom prst="rect">
+            <a:avLst/>
+          </a:prstGeom>
+          <a:noFill/>
+        </p:spPr>
+        <p:txBody>
+          <a:bodyPr wrap="none" rtlCol="0">
+            <a:spAutoFit/>
+          </a:bodyPr>
+          <a:lstStyle/>
+          <a:p>
+            <a:r>
+              <a:rPr lang="en-US" altLang="ko-KR" sz="2000">
+                <a:latin typeface="Consolas" pitchFamily="49" charset="0"/>
+                <a:cs typeface="Consolas" pitchFamily="49" charset="0"/>
+              </a:rPr>
+              <a:t>1020</a:t>
+            </a:r>
+            <a:endParaRPr lang="ko-KR" altLang="en-US" sz="2000">
+              <a:latin typeface="Consolas" pitchFamily="49" charset="0"/>
+              <a:cs typeface="Consolas" pitchFamily="49" charset="0"/>
+            </a:endParaRPr>
+          </a:p>
+        </p:txBody>
+      </p:sp>
+    </p:spTree>
+    <p:extLst>
+      <p:ext uri="{BB962C8B-B14F-4D97-AF65-F5344CB8AC3E}">
+        <p14:creationId xmlns:p14="http://schemas.microsoft.com/office/powerpoint/2010/main" val="454597182"/>
+      </p:ext>
+    </p:extLst>
+  </p:cSld>
+  <p:clrMapOvr>
+    <a:masterClrMapping/>
+  </p:clrMapOvr>
+</p:sld>
+</file>
+
+<file path=ppt/slides/slide25.xml><?xml version="1.0" encoding="utf-8"?>
+<p:sld xmlns:a="http://schemas.openxmlformats.org/drawingml/2006/main" xmlns:r="http://schemas.openxmlformats.org/officeDocument/2006/relationships" xmlns:p="http://schemas.openxmlformats.org/presentationml/2006/main">
+  <p:cSld>
+    <p:spTree>
+      <p:nvGrpSpPr>
+        <p:cNvPr id="1" name=""/>
+        <p:cNvGrpSpPr/>
+        <p:nvPr/>
+      </p:nvGrpSpPr>
+      <p:grpSpPr>
+        <a:xfrm>
+          <a:off x="0" y="0"/>
+          <a:ext cx="0" cy="0"/>
+          <a:chOff x="0" y="0"/>
+          <a:chExt cx="0" cy="0"/>
+        </a:xfrm>
+      </p:grpSpPr>
+      <p:sp>
+        <p:nvSpPr>
+          <p:cNvPr id="40" name="직사각형 39">
+            <a:extLst>
+              <a:ext uri="{FF2B5EF4-FFF2-40B4-BE49-F238E27FC236}">
+                <a16:creationId xmlns:a16="http://schemas.microsoft.com/office/drawing/2014/main" id="{13FFE26A-6DD2-46AE-A359-6DC992E1BF74}"/>
+              </a:ext>
+            </a:extLst>
+          </p:cNvPr>
+          <p:cNvSpPr/>
+          <p:nvPr/>
+        </p:nvSpPr>
+        <p:spPr>
+          <a:xfrm>
+            <a:off x="246263" y="260648"/>
+            <a:ext cx="1368152" cy="360040"/>
+          </a:xfrm>
+          <a:prstGeom prst="rect">
+            <a:avLst/>
+          </a:prstGeom>
+          <a:solidFill>
+            <a:srgbClr val="FFC000"/>
+          </a:solidFill>
+          <a:ln w="9525"/>
+        </p:spPr>
+        <p:style>
+          <a:lnRef idx="2">
+            <a:schemeClr val="accent1">
+              <a:shade val="50000"/>
+            </a:schemeClr>
+          </a:lnRef>
+          <a:fillRef idx="1">
+            <a:schemeClr val="accent1"/>
+          </a:fillRef>
+          <a:effectRef idx="0">
+            <a:schemeClr val="accent1"/>
+          </a:effectRef>
+          <a:fontRef idx="minor">
+            <a:schemeClr val="lt1"/>
+          </a:fontRef>
+        </p:style>
+        <p:txBody>
+          <a:bodyPr rot="0" spcFirstLastPara="0" vertOverflow="overflow" horzOverflow="overflow" vert="horz" wrap="square" lIns="91440" tIns="45720" rIns="91440" bIns="45720" numCol="1" spcCol="0" rtlCol="0" fromWordArt="0" anchor="ctr" anchorCtr="0" forceAA="0" compatLnSpc="1">
+            <a:prstTxWarp prst="textNoShape">
+              <a:avLst/>
+            </a:prstTxWarp>
+            <a:noAutofit/>
+          </a:bodyPr>
+          <a:lstStyle/>
+          <a:p>
+            <a:pPr algn="ctr"/>
+            <a:r>
+              <a:rPr lang="en-US" altLang="ko-KR" sz="2000">
+                <a:solidFill>
+                  <a:schemeClr val="tx1"/>
+                </a:solidFill>
+                <a:latin typeface="Consolas" pitchFamily="49" charset="0"/>
+                <a:cs typeface="Consolas" pitchFamily="49" charset="0"/>
+              </a:rPr>
+              <a:t>"</a:t>
+            </a:r>
+            <a:r>
+              <a:rPr lang="ko-KR" altLang="en-US" sz="2000">
+                <a:solidFill>
+                  <a:schemeClr val="tx1"/>
+                </a:solidFill>
+                <a:latin typeface="Consolas" pitchFamily="49" charset="0"/>
+                <a:cs typeface="Consolas" pitchFamily="49" charset="0"/>
+              </a:rPr>
+              <a:t>임꺽정</a:t>
+            </a:r>
+            <a:r>
+              <a:rPr lang="en-US" altLang="ko-KR" sz="2000">
+                <a:solidFill>
+                  <a:schemeClr val="tx1"/>
+                </a:solidFill>
+                <a:latin typeface="Consolas" pitchFamily="49" charset="0"/>
+                <a:cs typeface="Consolas" pitchFamily="49" charset="0"/>
+              </a:rPr>
+              <a:t>"</a:t>
+            </a:r>
+            <a:endParaRPr lang="ko-KR" altLang="en-US" sz="2000">
+              <a:solidFill>
+                <a:schemeClr val="tx1"/>
+              </a:solidFill>
+              <a:latin typeface="Consolas" pitchFamily="49" charset="0"/>
+              <a:cs typeface="Consolas" pitchFamily="49" charset="0"/>
+            </a:endParaRPr>
+          </a:p>
+        </p:txBody>
+      </p:sp>
+      <p:sp>
+        <p:nvSpPr>
+          <p:cNvPr id="41" name="직사각형 40">
+            <a:extLst>
+              <a:ext uri="{FF2B5EF4-FFF2-40B4-BE49-F238E27FC236}">
+                <a16:creationId xmlns:a16="http://schemas.microsoft.com/office/drawing/2014/main" id="{17D90E41-4CA0-4698-8ABA-CB0641C64377}"/>
+              </a:ext>
+            </a:extLst>
+          </p:cNvPr>
+          <p:cNvSpPr/>
+          <p:nvPr/>
+        </p:nvSpPr>
+        <p:spPr>
+          <a:xfrm>
+            <a:off x="246263" y="620688"/>
+            <a:ext cx="1368152" cy="360040"/>
+          </a:xfrm>
+          <a:prstGeom prst="rect">
+            <a:avLst/>
+          </a:prstGeom>
+          <a:solidFill>
+            <a:srgbClr val="FFFF00"/>
+          </a:solidFill>
+          <a:ln w="9525"/>
+        </p:spPr>
+        <p:style>
+          <a:lnRef idx="2">
+            <a:schemeClr val="accent1">
+              <a:shade val="50000"/>
+            </a:schemeClr>
+          </a:lnRef>
+          <a:fillRef idx="1">
+            <a:schemeClr val="accent1"/>
+          </a:fillRef>
+          <a:effectRef idx="0">
+            <a:schemeClr val="accent1"/>
+          </a:effectRef>
+          <a:fontRef idx="minor">
+            <a:schemeClr val="lt1"/>
+          </a:fontRef>
+        </p:style>
+        <p:txBody>
+          <a:bodyPr rot="0" spcFirstLastPara="0" vertOverflow="overflow" horzOverflow="overflow" vert="horz" wrap="square" lIns="91440" tIns="45720" rIns="91440" bIns="45720" numCol="1" spcCol="0" rtlCol="0" fromWordArt="0" anchor="ctr" anchorCtr="0" forceAA="0" compatLnSpc="1">
+            <a:prstTxWarp prst="textNoShape">
+              <a:avLst/>
+            </a:prstTxWarp>
+            <a:noAutofit/>
+          </a:bodyPr>
+          <a:lstStyle/>
+          <a:p>
+            <a:pPr algn="ctr"/>
+            <a:endParaRPr lang="ko-KR" altLang="en-US" sz="2000">
+              <a:solidFill>
+                <a:schemeClr val="tx1"/>
+              </a:solidFill>
+              <a:latin typeface="Consolas" pitchFamily="49" charset="0"/>
+              <a:cs typeface="Consolas" pitchFamily="49" charset="0"/>
+            </a:endParaRPr>
+          </a:p>
+        </p:txBody>
+      </p:sp>
+      <p:sp>
+        <p:nvSpPr>
+          <p:cNvPr id="42" name="직사각형 41">
+            <a:extLst>
+              <a:ext uri="{FF2B5EF4-FFF2-40B4-BE49-F238E27FC236}">
+                <a16:creationId xmlns:a16="http://schemas.microsoft.com/office/drawing/2014/main" id="{FAD63F95-4328-47EC-ACB2-6E85007EB85B}"/>
+              </a:ext>
+            </a:extLst>
+          </p:cNvPr>
+          <p:cNvSpPr/>
+          <p:nvPr/>
+        </p:nvSpPr>
+        <p:spPr>
+          <a:xfrm>
+            <a:off x="246263" y="980728"/>
+            <a:ext cx="1368152" cy="360040"/>
+          </a:xfrm>
+          <a:prstGeom prst="rect">
+            <a:avLst/>
+          </a:prstGeom>
+          <a:solidFill>
+            <a:srgbClr val="FFFF00"/>
+          </a:solidFill>
+          <a:ln w="9525"/>
+        </p:spPr>
+        <p:style>
+          <a:lnRef idx="2">
+            <a:schemeClr val="accent1">
+              <a:shade val="50000"/>
+            </a:schemeClr>
+          </a:lnRef>
+          <a:fillRef idx="1">
+            <a:schemeClr val="accent1"/>
+          </a:fillRef>
+          <a:effectRef idx="0">
+            <a:schemeClr val="accent1"/>
+          </a:effectRef>
+          <a:fontRef idx="minor">
+            <a:schemeClr val="lt1"/>
+          </a:fontRef>
+        </p:style>
+        <p:txBody>
+          <a:bodyPr rot="0" spcFirstLastPara="0" vertOverflow="overflow" horzOverflow="overflow" vert="horz" wrap="square" lIns="91440" tIns="45720" rIns="91440" bIns="45720" numCol="1" spcCol="0" rtlCol="0" fromWordArt="0" anchor="ctr" anchorCtr="0" forceAA="0" compatLnSpc="1">
+            <a:prstTxWarp prst="textNoShape">
+              <a:avLst/>
+            </a:prstTxWarp>
+            <a:noAutofit/>
+          </a:bodyPr>
+          <a:lstStyle/>
+          <a:p>
+            <a:pPr algn="ctr"/>
+            <a:endParaRPr lang="ko-KR" altLang="en-US" sz="2000">
+              <a:solidFill>
+                <a:schemeClr val="tx1"/>
+              </a:solidFill>
+              <a:latin typeface="Consolas" pitchFamily="49" charset="0"/>
+              <a:cs typeface="Consolas" pitchFamily="49" charset="0"/>
+            </a:endParaRPr>
+          </a:p>
+        </p:txBody>
+      </p:sp>
+      <p:cxnSp>
+        <p:nvCxnSpPr>
+          <p:cNvPr id="50" name="직선 화살표 연결선 49">
+            <a:extLst>
+              <a:ext uri="{FF2B5EF4-FFF2-40B4-BE49-F238E27FC236}">
+                <a16:creationId xmlns:a16="http://schemas.microsoft.com/office/drawing/2014/main" id="{4C1D0355-F0D9-4FED-83EC-2B5C6DF3B6B5}"/>
+              </a:ext>
+            </a:extLst>
+          </p:cNvPr>
+          <p:cNvCxnSpPr>
+            <a:cxnSpLocks/>
+          </p:cNvCxnSpPr>
+          <p:nvPr/>
+        </p:nvCxnSpPr>
+        <p:spPr>
+          <a:xfrm flipH="1">
+            <a:off x="1614415" y="626836"/>
+            <a:ext cx="1008112" cy="0"/>
+          </a:xfrm>
+          <a:prstGeom prst="straightConnector1">
+            <a:avLst/>
+          </a:prstGeom>
+          <a:ln w="28575">
+            <a:solidFill>
+              <a:schemeClr val="tx1"/>
+            </a:solidFill>
+            <a:tailEnd type="triangle"/>
+          </a:ln>
+        </p:spPr>
+        <p:style>
+          <a:lnRef idx="1">
+            <a:schemeClr val="accent1"/>
+          </a:lnRef>
+          <a:fillRef idx="0">
+            <a:schemeClr val="accent1"/>
+          </a:fillRef>
+          <a:effectRef idx="0">
+            <a:schemeClr val="accent1"/>
+          </a:effectRef>
+          <a:fontRef idx="minor">
+            <a:schemeClr val="tx1"/>
+          </a:fontRef>
+        </p:style>
+      </p:cxnSp>
+      <p:cxnSp>
+        <p:nvCxnSpPr>
+          <p:cNvPr id="52" name="직선 화살표 연결선 51">
+            <a:extLst>
+              <a:ext uri="{FF2B5EF4-FFF2-40B4-BE49-F238E27FC236}">
+                <a16:creationId xmlns:a16="http://schemas.microsoft.com/office/drawing/2014/main" id="{BB2C3BC7-B021-4610-A1B7-04FD1EEEFC19}"/>
+              </a:ext>
+            </a:extLst>
+          </p:cNvPr>
+          <p:cNvCxnSpPr>
+            <a:cxnSpLocks/>
+          </p:cNvCxnSpPr>
+          <p:nvPr/>
+        </p:nvCxnSpPr>
+        <p:spPr>
+          <a:xfrm flipH="1">
+            <a:off x="1614415" y="260648"/>
+            <a:ext cx="1008112" cy="0"/>
+          </a:xfrm>
+          <a:prstGeom prst="straightConnector1">
+            <a:avLst/>
+          </a:prstGeom>
+          <a:ln w="28575">
+            <a:solidFill>
+              <a:schemeClr val="tx1"/>
+            </a:solidFill>
+            <a:tailEnd type="triangle"/>
+          </a:ln>
+        </p:spPr>
+        <p:style>
+          <a:lnRef idx="1">
+            <a:schemeClr val="accent1"/>
+          </a:lnRef>
+          <a:fillRef idx="0">
+            <a:schemeClr val="accent1"/>
+          </a:fillRef>
+          <a:effectRef idx="0">
+            <a:schemeClr val="accent1"/>
+          </a:effectRef>
+          <a:fontRef idx="minor">
+            <a:schemeClr val="tx1"/>
+          </a:fontRef>
+        </p:style>
+      </p:cxnSp>
+      <p:cxnSp>
+        <p:nvCxnSpPr>
+          <p:cNvPr id="54" name="직선 화살표 연결선 53">
+            <a:extLst>
+              <a:ext uri="{FF2B5EF4-FFF2-40B4-BE49-F238E27FC236}">
+                <a16:creationId xmlns:a16="http://schemas.microsoft.com/office/drawing/2014/main" id="{D4E92BF8-CD9F-4904-A041-E6DB1DF8FD8A}"/>
+              </a:ext>
+            </a:extLst>
+          </p:cNvPr>
+          <p:cNvCxnSpPr/>
+          <p:nvPr/>
+        </p:nvCxnSpPr>
+        <p:spPr>
+          <a:xfrm flipV="1">
+            <a:off x="1974455" y="276529"/>
+            <a:ext cx="0" cy="356003"/>
+          </a:xfrm>
+          <a:prstGeom prst="straightConnector1">
+            <a:avLst/>
+          </a:prstGeom>
+          <a:ln>
+            <a:solidFill>
+              <a:srgbClr val="FF0000"/>
+            </a:solidFill>
+            <a:tailEnd type="triangle"/>
+          </a:ln>
+        </p:spPr>
+        <p:style>
+          <a:lnRef idx="1">
+            <a:schemeClr val="accent1"/>
+          </a:lnRef>
+          <a:fillRef idx="0">
+            <a:schemeClr val="accent1"/>
+          </a:fillRef>
+          <a:effectRef idx="0">
+            <a:schemeClr val="accent1"/>
+          </a:effectRef>
+          <a:fontRef idx="minor">
+            <a:schemeClr val="tx1"/>
+          </a:fontRef>
+        </p:style>
+      </p:cxnSp>
+      <p:sp>
+        <p:nvSpPr>
+          <p:cNvPr id="55" name="TextBox 54">
+            <a:extLst>
+              <a:ext uri="{FF2B5EF4-FFF2-40B4-BE49-F238E27FC236}">
+                <a16:creationId xmlns:a16="http://schemas.microsoft.com/office/drawing/2014/main" id="{68D0D4C5-CAA9-43BF-A137-F5F6F4419C46}"/>
+              </a:ext>
+            </a:extLst>
+          </p:cNvPr>
+          <p:cNvSpPr txBox="1"/>
+          <p:nvPr/>
+        </p:nvSpPr>
+        <p:spPr>
+          <a:xfrm>
+            <a:off x="2102307" y="228473"/>
+            <a:ext cx="466794" cy="400110"/>
+          </a:xfrm>
+          <a:prstGeom prst="rect">
+            <a:avLst/>
+          </a:prstGeom>
+          <a:noFill/>
+        </p:spPr>
+        <p:txBody>
+          <a:bodyPr wrap="none" rtlCol="0">
+            <a:spAutoFit/>
+          </a:bodyPr>
+          <a:lstStyle/>
+          <a:p>
+            <a:r>
+              <a:rPr lang="en-US" altLang="ko-KR" sz="2000">
+                <a:latin typeface="Consolas" pitchFamily="49" charset="0"/>
+                <a:cs typeface="Consolas" pitchFamily="49" charset="0"/>
+              </a:rPr>
+              <a:t>20</a:t>
+            </a:r>
+            <a:endParaRPr lang="ko-KR" altLang="en-US" sz="2000">
+              <a:latin typeface="Consolas" pitchFamily="49" charset="0"/>
+              <a:cs typeface="Consolas" pitchFamily="49" charset="0"/>
+            </a:endParaRPr>
+          </a:p>
+        </p:txBody>
+      </p:sp>
+      <p:sp>
+        <p:nvSpPr>
+          <p:cNvPr id="56" name="TextBox 55">
+            <a:extLst>
+              <a:ext uri="{FF2B5EF4-FFF2-40B4-BE49-F238E27FC236}">
+                <a16:creationId xmlns:a16="http://schemas.microsoft.com/office/drawing/2014/main" id="{5257FDFF-DD4D-4202-B30F-479DBC95452A}"/>
+              </a:ext>
+            </a:extLst>
+          </p:cNvPr>
+          <p:cNvSpPr txBox="1"/>
+          <p:nvPr/>
+        </p:nvSpPr>
+        <p:spPr>
+          <a:xfrm>
+            <a:off x="2687545" y="416979"/>
+            <a:ext cx="748923" cy="400110"/>
+          </a:xfrm>
+          <a:prstGeom prst="rect">
+            <a:avLst/>
+          </a:prstGeom>
+          <a:noFill/>
+        </p:spPr>
+        <p:txBody>
+          <a:bodyPr wrap="none" rtlCol="0">
+            <a:spAutoFit/>
+          </a:bodyPr>
+          <a:lstStyle/>
+          <a:p>
+            <a:r>
+              <a:rPr lang="en-US" altLang="ko-KR" sz="2000">
+                <a:latin typeface="Consolas" pitchFamily="49" charset="0"/>
+                <a:cs typeface="Consolas" pitchFamily="49" charset="0"/>
+              </a:rPr>
+              <a:t>temp</a:t>
+            </a:r>
+            <a:endParaRPr lang="ko-KR" altLang="en-US" sz="2000">
+              <a:latin typeface="Consolas" pitchFamily="49" charset="0"/>
+              <a:cs typeface="Consolas" pitchFamily="49" charset="0"/>
+            </a:endParaRPr>
+          </a:p>
+        </p:txBody>
+      </p:sp>
+      <p:sp>
+        <p:nvSpPr>
+          <p:cNvPr id="57" name="TextBox 56">
+            <a:extLst>
+              <a:ext uri="{FF2B5EF4-FFF2-40B4-BE49-F238E27FC236}">
+                <a16:creationId xmlns:a16="http://schemas.microsoft.com/office/drawing/2014/main" id="{4FF6E40D-E1EC-452D-9670-E84A855A1724}"/>
+              </a:ext>
+            </a:extLst>
+          </p:cNvPr>
+          <p:cNvSpPr txBox="1"/>
+          <p:nvPr/>
+        </p:nvSpPr>
+        <p:spPr>
+          <a:xfrm>
+            <a:off x="2723168" y="60593"/>
+            <a:ext cx="325730" cy="400110"/>
+          </a:xfrm>
+          <a:prstGeom prst="rect">
+            <a:avLst/>
+          </a:prstGeom>
+          <a:noFill/>
+        </p:spPr>
+        <p:txBody>
+          <a:bodyPr wrap="none" rtlCol="0">
+            <a:spAutoFit/>
+          </a:bodyPr>
+          <a:lstStyle/>
+          <a:p>
+            <a:r>
+              <a:rPr lang="en-US" altLang="ko-KR" sz="2000">
+                <a:latin typeface="Consolas" pitchFamily="49" charset="0"/>
+                <a:cs typeface="Consolas" pitchFamily="49" charset="0"/>
+              </a:rPr>
+              <a:t>s</a:t>
+            </a:r>
+            <a:endParaRPr lang="ko-KR" altLang="en-US" sz="2000">
+              <a:latin typeface="Consolas" pitchFamily="49" charset="0"/>
+              <a:cs typeface="Consolas" pitchFamily="49" charset="0"/>
+            </a:endParaRPr>
+          </a:p>
+        </p:txBody>
+      </p:sp>
+      <p:sp>
+        <p:nvSpPr>
+          <p:cNvPr id="58" name="TextBox 57">
+            <a:extLst>
+              <a:ext uri="{FF2B5EF4-FFF2-40B4-BE49-F238E27FC236}">
+                <a16:creationId xmlns:a16="http://schemas.microsoft.com/office/drawing/2014/main" id="{D378E441-4DED-4E93-9194-F09AA45F1B6E}"/>
+              </a:ext>
+            </a:extLst>
+          </p:cNvPr>
+          <p:cNvSpPr txBox="1"/>
+          <p:nvPr/>
+        </p:nvSpPr>
+        <p:spPr>
+          <a:xfrm>
+            <a:off x="179512" y="3140968"/>
+            <a:ext cx="9212778" cy="400110"/>
+          </a:xfrm>
+          <a:prstGeom prst="rect">
+            <a:avLst/>
+          </a:prstGeom>
+          <a:noFill/>
+        </p:spPr>
+        <p:txBody>
+          <a:bodyPr wrap="none" rtlCol="0">
+            <a:spAutoFit/>
+          </a:bodyPr>
+          <a:lstStyle/>
+          <a:p>
+            <a:r>
+              <a:rPr lang="en-US" altLang="ko-KR" sz="2000">
+                <a:latin typeface="Consolas" pitchFamily="49" charset="0"/>
+                <a:cs typeface="Consolas" pitchFamily="49" charset="0"/>
+              </a:rPr>
+              <a:t>s = (SAWON*)((char*)temp - (unsigned long)&amp;((SAWON*)0)-&gt;list1 );</a:t>
+            </a:r>
+            <a:endParaRPr lang="ko-KR" altLang="en-US" sz="2000">
+              <a:latin typeface="Consolas" pitchFamily="49" charset="0"/>
+              <a:cs typeface="Consolas" pitchFamily="49" charset="0"/>
+            </a:endParaRPr>
+          </a:p>
+        </p:txBody>
+      </p:sp>
+      <p:sp>
+        <p:nvSpPr>
+          <p:cNvPr id="59" name="TextBox 58">
+            <a:extLst>
+              <a:ext uri="{FF2B5EF4-FFF2-40B4-BE49-F238E27FC236}">
+                <a16:creationId xmlns:a16="http://schemas.microsoft.com/office/drawing/2014/main" id="{F57AA911-C9A7-4E89-B64E-15056E2DA74C}"/>
+              </a:ext>
+            </a:extLst>
+          </p:cNvPr>
+          <p:cNvSpPr txBox="1"/>
+          <p:nvPr/>
+        </p:nvSpPr>
+        <p:spPr>
+          <a:xfrm>
+            <a:off x="3554912" y="20523"/>
+            <a:ext cx="325730" cy="400110"/>
+          </a:xfrm>
+          <a:prstGeom prst="rect">
+            <a:avLst/>
+          </a:prstGeom>
+          <a:noFill/>
+        </p:spPr>
+        <p:txBody>
+          <a:bodyPr wrap="none" rtlCol="0">
+            <a:spAutoFit/>
+          </a:bodyPr>
+          <a:lstStyle/>
+          <a:p>
+            <a:r>
+              <a:rPr lang="en-US" altLang="ko-KR" sz="2000">
+                <a:latin typeface="Consolas" pitchFamily="49" charset="0"/>
+                <a:cs typeface="Consolas" pitchFamily="49" charset="0"/>
+              </a:rPr>
+              <a:t>0</a:t>
+            </a:r>
+            <a:endParaRPr lang="ko-KR" altLang="en-US" sz="2000">
+              <a:latin typeface="Consolas" pitchFamily="49" charset="0"/>
+              <a:cs typeface="Consolas" pitchFamily="49" charset="0"/>
+            </a:endParaRPr>
+          </a:p>
+        </p:txBody>
+      </p:sp>
+      <p:sp>
+        <p:nvSpPr>
+          <p:cNvPr id="60" name="TextBox 59">
+            <a:extLst>
+              <a:ext uri="{FF2B5EF4-FFF2-40B4-BE49-F238E27FC236}">
+                <a16:creationId xmlns:a16="http://schemas.microsoft.com/office/drawing/2014/main" id="{04DA1F03-8626-4A4A-AB97-FADF32A7C0B2}"/>
+              </a:ext>
+            </a:extLst>
+          </p:cNvPr>
+          <p:cNvSpPr txBox="1"/>
+          <p:nvPr/>
+        </p:nvSpPr>
+        <p:spPr>
+          <a:xfrm>
+            <a:off x="3554912" y="1114529"/>
+            <a:ext cx="466794" cy="400110"/>
+          </a:xfrm>
+          <a:prstGeom prst="rect">
+            <a:avLst/>
+          </a:prstGeom>
+          <a:noFill/>
+        </p:spPr>
+        <p:txBody>
+          <a:bodyPr wrap="none" rtlCol="0">
+            <a:spAutoFit/>
+          </a:bodyPr>
+          <a:lstStyle/>
+          <a:p>
+            <a:r>
+              <a:rPr lang="en-US" altLang="ko-KR" sz="2000">
+                <a:latin typeface="Consolas" pitchFamily="49" charset="0"/>
+                <a:cs typeface="Consolas" pitchFamily="49" charset="0"/>
+              </a:rPr>
+              <a:t>28</a:t>
+            </a:r>
+            <a:endParaRPr lang="ko-KR" altLang="en-US" sz="2000">
+              <a:latin typeface="Consolas" pitchFamily="49" charset="0"/>
+              <a:cs typeface="Consolas" pitchFamily="49" charset="0"/>
+            </a:endParaRPr>
+          </a:p>
+        </p:txBody>
+      </p:sp>
+      <p:sp>
+        <p:nvSpPr>
+          <p:cNvPr id="24" name="TextBox 23">
+            <a:extLst>
+              <a:ext uri="{FF2B5EF4-FFF2-40B4-BE49-F238E27FC236}">
+                <a16:creationId xmlns:a16="http://schemas.microsoft.com/office/drawing/2014/main" id="{D8FD793B-FAA8-46EE-AEA1-B323A88D2A5F}"/>
+              </a:ext>
+            </a:extLst>
+          </p:cNvPr>
+          <p:cNvSpPr txBox="1"/>
+          <p:nvPr/>
+        </p:nvSpPr>
+        <p:spPr>
+          <a:xfrm>
+            <a:off x="4644008" y="398440"/>
+            <a:ext cx="4536504" cy="1938992"/>
+          </a:xfrm>
+          <a:prstGeom prst="rect">
+            <a:avLst/>
+          </a:prstGeom>
+          <a:noFill/>
+        </p:spPr>
+        <p:txBody>
+          <a:bodyPr wrap="square" rtlCol="0">
+            <a:spAutoFit/>
+          </a:bodyPr>
+          <a:lstStyle/>
+          <a:p>
+            <a:r>
+              <a:rPr lang="ko-KR" altLang="en-US" sz="2000">
+                <a:latin typeface="Consolas" pitchFamily="49" charset="0"/>
+                <a:cs typeface="Consolas" pitchFamily="49" charset="0"/>
+              </a:rPr>
+              <a:t>문제점 </a:t>
+            </a:r>
+            <a:r>
+              <a:rPr lang="en-US" altLang="ko-KR" sz="2000">
+                <a:latin typeface="Consolas" pitchFamily="49" charset="0"/>
+                <a:cs typeface="Consolas" pitchFamily="49" charset="0"/>
+              </a:rPr>
+              <a:t>: </a:t>
+            </a:r>
+          </a:p>
+          <a:p>
+            <a:r>
+              <a:rPr lang="en-US" altLang="ko-KR" sz="2000">
+                <a:latin typeface="Consolas" pitchFamily="49" charset="0"/>
+                <a:cs typeface="Consolas" pitchFamily="49" charset="0"/>
+              </a:rPr>
+              <a:t>  </a:t>
+            </a:r>
+            <a:r>
+              <a:rPr lang="ko-KR" altLang="en-US" sz="2000">
+                <a:latin typeface="Consolas" pitchFamily="49" charset="0"/>
+                <a:cs typeface="Consolas" pitchFamily="49" charset="0"/>
+              </a:rPr>
+              <a:t>하나의 </a:t>
+            </a:r>
+            <a:r>
+              <a:rPr lang="en-US" altLang="ko-KR" sz="2000">
+                <a:latin typeface="Consolas" pitchFamily="49" charset="0"/>
+                <a:cs typeface="Consolas" pitchFamily="49" charset="0"/>
+              </a:rPr>
+              <a:t>NODE</a:t>
+            </a:r>
+            <a:r>
+              <a:rPr lang="ko-KR" altLang="en-US" sz="2000">
+                <a:latin typeface="Consolas" pitchFamily="49" charset="0"/>
+                <a:cs typeface="Consolas" pitchFamily="49" charset="0"/>
+              </a:rPr>
+              <a:t>가 하나의 </a:t>
+            </a:r>
+            <a:r>
+              <a:rPr lang="en-US" altLang="ko-KR" sz="2000">
+                <a:latin typeface="Consolas" pitchFamily="49" charset="0"/>
+                <a:cs typeface="Consolas" pitchFamily="49" charset="0"/>
+              </a:rPr>
+              <a:t>list</a:t>
+            </a:r>
+            <a:r>
+              <a:rPr lang="ko-KR" altLang="en-US" sz="2000">
+                <a:latin typeface="Consolas" pitchFamily="49" charset="0"/>
+                <a:cs typeface="Consolas" pitchFamily="49" charset="0"/>
+              </a:rPr>
+              <a:t>에만</a:t>
+            </a:r>
+            <a:endParaRPr lang="en-US" altLang="ko-KR" sz="2000">
+              <a:latin typeface="Consolas" pitchFamily="49" charset="0"/>
+              <a:cs typeface="Consolas" pitchFamily="49" charset="0"/>
+            </a:endParaRPr>
+          </a:p>
+          <a:p>
+            <a:r>
+              <a:rPr lang="en-US" altLang="ko-KR" sz="2000">
+                <a:latin typeface="Consolas" pitchFamily="49" charset="0"/>
+                <a:cs typeface="Consolas" pitchFamily="49" charset="0"/>
+              </a:rPr>
+              <a:t>   </a:t>
+            </a:r>
+            <a:r>
+              <a:rPr lang="ko-KR" altLang="en-US" sz="2000">
+                <a:latin typeface="Consolas" pitchFamily="49" charset="0"/>
+                <a:cs typeface="Consolas" pitchFamily="49" charset="0"/>
+              </a:rPr>
+              <a:t>포함 가능하다</a:t>
+            </a:r>
+            <a:r>
+              <a:rPr lang="en-US" altLang="ko-KR" sz="2000">
+                <a:latin typeface="Consolas" pitchFamily="49" charset="0"/>
+                <a:cs typeface="Consolas" pitchFamily="49" charset="0"/>
+              </a:rPr>
+              <a:t>. </a:t>
+            </a:r>
+          </a:p>
+          <a:p>
+            <a:endParaRPr lang="en-US" altLang="ko-KR" sz="2000">
+              <a:latin typeface="Consolas" pitchFamily="49" charset="0"/>
+              <a:cs typeface="Consolas" pitchFamily="49" charset="0"/>
+            </a:endParaRPr>
+          </a:p>
+          <a:p>
+            <a:r>
+              <a:rPr lang="ko-KR" altLang="en-US" sz="2000">
+                <a:latin typeface="Consolas" pitchFamily="49" charset="0"/>
+                <a:cs typeface="Consolas" pitchFamily="49" charset="0"/>
+              </a:rPr>
+              <a:t>해결책 </a:t>
+            </a:r>
+            <a:r>
+              <a:rPr lang="en-US" altLang="ko-KR" sz="2000">
+                <a:latin typeface="Consolas" pitchFamily="49" charset="0"/>
+                <a:cs typeface="Consolas" pitchFamily="49" charset="0"/>
+              </a:rPr>
+              <a:t>: </a:t>
+            </a:r>
+          </a:p>
+          <a:p>
+            <a:r>
+              <a:rPr lang="en-US" altLang="ko-KR" sz="2000">
+                <a:latin typeface="Consolas" pitchFamily="49" charset="0"/>
+                <a:cs typeface="Consolas" pitchFamily="49" charset="0"/>
+              </a:rPr>
+              <a:t>  </a:t>
+            </a:r>
+            <a:r>
+              <a:rPr lang="ko-KR" altLang="en-US" sz="2000">
+                <a:latin typeface="Consolas" pitchFamily="49" charset="0"/>
+                <a:cs typeface="Consolas" pitchFamily="49" charset="0"/>
+              </a:rPr>
+              <a:t>구조체 멤버의 </a:t>
+            </a:r>
+            <a:r>
+              <a:rPr lang="en-US" altLang="ko-KR" sz="2000">
+                <a:latin typeface="Consolas" pitchFamily="49" charset="0"/>
+                <a:cs typeface="Consolas" pitchFamily="49" charset="0"/>
+              </a:rPr>
+              <a:t>offset</a:t>
+            </a:r>
+            <a:r>
+              <a:rPr lang="ko-KR" altLang="en-US" sz="2000">
+                <a:latin typeface="Consolas" pitchFamily="49" charset="0"/>
+                <a:cs typeface="Consolas" pitchFamily="49" charset="0"/>
+              </a:rPr>
+              <a:t>을 이용하자</a:t>
+            </a:r>
+            <a:r>
+              <a:rPr lang="en-US" altLang="ko-KR" sz="2000">
+                <a:latin typeface="Consolas" pitchFamily="49" charset="0"/>
+                <a:cs typeface="Consolas" pitchFamily="49" charset="0"/>
+              </a:rPr>
+              <a:t>. </a:t>
+            </a:r>
+            <a:endParaRPr lang="ko-KR" altLang="en-US" sz="2000">
+              <a:latin typeface="Consolas" pitchFamily="49" charset="0"/>
+              <a:cs typeface="Consolas" pitchFamily="49" charset="0"/>
+            </a:endParaRPr>
+          </a:p>
+        </p:txBody>
+      </p:sp>
+      <p:sp>
+        <p:nvSpPr>
+          <p:cNvPr id="25" name="TextBox 24">
+            <a:extLst>
+              <a:ext uri="{FF2B5EF4-FFF2-40B4-BE49-F238E27FC236}">
+                <a16:creationId xmlns:a16="http://schemas.microsoft.com/office/drawing/2014/main" id="{F9EEDB34-E043-4E43-8660-AFCBC999187A}"/>
+              </a:ext>
+            </a:extLst>
+          </p:cNvPr>
+          <p:cNvSpPr txBox="1"/>
+          <p:nvPr/>
+        </p:nvSpPr>
+        <p:spPr>
+          <a:xfrm>
+            <a:off x="1630572" y="760638"/>
+            <a:ext cx="889987" cy="400110"/>
+          </a:xfrm>
+          <a:prstGeom prst="rect">
+            <a:avLst/>
+          </a:prstGeom>
+          <a:noFill/>
+        </p:spPr>
+        <p:txBody>
+          <a:bodyPr wrap="none" rtlCol="0">
+            <a:spAutoFit/>
+          </a:bodyPr>
+          <a:lstStyle/>
+          <a:p>
+            <a:r>
+              <a:rPr lang="en-US" altLang="ko-KR" sz="2000">
+                <a:latin typeface="Consolas" pitchFamily="49" charset="0"/>
+                <a:cs typeface="Consolas" pitchFamily="49" charset="0"/>
+              </a:rPr>
+              <a:t>list1</a:t>
+            </a:r>
+            <a:endParaRPr lang="ko-KR" altLang="en-US" sz="2000">
+              <a:latin typeface="Consolas" pitchFamily="49" charset="0"/>
+              <a:cs typeface="Consolas" pitchFamily="49" charset="0"/>
+            </a:endParaRPr>
+          </a:p>
+        </p:txBody>
+      </p:sp>
+      <p:sp>
+        <p:nvSpPr>
+          <p:cNvPr id="26" name="직사각형 25">
+            <a:extLst>
+              <a:ext uri="{FF2B5EF4-FFF2-40B4-BE49-F238E27FC236}">
+                <a16:creationId xmlns:a16="http://schemas.microsoft.com/office/drawing/2014/main" id="{9242AF87-FE00-498B-81AB-3AC20A0DDA6B}"/>
+              </a:ext>
+            </a:extLst>
+          </p:cNvPr>
+          <p:cNvSpPr/>
+          <p:nvPr/>
+        </p:nvSpPr>
+        <p:spPr>
+          <a:xfrm>
+            <a:off x="246263" y="1340767"/>
+            <a:ext cx="1368152" cy="360040"/>
+          </a:xfrm>
+          <a:prstGeom prst="rect">
+            <a:avLst/>
+          </a:prstGeom>
+          <a:solidFill>
+            <a:srgbClr val="FFFF00"/>
+          </a:solidFill>
+          <a:ln w="9525"/>
+        </p:spPr>
+        <p:style>
+          <a:lnRef idx="2">
+            <a:schemeClr val="accent1">
+              <a:shade val="50000"/>
+            </a:schemeClr>
+          </a:lnRef>
+          <a:fillRef idx="1">
+            <a:schemeClr val="accent1"/>
+          </a:fillRef>
+          <a:effectRef idx="0">
+            <a:schemeClr val="accent1"/>
+          </a:effectRef>
+          <a:fontRef idx="minor">
+            <a:schemeClr val="lt1"/>
+          </a:fontRef>
+        </p:style>
+        <p:txBody>
+          <a:bodyPr rot="0" spcFirstLastPara="0" vertOverflow="overflow" horzOverflow="overflow" vert="horz" wrap="square" lIns="91440" tIns="45720" rIns="91440" bIns="45720" numCol="1" spcCol="0" rtlCol="0" fromWordArt="0" anchor="ctr" anchorCtr="0" forceAA="0" compatLnSpc="1">
+            <a:prstTxWarp prst="textNoShape">
+              <a:avLst/>
+            </a:prstTxWarp>
+            <a:noAutofit/>
+          </a:bodyPr>
+          <a:lstStyle/>
+          <a:p>
+            <a:pPr algn="ctr"/>
+            <a:endParaRPr lang="ko-KR" altLang="en-US" sz="2000">
+              <a:solidFill>
+                <a:schemeClr val="tx1"/>
+              </a:solidFill>
+              <a:latin typeface="Consolas" pitchFamily="49" charset="0"/>
+              <a:cs typeface="Consolas" pitchFamily="49" charset="0"/>
+            </a:endParaRPr>
+          </a:p>
+        </p:txBody>
+      </p:sp>
+      <p:sp>
+        <p:nvSpPr>
+          <p:cNvPr id="28" name="직사각형 27">
+            <a:extLst>
+              <a:ext uri="{FF2B5EF4-FFF2-40B4-BE49-F238E27FC236}">
+                <a16:creationId xmlns:a16="http://schemas.microsoft.com/office/drawing/2014/main" id="{3431E321-382A-4FF6-A8B9-619FE7F09C0F}"/>
+              </a:ext>
+            </a:extLst>
+          </p:cNvPr>
+          <p:cNvSpPr/>
+          <p:nvPr/>
+        </p:nvSpPr>
+        <p:spPr>
+          <a:xfrm>
+            <a:off x="246263" y="1700807"/>
+            <a:ext cx="1368152" cy="360040"/>
+          </a:xfrm>
+          <a:prstGeom prst="rect">
+            <a:avLst/>
+          </a:prstGeom>
+          <a:solidFill>
+            <a:srgbClr val="FFFF00"/>
+          </a:solidFill>
+          <a:ln w="9525"/>
+        </p:spPr>
+        <p:style>
+          <a:lnRef idx="2">
+            <a:schemeClr val="accent1">
+              <a:shade val="50000"/>
+            </a:schemeClr>
+          </a:lnRef>
+          <a:fillRef idx="1">
+            <a:schemeClr val="accent1"/>
+          </a:fillRef>
+          <a:effectRef idx="0">
+            <a:schemeClr val="accent1"/>
+          </a:effectRef>
+          <a:fontRef idx="minor">
+            <a:schemeClr val="lt1"/>
+          </a:fontRef>
+        </p:style>
+        <p:txBody>
+          <a:bodyPr rot="0" spcFirstLastPara="0" vertOverflow="overflow" horzOverflow="overflow" vert="horz" wrap="square" lIns="91440" tIns="45720" rIns="91440" bIns="45720" numCol="1" spcCol="0" rtlCol="0" fromWordArt="0" anchor="ctr" anchorCtr="0" forceAA="0" compatLnSpc="1">
+            <a:prstTxWarp prst="textNoShape">
+              <a:avLst/>
+            </a:prstTxWarp>
+            <a:noAutofit/>
+          </a:bodyPr>
+          <a:lstStyle/>
+          <a:p>
+            <a:pPr algn="ctr"/>
+            <a:endParaRPr lang="ko-KR" altLang="en-US" sz="2000">
+              <a:solidFill>
+                <a:schemeClr val="tx1"/>
+              </a:solidFill>
+              <a:latin typeface="Consolas" pitchFamily="49" charset="0"/>
+              <a:cs typeface="Consolas" pitchFamily="49" charset="0"/>
+            </a:endParaRPr>
+          </a:p>
+        </p:txBody>
+      </p:sp>
+      <p:sp>
+        <p:nvSpPr>
+          <p:cNvPr id="29" name="TextBox 28">
+            <a:extLst>
+              <a:ext uri="{FF2B5EF4-FFF2-40B4-BE49-F238E27FC236}">
+                <a16:creationId xmlns:a16="http://schemas.microsoft.com/office/drawing/2014/main" id="{B31F7D32-4A53-48F7-AF70-DC50D1F824E4}"/>
+              </a:ext>
+            </a:extLst>
+          </p:cNvPr>
+          <p:cNvSpPr txBox="1"/>
+          <p:nvPr/>
+        </p:nvSpPr>
+        <p:spPr>
+          <a:xfrm>
+            <a:off x="1614415" y="1514639"/>
+            <a:ext cx="889987" cy="400110"/>
+          </a:xfrm>
+          <a:prstGeom prst="rect">
+            <a:avLst/>
+          </a:prstGeom>
+          <a:noFill/>
+        </p:spPr>
+        <p:txBody>
+          <a:bodyPr wrap="none" rtlCol="0">
+            <a:spAutoFit/>
+          </a:bodyPr>
+          <a:lstStyle/>
+          <a:p>
+            <a:r>
+              <a:rPr lang="en-US" altLang="ko-KR" sz="2000">
+                <a:latin typeface="Consolas" pitchFamily="49" charset="0"/>
+                <a:cs typeface="Consolas" pitchFamily="49" charset="0"/>
+              </a:rPr>
+              <a:t>list2</a:t>
+            </a:r>
+            <a:endParaRPr lang="ko-KR" altLang="en-US" sz="2000">
+              <a:latin typeface="Consolas" pitchFamily="49" charset="0"/>
+              <a:cs typeface="Consolas" pitchFamily="49" charset="0"/>
+            </a:endParaRPr>
+          </a:p>
+        </p:txBody>
+      </p:sp>
+      <p:cxnSp>
+        <p:nvCxnSpPr>
+          <p:cNvPr id="30" name="직선 화살표 연결선 29">
+            <a:extLst>
+              <a:ext uri="{FF2B5EF4-FFF2-40B4-BE49-F238E27FC236}">
+                <a16:creationId xmlns:a16="http://schemas.microsoft.com/office/drawing/2014/main" id="{3DF6875D-9378-4488-B839-460ED53C7C46}"/>
+              </a:ext>
+            </a:extLst>
+          </p:cNvPr>
+          <p:cNvCxnSpPr>
+            <a:cxnSpLocks/>
+          </p:cNvCxnSpPr>
+          <p:nvPr/>
+        </p:nvCxnSpPr>
+        <p:spPr>
+          <a:xfrm flipH="1">
+            <a:off x="1627654" y="1341501"/>
+            <a:ext cx="1008112" cy="0"/>
+          </a:xfrm>
+          <a:prstGeom prst="straightConnector1">
+            <a:avLst/>
+          </a:prstGeom>
+          <a:ln w="28575">
+            <a:solidFill>
+              <a:schemeClr val="tx1"/>
+            </a:solidFill>
+            <a:tailEnd type="triangle"/>
+          </a:ln>
+        </p:spPr>
+        <p:style>
+          <a:lnRef idx="1">
+            <a:schemeClr val="accent1"/>
+          </a:lnRef>
+          <a:fillRef idx="0">
+            <a:schemeClr val="accent1"/>
+          </a:fillRef>
+          <a:effectRef idx="0">
+            <a:schemeClr val="accent1"/>
+          </a:effectRef>
+          <a:fontRef idx="minor">
+            <a:schemeClr val="tx1"/>
+          </a:fontRef>
+        </p:style>
+      </p:cxnSp>
+      <p:sp>
+        <p:nvSpPr>
+          <p:cNvPr id="31" name="TextBox 30">
+            <a:extLst>
+              <a:ext uri="{FF2B5EF4-FFF2-40B4-BE49-F238E27FC236}">
+                <a16:creationId xmlns:a16="http://schemas.microsoft.com/office/drawing/2014/main" id="{70B09E31-4A73-4F91-AF83-146BAC914A31}"/>
+              </a:ext>
+            </a:extLst>
+          </p:cNvPr>
+          <p:cNvSpPr txBox="1"/>
+          <p:nvPr/>
+        </p:nvSpPr>
+        <p:spPr>
+          <a:xfrm>
+            <a:off x="1885074" y="1008009"/>
+            <a:ext cx="466794" cy="400110"/>
+          </a:xfrm>
+          <a:prstGeom prst="rect">
+            <a:avLst/>
+          </a:prstGeom>
+          <a:noFill/>
+        </p:spPr>
+        <p:txBody>
+          <a:bodyPr wrap="none" rtlCol="0">
+            <a:spAutoFit/>
+          </a:bodyPr>
+          <a:lstStyle/>
+          <a:p>
+            <a:r>
+              <a:rPr lang="en-US" altLang="ko-KR" sz="2000">
+                <a:latin typeface="Consolas" pitchFamily="49" charset="0"/>
+                <a:cs typeface="Consolas" pitchFamily="49" charset="0"/>
+              </a:rPr>
+              <a:t>28</a:t>
+            </a:r>
+            <a:endParaRPr lang="ko-KR" altLang="en-US" sz="2000">
+              <a:latin typeface="Consolas" pitchFamily="49" charset="0"/>
+              <a:cs typeface="Consolas" pitchFamily="49" charset="0"/>
+            </a:endParaRPr>
+          </a:p>
+        </p:txBody>
+      </p:sp>
+      <p:cxnSp>
+        <p:nvCxnSpPr>
+          <p:cNvPr id="32" name="직선 화살표 연결선 31">
+            <a:extLst>
+              <a:ext uri="{FF2B5EF4-FFF2-40B4-BE49-F238E27FC236}">
+                <a16:creationId xmlns:a16="http://schemas.microsoft.com/office/drawing/2014/main" id="{02298294-E5A3-4EBC-B331-CBA246DCA503}"/>
+              </a:ext>
+            </a:extLst>
+          </p:cNvPr>
+          <p:cNvCxnSpPr>
+            <a:cxnSpLocks/>
+          </p:cNvCxnSpPr>
+          <p:nvPr/>
+        </p:nvCxnSpPr>
+        <p:spPr>
+          <a:xfrm flipV="1">
+            <a:off x="1835696" y="276529"/>
+            <a:ext cx="0" cy="1078999"/>
+          </a:xfrm>
+          <a:prstGeom prst="straightConnector1">
+            <a:avLst/>
+          </a:prstGeom>
+          <a:ln>
+            <a:solidFill>
+              <a:srgbClr val="FF0000"/>
+            </a:solidFill>
+            <a:tailEnd type="triangle"/>
+          </a:ln>
+        </p:spPr>
+        <p:style>
+          <a:lnRef idx="1">
+            <a:schemeClr val="accent1"/>
+          </a:lnRef>
+          <a:fillRef idx="0">
+            <a:schemeClr val="accent1"/>
+          </a:fillRef>
+          <a:effectRef idx="0">
+            <a:schemeClr val="accent1"/>
+          </a:effectRef>
+          <a:fontRef idx="minor">
+            <a:schemeClr val="tx1"/>
+          </a:fontRef>
+        </p:style>
+      </p:cxnSp>
+      <p:sp>
+        <p:nvSpPr>
+          <p:cNvPr id="33" name="TextBox 32">
+            <a:extLst>
+              <a:ext uri="{FF2B5EF4-FFF2-40B4-BE49-F238E27FC236}">
+                <a16:creationId xmlns:a16="http://schemas.microsoft.com/office/drawing/2014/main" id="{A2808203-08BE-4B0A-A964-97075E5CCD45}"/>
+              </a:ext>
+            </a:extLst>
+          </p:cNvPr>
+          <p:cNvSpPr txBox="1"/>
+          <p:nvPr/>
+        </p:nvSpPr>
+        <p:spPr>
+          <a:xfrm>
+            <a:off x="3548216" y="411115"/>
+            <a:ext cx="466794" cy="400110"/>
+          </a:xfrm>
+          <a:prstGeom prst="rect">
+            <a:avLst/>
+          </a:prstGeom>
+          <a:noFill/>
+        </p:spPr>
+        <p:txBody>
+          <a:bodyPr wrap="none" rtlCol="0">
+            <a:spAutoFit/>
+          </a:bodyPr>
+          <a:lstStyle/>
+          <a:p>
+            <a:r>
+              <a:rPr lang="en-US" altLang="ko-KR" sz="2000">
+                <a:latin typeface="Consolas" pitchFamily="49" charset="0"/>
+                <a:cs typeface="Consolas" pitchFamily="49" charset="0"/>
+              </a:rPr>
+              <a:t>20</a:t>
+            </a:r>
+            <a:endParaRPr lang="ko-KR" altLang="en-US" sz="2000">
+              <a:latin typeface="Consolas" pitchFamily="49" charset="0"/>
+              <a:cs typeface="Consolas" pitchFamily="49" charset="0"/>
+            </a:endParaRPr>
+          </a:p>
+        </p:txBody>
+      </p:sp>
+    </p:spTree>
+    <p:extLst>
+      <p:ext uri="{BB962C8B-B14F-4D97-AF65-F5344CB8AC3E}">
+        <p14:creationId xmlns:p14="http://schemas.microsoft.com/office/powerpoint/2010/main" val="47869311"/>
+      </p:ext>
+    </p:extLst>
+  </p:cSld>
+  <p:clrMapOvr>
+    <a:masterClrMapping/>
+  </p:clrMapOvr>
+</p:sld>
+</file>
+
+<file path=ppt/slides/slide26.xml><?xml version="1.0" encoding="utf-8"?>
+<p:sld xmlns:a="http://schemas.openxmlformats.org/drawingml/2006/main" xmlns:r="http://schemas.openxmlformats.org/officeDocument/2006/relationships" xmlns:p="http://schemas.openxmlformats.org/presentationml/2006/main">
+  <p:cSld>
+    <p:spTree>
+      <p:nvGrpSpPr>
+        <p:cNvPr id="1" name=""/>
+        <p:cNvGrpSpPr/>
+        <p:nvPr/>
+      </p:nvGrpSpPr>
+      <p:grpSpPr>
+        <a:xfrm>
+          <a:off x="0" y="0"/>
+          <a:ext cx="0" cy="0"/>
+          <a:chOff x="0" y="0"/>
+          <a:chExt cx="0" cy="0"/>
+        </a:xfrm>
+      </p:grpSpPr>
+      <p:sp>
+        <p:nvSpPr>
+          <p:cNvPr id="2" name="TextBox 1">
+            <a:extLst>
+              <a:ext uri="{FF2B5EF4-FFF2-40B4-BE49-F238E27FC236}">
+                <a16:creationId xmlns:a16="http://schemas.microsoft.com/office/drawing/2014/main" id="{315AB9C4-DB6B-4268-8B51-CEB5C5AB1D76}"/>
+              </a:ext>
+            </a:extLst>
+          </p:cNvPr>
+          <p:cNvSpPr txBox="1"/>
+          <p:nvPr/>
+        </p:nvSpPr>
+        <p:spPr>
+          <a:xfrm>
+            <a:off x="179512" y="332656"/>
+            <a:ext cx="8930650" cy="2554545"/>
+          </a:xfrm>
+          <a:prstGeom prst="rect">
+            <a:avLst/>
+          </a:prstGeom>
+          <a:noFill/>
+        </p:spPr>
+        <p:txBody>
+          <a:bodyPr wrap="none" rtlCol="0">
+            <a:spAutoFit/>
+          </a:bodyPr>
+          <a:lstStyle/>
+          <a:p>
+            <a:r>
+              <a:rPr lang="en-US" altLang="ko-KR" sz="2000">
+                <a:latin typeface="Consolas" pitchFamily="49" charset="0"/>
+                <a:cs typeface="Consolas" pitchFamily="49" charset="0"/>
+              </a:rPr>
+              <a:t>#define offsetof(TYPE, MEMBER) ((size_t) &amp;((TYPE *)0)-&gt;MEMBER)</a:t>
+            </a:r>
+          </a:p>
+          <a:p>
+            <a:endParaRPr lang="en-US" altLang="ko-KR" sz="2000">
+              <a:latin typeface="Consolas" pitchFamily="49" charset="0"/>
+              <a:cs typeface="Consolas" pitchFamily="49" charset="0"/>
+            </a:endParaRPr>
+          </a:p>
+          <a:p>
+            <a:r>
+              <a:rPr lang="en-US" altLang="ko-KR" sz="2000">
+                <a:latin typeface="Consolas" pitchFamily="49" charset="0"/>
+                <a:cs typeface="Consolas" pitchFamily="49" charset="0"/>
+              </a:rPr>
+              <a:t>#define container_of(ptr, type, member) ({			\</a:t>
+            </a:r>
+          </a:p>
+          <a:p>
+            <a:r>
+              <a:rPr lang="en-US" altLang="ko-KR" sz="2000">
+                <a:latin typeface="Consolas" pitchFamily="49" charset="0"/>
+                <a:cs typeface="Consolas" pitchFamily="49" charset="0"/>
+              </a:rPr>
+              <a:t>	const typeof( ((type *)0)-&gt;member ) *__mptr = (ptr);	\</a:t>
+            </a:r>
+          </a:p>
+          <a:p>
+            <a:r>
+              <a:rPr lang="en-US" altLang="ko-KR" sz="2000">
+                <a:latin typeface="Consolas" pitchFamily="49" charset="0"/>
+                <a:cs typeface="Consolas" pitchFamily="49" charset="0"/>
+              </a:rPr>
+              <a:t>	(type *)( (char *)__mptr - offsetof(type,member) );})</a:t>
+            </a:r>
+          </a:p>
+          <a:p>
+            <a:endParaRPr lang="en-US" altLang="ko-KR" sz="2000">
+              <a:latin typeface="Consolas" pitchFamily="49" charset="0"/>
+              <a:cs typeface="Consolas" pitchFamily="49" charset="0"/>
+            </a:endParaRPr>
+          </a:p>
+          <a:p>
+            <a:r>
+              <a:rPr lang="en-US" altLang="ko-KR" sz="2000">
+                <a:latin typeface="Consolas" pitchFamily="49" charset="0"/>
+                <a:cs typeface="Consolas" pitchFamily="49" charset="0"/>
+              </a:rPr>
+              <a:t>#define list_entry(ptr, type, member) \</a:t>
+            </a:r>
+          </a:p>
+          <a:p>
+            <a:r>
+              <a:rPr lang="en-US" altLang="ko-KR" sz="2000">
+                <a:latin typeface="Consolas" pitchFamily="49" charset="0"/>
+                <a:cs typeface="Consolas" pitchFamily="49" charset="0"/>
+              </a:rPr>
+              <a:t>	container_of(ptr, type, member)</a:t>
+            </a:r>
+            <a:endParaRPr lang="ko-KR" altLang="en-US" sz="2000">
+              <a:latin typeface="Consolas" pitchFamily="49" charset="0"/>
+              <a:cs typeface="Consolas" pitchFamily="49" charset="0"/>
+            </a:endParaRPr>
+          </a:p>
+        </p:txBody>
+      </p:sp>
+    </p:spTree>
+    <p:extLst>
+      <p:ext uri="{BB962C8B-B14F-4D97-AF65-F5344CB8AC3E}">
+        <p14:creationId xmlns:p14="http://schemas.microsoft.com/office/powerpoint/2010/main" val="1334406557"/>
+      </p:ext>
+    </p:extLst>
+  </p:cSld>
+  <p:clrMapOvr>
+    <a:masterClrMapping/>
+  </p:clrMapOvr>
+</p:sld>
+</file>
+
+<file path=ppt/slides/slide27.xml><?xml version="1.0" encoding="utf-8"?>
+<p:sld xmlns:a="http://schemas.openxmlformats.org/drawingml/2006/main" xmlns:r="http://schemas.openxmlformats.org/officeDocument/2006/relationships" xmlns:p="http://schemas.openxmlformats.org/presentationml/2006/main">
+  <p:cSld>
+    <p:spTree>
+      <p:nvGrpSpPr>
+        <p:cNvPr id="1" name=""/>
+        <p:cNvGrpSpPr/>
+        <p:nvPr/>
+      </p:nvGrpSpPr>
+      <p:grpSpPr>
+        <a:xfrm>
+          <a:off x="0" y="0"/>
+          <a:ext cx="0" cy="0"/>
+          <a:chOff x="0" y="0"/>
+          <a:chExt cx="0" cy="0"/>
+        </a:xfrm>
+      </p:grpSpPr>
+      <p:sp>
+        <p:nvSpPr>
+          <p:cNvPr id="2" name="TextBox 1">
+            <a:extLst>
+              <a:ext uri="{FF2B5EF4-FFF2-40B4-BE49-F238E27FC236}">
+                <a16:creationId xmlns:a16="http://schemas.microsoft.com/office/drawing/2014/main" id="{315AB9C4-DB6B-4268-8B51-CEB5C5AB1D76}"/>
+              </a:ext>
+            </a:extLst>
+          </p:cNvPr>
+          <p:cNvSpPr txBox="1"/>
+          <p:nvPr/>
+        </p:nvSpPr>
+        <p:spPr>
+          <a:xfrm>
+            <a:off x="107504" y="44624"/>
+            <a:ext cx="4416594" cy="2862322"/>
+          </a:xfrm>
+          <a:prstGeom prst="rect">
+            <a:avLst/>
+          </a:prstGeom>
+          <a:noFill/>
+        </p:spPr>
+        <p:txBody>
+          <a:bodyPr wrap="none" rtlCol="0">
+            <a:spAutoFit/>
+          </a:bodyPr>
+          <a:lstStyle/>
+          <a:p>
+            <a:r>
+              <a:rPr lang="en-US" altLang="ko-KR" sz="2000">
+                <a:latin typeface="Consolas" pitchFamily="49" charset="0"/>
+                <a:cs typeface="Consolas" pitchFamily="49" charset="0"/>
+              </a:rPr>
+              <a:t>struct task_struct</a:t>
+            </a:r>
+          </a:p>
+          <a:p>
+            <a:r>
+              <a:rPr lang="en-US" altLang="ko-KR" sz="2000">
+                <a:latin typeface="Consolas" pitchFamily="49" charset="0"/>
+                <a:cs typeface="Consolas" pitchFamily="49" charset="0"/>
+              </a:rPr>
+              <a:t>{</a:t>
+            </a:r>
+          </a:p>
+          <a:p>
+            <a:r>
+              <a:rPr lang="en-US" altLang="ko-KR" sz="2000">
+                <a:latin typeface="Consolas" pitchFamily="49" charset="0"/>
+                <a:cs typeface="Consolas" pitchFamily="49" charset="0"/>
+              </a:rPr>
+              <a:t>    int state;</a:t>
+            </a:r>
+          </a:p>
+          <a:p>
+            <a:r>
+              <a:rPr lang="en-US" altLang="ko-KR" sz="2000">
+                <a:latin typeface="Consolas" pitchFamily="49" charset="0"/>
+                <a:cs typeface="Consolas" pitchFamily="49" charset="0"/>
+              </a:rPr>
+              <a:t>    int pid;</a:t>
+            </a:r>
+          </a:p>
+          <a:p>
+            <a:r>
+              <a:rPr lang="en-US" altLang="ko-KR" sz="2000">
+                <a:latin typeface="Consolas" pitchFamily="49" charset="0"/>
+                <a:cs typeface="Consolas" pitchFamily="49" charset="0"/>
+              </a:rPr>
+              <a:t>    struct list_head tasks;</a:t>
+            </a:r>
+          </a:p>
+          <a:p>
+            <a:r>
+              <a:rPr lang="en-US" altLang="ko-KR" sz="2000">
+                <a:latin typeface="Consolas" pitchFamily="49" charset="0"/>
+                <a:cs typeface="Consolas" pitchFamily="49" charset="0"/>
+              </a:rPr>
+              <a:t>    ...</a:t>
+            </a:r>
+          </a:p>
+          <a:p>
+            <a:r>
+              <a:rPr lang="en-US" altLang="ko-KR" sz="2000">
+                <a:latin typeface="Consolas" pitchFamily="49" charset="0"/>
+                <a:cs typeface="Consolas" pitchFamily="49" charset="0"/>
+              </a:rPr>
+              <a:t>    struct list_head children;</a:t>
+            </a:r>
+          </a:p>
+          <a:p>
+            <a:r>
+              <a:rPr lang="en-US" altLang="ko-KR" sz="2000">
+                <a:latin typeface="Consolas" pitchFamily="49" charset="0"/>
+                <a:cs typeface="Consolas" pitchFamily="49" charset="0"/>
+              </a:rPr>
+              <a:t>    struct list_head sibling;</a:t>
+            </a:r>
+          </a:p>
+          <a:p>
+            <a:r>
+              <a:rPr lang="en-US" altLang="ko-KR" sz="2000">
+                <a:latin typeface="Consolas" pitchFamily="49" charset="0"/>
+                <a:cs typeface="Consolas" pitchFamily="49" charset="0"/>
+              </a:rPr>
+              <a:t>};</a:t>
+            </a:r>
+            <a:endParaRPr lang="ko-KR" altLang="en-US" sz="2000">
+              <a:latin typeface="Consolas" pitchFamily="49" charset="0"/>
+              <a:cs typeface="Consolas" pitchFamily="49" charset="0"/>
+            </a:endParaRPr>
+          </a:p>
+        </p:txBody>
+      </p:sp>
+      <p:sp>
+        <p:nvSpPr>
+          <p:cNvPr id="6" name="TextBox 5">
+            <a:extLst>
+              <a:ext uri="{FF2B5EF4-FFF2-40B4-BE49-F238E27FC236}">
+                <a16:creationId xmlns:a16="http://schemas.microsoft.com/office/drawing/2014/main" id="{D26757E1-6512-4164-946C-89250218970D}"/>
+              </a:ext>
+            </a:extLst>
+          </p:cNvPr>
+          <p:cNvSpPr txBox="1"/>
+          <p:nvPr/>
+        </p:nvSpPr>
+        <p:spPr>
+          <a:xfrm>
+            <a:off x="4644008" y="116632"/>
+            <a:ext cx="5288627" cy="2554545"/>
+          </a:xfrm>
+          <a:prstGeom prst="rect">
+            <a:avLst/>
+          </a:prstGeom>
+          <a:noFill/>
+        </p:spPr>
+        <p:txBody>
+          <a:bodyPr wrap="none" rtlCol="0">
+            <a:spAutoFit/>
+          </a:bodyPr>
+          <a:lstStyle/>
+          <a:p>
+            <a:r>
+              <a:rPr lang="en-US" altLang="ko-KR" sz="2000">
+                <a:latin typeface="Consolas" pitchFamily="49" charset="0"/>
+                <a:cs typeface="Consolas" pitchFamily="49" charset="0"/>
+              </a:rPr>
+              <a:t>struct inode</a:t>
+            </a:r>
+          </a:p>
+          <a:p>
+            <a:r>
+              <a:rPr lang="en-US" altLang="ko-KR" sz="2000">
+                <a:latin typeface="Consolas" pitchFamily="49" charset="0"/>
+                <a:cs typeface="Consolas" pitchFamily="49" charset="0"/>
+              </a:rPr>
+              <a:t>{</a:t>
+            </a:r>
+          </a:p>
+          <a:p>
+            <a:r>
+              <a:rPr lang="en-US" altLang="ko-KR" sz="2000">
+                <a:latin typeface="Consolas" pitchFamily="49" charset="0"/>
+                <a:cs typeface="Consolas" pitchFamily="49" charset="0"/>
+              </a:rPr>
+              <a:t>    int ino;</a:t>
+            </a:r>
+          </a:p>
+          <a:p>
+            <a:r>
+              <a:rPr lang="en-US" altLang="ko-KR" sz="2000">
+                <a:latin typeface="Consolas" pitchFamily="49" charset="0"/>
+                <a:cs typeface="Consolas" pitchFamily="49" charset="0"/>
+              </a:rPr>
+              <a:t>    int uid, gid;</a:t>
+            </a:r>
+          </a:p>
+          <a:p>
+            <a:r>
+              <a:rPr lang="en-US" altLang="ko-KR" sz="2000">
+                <a:latin typeface="Consolas" pitchFamily="49" charset="0"/>
+                <a:cs typeface="Consolas" pitchFamily="49" charset="0"/>
+              </a:rPr>
+              <a:t>    struct list_head i_wb_list;    </a:t>
+            </a:r>
+          </a:p>
+          <a:p>
+            <a:r>
+              <a:rPr lang="en-US" altLang="ko-KR" sz="2000">
+                <a:latin typeface="Consolas" pitchFamily="49" charset="0"/>
+                <a:cs typeface="Consolas" pitchFamily="49" charset="0"/>
+              </a:rPr>
+              <a:t>    struct list_head i_lru;    </a:t>
+            </a:r>
+          </a:p>
+          <a:p>
+            <a:r>
+              <a:rPr lang="en-US" altLang="ko-KR" sz="2000">
+                <a:latin typeface="Consolas" pitchFamily="49" charset="0"/>
+                <a:cs typeface="Consolas" pitchFamily="49" charset="0"/>
+              </a:rPr>
+              <a:t>    struct list_head i_sb_list;</a:t>
+            </a:r>
+          </a:p>
+          <a:p>
+            <a:r>
+              <a:rPr lang="en-US" altLang="ko-KR" sz="2000">
+                <a:latin typeface="Consolas" pitchFamily="49" charset="0"/>
+                <a:cs typeface="Consolas" pitchFamily="49" charset="0"/>
+              </a:rPr>
+              <a:t>};</a:t>
+            </a:r>
+            <a:endParaRPr lang="ko-KR" altLang="en-US" sz="2000">
+              <a:latin typeface="Consolas" pitchFamily="49" charset="0"/>
+              <a:cs typeface="Consolas" pitchFamily="49" charset="0"/>
+            </a:endParaRPr>
+          </a:p>
+        </p:txBody>
+      </p:sp>
+    </p:spTree>
+    <p:extLst>
+      <p:ext uri="{BB962C8B-B14F-4D97-AF65-F5344CB8AC3E}">
+        <p14:creationId xmlns:p14="http://schemas.microsoft.com/office/powerpoint/2010/main" val="3016175594"/>
       </p:ext>
     </p:extLst>
   </p:cSld>

--- a/02_day.pptx
+++ b/02_day.pptx
@@ -44,6 +44,12 @@
     <p:sldId id="359" r:id="rId38"/>
     <p:sldId id="360" r:id="rId39"/>
     <p:sldId id="361" r:id="rId40"/>
+    <p:sldId id="362" r:id="rId41"/>
+    <p:sldId id="363" r:id="rId42"/>
+    <p:sldId id="364" r:id="rId43"/>
+    <p:sldId id="365" r:id="rId44"/>
+    <p:sldId id="366" r:id="rId45"/>
+    <p:sldId id="367" r:id="rId46"/>
   </p:sldIdLst>
   <p:sldSz cx="9144000" cy="6858000" type="screen4x3"/>
   <p:notesSz cx="6858000" cy="9144000"/>
@@ -41447,6 +41453,5198 @@
     <p:extLst>
       <p:ext uri="{BB962C8B-B14F-4D97-AF65-F5344CB8AC3E}">
         <p14:creationId xmlns:p14="http://schemas.microsoft.com/office/powerpoint/2010/main" val="2666427959"/>
+      </p:ext>
+    </p:extLst>
+  </p:cSld>
+  <p:clrMapOvr>
+    <a:masterClrMapping/>
+  </p:clrMapOvr>
+</p:sld>
+</file>
+
+<file path=ppt/slides/slide40.xml><?xml version="1.0" encoding="utf-8"?>
+<p:sld xmlns:a="http://schemas.openxmlformats.org/drawingml/2006/main" xmlns:r="http://schemas.openxmlformats.org/officeDocument/2006/relationships" xmlns:p="http://schemas.openxmlformats.org/presentationml/2006/main">
+  <p:cSld>
+    <p:spTree>
+      <p:nvGrpSpPr>
+        <p:cNvPr id="1" name=""/>
+        <p:cNvGrpSpPr/>
+        <p:nvPr/>
+      </p:nvGrpSpPr>
+      <p:grpSpPr>
+        <a:xfrm>
+          <a:off x="0" y="0"/>
+          <a:ext cx="0" cy="0"/>
+          <a:chOff x="0" y="0"/>
+          <a:chExt cx="0" cy="0"/>
+        </a:xfrm>
+      </p:grpSpPr>
+      <p:sp>
+        <p:nvSpPr>
+          <p:cNvPr id="4" name="타원 3">
+            <a:extLst>
+              <a:ext uri="{FF2B5EF4-FFF2-40B4-BE49-F238E27FC236}">
+                <a16:creationId xmlns:a16="http://schemas.microsoft.com/office/drawing/2014/main" id="{33261D49-4021-46A6-90C0-4EE4D80F0FA7}"/>
+              </a:ext>
+            </a:extLst>
+          </p:cNvPr>
+          <p:cNvSpPr/>
+          <p:nvPr/>
+        </p:nvSpPr>
+        <p:spPr>
+          <a:xfrm>
+            <a:off x="5436096" y="260648"/>
+            <a:ext cx="432048" cy="432048"/>
+          </a:xfrm>
+          <a:prstGeom prst="ellipse">
+            <a:avLst/>
+          </a:prstGeom>
+          <a:solidFill>
+            <a:srgbClr val="FFFF00"/>
+          </a:solidFill>
+          <a:ln w="9525"/>
+        </p:spPr>
+        <p:style>
+          <a:lnRef idx="2">
+            <a:schemeClr val="accent1">
+              <a:shade val="50000"/>
+            </a:schemeClr>
+          </a:lnRef>
+          <a:fillRef idx="1">
+            <a:schemeClr val="accent1"/>
+          </a:fillRef>
+          <a:effectRef idx="0">
+            <a:schemeClr val="accent1"/>
+          </a:effectRef>
+          <a:fontRef idx="minor">
+            <a:schemeClr val="lt1"/>
+          </a:fontRef>
+        </p:style>
+        <p:txBody>
+          <a:bodyPr rot="0" spcFirstLastPara="0" vertOverflow="overflow" horzOverflow="overflow" vert="horz" wrap="square" lIns="91440" tIns="45720" rIns="91440" bIns="45720" numCol="1" spcCol="0" rtlCol="0" fromWordArt="0" anchor="ctr" anchorCtr="0" forceAA="0" compatLnSpc="1">
+            <a:prstTxWarp prst="textNoShape">
+              <a:avLst/>
+            </a:prstTxWarp>
+            <a:noAutofit/>
+          </a:bodyPr>
+          <a:lstStyle/>
+          <a:p>
+            <a:pPr algn="ctr"/>
+            <a:r>
+              <a:rPr lang="en-US" altLang="ko-KR" sz="2000">
+                <a:solidFill>
+                  <a:schemeClr val="tx1"/>
+                </a:solidFill>
+                <a:latin typeface="Consolas" pitchFamily="49" charset="0"/>
+                <a:cs typeface="Consolas" pitchFamily="49" charset="0"/>
+              </a:rPr>
+              <a:t>4</a:t>
+            </a:r>
+            <a:endParaRPr lang="ko-KR" altLang="en-US" sz="2000">
+              <a:solidFill>
+                <a:schemeClr val="tx1"/>
+              </a:solidFill>
+              <a:latin typeface="Consolas" pitchFamily="49" charset="0"/>
+              <a:cs typeface="Consolas" pitchFamily="49" charset="0"/>
+            </a:endParaRPr>
+          </a:p>
+        </p:txBody>
+      </p:sp>
+      <p:sp>
+        <p:nvSpPr>
+          <p:cNvPr id="5" name="타원 4">
+            <a:extLst>
+              <a:ext uri="{FF2B5EF4-FFF2-40B4-BE49-F238E27FC236}">
+                <a16:creationId xmlns:a16="http://schemas.microsoft.com/office/drawing/2014/main" id="{74425E25-FB93-487E-9153-511FB143DDBD}"/>
+              </a:ext>
+            </a:extLst>
+          </p:cNvPr>
+          <p:cNvSpPr/>
+          <p:nvPr/>
+        </p:nvSpPr>
+        <p:spPr>
+          <a:xfrm>
+            <a:off x="4716016" y="980728"/>
+            <a:ext cx="432048" cy="432048"/>
+          </a:xfrm>
+          <a:prstGeom prst="ellipse">
+            <a:avLst/>
+          </a:prstGeom>
+          <a:solidFill>
+            <a:srgbClr val="FFFF00"/>
+          </a:solidFill>
+          <a:ln w="9525"/>
+        </p:spPr>
+        <p:style>
+          <a:lnRef idx="2">
+            <a:schemeClr val="accent1">
+              <a:shade val="50000"/>
+            </a:schemeClr>
+          </a:lnRef>
+          <a:fillRef idx="1">
+            <a:schemeClr val="accent1"/>
+          </a:fillRef>
+          <a:effectRef idx="0">
+            <a:schemeClr val="accent1"/>
+          </a:effectRef>
+          <a:fontRef idx="minor">
+            <a:schemeClr val="lt1"/>
+          </a:fontRef>
+        </p:style>
+        <p:txBody>
+          <a:bodyPr rot="0" spcFirstLastPara="0" vertOverflow="overflow" horzOverflow="overflow" vert="horz" wrap="square" lIns="91440" tIns="45720" rIns="91440" bIns="45720" numCol="1" spcCol="0" rtlCol="0" fromWordArt="0" anchor="ctr" anchorCtr="0" forceAA="0" compatLnSpc="1">
+            <a:prstTxWarp prst="textNoShape">
+              <a:avLst/>
+            </a:prstTxWarp>
+            <a:noAutofit/>
+          </a:bodyPr>
+          <a:lstStyle/>
+          <a:p>
+            <a:pPr algn="ctr"/>
+            <a:r>
+              <a:rPr lang="en-US" altLang="ko-KR" sz="2000">
+                <a:solidFill>
+                  <a:schemeClr val="tx1"/>
+                </a:solidFill>
+                <a:latin typeface="Consolas" pitchFamily="49" charset="0"/>
+                <a:cs typeface="Consolas" pitchFamily="49" charset="0"/>
+              </a:rPr>
+              <a:t>2</a:t>
+            </a:r>
+            <a:endParaRPr lang="ko-KR" altLang="en-US" sz="2000">
+              <a:solidFill>
+                <a:schemeClr val="tx1"/>
+              </a:solidFill>
+              <a:latin typeface="Consolas" pitchFamily="49" charset="0"/>
+              <a:cs typeface="Consolas" pitchFamily="49" charset="0"/>
+            </a:endParaRPr>
+          </a:p>
+        </p:txBody>
+      </p:sp>
+      <p:sp>
+        <p:nvSpPr>
+          <p:cNvPr id="6" name="타원 5">
+            <a:extLst>
+              <a:ext uri="{FF2B5EF4-FFF2-40B4-BE49-F238E27FC236}">
+                <a16:creationId xmlns:a16="http://schemas.microsoft.com/office/drawing/2014/main" id="{BA1D6D8E-026F-4F7F-A4B8-E6369687DF65}"/>
+              </a:ext>
+            </a:extLst>
+          </p:cNvPr>
+          <p:cNvSpPr/>
+          <p:nvPr/>
+        </p:nvSpPr>
+        <p:spPr>
+          <a:xfrm>
+            <a:off x="6149568" y="987268"/>
+            <a:ext cx="432048" cy="432048"/>
+          </a:xfrm>
+          <a:prstGeom prst="ellipse">
+            <a:avLst/>
+          </a:prstGeom>
+          <a:solidFill>
+            <a:srgbClr val="FFFF00"/>
+          </a:solidFill>
+          <a:ln w="9525"/>
+        </p:spPr>
+        <p:style>
+          <a:lnRef idx="2">
+            <a:schemeClr val="accent1">
+              <a:shade val="50000"/>
+            </a:schemeClr>
+          </a:lnRef>
+          <a:fillRef idx="1">
+            <a:schemeClr val="accent1"/>
+          </a:fillRef>
+          <a:effectRef idx="0">
+            <a:schemeClr val="accent1"/>
+          </a:effectRef>
+          <a:fontRef idx="minor">
+            <a:schemeClr val="lt1"/>
+          </a:fontRef>
+        </p:style>
+        <p:txBody>
+          <a:bodyPr rot="0" spcFirstLastPara="0" vertOverflow="overflow" horzOverflow="overflow" vert="horz" wrap="square" lIns="91440" tIns="45720" rIns="91440" bIns="45720" numCol="1" spcCol="0" rtlCol="0" fromWordArt="0" anchor="ctr" anchorCtr="0" forceAA="0" compatLnSpc="1">
+            <a:prstTxWarp prst="textNoShape">
+              <a:avLst/>
+            </a:prstTxWarp>
+            <a:noAutofit/>
+          </a:bodyPr>
+          <a:lstStyle/>
+          <a:p>
+            <a:pPr algn="ctr"/>
+            <a:r>
+              <a:rPr lang="en-US" altLang="ko-KR" sz="2000">
+                <a:solidFill>
+                  <a:schemeClr val="tx1"/>
+                </a:solidFill>
+                <a:latin typeface="Consolas" pitchFamily="49" charset="0"/>
+                <a:cs typeface="Consolas" pitchFamily="49" charset="0"/>
+              </a:rPr>
+              <a:t>6</a:t>
+            </a:r>
+            <a:endParaRPr lang="ko-KR" altLang="en-US" sz="2000">
+              <a:solidFill>
+                <a:schemeClr val="tx1"/>
+              </a:solidFill>
+              <a:latin typeface="Consolas" pitchFamily="49" charset="0"/>
+              <a:cs typeface="Consolas" pitchFamily="49" charset="0"/>
+            </a:endParaRPr>
+          </a:p>
+        </p:txBody>
+      </p:sp>
+      <p:sp>
+        <p:nvSpPr>
+          <p:cNvPr id="7" name="타원 6">
+            <a:extLst>
+              <a:ext uri="{FF2B5EF4-FFF2-40B4-BE49-F238E27FC236}">
+                <a16:creationId xmlns:a16="http://schemas.microsoft.com/office/drawing/2014/main" id="{672DC770-FC49-4053-8C9A-24C6A2ECE8AB}"/>
+              </a:ext>
+            </a:extLst>
+          </p:cNvPr>
+          <p:cNvSpPr/>
+          <p:nvPr/>
+        </p:nvSpPr>
+        <p:spPr>
+          <a:xfrm>
+            <a:off x="4349368" y="1795908"/>
+            <a:ext cx="432048" cy="432048"/>
+          </a:xfrm>
+          <a:prstGeom prst="ellipse">
+            <a:avLst/>
+          </a:prstGeom>
+          <a:solidFill>
+            <a:srgbClr val="FFFF00"/>
+          </a:solidFill>
+          <a:ln w="9525"/>
+        </p:spPr>
+        <p:style>
+          <a:lnRef idx="2">
+            <a:schemeClr val="accent1">
+              <a:shade val="50000"/>
+            </a:schemeClr>
+          </a:lnRef>
+          <a:fillRef idx="1">
+            <a:schemeClr val="accent1"/>
+          </a:fillRef>
+          <a:effectRef idx="0">
+            <a:schemeClr val="accent1"/>
+          </a:effectRef>
+          <a:fontRef idx="minor">
+            <a:schemeClr val="lt1"/>
+          </a:fontRef>
+        </p:style>
+        <p:txBody>
+          <a:bodyPr rot="0" spcFirstLastPara="0" vertOverflow="overflow" horzOverflow="overflow" vert="horz" wrap="square" lIns="91440" tIns="45720" rIns="91440" bIns="45720" numCol="1" spcCol="0" rtlCol="0" fromWordArt="0" anchor="ctr" anchorCtr="0" forceAA="0" compatLnSpc="1">
+            <a:prstTxWarp prst="textNoShape">
+              <a:avLst/>
+            </a:prstTxWarp>
+            <a:noAutofit/>
+          </a:bodyPr>
+          <a:lstStyle/>
+          <a:p>
+            <a:pPr algn="ctr"/>
+            <a:r>
+              <a:rPr lang="en-US" altLang="ko-KR" sz="2000">
+                <a:solidFill>
+                  <a:schemeClr val="tx1"/>
+                </a:solidFill>
+                <a:latin typeface="Consolas" pitchFamily="49" charset="0"/>
+                <a:cs typeface="Consolas" pitchFamily="49" charset="0"/>
+              </a:rPr>
+              <a:t>1</a:t>
+            </a:r>
+            <a:endParaRPr lang="ko-KR" altLang="en-US" sz="2000">
+              <a:solidFill>
+                <a:schemeClr val="tx1"/>
+              </a:solidFill>
+              <a:latin typeface="Consolas" pitchFamily="49" charset="0"/>
+              <a:cs typeface="Consolas" pitchFamily="49" charset="0"/>
+            </a:endParaRPr>
+          </a:p>
+        </p:txBody>
+      </p:sp>
+      <p:sp>
+        <p:nvSpPr>
+          <p:cNvPr id="8" name="타원 7">
+            <a:extLst>
+              <a:ext uri="{FF2B5EF4-FFF2-40B4-BE49-F238E27FC236}">
+                <a16:creationId xmlns:a16="http://schemas.microsoft.com/office/drawing/2014/main" id="{0745D315-52AF-4AE3-92B8-6B94F1BE5B93}"/>
+              </a:ext>
+            </a:extLst>
+          </p:cNvPr>
+          <p:cNvSpPr/>
+          <p:nvPr/>
+        </p:nvSpPr>
+        <p:spPr>
+          <a:xfrm>
+            <a:off x="5090347" y="1772816"/>
+            <a:ext cx="432048" cy="432048"/>
+          </a:xfrm>
+          <a:prstGeom prst="ellipse">
+            <a:avLst/>
+          </a:prstGeom>
+          <a:solidFill>
+            <a:srgbClr val="FFFF00"/>
+          </a:solidFill>
+          <a:ln w="9525"/>
+        </p:spPr>
+        <p:style>
+          <a:lnRef idx="2">
+            <a:schemeClr val="accent1">
+              <a:shade val="50000"/>
+            </a:schemeClr>
+          </a:lnRef>
+          <a:fillRef idx="1">
+            <a:schemeClr val="accent1"/>
+          </a:fillRef>
+          <a:effectRef idx="0">
+            <a:schemeClr val="accent1"/>
+          </a:effectRef>
+          <a:fontRef idx="minor">
+            <a:schemeClr val="lt1"/>
+          </a:fontRef>
+        </p:style>
+        <p:txBody>
+          <a:bodyPr rot="0" spcFirstLastPara="0" vertOverflow="overflow" horzOverflow="overflow" vert="horz" wrap="square" lIns="91440" tIns="45720" rIns="91440" bIns="45720" numCol="1" spcCol="0" rtlCol="0" fromWordArt="0" anchor="ctr" anchorCtr="0" forceAA="0" compatLnSpc="1">
+            <a:prstTxWarp prst="textNoShape">
+              <a:avLst/>
+            </a:prstTxWarp>
+            <a:noAutofit/>
+          </a:bodyPr>
+          <a:lstStyle/>
+          <a:p>
+            <a:pPr algn="ctr"/>
+            <a:r>
+              <a:rPr lang="en-US" altLang="ko-KR" sz="2000">
+                <a:solidFill>
+                  <a:schemeClr val="tx1"/>
+                </a:solidFill>
+                <a:latin typeface="Consolas" pitchFamily="49" charset="0"/>
+                <a:cs typeface="Consolas" pitchFamily="49" charset="0"/>
+              </a:rPr>
+              <a:t>3</a:t>
+            </a:r>
+            <a:endParaRPr lang="ko-KR" altLang="en-US" sz="2000">
+              <a:solidFill>
+                <a:schemeClr val="tx1"/>
+              </a:solidFill>
+              <a:latin typeface="Consolas" pitchFamily="49" charset="0"/>
+              <a:cs typeface="Consolas" pitchFamily="49" charset="0"/>
+            </a:endParaRPr>
+          </a:p>
+        </p:txBody>
+      </p:sp>
+      <p:sp>
+        <p:nvSpPr>
+          <p:cNvPr id="9" name="타원 8">
+            <a:extLst>
+              <a:ext uri="{FF2B5EF4-FFF2-40B4-BE49-F238E27FC236}">
+                <a16:creationId xmlns:a16="http://schemas.microsoft.com/office/drawing/2014/main" id="{0C6F9437-7A48-484B-8173-57263E2EEFD3}"/>
+              </a:ext>
+            </a:extLst>
+          </p:cNvPr>
+          <p:cNvSpPr/>
+          <p:nvPr/>
+        </p:nvSpPr>
+        <p:spPr>
+          <a:xfrm>
+            <a:off x="5796673" y="1779356"/>
+            <a:ext cx="432048" cy="432048"/>
+          </a:xfrm>
+          <a:prstGeom prst="ellipse">
+            <a:avLst/>
+          </a:prstGeom>
+          <a:solidFill>
+            <a:srgbClr val="FFFF00"/>
+          </a:solidFill>
+          <a:ln w="9525"/>
+        </p:spPr>
+        <p:style>
+          <a:lnRef idx="2">
+            <a:schemeClr val="accent1">
+              <a:shade val="50000"/>
+            </a:schemeClr>
+          </a:lnRef>
+          <a:fillRef idx="1">
+            <a:schemeClr val="accent1"/>
+          </a:fillRef>
+          <a:effectRef idx="0">
+            <a:schemeClr val="accent1"/>
+          </a:effectRef>
+          <a:fontRef idx="minor">
+            <a:schemeClr val="lt1"/>
+          </a:fontRef>
+        </p:style>
+        <p:txBody>
+          <a:bodyPr rot="0" spcFirstLastPara="0" vertOverflow="overflow" horzOverflow="overflow" vert="horz" wrap="square" lIns="91440" tIns="45720" rIns="91440" bIns="45720" numCol="1" spcCol="0" rtlCol="0" fromWordArt="0" anchor="ctr" anchorCtr="0" forceAA="0" compatLnSpc="1">
+            <a:prstTxWarp prst="textNoShape">
+              <a:avLst/>
+            </a:prstTxWarp>
+            <a:noAutofit/>
+          </a:bodyPr>
+          <a:lstStyle/>
+          <a:p>
+            <a:pPr algn="ctr"/>
+            <a:r>
+              <a:rPr lang="en-US" altLang="ko-KR" sz="2000">
+                <a:solidFill>
+                  <a:schemeClr val="tx1"/>
+                </a:solidFill>
+                <a:latin typeface="Consolas" pitchFamily="49" charset="0"/>
+                <a:cs typeface="Consolas" pitchFamily="49" charset="0"/>
+              </a:rPr>
+              <a:t>5</a:t>
+            </a:r>
+            <a:endParaRPr lang="ko-KR" altLang="en-US" sz="2000">
+              <a:solidFill>
+                <a:schemeClr val="tx1"/>
+              </a:solidFill>
+              <a:latin typeface="Consolas" pitchFamily="49" charset="0"/>
+              <a:cs typeface="Consolas" pitchFamily="49" charset="0"/>
+            </a:endParaRPr>
+          </a:p>
+        </p:txBody>
+      </p:sp>
+      <p:sp>
+        <p:nvSpPr>
+          <p:cNvPr id="10" name="타원 9">
+            <a:extLst>
+              <a:ext uri="{FF2B5EF4-FFF2-40B4-BE49-F238E27FC236}">
+                <a16:creationId xmlns:a16="http://schemas.microsoft.com/office/drawing/2014/main" id="{346AA0ED-ECBA-4481-B854-230BD20BA895}"/>
+              </a:ext>
+            </a:extLst>
+          </p:cNvPr>
+          <p:cNvSpPr/>
+          <p:nvPr/>
+        </p:nvSpPr>
+        <p:spPr>
+          <a:xfrm>
+            <a:off x="6509608" y="1779356"/>
+            <a:ext cx="432048" cy="432048"/>
+          </a:xfrm>
+          <a:prstGeom prst="ellipse">
+            <a:avLst/>
+          </a:prstGeom>
+          <a:solidFill>
+            <a:srgbClr val="FFFF00"/>
+          </a:solidFill>
+          <a:ln w="9525"/>
+        </p:spPr>
+        <p:style>
+          <a:lnRef idx="2">
+            <a:schemeClr val="accent1">
+              <a:shade val="50000"/>
+            </a:schemeClr>
+          </a:lnRef>
+          <a:fillRef idx="1">
+            <a:schemeClr val="accent1"/>
+          </a:fillRef>
+          <a:effectRef idx="0">
+            <a:schemeClr val="accent1"/>
+          </a:effectRef>
+          <a:fontRef idx="minor">
+            <a:schemeClr val="lt1"/>
+          </a:fontRef>
+        </p:style>
+        <p:txBody>
+          <a:bodyPr rot="0" spcFirstLastPara="0" vertOverflow="overflow" horzOverflow="overflow" vert="horz" wrap="square" lIns="91440" tIns="45720" rIns="91440" bIns="45720" numCol="1" spcCol="0" rtlCol="0" fromWordArt="0" anchor="ctr" anchorCtr="0" forceAA="0" compatLnSpc="1">
+            <a:prstTxWarp prst="textNoShape">
+              <a:avLst/>
+            </a:prstTxWarp>
+            <a:noAutofit/>
+          </a:bodyPr>
+          <a:lstStyle/>
+          <a:p>
+            <a:pPr algn="ctr"/>
+            <a:r>
+              <a:rPr lang="en-US" altLang="ko-KR" sz="2000">
+                <a:solidFill>
+                  <a:schemeClr val="tx1"/>
+                </a:solidFill>
+                <a:latin typeface="Consolas" pitchFamily="49" charset="0"/>
+                <a:cs typeface="Consolas" pitchFamily="49" charset="0"/>
+              </a:rPr>
+              <a:t>7</a:t>
+            </a:r>
+            <a:endParaRPr lang="ko-KR" altLang="en-US" sz="2000">
+              <a:solidFill>
+                <a:schemeClr val="tx1"/>
+              </a:solidFill>
+              <a:latin typeface="Consolas" pitchFamily="49" charset="0"/>
+              <a:cs typeface="Consolas" pitchFamily="49" charset="0"/>
+            </a:endParaRPr>
+          </a:p>
+        </p:txBody>
+      </p:sp>
+      <p:cxnSp>
+        <p:nvCxnSpPr>
+          <p:cNvPr id="11" name="직선 연결선 10">
+            <a:extLst>
+              <a:ext uri="{FF2B5EF4-FFF2-40B4-BE49-F238E27FC236}">
+                <a16:creationId xmlns:a16="http://schemas.microsoft.com/office/drawing/2014/main" id="{D27580EB-943C-432B-A36A-5D6E12F0628A}"/>
+              </a:ext>
+            </a:extLst>
+          </p:cNvPr>
+          <p:cNvCxnSpPr>
+            <a:stCxn id="4" idx="3"/>
+            <a:endCxn id="5" idx="0"/>
+          </p:cNvCxnSpPr>
+          <p:nvPr/>
+        </p:nvCxnSpPr>
+        <p:spPr>
+          <a:xfrm flipH="1">
+            <a:off x="4932040" y="629424"/>
+            <a:ext cx="567328" cy="351304"/>
+          </a:xfrm>
+          <a:prstGeom prst="line">
+            <a:avLst/>
+          </a:prstGeom>
+          <a:ln w="19050">
+            <a:solidFill>
+              <a:schemeClr val="tx1"/>
+            </a:solidFill>
+          </a:ln>
+        </p:spPr>
+        <p:style>
+          <a:lnRef idx="1">
+            <a:schemeClr val="accent1"/>
+          </a:lnRef>
+          <a:fillRef idx="0">
+            <a:schemeClr val="accent1"/>
+          </a:fillRef>
+          <a:effectRef idx="0">
+            <a:schemeClr val="accent1"/>
+          </a:effectRef>
+          <a:fontRef idx="minor">
+            <a:schemeClr val="tx1"/>
+          </a:fontRef>
+        </p:style>
+      </p:cxnSp>
+      <p:cxnSp>
+        <p:nvCxnSpPr>
+          <p:cNvPr id="12" name="직선 연결선 11">
+            <a:extLst>
+              <a:ext uri="{FF2B5EF4-FFF2-40B4-BE49-F238E27FC236}">
+                <a16:creationId xmlns:a16="http://schemas.microsoft.com/office/drawing/2014/main" id="{4114F70C-F002-4D17-982A-38BB78D606BF}"/>
+              </a:ext>
+            </a:extLst>
+          </p:cNvPr>
+          <p:cNvCxnSpPr>
+            <a:cxnSpLocks/>
+            <a:stCxn id="6" idx="0"/>
+            <a:endCxn id="4" idx="5"/>
+          </p:cNvCxnSpPr>
+          <p:nvPr/>
+        </p:nvCxnSpPr>
+        <p:spPr>
+          <a:xfrm flipH="1" flipV="1">
+            <a:off x="5804872" y="629424"/>
+            <a:ext cx="560720" cy="357844"/>
+          </a:xfrm>
+          <a:prstGeom prst="line">
+            <a:avLst/>
+          </a:prstGeom>
+          <a:ln w="19050">
+            <a:solidFill>
+              <a:schemeClr val="tx1"/>
+            </a:solidFill>
+          </a:ln>
+        </p:spPr>
+        <p:style>
+          <a:lnRef idx="1">
+            <a:schemeClr val="accent1"/>
+          </a:lnRef>
+          <a:fillRef idx="0">
+            <a:schemeClr val="accent1"/>
+          </a:fillRef>
+          <a:effectRef idx="0">
+            <a:schemeClr val="accent1"/>
+          </a:effectRef>
+          <a:fontRef idx="minor">
+            <a:schemeClr val="tx1"/>
+          </a:fontRef>
+        </p:style>
+      </p:cxnSp>
+      <p:cxnSp>
+        <p:nvCxnSpPr>
+          <p:cNvPr id="13" name="직선 연결선 12">
+            <a:extLst>
+              <a:ext uri="{FF2B5EF4-FFF2-40B4-BE49-F238E27FC236}">
+                <a16:creationId xmlns:a16="http://schemas.microsoft.com/office/drawing/2014/main" id="{4C1CB007-B2BD-4A46-92CF-36F7D1D91913}"/>
+              </a:ext>
+            </a:extLst>
+          </p:cNvPr>
+          <p:cNvCxnSpPr>
+            <a:cxnSpLocks/>
+            <a:stCxn id="5" idx="3"/>
+            <a:endCxn id="7" idx="0"/>
+          </p:cNvCxnSpPr>
+          <p:nvPr/>
+        </p:nvCxnSpPr>
+        <p:spPr>
+          <a:xfrm flipH="1">
+            <a:off x="4565392" y="1349504"/>
+            <a:ext cx="213896" cy="446404"/>
+          </a:xfrm>
+          <a:prstGeom prst="line">
+            <a:avLst/>
+          </a:prstGeom>
+          <a:ln w="19050">
+            <a:solidFill>
+              <a:schemeClr val="tx1"/>
+            </a:solidFill>
+          </a:ln>
+        </p:spPr>
+        <p:style>
+          <a:lnRef idx="1">
+            <a:schemeClr val="accent1"/>
+          </a:lnRef>
+          <a:fillRef idx="0">
+            <a:schemeClr val="accent1"/>
+          </a:fillRef>
+          <a:effectRef idx="0">
+            <a:schemeClr val="accent1"/>
+          </a:effectRef>
+          <a:fontRef idx="minor">
+            <a:schemeClr val="tx1"/>
+          </a:fontRef>
+        </p:style>
+      </p:cxnSp>
+      <p:cxnSp>
+        <p:nvCxnSpPr>
+          <p:cNvPr id="14" name="직선 연결선 13">
+            <a:extLst>
+              <a:ext uri="{FF2B5EF4-FFF2-40B4-BE49-F238E27FC236}">
+                <a16:creationId xmlns:a16="http://schemas.microsoft.com/office/drawing/2014/main" id="{ABD08D1D-8DF9-4240-93A9-F24685041AE5}"/>
+              </a:ext>
+            </a:extLst>
+          </p:cNvPr>
+          <p:cNvCxnSpPr>
+            <a:cxnSpLocks/>
+            <a:stCxn id="5" idx="5"/>
+            <a:endCxn id="8" idx="0"/>
+          </p:cNvCxnSpPr>
+          <p:nvPr/>
+        </p:nvCxnSpPr>
+        <p:spPr>
+          <a:xfrm>
+            <a:off x="5084792" y="1349504"/>
+            <a:ext cx="221579" cy="423312"/>
+          </a:xfrm>
+          <a:prstGeom prst="line">
+            <a:avLst/>
+          </a:prstGeom>
+          <a:ln w="19050">
+            <a:solidFill>
+              <a:schemeClr val="tx1"/>
+            </a:solidFill>
+          </a:ln>
+        </p:spPr>
+        <p:style>
+          <a:lnRef idx="1">
+            <a:schemeClr val="accent1"/>
+          </a:lnRef>
+          <a:fillRef idx="0">
+            <a:schemeClr val="accent1"/>
+          </a:fillRef>
+          <a:effectRef idx="0">
+            <a:schemeClr val="accent1"/>
+          </a:effectRef>
+          <a:fontRef idx="minor">
+            <a:schemeClr val="tx1"/>
+          </a:fontRef>
+        </p:style>
+      </p:cxnSp>
+      <p:cxnSp>
+        <p:nvCxnSpPr>
+          <p:cNvPr id="15" name="직선 연결선 14">
+            <a:extLst>
+              <a:ext uri="{FF2B5EF4-FFF2-40B4-BE49-F238E27FC236}">
+                <a16:creationId xmlns:a16="http://schemas.microsoft.com/office/drawing/2014/main" id="{6A9D45F0-9055-4755-AD6A-AB497B39E722}"/>
+              </a:ext>
+            </a:extLst>
+          </p:cNvPr>
+          <p:cNvCxnSpPr>
+            <a:cxnSpLocks/>
+            <a:stCxn id="6" idx="3"/>
+            <a:endCxn id="9" idx="0"/>
+          </p:cNvCxnSpPr>
+          <p:nvPr/>
+        </p:nvCxnSpPr>
+        <p:spPr>
+          <a:xfrm flipH="1">
+            <a:off x="6012697" y="1356044"/>
+            <a:ext cx="200143" cy="423312"/>
+          </a:xfrm>
+          <a:prstGeom prst="line">
+            <a:avLst/>
+          </a:prstGeom>
+          <a:ln w="19050">
+            <a:solidFill>
+              <a:schemeClr val="tx1"/>
+            </a:solidFill>
+          </a:ln>
+        </p:spPr>
+        <p:style>
+          <a:lnRef idx="1">
+            <a:schemeClr val="accent1"/>
+          </a:lnRef>
+          <a:fillRef idx="0">
+            <a:schemeClr val="accent1"/>
+          </a:fillRef>
+          <a:effectRef idx="0">
+            <a:schemeClr val="accent1"/>
+          </a:effectRef>
+          <a:fontRef idx="minor">
+            <a:schemeClr val="tx1"/>
+          </a:fontRef>
+        </p:style>
+      </p:cxnSp>
+      <p:cxnSp>
+        <p:nvCxnSpPr>
+          <p:cNvPr id="16" name="직선 연결선 15">
+            <a:extLst>
+              <a:ext uri="{FF2B5EF4-FFF2-40B4-BE49-F238E27FC236}">
+                <a16:creationId xmlns:a16="http://schemas.microsoft.com/office/drawing/2014/main" id="{59FBEC56-4541-485D-B9B3-C29789DA92BB}"/>
+              </a:ext>
+            </a:extLst>
+          </p:cNvPr>
+          <p:cNvCxnSpPr>
+            <a:cxnSpLocks/>
+            <a:stCxn id="6" idx="5"/>
+            <a:endCxn id="10" idx="0"/>
+          </p:cNvCxnSpPr>
+          <p:nvPr/>
+        </p:nvCxnSpPr>
+        <p:spPr>
+          <a:xfrm>
+            <a:off x="6518344" y="1356044"/>
+            <a:ext cx="207288" cy="423312"/>
+          </a:xfrm>
+          <a:prstGeom prst="line">
+            <a:avLst/>
+          </a:prstGeom>
+          <a:ln w="19050">
+            <a:solidFill>
+              <a:schemeClr val="tx1"/>
+            </a:solidFill>
+          </a:ln>
+        </p:spPr>
+        <p:style>
+          <a:lnRef idx="1">
+            <a:schemeClr val="accent1"/>
+          </a:lnRef>
+          <a:fillRef idx="0">
+            <a:schemeClr val="accent1"/>
+          </a:fillRef>
+          <a:effectRef idx="0">
+            <a:schemeClr val="accent1"/>
+          </a:effectRef>
+          <a:fontRef idx="minor">
+            <a:schemeClr val="tx1"/>
+          </a:fontRef>
+        </p:style>
+      </p:cxnSp>
+      <p:sp>
+        <p:nvSpPr>
+          <p:cNvPr id="18" name="타원 17">
+            <a:extLst>
+              <a:ext uri="{FF2B5EF4-FFF2-40B4-BE49-F238E27FC236}">
+                <a16:creationId xmlns:a16="http://schemas.microsoft.com/office/drawing/2014/main" id="{DEEC89B1-30C8-440E-B247-20DA3182F0F8}"/>
+              </a:ext>
+            </a:extLst>
+          </p:cNvPr>
+          <p:cNvSpPr/>
+          <p:nvPr/>
+        </p:nvSpPr>
+        <p:spPr>
+          <a:xfrm>
+            <a:off x="7031136" y="1700808"/>
+            <a:ext cx="432048" cy="432048"/>
+          </a:xfrm>
+          <a:prstGeom prst="ellipse">
+            <a:avLst/>
+          </a:prstGeom>
+          <a:solidFill>
+            <a:srgbClr val="FFFF00"/>
+          </a:solidFill>
+          <a:ln w="9525"/>
+        </p:spPr>
+        <p:style>
+          <a:lnRef idx="2">
+            <a:schemeClr val="accent1">
+              <a:shade val="50000"/>
+            </a:schemeClr>
+          </a:lnRef>
+          <a:fillRef idx="1">
+            <a:schemeClr val="accent1"/>
+          </a:fillRef>
+          <a:effectRef idx="0">
+            <a:schemeClr val="accent1"/>
+          </a:effectRef>
+          <a:fontRef idx="minor">
+            <a:schemeClr val="lt1"/>
+          </a:fontRef>
+        </p:style>
+        <p:txBody>
+          <a:bodyPr rot="0" spcFirstLastPara="0" vertOverflow="overflow" horzOverflow="overflow" vert="horz" wrap="square" lIns="91440" tIns="45720" rIns="91440" bIns="45720" numCol="1" spcCol="0" rtlCol="0" fromWordArt="0" anchor="ctr" anchorCtr="0" forceAA="0" compatLnSpc="1">
+            <a:prstTxWarp prst="textNoShape">
+              <a:avLst/>
+            </a:prstTxWarp>
+            <a:noAutofit/>
+          </a:bodyPr>
+          <a:lstStyle/>
+          <a:p>
+            <a:pPr algn="ctr"/>
+            <a:r>
+              <a:rPr lang="en-US" altLang="ko-KR" sz="2000">
+                <a:solidFill>
+                  <a:schemeClr val="tx1"/>
+                </a:solidFill>
+                <a:latin typeface="Consolas" pitchFamily="49" charset="0"/>
+                <a:cs typeface="Consolas" pitchFamily="49" charset="0"/>
+              </a:rPr>
+              <a:t>7</a:t>
+            </a:r>
+            <a:endParaRPr lang="ko-KR" altLang="en-US" sz="2000">
+              <a:solidFill>
+                <a:schemeClr val="tx1"/>
+              </a:solidFill>
+              <a:latin typeface="Consolas" pitchFamily="49" charset="0"/>
+              <a:cs typeface="Consolas" pitchFamily="49" charset="0"/>
+            </a:endParaRPr>
+          </a:p>
+        </p:txBody>
+      </p:sp>
+      <p:sp>
+        <p:nvSpPr>
+          <p:cNvPr id="23" name="TextBox 22">
+            <a:extLst>
+              <a:ext uri="{FF2B5EF4-FFF2-40B4-BE49-F238E27FC236}">
+                <a16:creationId xmlns:a16="http://schemas.microsoft.com/office/drawing/2014/main" id="{04C9FED3-2FC6-498C-AB2D-83EF8EA76080}"/>
+              </a:ext>
+            </a:extLst>
+          </p:cNvPr>
+          <p:cNvSpPr txBox="1"/>
+          <p:nvPr/>
+        </p:nvSpPr>
+        <p:spPr>
+          <a:xfrm>
+            <a:off x="755576" y="260648"/>
+            <a:ext cx="2441694" cy="400110"/>
+          </a:xfrm>
+          <a:prstGeom prst="rect">
+            <a:avLst/>
+          </a:prstGeom>
+          <a:noFill/>
+        </p:spPr>
+        <p:txBody>
+          <a:bodyPr wrap="none" rtlCol="0">
+            <a:spAutoFit/>
+          </a:bodyPr>
+          <a:lstStyle/>
+          <a:p>
+            <a:r>
+              <a:rPr lang="en-US" altLang="ko-KR" sz="2000">
+                <a:latin typeface="Consolas" pitchFamily="49" charset="0"/>
+                <a:cs typeface="Consolas" pitchFamily="49" charset="0"/>
+              </a:rPr>
+              <a:t>O(N) =&gt; O(log</a:t>
+            </a:r>
+            <a:r>
+              <a:rPr lang="en-US" altLang="ko-KR" sz="1400">
+                <a:latin typeface="Consolas" pitchFamily="49" charset="0"/>
+                <a:cs typeface="Consolas" pitchFamily="49" charset="0"/>
+              </a:rPr>
+              <a:t>2</a:t>
+            </a:r>
+            <a:r>
+              <a:rPr lang="en-US" altLang="ko-KR" sz="2000">
+                <a:latin typeface="Consolas" pitchFamily="49" charset="0"/>
+                <a:cs typeface="Consolas" pitchFamily="49" charset="0"/>
+              </a:rPr>
+              <a:t>N)</a:t>
+            </a:r>
+            <a:endParaRPr lang="ko-KR" altLang="en-US" sz="2000">
+              <a:latin typeface="Consolas" pitchFamily="49" charset="0"/>
+              <a:cs typeface="Consolas" pitchFamily="49" charset="0"/>
+            </a:endParaRPr>
+          </a:p>
+        </p:txBody>
+      </p:sp>
+    </p:spTree>
+    <p:extLst>
+      <p:ext uri="{BB962C8B-B14F-4D97-AF65-F5344CB8AC3E}">
+        <p14:creationId xmlns:p14="http://schemas.microsoft.com/office/powerpoint/2010/main" val="359649551"/>
+      </p:ext>
+    </p:extLst>
+  </p:cSld>
+  <p:clrMapOvr>
+    <a:masterClrMapping/>
+  </p:clrMapOvr>
+</p:sld>
+</file>
+
+<file path=ppt/slides/slide41.xml><?xml version="1.0" encoding="utf-8"?>
+<p:sld xmlns:a="http://schemas.openxmlformats.org/drawingml/2006/main" xmlns:r="http://schemas.openxmlformats.org/officeDocument/2006/relationships" xmlns:p="http://schemas.openxmlformats.org/presentationml/2006/main">
+  <p:cSld>
+    <p:spTree>
+      <p:nvGrpSpPr>
+        <p:cNvPr id="1" name=""/>
+        <p:cNvGrpSpPr/>
+        <p:nvPr/>
+      </p:nvGrpSpPr>
+      <p:grpSpPr>
+        <a:xfrm>
+          <a:off x="0" y="0"/>
+          <a:ext cx="0" cy="0"/>
+          <a:chOff x="0" y="0"/>
+          <a:chExt cx="0" cy="0"/>
+        </a:xfrm>
+      </p:grpSpPr>
+      <p:sp>
+        <p:nvSpPr>
+          <p:cNvPr id="29" name="TextBox 28">
+            <a:extLst>
+              <a:ext uri="{FF2B5EF4-FFF2-40B4-BE49-F238E27FC236}">
+                <a16:creationId xmlns:a16="http://schemas.microsoft.com/office/drawing/2014/main" id="{FC0212DA-BFB2-4664-90C9-826A5439960C}"/>
+              </a:ext>
+            </a:extLst>
+          </p:cNvPr>
+          <p:cNvSpPr txBox="1"/>
+          <p:nvPr/>
+        </p:nvSpPr>
+        <p:spPr>
+          <a:xfrm>
+            <a:off x="286275" y="260648"/>
+            <a:ext cx="4980851" cy="9017853"/>
+          </a:xfrm>
+          <a:prstGeom prst="rect">
+            <a:avLst/>
+          </a:prstGeom>
+          <a:noFill/>
+        </p:spPr>
+        <p:txBody>
+          <a:bodyPr wrap="none" rtlCol="0">
+            <a:spAutoFit/>
+          </a:bodyPr>
+          <a:lstStyle/>
+          <a:p>
+            <a:r>
+              <a:rPr lang="en-US" altLang="ko-KR" sz="2000">
+                <a:latin typeface="Consolas" pitchFamily="49" charset="0"/>
+                <a:cs typeface="Consolas" pitchFamily="49" charset="0"/>
+              </a:rPr>
+              <a:t>void insert_data( int data )</a:t>
+            </a:r>
+          </a:p>
+          <a:p>
+            <a:r>
+              <a:rPr lang="en-US" altLang="ko-KR" sz="2000">
+                <a:latin typeface="Consolas" pitchFamily="49" charset="0"/>
+                <a:cs typeface="Consolas" pitchFamily="49" charset="0"/>
+              </a:rPr>
+              <a:t>{</a:t>
+            </a:r>
+          </a:p>
+          <a:p>
+            <a:r>
+              <a:rPr lang="en-US" altLang="ko-KR" sz="2000">
+                <a:latin typeface="Consolas" pitchFamily="49" charset="0"/>
+                <a:cs typeface="Consolas" pitchFamily="49" charset="0"/>
+              </a:rPr>
+              <a:t>    NODE *temp;</a:t>
+            </a:r>
+          </a:p>
+          <a:p>
+            <a:r>
+              <a:rPr lang="en-US" altLang="ko-KR" sz="2000">
+                <a:latin typeface="Consolas" pitchFamily="49" charset="0"/>
+                <a:cs typeface="Consolas" pitchFamily="49" charset="0"/>
+              </a:rPr>
+              <a:t>    NODE *p = root, *prev;</a:t>
+            </a:r>
+          </a:p>
+          <a:p>
+            <a:r>
+              <a:rPr lang="en-US" altLang="ko-KR" sz="2000">
+                <a:latin typeface="Consolas" pitchFamily="49" charset="0"/>
+                <a:cs typeface="Consolas" pitchFamily="49" charset="0"/>
+              </a:rPr>
+              <a:t>    temp = malloc( sizeof(NODE) );</a:t>
+            </a:r>
+          </a:p>
+          <a:p>
+            <a:r>
+              <a:rPr lang="en-US" altLang="ko-KR" sz="2000">
+                <a:latin typeface="Consolas" pitchFamily="49" charset="0"/>
+                <a:cs typeface="Consolas" pitchFamily="49" charset="0"/>
+              </a:rPr>
+              <a:t>    temp-&gt;left = 0;</a:t>
+            </a:r>
+          </a:p>
+          <a:p>
+            <a:r>
+              <a:rPr lang="en-US" altLang="ko-KR" sz="2000">
+                <a:latin typeface="Consolas" pitchFamily="49" charset="0"/>
+                <a:cs typeface="Consolas" pitchFamily="49" charset="0"/>
+              </a:rPr>
+              <a:t>    temp-&gt;right = 0;</a:t>
+            </a:r>
+          </a:p>
+          <a:p>
+            <a:r>
+              <a:rPr lang="en-US" altLang="ko-KR" sz="2000">
+                <a:latin typeface="Consolas" pitchFamily="49" charset="0"/>
+                <a:cs typeface="Consolas" pitchFamily="49" charset="0"/>
+              </a:rPr>
+              <a:t>    temp-&gt;data = data;</a:t>
+            </a:r>
+          </a:p>
+          <a:p>
+            <a:endParaRPr lang="en-US" altLang="ko-KR" sz="2000">
+              <a:latin typeface="Consolas" pitchFamily="49" charset="0"/>
+              <a:cs typeface="Consolas" pitchFamily="49" charset="0"/>
+            </a:endParaRPr>
+          </a:p>
+          <a:p>
+            <a:r>
+              <a:rPr lang="en-US" altLang="ko-KR" sz="2000">
+                <a:latin typeface="Consolas" pitchFamily="49" charset="0"/>
+                <a:cs typeface="Consolas" pitchFamily="49" charset="0"/>
+              </a:rPr>
+              <a:t>    if( root == 0 )</a:t>
+            </a:r>
+          </a:p>
+          <a:p>
+            <a:r>
+              <a:rPr lang="en-US" altLang="ko-KR" sz="2000">
+                <a:latin typeface="Consolas" pitchFamily="49" charset="0"/>
+                <a:cs typeface="Consolas" pitchFamily="49" charset="0"/>
+              </a:rPr>
+              <a:t>    {</a:t>
+            </a:r>
+          </a:p>
+          <a:p>
+            <a:r>
+              <a:rPr lang="en-US" altLang="ko-KR" sz="2000">
+                <a:latin typeface="Consolas" pitchFamily="49" charset="0"/>
+                <a:cs typeface="Consolas" pitchFamily="49" charset="0"/>
+              </a:rPr>
+              <a:t>        root = temp;</a:t>
+            </a:r>
+          </a:p>
+          <a:p>
+            <a:r>
+              <a:rPr lang="en-US" altLang="ko-KR" sz="2000">
+                <a:latin typeface="Consolas" pitchFamily="49" charset="0"/>
+                <a:cs typeface="Consolas" pitchFamily="49" charset="0"/>
+              </a:rPr>
+              <a:t>        return;</a:t>
+            </a:r>
+          </a:p>
+          <a:p>
+            <a:r>
+              <a:rPr lang="en-US" altLang="ko-KR" sz="2000">
+                <a:latin typeface="Consolas" pitchFamily="49" charset="0"/>
+                <a:cs typeface="Consolas" pitchFamily="49" charset="0"/>
+              </a:rPr>
+              <a:t>    }</a:t>
+            </a:r>
+          </a:p>
+          <a:p>
+            <a:r>
+              <a:rPr lang="en-US" altLang="ko-KR" sz="2000">
+                <a:latin typeface="Consolas" pitchFamily="49" charset="0"/>
+                <a:cs typeface="Consolas" pitchFamily="49" charset="0"/>
+              </a:rPr>
+              <a:t>    while(p)</a:t>
+            </a:r>
+          </a:p>
+          <a:p>
+            <a:r>
+              <a:rPr lang="en-US" altLang="ko-KR" sz="2000">
+                <a:latin typeface="Consolas" pitchFamily="49" charset="0"/>
+                <a:cs typeface="Consolas" pitchFamily="49" charset="0"/>
+              </a:rPr>
+              <a:t>    {</a:t>
+            </a:r>
+          </a:p>
+          <a:p>
+            <a:r>
+              <a:rPr lang="en-US" altLang="ko-KR" sz="2000">
+                <a:latin typeface="Consolas" pitchFamily="49" charset="0"/>
+                <a:cs typeface="Consolas" pitchFamily="49" charset="0"/>
+              </a:rPr>
+              <a:t>       prev = p;</a:t>
+            </a:r>
+          </a:p>
+          <a:p>
+            <a:r>
+              <a:rPr lang="en-US" altLang="ko-KR" sz="2000">
+                <a:latin typeface="Consolas" pitchFamily="49" charset="0"/>
+                <a:cs typeface="Consolas" pitchFamily="49" charset="0"/>
+              </a:rPr>
+              <a:t>       if( p-&gt;data &gt; data )</a:t>
+            </a:r>
+          </a:p>
+          <a:p>
+            <a:r>
+              <a:rPr lang="en-US" altLang="ko-KR" sz="2000">
+                <a:latin typeface="Consolas" pitchFamily="49" charset="0"/>
+                <a:cs typeface="Consolas" pitchFamily="49" charset="0"/>
+              </a:rPr>
+              <a:t>          p = p-&gt;left ;</a:t>
+            </a:r>
+          </a:p>
+          <a:p>
+            <a:r>
+              <a:rPr lang="en-US" altLang="ko-KR" sz="2000">
+                <a:latin typeface="Consolas" pitchFamily="49" charset="0"/>
+                <a:cs typeface="Consolas" pitchFamily="49" charset="0"/>
+              </a:rPr>
+              <a:t>       else if( p-&gt;data &lt; data )</a:t>
+            </a:r>
+          </a:p>
+          <a:p>
+            <a:r>
+              <a:rPr lang="en-US" altLang="ko-KR" sz="2000">
+                <a:latin typeface="Consolas" pitchFamily="49" charset="0"/>
+                <a:cs typeface="Consolas" pitchFamily="49" charset="0"/>
+              </a:rPr>
+              <a:t>          p = p-&gt;right;</a:t>
+            </a:r>
+          </a:p>
+          <a:p>
+            <a:r>
+              <a:rPr lang="en-US" altLang="ko-KR" sz="2000">
+                <a:latin typeface="Consolas" pitchFamily="49" charset="0"/>
+                <a:cs typeface="Consolas" pitchFamily="49" charset="0"/>
+              </a:rPr>
+              <a:t>       else</a:t>
+            </a:r>
+          </a:p>
+          <a:p>
+            <a:r>
+              <a:rPr lang="en-US" altLang="ko-KR" sz="2000">
+                <a:latin typeface="Consolas" pitchFamily="49" charset="0"/>
+                <a:cs typeface="Consolas" pitchFamily="49" charset="0"/>
+              </a:rPr>
+              <a:t>          return;</a:t>
+            </a:r>
+          </a:p>
+          <a:p>
+            <a:r>
+              <a:rPr lang="en-US" altLang="ko-KR" sz="2000">
+                <a:latin typeface="Consolas" pitchFamily="49" charset="0"/>
+                <a:cs typeface="Consolas" pitchFamily="49" charset="0"/>
+              </a:rPr>
+              <a:t>    }</a:t>
+            </a:r>
+          </a:p>
+          <a:p>
+            <a:r>
+              <a:rPr lang="en-US" altLang="ko-KR" sz="2000">
+                <a:latin typeface="Consolas" pitchFamily="49" charset="0"/>
+                <a:cs typeface="Consolas" pitchFamily="49" charset="0"/>
+              </a:rPr>
+              <a:t>    if( prev-&gt;data &gt; data )</a:t>
+            </a:r>
+          </a:p>
+          <a:p>
+            <a:r>
+              <a:rPr lang="en-US" altLang="ko-KR" sz="2000">
+                <a:latin typeface="Consolas" pitchFamily="49" charset="0"/>
+                <a:cs typeface="Consolas" pitchFamily="49" charset="0"/>
+              </a:rPr>
+              <a:t>       prev-&gt;left = temp;</a:t>
+            </a:r>
+          </a:p>
+          <a:p>
+            <a:r>
+              <a:rPr lang="en-US" altLang="ko-KR" sz="2000">
+                <a:latin typeface="Consolas" pitchFamily="49" charset="0"/>
+                <a:cs typeface="Consolas" pitchFamily="49" charset="0"/>
+              </a:rPr>
+              <a:t>    else</a:t>
+            </a:r>
+          </a:p>
+          <a:p>
+            <a:r>
+              <a:rPr lang="en-US" altLang="ko-KR" sz="2000">
+                <a:latin typeface="Consolas" pitchFamily="49" charset="0"/>
+                <a:cs typeface="Consolas" pitchFamily="49" charset="0"/>
+              </a:rPr>
+              <a:t>       prev-&gt;right = temp;</a:t>
+            </a:r>
+          </a:p>
+          <a:p>
+            <a:r>
+              <a:rPr lang="en-US" altLang="ko-KR" sz="2000">
+                <a:latin typeface="Consolas" pitchFamily="49" charset="0"/>
+                <a:cs typeface="Consolas" pitchFamily="49" charset="0"/>
+              </a:rPr>
+              <a:t>}</a:t>
+            </a:r>
+            <a:endParaRPr lang="ko-KR" altLang="en-US" sz="2000">
+              <a:latin typeface="Consolas" pitchFamily="49" charset="0"/>
+              <a:cs typeface="Consolas" pitchFamily="49" charset="0"/>
+            </a:endParaRPr>
+          </a:p>
+        </p:txBody>
+      </p:sp>
+      <p:sp>
+        <p:nvSpPr>
+          <p:cNvPr id="42" name="TextBox 41">
+            <a:extLst>
+              <a:ext uri="{FF2B5EF4-FFF2-40B4-BE49-F238E27FC236}">
+                <a16:creationId xmlns:a16="http://schemas.microsoft.com/office/drawing/2014/main" id="{34D03373-34E4-4F76-9192-97D141016989}"/>
+              </a:ext>
+            </a:extLst>
+          </p:cNvPr>
+          <p:cNvSpPr txBox="1"/>
+          <p:nvPr/>
+        </p:nvSpPr>
+        <p:spPr>
+          <a:xfrm>
+            <a:off x="6876256" y="436602"/>
+            <a:ext cx="748923" cy="400110"/>
+          </a:xfrm>
+          <a:prstGeom prst="rect">
+            <a:avLst/>
+          </a:prstGeom>
+          <a:noFill/>
+        </p:spPr>
+        <p:txBody>
+          <a:bodyPr wrap="none" rtlCol="0">
+            <a:spAutoFit/>
+          </a:bodyPr>
+          <a:lstStyle/>
+          <a:p>
+            <a:r>
+              <a:rPr lang="en-US" altLang="ko-KR" sz="2000">
+                <a:latin typeface="Consolas" pitchFamily="49" charset="0"/>
+                <a:cs typeface="Consolas" pitchFamily="49" charset="0"/>
+              </a:rPr>
+              <a:t>root</a:t>
+            </a:r>
+            <a:endParaRPr lang="ko-KR" altLang="en-US" sz="2000">
+              <a:latin typeface="Consolas" pitchFamily="49" charset="0"/>
+              <a:cs typeface="Consolas" pitchFamily="49" charset="0"/>
+            </a:endParaRPr>
+          </a:p>
+        </p:txBody>
+      </p:sp>
+      <p:sp>
+        <p:nvSpPr>
+          <p:cNvPr id="2" name="직사각형 1">
+            <a:extLst>
+              <a:ext uri="{FF2B5EF4-FFF2-40B4-BE49-F238E27FC236}">
+                <a16:creationId xmlns:a16="http://schemas.microsoft.com/office/drawing/2014/main" id="{51F93335-8E94-4267-A2C0-177D4753473A}"/>
+              </a:ext>
+            </a:extLst>
+          </p:cNvPr>
+          <p:cNvSpPr/>
+          <p:nvPr/>
+        </p:nvSpPr>
+        <p:spPr>
+          <a:xfrm>
+            <a:off x="7092280" y="836712"/>
+            <a:ext cx="360040" cy="319970"/>
+          </a:xfrm>
+          <a:prstGeom prst="rect">
+            <a:avLst/>
+          </a:prstGeom>
+          <a:solidFill>
+            <a:srgbClr val="FFFF00"/>
+          </a:solidFill>
+          <a:ln w="9525"/>
+        </p:spPr>
+        <p:style>
+          <a:lnRef idx="2">
+            <a:schemeClr val="accent1">
+              <a:shade val="50000"/>
+            </a:schemeClr>
+          </a:lnRef>
+          <a:fillRef idx="1">
+            <a:schemeClr val="accent1"/>
+          </a:fillRef>
+          <a:effectRef idx="0">
+            <a:schemeClr val="accent1"/>
+          </a:effectRef>
+          <a:fontRef idx="minor">
+            <a:schemeClr val="lt1"/>
+          </a:fontRef>
+        </p:style>
+        <p:txBody>
+          <a:bodyPr rot="0" spcFirstLastPara="0" vertOverflow="overflow" horzOverflow="overflow" vert="horz" wrap="square" lIns="91440" tIns="45720" rIns="91440" bIns="45720" numCol="1" spcCol="0" rtlCol="0" fromWordArt="0" anchor="ctr" anchorCtr="0" forceAA="0" compatLnSpc="1">
+            <a:prstTxWarp prst="textNoShape">
+              <a:avLst/>
+            </a:prstTxWarp>
+            <a:noAutofit/>
+          </a:bodyPr>
+          <a:lstStyle/>
+          <a:p>
+            <a:pPr algn="ctr"/>
+            <a:endParaRPr lang="ko-KR" altLang="en-US" sz="2000">
+              <a:solidFill>
+                <a:schemeClr val="tx1"/>
+              </a:solidFill>
+              <a:latin typeface="Consolas" pitchFamily="49" charset="0"/>
+              <a:cs typeface="Consolas" pitchFamily="49" charset="0"/>
+            </a:endParaRPr>
+          </a:p>
+        </p:txBody>
+      </p:sp>
+      <p:cxnSp>
+        <p:nvCxnSpPr>
+          <p:cNvPr id="30" name="연결선: 구부러짐 29">
+            <a:extLst>
+              <a:ext uri="{FF2B5EF4-FFF2-40B4-BE49-F238E27FC236}">
+                <a16:creationId xmlns:a16="http://schemas.microsoft.com/office/drawing/2014/main" id="{84750094-208C-4245-834B-71D387B43A1C}"/>
+              </a:ext>
+            </a:extLst>
+          </p:cNvPr>
+          <p:cNvCxnSpPr>
+            <a:cxnSpLocks/>
+            <a:stCxn id="2" idx="2"/>
+          </p:cNvCxnSpPr>
+          <p:nvPr/>
+        </p:nvCxnSpPr>
+        <p:spPr>
+          <a:xfrm rot="16200000" flipH="1">
+            <a:off x="7020272" y="1408710"/>
+            <a:ext cx="576064" cy="72008"/>
+          </a:xfrm>
+          <a:prstGeom prst="curvedConnector3">
+            <a:avLst/>
+          </a:prstGeom>
+          <a:ln w="12700">
+            <a:solidFill>
+              <a:schemeClr val="tx1"/>
+            </a:solidFill>
+            <a:tailEnd type="triangle"/>
+          </a:ln>
+        </p:spPr>
+        <p:style>
+          <a:lnRef idx="1">
+            <a:schemeClr val="accent1"/>
+          </a:lnRef>
+          <a:fillRef idx="0">
+            <a:schemeClr val="accent1"/>
+          </a:fillRef>
+          <a:effectRef idx="0">
+            <a:schemeClr val="accent1"/>
+          </a:effectRef>
+          <a:fontRef idx="minor">
+            <a:schemeClr val="tx1"/>
+          </a:fontRef>
+        </p:style>
+      </p:cxnSp>
+      <p:sp>
+        <p:nvSpPr>
+          <p:cNvPr id="4" name="직사각형 3">
+            <a:extLst>
+              <a:ext uri="{FF2B5EF4-FFF2-40B4-BE49-F238E27FC236}">
+                <a16:creationId xmlns:a16="http://schemas.microsoft.com/office/drawing/2014/main" id="{5D6FE716-6D35-41FB-AA8B-901ECB35196E}"/>
+              </a:ext>
+            </a:extLst>
+          </p:cNvPr>
+          <p:cNvSpPr/>
+          <p:nvPr/>
+        </p:nvSpPr>
+        <p:spPr>
+          <a:xfrm>
+            <a:off x="7020272" y="1700808"/>
+            <a:ext cx="864096" cy="288032"/>
+          </a:xfrm>
+          <a:prstGeom prst="rect">
+            <a:avLst/>
+          </a:prstGeom>
+          <a:solidFill>
+            <a:srgbClr val="FFC000"/>
+          </a:solidFill>
+          <a:ln w="9525"/>
+        </p:spPr>
+        <p:style>
+          <a:lnRef idx="2">
+            <a:schemeClr val="accent1">
+              <a:shade val="50000"/>
+            </a:schemeClr>
+          </a:lnRef>
+          <a:fillRef idx="1">
+            <a:schemeClr val="accent1"/>
+          </a:fillRef>
+          <a:effectRef idx="0">
+            <a:schemeClr val="accent1"/>
+          </a:effectRef>
+          <a:fontRef idx="minor">
+            <a:schemeClr val="lt1"/>
+          </a:fontRef>
+        </p:style>
+        <p:txBody>
+          <a:bodyPr rot="0" spcFirstLastPara="0" vertOverflow="overflow" horzOverflow="overflow" vert="horz" wrap="square" lIns="91440" tIns="45720" rIns="91440" bIns="45720" numCol="1" spcCol="0" rtlCol="0" fromWordArt="0" anchor="ctr" anchorCtr="0" forceAA="0" compatLnSpc="1">
+            <a:prstTxWarp prst="textNoShape">
+              <a:avLst/>
+            </a:prstTxWarp>
+            <a:noAutofit/>
+          </a:bodyPr>
+          <a:lstStyle/>
+          <a:p>
+            <a:pPr algn="ctr"/>
+            <a:r>
+              <a:rPr lang="en-US" altLang="ko-KR" sz="2000">
+                <a:solidFill>
+                  <a:schemeClr val="tx1"/>
+                </a:solidFill>
+                <a:latin typeface="Consolas" pitchFamily="49" charset="0"/>
+                <a:cs typeface="Consolas" pitchFamily="49" charset="0"/>
+              </a:rPr>
+              <a:t>4</a:t>
+            </a:r>
+            <a:endParaRPr lang="ko-KR" altLang="en-US" sz="2000">
+              <a:solidFill>
+                <a:schemeClr val="tx1"/>
+              </a:solidFill>
+              <a:latin typeface="Consolas" pitchFamily="49" charset="0"/>
+              <a:cs typeface="Consolas" pitchFamily="49" charset="0"/>
+            </a:endParaRPr>
+          </a:p>
+        </p:txBody>
+      </p:sp>
+      <p:sp>
+        <p:nvSpPr>
+          <p:cNvPr id="15" name="직사각형 14">
+            <a:extLst>
+              <a:ext uri="{FF2B5EF4-FFF2-40B4-BE49-F238E27FC236}">
+                <a16:creationId xmlns:a16="http://schemas.microsoft.com/office/drawing/2014/main" id="{0995AD8D-D5AA-4804-8162-8088D34D7C34}"/>
+              </a:ext>
+            </a:extLst>
+          </p:cNvPr>
+          <p:cNvSpPr/>
+          <p:nvPr/>
+        </p:nvSpPr>
+        <p:spPr>
+          <a:xfrm>
+            <a:off x="7020272" y="1988840"/>
+            <a:ext cx="864096" cy="288032"/>
+          </a:xfrm>
+          <a:prstGeom prst="rect">
+            <a:avLst/>
+          </a:prstGeom>
+          <a:solidFill>
+            <a:srgbClr val="FFFF00"/>
+          </a:solidFill>
+          <a:ln w="9525"/>
+        </p:spPr>
+        <p:style>
+          <a:lnRef idx="2">
+            <a:schemeClr val="accent1">
+              <a:shade val="50000"/>
+            </a:schemeClr>
+          </a:lnRef>
+          <a:fillRef idx="1">
+            <a:schemeClr val="accent1"/>
+          </a:fillRef>
+          <a:effectRef idx="0">
+            <a:schemeClr val="accent1"/>
+          </a:effectRef>
+          <a:fontRef idx="minor">
+            <a:schemeClr val="lt1"/>
+          </a:fontRef>
+        </p:style>
+        <p:txBody>
+          <a:bodyPr rot="0" spcFirstLastPara="0" vertOverflow="overflow" horzOverflow="overflow" vert="horz" wrap="square" lIns="91440" tIns="45720" rIns="91440" bIns="45720" numCol="1" spcCol="0" rtlCol="0" fromWordArt="0" anchor="ctr" anchorCtr="0" forceAA="0" compatLnSpc="1">
+            <a:prstTxWarp prst="textNoShape">
+              <a:avLst/>
+            </a:prstTxWarp>
+            <a:noAutofit/>
+          </a:bodyPr>
+          <a:lstStyle/>
+          <a:p>
+            <a:pPr algn="ctr"/>
+            <a:r>
+              <a:rPr lang="en-US" altLang="ko-KR" sz="2000">
+                <a:solidFill>
+                  <a:schemeClr val="tx1"/>
+                </a:solidFill>
+                <a:latin typeface="Consolas" pitchFamily="49" charset="0"/>
+                <a:cs typeface="Consolas" pitchFamily="49" charset="0"/>
+              </a:rPr>
+              <a:t>0</a:t>
+            </a:r>
+            <a:endParaRPr lang="ko-KR" altLang="en-US" sz="2000">
+              <a:solidFill>
+                <a:schemeClr val="tx1"/>
+              </a:solidFill>
+              <a:latin typeface="Consolas" pitchFamily="49" charset="0"/>
+              <a:cs typeface="Consolas" pitchFamily="49" charset="0"/>
+            </a:endParaRPr>
+          </a:p>
+        </p:txBody>
+      </p:sp>
+      <p:sp>
+        <p:nvSpPr>
+          <p:cNvPr id="16" name="직사각형 15">
+            <a:extLst>
+              <a:ext uri="{FF2B5EF4-FFF2-40B4-BE49-F238E27FC236}">
+                <a16:creationId xmlns:a16="http://schemas.microsoft.com/office/drawing/2014/main" id="{2DC80742-07BB-4C72-8123-B98368840107}"/>
+              </a:ext>
+            </a:extLst>
+          </p:cNvPr>
+          <p:cNvSpPr/>
+          <p:nvPr/>
+        </p:nvSpPr>
+        <p:spPr>
+          <a:xfrm>
+            <a:off x="7020272" y="2276872"/>
+            <a:ext cx="864096" cy="288032"/>
+          </a:xfrm>
+          <a:prstGeom prst="rect">
+            <a:avLst/>
+          </a:prstGeom>
+          <a:solidFill>
+            <a:srgbClr val="FFFF00"/>
+          </a:solidFill>
+          <a:ln w="9525"/>
+        </p:spPr>
+        <p:style>
+          <a:lnRef idx="2">
+            <a:schemeClr val="accent1">
+              <a:shade val="50000"/>
+            </a:schemeClr>
+          </a:lnRef>
+          <a:fillRef idx="1">
+            <a:schemeClr val="accent1"/>
+          </a:fillRef>
+          <a:effectRef idx="0">
+            <a:schemeClr val="accent1"/>
+          </a:effectRef>
+          <a:fontRef idx="minor">
+            <a:schemeClr val="lt1"/>
+          </a:fontRef>
+        </p:style>
+        <p:txBody>
+          <a:bodyPr rot="0" spcFirstLastPara="0" vertOverflow="overflow" horzOverflow="overflow" vert="horz" wrap="square" lIns="91440" tIns="45720" rIns="91440" bIns="45720" numCol="1" spcCol="0" rtlCol="0" fromWordArt="0" anchor="ctr" anchorCtr="0" forceAA="0" compatLnSpc="1">
+            <a:prstTxWarp prst="textNoShape">
+              <a:avLst/>
+            </a:prstTxWarp>
+            <a:noAutofit/>
+          </a:bodyPr>
+          <a:lstStyle/>
+          <a:p>
+            <a:pPr algn="ctr"/>
+            <a:r>
+              <a:rPr lang="en-US" altLang="ko-KR" sz="2000">
+                <a:solidFill>
+                  <a:schemeClr val="tx1"/>
+                </a:solidFill>
+                <a:latin typeface="Consolas" pitchFamily="49" charset="0"/>
+                <a:cs typeface="Consolas" pitchFamily="49" charset="0"/>
+              </a:rPr>
+              <a:t>0</a:t>
+            </a:r>
+            <a:endParaRPr lang="ko-KR" altLang="en-US" sz="2000">
+              <a:solidFill>
+                <a:schemeClr val="tx1"/>
+              </a:solidFill>
+              <a:latin typeface="Consolas" pitchFamily="49" charset="0"/>
+              <a:cs typeface="Consolas" pitchFamily="49" charset="0"/>
+            </a:endParaRPr>
+          </a:p>
+        </p:txBody>
+      </p:sp>
+      <p:sp>
+        <p:nvSpPr>
+          <p:cNvPr id="17" name="직사각형 16">
+            <a:extLst>
+              <a:ext uri="{FF2B5EF4-FFF2-40B4-BE49-F238E27FC236}">
+                <a16:creationId xmlns:a16="http://schemas.microsoft.com/office/drawing/2014/main" id="{0CECF82D-3E24-494E-A3F1-5E6D542785D5}"/>
+              </a:ext>
+            </a:extLst>
+          </p:cNvPr>
+          <p:cNvSpPr/>
+          <p:nvPr/>
+        </p:nvSpPr>
+        <p:spPr>
+          <a:xfrm>
+            <a:off x="5796136" y="2852936"/>
+            <a:ext cx="864096" cy="288032"/>
+          </a:xfrm>
+          <a:prstGeom prst="rect">
+            <a:avLst/>
+          </a:prstGeom>
+          <a:solidFill>
+            <a:srgbClr val="FFC000"/>
+          </a:solidFill>
+          <a:ln w="9525"/>
+        </p:spPr>
+        <p:style>
+          <a:lnRef idx="2">
+            <a:schemeClr val="accent1">
+              <a:shade val="50000"/>
+            </a:schemeClr>
+          </a:lnRef>
+          <a:fillRef idx="1">
+            <a:schemeClr val="accent1"/>
+          </a:fillRef>
+          <a:effectRef idx="0">
+            <a:schemeClr val="accent1"/>
+          </a:effectRef>
+          <a:fontRef idx="minor">
+            <a:schemeClr val="lt1"/>
+          </a:fontRef>
+        </p:style>
+        <p:txBody>
+          <a:bodyPr rot="0" spcFirstLastPara="0" vertOverflow="overflow" horzOverflow="overflow" vert="horz" wrap="square" lIns="91440" tIns="45720" rIns="91440" bIns="45720" numCol="1" spcCol="0" rtlCol="0" fromWordArt="0" anchor="ctr" anchorCtr="0" forceAA="0" compatLnSpc="1">
+            <a:prstTxWarp prst="textNoShape">
+              <a:avLst/>
+            </a:prstTxWarp>
+            <a:noAutofit/>
+          </a:bodyPr>
+          <a:lstStyle/>
+          <a:p>
+            <a:pPr algn="ctr"/>
+            <a:r>
+              <a:rPr lang="en-US" altLang="ko-KR" sz="2000">
+                <a:solidFill>
+                  <a:schemeClr val="tx1"/>
+                </a:solidFill>
+                <a:latin typeface="Consolas" pitchFamily="49" charset="0"/>
+                <a:cs typeface="Consolas" pitchFamily="49" charset="0"/>
+              </a:rPr>
+              <a:t>2</a:t>
+            </a:r>
+            <a:endParaRPr lang="ko-KR" altLang="en-US" sz="2000">
+              <a:solidFill>
+                <a:schemeClr val="tx1"/>
+              </a:solidFill>
+              <a:latin typeface="Consolas" pitchFamily="49" charset="0"/>
+              <a:cs typeface="Consolas" pitchFamily="49" charset="0"/>
+            </a:endParaRPr>
+          </a:p>
+        </p:txBody>
+      </p:sp>
+      <p:sp>
+        <p:nvSpPr>
+          <p:cNvPr id="18" name="직사각형 17">
+            <a:extLst>
+              <a:ext uri="{FF2B5EF4-FFF2-40B4-BE49-F238E27FC236}">
+                <a16:creationId xmlns:a16="http://schemas.microsoft.com/office/drawing/2014/main" id="{9BA6E4D4-9E5E-4CD7-B068-22BED7B699C2}"/>
+              </a:ext>
+            </a:extLst>
+          </p:cNvPr>
+          <p:cNvSpPr/>
+          <p:nvPr/>
+        </p:nvSpPr>
+        <p:spPr>
+          <a:xfrm>
+            <a:off x="5796136" y="3140968"/>
+            <a:ext cx="864096" cy="288032"/>
+          </a:xfrm>
+          <a:prstGeom prst="rect">
+            <a:avLst/>
+          </a:prstGeom>
+          <a:solidFill>
+            <a:srgbClr val="FFFF00"/>
+          </a:solidFill>
+          <a:ln w="9525"/>
+        </p:spPr>
+        <p:style>
+          <a:lnRef idx="2">
+            <a:schemeClr val="accent1">
+              <a:shade val="50000"/>
+            </a:schemeClr>
+          </a:lnRef>
+          <a:fillRef idx="1">
+            <a:schemeClr val="accent1"/>
+          </a:fillRef>
+          <a:effectRef idx="0">
+            <a:schemeClr val="accent1"/>
+          </a:effectRef>
+          <a:fontRef idx="minor">
+            <a:schemeClr val="lt1"/>
+          </a:fontRef>
+        </p:style>
+        <p:txBody>
+          <a:bodyPr rot="0" spcFirstLastPara="0" vertOverflow="overflow" horzOverflow="overflow" vert="horz" wrap="square" lIns="91440" tIns="45720" rIns="91440" bIns="45720" numCol="1" spcCol="0" rtlCol="0" fromWordArt="0" anchor="ctr" anchorCtr="0" forceAA="0" compatLnSpc="1">
+            <a:prstTxWarp prst="textNoShape">
+              <a:avLst/>
+            </a:prstTxWarp>
+            <a:noAutofit/>
+          </a:bodyPr>
+          <a:lstStyle/>
+          <a:p>
+            <a:pPr algn="ctr"/>
+            <a:r>
+              <a:rPr lang="en-US" altLang="ko-KR" sz="2000">
+                <a:solidFill>
+                  <a:schemeClr val="tx1"/>
+                </a:solidFill>
+                <a:latin typeface="Consolas" pitchFamily="49" charset="0"/>
+                <a:cs typeface="Consolas" pitchFamily="49" charset="0"/>
+              </a:rPr>
+              <a:t>0</a:t>
+            </a:r>
+            <a:endParaRPr lang="ko-KR" altLang="en-US" sz="2000">
+              <a:solidFill>
+                <a:schemeClr val="tx1"/>
+              </a:solidFill>
+              <a:latin typeface="Consolas" pitchFamily="49" charset="0"/>
+              <a:cs typeface="Consolas" pitchFamily="49" charset="0"/>
+            </a:endParaRPr>
+          </a:p>
+        </p:txBody>
+      </p:sp>
+      <p:sp>
+        <p:nvSpPr>
+          <p:cNvPr id="19" name="직사각형 18">
+            <a:extLst>
+              <a:ext uri="{FF2B5EF4-FFF2-40B4-BE49-F238E27FC236}">
+                <a16:creationId xmlns:a16="http://schemas.microsoft.com/office/drawing/2014/main" id="{CD384454-BFCA-4140-8A74-B70F734D321E}"/>
+              </a:ext>
+            </a:extLst>
+          </p:cNvPr>
+          <p:cNvSpPr/>
+          <p:nvPr/>
+        </p:nvSpPr>
+        <p:spPr>
+          <a:xfrm>
+            <a:off x="5796136" y="3429000"/>
+            <a:ext cx="864096" cy="288032"/>
+          </a:xfrm>
+          <a:prstGeom prst="rect">
+            <a:avLst/>
+          </a:prstGeom>
+          <a:solidFill>
+            <a:srgbClr val="FFFF00"/>
+          </a:solidFill>
+          <a:ln w="9525"/>
+        </p:spPr>
+        <p:style>
+          <a:lnRef idx="2">
+            <a:schemeClr val="accent1">
+              <a:shade val="50000"/>
+            </a:schemeClr>
+          </a:lnRef>
+          <a:fillRef idx="1">
+            <a:schemeClr val="accent1"/>
+          </a:fillRef>
+          <a:effectRef idx="0">
+            <a:schemeClr val="accent1"/>
+          </a:effectRef>
+          <a:fontRef idx="minor">
+            <a:schemeClr val="lt1"/>
+          </a:fontRef>
+        </p:style>
+        <p:txBody>
+          <a:bodyPr rot="0" spcFirstLastPara="0" vertOverflow="overflow" horzOverflow="overflow" vert="horz" wrap="square" lIns="91440" tIns="45720" rIns="91440" bIns="45720" numCol="1" spcCol="0" rtlCol="0" fromWordArt="0" anchor="ctr" anchorCtr="0" forceAA="0" compatLnSpc="1">
+            <a:prstTxWarp prst="textNoShape">
+              <a:avLst/>
+            </a:prstTxWarp>
+            <a:noAutofit/>
+          </a:bodyPr>
+          <a:lstStyle/>
+          <a:p>
+            <a:pPr algn="ctr"/>
+            <a:r>
+              <a:rPr lang="en-US" altLang="ko-KR" sz="2000">
+                <a:solidFill>
+                  <a:schemeClr val="tx1"/>
+                </a:solidFill>
+                <a:latin typeface="Consolas" pitchFamily="49" charset="0"/>
+                <a:cs typeface="Consolas" pitchFamily="49" charset="0"/>
+              </a:rPr>
+              <a:t>0</a:t>
+            </a:r>
+            <a:endParaRPr lang="ko-KR" altLang="en-US" sz="2000">
+              <a:solidFill>
+                <a:schemeClr val="tx1"/>
+              </a:solidFill>
+              <a:latin typeface="Consolas" pitchFamily="49" charset="0"/>
+              <a:cs typeface="Consolas" pitchFamily="49" charset="0"/>
+            </a:endParaRPr>
+          </a:p>
+        </p:txBody>
+      </p:sp>
+      <p:sp>
+        <p:nvSpPr>
+          <p:cNvPr id="20" name="TextBox 19">
+            <a:extLst>
+              <a:ext uri="{FF2B5EF4-FFF2-40B4-BE49-F238E27FC236}">
+                <a16:creationId xmlns:a16="http://schemas.microsoft.com/office/drawing/2014/main" id="{DB4D54E6-4559-4D3C-AE3C-1758CFD2179C}"/>
+              </a:ext>
+            </a:extLst>
+          </p:cNvPr>
+          <p:cNvSpPr txBox="1"/>
+          <p:nvPr/>
+        </p:nvSpPr>
+        <p:spPr>
+          <a:xfrm>
+            <a:off x="5718043" y="1556792"/>
+            <a:ext cx="748923" cy="400110"/>
+          </a:xfrm>
+          <a:prstGeom prst="rect">
+            <a:avLst/>
+          </a:prstGeom>
+          <a:noFill/>
+        </p:spPr>
+        <p:txBody>
+          <a:bodyPr wrap="none" rtlCol="0">
+            <a:spAutoFit/>
+          </a:bodyPr>
+          <a:lstStyle/>
+          <a:p>
+            <a:r>
+              <a:rPr lang="en-US" altLang="ko-KR" sz="2000">
+                <a:latin typeface="Consolas" pitchFamily="49" charset="0"/>
+                <a:cs typeface="Consolas" pitchFamily="49" charset="0"/>
+              </a:rPr>
+              <a:t>temp</a:t>
+            </a:r>
+            <a:endParaRPr lang="ko-KR" altLang="en-US" sz="2000">
+              <a:latin typeface="Consolas" pitchFamily="49" charset="0"/>
+              <a:cs typeface="Consolas" pitchFamily="49" charset="0"/>
+            </a:endParaRPr>
+          </a:p>
+        </p:txBody>
+      </p:sp>
+      <p:sp>
+        <p:nvSpPr>
+          <p:cNvPr id="21" name="직사각형 20">
+            <a:extLst>
+              <a:ext uri="{FF2B5EF4-FFF2-40B4-BE49-F238E27FC236}">
+                <a16:creationId xmlns:a16="http://schemas.microsoft.com/office/drawing/2014/main" id="{05394B20-20C4-417F-9206-2CC4C265C28C}"/>
+              </a:ext>
+            </a:extLst>
+          </p:cNvPr>
+          <p:cNvSpPr/>
+          <p:nvPr/>
+        </p:nvSpPr>
+        <p:spPr>
+          <a:xfrm>
+            <a:off x="5934067" y="1956902"/>
+            <a:ext cx="360040" cy="319970"/>
+          </a:xfrm>
+          <a:prstGeom prst="rect">
+            <a:avLst/>
+          </a:prstGeom>
+          <a:solidFill>
+            <a:srgbClr val="FFFF00"/>
+          </a:solidFill>
+          <a:ln w="9525"/>
+        </p:spPr>
+        <p:style>
+          <a:lnRef idx="2">
+            <a:schemeClr val="accent1">
+              <a:shade val="50000"/>
+            </a:schemeClr>
+          </a:lnRef>
+          <a:fillRef idx="1">
+            <a:schemeClr val="accent1"/>
+          </a:fillRef>
+          <a:effectRef idx="0">
+            <a:schemeClr val="accent1"/>
+          </a:effectRef>
+          <a:fontRef idx="minor">
+            <a:schemeClr val="lt1"/>
+          </a:fontRef>
+        </p:style>
+        <p:txBody>
+          <a:bodyPr rot="0" spcFirstLastPara="0" vertOverflow="overflow" horzOverflow="overflow" vert="horz" wrap="square" lIns="91440" tIns="45720" rIns="91440" bIns="45720" numCol="1" spcCol="0" rtlCol="0" fromWordArt="0" anchor="ctr" anchorCtr="0" forceAA="0" compatLnSpc="1">
+            <a:prstTxWarp prst="textNoShape">
+              <a:avLst/>
+            </a:prstTxWarp>
+            <a:noAutofit/>
+          </a:bodyPr>
+          <a:lstStyle/>
+          <a:p>
+            <a:pPr algn="ctr"/>
+            <a:endParaRPr lang="ko-KR" altLang="en-US" sz="2000">
+              <a:solidFill>
+                <a:schemeClr val="tx1"/>
+              </a:solidFill>
+              <a:latin typeface="Consolas" pitchFamily="49" charset="0"/>
+              <a:cs typeface="Consolas" pitchFamily="49" charset="0"/>
+            </a:endParaRPr>
+          </a:p>
+        </p:txBody>
+      </p:sp>
+      <p:cxnSp>
+        <p:nvCxnSpPr>
+          <p:cNvPr id="22" name="연결선: 구부러짐 21">
+            <a:extLst>
+              <a:ext uri="{FF2B5EF4-FFF2-40B4-BE49-F238E27FC236}">
+                <a16:creationId xmlns:a16="http://schemas.microsoft.com/office/drawing/2014/main" id="{F9215EE2-3895-425A-AA31-972019EE72AE}"/>
+              </a:ext>
+            </a:extLst>
+          </p:cNvPr>
+          <p:cNvCxnSpPr>
+            <a:cxnSpLocks/>
+            <a:stCxn id="21" idx="2"/>
+          </p:cNvCxnSpPr>
+          <p:nvPr/>
+        </p:nvCxnSpPr>
+        <p:spPr>
+          <a:xfrm rot="16200000" flipH="1">
+            <a:off x="5862059" y="2528900"/>
+            <a:ext cx="576064" cy="72008"/>
+          </a:xfrm>
+          <a:prstGeom prst="curvedConnector3">
+            <a:avLst/>
+          </a:prstGeom>
+          <a:ln w="12700">
+            <a:solidFill>
+              <a:schemeClr val="tx1"/>
+            </a:solidFill>
+            <a:tailEnd type="triangle"/>
+          </a:ln>
+        </p:spPr>
+        <p:style>
+          <a:lnRef idx="1">
+            <a:schemeClr val="accent1"/>
+          </a:lnRef>
+          <a:fillRef idx="0">
+            <a:schemeClr val="accent1"/>
+          </a:fillRef>
+          <a:effectRef idx="0">
+            <a:schemeClr val="accent1"/>
+          </a:effectRef>
+          <a:fontRef idx="minor">
+            <a:schemeClr val="tx1"/>
+          </a:fontRef>
+        </p:style>
+      </p:cxnSp>
+      <p:sp>
+        <p:nvSpPr>
+          <p:cNvPr id="23" name="TextBox 22">
+            <a:extLst>
+              <a:ext uri="{FF2B5EF4-FFF2-40B4-BE49-F238E27FC236}">
+                <a16:creationId xmlns:a16="http://schemas.microsoft.com/office/drawing/2014/main" id="{2562EB48-348A-444B-8AA9-D45A7EDBD9E6}"/>
+              </a:ext>
+            </a:extLst>
+          </p:cNvPr>
+          <p:cNvSpPr txBox="1"/>
+          <p:nvPr/>
+        </p:nvSpPr>
+        <p:spPr>
+          <a:xfrm>
+            <a:off x="7706456" y="436602"/>
+            <a:ext cx="748923" cy="400110"/>
+          </a:xfrm>
+          <a:prstGeom prst="rect">
+            <a:avLst/>
+          </a:prstGeom>
+          <a:noFill/>
+        </p:spPr>
+        <p:txBody>
+          <a:bodyPr wrap="none" rtlCol="0">
+            <a:spAutoFit/>
+          </a:bodyPr>
+          <a:lstStyle/>
+          <a:p>
+            <a:r>
+              <a:rPr lang="en-US" altLang="ko-KR" sz="2000">
+                <a:latin typeface="Consolas" pitchFamily="49" charset="0"/>
+                <a:cs typeface="Consolas" pitchFamily="49" charset="0"/>
+              </a:rPr>
+              <a:t>prev</a:t>
+            </a:r>
+            <a:endParaRPr lang="ko-KR" altLang="en-US" sz="2000">
+              <a:latin typeface="Consolas" pitchFamily="49" charset="0"/>
+              <a:cs typeface="Consolas" pitchFamily="49" charset="0"/>
+            </a:endParaRPr>
+          </a:p>
+        </p:txBody>
+      </p:sp>
+      <p:sp>
+        <p:nvSpPr>
+          <p:cNvPr id="24" name="직사각형 23">
+            <a:extLst>
+              <a:ext uri="{FF2B5EF4-FFF2-40B4-BE49-F238E27FC236}">
+                <a16:creationId xmlns:a16="http://schemas.microsoft.com/office/drawing/2014/main" id="{1271EC79-8B53-406F-B131-8BF29500606B}"/>
+              </a:ext>
+            </a:extLst>
+          </p:cNvPr>
+          <p:cNvSpPr/>
+          <p:nvPr/>
+        </p:nvSpPr>
+        <p:spPr>
+          <a:xfrm>
+            <a:off x="7922480" y="836712"/>
+            <a:ext cx="360040" cy="319970"/>
+          </a:xfrm>
+          <a:prstGeom prst="rect">
+            <a:avLst/>
+          </a:prstGeom>
+          <a:solidFill>
+            <a:srgbClr val="FFFF00"/>
+          </a:solidFill>
+          <a:ln w="9525"/>
+        </p:spPr>
+        <p:style>
+          <a:lnRef idx="2">
+            <a:schemeClr val="accent1">
+              <a:shade val="50000"/>
+            </a:schemeClr>
+          </a:lnRef>
+          <a:fillRef idx="1">
+            <a:schemeClr val="accent1"/>
+          </a:fillRef>
+          <a:effectRef idx="0">
+            <a:schemeClr val="accent1"/>
+          </a:effectRef>
+          <a:fontRef idx="minor">
+            <a:schemeClr val="lt1"/>
+          </a:fontRef>
+        </p:style>
+        <p:txBody>
+          <a:bodyPr rot="0" spcFirstLastPara="0" vertOverflow="overflow" horzOverflow="overflow" vert="horz" wrap="square" lIns="91440" tIns="45720" rIns="91440" bIns="45720" numCol="1" spcCol="0" rtlCol="0" fromWordArt="0" anchor="ctr" anchorCtr="0" forceAA="0" compatLnSpc="1">
+            <a:prstTxWarp prst="textNoShape">
+              <a:avLst/>
+            </a:prstTxWarp>
+            <a:noAutofit/>
+          </a:bodyPr>
+          <a:lstStyle/>
+          <a:p>
+            <a:pPr algn="ctr"/>
+            <a:endParaRPr lang="ko-KR" altLang="en-US" sz="2000">
+              <a:solidFill>
+                <a:schemeClr val="tx1"/>
+              </a:solidFill>
+              <a:latin typeface="Consolas" pitchFamily="49" charset="0"/>
+              <a:cs typeface="Consolas" pitchFamily="49" charset="0"/>
+            </a:endParaRPr>
+          </a:p>
+        </p:txBody>
+      </p:sp>
+      <p:sp>
+        <p:nvSpPr>
+          <p:cNvPr id="31" name="TextBox 30">
+            <a:extLst>
+              <a:ext uri="{FF2B5EF4-FFF2-40B4-BE49-F238E27FC236}">
+                <a16:creationId xmlns:a16="http://schemas.microsoft.com/office/drawing/2014/main" id="{CADBCA96-CD9C-4138-B241-FAF489E657B9}"/>
+              </a:ext>
+            </a:extLst>
+          </p:cNvPr>
+          <p:cNvSpPr txBox="1"/>
+          <p:nvPr/>
+        </p:nvSpPr>
+        <p:spPr>
+          <a:xfrm>
+            <a:off x="8388424" y="436602"/>
+            <a:ext cx="325730" cy="400110"/>
+          </a:xfrm>
+          <a:prstGeom prst="rect">
+            <a:avLst/>
+          </a:prstGeom>
+          <a:noFill/>
+        </p:spPr>
+        <p:txBody>
+          <a:bodyPr wrap="none" rtlCol="0">
+            <a:spAutoFit/>
+          </a:bodyPr>
+          <a:lstStyle/>
+          <a:p>
+            <a:r>
+              <a:rPr lang="en-US" altLang="ko-KR" sz="2000">
+                <a:latin typeface="Consolas" pitchFamily="49" charset="0"/>
+                <a:cs typeface="Consolas" pitchFamily="49" charset="0"/>
+              </a:rPr>
+              <a:t>p</a:t>
+            </a:r>
+            <a:endParaRPr lang="ko-KR" altLang="en-US" sz="2000">
+              <a:latin typeface="Consolas" pitchFamily="49" charset="0"/>
+              <a:cs typeface="Consolas" pitchFamily="49" charset="0"/>
+            </a:endParaRPr>
+          </a:p>
+        </p:txBody>
+      </p:sp>
+      <p:sp>
+        <p:nvSpPr>
+          <p:cNvPr id="32" name="직사각형 31">
+            <a:extLst>
+              <a:ext uri="{FF2B5EF4-FFF2-40B4-BE49-F238E27FC236}">
+                <a16:creationId xmlns:a16="http://schemas.microsoft.com/office/drawing/2014/main" id="{AB8F2AB5-33E8-4B9A-B440-B75AF3CAB739}"/>
+              </a:ext>
+            </a:extLst>
+          </p:cNvPr>
+          <p:cNvSpPr/>
+          <p:nvPr/>
+        </p:nvSpPr>
+        <p:spPr>
+          <a:xfrm>
+            <a:off x="8604448" y="836712"/>
+            <a:ext cx="360040" cy="319970"/>
+          </a:xfrm>
+          <a:prstGeom prst="rect">
+            <a:avLst/>
+          </a:prstGeom>
+          <a:solidFill>
+            <a:srgbClr val="FFFF00"/>
+          </a:solidFill>
+          <a:ln w="9525"/>
+        </p:spPr>
+        <p:style>
+          <a:lnRef idx="2">
+            <a:schemeClr val="accent1">
+              <a:shade val="50000"/>
+            </a:schemeClr>
+          </a:lnRef>
+          <a:fillRef idx="1">
+            <a:schemeClr val="accent1"/>
+          </a:fillRef>
+          <a:effectRef idx="0">
+            <a:schemeClr val="accent1"/>
+          </a:effectRef>
+          <a:fontRef idx="minor">
+            <a:schemeClr val="lt1"/>
+          </a:fontRef>
+        </p:style>
+        <p:txBody>
+          <a:bodyPr rot="0" spcFirstLastPara="0" vertOverflow="overflow" horzOverflow="overflow" vert="horz" wrap="square" lIns="91440" tIns="45720" rIns="91440" bIns="45720" numCol="1" spcCol="0" rtlCol="0" fromWordArt="0" anchor="ctr" anchorCtr="0" forceAA="0" compatLnSpc="1">
+            <a:prstTxWarp prst="textNoShape">
+              <a:avLst/>
+            </a:prstTxWarp>
+            <a:noAutofit/>
+          </a:bodyPr>
+          <a:lstStyle/>
+          <a:p>
+            <a:pPr algn="ctr"/>
+            <a:r>
+              <a:rPr lang="en-US" altLang="ko-KR" sz="2000">
+                <a:solidFill>
+                  <a:schemeClr val="tx1"/>
+                </a:solidFill>
+                <a:latin typeface="Consolas" pitchFamily="49" charset="0"/>
+                <a:cs typeface="Consolas" pitchFamily="49" charset="0"/>
+              </a:rPr>
+              <a:t>0</a:t>
+            </a:r>
+            <a:endParaRPr lang="ko-KR" altLang="en-US" sz="2000">
+              <a:solidFill>
+                <a:schemeClr val="tx1"/>
+              </a:solidFill>
+              <a:latin typeface="Consolas" pitchFamily="49" charset="0"/>
+              <a:cs typeface="Consolas" pitchFamily="49" charset="0"/>
+            </a:endParaRPr>
+          </a:p>
+        </p:txBody>
+      </p:sp>
+      <p:cxnSp>
+        <p:nvCxnSpPr>
+          <p:cNvPr id="33" name="연결선: 구부러짐 32">
+            <a:extLst>
+              <a:ext uri="{FF2B5EF4-FFF2-40B4-BE49-F238E27FC236}">
+                <a16:creationId xmlns:a16="http://schemas.microsoft.com/office/drawing/2014/main" id="{6B8A0A19-DE97-497A-8C95-72EABE95D393}"/>
+              </a:ext>
+            </a:extLst>
+          </p:cNvPr>
+          <p:cNvCxnSpPr>
+            <a:cxnSpLocks/>
+            <a:stCxn id="24" idx="2"/>
+            <a:endCxn id="4" idx="0"/>
+          </p:cNvCxnSpPr>
+          <p:nvPr/>
+        </p:nvCxnSpPr>
+        <p:spPr>
+          <a:xfrm rot="5400000">
+            <a:off x="7505347" y="1103655"/>
+            <a:ext cx="544126" cy="650180"/>
+          </a:xfrm>
+          <a:prstGeom prst="curvedConnector3">
+            <a:avLst/>
+          </a:prstGeom>
+          <a:ln w="12700">
+            <a:solidFill>
+              <a:schemeClr val="tx1"/>
+            </a:solidFill>
+            <a:tailEnd type="triangle"/>
+          </a:ln>
+        </p:spPr>
+        <p:style>
+          <a:lnRef idx="1">
+            <a:schemeClr val="accent1"/>
+          </a:lnRef>
+          <a:fillRef idx="0">
+            <a:schemeClr val="accent1"/>
+          </a:fillRef>
+          <a:effectRef idx="0">
+            <a:schemeClr val="accent1"/>
+          </a:effectRef>
+          <a:fontRef idx="minor">
+            <a:schemeClr val="tx1"/>
+          </a:fontRef>
+        </p:style>
+      </p:cxnSp>
+    </p:spTree>
+    <p:extLst>
+      <p:ext uri="{BB962C8B-B14F-4D97-AF65-F5344CB8AC3E}">
+        <p14:creationId xmlns:p14="http://schemas.microsoft.com/office/powerpoint/2010/main" val="1886796183"/>
+      </p:ext>
+    </p:extLst>
+  </p:cSld>
+  <p:clrMapOvr>
+    <a:masterClrMapping/>
+  </p:clrMapOvr>
+</p:sld>
+</file>
+
+<file path=ppt/slides/slide42.xml><?xml version="1.0" encoding="utf-8"?>
+<p:sld xmlns:a="http://schemas.openxmlformats.org/drawingml/2006/main" xmlns:r="http://schemas.openxmlformats.org/officeDocument/2006/relationships" xmlns:p="http://schemas.openxmlformats.org/presentationml/2006/main">
+  <p:cSld>
+    <p:spTree>
+      <p:nvGrpSpPr>
+        <p:cNvPr id="1" name=""/>
+        <p:cNvGrpSpPr/>
+        <p:nvPr/>
+      </p:nvGrpSpPr>
+      <p:grpSpPr>
+        <a:xfrm>
+          <a:off x="0" y="0"/>
+          <a:ext cx="0" cy="0"/>
+          <a:chOff x="0" y="0"/>
+          <a:chExt cx="0" cy="0"/>
+        </a:xfrm>
+      </p:grpSpPr>
+      <p:sp>
+        <p:nvSpPr>
+          <p:cNvPr id="29" name="TextBox 28">
+            <a:extLst>
+              <a:ext uri="{FF2B5EF4-FFF2-40B4-BE49-F238E27FC236}">
+                <a16:creationId xmlns:a16="http://schemas.microsoft.com/office/drawing/2014/main" id="{FC0212DA-BFB2-4664-90C9-826A5439960C}"/>
+              </a:ext>
+            </a:extLst>
+          </p:cNvPr>
+          <p:cNvSpPr txBox="1"/>
+          <p:nvPr/>
+        </p:nvSpPr>
+        <p:spPr>
+          <a:xfrm>
+            <a:off x="216964" y="-1655991"/>
+            <a:ext cx="4980851" cy="9017853"/>
+          </a:xfrm>
+          <a:prstGeom prst="rect">
+            <a:avLst/>
+          </a:prstGeom>
+          <a:noFill/>
+        </p:spPr>
+        <p:txBody>
+          <a:bodyPr wrap="none" rtlCol="0">
+            <a:spAutoFit/>
+          </a:bodyPr>
+          <a:lstStyle/>
+          <a:p>
+            <a:r>
+              <a:rPr lang="en-US" altLang="ko-KR" sz="2000">
+                <a:latin typeface="Consolas" pitchFamily="49" charset="0"/>
+                <a:cs typeface="Consolas" pitchFamily="49" charset="0"/>
+              </a:rPr>
+              <a:t>void insert_data( int data )</a:t>
+            </a:r>
+          </a:p>
+          <a:p>
+            <a:r>
+              <a:rPr lang="en-US" altLang="ko-KR" sz="2000">
+                <a:latin typeface="Consolas" pitchFamily="49" charset="0"/>
+                <a:cs typeface="Consolas" pitchFamily="49" charset="0"/>
+              </a:rPr>
+              <a:t>{</a:t>
+            </a:r>
+          </a:p>
+          <a:p>
+            <a:r>
+              <a:rPr lang="en-US" altLang="ko-KR" sz="2000">
+                <a:latin typeface="Consolas" pitchFamily="49" charset="0"/>
+                <a:cs typeface="Consolas" pitchFamily="49" charset="0"/>
+              </a:rPr>
+              <a:t>    NODE *temp;</a:t>
+            </a:r>
+          </a:p>
+          <a:p>
+            <a:r>
+              <a:rPr lang="en-US" altLang="ko-KR" sz="2000">
+                <a:latin typeface="Consolas" pitchFamily="49" charset="0"/>
+                <a:cs typeface="Consolas" pitchFamily="49" charset="0"/>
+              </a:rPr>
+              <a:t>    NODE *p = root</a:t>
+            </a:r>
+            <a:r>
+              <a:rPr lang="en-US" altLang="ko-KR" sz="2000">
+                <a:solidFill>
+                  <a:srgbClr val="FF0000"/>
+                </a:solidFill>
+                <a:latin typeface="Consolas" pitchFamily="49" charset="0"/>
+                <a:cs typeface="Consolas" pitchFamily="49" charset="0"/>
+              </a:rPr>
+              <a:t>, *prev</a:t>
+            </a:r>
+            <a:r>
+              <a:rPr lang="en-US" altLang="ko-KR" sz="2000">
+                <a:latin typeface="Consolas" pitchFamily="49" charset="0"/>
+                <a:cs typeface="Consolas" pitchFamily="49" charset="0"/>
+              </a:rPr>
+              <a:t>;</a:t>
+            </a:r>
+          </a:p>
+          <a:p>
+            <a:r>
+              <a:rPr lang="en-US" altLang="ko-KR" sz="2000">
+                <a:latin typeface="Consolas" pitchFamily="49" charset="0"/>
+                <a:cs typeface="Consolas" pitchFamily="49" charset="0"/>
+              </a:rPr>
+              <a:t>    temp = malloc( sizeof(NODE) );</a:t>
+            </a:r>
+          </a:p>
+          <a:p>
+            <a:r>
+              <a:rPr lang="en-US" altLang="ko-KR" sz="2000">
+                <a:latin typeface="Consolas" pitchFamily="49" charset="0"/>
+                <a:cs typeface="Consolas" pitchFamily="49" charset="0"/>
+              </a:rPr>
+              <a:t>    temp-&gt;left = 0;</a:t>
+            </a:r>
+          </a:p>
+          <a:p>
+            <a:r>
+              <a:rPr lang="en-US" altLang="ko-KR" sz="2000">
+                <a:latin typeface="Consolas" pitchFamily="49" charset="0"/>
+                <a:cs typeface="Consolas" pitchFamily="49" charset="0"/>
+              </a:rPr>
+              <a:t>    temp-&gt;right = 0;</a:t>
+            </a:r>
+          </a:p>
+          <a:p>
+            <a:r>
+              <a:rPr lang="en-US" altLang="ko-KR" sz="2000">
+                <a:latin typeface="Consolas" pitchFamily="49" charset="0"/>
+                <a:cs typeface="Consolas" pitchFamily="49" charset="0"/>
+              </a:rPr>
+              <a:t>    temp-&gt;data = data;</a:t>
+            </a:r>
+          </a:p>
+          <a:p>
+            <a:endParaRPr lang="en-US" altLang="ko-KR" sz="2000">
+              <a:latin typeface="Consolas" pitchFamily="49" charset="0"/>
+              <a:cs typeface="Consolas" pitchFamily="49" charset="0"/>
+            </a:endParaRPr>
+          </a:p>
+          <a:p>
+            <a:r>
+              <a:rPr lang="en-US" altLang="ko-KR" sz="2000">
+                <a:solidFill>
+                  <a:srgbClr val="FF0000"/>
+                </a:solidFill>
+                <a:latin typeface="Consolas" pitchFamily="49" charset="0"/>
+                <a:cs typeface="Consolas" pitchFamily="49" charset="0"/>
+              </a:rPr>
+              <a:t>    if( root == 0 )</a:t>
+            </a:r>
+          </a:p>
+          <a:p>
+            <a:r>
+              <a:rPr lang="en-US" altLang="ko-KR" sz="2000">
+                <a:solidFill>
+                  <a:srgbClr val="FF0000"/>
+                </a:solidFill>
+                <a:latin typeface="Consolas" pitchFamily="49" charset="0"/>
+                <a:cs typeface="Consolas" pitchFamily="49" charset="0"/>
+              </a:rPr>
+              <a:t>    {</a:t>
+            </a:r>
+          </a:p>
+          <a:p>
+            <a:r>
+              <a:rPr lang="en-US" altLang="ko-KR" sz="2000">
+                <a:solidFill>
+                  <a:srgbClr val="FF0000"/>
+                </a:solidFill>
+                <a:latin typeface="Consolas" pitchFamily="49" charset="0"/>
+                <a:cs typeface="Consolas" pitchFamily="49" charset="0"/>
+              </a:rPr>
+              <a:t>        root = temp;</a:t>
+            </a:r>
+          </a:p>
+          <a:p>
+            <a:r>
+              <a:rPr lang="en-US" altLang="ko-KR" sz="2000">
+                <a:solidFill>
+                  <a:srgbClr val="FF0000"/>
+                </a:solidFill>
+                <a:latin typeface="Consolas" pitchFamily="49" charset="0"/>
+                <a:cs typeface="Consolas" pitchFamily="49" charset="0"/>
+              </a:rPr>
+              <a:t>        return;</a:t>
+            </a:r>
+          </a:p>
+          <a:p>
+            <a:r>
+              <a:rPr lang="en-US" altLang="ko-KR" sz="2000">
+                <a:solidFill>
+                  <a:srgbClr val="FF0000"/>
+                </a:solidFill>
+                <a:latin typeface="Consolas" pitchFamily="49" charset="0"/>
+                <a:cs typeface="Consolas" pitchFamily="49" charset="0"/>
+              </a:rPr>
+              <a:t>    }</a:t>
+            </a:r>
+          </a:p>
+          <a:p>
+            <a:r>
+              <a:rPr lang="en-US" altLang="ko-KR" sz="2000">
+                <a:latin typeface="Consolas" pitchFamily="49" charset="0"/>
+                <a:cs typeface="Consolas" pitchFamily="49" charset="0"/>
+              </a:rPr>
+              <a:t>    while(p)</a:t>
+            </a:r>
+          </a:p>
+          <a:p>
+            <a:r>
+              <a:rPr lang="en-US" altLang="ko-KR" sz="2000">
+                <a:latin typeface="Consolas" pitchFamily="49" charset="0"/>
+                <a:cs typeface="Consolas" pitchFamily="49" charset="0"/>
+              </a:rPr>
+              <a:t>    {</a:t>
+            </a:r>
+          </a:p>
+          <a:p>
+            <a:r>
+              <a:rPr lang="en-US" altLang="ko-KR" sz="2000">
+                <a:solidFill>
+                  <a:srgbClr val="FF0000"/>
+                </a:solidFill>
+                <a:latin typeface="Consolas" pitchFamily="49" charset="0"/>
+                <a:cs typeface="Consolas" pitchFamily="49" charset="0"/>
+              </a:rPr>
+              <a:t>       prev = p;</a:t>
+            </a:r>
+          </a:p>
+          <a:p>
+            <a:r>
+              <a:rPr lang="en-US" altLang="ko-KR" sz="2000">
+                <a:latin typeface="Consolas" pitchFamily="49" charset="0"/>
+                <a:cs typeface="Consolas" pitchFamily="49" charset="0"/>
+              </a:rPr>
+              <a:t>       if( p-&gt;data &gt; data )</a:t>
+            </a:r>
+          </a:p>
+          <a:p>
+            <a:r>
+              <a:rPr lang="en-US" altLang="ko-KR" sz="2000">
+                <a:latin typeface="Consolas" pitchFamily="49" charset="0"/>
+                <a:cs typeface="Consolas" pitchFamily="49" charset="0"/>
+              </a:rPr>
+              <a:t>          p = p-&gt;left ;</a:t>
+            </a:r>
+          </a:p>
+          <a:p>
+            <a:r>
+              <a:rPr lang="en-US" altLang="ko-KR" sz="2000">
+                <a:latin typeface="Consolas" pitchFamily="49" charset="0"/>
+                <a:cs typeface="Consolas" pitchFamily="49" charset="0"/>
+              </a:rPr>
+              <a:t>       else if( p-&gt;data &lt; data )</a:t>
+            </a:r>
+          </a:p>
+          <a:p>
+            <a:r>
+              <a:rPr lang="en-US" altLang="ko-KR" sz="2000">
+                <a:latin typeface="Consolas" pitchFamily="49" charset="0"/>
+                <a:cs typeface="Consolas" pitchFamily="49" charset="0"/>
+              </a:rPr>
+              <a:t>          p = p-&gt;right;</a:t>
+            </a:r>
+          </a:p>
+          <a:p>
+            <a:r>
+              <a:rPr lang="en-US" altLang="ko-KR" sz="2000">
+                <a:latin typeface="Consolas" pitchFamily="49" charset="0"/>
+                <a:cs typeface="Consolas" pitchFamily="49" charset="0"/>
+              </a:rPr>
+              <a:t>       else</a:t>
+            </a:r>
+          </a:p>
+          <a:p>
+            <a:r>
+              <a:rPr lang="en-US" altLang="ko-KR" sz="2000">
+                <a:latin typeface="Consolas" pitchFamily="49" charset="0"/>
+                <a:cs typeface="Consolas" pitchFamily="49" charset="0"/>
+              </a:rPr>
+              <a:t>          return;</a:t>
+            </a:r>
+          </a:p>
+          <a:p>
+            <a:r>
+              <a:rPr lang="en-US" altLang="ko-KR" sz="2000">
+                <a:latin typeface="Consolas" pitchFamily="49" charset="0"/>
+                <a:cs typeface="Consolas" pitchFamily="49" charset="0"/>
+              </a:rPr>
+              <a:t>    }</a:t>
+            </a:r>
+          </a:p>
+          <a:p>
+            <a:r>
+              <a:rPr lang="en-US" altLang="ko-KR" sz="2000">
+                <a:solidFill>
+                  <a:srgbClr val="FF0000"/>
+                </a:solidFill>
+                <a:latin typeface="Consolas" pitchFamily="49" charset="0"/>
+                <a:cs typeface="Consolas" pitchFamily="49" charset="0"/>
+              </a:rPr>
+              <a:t>    if( prev-&gt;data &gt; data )</a:t>
+            </a:r>
+          </a:p>
+          <a:p>
+            <a:r>
+              <a:rPr lang="en-US" altLang="ko-KR" sz="2000">
+                <a:solidFill>
+                  <a:srgbClr val="FF0000"/>
+                </a:solidFill>
+                <a:latin typeface="Consolas" pitchFamily="49" charset="0"/>
+                <a:cs typeface="Consolas" pitchFamily="49" charset="0"/>
+              </a:rPr>
+              <a:t>       prev-&gt;left = temp;</a:t>
+            </a:r>
+          </a:p>
+          <a:p>
+            <a:r>
+              <a:rPr lang="en-US" altLang="ko-KR" sz="2000">
+                <a:solidFill>
+                  <a:srgbClr val="FF0000"/>
+                </a:solidFill>
+                <a:latin typeface="Consolas" pitchFamily="49" charset="0"/>
+                <a:cs typeface="Consolas" pitchFamily="49" charset="0"/>
+              </a:rPr>
+              <a:t>    else</a:t>
+            </a:r>
+          </a:p>
+          <a:p>
+            <a:r>
+              <a:rPr lang="en-US" altLang="ko-KR" sz="2000">
+                <a:solidFill>
+                  <a:srgbClr val="FF0000"/>
+                </a:solidFill>
+                <a:latin typeface="Consolas" pitchFamily="49" charset="0"/>
+                <a:cs typeface="Consolas" pitchFamily="49" charset="0"/>
+              </a:rPr>
+              <a:t>       prev-&gt;right = temp;</a:t>
+            </a:r>
+          </a:p>
+          <a:p>
+            <a:r>
+              <a:rPr lang="en-US" altLang="ko-KR" sz="2000">
+                <a:latin typeface="Consolas" pitchFamily="49" charset="0"/>
+                <a:cs typeface="Consolas" pitchFamily="49" charset="0"/>
+              </a:rPr>
+              <a:t>}</a:t>
+            </a:r>
+            <a:endParaRPr lang="ko-KR" altLang="en-US" sz="2000">
+              <a:latin typeface="Consolas" pitchFamily="49" charset="0"/>
+              <a:cs typeface="Consolas" pitchFamily="49" charset="0"/>
+            </a:endParaRPr>
+          </a:p>
+        </p:txBody>
+      </p:sp>
+      <p:sp>
+        <p:nvSpPr>
+          <p:cNvPr id="42" name="TextBox 41">
+            <a:extLst>
+              <a:ext uri="{FF2B5EF4-FFF2-40B4-BE49-F238E27FC236}">
+                <a16:creationId xmlns:a16="http://schemas.microsoft.com/office/drawing/2014/main" id="{34D03373-34E4-4F76-9192-97D141016989}"/>
+              </a:ext>
+            </a:extLst>
+          </p:cNvPr>
+          <p:cNvSpPr txBox="1"/>
+          <p:nvPr/>
+        </p:nvSpPr>
+        <p:spPr>
+          <a:xfrm>
+            <a:off x="6876256" y="436602"/>
+            <a:ext cx="748923" cy="400110"/>
+          </a:xfrm>
+          <a:prstGeom prst="rect">
+            <a:avLst/>
+          </a:prstGeom>
+          <a:noFill/>
+        </p:spPr>
+        <p:txBody>
+          <a:bodyPr wrap="none" rtlCol="0">
+            <a:spAutoFit/>
+          </a:bodyPr>
+          <a:lstStyle/>
+          <a:p>
+            <a:r>
+              <a:rPr lang="en-US" altLang="ko-KR" sz="2000">
+                <a:latin typeface="Consolas" pitchFamily="49" charset="0"/>
+                <a:cs typeface="Consolas" pitchFamily="49" charset="0"/>
+              </a:rPr>
+              <a:t>root</a:t>
+            </a:r>
+            <a:endParaRPr lang="ko-KR" altLang="en-US" sz="2000">
+              <a:latin typeface="Consolas" pitchFamily="49" charset="0"/>
+              <a:cs typeface="Consolas" pitchFamily="49" charset="0"/>
+            </a:endParaRPr>
+          </a:p>
+        </p:txBody>
+      </p:sp>
+      <p:sp>
+        <p:nvSpPr>
+          <p:cNvPr id="2" name="직사각형 1">
+            <a:extLst>
+              <a:ext uri="{FF2B5EF4-FFF2-40B4-BE49-F238E27FC236}">
+                <a16:creationId xmlns:a16="http://schemas.microsoft.com/office/drawing/2014/main" id="{51F93335-8E94-4267-A2C0-177D4753473A}"/>
+              </a:ext>
+            </a:extLst>
+          </p:cNvPr>
+          <p:cNvSpPr/>
+          <p:nvPr/>
+        </p:nvSpPr>
+        <p:spPr>
+          <a:xfrm>
+            <a:off x="7092280" y="836712"/>
+            <a:ext cx="360040" cy="319970"/>
+          </a:xfrm>
+          <a:prstGeom prst="rect">
+            <a:avLst/>
+          </a:prstGeom>
+          <a:solidFill>
+            <a:srgbClr val="FFFF00"/>
+          </a:solidFill>
+          <a:ln w="9525"/>
+        </p:spPr>
+        <p:style>
+          <a:lnRef idx="2">
+            <a:schemeClr val="accent1">
+              <a:shade val="50000"/>
+            </a:schemeClr>
+          </a:lnRef>
+          <a:fillRef idx="1">
+            <a:schemeClr val="accent1"/>
+          </a:fillRef>
+          <a:effectRef idx="0">
+            <a:schemeClr val="accent1"/>
+          </a:effectRef>
+          <a:fontRef idx="minor">
+            <a:schemeClr val="lt1"/>
+          </a:fontRef>
+        </p:style>
+        <p:txBody>
+          <a:bodyPr rot="0" spcFirstLastPara="0" vertOverflow="overflow" horzOverflow="overflow" vert="horz" wrap="square" lIns="91440" tIns="45720" rIns="91440" bIns="45720" numCol="1" spcCol="0" rtlCol="0" fromWordArt="0" anchor="ctr" anchorCtr="0" forceAA="0" compatLnSpc="1">
+            <a:prstTxWarp prst="textNoShape">
+              <a:avLst/>
+            </a:prstTxWarp>
+            <a:noAutofit/>
+          </a:bodyPr>
+          <a:lstStyle/>
+          <a:p>
+            <a:pPr algn="ctr"/>
+            <a:endParaRPr lang="ko-KR" altLang="en-US" sz="2000">
+              <a:solidFill>
+                <a:schemeClr val="tx1"/>
+              </a:solidFill>
+              <a:latin typeface="Consolas" pitchFamily="49" charset="0"/>
+              <a:cs typeface="Consolas" pitchFamily="49" charset="0"/>
+            </a:endParaRPr>
+          </a:p>
+        </p:txBody>
+      </p:sp>
+      <p:cxnSp>
+        <p:nvCxnSpPr>
+          <p:cNvPr id="30" name="연결선: 구부러짐 29">
+            <a:extLst>
+              <a:ext uri="{FF2B5EF4-FFF2-40B4-BE49-F238E27FC236}">
+                <a16:creationId xmlns:a16="http://schemas.microsoft.com/office/drawing/2014/main" id="{84750094-208C-4245-834B-71D387B43A1C}"/>
+              </a:ext>
+            </a:extLst>
+          </p:cNvPr>
+          <p:cNvCxnSpPr>
+            <a:cxnSpLocks/>
+            <a:stCxn id="2" idx="2"/>
+          </p:cNvCxnSpPr>
+          <p:nvPr/>
+        </p:nvCxnSpPr>
+        <p:spPr>
+          <a:xfrm rot="16200000" flipH="1">
+            <a:off x="7020272" y="1408710"/>
+            <a:ext cx="576064" cy="72008"/>
+          </a:xfrm>
+          <a:prstGeom prst="curvedConnector3">
+            <a:avLst/>
+          </a:prstGeom>
+          <a:ln w="12700">
+            <a:solidFill>
+              <a:schemeClr val="tx1"/>
+            </a:solidFill>
+            <a:tailEnd type="triangle"/>
+          </a:ln>
+        </p:spPr>
+        <p:style>
+          <a:lnRef idx="1">
+            <a:schemeClr val="accent1"/>
+          </a:lnRef>
+          <a:fillRef idx="0">
+            <a:schemeClr val="accent1"/>
+          </a:fillRef>
+          <a:effectRef idx="0">
+            <a:schemeClr val="accent1"/>
+          </a:effectRef>
+          <a:fontRef idx="minor">
+            <a:schemeClr val="tx1"/>
+          </a:fontRef>
+        </p:style>
+      </p:cxnSp>
+      <p:sp>
+        <p:nvSpPr>
+          <p:cNvPr id="4" name="직사각형 3">
+            <a:extLst>
+              <a:ext uri="{FF2B5EF4-FFF2-40B4-BE49-F238E27FC236}">
+                <a16:creationId xmlns:a16="http://schemas.microsoft.com/office/drawing/2014/main" id="{5D6FE716-6D35-41FB-AA8B-901ECB35196E}"/>
+              </a:ext>
+            </a:extLst>
+          </p:cNvPr>
+          <p:cNvSpPr/>
+          <p:nvPr/>
+        </p:nvSpPr>
+        <p:spPr>
+          <a:xfrm>
+            <a:off x="7020272" y="1700808"/>
+            <a:ext cx="864096" cy="288032"/>
+          </a:xfrm>
+          <a:prstGeom prst="rect">
+            <a:avLst/>
+          </a:prstGeom>
+          <a:solidFill>
+            <a:srgbClr val="FFC000"/>
+          </a:solidFill>
+          <a:ln w="9525"/>
+        </p:spPr>
+        <p:style>
+          <a:lnRef idx="2">
+            <a:schemeClr val="accent1">
+              <a:shade val="50000"/>
+            </a:schemeClr>
+          </a:lnRef>
+          <a:fillRef idx="1">
+            <a:schemeClr val="accent1"/>
+          </a:fillRef>
+          <a:effectRef idx="0">
+            <a:schemeClr val="accent1"/>
+          </a:effectRef>
+          <a:fontRef idx="minor">
+            <a:schemeClr val="lt1"/>
+          </a:fontRef>
+        </p:style>
+        <p:txBody>
+          <a:bodyPr rot="0" spcFirstLastPara="0" vertOverflow="overflow" horzOverflow="overflow" vert="horz" wrap="square" lIns="91440" tIns="45720" rIns="91440" bIns="45720" numCol="1" spcCol="0" rtlCol="0" fromWordArt="0" anchor="ctr" anchorCtr="0" forceAA="0" compatLnSpc="1">
+            <a:prstTxWarp prst="textNoShape">
+              <a:avLst/>
+            </a:prstTxWarp>
+            <a:noAutofit/>
+          </a:bodyPr>
+          <a:lstStyle/>
+          <a:p>
+            <a:pPr algn="ctr"/>
+            <a:r>
+              <a:rPr lang="en-US" altLang="ko-KR" sz="2000">
+                <a:solidFill>
+                  <a:schemeClr val="tx1"/>
+                </a:solidFill>
+                <a:latin typeface="Consolas" pitchFamily="49" charset="0"/>
+                <a:cs typeface="Consolas" pitchFamily="49" charset="0"/>
+              </a:rPr>
+              <a:t>4</a:t>
+            </a:r>
+            <a:endParaRPr lang="ko-KR" altLang="en-US" sz="2000">
+              <a:solidFill>
+                <a:schemeClr val="tx1"/>
+              </a:solidFill>
+              <a:latin typeface="Consolas" pitchFamily="49" charset="0"/>
+              <a:cs typeface="Consolas" pitchFamily="49" charset="0"/>
+            </a:endParaRPr>
+          </a:p>
+        </p:txBody>
+      </p:sp>
+      <p:sp>
+        <p:nvSpPr>
+          <p:cNvPr id="15" name="직사각형 14">
+            <a:extLst>
+              <a:ext uri="{FF2B5EF4-FFF2-40B4-BE49-F238E27FC236}">
+                <a16:creationId xmlns:a16="http://schemas.microsoft.com/office/drawing/2014/main" id="{0995AD8D-D5AA-4804-8162-8088D34D7C34}"/>
+              </a:ext>
+            </a:extLst>
+          </p:cNvPr>
+          <p:cNvSpPr/>
+          <p:nvPr/>
+        </p:nvSpPr>
+        <p:spPr>
+          <a:xfrm>
+            <a:off x="7020272" y="1988840"/>
+            <a:ext cx="864096" cy="288032"/>
+          </a:xfrm>
+          <a:prstGeom prst="rect">
+            <a:avLst/>
+          </a:prstGeom>
+          <a:solidFill>
+            <a:srgbClr val="FFFF00"/>
+          </a:solidFill>
+          <a:ln w="9525"/>
+        </p:spPr>
+        <p:style>
+          <a:lnRef idx="2">
+            <a:schemeClr val="accent1">
+              <a:shade val="50000"/>
+            </a:schemeClr>
+          </a:lnRef>
+          <a:fillRef idx="1">
+            <a:schemeClr val="accent1"/>
+          </a:fillRef>
+          <a:effectRef idx="0">
+            <a:schemeClr val="accent1"/>
+          </a:effectRef>
+          <a:fontRef idx="minor">
+            <a:schemeClr val="lt1"/>
+          </a:fontRef>
+        </p:style>
+        <p:txBody>
+          <a:bodyPr rot="0" spcFirstLastPara="0" vertOverflow="overflow" horzOverflow="overflow" vert="horz" wrap="square" lIns="91440" tIns="45720" rIns="91440" bIns="45720" numCol="1" spcCol="0" rtlCol="0" fromWordArt="0" anchor="ctr" anchorCtr="0" forceAA="0" compatLnSpc="1">
+            <a:prstTxWarp prst="textNoShape">
+              <a:avLst/>
+            </a:prstTxWarp>
+            <a:noAutofit/>
+          </a:bodyPr>
+          <a:lstStyle/>
+          <a:p>
+            <a:pPr algn="ctr"/>
+            <a:r>
+              <a:rPr lang="en-US" altLang="ko-KR" sz="2000">
+                <a:solidFill>
+                  <a:schemeClr val="tx1"/>
+                </a:solidFill>
+                <a:latin typeface="Consolas" pitchFamily="49" charset="0"/>
+                <a:cs typeface="Consolas" pitchFamily="49" charset="0"/>
+              </a:rPr>
+              <a:t>0</a:t>
+            </a:r>
+            <a:endParaRPr lang="ko-KR" altLang="en-US" sz="2000">
+              <a:solidFill>
+                <a:schemeClr val="tx1"/>
+              </a:solidFill>
+              <a:latin typeface="Consolas" pitchFamily="49" charset="0"/>
+              <a:cs typeface="Consolas" pitchFamily="49" charset="0"/>
+            </a:endParaRPr>
+          </a:p>
+        </p:txBody>
+      </p:sp>
+      <p:sp>
+        <p:nvSpPr>
+          <p:cNvPr id="16" name="직사각형 15">
+            <a:extLst>
+              <a:ext uri="{FF2B5EF4-FFF2-40B4-BE49-F238E27FC236}">
+                <a16:creationId xmlns:a16="http://schemas.microsoft.com/office/drawing/2014/main" id="{2DC80742-07BB-4C72-8123-B98368840107}"/>
+              </a:ext>
+            </a:extLst>
+          </p:cNvPr>
+          <p:cNvSpPr/>
+          <p:nvPr/>
+        </p:nvSpPr>
+        <p:spPr>
+          <a:xfrm>
+            <a:off x="7020272" y="2276872"/>
+            <a:ext cx="864096" cy="288032"/>
+          </a:xfrm>
+          <a:prstGeom prst="rect">
+            <a:avLst/>
+          </a:prstGeom>
+          <a:solidFill>
+            <a:srgbClr val="FFFF00"/>
+          </a:solidFill>
+          <a:ln w="9525"/>
+        </p:spPr>
+        <p:style>
+          <a:lnRef idx="2">
+            <a:schemeClr val="accent1">
+              <a:shade val="50000"/>
+            </a:schemeClr>
+          </a:lnRef>
+          <a:fillRef idx="1">
+            <a:schemeClr val="accent1"/>
+          </a:fillRef>
+          <a:effectRef idx="0">
+            <a:schemeClr val="accent1"/>
+          </a:effectRef>
+          <a:fontRef idx="minor">
+            <a:schemeClr val="lt1"/>
+          </a:fontRef>
+        </p:style>
+        <p:txBody>
+          <a:bodyPr rot="0" spcFirstLastPara="0" vertOverflow="overflow" horzOverflow="overflow" vert="horz" wrap="square" lIns="91440" tIns="45720" rIns="91440" bIns="45720" numCol="1" spcCol="0" rtlCol="0" fromWordArt="0" anchor="ctr" anchorCtr="0" forceAA="0" compatLnSpc="1">
+            <a:prstTxWarp prst="textNoShape">
+              <a:avLst/>
+            </a:prstTxWarp>
+            <a:noAutofit/>
+          </a:bodyPr>
+          <a:lstStyle/>
+          <a:p>
+            <a:pPr algn="ctr"/>
+            <a:r>
+              <a:rPr lang="en-US" altLang="ko-KR" sz="2000">
+                <a:solidFill>
+                  <a:schemeClr val="tx1"/>
+                </a:solidFill>
+                <a:latin typeface="Consolas" pitchFamily="49" charset="0"/>
+                <a:cs typeface="Consolas" pitchFamily="49" charset="0"/>
+              </a:rPr>
+              <a:t>0</a:t>
+            </a:r>
+            <a:endParaRPr lang="ko-KR" altLang="en-US" sz="2000">
+              <a:solidFill>
+                <a:schemeClr val="tx1"/>
+              </a:solidFill>
+              <a:latin typeface="Consolas" pitchFamily="49" charset="0"/>
+              <a:cs typeface="Consolas" pitchFamily="49" charset="0"/>
+            </a:endParaRPr>
+          </a:p>
+        </p:txBody>
+      </p:sp>
+      <p:sp>
+        <p:nvSpPr>
+          <p:cNvPr id="17" name="직사각형 16">
+            <a:extLst>
+              <a:ext uri="{FF2B5EF4-FFF2-40B4-BE49-F238E27FC236}">
+                <a16:creationId xmlns:a16="http://schemas.microsoft.com/office/drawing/2014/main" id="{0CECF82D-3E24-494E-A3F1-5E6D542785D5}"/>
+              </a:ext>
+            </a:extLst>
+          </p:cNvPr>
+          <p:cNvSpPr/>
+          <p:nvPr/>
+        </p:nvSpPr>
+        <p:spPr>
+          <a:xfrm>
+            <a:off x="5796136" y="2852936"/>
+            <a:ext cx="864096" cy="288032"/>
+          </a:xfrm>
+          <a:prstGeom prst="rect">
+            <a:avLst/>
+          </a:prstGeom>
+          <a:solidFill>
+            <a:srgbClr val="FFC000"/>
+          </a:solidFill>
+          <a:ln w="9525"/>
+        </p:spPr>
+        <p:style>
+          <a:lnRef idx="2">
+            <a:schemeClr val="accent1">
+              <a:shade val="50000"/>
+            </a:schemeClr>
+          </a:lnRef>
+          <a:fillRef idx="1">
+            <a:schemeClr val="accent1"/>
+          </a:fillRef>
+          <a:effectRef idx="0">
+            <a:schemeClr val="accent1"/>
+          </a:effectRef>
+          <a:fontRef idx="minor">
+            <a:schemeClr val="lt1"/>
+          </a:fontRef>
+        </p:style>
+        <p:txBody>
+          <a:bodyPr rot="0" spcFirstLastPara="0" vertOverflow="overflow" horzOverflow="overflow" vert="horz" wrap="square" lIns="91440" tIns="45720" rIns="91440" bIns="45720" numCol="1" spcCol="0" rtlCol="0" fromWordArt="0" anchor="ctr" anchorCtr="0" forceAA="0" compatLnSpc="1">
+            <a:prstTxWarp prst="textNoShape">
+              <a:avLst/>
+            </a:prstTxWarp>
+            <a:noAutofit/>
+          </a:bodyPr>
+          <a:lstStyle/>
+          <a:p>
+            <a:pPr algn="ctr"/>
+            <a:r>
+              <a:rPr lang="en-US" altLang="ko-KR" sz="2000">
+                <a:solidFill>
+                  <a:schemeClr val="tx1"/>
+                </a:solidFill>
+                <a:latin typeface="Consolas" pitchFamily="49" charset="0"/>
+                <a:cs typeface="Consolas" pitchFamily="49" charset="0"/>
+              </a:rPr>
+              <a:t>2</a:t>
+            </a:r>
+            <a:endParaRPr lang="ko-KR" altLang="en-US" sz="2000">
+              <a:solidFill>
+                <a:schemeClr val="tx1"/>
+              </a:solidFill>
+              <a:latin typeface="Consolas" pitchFamily="49" charset="0"/>
+              <a:cs typeface="Consolas" pitchFamily="49" charset="0"/>
+            </a:endParaRPr>
+          </a:p>
+        </p:txBody>
+      </p:sp>
+      <p:sp>
+        <p:nvSpPr>
+          <p:cNvPr id="18" name="직사각형 17">
+            <a:extLst>
+              <a:ext uri="{FF2B5EF4-FFF2-40B4-BE49-F238E27FC236}">
+                <a16:creationId xmlns:a16="http://schemas.microsoft.com/office/drawing/2014/main" id="{9BA6E4D4-9E5E-4CD7-B068-22BED7B699C2}"/>
+              </a:ext>
+            </a:extLst>
+          </p:cNvPr>
+          <p:cNvSpPr/>
+          <p:nvPr/>
+        </p:nvSpPr>
+        <p:spPr>
+          <a:xfrm>
+            <a:off x="5796136" y="3140968"/>
+            <a:ext cx="864096" cy="288032"/>
+          </a:xfrm>
+          <a:prstGeom prst="rect">
+            <a:avLst/>
+          </a:prstGeom>
+          <a:solidFill>
+            <a:srgbClr val="FFFF00"/>
+          </a:solidFill>
+          <a:ln w="9525"/>
+        </p:spPr>
+        <p:style>
+          <a:lnRef idx="2">
+            <a:schemeClr val="accent1">
+              <a:shade val="50000"/>
+            </a:schemeClr>
+          </a:lnRef>
+          <a:fillRef idx="1">
+            <a:schemeClr val="accent1"/>
+          </a:fillRef>
+          <a:effectRef idx="0">
+            <a:schemeClr val="accent1"/>
+          </a:effectRef>
+          <a:fontRef idx="minor">
+            <a:schemeClr val="lt1"/>
+          </a:fontRef>
+        </p:style>
+        <p:txBody>
+          <a:bodyPr rot="0" spcFirstLastPara="0" vertOverflow="overflow" horzOverflow="overflow" vert="horz" wrap="square" lIns="91440" tIns="45720" rIns="91440" bIns="45720" numCol="1" spcCol="0" rtlCol="0" fromWordArt="0" anchor="ctr" anchorCtr="0" forceAA="0" compatLnSpc="1">
+            <a:prstTxWarp prst="textNoShape">
+              <a:avLst/>
+            </a:prstTxWarp>
+            <a:noAutofit/>
+          </a:bodyPr>
+          <a:lstStyle/>
+          <a:p>
+            <a:pPr algn="ctr"/>
+            <a:r>
+              <a:rPr lang="en-US" altLang="ko-KR" sz="2000">
+                <a:solidFill>
+                  <a:schemeClr val="tx1"/>
+                </a:solidFill>
+                <a:latin typeface="Consolas" pitchFamily="49" charset="0"/>
+                <a:cs typeface="Consolas" pitchFamily="49" charset="0"/>
+              </a:rPr>
+              <a:t>0</a:t>
+            </a:r>
+            <a:endParaRPr lang="ko-KR" altLang="en-US" sz="2000">
+              <a:solidFill>
+                <a:schemeClr val="tx1"/>
+              </a:solidFill>
+              <a:latin typeface="Consolas" pitchFamily="49" charset="0"/>
+              <a:cs typeface="Consolas" pitchFamily="49" charset="0"/>
+            </a:endParaRPr>
+          </a:p>
+        </p:txBody>
+      </p:sp>
+      <p:sp>
+        <p:nvSpPr>
+          <p:cNvPr id="19" name="직사각형 18">
+            <a:extLst>
+              <a:ext uri="{FF2B5EF4-FFF2-40B4-BE49-F238E27FC236}">
+                <a16:creationId xmlns:a16="http://schemas.microsoft.com/office/drawing/2014/main" id="{CD384454-BFCA-4140-8A74-B70F734D321E}"/>
+              </a:ext>
+            </a:extLst>
+          </p:cNvPr>
+          <p:cNvSpPr/>
+          <p:nvPr/>
+        </p:nvSpPr>
+        <p:spPr>
+          <a:xfrm>
+            <a:off x="5796136" y="3429000"/>
+            <a:ext cx="864096" cy="288032"/>
+          </a:xfrm>
+          <a:prstGeom prst="rect">
+            <a:avLst/>
+          </a:prstGeom>
+          <a:solidFill>
+            <a:srgbClr val="FFFF00"/>
+          </a:solidFill>
+          <a:ln w="9525"/>
+        </p:spPr>
+        <p:style>
+          <a:lnRef idx="2">
+            <a:schemeClr val="accent1">
+              <a:shade val="50000"/>
+            </a:schemeClr>
+          </a:lnRef>
+          <a:fillRef idx="1">
+            <a:schemeClr val="accent1"/>
+          </a:fillRef>
+          <a:effectRef idx="0">
+            <a:schemeClr val="accent1"/>
+          </a:effectRef>
+          <a:fontRef idx="minor">
+            <a:schemeClr val="lt1"/>
+          </a:fontRef>
+        </p:style>
+        <p:txBody>
+          <a:bodyPr rot="0" spcFirstLastPara="0" vertOverflow="overflow" horzOverflow="overflow" vert="horz" wrap="square" lIns="91440" tIns="45720" rIns="91440" bIns="45720" numCol="1" spcCol="0" rtlCol="0" fromWordArt="0" anchor="ctr" anchorCtr="0" forceAA="0" compatLnSpc="1">
+            <a:prstTxWarp prst="textNoShape">
+              <a:avLst/>
+            </a:prstTxWarp>
+            <a:noAutofit/>
+          </a:bodyPr>
+          <a:lstStyle/>
+          <a:p>
+            <a:pPr algn="ctr"/>
+            <a:r>
+              <a:rPr lang="en-US" altLang="ko-KR" sz="2000">
+                <a:solidFill>
+                  <a:schemeClr val="tx1"/>
+                </a:solidFill>
+                <a:latin typeface="Consolas" pitchFamily="49" charset="0"/>
+                <a:cs typeface="Consolas" pitchFamily="49" charset="0"/>
+              </a:rPr>
+              <a:t>0</a:t>
+            </a:r>
+            <a:endParaRPr lang="ko-KR" altLang="en-US" sz="2000">
+              <a:solidFill>
+                <a:schemeClr val="tx1"/>
+              </a:solidFill>
+              <a:latin typeface="Consolas" pitchFamily="49" charset="0"/>
+              <a:cs typeface="Consolas" pitchFamily="49" charset="0"/>
+            </a:endParaRPr>
+          </a:p>
+        </p:txBody>
+      </p:sp>
+      <p:sp>
+        <p:nvSpPr>
+          <p:cNvPr id="20" name="TextBox 19">
+            <a:extLst>
+              <a:ext uri="{FF2B5EF4-FFF2-40B4-BE49-F238E27FC236}">
+                <a16:creationId xmlns:a16="http://schemas.microsoft.com/office/drawing/2014/main" id="{DB4D54E6-4559-4D3C-AE3C-1758CFD2179C}"/>
+              </a:ext>
+            </a:extLst>
+          </p:cNvPr>
+          <p:cNvSpPr txBox="1"/>
+          <p:nvPr/>
+        </p:nvSpPr>
+        <p:spPr>
+          <a:xfrm>
+            <a:off x="5718043" y="1556792"/>
+            <a:ext cx="748923" cy="400110"/>
+          </a:xfrm>
+          <a:prstGeom prst="rect">
+            <a:avLst/>
+          </a:prstGeom>
+          <a:noFill/>
+        </p:spPr>
+        <p:txBody>
+          <a:bodyPr wrap="none" rtlCol="0">
+            <a:spAutoFit/>
+          </a:bodyPr>
+          <a:lstStyle/>
+          <a:p>
+            <a:r>
+              <a:rPr lang="en-US" altLang="ko-KR" sz="2000">
+                <a:latin typeface="Consolas" pitchFamily="49" charset="0"/>
+                <a:cs typeface="Consolas" pitchFamily="49" charset="0"/>
+              </a:rPr>
+              <a:t>temp</a:t>
+            </a:r>
+            <a:endParaRPr lang="ko-KR" altLang="en-US" sz="2000">
+              <a:latin typeface="Consolas" pitchFamily="49" charset="0"/>
+              <a:cs typeface="Consolas" pitchFamily="49" charset="0"/>
+            </a:endParaRPr>
+          </a:p>
+        </p:txBody>
+      </p:sp>
+      <p:sp>
+        <p:nvSpPr>
+          <p:cNvPr id="21" name="직사각형 20">
+            <a:extLst>
+              <a:ext uri="{FF2B5EF4-FFF2-40B4-BE49-F238E27FC236}">
+                <a16:creationId xmlns:a16="http://schemas.microsoft.com/office/drawing/2014/main" id="{05394B20-20C4-417F-9206-2CC4C265C28C}"/>
+              </a:ext>
+            </a:extLst>
+          </p:cNvPr>
+          <p:cNvSpPr/>
+          <p:nvPr/>
+        </p:nvSpPr>
+        <p:spPr>
+          <a:xfrm>
+            <a:off x="5934067" y="1956902"/>
+            <a:ext cx="360040" cy="319970"/>
+          </a:xfrm>
+          <a:prstGeom prst="rect">
+            <a:avLst/>
+          </a:prstGeom>
+          <a:solidFill>
+            <a:srgbClr val="FFFF00"/>
+          </a:solidFill>
+          <a:ln w="9525"/>
+        </p:spPr>
+        <p:style>
+          <a:lnRef idx="2">
+            <a:schemeClr val="accent1">
+              <a:shade val="50000"/>
+            </a:schemeClr>
+          </a:lnRef>
+          <a:fillRef idx="1">
+            <a:schemeClr val="accent1"/>
+          </a:fillRef>
+          <a:effectRef idx="0">
+            <a:schemeClr val="accent1"/>
+          </a:effectRef>
+          <a:fontRef idx="minor">
+            <a:schemeClr val="lt1"/>
+          </a:fontRef>
+        </p:style>
+        <p:txBody>
+          <a:bodyPr rot="0" spcFirstLastPara="0" vertOverflow="overflow" horzOverflow="overflow" vert="horz" wrap="square" lIns="91440" tIns="45720" rIns="91440" bIns="45720" numCol="1" spcCol="0" rtlCol="0" fromWordArt="0" anchor="ctr" anchorCtr="0" forceAA="0" compatLnSpc="1">
+            <a:prstTxWarp prst="textNoShape">
+              <a:avLst/>
+            </a:prstTxWarp>
+            <a:noAutofit/>
+          </a:bodyPr>
+          <a:lstStyle/>
+          <a:p>
+            <a:pPr algn="ctr"/>
+            <a:endParaRPr lang="ko-KR" altLang="en-US" sz="2000">
+              <a:solidFill>
+                <a:schemeClr val="tx1"/>
+              </a:solidFill>
+              <a:latin typeface="Consolas" pitchFamily="49" charset="0"/>
+              <a:cs typeface="Consolas" pitchFamily="49" charset="0"/>
+            </a:endParaRPr>
+          </a:p>
+        </p:txBody>
+      </p:sp>
+      <p:cxnSp>
+        <p:nvCxnSpPr>
+          <p:cNvPr id="22" name="연결선: 구부러짐 21">
+            <a:extLst>
+              <a:ext uri="{FF2B5EF4-FFF2-40B4-BE49-F238E27FC236}">
+                <a16:creationId xmlns:a16="http://schemas.microsoft.com/office/drawing/2014/main" id="{F9215EE2-3895-425A-AA31-972019EE72AE}"/>
+              </a:ext>
+            </a:extLst>
+          </p:cNvPr>
+          <p:cNvCxnSpPr>
+            <a:cxnSpLocks/>
+            <a:stCxn id="21" idx="2"/>
+          </p:cNvCxnSpPr>
+          <p:nvPr/>
+        </p:nvCxnSpPr>
+        <p:spPr>
+          <a:xfrm rot="16200000" flipH="1">
+            <a:off x="5862059" y="2528900"/>
+            <a:ext cx="576064" cy="72008"/>
+          </a:xfrm>
+          <a:prstGeom prst="curvedConnector3">
+            <a:avLst/>
+          </a:prstGeom>
+          <a:ln w="12700">
+            <a:solidFill>
+              <a:schemeClr val="tx1"/>
+            </a:solidFill>
+            <a:tailEnd type="triangle"/>
+          </a:ln>
+        </p:spPr>
+        <p:style>
+          <a:lnRef idx="1">
+            <a:schemeClr val="accent1"/>
+          </a:lnRef>
+          <a:fillRef idx="0">
+            <a:schemeClr val="accent1"/>
+          </a:fillRef>
+          <a:effectRef idx="0">
+            <a:schemeClr val="accent1"/>
+          </a:effectRef>
+          <a:fontRef idx="minor">
+            <a:schemeClr val="tx1"/>
+          </a:fontRef>
+        </p:style>
+      </p:cxnSp>
+      <p:sp>
+        <p:nvSpPr>
+          <p:cNvPr id="23" name="TextBox 22">
+            <a:extLst>
+              <a:ext uri="{FF2B5EF4-FFF2-40B4-BE49-F238E27FC236}">
+                <a16:creationId xmlns:a16="http://schemas.microsoft.com/office/drawing/2014/main" id="{2562EB48-348A-444B-8AA9-D45A7EDBD9E6}"/>
+              </a:ext>
+            </a:extLst>
+          </p:cNvPr>
+          <p:cNvSpPr txBox="1"/>
+          <p:nvPr/>
+        </p:nvSpPr>
+        <p:spPr>
+          <a:xfrm>
+            <a:off x="7706456" y="436602"/>
+            <a:ext cx="748923" cy="400110"/>
+          </a:xfrm>
+          <a:prstGeom prst="rect">
+            <a:avLst/>
+          </a:prstGeom>
+          <a:noFill/>
+        </p:spPr>
+        <p:txBody>
+          <a:bodyPr wrap="none" rtlCol="0">
+            <a:spAutoFit/>
+          </a:bodyPr>
+          <a:lstStyle/>
+          <a:p>
+            <a:r>
+              <a:rPr lang="en-US" altLang="ko-KR" sz="2000">
+                <a:latin typeface="Consolas" pitchFamily="49" charset="0"/>
+                <a:cs typeface="Consolas" pitchFamily="49" charset="0"/>
+              </a:rPr>
+              <a:t>prev</a:t>
+            </a:r>
+            <a:endParaRPr lang="ko-KR" altLang="en-US" sz="2000">
+              <a:latin typeface="Consolas" pitchFamily="49" charset="0"/>
+              <a:cs typeface="Consolas" pitchFamily="49" charset="0"/>
+            </a:endParaRPr>
+          </a:p>
+        </p:txBody>
+      </p:sp>
+      <p:sp>
+        <p:nvSpPr>
+          <p:cNvPr id="24" name="직사각형 23">
+            <a:extLst>
+              <a:ext uri="{FF2B5EF4-FFF2-40B4-BE49-F238E27FC236}">
+                <a16:creationId xmlns:a16="http://schemas.microsoft.com/office/drawing/2014/main" id="{1271EC79-8B53-406F-B131-8BF29500606B}"/>
+              </a:ext>
+            </a:extLst>
+          </p:cNvPr>
+          <p:cNvSpPr/>
+          <p:nvPr/>
+        </p:nvSpPr>
+        <p:spPr>
+          <a:xfrm>
+            <a:off x="7922480" y="836712"/>
+            <a:ext cx="360040" cy="319970"/>
+          </a:xfrm>
+          <a:prstGeom prst="rect">
+            <a:avLst/>
+          </a:prstGeom>
+          <a:solidFill>
+            <a:srgbClr val="FFFF00"/>
+          </a:solidFill>
+          <a:ln w="9525"/>
+        </p:spPr>
+        <p:style>
+          <a:lnRef idx="2">
+            <a:schemeClr val="accent1">
+              <a:shade val="50000"/>
+            </a:schemeClr>
+          </a:lnRef>
+          <a:fillRef idx="1">
+            <a:schemeClr val="accent1"/>
+          </a:fillRef>
+          <a:effectRef idx="0">
+            <a:schemeClr val="accent1"/>
+          </a:effectRef>
+          <a:fontRef idx="minor">
+            <a:schemeClr val="lt1"/>
+          </a:fontRef>
+        </p:style>
+        <p:txBody>
+          <a:bodyPr rot="0" spcFirstLastPara="0" vertOverflow="overflow" horzOverflow="overflow" vert="horz" wrap="square" lIns="91440" tIns="45720" rIns="91440" bIns="45720" numCol="1" spcCol="0" rtlCol="0" fromWordArt="0" anchor="ctr" anchorCtr="0" forceAA="0" compatLnSpc="1">
+            <a:prstTxWarp prst="textNoShape">
+              <a:avLst/>
+            </a:prstTxWarp>
+            <a:noAutofit/>
+          </a:bodyPr>
+          <a:lstStyle/>
+          <a:p>
+            <a:pPr algn="ctr"/>
+            <a:endParaRPr lang="ko-KR" altLang="en-US" sz="2000">
+              <a:solidFill>
+                <a:schemeClr val="tx1"/>
+              </a:solidFill>
+              <a:latin typeface="Consolas" pitchFamily="49" charset="0"/>
+              <a:cs typeface="Consolas" pitchFamily="49" charset="0"/>
+            </a:endParaRPr>
+          </a:p>
+        </p:txBody>
+      </p:sp>
+      <p:sp>
+        <p:nvSpPr>
+          <p:cNvPr id="31" name="TextBox 30">
+            <a:extLst>
+              <a:ext uri="{FF2B5EF4-FFF2-40B4-BE49-F238E27FC236}">
+                <a16:creationId xmlns:a16="http://schemas.microsoft.com/office/drawing/2014/main" id="{CADBCA96-CD9C-4138-B241-FAF489E657B9}"/>
+              </a:ext>
+            </a:extLst>
+          </p:cNvPr>
+          <p:cNvSpPr txBox="1"/>
+          <p:nvPr/>
+        </p:nvSpPr>
+        <p:spPr>
+          <a:xfrm>
+            <a:off x="8388424" y="436602"/>
+            <a:ext cx="325730" cy="400110"/>
+          </a:xfrm>
+          <a:prstGeom prst="rect">
+            <a:avLst/>
+          </a:prstGeom>
+          <a:noFill/>
+        </p:spPr>
+        <p:txBody>
+          <a:bodyPr wrap="none" rtlCol="0">
+            <a:spAutoFit/>
+          </a:bodyPr>
+          <a:lstStyle/>
+          <a:p>
+            <a:r>
+              <a:rPr lang="en-US" altLang="ko-KR" sz="2000">
+                <a:latin typeface="Consolas" pitchFamily="49" charset="0"/>
+                <a:cs typeface="Consolas" pitchFamily="49" charset="0"/>
+              </a:rPr>
+              <a:t>p</a:t>
+            </a:r>
+            <a:endParaRPr lang="ko-KR" altLang="en-US" sz="2000">
+              <a:latin typeface="Consolas" pitchFamily="49" charset="0"/>
+              <a:cs typeface="Consolas" pitchFamily="49" charset="0"/>
+            </a:endParaRPr>
+          </a:p>
+        </p:txBody>
+      </p:sp>
+      <p:sp>
+        <p:nvSpPr>
+          <p:cNvPr id="32" name="직사각형 31">
+            <a:extLst>
+              <a:ext uri="{FF2B5EF4-FFF2-40B4-BE49-F238E27FC236}">
+                <a16:creationId xmlns:a16="http://schemas.microsoft.com/office/drawing/2014/main" id="{AB8F2AB5-33E8-4B9A-B440-B75AF3CAB739}"/>
+              </a:ext>
+            </a:extLst>
+          </p:cNvPr>
+          <p:cNvSpPr/>
+          <p:nvPr/>
+        </p:nvSpPr>
+        <p:spPr>
+          <a:xfrm>
+            <a:off x="8604448" y="836712"/>
+            <a:ext cx="360040" cy="319970"/>
+          </a:xfrm>
+          <a:prstGeom prst="rect">
+            <a:avLst/>
+          </a:prstGeom>
+          <a:solidFill>
+            <a:srgbClr val="FFFF00"/>
+          </a:solidFill>
+          <a:ln w="9525"/>
+        </p:spPr>
+        <p:style>
+          <a:lnRef idx="2">
+            <a:schemeClr val="accent1">
+              <a:shade val="50000"/>
+            </a:schemeClr>
+          </a:lnRef>
+          <a:fillRef idx="1">
+            <a:schemeClr val="accent1"/>
+          </a:fillRef>
+          <a:effectRef idx="0">
+            <a:schemeClr val="accent1"/>
+          </a:effectRef>
+          <a:fontRef idx="minor">
+            <a:schemeClr val="lt1"/>
+          </a:fontRef>
+        </p:style>
+        <p:txBody>
+          <a:bodyPr rot="0" spcFirstLastPara="0" vertOverflow="overflow" horzOverflow="overflow" vert="horz" wrap="square" lIns="91440" tIns="45720" rIns="91440" bIns="45720" numCol="1" spcCol="0" rtlCol="0" fromWordArt="0" anchor="ctr" anchorCtr="0" forceAA="0" compatLnSpc="1">
+            <a:prstTxWarp prst="textNoShape">
+              <a:avLst/>
+            </a:prstTxWarp>
+            <a:noAutofit/>
+          </a:bodyPr>
+          <a:lstStyle/>
+          <a:p>
+            <a:pPr algn="ctr"/>
+            <a:r>
+              <a:rPr lang="en-US" altLang="ko-KR" sz="2000">
+                <a:solidFill>
+                  <a:schemeClr val="tx1"/>
+                </a:solidFill>
+                <a:latin typeface="Consolas" pitchFamily="49" charset="0"/>
+                <a:cs typeface="Consolas" pitchFamily="49" charset="0"/>
+              </a:rPr>
+              <a:t>0</a:t>
+            </a:r>
+            <a:endParaRPr lang="ko-KR" altLang="en-US" sz="2000">
+              <a:solidFill>
+                <a:schemeClr val="tx1"/>
+              </a:solidFill>
+              <a:latin typeface="Consolas" pitchFamily="49" charset="0"/>
+              <a:cs typeface="Consolas" pitchFamily="49" charset="0"/>
+            </a:endParaRPr>
+          </a:p>
+        </p:txBody>
+      </p:sp>
+      <p:cxnSp>
+        <p:nvCxnSpPr>
+          <p:cNvPr id="33" name="연결선: 구부러짐 32">
+            <a:extLst>
+              <a:ext uri="{FF2B5EF4-FFF2-40B4-BE49-F238E27FC236}">
+                <a16:creationId xmlns:a16="http://schemas.microsoft.com/office/drawing/2014/main" id="{6B8A0A19-DE97-497A-8C95-72EABE95D393}"/>
+              </a:ext>
+            </a:extLst>
+          </p:cNvPr>
+          <p:cNvCxnSpPr>
+            <a:cxnSpLocks/>
+            <a:stCxn id="24" idx="2"/>
+            <a:endCxn id="4" idx="0"/>
+          </p:cNvCxnSpPr>
+          <p:nvPr/>
+        </p:nvCxnSpPr>
+        <p:spPr>
+          <a:xfrm rot="5400000">
+            <a:off x="7505347" y="1103655"/>
+            <a:ext cx="544126" cy="650180"/>
+          </a:xfrm>
+          <a:prstGeom prst="curvedConnector3">
+            <a:avLst/>
+          </a:prstGeom>
+          <a:ln w="12700">
+            <a:solidFill>
+              <a:schemeClr val="tx1"/>
+            </a:solidFill>
+            <a:tailEnd type="triangle"/>
+          </a:ln>
+        </p:spPr>
+        <p:style>
+          <a:lnRef idx="1">
+            <a:schemeClr val="accent1"/>
+          </a:lnRef>
+          <a:fillRef idx="0">
+            <a:schemeClr val="accent1"/>
+          </a:fillRef>
+          <a:effectRef idx="0">
+            <a:schemeClr val="accent1"/>
+          </a:effectRef>
+          <a:fontRef idx="minor">
+            <a:schemeClr val="tx1"/>
+          </a:fontRef>
+        </p:style>
+      </p:cxnSp>
+    </p:spTree>
+    <p:extLst>
+      <p:ext uri="{BB962C8B-B14F-4D97-AF65-F5344CB8AC3E}">
+        <p14:creationId xmlns:p14="http://schemas.microsoft.com/office/powerpoint/2010/main" val="2502230828"/>
+      </p:ext>
+    </p:extLst>
+  </p:cSld>
+  <p:clrMapOvr>
+    <a:masterClrMapping/>
+  </p:clrMapOvr>
+</p:sld>
+</file>
+
+<file path=ppt/slides/slide43.xml><?xml version="1.0" encoding="utf-8"?>
+<p:sld xmlns:a="http://schemas.openxmlformats.org/drawingml/2006/main" xmlns:r="http://schemas.openxmlformats.org/officeDocument/2006/relationships" xmlns:p="http://schemas.openxmlformats.org/presentationml/2006/main">
+  <p:cSld>
+    <p:spTree>
+      <p:nvGrpSpPr>
+        <p:cNvPr id="1" name=""/>
+        <p:cNvGrpSpPr/>
+        <p:nvPr/>
+      </p:nvGrpSpPr>
+      <p:grpSpPr>
+        <a:xfrm>
+          <a:off x="0" y="0"/>
+          <a:ext cx="0" cy="0"/>
+          <a:chOff x="0" y="0"/>
+          <a:chExt cx="0" cy="0"/>
+        </a:xfrm>
+      </p:grpSpPr>
+      <p:sp>
+        <p:nvSpPr>
+          <p:cNvPr id="29" name="TextBox 28">
+            <a:extLst>
+              <a:ext uri="{FF2B5EF4-FFF2-40B4-BE49-F238E27FC236}">
+                <a16:creationId xmlns:a16="http://schemas.microsoft.com/office/drawing/2014/main" id="{FC0212DA-BFB2-4664-90C9-826A5439960C}"/>
+              </a:ext>
+            </a:extLst>
+          </p:cNvPr>
+          <p:cNvSpPr txBox="1"/>
+          <p:nvPr/>
+        </p:nvSpPr>
+        <p:spPr>
+          <a:xfrm>
+            <a:off x="268387" y="116632"/>
+            <a:ext cx="5121915" cy="6247864"/>
+          </a:xfrm>
+          <a:prstGeom prst="rect">
+            <a:avLst/>
+          </a:prstGeom>
+          <a:noFill/>
+        </p:spPr>
+        <p:txBody>
+          <a:bodyPr wrap="none" rtlCol="0">
+            <a:spAutoFit/>
+          </a:bodyPr>
+          <a:lstStyle/>
+          <a:p>
+            <a:r>
+              <a:rPr lang="en-US" altLang="ko-KR" sz="2000">
+                <a:latin typeface="Consolas" pitchFamily="49" charset="0"/>
+                <a:cs typeface="Consolas" pitchFamily="49" charset="0"/>
+              </a:rPr>
+              <a:t>void insert_data( int data )</a:t>
+            </a:r>
+          </a:p>
+          <a:p>
+            <a:r>
+              <a:rPr lang="en-US" altLang="ko-KR" sz="2000">
+                <a:latin typeface="Consolas" pitchFamily="49" charset="0"/>
+                <a:cs typeface="Consolas" pitchFamily="49" charset="0"/>
+              </a:rPr>
+              <a:t>{</a:t>
+            </a:r>
+          </a:p>
+          <a:p>
+            <a:r>
+              <a:rPr lang="en-US" altLang="ko-KR" sz="2000">
+                <a:latin typeface="Consolas" pitchFamily="49" charset="0"/>
+                <a:cs typeface="Consolas" pitchFamily="49" charset="0"/>
+              </a:rPr>
+              <a:t>    NODE *temp;</a:t>
+            </a:r>
+          </a:p>
+          <a:p>
+            <a:r>
+              <a:rPr lang="en-US" altLang="ko-KR" sz="2000">
+                <a:latin typeface="Consolas" pitchFamily="49" charset="0"/>
+                <a:cs typeface="Consolas" pitchFamily="49" charset="0"/>
+              </a:rPr>
+              <a:t>    NODE **p = &amp;root;</a:t>
+            </a:r>
+          </a:p>
+          <a:p>
+            <a:r>
+              <a:rPr lang="en-US" altLang="ko-KR" sz="2000">
+                <a:latin typeface="Consolas" pitchFamily="49" charset="0"/>
+                <a:cs typeface="Consolas" pitchFamily="49" charset="0"/>
+              </a:rPr>
+              <a:t>    temp = malloc( sizeof(NODE) );</a:t>
+            </a:r>
+          </a:p>
+          <a:p>
+            <a:r>
+              <a:rPr lang="en-US" altLang="ko-KR" sz="2000">
+                <a:latin typeface="Consolas" pitchFamily="49" charset="0"/>
+                <a:cs typeface="Consolas" pitchFamily="49" charset="0"/>
+              </a:rPr>
+              <a:t>    temp-&gt;left = 0;</a:t>
+            </a:r>
+          </a:p>
+          <a:p>
+            <a:r>
+              <a:rPr lang="en-US" altLang="ko-KR" sz="2000">
+                <a:latin typeface="Consolas" pitchFamily="49" charset="0"/>
+                <a:cs typeface="Consolas" pitchFamily="49" charset="0"/>
+              </a:rPr>
+              <a:t>    temp-&gt;right = 0;</a:t>
+            </a:r>
+          </a:p>
+          <a:p>
+            <a:r>
+              <a:rPr lang="en-US" altLang="ko-KR" sz="2000">
+                <a:latin typeface="Consolas" pitchFamily="49" charset="0"/>
+                <a:cs typeface="Consolas" pitchFamily="49" charset="0"/>
+              </a:rPr>
+              <a:t>    temp-&gt;data = data;</a:t>
+            </a:r>
+          </a:p>
+          <a:p>
+            <a:endParaRPr lang="en-US" altLang="ko-KR" sz="2000">
+              <a:latin typeface="Consolas" pitchFamily="49" charset="0"/>
+              <a:cs typeface="Consolas" pitchFamily="49" charset="0"/>
+            </a:endParaRPr>
+          </a:p>
+          <a:p>
+            <a:r>
+              <a:rPr lang="en-US" altLang="ko-KR" sz="2000">
+                <a:latin typeface="Consolas" pitchFamily="49" charset="0"/>
+                <a:cs typeface="Consolas" pitchFamily="49" charset="0"/>
+              </a:rPr>
+              <a:t>    while(*p)</a:t>
+            </a:r>
+          </a:p>
+          <a:p>
+            <a:r>
+              <a:rPr lang="en-US" altLang="ko-KR" sz="2000">
+                <a:latin typeface="Consolas" pitchFamily="49" charset="0"/>
+                <a:cs typeface="Consolas" pitchFamily="49" charset="0"/>
+              </a:rPr>
+              <a:t>    {</a:t>
+            </a:r>
+            <a:endParaRPr lang="en-US" altLang="ko-KR" sz="2000">
+              <a:solidFill>
+                <a:srgbClr val="FF0000"/>
+              </a:solidFill>
+              <a:latin typeface="Consolas" pitchFamily="49" charset="0"/>
+              <a:cs typeface="Consolas" pitchFamily="49" charset="0"/>
+            </a:endParaRPr>
+          </a:p>
+          <a:p>
+            <a:r>
+              <a:rPr lang="en-US" altLang="ko-KR" sz="2000">
+                <a:latin typeface="Consolas" pitchFamily="49" charset="0"/>
+                <a:cs typeface="Consolas" pitchFamily="49" charset="0"/>
+              </a:rPr>
+              <a:t>       if( (*p)-&gt;data &gt; data )</a:t>
+            </a:r>
+          </a:p>
+          <a:p>
+            <a:r>
+              <a:rPr lang="en-US" altLang="ko-KR" sz="2000">
+                <a:latin typeface="Consolas" pitchFamily="49" charset="0"/>
+                <a:cs typeface="Consolas" pitchFamily="49" charset="0"/>
+              </a:rPr>
+              <a:t>          p = &amp;(*p)-&gt;left ;</a:t>
+            </a:r>
+          </a:p>
+          <a:p>
+            <a:r>
+              <a:rPr lang="en-US" altLang="ko-KR" sz="2000">
+                <a:latin typeface="Consolas" pitchFamily="49" charset="0"/>
+                <a:cs typeface="Consolas" pitchFamily="49" charset="0"/>
+              </a:rPr>
+              <a:t>       else if( (*p)-&gt;data &lt; data )</a:t>
+            </a:r>
+          </a:p>
+          <a:p>
+            <a:r>
+              <a:rPr lang="en-US" altLang="ko-KR" sz="2000">
+                <a:latin typeface="Consolas" pitchFamily="49" charset="0"/>
+                <a:cs typeface="Consolas" pitchFamily="49" charset="0"/>
+              </a:rPr>
+              <a:t>          p = &amp;(*p)-&gt;right;</a:t>
+            </a:r>
+          </a:p>
+          <a:p>
+            <a:r>
+              <a:rPr lang="en-US" altLang="ko-KR" sz="2000">
+                <a:latin typeface="Consolas" pitchFamily="49" charset="0"/>
+                <a:cs typeface="Consolas" pitchFamily="49" charset="0"/>
+              </a:rPr>
+              <a:t>       else</a:t>
+            </a:r>
+          </a:p>
+          <a:p>
+            <a:r>
+              <a:rPr lang="en-US" altLang="ko-KR" sz="2000">
+                <a:latin typeface="Consolas" pitchFamily="49" charset="0"/>
+                <a:cs typeface="Consolas" pitchFamily="49" charset="0"/>
+              </a:rPr>
+              <a:t>          return;</a:t>
+            </a:r>
+          </a:p>
+          <a:p>
+            <a:r>
+              <a:rPr lang="en-US" altLang="ko-KR" sz="2000">
+                <a:latin typeface="Consolas" pitchFamily="49" charset="0"/>
+                <a:cs typeface="Consolas" pitchFamily="49" charset="0"/>
+              </a:rPr>
+              <a:t>    }</a:t>
+            </a:r>
+          </a:p>
+          <a:p>
+            <a:r>
+              <a:rPr lang="en-US" altLang="ko-KR" sz="2000">
+                <a:latin typeface="Consolas" pitchFamily="49" charset="0"/>
+                <a:cs typeface="Consolas" pitchFamily="49" charset="0"/>
+              </a:rPr>
+              <a:t>    *p = temp;</a:t>
+            </a:r>
+          </a:p>
+          <a:p>
+            <a:r>
+              <a:rPr lang="en-US" altLang="ko-KR" sz="2000">
+                <a:latin typeface="Consolas" pitchFamily="49" charset="0"/>
+                <a:cs typeface="Consolas" pitchFamily="49" charset="0"/>
+              </a:rPr>
+              <a:t>}</a:t>
+            </a:r>
+            <a:endParaRPr lang="ko-KR" altLang="en-US" sz="2000">
+              <a:latin typeface="Consolas" pitchFamily="49" charset="0"/>
+              <a:cs typeface="Consolas" pitchFamily="49" charset="0"/>
+            </a:endParaRPr>
+          </a:p>
+        </p:txBody>
+      </p:sp>
+      <p:sp>
+        <p:nvSpPr>
+          <p:cNvPr id="42" name="TextBox 41">
+            <a:extLst>
+              <a:ext uri="{FF2B5EF4-FFF2-40B4-BE49-F238E27FC236}">
+                <a16:creationId xmlns:a16="http://schemas.microsoft.com/office/drawing/2014/main" id="{34D03373-34E4-4F76-9192-97D141016989}"/>
+              </a:ext>
+            </a:extLst>
+          </p:cNvPr>
+          <p:cNvSpPr txBox="1"/>
+          <p:nvPr/>
+        </p:nvSpPr>
+        <p:spPr>
+          <a:xfrm>
+            <a:off x="7236296" y="436602"/>
+            <a:ext cx="748923" cy="400110"/>
+          </a:xfrm>
+          <a:prstGeom prst="rect">
+            <a:avLst/>
+          </a:prstGeom>
+          <a:noFill/>
+        </p:spPr>
+        <p:txBody>
+          <a:bodyPr wrap="none" rtlCol="0">
+            <a:spAutoFit/>
+          </a:bodyPr>
+          <a:lstStyle/>
+          <a:p>
+            <a:r>
+              <a:rPr lang="en-US" altLang="ko-KR" sz="2000">
+                <a:latin typeface="Consolas" pitchFamily="49" charset="0"/>
+                <a:cs typeface="Consolas" pitchFamily="49" charset="0"/>
+              </a:rPr>
+              <a:t>root</a:t>
+            </a:r>
+            <a:endParaRPr lang="ko-KR" altLang="en-US" sz="2000">
+              <a:latin typeface="Consolas" pitchFamily="49" charset="0"/>
+              <a:cs typeface="Consolas" pitchFamily="49" charset="0"/>
+            </a:endParaRPr>
+          </a:p>
+        </p:txBody>
+      </p:sp>
+      <p:sp>
+        <p:nvSpPr>
+          <p:cNvPr id="2" name="직사각형 1">
+            <a:extLst>
+              <a:ext uri="{FF2B5EF4-FFF2-40B4-BE49-F238E27FC236}">
+                <a16:creationId xmlns:a16="http://schemas.microsoft.com/office/drawing/2014/main" id="{51F93335-8E94-4267-A2C0-177D4753473A}"/>
+              </a:ext>
+            </a:extLst>
+          </p:cNvPr>
+          <p:cNvSpPr/>
+          <p:nvPr/>
+        </p:nvSpPr>
+        <p:spPr>
+          <a:xfrm>
+            <a:off x="7452320" y="836712"/>
+            <a:ext cx="360040" cy="319970"/>
+          </a:xfrm>
+          <a:prstGeom prst="rect">
+            <a:avLst/>
+          </a:prstGeom>
+          <a:solidFill>
+            <a:srgbClr val="FFFF00"/>
+          </a:solidFill>
+          <a:ln w="9525"/>
+        </p:spPr>
+        <p:style>
+          <a:lnRef idx="2">
+            <a:schemeClr val="accent1">
+              <a:shade val="50000"/>
+            </a:schemeClr>
+          </a:lnRef>
+          <a:fillRef idx="1">
+            <a:schemeClr val="accent1"/>
+          </a:fillRef>
+          <a:effectRef idx="0">
+            <a:schemeClr val="accent1"/>
+          </a:effectRef>
+          <a:fontRef idx="minor">
+            <a:schemeClr val="lt1"/>
+          </a:fontRef>
+        </p:style>
+        <p:txBody>
+          <a:bodyPr rot="0" spcFirstLastPara="0" vertOverflow="overflow" horzOverflow="overflow" vert="horz" wrap="square" lIns="91440" tIns="45720" rIns="91440" bIns="45720" numCol="1" spcCol="0" rtlCol="0" fromWordArt="0" anchor="ctr" anchorCtr="0" forceAA="0" compatLnSpc="1">
+            <a:prstTxWarp prst="textNoShape">
+              <a:avLst/>
+            </a:prstTxWarp>
+            <a:noAutofit/>
+          </a:bodyPr>
+          <a:lstStyle/>
+          <a:p>
+            <a:pPr algn="ctr"/>
+            <a:endParaRPr lang="ko-KR" altLang="en-US" sz="2000">
+              <a:solidFill>
+                <a:schemeClr val="tx1"/>
+              </a:solidFill>
+              <a:latin typeface="Consolas" pitchFamily="49" charset="0"/>
+              <a:cs typeface="Consolas" pitchFamily="49" charset="0"/>
+            </a:endParaRPr>
+          </a:p>
+        </p:txBody>
+      </p:sp>
+      <p:sp>
+        <p:nvSpPr>
+          <p:cNvPr id="4" name="직사각형 3">
+            <a:extLst>
+              <a:ext uri="{FF2B5EF4-FFF2-40B4-BE49-F238E27FC236}">
+                <a16:creationId xmlns:a16="http://schemas.microsoft.com/office/drawing/2014/main" id="{5D6FE716-6D35-41FB-AA8B-901ECB35196E}"/>
+              </a:ext>
+            </a:extLst>
+          </p:cNvPr>
+          <p:cNvSpPr/>
+          <p:nvPr/>
+        </p:nvSpPr>
+        <p:spPr>
+          <a:xfrm>
+            <a:off x="7092280" y="1556792"/>
+            <a:ext cx="864096" cy="288032"/>
+          </a:xfrm>
+          <a:prstGeom prst="rect">
+            <a:avLst/>
+          </a:prstGeom>
+          <a:solidFill>
+            <a:srgbClr val="FFC000"/>
+          </a:solidFill>
+          <a:ln w="9525"/>
+        </p:spPr>
+        <p:style>
+          <a:lnRef idx="2">
+            <a:schemeClr val="accent1">
+              <a:shade val="50000"/>
+            </a:schemeClr>
+          </a:lnRef>
+          <a:fillRef idx="1">
+            <a:schemeClr val="accent1"/>
+          </a:fillRef>
+          <a:effectRef idx="0">
+            <a:schemeClr val="accent1"/>
+          </a:effectRef>
+          <a:fontRef idx="minor">
+            <a:schemeClr val="lt1"/>
+          </a:fontRef>
+        </p:style>
+        <p:txBody>
+          <a:bodyPr rot="0" spcFirstLastPara="0" vertOverflow="overflow" horzOverflow="overflow" vert="horz" wrap="square" lIns="91440" tIns="45720" rIns="91440" bIns="45720" numCol="1" spcCol="0" rtlCol="0" fromWordArt="0" anchor="ctr" anchorCtr="0" forceAA="0" compatLnSpc="1">
+            <a:prstTxWarp prst="textNoShape">
+              <a:avLst/>
+            </a:prstTxWarp>
+            <a:noAutofit/>
+          </a:bodyPr>
+          <a:lstStyle/>
+          <a:p>
+            <a:pPr algn="ctr"/>
+            <a:r>
+              <a:rPr lang="en-US" altLang="ko-KR" sz="2000">
+                <a:solidFill>
+                  <a:schemeClr val="tx1"/>
+                </a:solidFill>
+                <a:latin typeface="Consolas" pitchFamily="49" charset="0"/>
+                <a:cs typeface="Consolas" pitchFamily="49" charset="0"/>
+              </a:rPr>
+              <a:t>4</a:t>
+            </a:r>
+            <a:endParaRPr lang="ko-KR" altLang="en-US" sz="2000">
+              <a:solidFill>
+                <a:schemeClr val="tx1"/>
+              </a:solidFill>
+              <a:latin typeface="Consolas" pitchFamily="49" charset="0"/>
+              <a:cs typeface="Consolas" pitchFamily="49" charset="0"/>
+            </a:endParaRPr>
+          </a:p>
+        </p:txBody>
+      </p:sp>
+      <p:sp>
+        <p:nvSpPr>
+          <p:cNvPr id="15" name="직사각형 14">
+            <a:extLst>
+              <a:ext uri="{FF2B5EF4-FFF2-40B4-BE49-F238E27FC236}">
+                <a16:creationId xmlns:a16="http://schemas.microsoft.com/office/drawing/2014/main" id="{0995AD8D-D5AA-4804-8162-8088D34D7C34}"/>
+              </a:ext>
+            </a:extLst>
+          </p:cNvPr>
+          <p:cNvSpPr/>
+          <p:nvPr/>
+        </p:nvSpPr>
+        <p:spPr>
+          <a:xfrm>
+            <a:off x="7092280" y="1844824"/>
+            <a:ext cx="864096" cy="288032"/>
+          </a:xfrm>
+          <a:prstGeom prst="rect">
+            <a:avLst/>
+          </a:prstGeom>
+          <a:solidFill>
+            <a:srgbClr val="FFFF00"/>
+          </a:solidFill>
+          <a:ln w="9525"/>
+        </p:spPr>
+        <p:style>
+          <a:lnRef idx="2">
+            <a:schemeClr val="accent1">
+              <a:shade val="50000"/>
+            </a:schemeClr>
+          </a:lnRef>
+          <a:fillRef idx="1">
+            <a:schemeClr val="accent1"/>
+          </a:fillRef>
+          <a:effectRef idx="0">
+            <a:schemeClr val="accent1"/>
+          </a:effectRef>
+          <a:fontRef idx="minor">
+            <a:schemeClr val="lt1"/>
+          </a:fontRef>
+        </p:style>
+        <p:txBody>
+          <a:bodyPr rot="0" spcFirstLastPara="0" vertOverflow="overflow" horzOverflow="overflow" vert="horz" wrap="square" lIns="91440" tIns="45720" rIns="91440" bIns="45720" numCol="1" spcCol="0" rtlCol="0" fromWordArt="0" anchor="ctr" anchorCtr="0" forceAA="0" compatLnSpc="1">
+            <a:prstTxWarp prst="textNoShape">
+              <a:avLst/>
+            </a:prstTxWarp>
+            <a:noAutofit/>
+          </a:bodyPr>
+          <a:lstStyle/>
+          <a:p>
+            <a:pPr algn="ctr"/>
+            <a:endParaRPr lang="ko-KR" altLang="en-US" sz="2000">
+              <a:solidFill>
+                <a:schemeClr val="tx1"/>
+              </a:solidFill>
+              <a:latin typeface="Consolas" pitchFamily="49" charset="0"/>
+              <a:cs typeface="Consolas" pitchFamily="49" charset="0"/>
+            </a:endParaRPr>
+          </a:p>
+        </p:txBody>
+      </p:sp>
+      <p:sp>
+        <p:nvSpPr>
+          <p:cNvPr id="16" name="직사각형 15">
+            <a:extLst>
+              <a:ext uri="{FF2B5EF4-FFF2-40B4-BE49-F238E27FC236}">
+                <a16:creationId xmlns:a16="http://schemas.microsoft.com/office/drawing/2014/main" id="{2DC80742-07BB-4C72-8123-B98368840107}"/>
+              </a:ext>
+            </a:extLst>
+          </p:cNvPr>
+          <p:cNvSpPr/>
+          <p:nvPr/>
+        </p:nvSpPr>
+        <p:spPr>
+          <a:xfrm>
+            <a:off x="7092280" y="2132856"/>
+            <a:ext cx="864096" cy="288032"/>
+          </a:xfrm>
+          <a:prstGeom prst="rect">
+            <a:avLst/>
+          </a:prstGeom>
+          <a:solidFill>
+            <a:srgbClr val="FFFF00"/>
+          </a:solidFill>
+          <a:ln w="9525"/>
+        </p:spPr>
+        <p:style>
+          <a:lnRef idx="2">
+            <a:schemeClr val="accent1">
+              <a:shade val="50000"/>
+            </a:schemeClr>
+          </a:lnRef>
+          <a:fillRef idx="1">
+            <a:schemeClr val="accent1"/>
+          </a:fillRef>
+          <a:effectRef idx="0">
+            <a:schemeClr val="accent1"/>
+          </a:effectRef>
+          <a:fontRef idx="minor">
+            <a:schemeClr val="lt1"/>
+          </a:fontRef>
+        </p:style>
+        <p:txBody>
+          <a:bodyPr rot="0" spcFirstLastPara="0" vertOverflow="overflow" horzOverflow="overflow" vert="horz" wrap="square" lIns="91440" tIns="45720" rIns="91440" bIns="45720" numCol="1" spcCol="0" rtlCol="0" fromWordArt="0" anchor="ctr" anchorCtr="0" forceAA="0" compatLnSpc="1">
+            <a:prstTxWarp prst="textNoShape">
+              <a:avLst/>
+            </a:prstTxWarp>
+            <a:noAutofit/>
+          </a:bodyPr>
+          <a:lstStyle/>
+          <a:p>
+            <a:pPr algn="ctr"/>
+            <a:r>
+              <a:rPr lang="en-US" altLang="ko-KR" sz="2000">
+                <a:solidFill>
+                  <a:schemeClr val="tx1"/>
+                </a:solidFill>
+                <a:latin typeface="Consolas" pitchFamily="49" charset="0"/>
+                <a:cs typeface="Consolas" pitchFamily="49" charset="0"/>
+              </a:rPr>
+              <a:t>0</a:t>
+            </a:r>
+            <a:endParaRPr lang="ko-KR" altLang="en-US" sz="2000">
+              <a:solidFill>
+                <a:schemeClr val="tx1"/>
+              </a:solidFill>
+              <a:latin typeface="Consolas" pitchFamily="49" charset="0"/>
+              <a:cs typeface="Consolas" pitchFamily="49" charset="0"/>
+            </a:endParaRPr>
+          </a:p>
+        </p:txBody>
+      </p:sp>
+      <p:sp>
+        <p:nvSpPr>
+          <p:cNvPr id="17" name="직사각형 16">
+            <a:extLst>
+              <a:ext uri="{FF2B5EF4-FFF2-40B4-BE49-F238E27FC236}">
+                <a16:creationId xmlns:a16="http://schemas.microsoft.com/office/drawing/2014/main" id="{0CECF82D-3E24-494E-A3F1-5E6D542785D5}"/>
+              </a:ext>
+            </a:extLst>
+          </p:cNvPr>
+          <p:cNvSpPr/>
+          <p:nvPr/>
+        </p:nvSpPr>
+        <p:spPr>
+          <a:xfrm>
+            <a:off x="5965393" y="2721223"/>
+            <a:ext cx="864096" cy="288032"/>
+          </a:xfrm>
+          <a:prstGeom prst="rect">
+            <a:avLst/>
+          </a:prstGeom>
+          <a:solidFill>
+            <a:srgbClr val="FFC000"/>
+          </a:solidFill>
+          <a:ln w="9525"/>
+        </p:spPr>
+        <p:style>
+          <a:lnRef idx="2">
+            <a:schemeClr val="accent1">
+              <a:shade val="50000"/>
+            </a:schemeClr>
+          </a:lnRef>
+          <a:fillRef idx="1">
+            <a:schemeClr val="accent1"/>
+          </a:fillRef>
+          <a:effectRef idx="0">
+            <a:schemeClr val="accent1"/>
+          </a:effectRef>
+          <a:fontRef idx="minor">
+            <a:schemeClr val="lt1"/>
+          </a:fontRef>
+        </p:style>
+        <p:txBody>
+          <a:bodyPr rot="0" spcFirstLastPara="0" vertOverflow="overflow" horzOverflow="overflow" vert="horz" wrap="square" lIns="91440" tIns="45720" rIns="91440" bIns="45720" numCol="1" spcCol="0" rtlCol="0" fromWordArt="0" anchor="ctr" anchorCtr="0" forceAA="0" compatLnSpc="1">
+            <a:prstTxWarp prst="textNoShape">
+              <a:avLst/>
+            </a:prstTxWarp>
+            <a:noAutofit/>
+          </a:bodyPr>
+          <a:lstStyle/>
+          <a:p>
+            <a:pPr algn="ctr"/>
+            <a:r>
+              <a:rPr lang="en-US" altLang="ko-KR" sz="2000">
+                <a:solidFill>
+                  <a:schemeClr val="tx1"/>
+                </a:solidFill>
+                <a:latin typeface="Consolas" pitchFamily="49" charset="0"/>
+                <a:cs typeface="Consolas" pitchFamily="49" charset="0"/>
+              </a:rPr>
+              <a:t>2</a:t>
+            </a:r>
+            <a:endParaRPr lang="ko-KR" altLang="en-US" sz="2000">
+              <a:solidFill>
+                <a:schemeClr val="tx1"/>
+              </a:solidFill>
+              <a:latin typeface="Consolas" pitchFamily="49" charset="0"/>
+              <a:cs typeface="Consolas" pitchFamily="49" charset="0"/>
+            </a:endParaRPr>
+          </a:p>
+        </p:txBody>
+      </p:sp>
+      <p:sp>
+        <p:nvSpPr>
+          <p:cNvPr id="18" name="직사각형 17">
+            <a:extLst>
+              <a:ext uri="{FF2B5EF4-FFF2-40B4-BE49-F238E27FC236}">
+                <a16:creationId xmlns:a16="http://schemas.microsoft.com/office/drawing/2014/main" id="{9BA6E4D4-9E5E-4CD7-B068-22BED7B699C2}"/>
+              </a:ext>
+            </a:extLst>
+          </p:cNvPr>
+          <p:cNvSpPr/>
+          <p:nvPr/>
+        </p:nvSpPr>
+        <p:spPr>
+          <a:xfrm>
+            <a:off x="5965393" y="3009255"/>
+            <a:ext cx="864096" cy="288032"/>
+          </a:xfrm>
+          <a:prstGeom prst="rect">
+            <a:avLst/>
+          </a:prstGeom>
+          <a:solidFill>
+            <a:srgbClr val="FFFF00"/>
+          </a:solidFill>
+          <a:ln w="9525"/>
+        </p:spPr>
+        <p:style>
+          <a:lnRef idx="2">
+            <a:schemeClr val="accent1">
+              <a:shade val="50000"/>
+            </a:schemeClr>
+          </a:lnRef>
+          <a:fillRef idx="1">
+            <a:schemeClr val="accent1"/>
+          </a:fillRef>
+          <a:effectRef idx="0">
+            <a:schemeClr val="accent1"/>
+          </a:effectRef>
+          <a:fontRef idx="minor">
+            <a:schemeClr val="lt1"/>
+          </a:fontRef>
+        </p:style>
+        <p:txBody>
+          <a:bodyPr rot="0" spcFirstLastPara="0" vertOverflow="overflow" horzOverflow="overflow" vert="horz" wrap="square" lIns="91440" tIns="45720" rIns="91440" bIns="45720" numCol="1" spcCol="0" rtlCol="0" fromWordArt="0" anchor="ctr" anchorCtr="0" forceAA="0" compatLnSpc="1">
+            <a:prstTxWarp prst="textNoShape">
+              <a:avLst/>
+            </a:prstTxWarp>
+            <a:noAutofit/>
+          </a:bodyPr>
+          <a:lstStyle/>
+          <a:p>
+            <a:pPr algn="ctr"/>
+            <a:r>
+              <a:rPr lang="en-US" altLang="ko-KR" sz="2000">
+                <a:solidFill>
+                  <a:schemeClr val="tx1"/>
+                </a:solidFill>
+                <a:latin typeface="Consolas" pitchFamily="49" charset="0"/>
+                <a:cs typeface="Consolas" pitchFamily="49" charset="0"/>
+              </a:rPr>
+              <a:t>0</a:t>
+            </a:r>
+            <a:endParaRPr lang="ko-KR" altLang="en-US" sz="2000">
+              <a:solidFill>
+                <a:schemeClr val="tx1"/>
+              </a:solidFill>
+              <a:latin typeface="Consolas" pitchFamily="49" charset="0"/>
+              <a:cs typeface="Consolas" pitchFamily="49" charset="0"/>
+            </a:endParaRPr>
+          </a:p>
+        </p:txBody>
+      </p:sp>
+      <p:sp>
+        <p:nvSpPr>
+          <p:cNvPr id="19" name="직사각형 18">
+            <a:extLst>
+              <a:ext uri="{FF2B5EF4-FFF2-40B4-BE49-F238E27FC236}">
+                <a16:creationId xmlns:a16="http://schemas.microsoft.com/office/drawing/2014/main" id="{CD384454-BFCA-4140-8A74-B70F734D321E}"/>
+              </a:ext>
+            </a:extLst>
+          </p:cNvPr>
+          <p:cNvSpPr/>
+          <p:nvPr/>
+        </p:nvSpPr>
+        <p:spPr>
+          <a:xfrm>
+            <a:off x="5965393" y="3297287"/>
+            <a:ext cx="864096" cy="288032"/>
+          </a:xfrm>
+          <a:prstGeom prst="rect">
+            <a:avLst/>
+          </a:prstGeom>
+          <a:solidFill>
+            <a:srgbClr val="FFFF00"/>
+          </a:solidFill>
+          <a:ln w="9525"/>
+        </p:spPr>
+        <p:style>
+          <a:lnRef idx="2">
+            <a:schemeClr val="accent1">
+              <a:shade val="50000"/>
+            </a:schemeClr>
+          </a:lnRef>
+          <a:fillRef idx="1">
+            <a:schemeClr val="accent1"/>
+          </a:fillRef>
+          <a:effectRef idx="0">
+            <a:schemeClr val="accent1"/>
+          </a:effectRef>
+          <a:fontRef idx="minor">
+            <a:schemeClr val="lt1"/>
+          </a:fontRef>
+        </p:style>
+        <p:txBody>
+          <a:bodyPr rot="0" spcFirstLastPara="0" vertOverflow="overflow" horzOverflow="overflow" vert="horz" wrap="square" lIns="91440" tIns="45720" rIns="91440" bIns="45720" numCol="1" spcCol="0" rtlCol="0" fromWordArt="0" anchor="ctr" anchorCtr="0" forceAA="0" compatLnSpc="1">
+            <a:prstTxWarp prst="textNoShape">
+              <a:avLst/>
+            </a:prstTxWarp>
+            <a:noAutofit/>
+          </a:bodyPr>
+          <a:lstStyle/>
+          <a:p>
+            <a:pPr algn="ctr"/>
+            <a:r>
+              <a:rPr lang="en-US" altLang="ko-KR" sz="2000">
+                <a:solidFill>
+                  <a:schemeClr val="tx1"/>
+                </a:solidFill>
+                <a:latin typeface="Consolas" pitchFamily="49" charset="0"/>
+                <a:cs typeface="Consolas" pitchFamily="49" charset="0"/>
+              </a:rPr>
+              <a:t>0</a:t>
+            </a:r>
+            <a:endParaRPr lang="ko-KR" altLang="en-US" sz="2000">
+              <a:solidFill>
+                <a:schemeClr val="tx1"/>
+              </a:solidFill>
+              <a:latin typeface="Consolas" pitchFamily="49" charset="0"/>
+              <a:cs typeface="Consolas" pitchFamily="49" charset="0"/>
+            </a:endParaRPr>
+          </a:p>
+        </p:txBody>
+      </p:sp>
+      <p:sp>
+        <p:nvSpPr>
+          <p:cNvPr id="20" name="TextBox 19">
+            <a:extLst>
+              <a:ext uri="{FF2B5EF4-FFF2-40B4-BE49-F238E27FC236}">
+                <a16:creationId xmlns:a16="http://schemas.microsoft.com/office/drawing/2014/main" id="{DB4D54E6-4559-4D3C-AE3C-1758CFD2179C}"/>
+              </a:ext>
+            </a:extLst>
+          </p:cNvPr>
+          <p:cNvSpPr txBox="1"/>
+          <p:nvPr/>
+        </p:nvSpPr>
+        <p:spPr>
+          <a:xfrm>
+            <a:off x="5482920" y="1202904"/>
+            <a:ext cx="748923" cy="400110"/>
+          </a:xfrm>
+          <a:prstGeom prst="rect">
+            <a:avLst/>
+          </a:prstGeom>
+          <a:noFill/>
+        </p:spPr>
+        <p:txBody>
+          <a:bodyPr wrap="none" rtlCol="0">
+            <a:spAutoFit/>
+          </a:bodyPr>
+          <a:lstStyle/>
+          <a:p>
+            <a:r>
+              <a:rPr lang="en-US" altLang="ko-KR" sz="2000">
+                <a:latin typeface="Consolas" pitchFamily="49" charset="0"/>
+                <a:cs typeface="Consolas" pitchFamily="49" charset="0"/>
+              </a:rPr>
+              <a:t>temp</a:t>
+            </a:r>
+            <a:endParaRPr lang="ko-KR" altLang="en-US" sz="2000">
+              <a:latin typeface="Consolas" pitchFamily="49" charset="0"/>
+              <a:cs typeface="Consolas" pitchFamily="49" charset="0"/>
+            </a:endParaRPr>
+          </a:p>
+        </p:txBody>
+      </p:sp>
+      <p:sp>
+        <p:nvSpPr>
+          <p:cNvPr id="21" name="직사각형 20">
+            <a:extLst>
+              <a:ext uri="{FF2B5EF4-FFF2-40B4-BE49-F238E27FC236}">
+                <a16:creationId xmlns:a16="http://schemas.microsoft.com/office/drawing/2014/main" id="{05394B20-20C4-417F-9206-2CC4C265C28C}"/>
+              </a:ext>
+            </a:extLst>
+          </p:cNvPr>
+          <p:cNvSpPr/>
+          <p:nvPr/>
+        </p:nvSpPr>
+        <p:spPr>
+          <a:xfrm>
+            <a:off x="5698944" y="1603014"/>
+            <a:ext cx="360040" cy="319970"/>
+          </a:xfrm>
+          <a:prstGeom prst="rect">
+            <a:avLst/>
+          </a:prstGeom>
+          <a:solidFill>
+            <a:srgbClr val="FFFF00"/>
+          </a:solidFill>
+          <a:ln w="9525"/>
+        </p:spPr>
+        <p:style>
+          <a:lnRef idx="2">
+            <a:schemeClr val="accent1">
+              <a:shade val="50000"/>
+            </a:schemeClr>
+          </a:lnRef>
+          <a:fillRef idx="1">
+            <a:schemeClr val="accent1"/>
+          </a:fillRef>
+          <a:effectRef idx="0">
+            <a:schemeClr val="accent1"/>
+          </a:effectRef>
+          <a:fontRef idx="minor">
+            <a:schemeClr val="lt1"/>
+          </a:fontRef>
+        </p:style>
+        <p:txBody>
+          <a:bodyPr rot="0" spcFirstLastPara="0" vertOverflow="overflow" horzOverflow="overflow" vert="horz" wrap="square" lIns="91440" tIns="45720" rIns="91440" bIns="45720" numCol="1" spcCol="0" rtlCol="0" fromWordArt="0" anchor="ctr" anchorCtr="0" forceAA="0" compatLnSpc="1">
+            <a:prstTxWarp prst="textNoShape">
+              <a:avLst/>
+            </a:prstTxWarp>
+            <a:noAutofit/>
+          </a:bodyPr>
+          <a:lstStyle/>
+          <a:p>
+            <a:pPr algn="ctr"/>
+            <a:endParaRPr lang="ko-KR" altLang="en-US" sz="2000">
+              <a:solidFill>
+                <a:schemeClr val="tx1"/>
+              </a:solidFill>
+              <a:latin typeface="Consolas" pitchFamily="49" charset="0"/>
+              <a:cs typeface="Consolas" pitchFamily="49" charset="0"/>
+            </a:endParaRPr>
+          </a:p>
+        </p:txBody>
+      </p:sp>
+      <p:cxnSp>
+        <p:nvCxnSpPr>
+          <p:cNvPr id="22" name="연결선: 구부러짐 21">
+            <a:extLst>
+              <a:ext uri="{FF2B5EF4-FFF2-40B4-BE49-F238E27FC236}">
+                <a16:creationId xmlns:a16="http://schemas.microsoft.com/office/drawing/2014/main" id="{F9215EE2-3895-425A-AA31-972019EE72AE}"/>
+              </a:ext>
+            </a:extLst>
+          </p:cNvPr>
+          <p:cNvCxnSpPr>
+            <a:cxnSpLocks/>
+            <a:stCxn id="21" idx="2"/>
+            <a:endCxn id="17" idx="0"/>
+          </p:cNvCxnSpPr>
+          <p:nvPr/>
+        </p:nvCxnSpPr>
+        <p:spPr>
+          <a:xfrm rot="16200000" flipH="1">
+            <a:off x="5739083" y="2062864"/>
+            <a:ext cx="798239" cy="518477"/>
+          </a:xfrm>
+          <a:prstGeom prst="curvedConnector3">
+            <a:avLst>
+              <a:gd name="adj1" fmla="val 50000"/>
+            </a:avLst>
+          </a:prstGeom>
+          <a:ln w="12700">
+            <a:solidFill>
+              <a:schemeClr val="tx1"/>
+            </a:solidFill>
+            <a:tailEnd type="triangle"/>
+          </a:ln>
+        </p:spPr>
+        <p:style>
+          <a:lnRef idx="1">
+            <a:schemeClr val="accent1"/>
+          </a:lnRef>
+          <a:fillRef idx="0">
+            <a:schemeClr val="accent1"/>
+          </a:fillRef>
+          <a:effectRef idx="0">
+            <a:schemeClr val="accent1"/>
+          </a:effectRef>
+          <a:fontRef idx="minor">
+            <a:schemeClr val="tx1"/>
+          </a:fontRef>
+        </p:style>
+      </p:cxnSp>
+      <p:sp>
+        <p:nvSpPr>
+          <p:cNvPr id="31" name="TextBox 30">
+            <a:extLst>
+              <a:ext uri="{FF2B5EF4-FFF2-40B4-BE49-F238E27FC236}">
+                <a16:creationId xmlns:a16="http://schemas.microsoft.com/office/drawing/2014/main" id="{CADBCA96-CD9C-4138-B241-FAF489E657B9}"/>
+              </a:ext>
+            </a:extLst>
+          </p:cNvPr>
+          <p:cNvSpPr txBox="1"/>
+          <p:nvPr/>
+        </p:nvSpPr>
+        <p:spPr>
+          <a:xfrm>
+            <a:off x="8748464" y="436602"/>
+            <a:ext cx="325730" cy="400110"/>
+          </a:xfrm>
+          <a:prstGeom prst="rect">
+            <a:avLst/>
+          </a:prstGeom>
+          <a:noFill/>
+        </p:spPr>
+        <p:txBody>
+          <a:bodyPr wrap="none" rtlCol="0">
+            <a:spAutoFit/>
+          </a:bodyPr>
+          <a:lstStyle/>
+          <a:p>
+            <a:r>
+              <a:rPr lang="en-US" altLang="ko-KR" sz="2000">
+                <a:latin typeface="Consolas" pitchFamily="49" charset="0"/>
+                <a:cs typeface="Consolas" pitchFamily="49" charset="0"/>
+              </a:rPr>
+              <a:t>p</a:t>
+            </a:r>
+            <a:endParaRPr lang="ko-KR" altLang="en-US" sz="2000">
+              <a:latin typeface="Consolas" pitchFamily="49" charset="0"/>
+              <a:cs typeface="Consolas" pitchFamily="49" charset="0"/>
+            </a:endParaRPr>
+          </a:p>
+        </p:txBody>
+      </p:sp>
+      <p:sp>
+        <p:nvSpPr>
+          <p:cNvPr id="32" name="직사각형 31">
+            <a:extLst>
+              <a:ext uri="{FF2B5EF4-FFF2-40B4-BE49-F238E27FC236}">
+                <a16:creationId xmlns:a16="http://schemas.microsoft.com/office/drawing/2014/main" id="{AB8F2AB5-33E8-4B9A-B440-B75AF3CAB739}"/>
+              </a:ext>
+            </a:extLst>
+          </p:cNvPr>
+          <p:cNvSpPr/>
+          <p:nvPr/>
+        </p:nvSpPr>
+        <p:spPr>
+          <a:xfrm>
+            <a:off x="8748464" y="836712"/>
+            <a:ext cx="360040" cy="319970"/>
+          </a:xfrm>
+          <a:prstGeom prst="rect">
+            <a:avLst/>
+          </a:prstGeom>
+          <a:solidFill>
+            <a:srgbClr val="FFFF00"/>
+          </a:solidFill>
+          <a:ln w="9525"/>
+        </p:spPr>
+        <p:style>
+          <a:lnRef idx="2">
+            <a:schemeClr val="accent1">
+              <a:shade val="50000"/>
+            </a:schemeClr>
+          </a:lnRef>
+          <a:fillRef idx="1">
+            <a:schemeClr val="accent1"/>
+          </a:fillRef>
+          <a:effectRef idx="0">
+            <a:schemeClr val="accent1"/>
+          </a:effectRef>
+          <a:fontRef idx="minor">
+            <a:schemeClr val="lt1"/>
+          </a:fontRef>
+        </p:style>
+        <p:txBody>
+          <a:bodyPr rot="0" spcFirstLastPara="0" vertOverflow="overflow" horzOverflow="overflow" vert="horz" wrap="square" lIns="91440" tIns="45720" rIns="91440" bIns="45720" numCol="1" spcCol="0" rtlCol="0" fromWordArt="0" anchor="ctr" anchorCtr="0" forceAA="0" compatLnSpc="1">
+            <a:prstTxWarp prst="textNoShape">
+              <a:avLst/>
+            </a:prstTxWarp>
+            <a:noAutofit/>
+          </a:bodyPr>
+          <a:lstStyle/>
+          <a:p>
+            <a:pPr algn="ctr"/>
+            <a:endParaRPr lang="ko-KR" altLang="en-US" sz="2000">
+              <a:solidFill>
+                <a:schemeClr val="tx1"/>
+              </a:solidFill>
+              <a:latin typeface="Consolas" pitchFamily="49" charset="0"/>
+              <a:cs typeface="Consolas" pitchFamily="49" charset="0"/>
+            </a:endParaRPr>
+          </a:p>
+        </p:txBody>
+      </p:sp>
+      <p:cxnSp>
+        <p:nvCxnSpPr>
+          <p:cNvPr id="25" name="연결선: 구부러짐 24">
+            <a:extLst>
+              <a:ext uri="{FF2B5EF4-FFF2-40B4-BE49-F238E27FC236}">
+                <a16:creationId xmlns:a16="http://schemas.microsoft.com/office/drawing/2014/main" id="{B7232AB6-EDA7-4103-A658-0E35955AC57E}"/>
+              </a:ext>
+            </a:extLst>
+          </p:cNvPr>
+          <p:cNvCxnSpPr>
+            <a:cxnSpLocks/>
+            <a:stCxn id="32" idx="1"/>
+          </p:cNvCxnSpPr>
+          <p:nvPr/>
+        </p:nvCxnSpPr>
+        <p:spPr>
+          <a:xfrm rot="10800000" flipV="1">
+            <a:off x="7884368" y="996696"/>
+            <a:ext cx="864096" cy="848127"/>
+          </a:xfrm>
+          <a:prstGeom prst="curvedConnector3">
+            <a:avLst>
+              <a:gd name="adj1" fmla="val 50000"/>
+            </a:avLst>
+          </a:prstGeom>
+          <a:ln w="12700">
+            <a:solidFill>
+              <a:schemeClr val="tx1"/>
+            </a:solidFill>
+            <a:tailEnd type="triangle"/>
+          </a:ln>
+        </p:spPr>
+        <p:style>
+          <a:lnRef idx="1">
+            <a:schemeClr val="accent1"/>
+          </a:lnRef>
+          <a:fillRef idx="0">
+            <a:schemeClr val="accent1"/>
+          </a:fillRef>
+          <a:effectRef idx="0">
+            <a:schemeClr val="accent1"/>
+          </a:effectRef>
+          <a:fontRef idx="minor">
+            <a:schemeClr val="tx1"/>
+          </a:fontRef>
+        </p:style>
+      </p:cxnSp>
+      <p:cxnSp>
+        <p:nvCxnSpPr>
+          <p:cNvPr id="26" name="연결선: 구부러짐 25">
+            <a:extLst>
+              <a:ext uri="{FF2B5EF4-FFF2-40B4-BE49-F238E27FC236}">
+                <a16:creationId xmlns:a16="http://schemas.microsoft.com/office/drawing/2014/main" id="{AAEC219D-4AE9-4282-99DD-A483AA236A33}"/>
+              </a:ext>
+            </a:extLst>
+          </p:cNvPr>
+          <p:cNvCxnSpPr>
+            <a:cxnSpLocks/>
+            <a:stCxn id="2" idx="2"/>
+            <a:endCxn id="4" idx="0"/>
+          </p:cNvCxnSpPr>
+          <p:nvPr/>
+        </p:nvCxnSpPr>
+        <p:spPr>
+          <a:xfrm rot="5400000">
+            <a:off x="7378279" y="1302731"/>
+            <a:ext cx="400110" cy="108012"/>
+          </a:xfrm>
+          <a:prstGeom prst="curvedConnector3">
+            <a:avLst>
+              <a:gd name="adj1" fmla="val 50000"/>
+            </a:avLst>
+          </a:prstGeom>
+          <a:ln w="12700">
+            <a:solidFill>
+              <a:schemeClr val="tx1"/>
+            </a:solidFill>
+            <a:tailEnd type="triangle"/>
+          </a:ln>
+        </p:spPr>
+        <p:style>
+          <a:lnRef idx="1">
+            <a:schemeClr val="accent1"/>
+          </a:lnRef>
+          <a:fillRef idx="0">
+            <a:schemeClr val="accent1"/>
+          </a:fillRef>
+          <a:effectRef idx="0">
+            <a:schemeClr val="accent1"/>
+          </a:effectRef>
+          <a:fontRef idx="minor">
+            <a:schemeClr val="tx1"/>
+          </a:fontRef>
+        </p:style>
+      </p:cxnSp>
+      <p:cxnSp>
+        <p:nvCxnSpPr>
+          <p:cNvPr id="34" name="연결선: 구부러짐 33">
+            <a:extLst>
+              <a:ext uri="{FF2B5EF4-FFF2-40B4-BE49-F238E27FC236}">
+                <a16:creationId xmlns:a16="http://schemas.microsoft.com/office/drawing/2014/main" id="{BC1A8EA6-6E9B-4A1D-B028-DB65539C40C2}"/>
+              </a:ext>
+            </a:extLst>
+          </p:cNvPr>
+          <p:cNvCxnSpPr>
+            <a:cxnSpLocks/>
+            <a:stCxn id="15" idx="1"/>
+            <a:endCxn id="17" idx="0"/>
+          </p:cNvCxnSpPr>
+          <p:nvPr/>
+        </p:nvCxnSpPr>
+        <p:spPr>
+          <a:xfrm rot="10800000" flipV="1">
+            <a:off x="6397442" y="1988839"/>
+            <a:ext cx="694839" cy="732383"/>
+          </a:xfrm>
+          <a:prstGeom prst="curvedConnector2">
+            <a:avLst/>
+          </a:prstGeom>
+          <a:ln w="12700">
+            <a:solidFill>
+              <a:schemeClr val="tx1"/>
+            </a:solidFill>
+            <a:tailEnd type="triangle"/>
+          </a:ln>
+        </p:spPr>
+        <p:style>
+          <a:lnRef idx="1">
+            <a:schemeClr val="accent1"/>
+          </a:lnRef>
+          <a:fillRef idx="0">
+            <a:schemeClr val="accent1"/>
+          </a:fillRef>
+          <a:effectRef idx="0">
+            <a:schemeClr val="accent1"/>
+          </a:effectRef>
+          <a:fontRef idx="minor">
+            <a:schemeClr val="tx1"/>
+          </a:fontRef>
+        </p:style>
+      </p:cxnSp>
+    </p:spTree>
+    <p:extLst>
+      <p:ext uri="{BB962C8B-B14F-4D97-AF65-F5344CB8AC3E}">
+        <p14:creationId xmlns:p14="http://schemas.microsoft.com/office/powerpoint/2010/main" val="4070012962"/>
+      </p:ext>
+    </p:extLst>
+  </p:cSld>
+  <p:clrMapOvr>
+    <a:masterClrMapping/>
+  </p:clrMapOvr>
+</p:sld>
+</file>
+
+<file path=ppt/slides/slide44.xml><?xml version="1.0" encoding="utf-8"?>
+<p:sld xmlns:a="http://schemas.openxmlformats.org/drawingml/2006/main" xmlns:r="http://schemas.openxmlformats.org/officeDocument/2006/relationships" xmlns:p="http://schemas.openxmlformats.org/presentationml/2006/main">
+  <p:cSld>
+    <p:spTree>
+      <p:nvGrpSpPr>
+        <p:cNvPr id="1" name=""/>
+        <p:cNvGrpSpPr/>
+        <p:nvPr/>
+      </p:nvGrpSpPr>
+      <p:grpSpPr>
+        <a:xfrm>
+          <a:off x="0" y="0"/>
+          <a:ext cx="0" cy="0"/>
+          <a:chOff x="0" y="0"/>
+          <a:chExt cx="0" cy="0"/>
+        </a:xfrm>
+      </p:grpSpPr>
+      <p:sp>
+        <p:nvSpPr>
+          <p:cNvPr id="29" name="TextBox 28">
+            <a:extLst>
+              <a:ext uri="{FF2B5EF4-FFF2-40B4-BE49-F238E27FC236}">
+                <a16:creationId xmlns:a16="http://schemas.microsoft.com/office/drawing/2014/main" id="{FC0212DA-BFB2-4664-90C9-826A5439960C}"/>
+              </a:ext>
+            </a:extLst>
+          </p:cNvPr>
+          <p:cNvSpPr txBox="1"/>
+          <p:nvPr/>
+        </p:nvSpPr>
+        <p:spPr>
+          <a:xfrm>
+            <a:off x="251520" y="-819472"/>
+            <a:ext cx="10341293" cy="7786747"/>
+          </a:xfrm>
+          <a:prstGeom prst="rect">
+            <a:avLst/>
+          </a:prstGeom>
+          <a:noFill/>
+        </p:spPr>
+        <p:txBody>
+          <a:bodyPr wrap="none" rtlCol="0">
+            <a:spAutoFit/>
+          </a:bodyPr>
+          <a:lstStyle/>
+          <a:p>
+            <a:r>
+              <a:rPr lang="en-US" altLang="ko-KR" sz="2000">
+                <a:latin typeface="Consolas" pitchFamily="49" charset="0"/>
+                <a:cs typeface="Consolas" pitchFamily="49" charset="0"/>
+              </a:rPr>
+              <a:t>static inline struct page * __rb_insert_page_cache(struct inode * inode,</a:t>
+            </a:r>
+          </a:p>
+          <a:p>
+            <a:r>
+              <a:rPr lang="en-US" altLang="ko-KR" sz="2000">
+                <a:latin typeface="Consolas" pitchFamily="49" charset="0"/>
+                <a:cs typeface="Consolas" pitchFamily="49" charset="0"/>
+              </a:rPr>
+              <a:t>						   unsigned long offset,</a:t>
+            </a:r>
+          </a:p>
+          <a:p>
+            <a:r>
+              <a:rPr lang="en-US" altLang="ko-KR" sz="2000">
+                <a:latin typeface="Consolas" pitchFamily="49" charset="0"/>
+                <a:cs typeface="Consolas" pitchFamily="49" charset="0"/>
+              </a:rPr>
+              <a:t>						   struct rb_node * node)</a:t>
+            </a:r>
+          </a:p>
+          <a:p>
+            <a:r>
+              <a:rPr lang="en-US" altLang="ko-KR" sz="2000">
+                <a:latin typeface="Consolas" pitchFamily="49" charset="0"/>
+                <a:cs typeface="Consolas" pitchFamily="49" charset="0"/>
+              </a:rPr>
+              <a:t>{</a:t>
+            </a:r>
+          </a:p>
+          <a:p>
+            <a:r>
+              <a:rPr lang="en-US" altLang="ko-KR" sz="2000">
+                <a:latin typeface="Consolas" pitchFamily="49" charset="0"/>
+                <a:cs typeface="Consolas" pitchFamily="49" charset="0"/>
+              </a:rPr>
+              <a:t>	struct rb_node ** p = &amp;inode-&gt;i_rb_page_cache.rb_node;</a:t>
+            </a:r>
+          </a:p>
+          <a:p>
+            <a:r>
+              <a:rPr lang="en-US" altLang="ko-KR" sz="2000">
+                <a:latin typeface="Consolas" pitchFamily="49" charset="0"/>
+                <a:cs typeface="Consolas" pitchFamily="49" charset="0"/>
+              </a:rPr>
+              <a:t>	struct rb_node * parent = NULL;</a:t>
+            </a:r>
+          </a:p>
+          <a:p>
+            <a:r>
+              <a:rPr lang="en-US" altLang="ko-KR" sz="2000">
+                <a:latin typeface="Consolas" pitchFamily="49" charset="0"/>
+                <a:cs typeface="Consolas" pitchFamily="49" charset="0"/>
+              </a:rPr>
+              <a:t>	struct page * page;</a:t>
+            </a:r>
+          </a:p>
+          <a:p>
+            <a:endParaRPr lang="en-US" altLang="ko-KR" sz="2000">
+              <a:latin typeface="Consolas" pitchFamily="49" charset="0"/>
+              <a:cs typeface="Consolas" pitchFamily="49" charset="0"/>
+            </a:endParaRPr>
+          </a:p>
+          <a:p>
+            <a:r>
+              <a:rPr lang="en-US" altLang="ko-KR" sz="2000">
+                <a:latin typeface="Consolas" pitchFamily="49" charset="0"/>
+                <a:cs typeface="Consolas" pitchFamily="49" charset="0"/>
+              </a:rPr>
+              <a:t>	while (*p)</a:t>
+            </a:r>
+          </a:p>
+          <a:p>
+            <a:r>
+              <a:rPr lang="en-US" altLang="ko-KR" sz="2000">
+                <a:latin typeface="Consolas" pitchFamily="49" charset="0"/>
+                <a:cs typeface="Consolas" pitchFamily="49" charset="0"/>
+              </a:rPr>
+              <a:t>	{</a:t>
+            </a:r>
+          </a:p>
+          <a:p>
+            <a:r>
+              <a:rPr lang="en-US" altLang="ko-KR" sz="2000">
+                <a:latin typeface="Consolas" pitchFamily="49" charset="0"/>
+                <a:cs typeface="Consolas" pitchFamily="49" charset="0"/>
+              </a:rPr>
+              <a:t>		parent = *p;</a:t>
+            </a:r>
+          </a:p>
+          <a:p>
+            <a:r>
+              <a:rPr lang="en-US" altLang="ko-KR" sz="2000">
+                <a:latin typeface="Consolas" pitchFamily="49" charset="0"/>
+                <a:cs typeface="Consolas" pitchFamily="49" charset="0"/>
+              </a:rPr>
+              <a:t>		page = rb_entry(parent, struct page, rb_page_cache);</a:t>
+            </a:r>
+          </a:p>
+          <a:p>
+            <a:endParaRPr lang="en-US" altLang="ko-KR" sz="2000">
+              <a:latin typeface="Consolas" pitchFamily="49" charset="0"/>
+              <a:cs typeface="Consolas" pitchFamily="49" charset="0"/>
+            </a:endParaRPr>
+          </a:p>
+          <a:p>
+            <a:r>
+              <a:rPr lang="en-US" altLang="ko-KR" sz="2000">
+                <a:latin typeface="Consolas" pitchFamily="49" charset="0"/>
+                <a:cs typeface="Consolas" pitchFamily="49" charset="0"/>
+              </a:rPr>
+              <a:t>		if (offset &lt; page-&gt;offset)</a:t>
+            </a:r>
+          </a:p>
+          <a:p>
+            <a:r>
+              <a:rPr lang="en-US" altLang="ko-KR" sz="2000">
+                <a:latin typeface="Consolas" pitchFamily="49" charset="0"/>
+                <a:cs typeface="Consolas" pitchFamily="49" charset="0"/>
+              </a:rPr>
+              <a:t>			p = &amp;(*p)-&gt;rb_left;</a:t>
+            </a:r>
+          </a:p>
+          <a:p>
+            <a:r>
+              <a:rPr lang="en-US" altLang="ko-KR" sz="2000">
+                <a:latin typeface="Consolas" pitchFamily="49" charset="0"/>
+                <a:cs typeface="Consolas" pitchFamily="49" charset="0"/>
+              </a:rPr>
+              <a:t>		else if (offset &gt; page-&gt;offset)</a:t>
+            </a:r>
+          </a:p>
+          <a:p>
+            <a:r>
+              <a:rPr lang="en-US" altLang="ko-KR" sz="2000">
+                <a:latin typeface="Consolas" pitchFamily="49" charset="0"/>
+                <a:cs typeface="Consolas" pitchFamily="49" charset="0"/>
+              </a:rPr>
+              <a:t>			p = &amp;(*p)-&gt;rb_right;</a:t>
+            </a:r>
+          </a:p>
+          <a:p>
+            <a:r>
+              <a:rPr lang="en-US" altLang="ko-KR" sz="2000">
+                <a:latin typeface="Consolas" pitchFamily="49" charset="0"/>
+                <a:cs typeface="Consolas" pitchFamily="49" charset="0"/>
+              </a:rPr>
+              <a:t>		else</a:t>
+            </a:r>
+          </a:p>
+          <a:p>
+            <a:r>
+              <a:rPr lang="en-US" altLang="ko-KR" sz="2000">
+                <a:latin typeface="Consolas" pitchFamily="49" charset="0"/>
+                <a:cs typeface="Consolas" pitchFamily="49" charset="0"/>
+              </a:rPr>
+              <a:t>			return page;</a:t>
+            </a:r>
+          </a:p>
+          <a:p>
+            <a:r>
+              <a:rPr lang="en-US" altLang="ko-KR" sz="2000">
+                <a:latin typeface="Consolas" pitchFamily="49" charset="0"/>
+                <a:cs typeface="Consolas" pitchFamily="49" charset="0"/>
+              </a:rPr>
+              <a:t>	}</a:t>
+            </a:r>
+          </a:p>
+          <a:p>
+            <a:endParaRPr lang="en-US" altLang="ko-KR" sz="2000">
+              <a:latin typeface="Consolas" pitchFamily="49" charset="0"/>
+              <a:cs typeface="Consolas" pitchFamily="49" charset="0"/>
+            </a:endParaRPr>
+          </a:p>
+          <a:p>
+            <a:r>
+              <a:rPr lang="en-US" altLang="ko-KR" sz="2000">
+                <a:latin typeface="Consolas" pitchFamily="49" charset="0"/>
+                <a:cs typeface="Consolas" pitchFamily="49" charset="0"/>
+              </a:rPr>
+              <a:t>	rb_link_node(node, parent, p); // *p = node;</a:t>
+            </a:r>
+          </a:p>
+          <a:p>
+            <a:endParaRPr lang="en-US" altLang="ko-KR" sz="2000">
+              <a:latin typeface="Consolas" pitchFamily="49" charset="0"/>
+              <a:cs typeface="Consolas" pitchFamily="49" charset="0"/>
+            </a:endParaRPr>
+          </a:p>
+          <a:p>
+            <a:r>
+              <a:rPr lang="en-US" altLang="ko-KR" sz="2000">
+                <a:latin typeface="Consolas" pitchFamily="49" charset="0"/>
+                <a:cs typeface="Consolas" pitchFamily="49" charset="0"/>
+              </a:rPr>
+              <a:t>	return NULL;</a:t>
+            </a:r>
+          </a:p>
+          <a:p>
+            <a:r>
+              <a:rPr lang="en-US" altLang="ko-KR" sz="2000">
+                <a:latin typeface="Consolas" pitchFamily="49" charset="0"/>
+                <a:cs typeface="Consolas" pitchFamily="49" charset="0"/>
+              </a:rPr>
+              <a:t>}</a:t>
+            </a:r>
+            <a:endParaRPr lang="ko-KR" altLang="en-US" sz="2000">
+              <a:latin typeface="Consolas" pitchFamily="49" charset="0"/>
+              <a:cs typeface="Consolas" pitchFamily="49" charset="0"/>
+            </a:endParaRPr>
+          </a:p>
+        </p:txBody>
+      </p:sp>
+    </p:spTree>
+    <p:extLst>
+      <p:ext uri="{BB962C8B-B14F-4D97-AF65-F5344CB8AC3E}">
+        <p14:creationId xmlns:p14="http://schemas.microsoft.com/office/powerpoint/2010/main" val="4183343042"/>
+      </p:ext>
+    </p:extLst>
+  </p:cSld>
+  <p:clrMapOvr>
+    <a:masterClrMapping/>
+  </p:clrMapOvr>
+</p:sld>
+</file>
+
+<file path=ppt/slides/slide45.xml><?xml version="1.0" encoding="utf-8"?>
+<p:sld xmlns:a="http://schemas.openxmlformats.org/drawingml/2006/main" xmlns:r="http://schemas.openxmlformats.org/officeDocument/2006/relationships" xmlns:p="http://schemas.openxmlformats.org/presentationml/2006/main">
+  <p:cSld>
+    <p:spTree>
+      <p:nvGrpSpPr>
+        <p:cNvPr id="1" name=""/>
+        <p:cNvGrpSpPr/>
+        <p:nvPr/>
+      </p:nvGrpSpPr>
+      <p:grpSpPr>
+        <a:xfrm>
+          <a:off x="0" y="0"/>
+          <a:ext cx="0" cy="0"/>
+          <a:chOff x="0" y="0"/>
+          <a:chExt cx="0" cy="0"/>
+        </a:xfrm>
+      </p:grpSpPr>
+      <p:sp>
+        <p:nvSpPr>
+          <p:cNvPr id="4" name="TextBox 3">
+            <a:extLst>
+              <a:ext uri="{FF2B5EF4-FFF2-40B4-BE49-F238E27FC236}">
+                <a16:creationId xmlns:a16="http://schemas.microsoft.com/office/drawing/2014/main" id="{6365CC3E-A576-4BB3-ACBE-4D8DB3D81017}"/>
+              </a:ext>
+            </a:extLst>
+          </p:cNvPr>
+          <p:cNvSpPr txBox="1"/>
+          <p:nvPr/>
+        </p:nvSpPr>
+        <p:spPr>
+          <a:xfrm>
+            <a:off x="467544" y="188640"/>
+            <a:ext cx="4134465" cy="2246769"/>
+          </a:xfrm>
+          <a:prstGeom prst="rect">
+            <a:avLst/>
+          </a:prstGeom>
+          <a:noFill/>
+        </p:spPr>
+        <p:txBody>
+          <a:bodyPr wrap="none" rtlCol="0">
+            <a:spAutoFit/>
+          </a:bodyPr>
+          <a:lstStyle/>
+          <a:p>
+            <a:r>
+              <a:rPr lang="ko-KR" altLang="en-US" sz="2000">
+                <a:latin typeface="Consolas" pitchFamily="49" charset="0"/>
+                <a:cs typeface="Consolas" pitchFamily="49" charset="0"/>
+              </a:rPr>
+              <a:t>   </a:t>
+            </a:r>
+            <a:r>
+              <a:rPr lang="en-US" altLang="ko-KR" sz="2000">
+                <a:latin typeface="Consolas" pitchFamily="49" charset="0"/>
+                <a:cs typeface="Consolas" pitchFamily="49" charset="0"/>
+              </a:rPr>
+              <a:t>1 </a:t>
+            </a:r>
+          </a:p>
+          <a:p>
+            <a:r>
+              <a:rPr lang="en-US" altLang="ko-KR" sz="2000">
+                <a:latin typeface="Consolas" pitchFamily="49" charset="0"/>
+                <a:cs typeface="Consolas" pitchFamily="49" charset="0"/>
+              </a:rPr>
+              <a:t>       2</a:t>
+            </a:r>
+          </a:p>
+          <a:p>
+            <a:r>
+              <a:rPr lang="en-US" altLang="ko-KR" sz="2000">
+                <a:latin typeface="Consolas" pitchFamily="49" charset="0"/>
+                <a:cs typeface="Consolas" pitchFamily="49" charset="0"/>
+              </a:rPr>
+              <a:t>           3</a:t>
+            </a:r>
+          </a:p>
+          <a:p>
+            <a:r>
+              <a:rPr lang="en-US" altLang="ko-KR" sz="2000">
+                <a:latin typeface="Consolas" pitchFamily="49" charset="0"/>
+                <a:cs typeface="Consolas" pitchFamily="49" charset="0"/>
+              </a:rPr>
+              <a:t>               4</a:t>
+            </a:r>
+          </a:p>
+          <a:p>
+            <a:r>
+              <a:rPr lang="en-US" altLang="ko-KR" sz="2000">
+                <a:latin typeface="Consolas" pitchFamily="49" charset="0"/>
+                <a:cs typeface="Consolas" pitchFamily="49" charset="0"/>
+              </a:rPr>
+              <a:t>                   5</a:t>
+            </a:r>
+          </a:p>
+          <a:p>
+            <a:r>
+              <a:rPr lang="en-US" altLang="ko-KR" sz="2000">
+                <a:latin typeface="Consolas" pitchFamily="49" charset="0"/>
+                <a:cs typeface="Consolas" pitchFamily="49" charset="0"/>
+              </a:rPr>
+              <a:t>                       6</a:t>
+            </a:r>
+          </a:p>
+          <a:p>
+            <a:r>
+              <a:rPr lang="en-US" altLang="ko-KR" sz="2000">
+                <a:latin typeface="Consolas" pitchFamily="49" charset="0"/>
+                <a:cs typeface="Consolas" pitchFamily="49" charset="0"/>
+              </a:rPr>
+              <a:t>                           7</a:t>
+            </a:r>
+            <a:endParaRPr lang="ko-KR" altLang="en-US" sz="2000">
+              <a:latin typeface="Consolas" pitchFamily="49" charset="0"/>
+              <a:cs typeface="Consolas" pitchFamily="49" charset="0"/>
+            </a:endParaRPr>
+          </a:p>
+        </p:txBody>
+      </p:sp>
+      <p:sp>
+        <p:nvSpPr>
+          <p:cNvPr id="5" name="TextBox 4">
+            <a:extLst>
+              <a:ext uri="{FF2B5EF4-FFF2-40B4-BE49-F238E27FC236}">
+                <a16:creationId xmlns:a16="http://schemas.microsoft.com/office/drawing/2014/main" id="{A4677D0B-4EF9-42CC-97F1-C8E32F2ABF5A}"/>
+              </a:ext>
+            </a:extLst>
+          </p:cNvPr>
+          <p:cNvSpPr txBox="1"/>
+          <p:nvPr/>
+        </p:nvSpPr>
+        <p:spPr>
+          <a:xfrm>
+            <a:off x="5580112" y="332656"/>
+            <a:ext cx="748923" cy="400110"/>
+          </a:xfrm>
+          <a:prstGeom prst="rect">
+            <a:avLst/>
+          </a:prstGeom>
+          <a:noFill/>
+        </p:spPr>
+        <p:txBody>
+          <a:bodyPr wrap="none" rtlCol="0">
+            <a:spAutoFit/>
+          </a:bodyPr>
+          <a:lstStyle/>
+          <a:p>
+            <a:r>
+              <a:rPr lang="en-US" altLang="ko-KR" sz="2000">
+                <a:latin typeface="Consolas" pitchFamily="49" charset="0"/>
+                <a:cs typeface="Consolas" pitchFamily="49" charset="0"/>
+              </a:rPr>
+              <a:t>O(N)</a:t>
+            </a:r>
+            <a:endParaRPr lang="ko-KR" altLang="en-US" sz="2000">
+              <a:latin typeface="Consolas" pitchFamily="49" charset="0"/>
+              <a:cs typeface="Consolas" pitchFamily="49" charset="0"/>
+            </a:endParaRPr>
+          </a:p>
+        </p:txBody>
+      </p:sp>
+    </p:spTree>
+    <p:extLst>
+      <p:ext uri="{BB962C8B-B14F-4D97-AF65-F5344CB8AC3E}">
+        <p14:creationId xmlns:p14="http://schemas.microsoft.com/office/powerpoint/2010/main" val="1659975676"/>
       </p:ext>
     </p:extLst>
   </p:cSld>

--- a/02_day.pptx
+++ b/02_day.pptx
@@ -50,6 +50,7 @@
     <p:sldId id="365" r:id="rId44"/>
     <p:sldId id="366" r:id="rId45"/>
     <p:sldId id="367" r:id="rId46"/>
+    <p:sldId id="368" r:id="rId47"/>
   </p:sldIdLst>
   <p:sldSz cx="9144000" cy="6858000" type="screen4x3"/>
   <p:notesSz cx="6858000" cy="9144000"/>
@@ -41493,7 +41494,7 @@
         </p:nvSpPr>
         <p:spPr>
           <a:xfrm>
-            <a:off x="5436096" y="260648"/>
+            <a:off x="5436096" y="244679"/>
             <a:ext cx="432048" cy="432048"/>
           </a:xfrm>
           <a:prstGeom prst="ellipse">
@@ -41993,8 +41994,8 @@
         </p:nvCxnSpPr>
         <p:spPr>
           <a:xfrm flipH="1">
-            <a:off x="4932040" y="629424"/>
-            <a:ext cx="567328" cy="351304"/>
+            <a:off x="4932040" y="613455"/>
+            <a:ext cx="567328" cy="367273"/>
           </a:xfrm>
           <a:prstGeom prst="line">
             <a:avLst/>
@@ -42038,8 +42039,8 @@
         </p:nvCxnSpPr>
         <p:spPr>
           <a:xfrm flipH="1" flipV="1">
-            <a:off x="5804872" y="629424"/>
-            <a:ext cx="560720" cy="357844"/>
+            <a:off x="5804872" y="613455"/>
+            <a:ext cx="560720" cy="373813"/>
           </a:xfrm>
           <a:prstGeom prst="line">
             <a:avLst/>
@@ -42372,6 +42373,47 @@
           </a:p>
         </p:txBody>
       </p:sp>
+      <p:cxnSp>
+        <p:nvCxnSpPr>
+          <p:cNvPr id="24" name="직선 연결선 23">
+            <a:extLst>
+              <a:ext uri="{FF2B5EF4-FFF2-40B4-BE49-F238E27FC236}">
+                <a16:creationId xmlns:a16="http://schemas.microsoft.com/office/drawing/2014/main" id="{502302F8-05B8-4C35-98CF-50EBEDF3FCD4}"/>
+              </a:ext>
+            </a:extLst>
+          </p:cNvPr>
+          <p:cNvCxnSpPr/>
+          <p:nvPr/>
+        </p:nvCxnSpPr>
+        <p:spPr>
+          <a:xfrm>
+            <a:off x="4139952" y="70115"/>
+            <a:ext cx="0" cy="2376264"/>
+          </a:xfrm>
+          <a:prstGeom prst="line">
+            <a:avLst/>
+          </a:prstGeom>
+          <a:ln>
+            <a:solidFill>
+              <a:srgbClr val="FF0000"/>
+            </a:solidFill>
+          </a:ln>
+        </p:spPr>
+        <p:style>
+          <a:lnRef idx="1">
+            <a:schemeClr val="accent1"/>
+          </a:lnRef>
+          <a:fillRef idx="0">
+            <a:schemeClr val="accent1"/>
+          </a:fillRef>
+          <a:effectRef idx="0">
+            <a:schemeClr val="accent1"/>
+          </a:effectRef>
+          <a:fontRef idx="minor">
+            <a:schemeClr val="tx1"/>
+          </a:fontRef>
+        </p:style>
+      </p:cxnSp>
     </p:spTree>
     <p:extLst>
       <p:ext uri="{BB962C8B-B14F-4D97-AF65-F5344CB8AC3E}">
@@ -46510,7 +46552,7 @@
         </p:nvSpPr>
         <p:spPr>
           <a:xfrm>
-            <a:off x="467544" y="188640"/>
+            <a:off x="-19670" y="130831"/>
             <a:ext cx="4134465" cy="2246769"/>
           </a:xfrm>
           <a:prstGeom prst="rect">
@@ -46613,8 +46655,8 @@
         </p:nvSpPr>
         <p:spPr>
           <a:xfrm>
-            <a:off x="5580112" y="332656"/>
-            <a:ext cx="748923" cy="400110"/>
+            <a:off x="395536" y="2708920"/>
+            <a:ext cx="5827236" cy="2554545"/>
           </a:xfrm>
           <a:prstGeom prst="rect">
             <a:avLst/>
@@ -46632,7 +46674,1147 @@
                 <a:latin typeface="Consolas" pitchFamily="49" charset="0"/>
                 <a:cs typeface="Consolas" pitchFamily="49" charset="0"/>
               </a:rPr>
-              <a:t>O(N)</a:t>
+              <a:t>void __fill( NODE *temp, int *a, int *n)</a:t>
+            </a:r>
+          </a:p>
+          <a:p>
+            <a:r>
+              <a:rPr lang="en-US" altLang="ko-KR" sz="2000">
+                <a:latin typeface="Consolas" pitchFamily="49" charset="0"/>
+                <a:cs typeface="Consolas" pitchFamily="49" charset="0"/>
+              </a:rPr>
+              <a:t>{</a:t>
+            </a:r>
+          </a:p>
+          <a:p>
+            <a:r>
+              <a:rPr lang="en-US" altLang="ko-KR" sz="2000">
+                <a:latin typeface="Consolas" pitchFamily="49" charset="0"/>
+                <a:cs typeface="Consolas" pitchFamily="49" charset="0"/>
+              </a:rPr>
+              <a:t>    if( temp == 0 )</a:t>
+            </a:r>
+          </a:p>
+          <a:p>
+            <a:r>
+              <a:rPr lang="en-US" altLang="ko-KR" sz="2000">
+                <a:latin typeface="Consolas" pitchFamily="49" charset="0"/>
+                <a:cs typeface="Consolas" pitchFamily="49" charset="0"/>
+              </a:rPr>
+              <a:t>       return;</a:t>
+            </a:r>
+          </a:p>
+          <a:p>
+            <a:r>
+              <a:rPr lang="en-US" altLang="ko-KR" sz="2000">
+                <a:latin typeface="Consolas" pitchFamily="49" charset="0"/>
+                <a:cs typeface="Consolas" pitchFamily="49" charset="0"/>
+              </a:rPr>
+              <a:t>    __fill( temp-&gt;left, a, n );</a:t>
+            </a:r>
+          </a:p>
+          <a:p>
+            <a:r>
+              <a:rPr lang="en-US" altLang="ko-KR" sz="2000">
+                <a:latin typeface="Consolas" pitchFamily="49" charset="0"/>
+                <a:cs typeface="Consolas" pitchFamily="49" charset="0"/>
+              </a:rPr>
+              <a:t>    a[(*n)++] = temp-&gt;data;</a:t>
+            </a:r>
+          </a:p>
+          <a:p>
+            <a:r>
+              <a:rPr lang="en-US" altLang="ko-KR" sz="2000">
+                <a:latin typeface="Consolas" pitchFamily="49" charset="0"/>
+                <a:cs typeface="Consolas" pitchFamily="49" charset="0"/>
+              </a:rPr>
+              <a:t>    __fill( temp-&gt;right, a, n );</a:t>
+            </a:r>
+          </a:p>
+          <a:p>
+            <a:r>
+              <a:rPr lang="en-US" altLang="ko-KR" sz="2000">
+                <a:latin typeface="Consolas" pitchFamily="49" charset="0"/>
+                <a:cs typeface="Consolas" pitchFamily="49" charset="0"/>
+              </a:rPr>
+              <a:t>}</a:t>
+            </a:r>
+            <a:endParaRPr lang="ko-KR" altLang="en-US" sz="2000">
+              <a:latin typeface="Consolas" pitchFamily="49" charset="0"/>
+              <a:cs typeface="Consolas" pitchFamily="49" charset="0"/>
+            </a:endParaRPr>
+          </a:p>
+        </p:txBody>
+      </p:sp>
+      <p:cxnSp>
+        <p:nvCxnSpPr>
+          <p:cNvPr id="7" name="직선 연결선 6">
+            <a:extLst>
+              <a:ext uri="{FF2B5EF4-FFF2-40B4-BE49-F238E27FC236}">
+                <a16:creationId xmlns:a16="http://schemas.microsoft.com/office/drawing/2014/main" id="{D62C5ED5-44B2-485A-9853-FA047CAA14B8}"/>
+              </a:ext>
+            </a:extLst>
+          </p:cNvPr>
+          <p:cNvCxnSpPr/>
+          <p:nvPr/>
+        </p:nvCxnSpPr>
+        <p:spPr>
+          <a:xfrm>
+            <a:off x="323528" y="116632"/>
+            <a:ext cx="0" cy="2376264"/>
+          </a:xfrm>
+          <a:prstGeom prst="line">
+            <a:avLst/>
+          </a:prstGeom>
+          <a:ln>
+            <a:solidFill>
+              <a:srgbClr val="FF0000"/>
+            </a:solidFill>
+          </a:ln>
+        </p:spPr>
+        <p:style>
+          <a:lnRef idx="1">
+            <a:schemeClr val="accent1"/>
+          </a:lnRef>
+          <a:fillRef idx="0">
+            <a:schemeClr val="accent1"/>
+          </a:fillRef>
+          <a:effectRef idx="0">
+            <a:schemeClr val="accent1"/>
+          </a:effectRef>
+          <a:fontRef idx="minor">
+            <a:schemeClr val="tx1"/>
+          </a:fontRef>
+        </p:style>
+      </p:cxnSp>
+      <p:sp>
+        <p:nvSpPr>
+          <p:cNvPr id="8" name="직사각형 7">
+            <a:extLst>
+              <a:ext uri="{FF2B5EF4-FFF2-40B4-BE49-F238E27FC236}">
+                <a16:creationId xmlns:a16="http://schemas.microsoft.com/office/drawing/2014/main" id="{92B2B67D-64B8-4E06-A29A-B3D9961A06C7}"/>
+              </a:ext>
+            </a:extLst>
+          </p:cNvPr>
+          <p:cNvSpPr/>
+          <p:nvPr/>
+        </p:nvSpPr>
+        <p:spPr>
+          <a:xfrm>
+            <a:off x="4355976" y="332656"/>
+            <a:ext cx="432048" cy="432048"/>
+          </a:xfrm>
+          <a:prstGeom prst="rect">
+            <a:avLst/>
+          </a:prstGeom>
+          <a:noFill/>
+          <a:ln w="9525">
+            <a:noFill/>
+          </a:ln>
+        </p:spPr>
+        <p:style>
+          <a:lnRef idx="2">
+            <a:schemeClr val="accent1">
+              <a:shade val="50000"/>
+            </a:schemeClr>
+          </a:lnRef>
+          <a:fillRef idx="1">
+            <a:schemeClr val="accent1"/>
+          </a:fillRef>
+          <a:effectRef idx="0">
+            <a:schemeClr val="accent1"/>
+          </a:effectRef>
+          <a:fontRef idx="minor">
+            <a:schemeClr val="lt1"/>
+          </a:fontRef>
+        </p:style>
+        <p:txBody>
+          <a:bodyPr rot="0" spcFirstLastPara="0" vertOverflow="overflow" horzOverflow="overflow" vert="horz" wrap="square" lIns="91440" tIns="45720" rIns="91440" bIns="45720" numCol="1" spcCol="0" rtlCol="0" fromWordArt="0" anchor="ctr" anchorCtr="0" forceAA="0" compatLnSpc="1">
+            <a:prstTxWarp prst="textNoShape">
+              <a:avLst/>
+            </a:prstTxWarp>
+            <a:noAutofit/>
+          </a:bodyPr>
+          <a:lstStyle/>
+          <a:p>
+            <a:pPr algn="ctr"/>
+            <a:r>
+              <a:rPr lang="en-US" altLang="ko-KR" sz="2000">
+                <a:solidFill>
+                  <a:schemeClr val="tx1"/>
+                </a:solidFill>
+                <a:latin typeface="Consolas" pitchFamily="49" charset="0"/>
+                <a:cs typeface="Consolas" pitchFamily="49" charset="0"/>
+              </a:rPr>
+              <a:t>0</a:t>
+            </a:r>
+            <a:endParaRPr lang="ko-KR" altLang="en-US" sz="2000">
+              <a:solidFill>
+                <a:schemeClr val="tx1"/>
+              </a:solidFill>
+              <a:latin typeface="Consolas" pitchFamily="49" charset="0"/>
+              <a:cs typeface="Consolas" pitchFamily="49" charset="0"/>
+            </a:endParaRPr>
+          </a:p>
+        </p:txBody>
+      </p:sp>
+      <p:sp>
+        <p:nvSpPr>
+          <p:cNvPr id="9" name="직사각형 8">
+            <a:extLst>
+              <a:ext uri="{FF2B5EF4-FFF2-40B4-BE49-F238E27FC236}">
+                <a16:creationId xmlns:a16="http://schemas.microsoft.com/office/drawing/2014/main" id="{E272F787-A36A-49DF-856C-A4784AA386CA}"/>
+              </a:ext>
+            </a:extLst>
+          </p:cNvPr>
+          <p:cNvSpPr/>
+          <p:nvPr/>
+        </p:nvSpPr>
+        <p:spPr>
+          <a:xfrm>
+            <a:off x="4788024" y="332656"/>
+            <a:ext cx="432048" cy="432048"/>
+          </a:xfrm>
+          <a:prstGeom prst="rect">
+            <a:avLst/>
+          </a:prstGeom>
+          <a:noFill/>
+          <a:ln w="9525">
+            <a:noFill/>
+          </a:ln>
+        </p:spPr>
+        <p:style>
+          <a:lnRef idx="2">
+            <a:schemeClr val="accent1">
+              <a:shade val="50000"/>
+            </a:schemeClr>
+          </a:lnRef>
+          <a:fillRef idx="1">
+            <a:schemeClr val="accent1"/>
+          </a:fillRef>
+          <a:effectRef idx="0">
+            <a:schemeClr val="accent1"/>
+          </a:effectRef>
+          <a:fontRef idx="minor">
+            <a:schemeClr val="lt1"/>
+          </a:fontRef>
+        </p:style>
+        <p:txBody>
+          <a:bodyPr rot="0" spcFirstLastPara="0" vertOverflow="overflow" horzOverflow="overflow" vert="horz" wrap="square" lIns="91440" tIns="45720" rIns="91440" bIns="45720" numCol="1" spcCol="0" rtlCol="0" fromWordArt="0" anchor="ctr" anchorCtr="0" forceAA="0" compatLnSpc="1">
+            <a:prstTxWarp prst="textNoShape">
+              <a:avLst/>
+            </a:prstTxWarp>
+            <a:noAutofit/>
+          </a:bodyPr>
+          <a:lstStyle/>
+          <a:p>
+            <a:pPr algn="ctr"/>
+            <a:r>
+              <a:rPr lang="en-US" altLang="ko-KR" sz="2000">
+                <a:solidFill>
+                  <a:schemeClr val="tx1"/>
+                </a:solidFill>
+                <a:latin typeface="Consolas" pitchFamily="49" charset="0"/>
+                <a:cs typeface="Consolas" pitchFamily="49" charset="0"/>
+              </a:rPr>
+              <a:t>1</a:t>
+            </a:r>
+            <a:endParaRPr lang="ko-KR" altLang="en-US" sz="2000">
+              <a:solidFill>
+                <a:schemeClr val="tx1"/>
+              </a:solidFill>
+              <a:latin typeface="Consolas" pitchFamily="49" charset="0"/>
+              <a:cs typeface="Consolas" pitchFamily="49" charset="0"/>
+            </a:endParaRPr>
+          </a:p>
+        </p:txBody>
+      </p:sp>
+      <p:sp>
+        <p:nvSpPr>
+          <p:cNvPr id="10" name="직사각형 9">
+            <a:extLst>
+              <a:ext uri="{FF2B5EF4-FFF2-40B4-BE49-F238E27FC236}">
+                <a16:creationId xmlns:a16="http://schemas.microsoft.com/office/drawing/2014/main" id="{5EC96F37-EFAF-42CD-9F40-1005E9712323}"/>
+              </a:ext>
+            </a:extLst>
+          </p:cNvPr>
+          <p:cNvSpPr/>
+          <p:nvPr/>
+        </p:nvSpPr>
+        <p:spPr>
+          <a:xfrm>
+            <a:off x="5220072" y="332656"/>
+            <a:ext cx="432048" cy="432048"/>
+          </a:xfrm>
+          <a:prstGeom prst="rect">
+            <a:avLst/>
+          </a:prstGeom>
+          <a:noFill/>
+          <a:ln w="9525">
+            <a:noFill/>
+          </a:ln>
+        </p:spPr>
+        <p:style>
+          <a:lnRef idx="2">
+            <a:schemeClr val="accent1">
+              <a:shade val="50000"/>
+            </a:schemeClr>
+          </a:lnRef>
+          <a:fillRef idx="1">
+            <a:schemeClr val="accent1"/>
+          </a:fillRef>
+          <a:effectRef idx="0">
+            <a:schemeClr val="accent1"/>
+          </a:effectRef>
+          <a:fontRef idx="minor">
+            <a:schemeClr val="lt1"/>
+          </a:fontRef>
+        </p:style>
+        <p:txBody>
+          <a:bodyPr rot="0" spcFirstLastPara="0" vertOverflow="overflow" horzOverflow="overflow" vert="horz" wrap="square" lIns="91440" tIns="45720" rIns="91440" bIns="45720" numCol="1" spcCol="0" rtlCol="0" fromWordArt="0" anchor="ctr" anchorCtr="0" forceAA="0" compatLnSpc="1">
+            <a:prstTxWarp prst="textNoShape">
+              <a:avLst/>
+            </a:prstTxWarp>
+            <a:noAutofit/>
+          </a:bodyPr>
+          <a:lstStyle/>
+          <a:p>
+            <a:pPr algn="ctr"/>
+            <a:r>
+              <a:rPr lang="en-US" altLang="ko-KR" sz="2000">
+                <a:solidFill>
+                  <a:schemeClr val="tx1"/>
+                </a:solidFill>
+                <a:latin typeface="Consolas" pitchFamily="49" charset="0"/>
+                <a:cs typeface="Consolas" pitchFamily="49" charset="0"/>
+              </a:rPr>
+              <a:t>2</a:t>
+            </a:r>
+            <a:endParaRPr lang="ko-KR" altLang="en-US" sz="2000">
+              <a:solidFill>
+                <a:schemeClr val="tx1"/>
+              </a:solidFill>
+              <a:latin typeface="Consolas" pitchFamily="49" charset="0"/>
+              <a:cs typeface="Consolas" pitchFamily="49" charset="0"/>
+            </a:endParaRPr>
+          </a:p>
+        </p:txBody>
+      </p:sp>
+      <p:sp>
+        <p:nvSpPr>
+          <p:cNvPr id="11" name="직사각형 10">
+            <a:extLst>
+              <a:ext uri="{FF2B5EF4-FFF2-40B4-BE49-F238E27FC236}">
+                <a16:creationId xmlns:a16="http://schemas.microsoft.com/office/drawing/2014/main" id="{D0120250-2906-440E-AFB7-B3BE2C0C103B}"/>
+              </a:ext>
+            </a:extLst>
+          </p:cNvPr>
+          <p:cNvSpPr/>
+          <p:nvPr/>
+        </p:nvSpPr>
+        <p:spPr>
+          <a:xfrm>
+            <a:off x="5652120" y="332656"/>
+            <a:ext cx="432048" cy="432048"/>
+          </a:xfrm>
+          <a:prstGeom prst="rect">
+            <a:avLst/>
+          </a:prstGeom>
+          <a:noFill/>
+          <a:ln w="9525">
+            <a:noFill/>
+          </a:ln>
+        </p:spPr>
+        <p:style>
+          <a:lnRef idx="2">
+            <a:schemeClr val="accent1">
+              <a:shade val="50000"/>
+            </a:schemeClr>
+          </a:lnRef>
+          <a:fillRef idx="1">
+            <a:schemeClr val="accent1"/>
+          </a:fillRef>
+          <a:effectRef idx="0">
+            <a:schemeClr val="accent1"/>
+          </a:effectRef>
+          <a:fontRef idx="minor">
+            <a:schemeClr val="lt1"/>
+          </a:fontRef>
+        </p:style>
+        <p:txBody>
+          <a:bodyPr rot="0" spcFirstLastPara="0" vertOverflow="overflow" horzOverflow="overflow" vert="horz" wrap="square" lIns="91440" tIns="45720" rIns="91440" bIns="45720" numCol="1" spcCol="0" rtlCol="0" fromWordArt="0" anchor="ctr" anchorCtr="0" forceAA="0" compatLnSpc="1">
+            <a:prstTxWarp prst="textNoShape">
+              <a:avLst/>
+            </a:prstTxWarp>
+            <a:noAutofit/>
+          </a:bodyPr>
+          <a:lstStyle/>
+          <a:p>
+            <a:pPr algn="ctr"/>
+            <a:r>
+              <a:rPr lang="en-US" altLang="ko-KR" sz="2000">
+                <a:solidFill>
+                  <a:schemeClr val="tx1"/>
+                </a:solidFill>
+                <a:latin typeface="Consolas" pitchFamily="49" charset="0"/>
+                <a:cs typeface="Consolas" pitchFamily="49" charset="0"/>
+              </a:rPr>
+              <a:t>3</a:t>
+            </a:r>
+            <a:endParaRPr lang="ko-KR" altLang="en-US" sz="2000">
+              <a:solidFill>
+                <a:schemeClr val="tx1"/>
+              </a:solidFill>
+              <a:latin typeface="Consolas" pitchFamily="49" charset="0"/>
+              <a:cs typeface="Consolas" pitchFamily="49" charset="0"/>
+            </a:endParaRPr>
+          </a:p>
+        </p:txBody>
+      </p:sp>
+      <p:sp>
+        <p:nvSpPr>
+          <p:cNvPr id="12" name="직사각형 11">
+            <a:extLst>
+              <a:ext uri="{FF2B5EF4-FFF2-40B4-BE49-F238E27FC236}">
+                <a16:creationId xmlns:a16="http://schemas.microsoft.com/office/drawing/2014/main" id="{5CD2F62B-A71A-46AF-822F-5EEB6EADA1E6}"/>
+              </a:ext>
+            </a:extLst>
+          </p:cNvPr>
+          <p:cNvSpPr/>
+          <p:nvPr/>
+        </p:nvSpPr>
+        <p:spPr>
+          <a:xfrm>
+            <a:off x="6084168" y="332656"/>
+            <a:ext cx="432048" cy="432048"/>
+          </a:xfrm>
+          <a:prstGeom prst="rect">
+            <a:avLst/>
+          </a:prstGeom>
+          <a:noFill/>
+          <a:ln w="9525">
+            <a:noFill/>
+          </a:ln>
+        </p:spPr>
+        <p:style>
+          <a:lnRef idx="2">
+            <a:schemeClr val="accent1">
+              <a:shade val="50000"/>
+            </a:schemeClr>
+          </a:lnRef>
+          <a:fillRef idx="1">
+            <a:schemeClr val="accent1"/>
+          </a:fillRef>
+          <a:effectRef idx="0">
+            <a:schemeClr val="accent1"/>
+          </a:effectRef>
+          <a:fontRef idx="minor">
+            <a:schemeClr val="lt1"/>
+          </a:fontRef>
+        </p:style>
+        <p:txBody>
+          <a:bodyPr rot="0" spcFirstLastPara="0" vertOverflow="overflow" horzOverflow="overflow" vert="horz" wrap="square" lIns="91440" tIns="45720" rIns="91440" bIns="45720" numCol="1" spcCol="0" rtlCol="0" fromWordArt="0" anchor="ctr" anchorCtr="0" forceAA="0" compatLnSpc="1">
+            <a:prstTxWarp prst="textNoShape">
+              <a:avLst/>
+            </a:prstTxWarp>
+            <a:noAutofit/>
+          </a:bodyPr>
+          <a:lstStyle/>
+          <a:p>
+            <a:pPr algn="ctr"/>
+            <a:r>
+              <a:rPr lang="en-US" altLang="ko-KR" sz="2000">
+                <a:solidFill>
+                  <a:schemeClr val="tx1"/>
+                </a:solidFill>
+                <a:latin typeface="Consolas" pitchFamily="49" charset="0"/>
+                <a:cs typeface="Consolas" pitchFamily="49" charset="0"/>
+              </a:rPr>
+              <a:t>4</a:t>
+            </a:r>
+            <a:endParaRPr lang="ko-KR" altLang="en-US" sz="2000">
+              <a:solidFill>
+                <a:schemeClr val="tx1"/>
+              </a:solidFill>
+              <a:latin typeface="Consolas" pitchFamily="49" charset="0"/>
+              <a:cs typeface="Consolas" pitchFamily="49" charset="0"/>
+            </a:endParaRPr>
+          </a:p>
+        </p:txBody>
+      </p:sp>
+      <p:sp>
+        <p:nvSpPr>
+          <p:cNvPr id="13" name="직사각형 12">
+            <a:extLst>
+              <a:ext uri="{FF2B5EF4-FFF2-40B4-BE49-F238E27FC236}">
+                <a16:creationId xmlns:a16="http://schemas.microsoft.com/office/drawing/2014/main" id="{D2B0DC9A-9CA2-4251-BC86-B3AA4467D0F8}"/>
+              </a:ext>
+            </a:extLst>
+          </p:cNvPr>
+          <p:cNvSpPr/>
+          <p:nvPr/>
+        </p:nvSpPr>
+        <p:spPr>
+          <a:xfrm>
+            <a:off x="6516216" y="332656"/>
+            <a:ext cx="432048" cy="432048"/>
+          </a:xfrm>
+          <a:prstGeom prst="rect">
+            <a:avLst/>
+          </a:prstGeom>
+          <a:noFill/>
+          <a:ln w="9525">
+            <a:noFill/>
+          </a:ln>
+        </p:spPr>
+        <p:style>
+          <a:lnRef idx="2">
+            <a:schemeClr val="accent1">
+              <a:shade val="50000"/>
+            </a:schemeClr>
+          </a:lnRef>
+          <a:fillRef idx="1">
+            <a:schemeClr val="accent1"/>
+          </a:fillRef>
+          <a:effectRef idx="0">
+            <a:schemeClr val="accent1"/>
+          </a:effectRef>
+          <a:fontRef idx="minor">
+            <a:schemeClr val="lt1"/>
+          </a:fontRef>
+        </p:style>
+        <p:txBody>
+          <a:bodyPr rot="0" spcFirstLastPara="0" vertOverflow="overflow" horzOverflow="overflow" vert="horz" wrap="square" lIns="91440" tIns="45720" rIns="91440" bIns="45720" numCol="1" spcCol="0" rtlCol="0" fromWordArt="0" anchor="ctr" anchorCtr="0" forceAA="0" compatLnSpc="1">
+            <a:prstTxWarp prst="textNoShape">
+              <a:avLst/>
+            </a:prstTxWarp>
+            <a:noAutofit/>
+          </a:bodyPr>
+          <a:lstStyle/>
+          <a:p>
+            <a:pPr algn="ctr"/>
+            <a:r>
+              <a:rPr lang="en-US" altLang="ko-KR" sz="2000">
+                <a:solidFill>
+                  <a:schemeClr val="tx1"/>
+                </a:solidFill>
+                <a:latin typeface="Consolas" pitchFamily="49" charset="0"/>
+                <a:cs typeface="Consolas" pitchFamily="49" charset="0"/>
+              </a:rPr>
+              <a:t>5</a:t>
+            </a:r>
+            <a:endParaRPr lang="ko-KR" altLang="en-US" sz="2000">
+              <a:solidFill>
+                <a:schemeClr val="tx1"/>
+              </a:solidFill>
+              <a:latin typeface="Consolas" pitchFamily="49" charset="0"/>
+              <a:cs typeface="Consolas" pitchFamily="49" charset="0"/>
+            </a:endParaRPr>
+          </a:p>
+        </p:txBody>
+      </p:sp>
+      <p:sp>
+        <p:nvSpPr>
+          <p:cNvPr id="14" name="직사각형 13">
+            <a:extLst>
+              <a:ext uri="{FF2B5EF4-FFF2-40B4-BE49-F238E27FC236}">
+                <a16:creationId xmlns:a16="http://schemas.microsoft.com/office/drawing/2014/main" id="{42274368-B6E1-4A33-AC8C-795009019856}"/>
+              </a:ext>
+            </a:extLst>
+          </p:cNvPr>
+          <p:cNvSpPr/>
+          <p:nvPr/>
+        </p:nvSpPr>
+        <p:spPr>
+          <a:xfrm>
+            <a:off x="6948264" y="332656"/>
+            <a:ext cx="432048" cy="432048"/>
+          </a:xfrm>
+          <a:prstGeom prst="rect">
+            <a:avLst/>
+          </a:prstGeom>
+          <a:noFill/>
+          <a:ln w="9525">
+            <a:noFill/>
+          </a:ln>
+        </p:spPr>
+        <p:style>
+          <a:lnRef idx="2">
+            <a:schemeClr val="accent1">
+              <a:shade val="50000"/>
+            </a:schemeClr>
+          </a:lnRef>
+          <a:fillRef idx="1">
+            <a:schemeClr val="accent1"/>
+          </a:fillRef>
+          <a:effectRef idx="0">
+            <a:schemeClr val="accent1"/>
+          </a:effectRef>
+          <a:fontRef idx="minor">
+            <a:schemeClr val="lt1"/>
+          </a:fontRef>
+        </p:style>
+        <p:txBody>
+          <a:bodyPr rot="0" spcFirstLastPara="0" vertOverflow="overflow" horzOverflow="overflow" vert="horz" wrap="square" lIns="91440" tIns="45720" rIns="91440" bIns="45720" numCol="1" spcCol="0" rtlCol="0" fromWordArt="0" anchor="ctr" anchorCtr="0" forceAA="0" compatLnSpc="1">
+            <a:prstTxWarp prst="textNoShape">
+              <a:avLst/>
+            </a:prstTxWarp>
+            <a:noAutofit/>
+          </a:bodyPr>
+          <a:lstStyle/>
+          <a:p>
+            <a:pPr algn="ctr"/>
+            <a:r>
+              <a:rPr lang="en-US" altLang="ko-KR" sz="2000">
+                <a:solidFill>
+                  <a:schemeClr val="tx1"/>
+                </a:solidFill>
+                <a:latin typeface="Consolas" pitchFamily="49" charset="0"/>
+                <a:cs typeface="Consolas" pitchFamily="49" charset="0"/>
+              </a:rPr>
+              <a:t>6</a:t>
+            </a:r>
+            <a:endParaRPr lang="ko-KR" altLang="en-US" sz="2000">
+              <a:solidFill>
+                <a:schemeClr val="tx1"/>
+              </a:solidFill>
+              <a:latin typeface="Consolas" pitchFamily="49" charset="0"/>
+              <a:cs typeface="Consolas" pitchFamily="49" charset="0"/>
+            </a:endParaRPr>
+          </a:p>
+        </p:txBody>
+      </p:sp>
+      <p:sp>
+        <p:nvSpPr>
+          <p:cNvPr id="16" name="직사각형 15">
+            <a:extLst>
+              <a:ext uri="{FF2B5EF4-FFF2-40B4-BE49-F238E27FC236}">
+                <a16:creationId xmlns:a16="http://schemas.microsoft.com/office/drawing/2014/main" id="{160C941B-CACA-422E-8601-B5F727EA578F}"/>
+              </a:ext>
+            </a:extLst>
+          </p:cNvPr>
+          <p:cNvSpPr/>
+          <p:nvPr/>
+        </p:nvSpPr>
+        <p:spPr>
+          <a:xfrm>
+            <a:off x="4355976" y="764704"/>
+            <a:ext cx="432048" cy="432048"/>
+          </a:xfrm>
+          <a:prstGeom prst="rect">
+            <a:avLst/>
+          </a:prstGeom>
+          <a:solidFill>
+            <a:srgbClr val="FFFF00"/>
+          </a:solidFill>
+          <a:ln w="9525"/>
+        </p:spPr>
+        <p:style>
+          <a:lnRef idx="2">
+            <a:schemeClr val="accent1">
+              <a:shade val="50000"/>
+            </a:schemeClr>
+          </a:lnRef>
+          <a:fillRef idx="1">
+            <a:schemeClr val="accent1"/>
+          </a:fillRef>
+          <a:effectRef idx="0">
+            <a:schemeClr val="accent1"/>
+          </a:effectRef>
+          <a:fontRef idx="minor">
+            <a:schemeClr val="lt1"/>
+          </a:fontRef>
+        </p:style>
+        <p:txBody>
+          <a:bodyPr rot="0" spcFirstLastPara="0" vertOverflow="overflow" horzOverflow="overflow" vert="horz" wrap="square" lIns="91440" tIns="45720" rIns="91440" bIns="45720" numCol="1" spcCol="0" rtlCol="0" fromWordArt="0" anchor="ctr" anchorCtr="0" forceAA="0" compatLnSpc="1">
+            <a:prstTxWarp prst="textNoShape">
+              <a:avLst/>
+            </a:prstTxWarp>
+            <a:noAutofit/>
+          </a:bodyPr>
+          <a:lstStyle/>
+          <a:p>
+            <a:pPr algn="ctr"/>
+            <a:r>
+              <a:rPr lang="en-US" altLang="ko-KR" sz="2000">
+                <a:solidFill>
+                  <a:schemeClr val="tx1"/>
+                </a:solidFill>
+                <a:latin typeface="Consolas" pitchFamily="49" charset="0"/>
+                <a:cs typeface="Consolas" pitchFamily="49" charset="0"/>
+              </a:rPr>
+              <a:t>1</a:t>
+            </a:r>
+            <a:endParaRPr lang="ko-KR" altLang="en-US" sz="2000">
+              <a:solidFill>
+                <a:schemeClr val="tx1"/>
+              </a:solidFill>
+              <a:latin typeface="Consolas" pitchFamily="49" charset="0"/>
+              <a:cs typeface="Consolas" pitchFamily="49" charset="0"/>
+            </a:endParaRPr>
+          </a:p>
+        </p:txBody>
+      </p:sp>
+      <p:sp>
+        <p:nvSpPr>
+          <p:cNvPr id="17" name="직사각형 16">
+            <a:extLst>
+              <a:ext uri="{FF2B5EF4-FFF2-40B4-BE49-F238E27FC236}">
+                <a16:creationId xmlns:a16="http://schemas.microsoft.com/office/drawing/2014/main" id="{27A133B5-81D1-4BA2-AC95-D8FA9E93C464}"/>
+              </a:ext>
+            </a:extLst>
+          </p:cNvPr>
+          <p:cNvSpPr/>
+          <p:nvPr/>
+        </p:nvSpPr>
+        <p:spPr>
+          <a:xfrm>
+            <a:off x="4788024" y="764704"/>
+            <a:ext cx="432048" cy="432048"/>
+          </a:xfrm>
+          <a:prstGeom prst="rect">
+            <a:avLst/>
+          </a:prstGeom>
+          <a:solidFill>
+            <a:srgbClr val="FFFF00"/>
+          </a:solidFill>
+          <a:ln w="9525"/>
+        </p:spPr>
+        <p:style>
+          <a:lnRef idx="2">
+            <a:schemeClr val="accent1">
+              <a:shade val="50000"/>
+            </a:schemeClr>
+          </a:lnRef>
+          <a:fillRef idx="1">
+            <a:schemeClr val="accent1"/>
+          </a:fillRef>
+          <a:effectRef idx="0">
+            <a:schemeClr val="accent1"/>
+          </a:effectRef>
+          <a:fontRef idx="minor">
+            <a:schemeClr val="lt1"/>
+          </a:fontRef>
+        </p:style>
+        <p:txBody>
+          <a:bodyPr rot="0" spcFirstLastPara="0" vertOverflow="overflow" horzOverflow="overflow" vert="horz" wrap="square" lIns="91440" tIns="45720" rIns="91440" bIns="45720" numCol="1" spcCol="0" rtlCol="0" fromWordArt="0" anchor="ctr" anchorCtr="0" forceAA="0" compatLnSpc="1">
+            <a:prstTxWarp prst="textNoShape">
+              <a:avLst/>
+            </a:prstTxWarp>
+            <a:noAutofit/>
+          </a:bodyPr>
+          <a:lstStyle/>
+          <a:p>
+            <a:pPr algn="ctr"/>
+            <a:r>
+              <a:rPr lang="en-US" altLang="ko-KR" sz="2000">
+                <a:solidFill>
+                  <a:schemeClr val="tx1"/>
+                </a:solidFill>
+                <a:latin typeface="Consolas" pitchFamily="49" charset="0"/>
+                <a:cs typeface="Consolas" pitchFamily="49" charset="0"/>
+              </a:rPr>
+              <a:t>2</a:t>
+            </a:r>
+            <a:endParaRPr lang="ko-KR" altLang="en-US" sz="2000">
+              <a:solidFill>
+                <a:schemeClr val="tx1"/>
+              </a:solidFill>
+              <a:latin typeface="Consolas" pitchFamily="49" charset="0"/>
+              <a:cs typeface="Consolas" pitchFamily="49" charset="0"/>
+            </a:endParaRPr>
+          </a:p>
+        </p:txBody>
+      </p:sp>
+      <p:sp>
+        <p:nvSpPr>
+          <p:cNvPr id="18" name="직사각형 17">
+            <a:extLst>
+              <a:ext uri="{FF2B5EF4-FFF2-40B4-BE49-F238E27FC236}">
+                <a16:creationId xmlns:a16="http://schemas.microsoft.com/office/drawing/2014/main" id="{C1716062-87EF-4796-97EC-E8471F51E82E}"/>
+              </a:ext>
+            </a:extLst>
+          </p:cNvPr>
+          <p:cNvSpPr/>
+          <p:nvPr/>
+        </p:nvSpPr>
+        <p:spPr>
+          <a:xfrm>
+            <a:off x="5220072" y="764704"/>
+            <a:ext cx="432048" cy="432048"/>
+          </a:xfrm>
+          <a:prstGeom prst="rect">
+            <a:avLst/>
+          </a:prstGeom>
+          <a:solidFill>
+            <a:srgbClr val="FFFF00"/>
+          </a:solidFill>
+          <a:ln w="9525"/>
+        </p:spPr>
+        <p:style>
+          <a:lnRef idx="2">
+            <a:schemeClr val="accent1">
+              <a:shade val="50000"/>
+            </a:schemeClr>
+          </a:lnRef>
+          <a:fillRef idx="1">
+            <a:schemeClr val="accent1"/>
+          </a:fillRef>
+          <a:effectRef idx="0">
+            <a:schemeClr val="accent1"/>
+          </a:effectRef>
+          <a:fontRef idx="minor">
+            <a:schemeClr val="lt1"/>
+          </a:fontRef>
+        </p:style>
+        <p:txBody>
+          <a:bodyPr rot="0" spcFirstLastPara="0" vertOverflow="overflow" horzOverflow="overflow" vert="horz" wrap="square" lIns="91440" tIns="45720" rIns="91440" bIns="45720" numCol="1" spcCol="0" rtlCol="0" fromWordArt="0" anchor="ctr" anchorCtr="0" forceAA="0" compatLnSpc="1">
+            <a:prstTxWarp prst="textNoShape">
+              <a:avLst/>
+            </a:prstTxWarp>
+            <a:noAutofit/>
+          </a:bodyPr>
+          <a:lstStyle/>
+          <a:p>
+            <a:pPr algn="ctr"/>
+            <a:r>
+              <a:rPr lang="en-US" altLang="ko-KR" sz="2000">
+                <a:solidFill>
+                  <a:schemeClr val="tx1"/>
+                </a:solidFill>
+                <a:latin typeface="Consolas" pitchFamily="49" charset="0"/>
+                <a:cs typeface="Consolas" pitchFamily="49" charset="0"/>
+              </a:rPr>
+              <a:t>3</a:t>
+            </a:r>
+            <a:endParaRPr lang="ko-KR" altLang="en-US" sz="2000">
+              <a:solidFill>
+                <a:schemeClr val="tx1"/>
+              </a:solidFill>
+              <a:latin typeface="Consolas" pitchFamily="49" charset="0"/>
+              <a:cs typeface="Consolas" pitchFamily="49" charset="0"/>
+            </a:endParaRPr>
+          </a:p>
+        </p:txBody>
+      </p:sp>
+      <p:sp>
+        <p:nvSpPr>
+          <p:cNvPr id="19" name="직사각형 18">
+            <a:extLst>
+              <a:ext uri="{FF2B5EF4-FFF2-40B4-BE49-F238E27FC236}">
+                <a16:creationId xmlns:a16="http://schemas.microsoft.com/office/drawing/2014/main" id="{11481E74-D49A-41A8-AF60-0CE0C39BA999}"/>
+              </a:ext>
+            </a:extLst>
+          </p:cNvPr>
+          <p:cNvSpPr/>
+          <p:nvPr/>
+        </p:nvSpPr>
+        <p:spPr>
+          <a:xfrm>
+            <a:off x="5652120" y="764704"/>
+            <a:ext cx="432048" cy="432048"/>
+          </a:xfrm>
+          <a:prstGeom prst="rect">
+            <a:avLst/>
+          </a:prstGeom>
+          <a:solidFill>
+            <a:srgbClr val="FFFF00"/>
+          </a:solidFill>
+          <a:ln w="9525"/>
+        </p:spPr>
+        <p:style>
+          <a:lnRef idx="2">
+            <a:schemeClr val="accent1">
+              <a:shade val="50000"/>
+            </a:schemeClr>
+          </a:lnRef>
+          <a:fillRef idx="1">
+            <a:schemeClr val="accent1"/>
+          </a:fillRef>
+          <a:effectRef idx="0">
+            <a:schemeClr val="accent1"/>
+          </a:effectRef>
+          <a:fontRef idx="minor">
+            <a:schemeClr val="lt1"/>
+          </a:fontRef>
+        </p:style>
+        <p:txBody>
+          <a:bodyPr rot="0" spcFirstLastPara="0" vertOverflow="overflow" horzOverflow="overflow" vert="horz" wrap="square" lIns="91440" tIns="45720" rIns="91440" bIns="45720" numCol="1" spcCol="0" rtlCol="0" fromWordArt="0" anchor="ctr" anchorCtr="0" forceAA="0" compatLnSpc="1">
+            <a:prstTxWarp prst="textNoShape">
+              <a:avLst/>
+            </a:prstTxWarp>
+            <a:noAutofit/>
+          </a:bodyPr>
+          <a:lstStyle/>
+          <a:p>
+            <a:pPr algn="ctr"/>
+            <a:r>
+              <a:rPr lang="en-US" altLang="ko-KR" sz="2000">
+                <a:solidFill>
+                  <a:schemeClr val="tx1"/>
+                </a:solidFill>
+                <a:latin typeface="Consolas" pitchFamily="49" charset="0"/>
+                <a:cs typeface="Consolas" pitchFamily="49" charset="0"/>
+              </a:rPr>
+              <a:t>4</a:t>
+            </a:r>
+            <a:endParaRPr lang="ko-KR" altLang="en-US" sz="2000">
+              <a:solidFill>
+                <a:schemeClr val="tx1"/>
+              </a:solidFill>
+              <a:latin typeface="Consolas" pitchFamily="49" charset="0"/>
+              <a:cs typeface="Consolas" pitchFamily="49" charset="0"/>
+            </a:endParaRPr>
+          </a:p>
+        </p:txBody>
+      </p:sp>
+      <p:sp>
+        <p:nvSpPr>
+          <p:cNvPr id="20" name="직사각형 19">
+            <a:extLst>
+              <a:ext uri="{FF2B5EF4-FFF2-40B4-BE49-F238E27FC236}">
+                <a16:creationId xmlns:a16="http://schemas.microsoft.com/office/drawing/2014/main" id="{0A0F846B-7718-4BEB-9C6A-405B72C7D873}"/>
+              </a:ext>
+            </a:extLst>
+          </p:cNvPr>
+          <p:cNvSpPr/>
+          <p:nvPr/>
+        </p:nvSpPr>
+        <p:spPr>
+          <a:xfrm>
+            <a:off x="6084168" y="764704"/>
+            <a:ext cx="432048" cy="432048"/>
+          </a:xfrm>
+          <a:prstGeom prst="rect">
+            <a:avLst/>
+          </a:prstGeom>
+          <a:solidFill>
+            <a:srgbClr val="FFFF00"/>
+          </a:solidFill>
+          <a:ln w="9525"/>
+        </p:spPr>
+        <p:style>
+          <a:lnRef idx="2">
+            <a:schemeClr val="accent1">
+              <a:shade val="50000"/>
+            </a:schemeClr>
+          </a:lnRef>
+          <a:fillRef idx="1">
+            <a:schemeClr val="accent1"/>
+          </a:fillRef>
+          <a:effectRef idx="0">
+            <a:schemeClr val="accent1"/>
+          </a:effectRef>
+          <a:fontRef idx="minor">
+            <a:schemeClr val="lt1"/>
+          </a:fontRef>
+        </p:style>
+        <p:txBody>
+          <a:bodyPr rot="0" spcFirstLastPara="0" vertOverflow="overflow" horzOverflow="overflow" vert="horz" wrap="square" lIns="91440" tIns="45720" rIns="91440" bIns="45720" numCol="1" spcCol="0" rtlCol="0" fromWordArt="0" anchor="ctr" anchorCtr="0" forceAA="0" compatLnSpc="1">
+            <a:prstTxWarp prst="textNoShape">
+              <a:avLst/>
+            </a:prstTxWarp>
+            <a:noAutofit/>
+          </a:bodyPr>
+          <a:lstStyle/>
+          <a:p>
+            <a:pPr algn="ctr"/>
+            <a:r>
+              <a:rPr lang="en-US" altLang="ko-KR" sz="2000">
+                <a:solidFill>
+                  <a:schemeClr val="tx1"/>
+                </a:solidFill>
+                <a:latin typeface="Consolas" pitchFamily="49" charset="0"/>
+                <a:cs typeface="Consolas" pitchFamily="49" charset="0"/>
+              </a:rPr>
+              <a:t>5</a:t>
+            </a:r>
+            <a:endParaRPr lang="ko-KR" altLang="en-US" sz="2000">
+              <a:solidFill>
+                <a:schemeClr val="tx1"/>
+              </a:solidFill>
+              <a:latin typeface="Consolas" pitchFamily="49" charset="0"/>
+              <a:cs typeface="Consolas" pitchFamily="49" charset="0"/>
+            </a:endParaRPr>
+          </a:p>
+        </p:txBody>
+      </p:sp>
+      <p:sp>
+        <p:nvSpPr>
+          <p:cNvPr id="21" name="직사각형 20">
+            <a:extLst>
+              <a:ext uri="{FF2B5EF4-FFF2-40B4-BE49-F238E27FC236}">
+                <a16:creationId xmlns:a16="http://schemas.microsoft.com/office/drawing/2014/main" id="{A9568304-84DA-4F5A-9A2C-B6BC0ACE9854}"/>
+              </a:ext>
+            </a:extLst>
+          </p:cNvPr>
+          <p:cNvSpPr/>
+          <p:nvPr/>
+        </p:nvSpPr>
+        <p:spPr>
+          <a:xfrm>
+            <a:off x="6516216" y="764704"/>
+            <a:ext cx="432048" cy="432048"/>
+          </a:xfrm>
+          <a:prstGeom prst="rect">
+            <a:avLst/>
+          </a:prstGeom>
+          <a:solidFill>
+            <a:srgbClr val="FFFF00"/>
+          </a:solidFill>
+          <a:ln w="9525"/>
+        </p:spPr>
+        <p:style>
+          <a:lnRef idx="2">
+            <a:schemeClr val="accent1">
+              <a:shade val="50000"/>
+            </a:schemeClr>
+          </a:lnRef>
+          <a:fillRef idx="1">
+            <a:schemeClr val="accent1"/>
+          </a:fillRef>
+          <a:effectRef idx="0">
+            <a:schemeClr val="accent1"/>
+          </a:effectRef>
+          <a:fontRef idx="minor">
+            <a:schemeClr val="lt1"/>
+          </a:fontRef>
+        </p:style>
+        <p:txBody>
+          <a:bodyPr rot="0" spcFirstLastPara="0" vertOverflow="overflow" horzOverflow="overflow" vert="horz" wrap="square" lIns="91440" tIns="45720" rIns="91440" bIns="45720" numCol="1" spcCol="0" rtlCol="0" fromWordArt="0" anchor="ctr" anchorCtr="0" forceAA="0" compatLnSpc="1">
+            <a:prstTxWarp prst="textNoShape">
+              <a:avLst/>
+            </a:prstTxWarp>
+            <a:noAutofit/>
+          </a:bodyPr>
+          <a:lstStyle/>
+          <a:p>
+            <a:pPr algn="ctr"/>
+            <a:r>
+              <a:rPr lang="en-US" altLang="ko-KR" sz="2000">
+                <a:solidFill>
+                  <a:schemeClr val="tx1"/>
+                </a:solidFill>
+                <a:latin typeface="Consolas" pitchFamily="49" charset="0"/>
+                <a:cs typeface="Consolas" pitchFamily="49" charset="0"/>
+              </a:rPr>
+              <a:t>6</a:t>
+            </a:r>
+            <a:endParaRPr lang="ko-KR" altLang="en-US" sz="2000">
+              <a:solidFill>
+                <a:schemeClr val="tx1"/>
+              </a:solidFill>
+              <a:latin typeface="Consolas" pitchFamily="49" charset="0"/>
+              <a:cs typeface="Consolas" pitchFamily="49" charset="0"/>
+            </a:endParaRPr>
+          </a:p>
+        </p:txBody>
+      </p:sp>
+      <p:sp>
+        <p:nvSpPr>
+          <p:cNvPr id="22" name="직사각형 21">
+            <a:extLst>
+              <a:ext uri="{FF2B5EF4-FFF2-40B4-BE49-F238E27FC236}">
+                <a16:creationId xmlns:a16="http://schemas.microsoft.com/office/drawing/2014/main" id="{59393B49-2CD0-4E3D-A145-86018B300BB8}"/>
+              </a:ext>
+            </a:extLst>
+          </p:cNvPr>
+          <p:cNvSpPr/>
+          <p:nvPr/>
+        </p:nvSpPr>
+        <p:spPr>
+          <a:xfrm>
+            <a:off x="6948264" y="764704"/>
+            <a:ext cx="432048" cy="432048"/>
+          </a:xfrm>
+          <a:prstGeom prst="rect">
+            <a:avLst/>
+          </a:prstGeom>
+          <a:solidFill>
+            <a:srgbClr val="FFFF00"/>
+          </a:solidFill>
+          <a:ln w="9525"/>
+        </p:spPr>
+        <p:style>
+          <a:lnRef idx="2">
+            <a:schemeClr val="accent1">
+              <a:shade val="50000"/>
+            </a:schemeClr>
+          </a:lnRef>
+          <a:fillRef idx="1">
+            <a:schemeClr val="accent1"/>
+          </a:fillRef>
+          <a:effectRef idx="0">
+            <a:schemeClr val="accent1"/>
+          </a:effectRef>
+          <a:fontRef idx="minor">
+            <a:schemeClr val="lt1"/>
+          </a:fontRef>
+        </p:style>
+        <p:txBody>
+          <a:bodyPr rot="0" spcFirstLastPara="0" vertOverflow="overflow" horzOverflow="overflow" vert="horz" wrap="square" lIns="91440" tIns="45720" rIns="91440" bIns="45720" numCol="1" spcCol="0" rtlCol="0" fromWordArt="0" anchor="ctr" anchorCtr="0" forceAA="0" compatLnSpc="1">
+            <a:prstTxWarp prst="textNoShape">
+              <a:avLst/>
+            </a:prstTxWarp>
+            <a:noAutofit/>
+          </a:bodyPr>
+          <a:lstStyle/>
+          <a:p>
+            <a:pPr algn="ctr"/>
+            <a:r>
+              <a:rPr lang="en-US" altLang="ko-KR" sz="2000">
+                <a:solidFill>
+                  <a:schemeClr val="tx1"/>
+                </a:solidFill>
+                <a:latin typeface="Consolas" pitchFamily="49" charset="0"/>
+                <a:cs typeface="Consolas" pitchFamily="49" charset="0"/>
+              </a:rPr>
+              <a:t>7</a:t>
+            </a:r>
+            <a:endParaRPr lang="ko-KR" altLang="en-US" sz="2000">
+              <a:solidFill>
+                <a:schemeClr val="tx1"/>
+              </a:solidFill>
+              <a:latin typeface="Consolas" pitchFamily="49" charset="0"/>
+              <a:cs typeface="Consolas" pitchFamily="49" charset="0"/>
+            </a:endParaRPr>
+          </a:p>
+        </p:txBody>
+      </p:sp>
+      <p:sp>
+        <p:nvSpPr>
+          <p:cNvPr id="26" name="TextBox 25">
+            <a:extLst>
+              <a:ext uri="{FF2B5EF4-FFF2-40B4-BE49-F238E27FC236}">
+                <a16:creationId xmlns:a16="http://schemas.microsoft.com/office/drawing/2014/main" id="{D8FBA458-76D7-4229-8B24-DCD92142A7FC}"/>
+              </a:ext>
+            </a:extLst>
+          </p:cNvPr>
+          <p:cNvSpPr txBox="1"/>
+          <p:nvPr/>
+        </p:nvSpPr>
+        <p:spPr>
+          <a:xfrm>
+            <a:off x="4005089" y="764704"/>
+            <a:ext cx="325730" cy="400110"/>
+          </a:xfrm>
+          <a:prstGeom prst="rect">
+            <a:avLst/>
+          </a:prstGeom>
+          <a:noFill/>
+        </p:spPr>
+        <p:txBody>
+          <a:bodyPr wrap="none" rtlCol="0">
+            <a:spAutoFit/>
+          </a:bodyPr>
+          <a:lstStyle/>
+          <a:p>
+            <a:r>
+              <a:rPr lang="en-US" altLang="ko-KR" sz="2000">
+                <a:latin typeface="Consolas" pitchFamily="49" charset="0"/>
+                <a:cs typeface="Consolas" pitchFamily="49" charset="0"/>
+              </a:rPr>
+              <a:t>a</a:t>
             </a:r>
             <a:endParaRPr lang="ko-KR" altLang="en-US" sz="2000">
               <a:latin typeface="Consolas" pitchFamily="49" charset="0"/>
@@ -46645,6 +47827,3003 @@
     <p:extLst>
       <p:ext uri="{BB962C8B-B14F-4D97-AF65-F5344CB8AC3E}">
         <p14:creationId xmlns:p14="http://schemas.microsoft.com/office/powerpoint/2010/main" val="1659975676"/>
+      </p:ext>
+    </p:extLst>
+  </p:cSld>
+  <p:clrMapOvr>
+    <a:masterClrMapping/>
+  </p:clrMapOvr>
+</p:sld>
+</file>
+
+<file path=ppt/slides/slide46.xml><?xml version="1.0" encoding="utf-8"?>
+<p:sld xmlns:a="http://schemas.openxmlformats.org/drawingml/2006/main" xmlns:r="http://schemas.openxmlformats.org/officeDocument/2006/relationships" xmlns:p="http://schemas.openxmlformats.org/presentationml/2006/main">
+  <p:cSld>
+    <p:spTree>
+      <p:nvGrpSpPr>
+        <p:cNvPr id="1" name=""/>
+        <p:cNvGrpSpPr/>
+        <p:nvPr/>
+      </p:nvGrpSpPr>
+      <p:grpSpPr>
+        <a:xfrm>
+          <a:off x="0" y="0"/>
+          <a:ext cx="0" cy="0"/>
+          <a:chOff x="0" y="0"/>
+          <a:chExt cx="0" cy="0"/>
+        </a:xfrm>
+      </p:grpSpPr>
+      <p:sp>
+        <p:nvSpPr>
+          <p:cNvPr id="4" name="TextBox 3">
+            <a:extLst>
+              <a:ext uri="{FF2B5EF4-FFF2-40B4-BE49-F238E27FC236}">
+                <a16:creationId xmlns:a16="http://schemas.microsoft.com/office/drawing/2014/main" id="{6365CC3E-A576-4BB3-ACBE-4D8DB3D81017}"/>
+              </a:ext>
+            </a:extLst>
+          </p:cNvPr>
+          <p:cNvSpPr txBox="1"/>
+          <p:nvPr/>
+        </p:nvSpPr>
+        <p:spPr>
+          <a:xfrm>
+            <a:off x="-154533" y="20489"/>
+            <a:ext cx="4134465" cy="2246769"/>
+          </a:xfrm>
+          <a:prstGeom prst="rect">
+            <a:avLst/>
+          </a:prstGeom>
+          <a:noFill/>
+        </p:spPr>
+        <p:txBody>
+          <a:bodyPr wrap="none" rtlCol="0">
+            <a:spAutoFit/>
+          </a:bodyPr>
+          <a:lstStyle/>
+          <a:p>
+            <a:r>
+              <a:rPr lang="ko-KR" altLang="en-US" sz="2000">
+                <a:latin typeface="Consolas" pitchFamily="49" charset="0"/>
+                <a:cs typeface="Consolas" pitchFamily="49" charset="0"/>
+              </a:rPr>
+              <a:t>   </a:t>
+            </a:r>
+            <a:r>
+              <a:rPr lang="en-US" altLang="ko-KR" sz="2000">
+                <a:latin typeface="Consolas" pitchFamily="49" charset="0"/>
+                <a:cs typeface="Consolas" pitchFamily="49" charset="0"/>
+              </a:rPr>
+              <a:t>1 </a:t>
+            </a:r>
+          </a:p>
+          <a:p>
+            <a:r>
+              <a:rPr lang="en-US" altLang="ko-KR" sz="2000">
+                <a:latin typeface="Consolas" pitchFamily="49" charset="0"/>
+                <a:cs typeface="Consolas" pitchFamily="49" charset="0"/>
+              </a:rPr>
+              <a:t>       2</a:t>
+            </a:r>
+          </a:p>
+          <a:p>
+            <a:r>
+              <a:rPr lang="en-US" altLang="ko-KR" sz="2000">
+                <a:latin typeface="Consolas" pitchFamily="49" charset="0"/>
+                <a:cs typeface="Consolas" pitchFamily="49" charset="0"/>
+              </a:rPr>
+              <a:t>           3</a:t>
+            </a:r>
+          </a:p>
+          <a:p>
+            <a:r>
+              <a:rPr lang="en-US" altLang="ko-KR" sz="2000">
+                <a:latin typeface="Consolas" pitchFamily="49" charset="0"/>
+                <a:cs typeface="Consolas" pitchFamily="49" charset="0"/>
+              </a:rPr>
+              <a:t>               4</a:t>
+            </a:r>
+          </a:p>
+          <a:p>
+            <a:r>
+              <a:rPr lang="en-US" altLang="ko-KR" sz="2000">
+                <a:latin typeface="Consolas" pitchFamily="49" charset="0"/>
+                <a:cs typeface="Consolas" pitchFamily="49" charset="0"/>
+              </a:rPr>
+              <a:t>                   5</a:t>
+            </a:r>
+          </a:p>
+          <a:p>
+            <a:r>
+              <a:rPr lang="en-US" altLang="ko-KR" sz="2000">
+                <a:latin typeface="Consolas" pitchFamily="49" charset="0"/>
+                <a:cs typeface="Consolas" pitchFamily="49" charset="0"/>
+              </a:rPr>
+              <a:t>                       6</a:t>
+            </a:r>
+          </a:p>
+          <a:p>
+            <a:r>
+              <a:rPr lang="en-US" altLang="ko-KR" sz="2000">
+                <a:latin typeface="Consolas" pitchFamily="49" charset="0"/>
+                <a:cs typeface="Consolas" pitchFamily="49" charset="0"/>
+              </a:rPr>
+              <a:t>                           7</a:t>
+            </a:r>
+            <a:endParaRPr lang="ko-KR" altLang="en-US" sz="2000">
+              <a:latin typeface="Consolas" pitchFamily="49" charset="0"/>
+              <a:cs typeface="Consolas" pitchFamily="49" charset="0"/>
+            </a:endParaRPr>
+          </a:p>
+        </p:txBody>
+      </p:sp>
+      <p:sp>
+        <p:nvSpPr>
+          <p:cNvPr id="5" name="TextBox 4">
+            <a:extLst>
+              <a:ext uri="{FF2B5EF4-FFF2-40B4-BE49-F238E27FC236}">
+                <a16:creationId xmlns:a16="http://schemas.microsoft.com/office/drawing/2014/main" id="{A4677D0B-4EF9-42CC-97F1-C8E32F2ABF5A}"/>
+              </a:ext>
+            </a:extLst>
+          </p:cNvPr>
+          <p:cNvSpPr txBox="1"/>
+          <p:nvPr/>
+        </p:nvSpPr>
+        <p:spPr>
+          <a:xfrm>
+            <a:off x="4457993" y="1640125"/>
+            <a:ext cx="5968301" cy="3785652"/>
+          </a:xfrm>
+          <a:prstGeom prst="rect">
+            <a:avLst/>
+          </a:prstGeom>
+          <a:noFill/>
+        </p:spPr>
+        <p:txBody>
+          <a:bodyPr wrap="none" rtlCol="0">
+            <a:spAutoFit/>
+          </a:bodyPr>
+          <a:lstStyle/>
+          <a:p>
+            <a:r>
+              <a:rPr lang="en-US" altLang="ko-KR" sz="2000">
+                <a:latin typeface="Consolas" pitchFamily="49" charset="0"/>
+                <a:cs typeface="Consolas" pitchFamily="49" charset="0"/>
+              </a:rPr>
+              <a:t>NODE* __bal(int *a, int *n)</a:t>
+            </a:r>
+          </a:p>
+          <a:p>
+            <a:r>
+              <a:rPr lang="en-US" altLang="ko-KR" sz="2000">
+                <a:latin typeface="Consolas" pitchFamily="49" charset="0"/>
+                <a:cs typeface="Consolas" pitchFamily="49" charset="0"/>
+              </a:rPr>
+              <a:t>{</a:t>
+            </a:r>
+          </a:p>
+          <a:p>
+            <a:r>
+              <a:rPr lang="en-US" altLang="ko-KR" sz="2000">
+                <a:latin typeface="Consolas" pitchFamily="49" charset="0"/>
+                <a:cs typeface="Consolas" pitchFamily="49" charset="0"/>
+              </a:rPr>
+              <a:t>    int mid = n/2;</a:t>
+            </a:r>
+          </a:p>
+          <a:p>
+            <a:r>
+              <a:rPr lang="en-US" altLang="ko-KR" sz="2000">
+                <a:latin typeface="Consolas" pitchFamily="49" charset="0"/>
+                <a:cs typeface="Consolas" pitchFamily="49" charset="0"/>
+              </a:rPr>
+              <a:t>    NODE *temp;</a:t>
+            </a:r>
+          </a:p>
+          <a:p>
+            <a:r>
+              <a:rPr lang="en-US" altLang="ko-KR" sz="2000">
+                <a:latin typeface="Consolas" pitchFamily="49" charset="0"/>
+                <a:cs typeface="Consolas" pitchFamily="49" charset="0"/>
+              </a:rPr>
+              <a:t>    if( n&lt;1 )</a:t>
+            </a:r>
+          </a:p>
+          <a:p>
+            <a:r>
+              <a:rPr lang="en-US" altLang="ko-KR" sz="2000">
+                <a:latin typeface="Consolas" pitchFamily="49" charset="0"/>
+                <a:cs typeface="Consolas" pitchFamily="49" charset="0"/>
+              </a:rPr>
+              <a:t>       return 0;</a:t>
+            </a:r>
+          </a:p>
+          <a:p>
+            <a:r>
+              <a:rPr lang="en-US" altLang="ko-KR" sz="2000">
+                <a:latin typeface="Consolas" pitchFamily="49" charset="0"/>
+                <a:cs typeface="Consolas" pitchFamily="49" charset="0"/>
+              </a:rPr>
+              <a:t>    temp=malloc(sizeof(NODE));</a:t>
+            </a:r>
+          </a:p>
+          <a:p>
+            <a:r>
+              <a:rPr lang="en-US" altLang="ko-KR" sz="2000">
+                <a:latin typeface="Consolas" pitchFamily="49" charset="0"/>
+                <a:cs typeface="Consolas" pitchFamily="49" charset="0"/>
+              </a:rPr>
+              <a:t>    temp-&gt;data = a[mid];</a:t>
+            </a:r>
+          </a:p>
+          <a:p>
+            <a:r>
+              <a:rPr lang="en-US" altLang="ko-KR" sz="2000">
+                <a:latin typeface="Consolas" pitchFamily="49" charset="0"/>
+                <a:cs typeface="Consolas" pitchFamily="49" charset="0"/>
+              </a:rPr>
+              <a:t>    temp-&gt;left = __bal(a,mid);</a:t>
+            </a:r>
+          </a:p>
+          <a:p>
+            <a:r>
+              <a:rPr lang="en-US" altLang="ko-KR" sz="2000">
+                <a:latin typeface="Consolas" pitchFamily="49" charset="0"/>
+                <a:cs typeface="Consolas" pitchFamily="49" charset="0"/>
+              </a:rPr>
+              <a:t>    temp-&gt;right = __bal(a+mid+1,n-mid-1);</a:t>
+            </a:r>
+          </a:p>
+          <a:p>
+            <a:r>
+              <a:rPr lang="en-US" altLang="ko-KR" sz="2000">
+                <a:latin typeface="Consolas" pitchFamily="49" charset="0"/>
+                <a:cs typeface="Consolas" pitchFamily="49" charset="0"/>
+              </a:rPr>
+              <a:t>    return temp;</a:t>
+            </a:r>
+          </a:p>
+          <a:p>
+            <a:r>
+              <a:rPr lang="en-US" altLang="ko-KR" sz="2000">
+                <a:latin typeface="Consolas" pitchFamily="49" charset="0"/>
+                <a:cs typeface="Consolas" pitchFamily="49" charset="0"/>
+              </a:rPr>
+              <a:t>}</a:t>
+            </a:r>
+            <a:endParaRPr lang="ko-KR" altLang="en-US" sz="2000">
+              <a:latin typeface="Consolas" pitchFamily="49" charset="0"/>
+              <a:cs typeface="Consolas" pitchFamily="49" charset="0"/>
+            </a:endParaRPr>
+          </a:p>
+        </p:txBody>
+      </p:sp>
+      <p:cxnSp>
+        <p:nvCxnSpPr>
+          <p:cNvPr id="7" name="직선 연결선 6">
+            <a:extLst>
+              <a:ext uri="{FF2B5EF4-FFF2-40B4-BE49-F238E27FC236}">
+                <a16:creationId xmlns:a16="http://schemas.microsoft.com/office/drawing/2014/main" id="{D62C5ED5-44B2-485A-9853-FA047CAA14B8}"/>
+              </a:ext>
+            </a:extLst>
+          </p:cNvPr>
+          <p:cNvCxnSpPr/>
+          <p:nvPr/>
+        </p:nvCxnSpPr>
+        <p:spPr>
+          <a:xfrm>
+            <a:off x="323528" y="116632"/>
+            <a:ext cx="0" cy="2376264"/>
+          </a:xfrm>
+          <a:prstGeom prst="line">
+            <a:avLst/>
+          </a:prstGeom>
+          <a:ln>
+            <a:solidFill>
+              <a:srgbClr val="FF0000"/>
+            </a:solidFill>
+          </a:ln>
+        </p:spPr>
+        <p:style>
+          <a:lnRef idx="1">
+            <a:schemeClr val="accent1"/>
+          </a:lnRef>
+          <a:fillRef idx="0">
+            <a:schemeClr val="accent1"/>
+          </a:fillRef>
+          <a:effectRef idx="0">
+            <a:schemeClr val="accent1"/>
+          </a:effectRef>
+          <a:fontRef idx="minor">
+            <a:schemeClr val="tx1"/>
+          </a:fontRef>
+        </p:style>
+      </p:cxnSp>
+      <p:sp>
+        <p:nvSpPr>
+          <p:cNvPr id="8" name="직사각형 7">
+            <a:extLst>
+              <a:ext uri="{FF2B5EF4-FFF2-40B4-BE49-F238E27FC236}">
+                <a16:creationId xmlns:a16="http://schemas.microsoft.com/office/drawing/2014/main" id="{92B2B67D-64B8-4E06-A29A-B3D9961A06C7}"/>
+              </a:ext>
+            </a:extLst>
+          </p:cNvPr>
+          <p:cNvSpPr/>
+          <p:nvPr/>
+        </p:nvSpPr>
+        <p:spPr>
+          <a:xfrm>
+            <a:off x="4355976" y="332656"/>
+            <a:ext cx="432048" cy="432048"/>
+          </a:xfrm>
+          <a:prstGeom prst="rect">
+            <a:avLst/>
+          </a:prstGeom>
+          <a:noFill/>
+          <a:ln w="9525">
+            <a:noFill/>
+          </a:ln>
+        </p:spPr>
+        <p:style>
+          <a:lnRef idx="2">
+            <a:schemeClr val="accent1">
+              <a:shade val="50000"/>
+            </a:schemeClr>
+          </a:lnRef>
+          <a:fillRef idx="1">
+            <a:schemeClr val="accent1"/>
+          </a:fillRef>
+          <a:effectRef idx="0">
+            <a:schemeClr val="accent1"/>
+          </a:effectRef>
+          <a:fontRef idx="minor">
+            <a:schemeClr val="lt1"/>
+          </a:fontRef>
+        </p:style>
+        <p:txBody>
+          <a:bodyPr rot="0" spcFirstLastPara="0" vertOverflow="overflow" horzOverflow="overflow" vert="horz" wrap="square" lIns="91440" tIns="45720" rIns="91440" bIns="45720" numCol="1" spcCol="0" rtlCol="0" fromWordArt="0" anchor="ctr" anchorCtr="0" forceAA="0" compatLnSpc="1">
+            <a:prstTxWarp prst="textNoShape">
+              <a:avLst/>
+            </a:prstTxWarp>
+            <a:noAutofit/>
+          </a:bodyPr>
+          <a:lstStyle/>
+          <a:p>
+            <a:pPr algn="ctr"/>
+            <a:r>
+              <a:rPr lang="en-US" altLang="ko-KR" sz="2000">
+                <a:solidFill>
+                  <a:schemeClr val="tx1"/>
+                </a:solidFill>
+                <a:latin typeface="Consolas" pitchFamily="49" charset="0"/>
+                <a:cs typeface="Consolas" pitchFamily="49" charset="0"/>
+              </a:rPr>
+              <a:t>0</a:t>
+            </a:r>
+            <a:endParaRPr lang="ko-KR" altLang="en-US" sz="2000">
+              <a:solidFill>
+                <a:schemeClr val="tx1"/>
+              </a:solidFill>
+              <a:latin typeface="Consolas" pitchFamily="49" charset="0"/>
+              <a:cs typeface="Consolas" pitchFamily="49" charset="0"/>
+            </a:endParaRPr>
+          </a:p>
+        </p:txBody>
+      </p:sp>
+      <p:sp>
+        <p:nvSpPr>
+          <p:cNvPr id="9" name="직사각형 8">
+            <a:extLst>
+              <a:ext uri="{FF2B5EF4-FFF2-40B4-BE49-F238E27FC236}">
+                <a16:creationId xmlns:a16="http://schemas.microsoft.com/office/drawing/2014/main" id="{E272F787-A36A-49DF-856C-A4784AA386CA}"/>
+              </a:ext>
+            </a:extLst>
+          </p:cNvPr>
+          <p:cNvSpPr/>
+          <p:nvPr/>
+        </p:nvSpPr>
+        <p:spPr>
+          <a:xfrm>
+            <a:off x="4788024" y="332656"/>
+            <a:ext cx="432048" cy="432048"/>
+          </a:xfrm>
+          <a:prstGeom prst="rect">
+            <a:avLst/>
+          </a:prstGeom>
+          <a:noFill/>
+          <a:ln w="9525">
+            <a:noFill/>
+          </a:ln>
+        </p:spPr>
+        <p:style>
+          <a:lnRef idx="2">
+            <a:schemeClr val="accent1">
+              <a:shade val="50000"/>
+            </a:schemeClr>
+          </a:lnRef>
+          <a:fillRef idx="1">
+            <a:schemeClr val="accent1"/>
+          </a:fillRef>
+          <a:effectRef idx="0">
+            <a:schemeClr val="accent1"/>
+          </a:effectRef>
+          <a:fontRef idx="minor">
+            <a:schemeClr val="lt1"/>
+          </a:fontRef>
+        </p:style>
+        <p:txBody>
+          <a:bodyPr rot="0" spcFirstLastPara="0" vertOverflow="overflow" horzOverflow="overflow" vert="horz" wrap="square" lIns="91440" tIns="45720" rIns="91440" bIns="45720" numCol="1" spcCol="0" rtlCol="0" fromWordArt="0" anchor="ctr" anchorCtr="0" forceAA="0" compatLnSpc="1">
+            <a:prstTxWarp prst="textNoShape">
+              <a:avLst/>
+            </a:prstTxWarp>
+            <a:noAutofit/>
+          </a:bodyPr>
+          <a:lstStyle/>
+          <a:p>
+            <a:pPr algn="ctr"/>
+            <a:r>
+              <a:rPr lang="en-US" altLang="ko-KR" sz="2000">
+                <a:solidFill>
+                  <a:schemeClr val="tx1"/>
+                </a:solidFill>
+                <a:latin typeface="Consolas" pitchFamily="49" charset="0"/>
+                <a:cs typeface="Consolas" pitchFamily="49" charset="0"/>
+              </a:rPr>
+              <a:t>1</a:t>
+            </a:r>
+            <a:endParaRPr lang="ko-KR" altLang="en-US" sz="2000">
+              <a:solidFill>
+                <a:schemeClr val="tx1"/>
+              </a:solidFill>
+              <a:latin typeface="Consolas" pitchFamily="49" charset="0"/>
+              <a:cs typeface="Consolas" pitchFamily="49" charset="0"/>
+            </a:endParaRPr>
+          </a:p>
+        </p:txBody>
+      </p:sp>
+      <p:sp>
+        <p:nvSpPr>
+          <p:cNvPr id="10" name="직사각형 9">
+            <a:extLst>
+              <a:ext uri="{FF2B5EF4-FFF2-40B4-BE49-F238E27FC236}">
+                <a16:creationId xmlns:a16="http://schemas.microsoft.com/office/drawing/2014/main" id="{5EC96F37-EFAF-42CD-9F40-1005E9712323}"/>
+              </a:ext>
+            </a:extLst>
+          </p:cNvPr>
+          <p:cNvSpPr/>
+          <p:nvPr/>
+        </p:nvSpPr>
+        <p:spPr>
+          <a:xfrm>
+            <a:off x="5220072" y="332656"/>
+            <a:ext cx="432048" cy="432048"/>
+          </a:xfrm>
+          <a:prstGeom prst="rect">
+            <a:avLst/>
+          </a:prstGeom>
+          <a:noFill/>
+          <a:ln w="9525">
+            <a:noFill/>
+          </a:ln>
+        </p:spPr>
+        <p:style>
+          <a:lnRef idx="2">
+            <a:schemeClr val="accent1">
+              <a:shade val="50000"/>
+            </a:schemeClr>
+          </a:lnRef>
+          <a:fillRef idx="1">
+            <a:schemeClr val="accent1"/>
+          </a:fillRef>
+          <a:effectRef idx="0">
+            <a:schemeClr val="accent1"/>
+          </a:effectRef>
+          <a:fontRef idx="minor">
+            <a:schemeClr val="lt1"/>
+          </a:fontRef>
+        </p:style>
+        <p:txBody>
+          <a:bodyPr rot="0" spcFirstLastPara="0" vertOverflow="overflow" horzOverflow="overflow" vert="horz" wrap="square" lIns="91440" tIns="45720" rIns="91440" bIns="45720" numCol="1" spcCol="0" rtlCol="0" fromWordArt="0" anchor="ctr" anchorCtr="0" forceAA="0" compatLnSpc="1">
+            <a:prstTxWarp prst="textNoShape">
+              <a:avLst/>
+            </a:prstTxWarp>
+            <a:noAutofit/>
+          </a:bodyPr>
+          <a:lstStyle/>
+          <a:p>
+            <a:pPr algn="ctr"/>
+            <a:r>
+              <a:rPr lang="en-US" altLang="ko-KR" sz="2000">
+                <a:solidFill>
+                  <a:schemeClr val="tx1"/>
+                </a:solidFill>
+                <a:latin typeface="Consolas" pitchFamily="49" charset="0"/>
+                <a:cs typeface="Consolas" pitchFamily="49" charset="0"/>
+              </a:rPr>
+              <a:t>2</a:t>
+            </a:r>
+            <a:endParaRPr lang="ko-KR" altLang="en-US" sz="2000">
+              <a:solidFill>
+                <a:schemeClr val="tx1"/>
+              </a:solidFill>
+              <a:latin typeface="Consolas" pitchFamily="49" charset="0"/>
+              <a:cs typeface="Consolas" pitchFamily="49" charset="0"/>
+            </a:endParaRPr>
+          </a:p>
+        </p:txBody>
+      </p:sp>
+      <p:sp>
+        <p:nvSpPr>
+          <p:cNvPr id="11" name="직사각형 10">
+            <a:extLst>
+              <a:ext uri="{FF2B5EF4-FFF2-40B4-BE49-F238E27FC236}">
+                <a16:creationId xmlns:a16="http://schemas.microsoft.com/office/drawing/2014/main" id="{D0120250-2906-440E-AFB7-B3BE2C0C103B}"/>
+              </a:ext>
+            </a:extLst>
+          </p:cNvPr>
+          <p:cNvSpPr/>
+          <p:nvPr/>
+        </p:nvSpPr>
+        <p:spPr>
+          <a:xfrm>
+            <a:off x="5652120" y="332656"/>
+            <a:ext cx="432048" cy="432048"/>
+          </a:xfrm>
+          <a:prstGeom prst="rect">
+            <a:avLst/>
+          </a:prstGeom>
+          <a:noFill/>
+          <a:ln w="9525">
+            <a:noFill/>
+          </a:ln>
+        </p:spPr>
+        <p:style>
+          <a:lnRef idx="2">
+            <a:schemeClr val="accent1">
+              <a:shade val="50000"/>
+            </a:schemeClr>
+          </a:lnRef>
+          <a:fillRef idx="1">
+            <a:schemeClr val="accent1"/>
+          </a:fillRef>
+          <a:effectRef idx="0">
+            <a:schemeClr val="accent1"/>
+          </a:effectRef>
+          <a:fontRef idx="minor">
+            <a:schemeClr val="lt1"/>
+          </a:fontRef>
+        </p:style>
+        <p:txBody>
+          <a:bodyPr rot="0" spcFirstLastPara="0" vertOverflow="overflow" horzOverflow="overflow" vert="horz" wrap="square" lIns="91440" tIns="45720" rIns="91440" bIns="45720" numCol="1" spcCol="0" rtlCol="0" fromWordArt="0" anchor="ctr" anchorCtr="0" forceAA="0" compatLnSpc="1">
+            <a:prstTxWarp prst="textNoShape">
+              <a:avLst/>
+            </a:prstTxWarp>
+            <a:noAutofit/>
+          </a:bodyPr>
+          <a:lstStyle/>
+          <a:p>
+            <a:pPr algn="ctr"/>
+            <a:r>
+              <a:rPr lang="en-US" altLang="ko-KR" sz="2000">
+                <a:solidFill>
+                  <a:schemeClr val="tx1"/>
+                </a:solidFill>
+                <a:latin typeface="Consolas" pitchFamily="49" charset="0"/>
+                <a:cs typeface="Consolas" pitchFamily="49" charset="0"/>
+              </a:rPr>
+              <a:t>3</a:t>
+            </a:r>
+            <a:endParaRPr lang="ko-KR" altLang="en-US" sz="2000">
+              <a:solidFill>
+                <a:schemeClr val="tx1"/>
+              </a:solidFill>
+              <a:latin typeface="Consolas" pitchFamily="49" charset="0"/>
+              <a:cs typeface="Consolas" pitchFamily="49" charset="0"/>
+            </a:endParaRPr>
+          </a:p>
+        </p:txBody>
+      </p:sp>
+      <p:sp>
+        <p:nvSpPr>
+          <p:cNvPr id="12" name="직사각형 11">
+            <a:extLst>
+              <a:ext uri="{FF2B5EF4-FFF2-40B4-BE49-F238E27FC236}">
+                <a16:creationId xmlns:a16="http://schemas.microsoft.com/office/drawing/2014/main" id="{5CD2F62B-A71A-46AF-822F-5EEB6EADA1E6}"/>
+              </a:ext>
+            </a:extLst>
+          </p:cNvPr>
+          <p:cNvSpPr/>
+          <p:nvPr/>
+        </p:nvSpPr>
+        <p:spPr>
+          <a:xfrm>
+            <a:off x="6084168" y="332656"/>
+            <a:ext cx="432048" cy="432048"/>
+          </a:xfrm>
+          <a:prstGeom prst="rect">
+            <a:avLst/>
+          </a:prstGeom>
+          <a:noFill/>
+          <a:ln w="9525">
+            <a:noFill/>
+          </a:ln>
+        </p:spPr>
+        <p:style>
+          <a:lnRef idx="2">
+            <a:schemeClr val="accent1">
+              <a:shade val="50000"/>
+            </a:schemeClr>
+          </a:lnRef>
+          <a:fillRef idx="1">
+            <a:schemeClr val="accent1"/>
+          </a:fillRef>
+          <a:effectRef idx="0">
+            <a:schemeClr val="accent1"/>
+          </a:effectRef>
+          <a:fontRef idx="minor">
+            <a:schemeClr val="lt1"/>
+          </a:fontRef>
+        </p:style>
+        <p:txBody>
+          <a:bodyPr rot="0" spcFirstLastPara="0" vertOverflow="overflow" horzOverflow="overflow" vert="horz" wrap="square" lIns="91440" tIns="45720" rIns="91440" bIns="45720" numCol="1" spcCol="0" rtlCol="0" fromWordArt="0" anchor="ctr" anchorCtr="0" forceAA="0" compatLnSpc="1">
+            <a:prstTxWarp prst="textNoShape">
+              <a:avLst/>
+            </a:prstTxWarp>
+            <a:noAutofit/>
+          </a:bodyPr>
+          <a:lstStyle/>
+          <a:p>
+            <a:pPr algn="ctr"/>
+            <a:r>
+              <a:rPr lang="en-US" altLang="ko-KR" sz="2000">
+                <a:solidFill>
+                  <a:schemeClr val="tx1"/>
+                </a:solidFill>
+                <a:latin typeface="Consolas" pitchFamily="49" charset="0"/>
+                <a:cs typeface="Consolas" pitchFamily="49" charset="0"/>
+              </a:rPr>
+              <a:t>4</a:t>
+            </a:r>
+            <a:endParaRPr lang="ko-KR" altLang="en-US" sz="2000">
+              <a:solidFill>
+                <a:schemeClr val="tx1"/>
+              </a:solidFill>
+              <a:latin typeface="Consolas" pitchFamily="49" charset="0"/>
+              <a:cs typeface="Consolas" pitchFamily="49" charset="0"/>
+            </a:endParaRPr>
+          </a:p>
+        </p:txBody>
+      </p:sp>
+      <p:sp>
+        <p:nvSpPr>
+          <p:cNvPr id="13" name="직사각형 12">
+            <a:extLst>
+              <a:ext uri="{FF2B5EF4-FFF2-40B4-BE49-F238E27FC236}">
+                <a16:creationId xmlns:a16="http://schemas.microsoft.com/office/drawing/2014/main" id="{D2B0DC9A-9CA2-4251-BC86-B3AA4467D0F8}"/>
+              </a:ext>
+            </a:extLst>
+          </p:cNvPr>
+          <p:cNvSpPr/>
+          <p:nvPr/>
+        </p:nvSpPr>
+        <p:spPr>
+          <a:xfrm>
+            <a:off x="6516216" y="332656"/>
+            <a:ext cx="432048" cy="432048"/>
+          </a:xfrm>
+          <a:prstGeom prst="rect">
+            <a:avLst/>
+          </a:prstGeom>
+          <a:noFill/>
+          <a:ln w="9525">
+            <a:noFill/>
+          </a:ln>
+        </p:spPr>
+        <p:style>
+          <a:lnRef idx="2">
+            <a:schemeClr val="accent1">
+              <a:shade val="50000"/>
+            </a:schemeClr>
+          </a:lnRef>
+          <a:fillRef idx="1">
+            <a:schemeClr val="accent1"/>
+          </a:fillRef>
+          <a:effectRef idx="0">
+            <a:schemeClr val="accent1"/>
+          </a:effectRef>
+          <a:fontRef idx="minor">
+            <a:schemeClr val="lt1"/>
+          </a:fontRef>
+        </p:style>
+        <p:txBody>
+          <a:bodyPr rot="0" spcFirstLastPara="0" vertOverflow="overflow" horzOverflow="overflow" vert="horz" wrap="square" lIns="91440" tIns="45720" rIns="91440" bIns="45720" numCol="1" spcCol="0" rtlCol="0" fromWordArt="0" anchor="ctr" anchorCtr="0" forceAA="0" compatLnSpc="1">
+            <a:prstTxWarp prst="textNoShape">
+              <a:avLst/>
+            </a:prstTxWarp>
+            <a:noAutofit/>
+          </a:bodyPr>
+          <a:lstStyle/>
+          <a:p>
+            <a:pPr algn="ctr"/>
+            <a:r>
+              <a:rPr lang="en-US" altLang="ko-KR" sz="2000">
+                <a:solidFill>
+                  <a:schemeClr val="tx1"/>
+                </a:solidFill>
+                <a:latin typeface="Consolas" pitchFamily="49" charset="0"/>
+                <a:cs typeface="Consolas" pitchFamily="49" charset="0"/>
+              </a:rPr>
+              <a:t>5</a:t>
+            </a:r>
+            <a:endParaRPr lang="ko-KR" altLang="en-US" sz="2000">
+              <a:solidFill>
+                <a:schemeClr val="tx1"/>
+              </a:solidFill>
+              <a:latin typeface="Consolas" pitchFamily="49" charset="0"/>
+              <a:cs typeface="Consolas" pitchFamily="49" charset="0"/>
+            </a:endParaRPr>
+          </a:p>
+        </p:txBody>
+      </p:sp>
+      <p:sp>
+        <p:nvSpPr>
+          <p:cNvPr id="14" name="직사각형 13">
+            <a:extLst>
+              <a:ext uri="{FF2B5EF4-FFF2-40B4-BE49-F238E27FC236}">
+                <a16:creationId xmlns:a16="http://schemas.microsoft.com/office/drawing/2014/main" id="{42274368-B6E1-4A33-AC8C-795009019856}"/>
+              </a:ext>
+            </a:extLst>
+          </p:cNvPr>
+          <p:cNvSpPr/>
+          <p:nvPr/>
+        </p:nvSpPr>
+        <p:spPr>
+          <a:xfrm>
+            <a:off x="6948264" y="332656"/>
+            <a:ext cx="432048" cy="432048"/>
+          </a:xfrm>
+          <a:prstGeom prst="rect">
+            <a:avLst/>
+          </a:prstGeom>
+          <a:noFill/>
+          <a:ln w="9525">
+            <a:noFill/>
+          </a:ln>
+        </p:spPr>
+        <p:style>
+          <a:lnRef idx="2">
+            <a:schemeClr val="accent1">
+              <a:shade val="50000"/>
+            </a:schemeClr>
+          </a:lnRef>
+          <a:fillRef idx="1">
+            <a:schemeClr val="accent1"/>
+          </a:fillRef>
+          <a:effectRef idx="0">
+            <a:schemeClr val="accent1"/>
+          </a:effectRef>
+          <a:fontRef idx="minor">
+            <a:schemeClr val="lt1"/>
+          </a:fontRef>
+        </p:style>
+        <p:txBody>
+          <a:bodyPr rot="0" spcFirstLastPara="0" vertOverflow="overflow" horzOverflow="overflow" vert="horz" wrap="square" lIns="91440" tIns="45720" rIns="91440" bIns="45720" numCol="1" spcCol="0" rtlCol="0" fromWordArt="0" anchor="ctr" anchorCtr="0" forceAA="0" compatLnSpc="1">
+            <a:prstTxWarp prst="textNoShape">
+              <a:avLst/>
+            </a:prstTxWarp>
+            <a:noAutofit/>
+          </a:bodyPr>
+          <a:lstStyle/>
+          <a:p>
+            <a:pPr algn="ctr"/>
+            <a:r>
+              <a:rPr lang="en-US" altLang="ko-KR" sz="2000">
+                <a:solidFill>
+                  <a:schemeClr val="tx1"/>
+                </a:solidFill>
+                <a:latin typeface="Consolas" pitchFamily="49" charset="0"/>
+                <a:cs typeface="Consolas" pitchFamily="49" charset="0"/>
+              </a:rPr>
+              <a:t>6</a:t>
+            </a:r>
+            <a:endParaRPr lang="ko-KR" altLang="en-US" sz="2000">
+              <a:solidFill>
+                <a:schemeClr val="tx1"/>
+              </a:solidFill>
+              <a:latin typeface="Consolas" pitchFamily="49" charset="0"/>
+              <a:cs typeface="Consolas" pitchFamily="49" charset="0"/>
+            </a:endParaRPr>
+          </a:p>
+        </p:txBody>
+      </p:sp>
+      <p:sp>
+        <p:nvSpPr>
+          <p:cNvPr id="16" name="직사각형 15">
+            <a:extLst>
+              <a:ext uri="{FF2B5EF4-FFF2-40B4-BE49-F238E27FC236}">
+                <a16:creationId xmlns:a16="http://schemas.microsoft.com/office/drawing/2014/main" id="{160C941B-CACA-422E-8601-B5F727EA578F}"/>
+              </a:ext>
+            </a:extLst>
+          </p:cNvPr>
+          <p:cNvSpPr/>
+          <p:nvPr/>
+        </p:nvSpPr>
+        <p:spPr>
+          <a:xfrm>
+            <a:off x="4355976" y="764704"/>
+            <a:ext cx="432048" cy="432048"/>
+          </a:xfrm>
+          <a:prstGeom prst="rect">
+            <a:avLst/>
+          </a:prstGeom>
+          <a:solidFill>
+            <a:srgbClr val="FFFF00"/>
+          </a:solidFill>
+          <a:ln w="9525"/>
+        </p:spPr>
+        <p:style>
+          <a:lnRef idx="2">
+            <a:schemeClr val="accent1">
+              <a:shade val="50000"/>
+            </a:schemeClr>
+          </a:lnRef>
+          <a:fillRef idx="1">
+            <a:schemeClr val="accent1"/>
+          </a:fillRef>
+          <a:effectRef idx="0">
+            <a:schemeClr val="accent1"/>
+          </a:effectRef>
+          <a:fontRef idx="minor">
+            <a:schemeClr val="lt1"/>
+          </a:fontRef>
+        </p:style>
+        <p:txBody>
+          <a:bodyPr rot="0" spcFirstLastPara="0" vertOverflow="overflow" horzOverflow="overflow" vert="horz" wrap="square" lIns="91440" tIns="45720" rIns="91440" bIns="45720" numCol="1" spcCol="0" rtlCol="0" fromWordArt="0" anchor="ctr" anchorCtr="0" forceAA="0" compatLnSpc="1">
+            <a:prstTxWarp prst="textNoShape">
+              <a:avLst/>
+            </a:prstTxWarp>
+            <a:noAutofit/>
+          </a:bodyPr>
+          <a:lstStyle/>
+          <a:p>
+            <a:pPr algn="ctr"/>
+            <a:r>
+              <a:rPr lang="en-US" altLang="ko-KR" sz="2000">
+                <a:solidFill>
+                  <a:schemeClr val="tx1"/>
+                </a:solidFill>
+                <a:latin typeface="Consolas" pitchFamily="49" charset="0"/>
+                <a:cs typeface="Consolas" pitchFamily="49" charset="0"/>
+              </a:rPr>
+              <a:t>1</a:t>
+            </a:r>
+            <a:endParaRPr lang="ko-KR" altLang="en-US" sz="2000">
+              <a:solidFill>
+                <a:schemeClr val="tx1"/>
+              </a:solidFill>
+              <a:latin typeface="Consolas" pitchFamily="49" charset="0"/>
+              <a:cs typeface="Consolas" pitchFamily="49" charset="0"/>
+            </a:endParaRPr>
+          </a:p>
+        </p:txBody>
+      </p:sp>
+      <p:sp>
+        <p:nvSpPr>
+          <p:cNvPr id="17" name="직사각형 16">
+            <a:extLst>
+              <a:ext uri="{FF2B5EF4-FFF2-40B4-BE49-F238E27FC236}">
+                <a16:creationId xmlns:a16="http://schemas.microsoft.com/office/drawing/2014/main" id="{27A133B5-81D1-4BA2-AC95-D8FA9E93C464}"/>
+              </a:ext>
+            </a:extLst>
+          </p:cNvPr>
+          <p:cNvSpPr/>
+          <p:nvPr/>
+        </p:nvSpPr>
+        <p:spPr>
+          <a:xfrm>
+            <a:off x="4788024" y="764704"/>
+            <a:ext cx="432048" cy="432048"/>
+          </a:xfrm>
+          <a:prstGeom prst="rect">
+            <a:avLst/>
+          </a:prstGeom>
+          <a:solidFill>
+            <a:srgbClr val="FFFF00"/>
+          </a:solidFill>
+          <a:ln w="9525"/>
+        </p:spPr>
+        <p:style>
+          <a:lnRef idx="2">
+            <a:schemeClr val="accent1">
+              <a:shade val="50000"/>
+            </a:schemeClr>
+          </a:lnRef>
+          <a:fillRef idx="1">
+            <a:schemeClr val="accent1"/>
+          </a:fillRef>
+          <a:effectRef idx="0">
+            <a:schemeClr val="accent1"/>
+          </a:effectRef>
+          <a:fontRef idx="minor">
+            <a:schemeClr val="lt1"/>
+          </a:fontRef>
+        </p:style>
+        <p:txBody>
+          <a:bodyPr rot="0" spcFirstLastPara="0" vertOverflow="overflow" horzOverflow="overflow" vert="horz" wrap="square" lIns="91440" tIns="45720" rIns="91440" bIns="45720" numCol="1" spcCol="0" rtlCol="0" fromWordArt="0" anchor="ctr" anchorCtr="0" forceAA="0" compatLnSpc="1">
+            <a:prstTxWarp prst="textNoShape">
+              <a:avLst/>
+            </a:prstTxWarp>
+            <a:noAutofit/>
+          </a:bodyPr>
+          <a:lstStyle/>
+          <a:p>
+            <a:pPr algn="ctr"/>
+            <a:r>
+              <a:rPr lang="en-US" altLang="ko-KR" sz="2000">
+                <a:solidFill>
+                  <a:schemeClr val="tx1"/>
+                </a:solidFill>
+                <a:latin typeface="Consolas" pitchFamily="49" charset="0"/>
+                <a:cs typeface="Consolas" pitchFamily="49" charset="0"/>
+              </a:rPr>
+              <a:t>2</a:t>
+            </a:r>
+            <a:endParaRPr lang="ko-KR" altLang="en-US" sz="2000">
+              <a:solidFill>
+                <a:schemeClr val="tx1"/>
+              </a:solidFill>
+              <a:latin typeface="Consolas" pitchFamily="49" charset="0"/>
+              <a:cs typeface="Consolas" pitchFamily="49" charset="0"/>
+            </a:endParaRPr>
+          </a:p>
+        </p:txBody>
+      </p:sp>
+      <p:sp>
+        <p:nvSpPr>
+          <p:cNvPr id="18" name="직사각형 17">
+            <a:extLst>
+              <a:ext uri="{FF2B5EF4-FFF2-40B4-BE49-F238E27FC236}">
+                <a16:creationId xmlns:a16="http://schemas.microsoft.com/office/drawing/2014/main" id="{C1716062-87EF-4796-97EC-E8471F51E82E}"/>
+              </a:ext>
+            </a:extLst>
+          </p:cNvPr>
+          <p:cNvSpPr/>
+          <p:nvPr/>
+        </p:nvSpPr>
+        <p:spPr>
+          <a:xfrm>
+            <a:off x="5220072" y="764704"/>
+            <a:ext cx="432048" cy="432048"/>
+          </a:xfrm>
+          <a:prstGeom prst="rect">
+            <a:avLst/>
+          </a:prstGeom>
+          <a:solidFill>
+            <a:srgbClr val="FFFF00"/>
+          </a:solidFill>
+          <a:ln w="9525"/>
+        </p:spPr>
+        <p:style>
+          <a:lnRef idx="2">
+            <a:schemeClr val="accent1">
+              <a:shade val="50000"/>
+            </a:schemeClr>
+          </a:lnRef>
+          <a:fillRef idx="1">
+            <a:schemeClr val="accent1"/>
+          </a:fillRef>
+          <a:effectRef idx="0">
+            <a:schemeClr val="accent1"/>
+          </a:effectRef>
+          <a:fontRef idx="minor">
+            <a:schemeClr val="lt1"/>
+          </a:fontRef>
+        </p:style>
+        <p:txBody>
+          <a:bodyPr rot="0" spcFirstLastPara="0" vertOverflow="overflow" horzOverflow="overflow" vert="horz" wrap="square" lIns="91440" tIns="45720" rIns="91440" bIns="45720" numCol="1" spcCol="0" rtlCol="0" fromWordArt="0" anchor="ctr" anchorCtr="0" forceAA="0" compatLnSpc="1">
+            <a:prstTxWarp prst="textNoShape">
+              <a:avLst/>
+            </a:prstTxWarp>
+            <a:noAutofit/>
+          </a:bodyPr>
+          <a:lstStyle/>
+          <a:p>
+            <a:pPr algn="ctr"/>
+            <a:r>
+              <a:rPr lang="en-US" altLang="ko-KR" sz="2000">
+                <a:solidFill>
+                  <a:schemeClr val="tx1"/>
+                </a:solidFill>
+                <a:latin typeface="Consolas" pitchFamily="49" charset="0"/>
+                <a:cs typeface="Consolas" pitchFamily="49" charset="0"/>
+              </a:rPr>
+              <a:t>3</a:t>
+            </a:r>
+            <a:endParaRPr lang="ko-KR" altLang="en-US" sz="2000">
+              <a:solidFill>
+                <a:schemeClr val="tx1"/>
+              </a:solidFill>
+              <a:latin typeface="Consolas" pitchFamily="49" charset="0"/>
+              <a:cs typeface="Consolas" pitchFamily="49" charset="0"/>
+            </a:endParaRPr>
+          </a:p>
+        </p:txBody>
+      </p:sp>
+      <p:sp>
+        <p:nvSpPr>
+          <p:cNvPr id="19" name="직사각형 18">
+            <a:extLst>
+              <a:ext uri="{FF2B5EF4-FFF2-40B4-BE49-F238E27FC236}">
+                <a16:creationId xmlns:a16="http://schemas.microsoft.com/office/drawing/2014/main" id="{11481E74-D49A-41A8-AF60-0CE0C39BA999}"/>
+              </a:ext>
+            </a:extLst>
+          </p:cNvPr>
+          <p:cNvSpPr/>
+          <p:nvPr/>
+        </p:nvSpPr>
+        <p:spPr>
+          <a:xfrm>
+            <a:off x="5652120" y="764704"/>
+            <a:ext cx="432048" cy="432048"/>
+          </a:xfrm>
+          <a:prstGeom prst="rect">
+            <a:avLst/>
+          </a:prstGeom>
+          <a:solidFill>
+            <a:srgbClr val="FFC000"/>
+          </a:solidFill>
+          <a:ln w="9525"/>
+        </p:spPr>
+        <p:style>
+          <a:lnRef idx="2">
+            <a:schemeClr val="accent1">
+              <a:shade val="50000"/>
+            </a:schemeClr>
+          </a:lnRef>
+          <a:fillRef idx="1">
+            <a:schemeClr val="accent1"/>
+          </a:fillRef>
+          <a:effectRef idx="0">
+            <a:schemeClr val="accent1"/>
+          </a:effectRef>
+          <a:fontRef idx="minor">
+            <a:schemeClr val="lt1"/>
+          </a:fontRef>
+        </p:style>
+        <p:txBody>
+          <a:bodyPr rot="0" spcFirstLastPara="0" vertOverflow="overflow" horzOverflow="overflow" vert="horz" wrap="square" lIns="91440" tIns="45720" rIns="91440" bIns="45720" numCol="1" spcCol="0" rtlCol="0" fromWordArt="0" anchor="ctr" anchorCtr="0" forceAA="0" compatLnSpc="1">
+            <a:prstTxWarp prst="textNoShape">
+              <a:avLst/>
+            </a:prstTxWarp>
+            <a:noAutofit/>
+          </a:bodyPr>
+          <a:lstStyle/>
+          <a:p>
+            <a:pPr algn="ctr"/>
+            <a:r>
+              <a:rPr lang="en-US" altLang="ko-KR" sz="2000">
+                <a:solidFill>
+                  <a:schemeClr val="tx1"/>
+                </a:solidFill>
+                <a:latin typeface="Consolas" pitchFamily="49" charset="0"/>
+                <a:cs typeface="Consolas" pitchFamily="49" charset="0"/>
+              </a:rPr>
+              <a:t>4</a:t>
+            </a:r>
+            <a:endParaRPr lang="ko-KR" altLang="en-US" sz="2000">
+              <a:solidFill>
+                <a:schemeClr val="tx1"/>
+              </a:solidFill>
+              <a:latin typeface="Consolas" pitchFamily="49" charset="0"/>
+              <a:cs typeface="Consolas" pitchFamily="49" charset="0"/>
+            </a:endParaRPr>
+          </a:p>
+        </p:txBody>
+      </p:sp>
+      <p:sp>
+        <p:nvSpPr>
+          <p:cNvPr id="20" name="직사각형 19">
+            <a:extLst>
+              <a:ext uri="{FF2B5EF4-FFF2-40B4-BE49-F238E27FC236}">
+                <a16:creationId xmlns:a16="http://schemas.microsoft.com/office/drawing/2014/main" id="{0A0F846B-7718-4BEB-9C6A-405B72C7D873}"/>
+              </a:ext>
+            </a:extLst>
+          </p:cNvPr>
+          <p:cNvSpPr/>
+          <p:nvPr/>
+        </p:nvSpPr>
+        <p:spPr>
+          <a:xfrm>
+            <a:off x="6084168" y="764704"/>
+            <a:ext cx="432048" cy="432048"/>
+          </a:xfrm>
+          <a:prstGeom prst="rect">
+            <a:avLst/>
+          </a:prstGeom>
+          <a:solidFill>
+            <a:srgbClr val="FFFF00"/>
+          </a:solidFill>
+          <a:ln w="9525"/>
+        </p:spPr>
+        <p:style>
+          <a:lnRef idx="2">
+            <a:schemeClr val="accent1">
+              <a:shade val="50000"/>
+            </a:schemeClr>
+          </a:lnRef>
+          <a:fillRef idx="1">
+            <a:schemeClr val="accent1"/>
+          </a:fillRef>
+          <a:effectRef idx="0">
+            <a:schemeClr val="accent1"/>
+          </a:effectRef>
+          <a:fontRef idx="minor">
+            <a:schemeClr val="lt1"/>
+          </a:fontRef>
+        </p:style>
+        <p:txBody>
+          <a:bodyPr rot="0" spcFirstLastPara="0" vertOverflow="overflow" horzOverflow="overflow" vert="horz" wrap="square" lIns="91440" tIns="45720" rIns="91440" bIns="45720" numCol="1" spcCol="0" rtlCol="0" fromWordArt="0" anchor="ctr" anchorCtr="0" forceAA="0" compatLnSpc="1">
+            <a:prstTxWarp prst="textNoShape">
+              <a:avLst/>
+            </a:prstTxWarp>
+            <a:noAutofit/>
+          </a:bodyPr>
+          <a:lstStyle/>
+          <a:p>
+            <a:pPr algn="ctr"/>
+            <a:r>
+              <a:rPr lang="en-US" altLang="ko-KR" sz="2000">
+                <a:solidFill>
+                  <a:schemeClr val="tx1"/>
+                </a:solidFill>
+                <a:latin typeface="Consolas" pitchFamily="49" charset="0"/>
+                <a:cs typeface="Consolas" pitchFamily="49" charset="0"/>
+              </a:rPr>
+              <a:t>5</a:t>
+            </a:r>
+            <a:endParaRPr lang="ko-KR" altLang="en-US" sz="2000">
+              <a:solidFill>
+                <a:schemeClr val="tx1"/>
+              </a:solidFill>
+              <a:latin typeface="Consolas" pitchFamily="49" charset="0"/>
+              <a:cs typeface="Consolas" pitchFamily="49" charset="0"/>
+            </a:endParaRPr>
+          </a:p>
+        </p:txBody>
+      </p:sp>
+      <p:sp>
+        <p:nvSpPr>
+          <p:cNvPr id="21" name="직사각형 20">
+            <a:extLst>
+              <a:ext uri="{FF2B5EF4-FFF2-40B4-BE49-F238E27FC236}">
+                <a16:creationId xmlns:a16="http://schemas.microsoft.com/office/drawing/2014/main" id="{A9568304-84DA-4F5A-9A2C-B6BC0ACE9854}"/>
+              </a:ext>
+            </a:extLst>
+          </p:cNvPr>
+          <p:cNvSpPr/>
+          <p:nvPr/>
+        </p:nvSpPr>
+        <p:spPr>
+          <a:xfrm>
+            <a:off x="6516216" y="764704"/>
+            <a:ext cx="432048" cy="432048"/>
+          </a:xfrm>
+          <a:prstGeom prst="rect">
+            <a:avLst/>
+          </a:prstGeom>
+          <a:solidFill>
+            <a:srgbClr val="FFFF00"/>
+          </a:solidFill>
+          <a:ln w="9525"/>
+        </p:spPr>
+        <p:style>
+          <a:lnRef idx="2">
+            <a:schemeClr val="accent1">
+              <a:shade val="50000"/>
+            </a:schemeClr>
+          </a:lnRef>
+          <a:fillRef idx="1">
+            <a:schemeClr val="accent1"/>
+          </a:fillRef>
+          <a:effectRef idx="0">
+            <a:schemeClr val="accent1"/>
+          </a:effectRef>
+          <a:fontRef idx="minor">
+            <a:schemeClr val="lt1"/>
+          </a:fontRef>
+        </p:style>
+        <p:txBody>
+          <a:bodyPr rot="0" spcFirstLastPara="0" vertOverflow="overflow" horzOverflow="overflow" vert="horz" wrap="square" lIns="91440" tIns="45720" rIns="91440" bIns="45720" numCol="1" spcCol="0" rtlCol="0" fromWordArt="0" anchor="ctr" anchorCtr="0" forceAA="0" compatLnSpc="1">
+            <a:prstTxWarp prst="textNoShape">
+              <a:avLst/>
+            </a:prstTxWarp>
+            <a:noAutofit/>
+          </a:bodyPr>
+          <a:lstStyle/>
+          <a:p>
+            <a:pPr algn="ctr"/>
+            <a:r>
+              <a:rPr lang="en-US" altLang="ko-KR" sz="2000">
+                <a:solidFill>
+                  <a:schemeClr val="tx1"/>
+                </a:solidFill>
+                <a:latin typeface="Consolas" pitchFamily="49" charset="0"/>
+                <a:cs typeface="Consolas" pitchFamily="49" charset="0"/>
+              </a:rPr>
+              <a:t>6</a:t>
+            </a:r>
+            <a:endParaRPr lang="ko-KR" altLang="en-US" sz="2000">
+              <a:solidFill>
+                <a:schemeClr val="tx1"/>
+              </a:solidFill>
+              <a:latin typeface="Consolas" pitchFamily="49" charset="0"/>
+              <a:cs typeface="Consolas" pitchFamily="49" charset="0"/>
+            </a:endParaRPr>
+          </a:p>
+        </p:txBody>
+      </p:sp>
+      <p:sp>
+        <p:nvSpPr>
+          <p:cNvPr id="22" name="직사각형 21">
+            <a:extLst>
+              <a:ext uri="{FF2B5EF4-FFF2-40B4-BE49-F238E27FC236}">
+                <a16:creationId xmlns:a16="http://schemas.microsoft.com/office/drawing/2014/main" id="{59393B49-2CD0-4E3D-A145-86018B300BB8}"/>
+              </a:ext>
+            </a:extLst>
+          </p:cNvPr>
+          <p:cNvSpPr/>
+          <p:nvPr/>
+        </p:nvSpPr>
+        <p:spPr>
+          <a:xfrm>
+            <a:off x="6948264" y="764704"/>
+            <a:ext cx="432048" cy="432048"/>
+          </a:xfrm>
+          <a:prstGeom prst="rect">
+            <a:avLst/>
+          </a:prstGeom>
+          <a:solidFill>
+            <a:srgbClr val="FFFF00"/>
+          </a:solidFill>
+          <a:ln w="9525"/>
+        </p:spPr>
+        <p:style>
+          <a:lnRef idx="2">
+            <a:schemeClr val="accent1">
+              <a:shade val="50000"/>
+            </a:schemeClr>
+          </a:lnRef>
+          <a:fillRef idx="1">
+            <a:schemeClr val="accent1"/>
+          </a:fillRef>
+          <a:effectRef idx="0">
+            <a:schemeClr val="accent1"/>
+          </a:effectRef>
+          <a:fontRef idx="minor">
+            <a:schemeClr val="lt1"/>
+          </a:fontRef>
+        </p:style>
+        <p:txBody>
+          <a:bodyPr rot="0" spcFirstLastPara="0" vertOverflow="overflow" horzOverflow="overflow" vert="horz" wrap="square" lIns="91440" tIns="45720" rIns="91440" bIns="45720" numCol="1" spcCol="0" rtlCol="0" fromWordArt="0" anchor="ctr" anchorCtr="0" forceAA="0" compatLnSpc="1">
+            <a:prstTxWarp prst="textNoShape">
+              <a:avLst/>
+            </a:prstTxWarp>
+            <a:noAutofit/>
+          </a:bodyPr>
+          <a:lstStyle/>
+          <a:p>
+            <a:pPr algn="ctr"/>
+            <a:r>
+              <a:rPr lang="en-US" altLang="ko-KR" sz="2000">
+                <a:solidFill>
+                  <a:schemeClr val="tx1"/>
+                </a:solidFill>
+                <a:latin typeface="Consolas" pitchFamily="49" charset="0"/>
+                <a:cs typeface="Consolas" pitchFamily="49" charset="0"/>
+              </a:rPr>
+              <a:t>7</a:t>
+            </a:r>
+            <a:endParaRPr lang="ko-KR" altLang="en-US" sz="2000">
+              <a:solidFill>
+                <a:schemeClr val="tx1"/>
+              </a:solidFill>
+              <a:latin typeface="Consolas" pitchFamily="49" charset="0"/>
+              <a:cs typeface="Consolas" pitchFamily="49" charset="0"/>
+            </a:endParaRPr>
+          </a:p>
+        </p:txBody>
+      </p:sp>
+      <p:sp>
+        <p:nvSpPr>
+          <p:cNvPr id="26" name="TextBox 25">
+            <a:extLst>
+              <a:ext uri="{FF2B5EF4-FFF2-40B4-BE49-F238E27FC236}">
+                <a16:creationId xmlns:a16="http://schemas.microsoft.com/office/drawing/2014/main" id="{D8FBA458-76D7-4229-8B24-DCD92142A7FC}"/>
+              </a:ext>
+            </a:extLst>
+          </p:cNvPr>
+          <p:cNvSpPr txBox="1"/>
+          <p:nvPr/>
+        </p:nvSpPr>
+        <p:spPr>
+          <a:xfrm>
+            <a:off x="4005089" y="764704"/>
+            <a:ext cx="325730" cy="400110"/>
+          </a:xfrm>
+          <a:prstGeom prst="rect">
+            <a:avLst/>
+          </a:prstGeom>
+          <a:noFill/>
+        </p:spPr>
+        <p:txBody>
+          <a:bodyPr wrap="none" rtlCol="0">
+            <a:spAutoFit/>
+          </a:bodyPr>
+          <a:lstStyle/>
+          <a:p>
+            <a:r>
+              <a:rPr lang="en-US" altLang="ko-KR" sz="2000">
+                <a:latin typeface="Consolas" pitchFamily="49" charset="0"/>
+                <a:cs typeface="Consolas" pitchFamily="49" charset="0"/>
+              </a:rPr>
+              <a:t>a</a:t>
+            </a:r>
+            <a:endParaRPr lang="ko-KR" altLang="en-US" sz="2000">
+              <a:latin typeface="Consolas" pitchFamily="49" charset="0"/>
+              <a:cs typeface="Consolas" pitchFamily="49" charset="0"/>
+            </a:endParaRPr>
+          </a:p>
+        </p:txBody>
+      </p:sp>
+      <p:sp>
+        <p:nvSpPr>
+          <p:cNvPr id="23" name="직사각형 22">
+            <a:extLst>
+              <a:ext uri="{FF2B5EF4-FFF2-40B4-BE49-F238E27FC236}">
+                <a16:creationId xmlns:a16="http://schemas.microsoft.com/office/drawing/2014/main" id="{AAFA5E6B-40DA-4352-8B1E-DDDEC54EB7B2}"/>
+              </a:ext>
+            </a:extLst>
+          </p:cNvPr>
+          <p:cNvSpPr/>
+          <p:nvPr/>
+        </p:nvSpPr>
+        <p:spPr>
+          <a:xfrm>
+            <a:off x="1403648" y="3429000"/>
+            <a:ext cx="864096" cy="288032"/>
+          </a:xfrm>
+          <a:prstGeom prst="rect">
+            <a:avLst/>
+          </a:prstGeom>
+          <a:solidFill>
+            <a:srgbClr val="FFC000"/>
+          </a:solidFill>
+          <a:ln w="9525"/>
+        </p:spPr>
+        <p:style>
+          <a:lnRef idx="2">
+            <a:schemeClr val="accent1">
+              <a:shade val="50000"/>
+            </a:schemeClr>
+          </a:lnRef>
+          <a:fillRef idx="1">
+            <a:schemeClr val="accent1"/>
+          </a:fillRef>
+          <a:effectRef idx="0">
+            <a:schemeClr val="accent1"/>
+          </a:effectRef>
+          <a:fontRef idx="minor">
+            <a:schemeClr val="lt1"/>
+          </a:fontRef>
+        </p:style>
+        <p:txBody>
+          <a:bodyPr rot="0" spcFirstLastPara="0" vertOverflow="overflow" horzOverflow="overflow" vert="horz" wrap="square" lIns="91440" tIns="45720" rIns="91440" bIns="45720" numCol="1" spcCol="0" rtlCol="0" fromWordArt="0" anchor="ctr" anchorCtr="0" forceAA="0" compatLnSpc="1">
+            <a:prstTxWarp prst="textNoShape">
+              <a:avLst/>
+            </a:prstTxWarp>
+            <a:noAutofit/>
+          </a:bodyPr>
+          <a:lstStyle/>
+          <a:p>
+            <a:pPr algn="ctr"/>
+            <a:r>
+              <a:rPr lang="en-US" altLang="ko-KR" sz="2000">
+                <a:solidFill>
+                  <a:schemeClr val="tx1"/>
+                </a:solidFill>
+                <a:latin typeface="Consolas" pitchFamily="49" charset="0"/>
+                <a:cs typeface="Consolas" pitchFamily="49" charset="0"/>
+              </a:rPr>
+              <a:t>4</a:t>
+            </a:r>
+            <a:endParaRPr lang="ko-KR" altLang="en-US" sz="2000">
+              <a:solidFill>
+                <a:schemeClr val="tx1"/>
+              </a:solidFill>
+              <a:latin typeface="Consolas" pitchFamily="49" charset="0"/>
+              <a:cs typeface="Consolas" pitchFamily="49" charset="0"/>
+            </a:endParaRPr>
+          </a:p>
+        </p:txBody>
+      </p:sp>
+      <p:sp>
+        <p:nvSpPr>
+          <p:cNvPr id="24" name="직사각형 23">
+            <a:extLst>
+              <a:ext uri="{FF2B5EF4-FFF2-40B4-BE49-F238E27FC236}">
+                <a16:creationId xmlns:a16="http://schemas.microsoft.com/office/drawing/2014/main" id="{E926DB71-7ACC-4521-BF9A-0257F977F316}"/>
+              </a:ext>
+            </a:extLst>
+          </p:cNvPr>
+          <p:cNvSpPr/>
+          <p:nvPr/>
+        </p:nvSpPr>
+        <p:spPr>
+          <a:xfrm>
+            <a:off x="1403648" y="3717032"/>
+            <a:ext cx="864096" cy="288032"/>
+          </a:xfrm>
+          <a:prstGeom prst="rect">
+            <a:avLst/>
+          </a:prstGeom>
+          <a:solidFill>
+            <a:srgbClr val="FFFF00"/>
+          </a:solidFill>
+          <a:ln w="9525"/>
+        </p:spPr>
+        <p:style>
+          <a:lnRef idx="2">
+            <a:schemeClr val="accent1">
+              <a:shade val="50000"/>
+            </a:schemeClr>
+          </a:lnRef>
+          <a:fillRef idx="1">
+            <a:schemeClr val="accent1"/>
+          </a:fillRef>
+          <a:effectRef idx="0">
+            <a:schemeClr val="accent1"/>
+          </a:effectRef>
+          <a:fontRef idx="minor">
+            <a:schemeClr val="lt1"/>
+          </a:fontRef>
+        </p:style>
+        <p:txBody>
+          <a:bodyPr rot="0" spcFirstLastPara="0" vertOverflow="overflow" horzOverflow="overflow" vert="horz" wrap="square" lIns="91440" tIns="45720" rIns="91440" bIns="45720" numCol="1" spcCol="0" rtlCol="0" fromWordArt="0" anchor="ctr" anchorCtr="0" forceAA="0" compatLnSpc="1">
+            <a:prstTxWarp prst="textNoShape">
+              <a:avLst/>
+            </a:prstTxWarp>
+            <a:noAutofit/>
+          </a:bodyPr>
+          <a:lstStyle/>
+          <a:p>
+            <a:pPr algn="ctr"/>
+            <a:endParaRPr lang="ko-KR" altLang="en-US" sz="2000">
+              <a:solidFill>
+                <a:schemeClr val="tx1"/>
+              </a:solidFill>
+              <a:latin typeface="Consolas" pitchFamily="49" charset="0"/>
+              <a:cs typeface="Consolas" pitchFamily="49" charset="0"/>
+            </a:endParaRPr>
+          </a:p>
+        </p:txBody>
+      </p:sp>
+      <p:sp>
+        <p:nvSpPr>
+          <p:cNvPr id="25" name="직사각형 24">
+            <a:extLst>
+              <a:ext uri="{FF2B5EF4-FFF2-40B4-BE49-F238E27FC236}">
+                <a16:creationId xmlns:a16="http://schemas.microsoft.com/office/drawing/2014/main" id="{6CCD26D1-4B4C-4BD0-B4CC-28BB90396134}"/>
+              </a:ext>
+            </a:extLst>
+          </p:cNvPr>
+          <p:cNvSpPr/>
+          <p:nvPr/>
+        </p:nvSpPr>
+        <p:spPr>
+          <a:xfrm>
+            <a:off x="1403648" y="4005064"/>
+            <a:ext cx="864096" cy="288032"/>
+          </a:xfrm>
+          <a:prstGeom prst="rect">
+            <a:avLst/>
+          </a:prstGeom>
+          <a:solidFill>
+            <a:srgbClr val="FFFF00"/>
+          </a:solidFill>
+          <a:ln w="9525"/>
+        </p:spPr>
+        <p:style>
+          <a:lnRef idx="2">
+            <a:schemeClr val="accent1">
+              <a:shade val="50000"/>
+            </a:schemeClr>
+          </a:lnRef>
+          <a:fillRef idx="1">
+            <a:schemeClr val="accent1"/>
+          </a:fillRef>
+          <a:effectRef idx="0">
+            <a:schemeClr val="accent1"/>
+          </a:effectRef>
+          <a:fontRef idx="minor">
+            <a:schemeClr val="lt1"/>
+          </a:fontRef>
+        </p:style>
+        <p:txBody>
+          <a:bodyPr rot="0" spcFirstLastPara="0" vertOverflow="overflow" horzOverflow="overflow" vert="horz" wrap="square" lIns="91440" tIns="45720" rIns="91440" bIns="45720" numCol="1" spcCol="0" rtlCol="0" fromWordArt="0" anchor="ctr" anchorCtr="0" forceAA="0" compatLnSpc="1">
+            <a:prstTxWarp prst="textNoShape">
+              <a:avLst/>
+            </a:prstTxWarp>
+            <a:noAutofit/>
+          </a:bodyPr>
+          <a:lstStyle/>
+          <a:p>
+            <a:pPr algn="ctr"/>
+            <a:endParaRPr lang="ko-KR" altLang="en-US" sz="2000">
+              <a:solidFill>
+                <a:schemeClr val="tx1"/>
+              </a:solidFill>
+              <a:latin typeface="Consolas" pitchFamily="49" charset="0"/>
+              <a:cs typeface="Consolas" pitchFamily="49" charset="0"/>
+            </a:endParaRPr>
+          </a:p>
+        </p:txBody>
+      </p:sp>
+      <p:sp>
+        <p:nvSpPr>
+          <p:cNvPr id="27" name="TextBox 26">
+            <a:extLst>
+              <a:ext uri="{FF2B5EF4-FFF2-40B4-BE49-F238E27FC236}">
+                <a16:creationId xmlns:a16="http://schemas.microsoft.com/office/drawing/2014/main" id="{F018FEEE-8D15-4EFD-8CB7-A06D4A181A06}"/>
+              </a:ext>
+            </a:extLst>
+          </p:cNvPr>
+          <p:cNvSpPr txBox="1"/>
+          <p:nvPr/>
+        </p:nvSpPr>
+        <p:spPr>
+          <a:xfrm>
+            <a:off x="993183" y="2270721"/>
+            <a:ext cx="748923" cy="400110"/>
+          </a:xfrm>
+          <a:prstGeom prst="rect">
+            <a:avLst/>
+          </a:prstGeom>
+          <a:noFill/>
+        </p:spPr>
+        <p:txBody>
+          <a:bodyPr wrap="none" rtlCol="0">
+            <a:spAutoFit/>
+          </a:bodyPr>
+          <a:lstStyle/>
+          <a:p>
+            <a:r>
+              <a:rPr lang="en-US" altLang="ko-KR" sz="2000">
+                <a:latin typeface="Consolas" pitchFamily="49" charset="0"/>
+                <a:cs typeface="Consolas" pitchFamily="49" charset="0"/>
+              </a:rPr>
+              <a:t>root</a:t>
+            </a:r>
+            <a:endParaRPr lang="ko-KR" altLang="en-US" sz="2000">
+              <a:latin typeface="Consolas" pitchFamily="49" charset="0"/>
+              <a:cs typeface="Consolas" pitchFamily="49" charset="0"/>
+            </a:endParaRPr>
+          </a:p>
+        </p:txBody>
+      </p:sp>
+      <p:sp>
+        <p:nvSpPr>
+          <p:cNvPr id="28" name="직사각형 27">
+            <a:extLst>
+              <a:ext uri="{FF2B5EF4-FFF2-40B4-BE49-F238E27FC236}">
+                <a16:creationId xmlns:a16="http://schemas.microsoft.com/office/drawing/2014/main" id="{43279FFA-C532-438F-97A3-4C19C7881B88}"/>
+              </a:ext>
+            </a:extLst>
+          </p:cNvPr>
+          <p:cNvSpPr/>
+          <p:nvPr/>
+        </p:nvSpPr>
+        <p:spPr>
+          <a:xfrm>
+            <a:off x="1209207" y="2670831"/>
+            <a:ext cx="360040" cy="319970"/>
+          </a:xfrm>
+          <a:prstGeom prst="rect">
+            <a:avLst/>
+          </a:prstGeom>
+          <a:solidFill>
+            <a:srgbClr val="FFFF00"/>
+          </a:solidFill>
+          <a:ln w="9525"/>
+        </p:spPr>
+        <p:style>
+          <a:lnRef idx="2">
+            <a:schemeClr val="accent1">
+              <a:shade val="50000"/>
+            </a:schemeClr>
+          </a:lnRef>
+          <a:fillRef idx="1">
+            <a:schemeClr val="accent1"/>
+          </a:fillRef>
+          <a:effectRef idx="0">
+            <a:schemeClr val="accent1"/>
+          </a:effectRef>
+          <a:fontRef idx="minor">
+            <a:schemeClr val="lt1"/>
+          </a:fontRef>
+        </p:style>
+        <p:txBody>
+          <a:bodyPr rot="0" spcFirstLastPara="0" vertOverflow="overflow" horzOverflow="overflow" vert="horz" wrap="square" lIns="91440" tIns="45720" rIns="91440" bIns="45720" numCol="1" spcCol="0" rtlCol="0" fromWordArt="0" anchor="ctr" anchorCtr="0" forceAA="0" compatLnSpc="1">
+            <a:prstTxWarp prst="textNoShape">
+              <a:avLst/>
+            </a:prstTxWarp>
+            <a:noAutofit/>
+          </a:bodyPr>
+          <a:lstStyle/>
+          <a:p>
+            <a:pPr algn="ctr"/>
+            <a:endParaRPr lang="ko-KR" altLang="en-US" sz="2000">
+              <a:solidFill>
+                <a:schemeClr val="tx1"/>
+              </a:solidFill>
+              <a:latin typeface="Consolas" pitchFamily="49" charset="0"/>
+              <a:cs typeface="Consolas" pitchFamily="49" charset="0"/>
+            </a:endParaRPr>
+          </a:p>
+        </p:txBody>
+      </p:sp>
+      <p:cxnSp>
+        <p:nvCxnSpPr>
+          <p:cNvPr id="29" name="연결선: 구부러짐 28">
+            <a:extLst>
+              <a:ext uri="{FF2B5EF4-FFF2-40B4-BE49-F238E27FC236}">
+                <a16:creationId xmlns:a16="http://schemas.microsoft.com/office/drawing/2014/main" id="{00D262FB-2006-4406-AD75-CE772B013A94}"/>
+              </a:ext>
+            </a:extLst>
+          </p:cNvPr>
+          <p:cNvCxnSpPr>
+            <a:cxnSpLocks/>
+            <a:stCxn id="28" idx="2"/>
+            <a:endCxn id="23" idx="0"/>
+          </p:cNvCxnSpPr>
+          <p:nvPr/>
+        </p:nvCxnSpPr>
+        <p:spPr>
+          <a:xfrm rot="16200000" flipH="1">
+            <a:off x="1393362" y="2986665"/>
+            <a:ext cx="438199" cy="446469"/>
+          </a:xfrm>
+          <a:prstGeom prst="curvedConnector3">
+            <a:avLst>
+              <a:gd name="adj1" fmla="val 50000"/>
+            </a:avLst>
+          </a:prstGeom>
+          <a:ln w="12700">
+            <a:solidFill>
+              <a:schemeClr val="tx1"/>
+            </a:solidFill>
+            <a:tailEnd type="triangle"/>
+          </a:ln>
+        </p:spPr>
+        <p:style>
+          <a:lnRef idx="1">
+            <a:schemeClr val="accent1"/>
+          </a:lnRef>
+          <a:fillRef idx="0">
+            <a:schemeClr val="accent1"/>
+          </a:fillRef>
+          <a:effectRef idx="0">
+            <a:schemeClr val="accent1"/>
+          </a:effectRef>
+          <a:fontRef idx="minor">
+            <a:schemeClr val="tx1"/>
+          </a:fontRef>
+        </p:style>
+      </p:cxnSp>
+      <p:sp>
+        <p:nvSpPr>
+          <p:cNvPr id="30" name="직사각형 29">
+            <a:extLst>
+              <a:ext uri="{FF2B5EF4-FFF2-40B4-BE49-F238E27FC236}">
+                <a16:creationId xmlns:a16="http://schemas.microsoft.com/office/drawing/2014/main" id="{98118295-44BD-4894-B582-E8A533617C8C}"/>
+              </a:ext>
+            </a:extLst>
+          </p:cNvPr>
+          <p:cNvSpPr/>
+          <p:nvPr/>
+        </p:nvSpPr>
+        <p:spPr>
+          <a:xfrm>
+            <a:off x="229889" y="4365104"/>
+            <a:ext cx="864096" cy="288032"/>
+          </a:xfrm>
+          <a:prstGeom prst="rect">
+            <a:avLst/>
+          </a:prstGeom>
+          <a:solidFill>
+            <a:srgbClr val="FFC000"/>
+          </a:solidFill>
+          <a:ln w="9525"/>
+        </p:spPr>
+        <p:style>
+          <a:lnRef idx="2">
+            <a:schemeClr val="accent1">
+              <a:shade val="50000"/>
+            </a:schemeClr>
+          </a:lnRef>
+          <a:fillRef idx="1">
+            <a:schemeClr val="accent1"/>
+          </a:fillRef>
+          <a:effectRef idx="0">
+            <a:schemeClr val="accent1"/>
+          </a:effectRef>
+          <a:fontRef idx="minor">
+            <a:schemeClr val="lt1"/>
+          </a:fontRef>
+        </p:style>
+        <p:txBody>
+          <a:bodyPr rot="0" spcFirstLastPara="0" vertOverflow="overflow" horzOverflow="overflow" vert="horz" wrap="square" lIns="91440" tIns="45720" rIns="91440" bIns="45720" numCol="1" spcCol="0" rtlCol="0" fromWordArt="0" anchor="ctr" anchorCtr="0" forceAA="0" compatLnSpc="1">
+            <a:prstTxWarp prst="textNoShape">
+              <a:avLst/>
+            </a:prstTxWarp>
+            <a:noAutofit/>
+          </a:bodyPr>
+          <a:lstStyle/>
+          <a:p>
+            <a:pPr algn="ctr"/>
+            <a:r>
+              <a:rPr lang="en-US" altLang="ko-KR" sz="2000">
+                <a:solidFill>
+                  <a:schemeClr val="tx1"/>
+                </a:solidFill>
+                <a:latin typeface="Consolas" pitchFamily="49" charset="0"/>
+                <a:cs typeface="Consolas" pitchFamily="49" charset="0"/>
+              </a:rPr>
+              <a:t>2</a:t>
+            </a:r>
+            <a:endParaRPr lang="ko-KR" altLang="en-US" sz="2000">
+              <a:solidFill>
+                <a:schemeClr val="tx1"/>
+              </a:solidFill>
+              <a:latin typeface="Consolas" pitchFamily="49" charset="0"/>
+              <a:cs typeface="Consolas" pitchFamily="49" charset="0"/>
+            </a:endParaRPr>
+          </a:p>
+        </p:txBody>
+      </p:sp>
+      <p:sp>
+        <p:nvSpPr>
+          <p:cNvPr id="31" name="직사각형 30">
+            <a:extLst>
+              <a:ext uri="{FF2B5EF4-FFF2-40B4-BE49-F238E27FC236}">
+                <a16:creationId xmlns:a16="http://schemas.microsoft.com/office/drawing/2014/main" id="{1DB146C1-88C0-43A0-9138-F4803ED421C2}"/>
+              </a:ext>
+            </a:extLst>
+          </p:cNvPr>
+          <p:cNvSpPr/>
+          <p:nvPr/>
+        </p:nvSpPr>
+        <p:spPr>
+          <a:xfrm>
+            <a:off x="229889" y="4653136"/>
+            <a:ext cx="864096" cy="288032"/>
+          </a:xfrm>
+          <a:prstGeom prst="rect">
+            <a:avLst/>
+          </a:prstGeom>
+          <a:solidFill>
+            <a:srgbClr val="FFFF00"/>
+          </a:solidFill>
+          <a:ln w="9525"/>
+        </p:spPr>
+        <p:style>
+          <a:lnRef idx="2">
+            <a:schemeClr val="accent1">
+              <a:shade val="50000"/>
+            </a:schemeClr>
+          </a:lnRef>
+          <a:fillRef idx="1">
+            <a:schemeClr val="accent1"/>
+          </a:fillRef>
+          <a:effectRef idx="0">
+            <a:schemeClr val="accent1"/>
+          </a:effectRef>
+          <a:fontRef idx="minor">
+            <a:schemeClr val="lt1"/>
+          </a:fontRef>
+        </p:style>
+        <p:txBody>
+          <a:bodyPr rot="0" spcFirstLastPara="0" vertOverflow="overflow" horzOverflow="overflow" vert="horz" wrap="square" lIns="91440" tIns="45720" rIns="91440" bIns="45720" numCol="1" spcCol="0" rtlCol="0" fromWordArt="0" anchor="ctr" anchorCtr="0" forceAA="0" compatLnSpc="1">
+            <a:prstTxWarp prst="textNoShape">
+              <a:avLst/>
+            </a:prstTxWarp>
+            <a:noAutofit/>
+          </a:bodyPr>
+          <a:lstStyle/>
+          <a:p>
+            <a:pPr algn="ctr"/>
+            <a:endParaRPr lang="ko-KR" altLang="en-US" sz="2000">
+              <a:solidFill>
+                <a:schemeClr val="tx1"/>
+              </a:solidFill>
+              <a:latin typeface="Consolas" pitchFamily="49" charset="0"/>
+              <a:cs typeface="Consolas" pitchFamily="49" charset="0"/>
+            </a:endParaRPr>
+          </a:p>
+        </p:txBody>
+      </p:sp>
+      <p:sp>
+        <p:nvSpPr>
+          <p:cNvPr id="32" name="직사각형 31">
+            <a:extLst>
+              <a:ext uri="{FF2B5EF4-FFF2-40B4-BE49-F238E27FC236}">
+                <a16:creationId xmlns:a16="http://schemas.microsoft.com/office/drawing/2014/main" id="{4A38EAFC-060A-4275-A247-9D87CAEBE5E6}"/>
+              </a:ext>
+            </a:extLst>
+          </p:cNvPr>
+          <p:cNvSpPr/>
+          <p:nvPr/>
+        </p:nvSpPr>
+        <p:spPr>
+          <a:xfrm>
+            <a:off x="229889" y="4941168"/>
+            <a:ext cx="864096" cy="288032"/>
+          </a:xfrm>
+          <a:prstGeom prst="rect">
+            <a:avLst/>
+          </a:prstGeom>
+          <a:solidFill>
+            <a:srgbClr val="FFFF00"/>
+          </a:solidFill>
+          <a:ln w="9525"/>
+        </p:spPr>
+        <p:style>
+          <a:lnRef idx="2">
+            <a:schemeClr val="accent1">
+              <a:shade val="50000"/>
+            </a:schemeClr>
+          </a:lnRef>
+          <a:fillRef idx="1">
+            <a:schemeClr val="accent1"/>
+          </a:fillRef>
+          <a:effectRef idx="0">
+            <a:schemeClr val="accent1"/>
+          </a:effectRef>
+          <a:fontRef idx="minor">
+            <a:schemeClr val="lt1"/>
+          </a:fontRef>
+        </p:style>
+        <p:txBody>
+          <a:bodyPr rot="0" spcFirstLastPara="0" vertOverflow="overflow" horzOverflow="overflow" vert="horz" wrap="square" lIns="91440" tIns="45720" rIns="91440" bIns="45720" numCol="1" spcCol="0" rtlCol="0" fromWordArt="0" anchor="ctr" anchorCtr="0" forceAA="0" compatLnSpc="1">
+            <a:prstTxWarp prst="textNoShape">
+              <a:avLst/>
+            </a:prstTxWarp>
+            <a:noAutofit/>
+          </a:bodyPr>
+          <a:lstStyle/>
+          <a:p>
+            <a:pPr algn="ctr"/>
+            <a:endParaRPr lang="ko-KR" altLang="en-US" sz="2000">
+              <a:solidFill>
+                <a:schemeClr val="tx1"/>
+              </a:solidFill>
+              <a:latin typeface="Consolas" pitchFamily="49" charset="0"/>
+              <a:cs typeface="Consolas" pitchFamily="49" charset="0"/>
+            </a:endParaRPr>
+          </a:p>
+        </p:txBody>
+      </p:sp>
+      <p:sp>
+        <p:nvSpPr>
+          <p:cNvPr id="33" name="TextBox 32">
+            <a:extLst>
+              <a:ext uri="{FF2B5EF4-FFF2-40B4-BE49-F238E27FC236}">
+                <a16:creationId xmlns:a16="http://schemas.microsoft.com/office/drawing/2014/main" id="{3D72BF30-7788-44C7-A625-2C3301FB616B}"/>
+              </a:ext>
+            </a:extLst>
+          </p:cNvPr>
+          <p:cNvSpPr txBox="1"/>
+          <p:nvPr/>
+        </p:nvSpPr>
+        <p:spPr>
+          <a:xfrm>
+            <a:off x="-180576" y="3206825"/>
+            <a:ext cx="748923" cy="400110"/>
+          </a:xfrm>
+          <a:prstGeom prst="rect">
+            <a:avLst/>
+          </a:prstGeom>
+          <a:noFill/>
+        </p:spPr>
+        <p:txBody>
+          <a:bodyPr wrap="none" rtlCol="0">
+            <a:spAutoFit/>
+          </a:bodyPr>
+          <a:lstStyle/>
+          <a:p>
+            <a:r>
+              <a:rPr lang="en-US" altLang="ko-KR" sz="2000">
+                <a:latin typeface="Consolas" pitchFamily="49" charset="0"/>
+                <a:cs typeface="Consolas" pitchFamily="49" charset="0"/>
+              </a:rPr>
+              <a:t>temp</a:t>
+            </a:r>
+            <a:endParaRPr lang="ko-KR" altLang="en-US" sz="2000">
+              <a:latin typeface="Consolas" pitchFamily="49" charset="0"/>
+              <a:cs typeface="Consolas" pitchFamily="49" charset="0"/>
+            </a:endParaRPr>
+          </a:p>
+        </p:txBody>
+      </p:sp>
+      <p:sp>
+        <p:nvSpPr>
+          <p:cNvPr id="34" name="직사각형 33">
+            <a:extLst>
+              <a:ext uri="{FF2B5EF4-FFF2-40B4-BE49-F238E27FC236}">
+                <a16:creationId xmlns:a16="http://schemas.microsoft.com/office/drawing/2014/main" id="{A94C1083-C323-45B0-8E43-CBE6F53A0FBC}"/>
+              </a:ext>
+            </a:extLst>
+          </p:cNvPr>
+          <p:cNvSpPr/>
+          <p:nvPr/>
+        </p:nvSpPr>
+        <p:spPr>
+          <a:xfrm>
+            <a:off x="35448" y="3606935"/>
+            <a:ext cx="360040" cy="319970"/>
+          </a:xfrm>
+          <a:prstGeom prst="rect">
+            <a:avLst/>
+          </a:prstGeom>
+          <a:solidFill>
+            <a:srgbClr val="FFFF00"/>
+          </a:solidFill>
+          <a:ln w="9525"/>
+        </p:spPr>
+        <p:style>
+          <a:lnRef idx="2">
+            <a:schemeClr val="accent1">
+              <a:shade val="50000"/>
+            </a:schemeClr>
+          </a:lnRef>
+          <a:fillRef idx="1">
+            <a:schemeClr val="accent1"/>
+          </a:fillRef>
+          <a:effectRef idx="0">
+            <a:schemeClr val="accent1"/>
+          </a:effectRef>
+          <a:fontRef idx="minor">
+            <a:schemeClr val="lt1"/>
+          </a:fontRef>
+        </p:style>
+        <p:txBody>
+          <a:bodyPr rot="0" spcFirstLastPara="0" vertOverflow="overflow" horzOverflow="overflow" vert="horz" wrap="square" lIns="91440" tIns="45720" rIns="91440" bIns="45720" numCol="1" spcCol="0" rtlCol="0" fromWordArt="0" anchor="ctr" anchorCtr="0" forceAA="0" compatLnSpc="1">
+            <a:prstTxWarp prst="textNoShape">
+              <a:avLst/>
+            </a:prstTxWarp>
+            <a:noAutofit/>
+          </a:bodyPr>
+          <a:lstStyle/>
+          <a:p>
+            <a:pPr algn="ctr"/>
+            <a:endParaRPr lang="ko-KR" altLang="en-US" sz="2000">
+              <a:solidFill>
+                <a:schemeClr val="tx1"/>
+              </a:solidFill>
+              <a:latin typeface="Consolas" pitchFamily="49" charset="0"/>
+              <a:cs typeface="Consolas" pitchFamily="49" charset="0"/>
+            </a:endParaRPr>
+          </a:p>
+        </p:txBody>
+      </p:sp>
+      <p:cxnSp>
+        <p:nvCxnSpPr>
+          <p:cNvPr id="35" name="연결선: 구부러짐 34">
+            <a:extLst>
+              <a:ext uri="{FF2B5EF4-FFF2-40B4-BE49-F238E27FC236}">
+                <a16:creationId xmlns:a16="http://schemas.microsoft.com/office/drawing/2014/main" id="{5DAB60DB-E207-4DF4-B8EA-F6291E86EF94}"/>
+              </a:ext>
+            </a:extLst>
+          </p:cNvPr>
+          <p:cNvCxnSpPr>
+            <a:cxnSpLocks/>
+            <a:stCxn id="34" idx="2"/>
+            <a:endCxn id="30" idx="0"/>
+          </p:cNvCxnSpPr>
+          <p:nvPr/>
+        </p:nvCxnSpPr>
+        <p:spPr>
+          <a:xfrm rot="16200000" flipH="1">
+            <a:off x="219603" y="3922769"/>
+            <a:ext cx="438199" cy="446469"/>
+          </a:xfrm>
+          <a:prstGeom prst="curvedConnector3">
+            <a:avLst>
+              <a:gd name="adj1" fmla="val 50000"/>
+            </a:avLst>
+          </a:prstGeom>
+          <a:ln w="12700">
+            <a:solidFill>
+              <a:schemeClr val="tx1"/>
+            </a:solidFill>
+            <a:tailEnd type="triangle"/>
+          </a:ln>
+        </p:spPr>
+        <p:style>
+          <a:lnRef idx="1">
+            <a:schemeClr val="accent1"/>
+          </a:lnRef>
+          <a:fillRef idx="0">
+            <a:schemeClr val="accent1"/>
+          </a:fillRef>
+          <a:effectRef idx="0">
+            <a:schemeClr val="accent1"/>
+          </a:effectRef>
+          <a:fontRef idx="minor">
+            <a:schemeClr val="tx1"/>
+          </a:fontRef>
+        </p:style>
+      </p:cxnSp>
+      <p:cxnSp>
+        <p:nvCxnSpPr>
+          <p:cNvPr id="36" name="연결선: 구부러짐 35">
+            <a:extLst>
+              <a:ext uri="{FF2B5EF4-FFF2-40B4-BE49-F238E27FC236}">
+                <a16:creationId xmlns:a16="http://schemas.microsoft.com/office/drawing/2014/main" id="{9CF06543-0EBD-4063-9BFF-C1D19CAF6182}"/>
+              </a:ext>
+            </a:extLst>
+          </p:cNvPr>
+          <p:cNvCxnSpPr>
+            <a:cxnSpLocks/>
+            <a:stCxn id="24" idx="1"/>
+            <a:endCxn id="31" idx="3"/>
+          </p:cNvCxnSpPr>
+          <p:nvPr/>
+        </p:nvCxnSpPr>
+        <p:spPr>
+          <a:xfrm rot="10800000" flipV="1">
+            <a:off x="1093986" y="3861048"/>
+            <a:ext cx="309663" cy="936104"/>
+          </a:xfrm>
+          <a:prstGeom prst="curvedConnector3">
+            <a:avLst>
+              <a:gd name="adj1" fmla="val 50000"/>
+            </a:avLst>
+          </a:prstGeom>
+          <a:ln w="12700">
+            <a:solidFill>
+              <a:schemeClr val="tx1"/>
+            </a:solidFill>
+            <a:tailEnd type="triangle"/>
+          </a:ln>
+        </p:spPr>
+        <p:style>
+          <a:lnRef idx="1">
+            <a:schemeClr val="accent1"/>
+          </a:lnRef>
+          <a:fillRef idx="0">
+            <a:schemeClr val="accent1"/>
+          </a:fillRef>
+          <a:effectRef idx="0">
+            <a:schemeClr val="accent1"/>
+          </a:effectRef>
+          <a:fontRef idx="minor">
+            <a:schemeClr val="tx1"/>
+          </a:fontRef>
+        </p:style>
+      </p:cxnSp>
+      <p:sp>
+        <p:nvSpPr>
+          <p:cNvPr id="37" name="직사각형 36">
+            <a:extLst>
+              <a:ext uri="{FF2B5EF4-FFF2-40B4-BE49-F238E27FC236}">
+                <a16:creationId xmlns:a16="http://schemas.microsoft.com/office/drawing/2014/main" id="{3F43E50C-E0FF-4198-A90B-8C044333AA2A}"/>
+              </a:ext>
+            </a:extLst>
+          </p:cNvPr>
+          <p:cNvSpPr/>
+          <p:nvPr/>
+        </p:nvSpPr>
+        <p:spPr>
+          <a:xfrm>
+            <a:off x="3090990" y="4437112"/>
+            <a:ext cx="864096" cy="288032"/>
+          </a:xfrm>
+          <a:prstGeom prst="rect">
+            <a:avLst/>
+          </a:prstGeom>
+          <a:solidFill>
+            <a:srgbClr val="FFC000"/>
+          </a:solidFill>
+          <a:ln w="9525"/>
+        </p:spPr>
+        <p:style>
+          <a:lnRef idx="2">
+            <a:schemeClr val="accent1">
+              <a:shade val="50000"/>
+            </a:schemeClr>
+          </a:lnRef>
+          <a:fillRef idx="1">
+            <a:schemeClr val="accent1"/>
+          </a:fillRef>
+          <a:effectRef idx="0">
+            <a:schemeClr val="accent1"/>
+          </a:effectRef>
+          <a:fontRef idx="minor">
+            <a:schemeClr val="lt1"/>
+          </a:fontRef>
+        </p:style>
+        <p:txBody>
+          <a:bodyPr rot="0" spcFirstLastPara="0" vertOverflow="overflow" horzOverflow="overflow" vert="horz" wrap="square" lIns="91440" tIns="45720" rIns="91440" bIns="45720" numCol="1" spcCol="0" rtlCol="0" fromWordArt="0" anchor="ctr" anchorCtr="0" forceAA="0" compatLnSpc="1">
+            <a:prstTxWarp prst="textNoShape">
+              <a:avLst/>
+            </a:prstTxWarp>
+            <a:noAutofit/>
+          </a:bodyPr>
+          <a:lstStyle/>
+          <a:p>
+            <a:pPr algn="ctr"/>
+            <a:r>
+              <a:rPr lang="en-US" altLang="ko-KR" sz="2000">
+                <a:solidFill>
+                  <a:schemeClr val="tx1"/>
+                </a:solidFill>
+                <a:latin typeface="Consolas" pitchFamily="49" charset="0"/>
+                <a:cs typeface="Consolas" pitchFamily="49" charset="0"/>
+              </a:rPr>
+              <a:t>6</a:t>
+            </a:r>
+            <a:endParaRPr lang="ko-KR" altLang="en-US" sz="2000">
+              <a:solidFill>
+                <a:schemeClr val="tx1"/>
+              </a:solidFill>
+              <a:latin typeface="Consolas" pitchFamily="49" charset="0"/>
+              <a:cs typeface="Consolas" pitchFamily="49" charset="0"/>
+            </a:endParaRPr>
+          </a:p>
+        </p:txBody>
+      </p:sp>
+      <p:sp>
+        <p:nvSpPr>
+          <p:cNvPr id="38" name="직사각형 37">
+            <a:extLst>
+              <a:ext uri="{FF2B5EF4-FFF2-40B4-BE49-F238E27FC236}">
+                <a16:creationId xmlns:a16="http://schemas.microsoft.com/office/drawing/2014/main" id="{31A5F540-DF53-4D99-94D1-46E9001D3150}"/>
+              </a:ext>
+            </a:extLst>
+          </p:cNvPr>
+          <p:cNvSpPr/>
+          <p:nvPr/>
+        </p:nvSpPr>
+        <p:spPr>
+          <a:xfrm>
+            <a:off x="3090990" y="4725144"/>
+            <a:ext cx="864096" cy="288032"/>
+          </a:xfrm>
+          <a:prstGeom prst="rect">
+            <a:avLst/>
+          </a:prstGeom>
+          <a:solidFill>
+            <a:srgbClr val="FFFF00"/>
+          </a:solidFill>
+          <a:ln w="9525"/>
+        </p:spPr>
+        <p:style>
+          <a:lnRef idx="2">
+            <a:schemeClr val="accent1">
+              <a:shade val="50000"/>
+            </a:schemeClr>
+          </a:lnRef>
+          <a:fillRef idx="1">
+            <a:schemeClr val="accent1"/>
+          </a:fillRef>
+          <a:effectRef idx="0">
+            <a:schemeClr val="accent1"/>
+          </a:effectRef>
+          <a:fontRef idx="minor">
+            <a:schemeClr val="lt1"/>
+          </a:fontRef>
+        </p:style>
+        <p:txBody>
+          <a:bodyPr rot="0" spcFirstLastPara="0" vertOverflow="overflow" horzOverflow="overflow" vert="horz" wrap="square" lIns="91440" tIns="45720" rIns="91440" bIns="45720" numCol="1" spcCol="0" rtlCol="0" fromWordArt="0" anchor="ctr" anchorCtr="0" forceAA="0" compatLnSpc="1">
+            <a:prstTxWarp prst="textNoShape">
+              <a:avLst/>
+            </a:prstTxWarp>
+            <a:noAutofit/>
+          </a:bodyPr>
+          <a:lstStyle/>
+          <a:p>
+            <a:pPr algn="ctr"/>
+            <a:endParaRPr lang="ko-KR" altLang="en-US" sz="2000">
+              <a:solidFill>
+                <a:schemeClr val="tx1"/>
+              </a:solidFill>
+              <a:latin typeface="Consolas" pitchFamily="49" charset="0"/>
+              <a:cs typeface="Consolas" pitchFamily="49" charset="0"/>
+            </a:endParaRPr>
+          </a:p>
+        </p:txBody>
+      </p:sp>
+      <p:sp>
+        <p:nvSpPr>
+          <p:cNvPr id="39" name="직사각형 38">
+            <a:extLst>
+              <a:ext uri="{FF2B5EF4-FFF2-40B4-BE49-F238E27FC236}">
+                <a16:creationId xmlns:a16="http://schemas.microsoft.com/office/drawing/2014/main" id="{3AF6C77F-3AE2-4FB3-A3DC-6038ABE27159}"/>
+              </a:ext>
+            </a:extLst>
+          </p:cNvPr>
+          <p:cNvSpPr/>
+          <p:nvPr/>
+        </p:nvSpPr>
+        <p:spPr>
+          <a:xfrm>
+            <a:off x="3090990" y="5013176"/>
+            <a:ext cx="864096" cy="288032"/>
+          </a:xfrm>
+          <a:prstGeom prst="rect">
+            <a:avLst/>
+          </a:prstGeom>
+          <a:solidFill>
+            <a:srgbClr val="FFFF00"/>
+          </a:solidFill>
+          <a:ln w="9525"/>
+        </p:spPr>
+        <p:style>
+          <a:lnRef idx="2">
+            <a:schemeClr val="accent1">
+              <a:shade val="50000"/>
+            </a:schemeClr>
+          </a:lnRef>
+          <a:fillRef idx="1">
+            <a:schemeClr val="accent1"/>
+          </a:fillRef>
+          <a:effectRef idx="0">
+            <a:schemeClr val="accent1"/>
+          </a:effectRef>
+          <a:fontRef idx="minor">
+            <a:schemeClr val="lt1"/>
+          </a:fontRef>
+        </p:style>
+        <p:txBody>
+          <a:bodyPr rot="0" spcFirstLastPara="0" vertOverflow="overflow" horzOverflow="overflow" vert="horz" wrap="square" lIns="91440" tIns="45720" rIns="91440" bIns="45720" numCol="1" spcCol="0" rtlCol="0" fromWordArt="0" anchor="ctr" anchorCtr="0" forceAA="0" compatLnSpc="1">
+            <a:prstTxWarp prst="textNoShape">
+              <a:avLst/>
+            </a:prstTxWarp>
+            <a:noAutofit/>
+          </a:bodyPr>
+          <a:lstStyle/>
+          <a:p>
+            <a:pPr algn="ctr"/>
+            <a:endParaRPr lang="ko-KR" altLang="en-US" sz="2000">
+              <a:solidFill>
+                <a:schemeClr val="tx1"/>
+              </a:solidFill>
+              <a:latin typeface="Consolas" pitchFamily="49" charset="0"/>
+              <a:cs typeface="Consolas" pitchFamily="49" charset="0"/>
+            </a:endParaRPr>
+          </a:p>
+        </p:txBody>
+      </p:sp>
+      <p:sp>
+        <p:nvSpPr>
+          <p:cNvPr id="40" name="TextBox 39">
+            <a:extLst>
+              <a:ext uri="{FF2B5EF4-FFF2-40B4-BE49-F238E27FC236}">
+                <a16:creationId xmlns:a16="http://schemas.microsoft.com/office/drawing/2014/main" id="{F8B534BD-B259-4DA8-BEDE-3498F294474C}"/>
+              </a:ext>
+            </a:extLst>
+          </p:cNvPr>
+          <p:cNvSpPr txBox="1"/>
+          <p:nvPr/>
+        </p:nvSpPr>
+        <p:spPr>
+          <a:xfrm>
+            <a:off x="2680525" y="3278833"/>
+            <a:ext cx="748923" cy="400110"/>
+          </a:xfrm>
+          <a:prstGeom prst="rect">
+            <a:avLst/>
+          </a:prstGeom>
+          <a:noFill/>
+        </p:spPr>
+        <p:txBody>
+          <a:bodyPr wrap="none" rtlCol="0">
+            <a:spAutoFit/>
+          </a:bodyPr>
+          <a:lstStyle/>
+          <a:p>
+            <a:r>
+              <a:rPr lang="en-US" altLang="ko-KR" sz="2000">
+                <a:latin typeface="Consolas" pitchFamily="49" charset="0"/>
+                <a:cs typeface="Consolas" pitchFamily="49" charset="0"/>
+              </a:rPr>
+              <a:t>temp</a:t>
+            </a:r>
+            <a:endParaRPr lang="ko-KR" altLang="en-US" sz="2000">
+              <a:latin typeface="Consolas" pitchFamily="49" charset="0"/>
+              <a:cs typeface="Consolas" pitchFamily="49" charset="0"/>
+            </a:endParaRPr>
+          </a:p>
+        </p:txBody>
+      </p:sp>
+      <p:sp>
+        <p:nvSpPr>
+          <p:cNvPr id="41" name="직사각형 40">
+            <a:extLst>
+              <a:ext uri="{FF2B5EF4-FFF2-40B4-BE49-F238E27FC236}">
+                <a16:creationId xmlns:a16="http://schemas.microsoft.com/office/drawing/2014/main" id="{4B39BC17-5D85-40FC-A164-A83D58CBA19C}"/>
+              </a:ext>
+            </a:extLst>
+          </p:cNvPr>
+          <p:cNvSpPr/>
+          <p:nvPr/>
+        </p:nvSpPr>
+        <p:spPr>
+          <a:xfrm>
+            <a:off x="2896549" y="3678943"/>
+            <a:ext cx="360040" cy="319970"/>
+          </a:xfrm>
+          <a:prstGeom prst="rect">
+            <a:avLst/>
+          </a:prstGeom>
+          <a:solidFill>
+            <a:srgbClr val="FFFF00"/>
+          </a:solidFill>
+          <a:ln w="9525"/>
+        </p:spPr>
+        <p:style>
+          <a:lnRef idx="2">
+            <a:schemeClr val="accent1">
+              <a:shade val="50000"/>
+            </a:schemeClr>
+          </a:lnRef>
+          <a:fillRef idx="1">
+            <a:schemeClr val="accent1"/>
+          </a:fillRef>
+          <a:effectRef idx="0">
+            <a:schemeClr val="accent1"/>
+          </a:effectRef>
+          <a:fontRef idx="minor">
+            <a:schemeClr val="lt1"/>
+          </a:fontRef>
+        </p:style>
+        <p:txBody>
+          <a:bodyPr rot="0" spcFirstLastPara="0" vertOverflow="overflow" horzOverflow="overflow" vert="horz" wrap="square" lIns="91440" tIns="45720" rIns="91440" bIns="45720" numCol="1" spcCol="0" rtlCol="0" fromWordArt="0" anchor="ctr" anchorCtr="0" forceAA="0" compatLnSpc="1">
+            <a:prstTxWarp prst="textNoShape">
+              <a:avLst/>
+            </a:prstTxWarp>
+            <a:noAutofit/>
+          </a:bodyPr>
+          <a:lstStyle/>
+          <a:p>
+            <a:pPr algn="ctr"/>
+            <a:endParaRPr lang="ko-KR" altLang="en-US" sz="2000">
+              <a:solidFill>
+                <a:schemeClr val="tx1"/>
+              </a:solidFill>
+              <a:latin typeface="Consolas" pitchFamily="49" charset="0"/>
+              <a:cs typeface="Consolas" pitchFamily="49" charset="0"/>
+            </a:endParaRPr>
+          </a:p>
+        </p:txBody>
+      </p:sp>
+      <p:cxnSp>
+        <p:nvCxnSpPr>
+          <p:cNvPr id="42" name="연결선: 구부러짐 41">
+            <a:extLst>
+              <a:ext uri="{FF2B5EF4-FFF2-40B4-BE49-F238E27FC236}">
+                <a16:creationId xmlns:a16="http://schemas.microsoft.com/office/drawing/2014/main" id="{AC4E5FFD-9974-4D46-A2F0-1D7704E2429D}"/>
+              </a:ext>
+            </a:extLst>
+          </p:cNvPr>
+          <p:cNvCxnSpPr>
+            <a:cxnSpLocks/>
+            <a:stCxn id="41" idx="2"/>
+            <a:endCxn id="37" idx="0"/>
+          </p:cNvCxnSpPr>
+          <p:nvPr/>
+        </p:nvCxnSpPr>
+        <p:spPr>
+          <a:xfrm rot="16200000" flipH="1">
+            <a:off x="3080704" y="3994777"/>
+            <a:ext cx="438199" cy="446469"/>
+          </a:xfrm>
+          <a:prstGeom prst="curvedConnector3">
+            <a:avLst>
+              <a:gd name="adj1" fmla="val 50000"/>
+            </a:avLst>
+          </a:prstGeom>
+          <a:ln w="12700">
+            <a:solidFill>
+              <a:schemeClr val="tx1"/>
+            </a:solidFill>
+            <a:tailEnd type="triangle"/>
+          </a:ln>
+        </p:spPr>
+        <p:style>
+          <a:lnRef idx="1">
+            <a:schemeClr val="accent1"/>
+          </a:lnRef>
+          <a:fillRef idx="0">
+            <a:schemeClr val="accent1"/>
+          </a:fillRef>
+          <a:effectRef idx="0">
+            <a:schemeClr val="accent1"/>
+          </a:effectRef>
+          <a:fontRef idx="minor">
+            <a:schemeClr val="tx1"/>
+          </a:fontRef>
+        </p:style>
+      </p:cxnSp>
+      <p:cxnSp>
+        <p:nvCxnSpPr>
+          <p:cNvPr id="43" name="연결선: 구부러짐 42">
+            <a:extLst>
+              <a:ext uri="{FF2B5EF4-FFF2-40B4-BE49-F238E27FC236}">
+                <a16:creationId xmlns:a16="http://schemas.microsoft.com/office/drawing/2014/main" id="{37A7E29D-4019-41F8-A066-70E7F15A5E3F}"/>
+              </a:ext>
+            </a:extLst>
+          </p:cNvPr>
+          <p:cNvCxnSpPr>
+            <a:cxnSpLocks/>
+            <a:stCxn id="25" idx="3"/>
+            <a:endCxn id="38" idx="1"/>
+          </p:cNvCxnSpPr>
+          <p:nvPr/>
+        </p:nvCxnSpPr>
+        <p:spPr>
+          <a:xfrm>
+            <a:off x="2267744" y="4149080"/>
+            <a:ext cx="823246" cy="720080"/>
+          </a:xfrm>
+          <a:prstGeom prst="curvedConnector3">
+            <a:avLst>
+              <a:gd name="adj1" fmla="val 50000"/>
+            </a:avLst>
+          </a:prstGeom>
+          <a:ln w="12700">
+            <a:solidFill>
+              <a:schemeClr val="tx1"/>
+            </a:solidFill>
+            <a:tailEnd type="triangle"/>
+          </a:ln>
+        </p:spPr>
+        <p:style>
+          <a:lnRef idx="1">
+            <a:schemeClr val="accent1"/>
+          </a:lnRef>
+          <a:fillRef idx="0">
+            <a:schemeClr val="accent1"/>
+          </a:fillRef>
+          <a:effectRef idx="0">
+            <a:schemeClr val="accent1"/>
+          </a:effectRef>
+          <a:fontRef idx="minor">
+            <a:schemeClr val="tx1"/>
+          </a:fontRef>
+        </p:style>
+      </p:cxnSp>
+      <p:sp>
+        <p:nvSpPr>
+          <p:cNvPr id="47" name="직사각형 46">
+            <a:extLst>
+              <a:ext uri="{FF2B5EF4-FFF2-40B4-BE49-F238E27FC236}">
+                <a16:creationId xmlns:a16="http://schemas.microsoft.com/office/drawing/2014/main" id="{14B458F4-BB7A-4793-9352-D40EF5E73886}"/>
+              </a:ext>
+            </a:extLst>
+          </p:cNvPr>
+          <p:cNvSpPr/>
+          <p:nvPr/>
+        </p:nvSpPr>
+        <p:spPr>
+          <a:xfrm>
+            <a:off x="-828648" y="5254327"/>
+            <a:ext cx="864096" cy="288032"/>
+          </a:xfrm>
+          <a:prstGeom prst="rect">
+            <a:avLst/>
+          </a:prstGeom>
+          <a:solidFill>
+            <a:srgbClr val="FFC000"/>
+          </a:solidFill>
+          <a:ln w="9525"/>
+        </p:spPr>
+        <p:style>
+          <a:lnRef idx="2">
+            <a:schemeClr val="accent1">
+              <a:shade val="50000"/>
+            </a:schemeClr>
+          </a:lnRef>
+          <a:fillRef idx="1">
+            <a:schemeClr val="accent1"/>
+          </a:fillRef>
+          <a:effectRef idx="0">
+            <a:schemeClr val="accent1"/>
+          </a:effectRef>
+          <a:fontRef idx="minor">
+            <a:schemeClr val="lt1"/>
+          </a:fontRef>
+        </p:style>
+        <p:txBody>
+          <a:bodyPr rot="0" spcFirstLastPara="0" vertOverflow="overflow" horzOverflow="overflow" vert="horz" wrap="square" lIns="91440" tIns="45720" rIns="91440" bIns="45720" numCol="1" spcCol="0" rtlCol="0" fromWordArt="0" anchor="ctr" anchorCtr="0" forceAA="0" compatLnSpc="1">
+            <a:prstTxWarp prst="textNoShape">
+              <a:avLst/>
+            </a:prstTxWarp>
+            <a:noAutofit/>
+          </a:bodyPr>
+          <a:lstStyle/>
+          <a:p>
+            <a:pPr algn="ctr"/>
+            <a:r>
+              <a:rPr lang="en-US" altLang="ko-KR" sz="2000">
+                <a:solidFill>
+                  <a:schemeClr val="tx1"/>
+                </a:solidFill>
+                <a:latin typeface="Consolas" pitchFamily="49" charset="0"/>
+                <a:cs typeface="Consolas" pitchFamily="49" charset="0"/>
+              </a:rPr>
+              <a:t>1</a:t>
+            </a:r>
+            <a:endParaRPr lang="ko-KR" altLang="en-US" sz="2000">
+              <a:solidFill>
+                <a:schemeClr val="tx1"/>
+              </a:solidFill>
+              <a:latin typeface="Consolas" pitchFamily="49" charset="0"/>
+              <a:cs typeface="Consolas" pitchFamily="49" charset="0"/>
+            </a:endParaRPr>
+          </a:p>
+        </p:txBody>
+      </p:sp>
+      <p:sp>
+        <p:nvSpPr>
+          <p:cNvPr id="48" name="직사각형 47">
+            <a:extLst>
+              <a:ext uri="{FF2B5EF4-FFF2-40B4-BE49-F238E27FC236}">
+                <a16:creationId xmlns:a16="http://schemas.microsoft.com/office/drawing/2014/main" id="{034B4981-3BC1-4F1A-A8FE-E713CB1C0873}"/>
+              </a:ext>
+            </a:extLst>
+          </p:cNvPr>
+          <p:cNvSpPr/>
+          <p:nvPr/>
+        </p:nvSpPr>
+        <p:spPr>
+          <a:xfrm>
+            <a:off x="-828648" y="5542359"/>
+            <a:ext cx="864096" cy="288032"/>
+          </a:xfrm>
+          <a:prstGeom prst="rect">
+            <a:avLst/>
+          </a:prstGeom>
+          <a:solidFill>
+            <a:srgbClr val="FFFF00"/>
+          </a:solidFill>
+          <a:ln w="9525"/>
+        </p:spPr>
+        <p:style>
+          <a:lnRef idx="2">
+            <a:schemeClr val="accent1">
+              <a:shade val="50000"/>
+            </a:schemeClr>
+          </a:lnRef>
+          <a:fillRef idx="1">
+            <a:schemeClr val="accent1"/>
+          </a:fillRef>
+          <a:effectRef idx="0">
+            <a:schemeClr val="accent1"/>
+          </a:effectRef>
+          <a:fontRef idx="minor">
+            <a:schemeClr val="lt1"/>
+          </a:fontRef>
+        </p:style>
+        <p:txBody>
+          <a:bodyPr rot="0" spcFirstLastPara="0" vertOverflow="overflow" horzOverflow="overflow" vert="horz" wrap="square" lIns="91440" tIns="45720" rIns="91440" bIns="45720" numCol="1" spcCol="0" rtlCol="0" fromWordArt="0" anchor="ctr" anchorCtr="0" forceAA="0" compatLnSpc="1">
+            <a:prstTxWarp prst="textNoShape">
+              <a:avLst/>
+            </a:prstTxWarp>
+            <a:noAutofit/>
+          </a:bodyPr>
+          <a:lstStyle/>
+          <a:p>
+            <a:pPr algn="ctr"/>
+            <a:r>
+              <a:rPr lang="en-US" altLang="ko-KR" sz="2000">
+                <a:solidFill>
+                  <a:schemeClr val="tx1"/>
+                </a:solidFill>
+                <a:latin typeface="Consolas" pitchFamily="49" charset="0"/>
+                <a:cs typeface="Consolas" pitchFamily="49" charset="0"/>
+              </a:rPr>
+              <a:t>0</a:t>
+            </a:r>
+            <a:endParaRPr lang="ko-KR" altLang="en-US" sz="2000">
+              <a:solidFill>
+                <a:schemeClr val="tx1"/>
+              </a:solidFill>
+              <a:latin typeface="Consolas" pitchFamily="49" charset="0"/>
+              <a:cs typeface="Consolas" pitchFamily="49" charset="0"/>
+            </a:endParaRPr>
+          </a:p>
+        </p:txBody>
+      </p:sp>
+      <p:sp>
+        <p:nvSpPr>
+          <p:cNvPr id="49" name="직사각형 48">
+            <a:extLst>
+              <a:ext uri="{FF2B5EF4-FFF2-40B4-BE49-F238E27FC236}">
+                <a16:creationId xmlns:a16="http://schemas.microsoft.com/office/drawing/2014/main" id="{A7839D5A-DC03-4825-9B92-4504B81353CB}"/>
+              </a:ext>
+            </a:extLst>
+          </p:cNvPr>
+          <p:cNvSpPr/>
+          <p:nvPr/>
+        </p:nvSpPr>
+        <p:spPr>
+          <a:xfrm>
+            <a:off x="-828648" y="5830391"/>
+            <a:ext cx="864096" cy="288032"/>
+          </a:xfrm>
+          <a:prstGeom prst="rect">
+            <a:avLst/>
+          </a:prstGeom>
+          <a:solidFill>
+            <a:srgbClr val="FFFF00"/>
+          </a:solidFill>
+          <a:ln w="9525"/>
+        </p:spPr>
+        <p:style>
+          <a:lnRef idx="2">
+            <a:schemeClr val="accent1">
+              <a:shade val="50000"/>
+            </a:schemeClr>
+          </a:lnRef>
+          <a:fillRef idx="1">
+            <a:schemeClr val="accent1"/>
+          </a:fillRef>
+          <a:effectRef idx="0">
+            <a:schemeClr val="accent1"/>
+          </a:effectRef>
+          <a:fontRef idx="minor">
+            <a:schemeClr val="lt1"/>
+          </a:fontRef>
+        </p:style>
+        <p:txBody>
+          <a:bodyPr rot="0" spcFirstLastPara="0" vertOverflow="overflow" horzOverflow="overflow" vert="horz" wrap="square" lIns="91440" tIns="45720" rIns="91440" bIns="45720" numCol="1" spcCol="0" rtlCol="0" fromWordArt="0" anchor="ctr" anchorCtr="0" forceAA="0" compatLnSpc="1">
+            <a:prstTxWarp prst="textNoShape">
+              <a:avLst/>
+            </a:prstTxWarp>
+            <a:noAutofit/>
+          </a:bodyPr>
+          <a:lstStyle/>
+          <a:p>
+            <a:pPr algn="ctr"/>
+            <a:r>
+              <a:rPr lang="en-US" altLang="ko-KR" sz="2000">
+                <a:solidFill>
+                  <a:schemeClr val="tx1"/>
+                </a:solidFill>
+                <a:latin typeface="Consolas" pitchFamily="49" charset="0"/>
+                <a:cs typeface="Consolas" pitchFamily="49" charset="0"/>
+              </a:rPr>
+              <a:t>0</a:t>
+            </a:r>
+            <a:endParaRPr lang="ko-KR" altLang="en-US" sz="2000">
+              <a:solidFill>
+                <a:schemeClr val="tx1"/>
+              </a:solidFill>
+              <a:latin typeface="Consolas" pitchFamily="49" charset="0"/>
+              <a:cs typeface="Consolas" pitchFamily="49" charset="0"/>
+            </a:endParaRPr>
+          </a:p>
+        </p:txBody>
+      </p:sp>
+      <p:sp>
+        <p:nvSpPr>
+          <p:cNvPr id="50" name="직사각형 49">
+            <a:extLst>
+              <a:ext uri="{FF2B5EF4-FFF2-40B4-BE49-F238E27FC236}">
+                <a16:creationId xmlns:a16="http://schemas.microsoft.com/office/drawing/2014/main" id="{6B4DA943-912F-4AF0-AF7D-09259725B92A}"/>
+              </a:ext>
+            </a:extLst>
+          </p:cNvPr>
+          <p:cNvSpPr/>
+          <p:nvPr/>
+        </p:nvSpPr>
+        <p:spPr>
+          <a:xfrm>
+            <a:off x="1317161" y="5275907"/>
+            <a:ext cx="864096" cy="288032"/>
+          </a:xfrm>
+          <a:prstGeom prst="rect">
+            <a:avLst/>
+          </a:prstGeom>
+          <a:solidFill>
+            <a:srgbClr val="FFC000"/>
+          </a:solidFill>
+          <a:ln w="9525"/>
+        </p:spPr>
+        <p:style>
+          <a:lnRef idx="2">
+            <a:schemeClr val="accent1">
+              <a:shade val="50000"/>
+            </a:schemeClr>
+          </a:lnRef>
+          <a:fillRef idx="1">
+            <a:schemeClr val="accent1"/>
+          </a:fillRef>
+          <a:effectRef idx="0">
+            <a:schemeClr val="accent1"/>
+          </a:effectRef>
+          <a:fontRef idx="minor">
+            <a:schemeClr val="lt1"/>
+          </a:fontRef>
+        </p:style>
+        <p:txBody>
+          <a:bodyPr rot="0" spcFirstLastPara="0" vertOverflow="overflow" horzOverflow="overflow" vert="horz" wrap="square" lIns="91440" tIns="45720" rIns="91440" bIns="45720" numCol="1" spcCol="0" rtlCol="0" fromWordArt="0" anchor="ctr" anchorCtr="0" forceAA="0" compatLnSpc="1">
+            <a:prstTxWarp prst="textNoShape">
+              <a:avLst/>
+            </a:prstTxWarp>
+            <a:noAutofit/>
+          </a:bodyPr>
+          <a:lstStyle/>
+          <a:p>
+            <a:pPr algn="ctr"/>
+            <a:r>
+              <a:rPr lang="en-US" altLang="ko-KR" sz="2000">
+                <a:solidFill>
+                  <a:schemeClr val="tx1"/>
+                </a:solidFill>
+                <a:latin typeface="Consolas" pitchFamily="49" charset="0"/>
+                <a:cs typeface="Consolas" pitchFamily="49" charset="0"/>
+              </a:rPr>
+              <a:t>3</a:t>
+            </a:r>
+            <a:endParaRPr lang="ko-KR" altLang="en-US" sz="2000">
+              <a:solidFill>
+                <a:schemeClr val="tx1"/>
+              </a:solidFill>
+              <a:latin typeface="Consolas" pitchFamily="49" charset="0"/>
+              <a:cs typeface="Consolas" pitchFamily="49" charset="0"/>
+            </a:endParaRPr>
+          </a:p>
+        </p:txBody>
+      </p:sp>
+      <p:sp>
+        <p:nvSpPr>
+          <p:cNvPr id="51" name="직사각형 50">
+            <a:extLst>
+              <a:ext uri="{FF2B5EF4-FFF2-40B4-BE49-F238E27FC236}">
+                <a16:creationId xmlns:a16="http://schemas.microsoft.com/office/drawing/2014/main" id="{39DB4B03-D9D8-4C77-B099-2DD52DBA8000}"/>
+              </a:ext>
+            </a:extLst>
+          </p:cNvPr>
+          <p:cNvSpPr/>
+          <p:nvPr/>
+        </p:nvSpPr>
+        <p:spPr>
+          <a:xfrm>
+            <a:off x="1317161" y="5563939"/>
+            <a:ext cx="864096" cy="288032"/>
+          </a:xfrm>
+          <a:prstGeom prst="rect">
+            <a:avLst/>
+          </a:prstGeom>
+          <a:solidFill>
+            <a:srgbClr val="FFFF00"/>
+          </a:solidFill>
+          <a:ln w="9525"/>
+        </p:spPr>
+        <p:style>
+          <a:lnRef idx="2">
+            <a:schemeClr val="accent1">
+              <a:shade val="50000"/>
+            </a:schemeClr>
+          </a:lnRef>
+          <a:fillRef idx="1">
+            <a:schemeClr val="accent1"/>
+          </a:fillRef>
+          <a:effectRef idx="0">
+            <a:schemeClr val="accent1"/>
+          </a:effectRef>
+          <a:fontRef idx="minor">
+            <a:schemeClr val="lt1"/>
+          </a:fontRef>
+        </p:style>
+        <p:txBody>
+          <a:bodyPr rot="0" spcFirstLastPara="0" vertOverflow="overflow" horzOverflow="overflow" vert="horz" wrap="square" lIns="91440" tIns="45720" rIns="91440" bIns="45720" numCol="1" spcCol="0" rtlCol="0" fromWordArt="0" anchor="ctr" anchorCtr="0" forceAA="0" compatLnSpc="1">
+            <a:prstTxWarp prst="textNoShape">
+              <a:avLst/>
+            </a:prstTxWarp>
+            <a:noAutofit/>
+          </a:bodyPr>
+          <a:lstStyle/>
+          <a:p>
+            <a:pPr algn="ctr"/>
+            <a:r>
+              <a:rPr lang="en-US" altLang="ko-KR" sz="2000">
+                <a:solidFill>
+                  <a:schemeClr val="tx1"/>
+                </a:solidFill>
+                <a:latin typeface="Consolas" pitchFamily="49" charset="0"/>
+                <a:cs typeface="Consolas" pitchFamily="49" charset="0"/>
+              </a:rPr>
+              <a:t>0</a:t>
+            </a:r>
+            <a:endParaRPr lang="ko-KR" altLang="en-US" sz="2000">
+              <a:solidFill>
+                <a:schemeClr val="tx1"/>
+              </a:solidFill>
+              <a:latin typeface="Consolas" pitchFamily="49" charset="0"/>
+              <a:cs typeface="Consolas" pitchFamily="49" charset="0"/>
+            </a:endParaRPr>
+          </a:p>
+        </p:txBody>
+      </p:sp>
+      <p:sp>
+        <p:nvSpPr>
+          <p:cNvPr id="52" name="직사각형 51">
+            <a:extLst>
+              <a:ext uri="{FF2B5EF4-FFF2-40B4-BE49-F238E27FC236}">
+                <a16:creationId xmlns:a16="http://schemas.microsoft.com/office/drawing/2014/main" id="{E0C32E91-272A-4BC1-BF68-9766991B88EC}"/>
+              </a:ext>
+            </a:extLst>
+          </p:cNvPr>
+          <p:cNvSpPr/>
+          <p:nvPr/>
+        </p:nvSpPr>
+        <p:spPr>
+          <a:xfrm>
+            <a:off x="1317161" y="5851971"/>
+            <a:ext cx="864096" cy="288032"/>
+          </a:xfrm>
+          <a:prstGeom prst="rect">
+            <a:avLst/>
+          </a:prstGeom>
+          <a:solidFill>
+            <a:srgbClr val="FFFF00"/>
+          </a:solidFill>
+          <a:ln w="9525"/>
+        </p:spPr>
+        <p:style>
+          <a:lnRef idx="2">
+            <a:schemeClr val="accent1">
+              <a:shade val="50000"/>
+            </a:schemeClr>
+          </a:lnRef>
+          <a:fillRef idx="1">
+            <a:schemeClr val="accent1"/>
+          </a:fillRef>
+          <a:effectRef idx="0">
+            <a:schemeClr val="accent1"/>
+          </a:effectRef>
+          <a:fontRef idx="minor">
+            <a:schemeClr val="lt1"/>
+          </a:fontRef>
+        </p:style>
+        <p:txBody>
+          <a:bodyPr rot="0" spcFirstLastPara="0" vertOverflow="overflow" horzOverflow="overflow" vert="horz" wrap="square" lIns="91440" tIns="45720" rIns="91440" bIns="45720" numCol="1" spcCol="0" rtlCol="0" fromWordArt="0" anchor="ctr" anchorCtr="0" forceAA="0" compatLnSpc="1">
+            <a:prstTxWarp prst="textNoShape">
+              <a:avLst/>
+            </a:prstTxWarp>
+            <a:noAutofit/>
+          </a:bodyPr>
+          <a:lstStyle/>
+          <a:p>
+            <a:pPr algn="ctr"/>
+            <a:r>
+              <a:rPr lang="en-US" altLang="ko-KR" sz="2000">
+                <a:solidFill>
+                  <a:schemeClr val="tx1"/>
+                </a:solidFill>
+                <a:latin typeface="Consolas" pitchFamily="49" charset="0"/>
+                <a:cs typeface="Consolas" pitchFamily="49" charset="0"/>
+              </a:rPr>
+              <a:t>0</a:t>
+            </a:r>
+            <a:endParaRPr lang="ko-KR" altLang="en-US" sz="2000">
+              <a:solidFill>
+                <a:schemeClr val="tx1"/>
+              </a:solidFill>
+              <a:latin typeface="Consolas" pitchFamily="49" charset="0"/>
+              <a:cs typeface="Consolas" pitchFamily="49" charset="0"/>
+            </a:endParaRPr>
+          </a:p>
+        </p:txBody>
+      </p:sp>
+      <p:cxnSp>
+        <p:nvCxnSpPr>
+          <p:cNvPr id="53" name="연결선: 구부러짐 52">
+            <a:extLst>
+              <a:ext uri="{FF2B5EF4-FFF2-40B4-BE49-F238E27FC236}">
+                <a16:creationId xmlns:a16="http://schemas.microsoft.com/office/drawing/2014/main" id="{559EE29F-A453-4495-B01C-BCEF31F6A19D}"/>
+              </a:ext>
+            </a:extLst>
+          </p:cNvPr>
+          <p:cNvCxnSpPr>
+            <a:cxnSpLocks/>
+            <a:stCxn id="31" idx="1"/>
+            <a:endCxn id="47" idx="0"/>
+          </p:cNvCxnSpPr>
+          <p:nvPr/>
+        </p:nvCxnSpPr>
+        <p:spPr>
+          <a:xfrm rot="10800000" flipV="1">
+            <a:off x="-396599" y="4797151"/>
+            <a:ext cx="626489" cy="457175"/>
+          </a:xfrm>
+          <a:prstGeom prst="curvedConnector2">
+            <a:avLst/>
+          </a:prstGeom>
+          <a:ln w="12700">
+            <a:solidFill>
+              <a:schemeClr val="tx1"/>
+            </a:solidFill>
+            <a:tailEnd type="triangle"/>
+          </a:ln>
+        </p:spPr>
+        <p:style>
+          <a:lnRef idx="1">
+            <a:schemeClr val="accent1"/>
+          </a:lnRef>
+          <a:fillRef idx="0">
+            <a:schemeClr val="accent1"/>
+          </a:fillRef>
+          <a:effectRef idx="0">
+            <a:schemeClr val="accent1"/>
+          </a:effectRef>
+          <a:fontRef idx="minor">
+            <a:schemeClr val="tx1"/>
+          </a:fontRef>
+        </p:style>
+      </p:cxnSp>
+      <p:cxnSp>
+        <p:nvCxnSpPr>
+          <p:cNvPr id="56" name="연결선: 구부러짐 55">
+            <a:extLst>
+              <a:ext uri="{FF2B5EF4-FFF2-40B4-BE49-F238E27FC236}">
+                <a16:creationId xmlns:a16="http://schemas.microsoft.com/office/drawing/2014/main" id="{E02DF3C6-73A3-4B76-8D44-764ACD7A6E61}"/>
+              </a:ext>
+            </a:extLst>
+          </p:cNvPr>
+          <p:cNvCxnSpPr>
+            <a:cxnSpLocks/>
+            <a:stCxn id="32" idx="3"/>
+            <a:endCxn id="50" idx="0"/>
+          </p:cNvCxnSpPr>
+          <p:nvPr/>
+        </p:nvCxnSpPr>
+        <p:spPr>
+          <a:xfrm>
+            <a:off x="1093985" y="5085184"/>
+            <a:ext cx="655224" cy="190723"/>
+          </a:xfrm>
+          <a:prstGeom prst="curvedConnector2">
+            <a:avLst/>
+          </a:prstGeom>
+          <a:ln w="12700">
+            <a:solidFill>
+              <a:schemeClr val="tx1"/>
+            </a:solidFill>
+            <a:tailEnd type="triangle"/>
+          </a:ln>
+        </p:spPr>
+        <p:style>
+          <a:lnRef idx="1">
+            <a:schemeClr val="accent1"/>
+          </a:lnRef>
+          <a:fillRef idx="0">
+            <a:schemeClr val="accent1"/>
+          </a:fillRef>
+          <a:effectRef idx="0">
+            <a:schemeClr val="accent1"/>
+          </a:effectRef>
+          <a:fontRef idx="minor">
+            <a:schemeClr val="tx1"/>
+          </a:fontRef>
+        </p:style>
+      </p:cxnSp>
+    </p:spTree>
+    <p:extLst>
+      <p:ext uri="{BB962C8B-B14F-4D97-AF65-F5344CB8AC3E}">
+        <p14:creationId xmlns:p14="http://schemas.microsoft.com/office/powerpoint/2010/main" val="2146664035"/>
       </p:ext>
     </p:extLst>
   </p:cSld>
